--- a/_Notes/03_Ch03.pptx
+++ b/_Notes/03_Ch03.pptx
@@ -5,7 +5,7 @@
     <p:sldMasterId id="2147483648" r:id="rId1"/>
   </p:sldMasterIdLst>
   <p:notesMasterIdLst>
-    <p:notesMasterId r:id="rId21"/>
+    <p:notesMasterId r:id="rId33"/>
   </p:notesMasterIdLst>
   <p:sldIdLst>
     <p:sldId id="256" r:id="rId2"/>
@@ -26,7 +26,19 @@
     <p:sldId id="275" r:id="rId17"/>
     <p:sldId id="276" r:id="rId18"/>
     <p:sldId id="277" r:id="rId19"/>
-    <p:sldId id="278" r:id="rId20"/>
+    <p:sldId id="290" r:id="rId20"/>
+    <p:sldId id="291" r:id="rId21"/>
+    <p:sldId id="292" r:id="rId22"/>
+    <p:sldId id="289" r:id="rId23"/>
+    <p:sldId id="278" r:id="rId24"/>
+    <p:sldId id="279" r:id="rId25"/>
+    <p:sldId id="280" r:id="rId26"/>
+    <p:sldId id="281" r:id="rId27"/>
+    <p:sldId id="282" r:id="rId28"/>
+    <p:sldId id="283" r:id="rId29"/>
+    <p:sldId id="285" r:id="rId30"/>
+    <p:sldId id="286" r:id="rId31"/>
+    <p:sldId id="288" r:id="rId32"/>
   </p:sldIdLst>
   <p:sldSz cx="12192000" cy="6858000"/>
   <p:notesSz cx="6858000" cy="9144000"/>
@@ -136,7 +148,7 @@
 <file path=ppt/revisionInfo.xml><?xml version="1.0" encoding="utf-8"?>
 <p1510:revInfo xmlns:a="http://schemas.openxmlformats.org/drawingml/2006/main" xmlns:r="http://schemas.openxmlformats.org/officeDocument/2006/relationships" xmlns:p1510="http://schemas.microsoft.com/office/powerpoint/2015/10/main">
   <p1510:revLst>
-    <p1510:client id="{13914BB7-0557-4FC8-BA56-2BFC0A6E0E14}" v="1057" dt="2018-10-11T15:07:07.507"/>
+    <p1510:client id="{2C80F086-841D-467C-90DD-7B623516EE48}" v="127" dt="2018-10-18T02:21:53.813"/>
   </p1510:revLst>
 </p1510:revInfo>
 </file>
@@ -144,863 +156,197 @@
 <file path=ppt/changesInfos/changesInfo1.xml><?xml version="1.0" encoding="utf-8"?>
 <pc:chgInfo xmlns:a="http://schemas.openxmlformats.org/drawingml/2006/main" xmlns:r="http://schemas.openxmlformats.org/officeDocument/2006/relationships" xmlns:ac="http://schemas.microsoft.com/office/drawing/2013/main/command" xmlns:pc="http://schemas.microsoft.com/office/powerpoint/2013/main/command">
   <pc:docChgLst>
-    <pc:chgData name="Renyuan Lyu" userId="eadeb139afb46539" providerId="LiveId" clId="{13914BB7-0557-4FC8-BA56-2BFC0A6E0E14}"/>
-    <pc:docChg chg="custSel addSld delSld modSld">
-      <pc:chgData name="Renyuan Lyu" userId="eadeb139afb46539" providerId="LiveId" clId="{13914BB7-0557-4FC8-BA56-2BFC0A6E0E14}" dt="2018-10-11T15:07:07.507" v="1190" actId="1076"/>
+    <pc:chgData name="Renyuan Lyu" userId="eadeb139afb46539" providerId="LiveId" clId="{CAAE2515-E7CE-422E-8642-3EB0356797BA}"/>
+    <pc:docChg chg="addSld delSld modSld">
+      <pc:chgData name="Renyuan Lyu" userId="eadeb139afb46539" providerId="LiveId" clId="{CAAE2515-E7CE-422E-8642-3EB0356797BA}" dt="2018-10-17T14:40:56.217" v="121" actId="1076"/>
       <pc:docMkLst>
         <pc:docMk/>
       </pc:docMkLst>
       <pc:sldChg chg="modSp add">
-        <pc:chgData name="Renyuan Lyu" userId="eadeb139afb46539" providerId="LiveId" clId="{13914BB7-0557-4FC8-BA56-2BFC0A6E0E14}" dt="2018-10-11T11:51:01.069" v="855" actId="403"/>
+        <pc:chgData name="Renyuan Lyu" userId="eadeb139afb46539" providerId="LiveId" clId="{CAAE2515-E7CE-422E-8642-3EB0356797BA}" dt="2018-10-17T13:32:02.912" v="17" actId="20577"/>
         <pc:sldMkLst>
           <pc:docMk/>
-          <pc:sldMk cId="4075473272" sldId="256"/>
+          <pc:sldMk cId="1984532448" sldId="283"/>
         </pc:sldMkLst>
         <pc:spChg chg="mod">
-          <ac:chgData name="Renyuan Lyu" userId="eadeb139afb46539" providerId="LiveId" clId="{13914BB7-0557-4FC8-BA56-2BFC0A6E0E14}" dt="2018-10-11T11:50:52.569" v="851" actId="113"/>
+          <ac:chgData name="Renyuan Lyu" userId="eadeb139afb46539" providerId="LiveId" clId="{CAAE2515-E7CE-422E-8642-3EB0356797BA}" dt="2018-10-17T13:32:02.912" v="17" actId="20577"/>
           <ac:spMkLst>
             <pc:docMk/>
-            <pc:sldMk cId="4075473272" sldId="256"/>
-            <ac:spMk id="2" creationId="{95F841D6-3015-4177-B49C-72E681E13DA5}"/>
+            <pc:sldMk cId="1984532448" sldId="283"/>
+            <ac:spMk id="3" creationId="{3AB9C897-862D-4E59-B660-A0B8BCFB3E1C}"/>
           </ac:spMkLst>
         </pc:spChg>
+      </pc:sldChg>
+      <pc:sldChg chg="add del">
+        <pc:chgData name="Renyuan Lyu" userId="eadeb139afb46539" providerId="LiveId" clId="{CAAE2515-E7CE-422E-8642-3EB0356797BA}" dt="2018-10-17T13:26:30.830" v="4" actId="2696"/>
+        <pc:sldMkLst>
+          <pc:docMk/>
+          <pc:sldMk cId="3362457518" sldId="284"/>
+        </pc:sldMkLst>
+      </pc:sldChg>
+      <pc:sldChg chg="modSp add">
+        <pc:chgData name="Renyuan Lyu" userId="eadeb139afb46539" providerId="LiveId" clId="{CAAE2515-E7CE-422E-8642-3EB0356797BA}" dt="2018-10-17T13:42:23.237" v="97" actId="20577"/>
+        <pc:sldMkLst>
+          <pc:docMk/>
+          <pc:sldMk cId="3133043231" sldId="285"/>
+        </pc:sldMkLst>
         <pc:spChg chg="mod">
-          <ac:chgData name="Renyuan Lyu" userId="eadeb139afb46539" providerId="LiveId" clId="{13914BB7-0557-4FC8-BA56-2BFC0A6E0E14}" dt="2018-10-11T11:51:01.069" v="855" actId="403"/>
+          <ac:chgData name="Renyuan Lyu" userId="eadeb139afb46539" providerId="LiveId" clId="{CAAE2515-E7CE-422E-8642-3EB0356797BA}" dt="2018-10-17T13:42:23.237" v="97" actId="20577"/>
           <ac:spMkLst>
             <pc:docMk/>
-            <pc:sldMk cId="4075473272" sldId="256"/>
-            <ac:spMk id="3" creationId="{9B0E02DB-598E-4D17-BE3F-E7C1A2BFAAC0}"/>
+            <pc:sldMk cId="3133043231" sldId="285"/>
+            <ac:spMk id="3" creationId="{0D4F3C9B-EBB8-43D4-9DB7-7FEAFCE6A300}"/>
+          </ac:spMkLst>
+        </pc:spChg>
+      </pc:sldChg>
+      <pc:sldChg chg="addSp modSp add">
+        <pc:chgData name="Renyuan Lyu" userId="eadeb139afb46539" providerId="LiveId" clId="{CAAE2515-E7CE-422E-8642-3EB0356797BA}" dt="2018-10-17T14:40:56.217" v="121" actId="1076"/>
+        <pc:sldMkLst>
+          <pc:docMk/>
+          <pc:sldMk cId="2241575209" sldId="286"/>
+        </pc:sldMkLst>
+        <pc:spChg chg="mod">
+          <ac:chgData name="Renyuan Lyu" userId="eadeb139afb46539" providerId="LiveId" clId="{CAAE2515-E7CE-422E-8642-3EB0356797BA}" dt="2018-10-17T14:40:12.637" v="118"/>
+          <ac:spMkLst>
+            <pc:docMk/>
+            <pc:sldMk cId="2241575209" sldId="286"/>
+            <ac:spMk id="3" creationId="{BD71F3E6-EDB2-423E-AD3A-8F4E5691E942}"/>
+          </ac:spMkLst>
+        </pc:spChg>
+        <pc:picChg chg="add mod">
+          <ac:chgData name="Renyuan Lyu" userId="eadeb139afb46539" providerId="LiveId" clId="{CAAE2515-E7CE-422E-8642-3EB0356797BA}" dt="2018-10-17T14:40:56.217" v="121" actId="1076"/>
+          <ac:picMkLst>
+            <pc:docMk/>
+            <pc:sldMk cId="2241575209" sldId="286"/>
+            <ac:picMk id="5" creationId="{DA72DA2B-0E90-4DFE-9D9E-F337C6DA7B7E}"/>
+          </ac:picMkLst>
+        </pc:picChg>
+      </pc:sldChg>
+      <pc:sldChg chg="modSp add del">
+        <pc:chgData name="Renyuan Lyu" userId="eadeb139afb46539" providerId="LiveId" clId="{CAAE2515-E7CE-422E-8642-3EB0356797BA}" dt="2018-10-17T13:38:57.944" v="19" actId="2696"/>
+        <pc:sldMkLst>
+          <pc:docMk/>
+          <pc:sldMk cId="1228458988" sldId="287"/>
+        </pc:sldMkLst>
+        <pc:spChg chg="mod">
+          <ac:chgData name="Renyuan Lyu" userId="eadeb139afb46539" providerId="LiveId" clId="{CAAE2515-E7CE-422E-8642-3EB0356797BA}" dt="2018-10-17T13:38:57.641" v="18"/>
+          <ac:spMkLst>
+            <pc:docMk/>
+            <pc:sldMk cId="1228458988" sldId="287"/>
+            <ac:spMk id="2" creationId="{F8A5E7A0-3332-4DD4-BE94-5E3B56B01EA2}"/>
+          </ac:spMkLst>
+        </pc:spChg>
+      </pc:sldChg>
+      <pc:sldChg chg="modSp add del">
+        <pc:chgData name="Renyuan Lyu" userId="eadeb139afb46539" providerId="LiveId" clId="{CAAE2515-E7CE-422E-8642-3EB0356797BA}" dt="2018-10-17T14:24:36.934" v="102" actId="2696"/>
+        <pc:sldMkLst>
+          <pc:docMk/>
+          <pc:sldMk cId="1941483054" sldId="287"/>
+        </pc:sldMkLst>
+        <pc:spChg chg="mod">
+          <ac:chgData name="Renyuan Lyu" userId="eadeb139afb46539" providerId="LiveId" clId="{CAAE2515-E7CE-422E-8642-3EB0356797BA}" dt="2018-10-17T14:24:33.885" v="98"/>
+          <ac:spMkLst>
+            <pc:docMk/>
+            <pc:sldMk cId="1941483054" sldId="287"/>
+            <ac:spMk id="2" creationId="{8661D342-1323-4FDD-8EE8-D260781A0870}"/>
           </ac:spMkLst>
         </pc:spChg>
       </pc:sldChg>
       <pc:sldChg chg="modSp add">
-        <pc:chgData name="Renyuan Lyu" userId="eadeb139afb46539" providerId="LiveId" clId="{13914BB7-0557-4FC8-BA56-2BFC0A6E0E14}" dt="2018-10-09T23:31:20.110" v="53" actId="207"/>
+        <pc:chgData name="Renyuan Lyu" userId="eadeb139afb46539" providerId="LiveId" clId="{CAAE2515-E7CE-422E-8642-3EB0356797BA}" dt="2018-10-17T14:24:34.051" v="99"/>
         <pc:sldMkLst>
           <pc:docMk/>
-          <pc:sldMk cId="2359018109" sldId="257"/>
+          <pc:sldMk cId="1348529545" sldId="288"/>
         </pc:sldMkLst>
         <pc:spChg chg="mod">
-          <ac:chgData name="Renyuan Lyu" userId="eadeb139afb46539" providerId="LiveId" clId="{13914BB7-0557-4FC8-BA56-2BFC0A6E0E14}" dt="2018-10-09T23:26:22.105" v="20" actId="20577"/>
+          <ac:chgData name="Renyuan Lyu" userId="eadeb139afb46539" providerId="LiveId" clId="{CAAE2515-E7CE-422E-8642-3EB0356797BA}" dt="2018-10-17T14:24:34.051" v="99"/>
           <ac:spMkLst>
             <pc:docMk/>
-            <pc:sldMk cId="2359018109" sldId="257"/>
-            <ac:spMk id="2" creationId="{D3A1EA89-768D-4577-9792-AB9BD96629BB}"/>
-          </ac:spMkLst>
-        </pc:spChg>
-        <pc:spChg chg="mod">
-          <ac:chgData name="Renyuan Lyu" userId="eadeb139afb46539" providerId="LiveId" clId="{13914BB7-0557-4FC8-BA56-2BFC0A6E0E14}" dt="2018-10-09T23:31:20.110" v="53" actId="207"/>
-          <ac:spMkLst>
-            <pc:docMk/>
-            <pc:sldMk cId="2359018109" sldId="257"/>
-            <ac:spMk id="3" creationId="{E0E6293E-5E4E-457B-AC34-1C4BAD39A719}"/>
+            <pc:sldMk cId="1348529545" sldId="288"/>
+            <ac:spMk id="2" creationId="{D86A72C5-C883-43C9-B6BE-CFBE1FEBE990}"/>
           </ac:spMkLst>
         </pc:spChg>
       </pc:sldChg>
       <pc:sldChg chg="modSp add">
-        <pc:chgData name="Renyuan Lyu" userId="eadeb139afb46539" providerId="LiveId" clId="{13914BB7-0557-4FC8-BA56-2BFC0A6E0E14}" dt="2018-10-09T23:31:40.949" v="55"/>
+        <pc:chgData name="Renyuan Lyu" userId="eadeb139afb46539" providerId="LiveId" clId="{CAAE2515-E7CE-422E-8642-3EB0356797BA}" dt="2018-10-17T14:24:34.234" v="100"/>
         <pc:sldMkLst>
           <pc:docMk/>
-          <pc:sldMk cId="1343957738" sldId="258"/>
+          <pc:sldMk cId="1627585693" sldId="289"/>
         </pc:sldMkLst>
         <pc:spChg chg="mod">
-          <ac:chgData name="Renyuan Lyu" userId="eadeb139afb46539" providerId="LiveId" clId="{13914BB7-0557-4FC8-BA56-2BFC0A6E0E14}" dt="2018-10-09T23:27:07.947" v="26" actId="27636"/>
+          <ac:chgData name="Renyuan Lyu" userId="eadeb139afb46539" providerId="LiveId" clId="{CAAE2515-E7CE-422E-8642-3EB0356797BA}" dt="2018-10-17T14:24:34.234" v="100"/>
           <ac:spMkLst>
             <pc:docMk/>
-            <pc:sldMk cId="1343957738" sldId="258"/>
-            <ac:spMk id="2" creationId="{DA901F2F-791E-4896-824E-74D6269DAED7}"/>
-          </ac:spMkLst>
-        </pc:spChg>
-        <pc:spChg chg="mod">
-          <ac:chgData name="Renyuan Lyu" userId="eadeb139afb46539" providerId="LiveId" clId="{13914BB7-0557-4FC8-BA56-2BFC0A6E0E14}" dt="2018-10-09T23:31:40.949" v="55"/>
-          <ac:spMkLst>
-            <pc:docMk/>
-            <pc:sldMk cId="1343957738" sldId="258"/>
-            <ac:spMk id="3" creationId="{9DC5662B-F087-4D9C-B1F0-8843ED6E0615}"/>
-          </ac:spMkLst>
-        </pc:spChg>
-      </pc:sldChg>
-      <pc:sldChg chg="addSp delSp modSp add">
-        <pc:chgData name="Renyuan Lyu" userId="eadeb139afb46539" providerId="LiveId" clId="{13914BB7-0557-4FC8-BA56-2BFC0A6E0E14}" dt="2018-10-11T06:50:06.654" v="257" actId="1076"/>
-        <pc:sldMkLst>
-          <pc:docMk/>
-          <pc:sldMk cId="1388021187" sldId="259"/>
-        </pc:sldMkLst>
-        <pc:spChg chg="mod">
-          <ac:chgData name="Renyuan Lyu" userId="eadeb139afb46539" providerId="LiveId" clId="{13914BB7-0557-4FC8-BA56-2BFC0A6E0E14}" dt="2018-10-10T12:30:59.162" v="69" actId="20577"/>
-          <ac:spMkLst>
-            <pc:docMk/>
-            <pc:sldMk cId="1388021187" sldId="259"/>
-            <ac:spMk id="2" creationId="{85E8D656-84DB-43B4-AD6B-27633DCD56D9}"/>
-          </ac:spMkLst>
-        </pc:spChg>
-        <pc:spChg chg="mod">
-          <ac:chgData name="Renyuan Lyu" userId="eadeb139afb46539" providerId="LiveId" clId="{13914BB7-0557-4FC8-BA56-2BFC0A6E0E14}" dt="2018-10-11T06:50:06.654" v="257" actId="1076"/>
-          <ac:spMkLst>
-            <pc:docMk/>
-            <pc:sldMk cId="1388021187" sldId="259"/>
-            <ac:spMk id="3" creationId="{1DBB5A40-AACA-46C1-B87B-F154361DC513}"/>
-          </ac:spMkLst>
-        </pc:spChg>
-        <pc:spChg chg="add del">
-          <ac:chgData name="Renyuan Lyu" userId="eadeb139afb46539" providerId="LiveId" clId="{13914BB7-0557-4FC8-BA56-2BFC0A6E0E14}" dt="2018-10-10T12:33:35.388" v="82"/>
-          <ac:spMkLst>
-            <pc:docMk/>
-            <pc:sldMk cId="1388021187" sldId="259"/>
-            <ac:spMk id="4" creationId="{103BE1F4-4133-4303-B97F-587938DC425C}"/>
-          </ac:spMkLst>
-        </pc:spChg>
-        <pc:spChg chg="add del mod">
-          <ac:chgData name="Renyuan Lyu" userId="eadeb139afb46539" providerId="LiveId" clId="{13914BB7-0557-4FC8-BA56-2BFC0A6E0E14}" dt="2018-10-10T12:36:59.733" v="139" actId="478"/>
-          <ac:spMkLst>
-            <pc:docMk/>
-            <pc:sldMk cId="1388021187" sldId="259"/>
-            <ac:spMk id="6" creationId="{3D95C0C2-7733-4F7D-A7FB-CA20D98B2865}"/>
-          </ac:spMkLst>
-        </pc:spChg>
-        <pc:spChg chg="add mod">
-          <ac:chgData name="Renyuan Lyu" userId="eadeb139afb46539" providerId="LiveId" clId="{13914BB7-0557-4FC8-BA56-2BFC0A6E0E14}" dt="2018-10-10T12:42:21.607" v="203" actId="1076"/>
-          <ac:spMkLst>
-            <pc:docMk/>
-            <pc:sldMk cId="1388021187" sldId="259"/>
-            <ac:spMk id="8" creationId="{EB636EB4-CA8F-46AC-BD28-9269E7DB1C56}"/>
-          </ac:spMkLst>
-        </pc:spChg>
-        <pc:graphicFrameChg chg="add del mod">
-          <ac:chgData name="Renyuan Lyu" userId="eadeb139afb46539" providerId="LiveId" clId="{13914BB7-0557-4FC8-BA56-2BFC0A6E0E14}" dt="2018-10-10T12:36:59.733" v="139" actId="478"/>
-          <ac:graphicFrameMkLst>
-            <pc:docMk/>
-            <pc:sldMk cId="1388021187" sldId="259"/>
-            <ac:graphicFrameMk id="5" creationId="{1E47930C-EF32-49C9-8182-3A9734DE8D16}"/>
-          </ac:graphicFrameMkLst>
-        </pc:graphicFrameChg>
-        <pc:graphicFrameChg chg="add mod">
-          <ac:chgData name="Renyuan Lyu" userId="eadeb139afb46539" providerId="LiveId" clId="{13914BB7-0557-4FC8-BA56-2BFC0A6E0E14}" dt="2018-10-10T12:44:34.607" v="219" actId="13926"/>
-          <ac:graphicFrameMkLst>
-            <pc:docMk/>
-            <pc:sldMk cId="1388021187" sldId="259"/>
-            <ac:graphicFrameMk id="7" creationId="{B7BC008C-41B5-4D6E-9074-5FB226CCDE38}"/>
-          </ac:graphicFrameMkLst>
-        </pc:graphicFrameChg>
-      </pc:sldChg>
-      <pc:sldChg chg="addSp modSp add">
-        <pc:chgData name="Renyuan Lyu" userId="eadeb139afb46539" providerId="LiveId" clId="{13914BB7-0557-4FC8-BA56-2BFC0A6E0E14}" dt="2018-10-11T06:51:52.380" v="259"/>
-        <pc:sldMkLst>
-          <pc:docMk/>
-          <pc:sldMk cId="3938928438" sldId="260"/>
-        </pc:sldMkLst>
-        <pc:spChg chg="mod">
-          <ac:chgData name="Renyuan Lyu" userId="eadeb139afb46539" providerId="LiveId" clId="{13914BB7-0557-4FC8-BA56-2BFC0A6E0E14}" dt="2018-10-11T06:51:52.380" v="259"/>
-          <ac:spMkLst>
-            <pc:docMk/>
-            <pc:sldMk cId="3938928438" sldId="260"/>
-            <ac:spMk id="2" creationId="{C0308CDE-20D0-4AB7-A2CB-F6B773F4ED39}"/>
-          </ac:spMkLst>
-        </pc:spChg>
-        <pc:spChg chg="mod">
-          <ac:chgData name="Renyuan Lyu" userId="eadeb139afb46539" providerId="LiveId" clId="{13914BB7-0557-4FC8-BA56-2BFC0A6E0E14}" dt="2018-10-11T06:49:19.758" v="250" actId="27636"/>
-          <ac:spMkLst>
-            <pc:docMk/>
-            <pc:sldMk cId="3938928438" sldId="260"/>
-            <ac:spMk id="3" creationId="{CB76F491-57A7-49CF-B0D5-64E90026170E}"/>
-          </ac:spMkLst>
-        </pc:spChg>
-        <pc:picChg chg="add mod">
-          <ac:chgData name="Renyuan Lyu" userId="eadeb139afb46539" providerId="LiveId" clId="{13914BB7-0557-4FC8-BA56-2BFC0A6E0E14}" dt="2018-10-11T06:49:15.457" v="248" actId="14100"/>
-          <ac:picMkLst>
-            <pc:docMk/>
-            <pc:sldMk cId="3938928438" sldId="260"/>
-            <ac:picMk id="4" creationId="{17721586-4923-4FCD-88AA-25DA92EE5E06}"/>
-          </ac:picMkLst>
-        </pc:picChg>
-      </pc:sldChg>
-      <pc:sldChg chg="modSp add">
-        <pc:chgData name="Renyuan Lyu" userId="eadeb139afb46539" providerId="LiveId" clId="{13914BB7-0557-4FC8-BA56-2BFC0A6E0E14}" dt="2018-10-11T11:55:11.358" v="925" actId="113"/>
-        <pc:sldMkLst>
-          <pc:docMk/>
-          <pc:sldMk cId="3558976907" sldId="261"/>
-        </pc:sldMkLst>
-        <pc:spChg chg="mod">
-          <ac:chgData name="Renyuan Lyu" userId="eadeb139afb46539" providerId="LiveId" clId="{13914BB7-0557-4FC8-BA56-2BFC0A6E0E14}" dt="2018-10-11T11:53:00.186" v="903" actId="207"/>
-          <ac:spMkLst>
-            <pc:docMk/>
-            <pc:sldMk cId="3558976907" sldId="261"/>
-            <ac:spMk id="2" creationId="{47E96488-EAF8-4093-BC0A-E1992550E524}"/>
-          </ac:spMkLst>
-        </pc:spChg>
-        <pc:spChg chg="mod">
-          <ac:chgData name="Renyuan Lyu" userId="eadeb139afb46539" providerId="LiveId" clId="{13914BB7-0557-4FC8-BA56-2BFC0A6E0E14}" dt="2018-10-11T11:55:11.358" v="925" actId="113"/>
-          <ac:spMkLst>
-            <pc:docMk/>
-            <pc:sldMk cId="3558976907" sldId="261"/>
-            <ac:spMk id="3" creationId="{411BF364-A97E-4E40-B6AB-6CE768FFA4EF}"/>
-          </ac:spMkLst>
-        </pc:spChg>
-      </pc:sldChg>
-      <pc:sldChg chg="modSp add del">
-        <pc:chgData name="Renyuan Lyu" userId="eadeb139afb46539" providerId="LiveId" clId="{13914BB7-0557-4FC8-BA56-2BFC0A6E0E14}" dt="2018-10-11T09:19:46.367" v="463" actId="2696"/>
-        <pc:sldMkLst>
-          <pc:docMk/>
-          <pc:sldMk cId="3239243480" sldId="262"/>
-        </pc:sldMkLst>
-        <pc:spChg chg="mod">
-          <ac:chgData name="Renyuan Lyu" userId="eadeb139afb46539" providerId="LiveId" clId="{13914BB7-0557-4FC8-BA56-2BFC0A6E0E14}" dt="2018-10-09T23:31:46.732" v="59"/>
-          <ac:spMkLst>
-            <pc:docMk/>
-            <pc:sldMk cId="3239243480" sldId="262"/>
-            <ac:spMk id="2" creationId="{C5FCC556-E3DB-4E22-B552-BA7F2C56370E}"/>
-          </ac:spMkLst>
-        </pc:spChg>
-      </pc:sldChg>
-      <pc:sldChg chg="addSp delSp modSp add del">
-        <pc:chgData name="Renyuan Lyu" userId="eadeb139afb46539" providerId="LiveId" clId="{13914BB7-0557-4FC8-BA56-2BFC0A6E0E14}" dt="2018-10-11T11:56:35.169" v="930" actId="2696"/>
-        <pc:sldMkLst>
-          <pc:docMk/>
-          <pc:sldMk cId="3706325614" sldId="263"/>
-        </pc:sldMkLst>
-        <pc:spChg chg="mod">
-          <ac:chgData name="Renyuan Lyu" userId="eadeb139afb46539" providerId="LiveId" clId="{13914BB7-0557-4FC8-BA56-2BFC0A6E0E14}" dt="2018-10-09T23:31:46.919" v="60"/>
-          <ac:spMkLst>
-            <pc:docMk/>
-            <pc:sldMk cId="3706325614" sldId="263"/>
-            <ac:spMk id="2" creationId="{B4D501C3-872D-4E13-82D7-5E310BA22D7F}"/>
-          </ac:spMkLst>
-        </pc:spChg>
-        <pc:spChg chg="del mod">
-          <ac:chgData name="Renyuan Lyu" userId="eadeb139afb46539" providerId="LiveId" clId="{13914BB7-0557-4FC8-BA56-2BFC0A6E0E14}" dt="2018-10-11T09:25:09.970" v="517" actId="478"/>
-          <ac:spMkLst>
-            <pc:docMk/>
-            <pc:sldMk cId="3706325614" sldId="263"/>
-            <ac:spMk id="3" creationId="{59D9D20C-50DC-499B-961B-ABD5AF1AC991}"/>
-          </ac:spMkLst>
-        </pc:spChg>
-        <pc:spChg chg="add del">
-          <ac:chgData name="Renyuan Lyu" userId="eadeb139afb46539" providerId="LiveId" clId="{13914BB7-0557-4FC8-BA56-2BFC0A6E0E14}" dt="2018-10-11T09:23:07.453" v="509"/>
-          <ac:spMkLst>
-            <pc:docMk/>
-            <pc:sldMk cId="3706325614" sldId="263"/>
-            <ac:spMk id="4" creationId="{2167338C-F886-493C-86A7-76D5E5D67A78}"/>
-          </ac:spMkLst>
-        </pc:spChg>
-        <pc:spChg chg="add del mod">
-          <ac:chgData name="Renyuan Lyu" userId="eadeb139afb46539" providerId="LiveId" clId="{13914BB7-0557-4FC8-BA56-2BFC0A6E0E14}" dt="2018-10-11T09:26:12.351" v="549"/>
-          <ac:spMkLst>
-            <pc:docMk/>
-            <pc:sldMk cId="3706325614" sldId="263"/>
-            <ac:spMk id="5" creationId="{7B8B9335-0E6B-4919-BC0F-E0B2BB18FA4D}"/>
-          </ac:spMkLst>
-        </pc:spChg>
-      </pc:sldChg>
-      <pc:sldChg chg="modSp add del">
-        <pc:chgData name="Renyuan Lyu" userId="eadeb139afb46539" providerId="LiveId" clId="{13914BB7-0557-4FC8-BA56-2BFC0A6E0E14}" dt="2018-10-11T06:45:41.015" v="221" actId="2696"/>
-        <pc:sldMkLst>
-          <pc:docMk/>
-          <pc:sldMk cId="2330321790" sldId="264"/>
-        </pc:sldMkLst>
-        <pc:spChg chg="mod">
-          <ac:chgData name="Renyuan Lyu" userId="eadeb139afb46539" providerId="LiveId" clId="{13914BB7-0557-4FC8-BA56-2BFC0A6E0E14}" dt="2018-10-11T06:45:40.696" v="220"/>
-          <ac:spMkLst>
-            <pc:docMk/>
-            <pc:sldMk cId="2330321790" sldId="264"/>
-            <ac:spMk id="2" creationId="{8A5656B4-70FE-42C5-BD3E-F73D5464138F}"/>
-          </ac:spMkLst>
-        </pc:spChg>
-      </pc:sldChg>
-      <pc:sldChg chg="modSp add del">
-        <pc:chgData name="Renyuan Lyu" userId="eadeb139afb46539" providerId="LiveId" clId="{13914BB7-0557-4FC8-BA56-2BFC0A6E0E14}" dt="2018-10-10T12:20:42.068" v="62" actId="2696"/>
-        <pc:sldMkLst>
-          <pc:docMk/>
-          <pc:sldMk cId="4165148693" sldId="264"/>
-        </pc:sldMkLst>
-        <pc:spChg chg="mod">
-          <ac:chgData name="Renyuan Lyu" userId="eadeb139afb46539" providerId="LiveId" clId="{13914BB7-0557-4FC8-BA56-2BFC0A6E0E14}" dt="2018-10-10T12:20:41.859" v="61"/>
-          <ac:spMkLst>
-            <pc:docMk/>
-            <pc:sldMk cId="4165148693" sldId="264"/>
-            <ac:spMk id="2" creationId="{1F3A756D-DC5B-4BC6-804F-89ED2545FBC7}"/>
-          </ac:spMkLst>
-        </pc:spChg>
-      </pc:sldChg>
-      <pc:sldChg chg="addSp modSp add">
-        <pc:chgData name="Renyuan Lyu" userId="eadeb139afb46539" providerId="LiveId" clId="{13914BB7-0557-4FC8-BA56-2BFC0A6E0E14}" dt="2018-10-11T11:52:09.178" v="897" actId="113"/>
-        <pc:sldMkLst>
-          <pc:docMk/>
-          <pc:sldMk cId="4287194859" sldId="264"/>
-        </pc:sldMkLst>
-        <pc:spChg chg="mod">
-          <ac:chgData name="Renyuan Lyu" userId="eadeb139afb46539" providerId="LiveId" clId="{13914BB7-0557-4FC8-BA56-2BFC0A6E0E14}" dt="2018-10-11T11:52:09.178" v="897" actId="113"/>
-          <ac:spMkLst>
-            <pc:docMk/>
-            <pc:sldMk cId="4287194859" sldId="264"/>
-            <ac:spMk id="2" creationId="{FE3AA12B-E664-44F0-AEDA-E497C433C072}"/>
-          </ac:spMkLst>
-        </pc:spChg>
-        <pc:spChg chg="mod">
-          <ac:chgData name="Renyuan Lyu" userId="eadeb139afb46539" providerId="LiveId" clId="{13914BB7-0557-4FC8-BA56-2BFC0A6E0E14}" dt="2018-10-11T07:32:03.478" v="308"/>
-          <ac:spMkLst>
-            <pc:docMk/>
-            <pc:sldMk cId="4287194859" sldId="264"/>
-            <ac:spMk id="3" creationId="{5CFC8ACC-BCB6-4F89-B5FD-5B7753F33611}"/>
-          </ac:spMkLst>
-        </pc:spChg>
-        <pc:picChg chg="add mod">
-          <ac:chgData name="Renyuan Lyu" userId="eadeb139afb46539" providerId="LiveId" clId="{13914BB7-0557-4FC8-BA56-2BFC0A6E0E14}" dt="2018-10-11T08:17:39.738" v="315" actId="14100"/>
-          <ac:picMkLst>
-            <pc:docMk/>
-            <pc:sldMk cId="4287194859" sldId="264"/>
-            <ac:picMk id="4" creationId="{78119C42-B4D6-4EF5-88C7-CBA4411A6811}"/>
-          </ac:picMkLst>
-        </pc:picChg>
-        <pc:picChg chg="add mod">
-          <ac:chgData name="Renyuan Lyu" userId="eadeb139afb46539" providerId="LiveId" clId="{13914BB7-0557-4FC8-BA56-2BFC0A6E0E14}" dt="2018-10-11T08:17:49.471" v="317" actId="14100"/>
-          <ac:picMkLst>
-            <pc:docMk/>
-            <pc:sldMk cId="4287194859" sldId="264"/>
-            <ac:picMk id="5" creationId="{60D2FE80-7084-48B4-BB14-B921AE498B04}"/>
-          </ac:picMkLst>
-        </pc:picChg>
-      </pc:sldChg>
-      <pc:sldChg chg="addSp delSp modSp add">
-        <pc:chgData name="Renyuan Lyu" userId="eadeb139afb46539" providerId="LiveId" clId="{13914BB7-0557-4FC8-BA56-2BFC0A6E0E14}" dt="2018-10-11T09:18:38.813" v="462" actId="27636"/>
-        <pc:sldMkLst>
-          <pc:docMk/>
-          <pc:sldMk cId="2648547287" sldId="265"/>
-        </pc:sldMkLst>
-        <pc:spChg chg="del">
-          <ac:chgData name="Renyuan Lyu" userId="eadeb139afb46539" providerId="LiveId" clId="{13914BB7-0557-4FC8-BA56-2BFC0A6E0E14}" dt="2018-10-11T08:35:32.294" v="319" actId="478"/>
-          <ac:spMkLst>
-            <pc:docMk/>
-            <pc:sldMk cId="2648547287" sldId="265"/>
-            <ac:spMk id="2" creationId="{45C48D79-1271-42A1-BAFA-F45C5CF201E7}"/>
-          </ac:spMkLst>
-        </pc:spChg>
-        <pc:spChg chg="mod">
-          <ac:chgData name="Renyuan Lyu" userId="eadeb139afb46539" providerId="LiveId" clId="{13914BB7-0557-4FC8-BA56-2BFC0A6E0E14}" dt="2018-10-11T09:18:38.813" v="462" actId="27636"/>
-          <ac:spMkLst>
-            <pc:docMk/>
-            <pc:sldMk cId="2648547287" sldId="265"/>
-            <ac:spMk id="3" creationId="{B9CE9246-5DD3-4FEF-BA8A-39595368454D}"/>
-          </ac:spMkLst>
-        </pc:spChg>
-        <pc:spChg chg="add mod">
-          <ac:chgData name="Renyuan Lyu" userId="eadeb139afb46539" providerId="LiveId" clId="{13914BB7-0557-4FC8-BA56-2BFC0A6E0E14}" dt="2018-10-11T09:17:13.384" v="328" actId="20577"/>
-          <ac:spMkLst>
-            <pc:docMk/>
-            <pc:sldMk cId="2648547287" sldId="265"/>
-            <ac:spMk id="5" creationId="{1C66286D-7F76-49B5-9335-5B74AC5DE227}"/>
-          </ac:spMkLst>
-        </pc:spChg>
-        <pc:picChg chg="add mod">
-          <ac:chgData name="Renyuan Lyu" userId="eadeb139afb46539" providerId="LiveId" clId="{13914BB7-0557-4FC8-BA56-2BFC0A6E0E14}" dt="2018-10-11T09:16:10.678" v="324" actId="1076"/>
-          <ac:picMkLst>
-            <pc:docMk/>
-            <pc:sldMk cId="2648547287" sldId="265"/>
-            <ac:picMk id="2" creationId="{D18E12AE-6EFD-4488-B994-59A118126B61}"/>
-          </ac:picMkLst>
-        </pc:picChg>
-        <pc:picChg chg="add mod">
-          <ac:chgData name="Renyuan Lyu" userId="eadeb139afb46539" providerId="LiveId" clId="{13914BB7-0557-4FC8-BA56-2BFC0A6E0E14}" dt="2018-10-11T09:17:48.175" v="349" actId="1076"/>
-          <ac:picMkLst>
-            <pc:docMk/>
-            <pc:sldMk cId="2648547287" sldId="265"/>
-            <ac:picMk id="4" creationId="{4E148C6C-F721-41CD-8CCF-62A09EFBAE87}"/>
-          </ac:picMkLst>
-        </pc:picChg>
-      </pc:sldChg>
-      <pc:sldChg chg="modSp add">
-        <pc:chgData name="Renyuan Lyu" userId="eadeb139afb46539" providerId="LiveId" clId="{13914BB7-0557-4FC8-BA56-2BFC0A6E0E14}" dt="2018-10-11T11:56:11.675" v="929" actId="113"/>
-        <pc:sldMkLst>
-          <pc:docMk/>
-          <pc:sldMk cId="4269347929" sldId="266"/>
-        </pc:sldMkLst>
-        <pc:spChg chg="mod">
-          <ac:chgData name="Renyuan Lyu" userId="eadeb139afb46539" providerId="LiveId" clId="{13914BB7-0557-4FC8-BA56-2BFC0A6E0E14}" dt="2018-10-11T09:21:22.987" v="483" actId="27636"/>
-          <ac:spMkLst>
-            <pc:docMk/>
-            <pc:sldMk cId="4269347929" sldId="266"/>
-            <ac:spMk id="2" creationId="{8DB96807-741D-4EFF-9404-879BB8B2A255}"/>
-          </ac:spMkLst>
-        </pc:spChg>
-        <pc:spChg chg="mod">
-          <ac:chgData name="Renyuan Lyu" userId="eadeb139afb46539" providerId="LiveId" clId="{13914BB7-0557-4FC8-BA56-2BFC0A6E0E14}" dt="2018-10-11T11:56:11.675" v="929" actId="113"/>
-          <ac:spMkLst>
-            <pc:docMk/>
-            <pc:sldMk cId="4269347929" sldId="266"/>
-            <ac:spMk id="3" creationId="{CF2D2BBE-71CC-4312-8D62-9A99130F1C1C}"/>
-          </ac:spMkLst>
-        </pc:spChg>
-      </pc:sldChg>
-      <pc:sldChg chg="addSp delSp modSp add">
-        <pc:chgData name="Renyuan Lyu" userId="eadeb139afb46539" providerId="LiveId" clId="{13914BB7-0557-4FC8-BA56-2BFC0A6E0E14}" dt="2018-10-11T11:19:49.010" v="721" actId="403"/>
-        <pc:sldMkLst>
-          <pc:docMk/>
-          <pc:sldMk cId="3214801834" sldId="267"/>
-        </pc:sldMkLst>
-        <pc:spChg chg="mod">
-          <ac:chgData name="Renyuan Lyu" userId="eadeb139afb46539" providerId="LiveId" clId="{13914BB7-0557-4FC8-BA56-2BFC0A6E0E14}" dt="2018-10-11T09:38:58.600" v="571" actId="20577"/>
-          <ac:spMkLst>
-            <pc:docMk/>
-            <pc:sldMk cId="3214801834" sldId="267"/>
-            <ac:spMk id="2" creationId="{0E251358-730E-45CE-806C-01DE99462E9D}"/>
-          </ac:spMkLst>
-        </pc:spChg>
-        <pc:spChg chg="mod">
-          <ac:chgData name="Renyuan Lyu" userId="eadeb139afb46539" providerId="LiveId" clId="{13914BB7-0557-4FC8-BA56-2BFC0A6E0E14}" dt="2018-10-11T09:39:44.711" v="573" actId="207"/>
-          <ac:spMkLst>
-            <pc:docMk/>
-            <pc:sldMk cId="3214801834" sldId="267"/>
-            <ac:spMk id="3" creationId="{B239DFA8-08BC-4445-9CA6-4A498767E807}"/>
-          </ac:spMkLst>
-        </pc:spChg>
-        <pc:spChg chg="add mod">
-          <ac:chgData name="Renyuan Lyu" userId="eadeb139afb46539" providerId="LiveId" clId="{13914BB7-0557-4FC8-BA56-2BFC0A6E0E14}" dt="2018-10-11T10:05:58.351" v="704" actId="1076"/>
-          <ac:spMkLst>
-            <pc:docMk/>
-            <pc:sldMk cId="3214801834" sldId="267"/>
-            <ac:spMk id="4" creationId="{6578257F-30F6-4785-813F-800ECC542F80}"/>
-          </ac:spMkLst>
-        </pc:spChg>
-        <pc:spChg chg="add del mod">
-          <ac:chgData name="Renyuan Lyu" userId="eadeb139afb46539" providerId="LiveId" clId="{13914BB7-0557-4FC8-BA56-2BFC0A6E0E14}" dt="2018-10-11T10:02:38.224" v="648"/>
-          <ac:spMkLst>
-            <pc:docMk/>
-            <pc:sldMk cId="3214801834" sldId="267"/>
-            <ac:spMk id="5" creationId="{5B1ED7B0-C2C0-4BE3-B13D-2DC611C4DF3C}"/>
-          </ac:spMkLst>
-        </pc:spChg>
-        <pc:spChg chg="add del">
-          <ac:chgData name="Renyuan Lyu" userId="eadeb139afb46539" providerId="LiveId" clId="{13914BB7-0557-4FC8-BA56-2BFC0A6E0E14}" dt="2018-10-11T09:59:09.166" v="596"/>
-          <ac:spMkLst>
-            <pc:docMk/>
-            <pc:sldMk cId="3214801834" sldId="267"/>
-            <ac:spMk id="6" creationId="{56CF8BA7-8874-4A06-98C0-6171A14CD730}"/>
-          </ac:spMkLst>
-        </pc:spChg>
-        <pc:spChg chg="add del mod">
-          <ac:chgData name="Renyuan Lyu" userId="eadeb139afb46539" providerId="LiveId" clId="{13914BB7-0557-4FC8-BA56-2BFC0A6E0E14}" dt="2018-10-11T09:59:55.236" v="608"/>
-          <ac:spMkLst>
-            <pc:docMk/>
-            <pc:sldMk cId="3214801834" sldId="267"/>
-            <ac:spMk id="7" creationId="{D1D42AE8-40B4-41EB-811C-61E8F02B9500}"/>
-          </ac:spMkLst>
-        </pc:spChg>
-        <pc:spChg chg="add mod">
-          <ac:chgData name="Renyuan Lyu" userId="eadeb139afb46539" providerId="LiveId" clId="{13914BB7-0557-4FC8-BA56-2BFC0A6E0E14}" dt="2018-10-11T11:19:49.010" v="721" actId="403"/>
-          <ac:spMkLst>
-            <pc:docMk/>
-            <pc:sldMk cId="3214801834" sldId="267"/>
-            <ac:spMk id="8" creationId="{62688EF2-058F-486A-820E-95791E6A4453}"/>
-          </ac:spMkLst>
-        </pc:spChg>
-      </pc:sldChg>
-      <pc:sldChg chg="addSp delSp modSp add del">
-        <pc:chgData name="Renyuan Lyu" userId="eadeb139afb46539" providerId="LiveId" clId="{13914BB7-0557-4FC8-BA56-2BFC0A6E0E14}" dt="2018-10-11T10:05:51.084" v="703" actId="2696"/>
-        <pc:sldMkLst>
-          <pc:docMk/>
-          <pc:sldMk cId="778662254" sldId="268"/>
-        </pc:sldMkLst>
-        <pc:spChg chg="mod">
-          <ac:chgData name="Renyuan Lyu" userId="eadeb139afb46539" providerId="LiveId" clId="{13914BB7-0557-4FC8-BA56-2BFC0A6E0E14}" dt="2018-10-11T09:22:49.046" v="500"/>
-          <ac:spMkLst>
-            <pc:docMk/>
-            <pc:sldMk cId="778662254" sldId="268"/>
-            <ac:spMk id="2" creationId="{F93AE0FE-AB00-4694-B09B-369E9874249C}"/>
-          </ac:spMkLst>
-        </pc:spChg>
-        <pc:spChg chg="del mod">
-          <ac:chgData name="Renyuan Lyu" userId="eadeb139afb46539" providerId="LiveId" clId="{13914BB7-0557-4FC8-BA56-2BFC0A6E0E14}" dt="2018-10-11T10:00:01.536" v="609"/>
-          <ac:spMkLst>
-            <pc:docMk/>
-            <pc:sldMk cId="778662254" sldId="268"/>
-            <ac:spMk id="3" creationId="{82469855-BC71-48E7-BECE-AD094B8D673D}"/>
-          </ac:spMkLst>
-        </pc:spChg>
-        <pc:spChg chg="add mod">
-          <ac:chgData name="Renyuan Lyu" userId="eadeb139afb46539" providerId="LiveId" clId="{13914BB7-0557-4FC8-BA56-2BFC0A6E0E14}" dt="2018-10-11T10:00:53.491" v="620"/>
-          <ac:spMkLst>
-            <pc:docMk/>
-            <pc:sldMk cId="778662254" sldId="268"/>
-            <ac:spMk id="4" creationId="{36DB3F82-3A9B-4C39-A73B-0CF2FACF8E33}"/>
-          </ac:spMkLst>
-        </pc:spChg>
-        <pc:spChg chg="add del mod">
-          <ac:chgData name="Renyuan Lyu" userId="eadeb139afb46539" providerId="LiveId" clId="{13914BB7-0557-4FC8-BA56-2BFC0A6E0E14}" dt="2018-10-11T10:02:02.303" v="644"/>
-          <ac:spMkLst>
-            <pc:docMk/>
-            <pc:sldMk cId="778662254" sldId="268"/>
-            <ac:spMk id="5" creationId="{F20E81B1-D340-4A7A-9D12-CD16415B0743}"/>
-          </ac:spMkLst>
-        </pc:spChg>
-      </pc:sldChg>
-      <pc:sldChg chg="modSp add del">
-        <pc:chgData name="Renyuan Lyu" userId="eadeb139afb46539" providerId="LiveId" clId="{13914BB7-0557-4FC8-BA56-2BFC0A6E0E14}" dt="2018-10-11T09:59:47.849" v="606" actId="2696"/>
-        <pc:sldMkLst>
-          <pc:docMk/>
-          <pc:sldMk cId="4092736829" sldId="269"/>
-        </pc:sldMkLst>
-        <pc:spChg chg="mod">
-          <ac:chgData name="Renyuan Lyu" userId="eadeb139afb46539" providerId="LiveId" clId="{13914BB7-0557-4FC8-BA56-2BFC0A6E0E14}" dt="2018-10-11T09:22:49.215" v="501"/>
-          <ac:spMkLst>
-            <pc:docMk/>
-            <pc:sldMk cId="4092736829" sldId="269"/>
-            <ac:spMk id="2" creationId="{0FBA8274-B9E4-438F-9268-CF68234836C3}"/>
-          </ac:spMkLst>
-        </pc:spChg>
-      </pc:sldChg>
-      <pc:sldChg chg="addSp delSp modSp add">
-        <pc:chgData name="Renyuan Lyu" userId="eadeb139afb46539" providerId="LiveId" clId="{13914BB7-0557-4FC8-BA56-2BFC0A6E0E14}" dt="2018-10-11T10:07:10.415" v="716"/>
-        <pc:sldMkLst>
-          <pc:docMk/>
-          <pc:sldMk cId="1008774568" sldId="270"/>
-        </pc:sldMkLst>
-        <pc:spChg chg="del mod">
-          <ac:chgData name="Renyuan Lyu" userId="eadeb139afb46539" providerId="LiveId" clId="{13914BB7-0557-4FC8-BA56-2BFC0A6E0E14}" dt="2018-10-11T10:02:20.447" v="646" actId="478"/>
-          <ac:spMkLst>
-            <pc:docMk/>
-            <pc:sldMk cId="1008774568" sldId="270"/>
-            <ac:spMk id="2" creationId="{52C5510B-9674-4FDB-97A4-2F0E457861E9}"/>
-          </ac:spMkLst>
-        </pc:spChg>
-        <pc:spChg chg="mod">
-          <ac:chgData name="Renyuan Lyu" userId="eadeb139afb46539" providerId="LiveId" clId="{13914BB7-0557-4FC8-BA56-2BFC0A6E0E14}" dt="2018-10-11T10:05:07.399" v="702" actId="20577"/>
-          <ac:spMkLst>
-            <pc:docMk/>
-            <pc:sldMk cId="1008774568" sldId="270"/>
-            <ac:spMk id="3" creationId="{201D19AB-B729-4526-9ADE-B9B015424F4A}"/>
-          </ac:spMkLst>
-        </pc:spChg>
-        <pc:spChg chg="add mod">
-          <ac:chgData name="Renyuan Lyu" userId="eadeb139afb46539" providerId="LiveId" clId="{13914BB7-0557-4FC8-BA56-2BFC0A6E0E14}" dt="2018-10-11T10:07:10.415" v="716"/>
-          <ac:spMkLst>
-            <pc:docMk/>
-            <pc:sldMk cId="1008774568" sldId="270"/>
-            <ac:spMk id="4" creationId="{8FF0C680-1CA7-4C36-B9F0-C7A1EB1D7244}"/>
-          </ac:spMkLst>
-        </pc:spChg>
-      </pc:sldChg>
-      <pc:sldChg chg="addSp delSp modSp add">
-        <pc:chgData name="Renyuan Lyu" userId="eadeb139afb46539" providerId="LiveId" clId="{13914BB7-0557-4FC8-BA56-2BFC0A6E0E14}" dt="2018-10-11T11:49:38.186" v="834" actId="1076"/>
-        <pc:sldMkLst>
-          <pc:docMk/>
-          <pc:sldMk cId="2517512449" sldId="271"/>
-        </pc:sldMkLst>
-        <pc:spChg chg="mod">
-          <ac:chgData name="Renyuan Lyu" userId="eadeb139afb46539" providerId="LiveId" clId="{13914BB7-0557-4FC8-BA56-2BFC0A6E0E14}" dt="2018-10-11T11:49:38.186" v="834" actId="1076"/>
-          <ac:spMkLst>
-            <pc:docMk/>
-            <pc:sldMk cId="2517512449" sldId="271"/>
-            <ac:spMk id="2" creationId="{7B725270-CEF9-4144-B51A-31B58AAA4745}"/>
-          </ac:spMkLst>
-        </pc:spChg>
-        <pc:spChg chg="mod">
-          <ac:chgData name="Renyuan Lyu" userId="eadeb139afb46539" providerId="LiveId" clId="{13914BB7-0557-4FC8-BA56-2BFC0A6E0E14}" dt="2018-10-11T11:46:04.506" v="796" actId="1076"/>
-          <ac:spMkLst>
-            <pc:docMk/>
-            <pc:sldMk cId="2517512449" sldId="271"/>
-            <ac:spMk id="3" creationId="{8C172487-693C-453A-AAF9-C8984AF89633}"/>
-          </ac:spMkLst>
-        </pc:spChg>
-        <pc:spChg chg="add del mod">
-          <ac:chgData name="Renyuan Lyu" userId="eadeb139afb46539" providerId="LiveId" clId="{13914BB7-0557-4FC8-BA56-2BFC0A6E0E14}" dt="2018-10-11T11:22:57.089" v="729" actId="478"/>
-          <ac:spMkLst>
-            <pc:docMk/>
-            <pc:sldMk cId="2517512449" sldId="271"/>
-            <ac:spMk id="5" creationId="{50934F8E-5BC3-4449-A968-659F0C52E8CE}"/>
-          </ac:spMkLst>
-        </pc:spChg>
-        <pc:spChg chg="add mod">
-          <ac:chgData name="Renyuan Lyu" userId="eadeb139afb46539" providerId="LiveId" clId="{13914BB7-0557-4FC8-BA56-2BFC0A6E0E14}" dt="2018-10-11T11:46:07.268" v="797" actId="1076"/>
-          <ac:spMkLst>
-            <pc:docMk/>
-            <pc:sldMk cId="2517512449" sldId="271"/>
-            <ac:spMk id="6" creationId="{FC97680B-2719-413B-BE99-1150557D24C4}"/>
-          </ac:spMkLst>
-        </pc:spChg>
-        <pc:spChg chg="add mod">
-          <ac:chgData name="Renyuan Lyu" userId="eadeb139afb46539" providerId="LiveId" clId="{13914BB7-0557-4FC8-BA56-2BFC0A6E0E14}" dt="2018-10-11T11:46:12.957" v="799" actId="14100"/>
-          <ac:spMkLst>
-            <pc:docMk/>
-            <pc:sldMk cId="2517512449" sldId="271"/>
-            <ac:spMk id="7" creationId="{0ABBC8A4-F0D3-421D-AD18-B9EE002F0299}"/>
-          </ac:spMkLst>
-        </pc:spChg>
-      </pc:sldChg>
-      <pc:sldChg chg="modSp add del">
-        <pc:chgData name="Renyuan Lyu" userId="eadeb139afb46539" providerId="LiveId" clId="{13914BB7-0557-4FC8-BA56-2BFC0A6E0E14}" dt="2018-10-11T09:22:52.976" v="505" actId="2696"/>
-        <pc:sldMkLst>
-          <pc:docMk/>
-          <pc:sldMk cId="108794355" sldId="272"/>
-        </pc:sldMkLst>
-        <pc:spChg chg="mod">
-          <ac:chgData name="Renyuan Lyu" userId="eadeb139afb46539" providerId="LiveId" clId="{13914BB7-0557-4FC8-BA56-2BFC0A6E0E14}" dt="2018-10-11T09:22:52.111" v="504"/>
-          <ac:spMkLst>
-            <pc:docMk/>
-            <pc:sldMk cId="108794355" sldId="272"/>
-            <ac:spMk id="2" creationId="{5A2A8579-E9DF-4363-94D9-45BE54D01230}"/>
-          </ac:spMkLst>
-        </pc:spChg>
-      </pc:sldChg>
-      <pc:sldChg chg="addSp modSp add">
-        <pc:chgData name="Renyuan Lyu" userId="eadeb139afb46539" providerId="LiveId" clId="{13914BB7-0557-4FC8-BA56-2BFC0A6E0E14}" dt="2018-10-11T09:26:45.699" v="557" actId="207"/>
-        <pc:sldMkLst>
-          <pc:docMk/>
-          <pc:sldMk cId="515707782" sldId="272"/>
-        </pc:sldMkLst>
-        <pc:spChg chg="mod">
-          <ac:chgData name="Renyuan Lyu" userId="eadeb139afb46539" providerId="LiveId" clId="{13914BB7-0557-4FC8-BA56-2BFC0A6E0E14}" dt="2018-10-11T09:26:08.291" v="548" actId="27636"/>
-          <ac:spMkLst>
-            <pc:docMk/>
-            <pc:sldMk cId="515707782" sldId="272"/>
-            <ac:spMk id="2" creationId="{51A28BB0-64CD-447A-B156-965B4F6BC984}"/>
-          </ac:spMkLst>
-        </pc:spChg>
-        <pc:spChg chg="mod">
-          <ac:chgData name="Renyuan Lyu" userId="eadeb139afb46539" providerId="LiveId" clId="{13914BB7-0557-4FC8-BA56-2BFC0A6E0E14}" dt="2018-10-11T09:26:45.699" v="557" actId="207"/>
-          <ac:spMkLst>
-            <pc:docMk/>
-            <pc:sldMk cId="515707782" sldId="272"/>
-            <ac:spMk id="3" creationId="{7BC6B2E5-1F26-4107-B48B-C904DDD720E2}"/>
-          </ac:spMkLst>
-        </pc:spChg>
-        <pc:spChg chg="add mod">
-          <ac:chgData name="Renyuan Lyu" userId="eadeb139afb46539" providerId="LiveId" clId="{13914BB7-0557-4FC8-BA56-2BFC0A6E0E14}" dt="2018-10-11T09:26:34.732" v="555" actId="14100"/>
-          <ac:spMkLst>
-            <pc:docMk/>
-            <pc:sldMk cId="515707782" sldId="272"/>
-            <ac:spMk id="4" creationId="{3AB92180-AE6B-43FC-B1A5-4D7E87601C5D}"/>
-          </ac:spMkLst>
-        </pc:spChg>
-      </pc:sldChg>
-      <pc:sldChg chg="addSp delSp modSp add">
-        <pc:chgData name="Renyuan Lyu" userId="eadeb139afb46539" providerId="LiveId" clId="{13914BB7-0557-4FC8-BA56-2BFC0A6E0E14}" dt="2018-10-11T11:49:21.183" v="833" actId="14100"/>
-        <pc:sldMkLst>
-          <pc:docMk/>
-          <pc:sldMk cId="2007129977" sldId="273"/>
-        </pc:sldMkLst>
-        <pc:spChg chg="del mod">
-          <ac:chgData name="Renyuan Lyu" userId="eadeb139afb46539" providerId="LiveId" clId="{13914BB7-0557-4FC8-BA56-2BFC0A6E0E14}" dt="2018-10-11T11:47:40.037" v="801" actId="478"/>
-          <ac:spMkLst>
-            <pc:docMk/>
-            <pc:sldMk cId="2007129977" sldId="273"/>
-            <ac:spMk id="2" creationId="{EDBC03C4-D0A5-42D4-9A6F-0AE17D46E201}"/>
-          </ac:spMkLst>
-        </pc:spChg>
-        <pc:spChg chg="mod">
-          <ac:chgData name="Renyuan Lyu" userId="eadeb139afb46539" providerId="LiveId" clId="{13914BB7-0557-4FC8-BA56-2BFC0A6E0E14}" dt="2018-10-11T11:48:22.556" v="823" actId="14100"/>
-          <ac:spMkLst>
-            <pc:docMk/>
-            <pc:sldMk cId="2007129977" sldId="273"/>
-            <ac:spMk id="3" creationId="{B7D8EF65-CEED-44EC-B2F7-976EDD2C06DC}"/>
-          </ac:spMkLst>
-        </pc:spChg>
-        <pc:spChg chg="add mod">
-          <ac:chgData name="Renyuan Lyu" userId="eadeb139afb46539" providerId="LiveId" clId="{13914BB7-0557-4FC8-BA56-2BFC0A6E0E14}" dt="2018-10-11T11:48:09.379" v="812" actId="1076"/>
-          <ac:spMkLst>
-            <pc:docMk/>
-            <pc:sldMk cId="2007129977" sldId="273"/>
-            <ac:spMk id="5" creationId="{26C7F42F-2C80-4FB9-826E-E58848AB5C13}"/>
-          </ac:spMkLst>
-        </pc:spChg>
-        <pc:picChg chg="add mod">
-          <ac:chgData name="Renyuan Lyu" userId="eadeb139afb46539" providerId="LiveId" clId="{13914BB7-0557-4FC8-BA56-2BFC0A6E0E14}" dt="2018-10-11T11:49:21.183" v="833" actId="14100"/>
-          <ac:picMkLst>
-            <pc:docMk/>
-            <pc:sldMk cId="2007129977" sldId="273"/>
-            <ac:picMk id="4098" creationId="{F328CD1A-837E-430E-9178-D5E543B75E21}"/>
-          </ac:picMkLst>
-        </pc:picChg>
-        <pc:picChg chg="add mod">
-          <ac:chgData name="Renyuan Lyu" userId="eadeb139afb46539" providerId="LiveId" clId="{13914BB7-0557-4FC8-BA56-2BFC0A6E0E14}" dt="2018-10-11T11:49:16.916" v="832" actId="14100"/>
-          <ac:picMkLst>
-            <pc:docMk/>
-            <pc:sldMk cId="2007129977" sldId="273"/>
-            <ac:picMk id="4100" creationId="{3E09E38C-8E66-4C45-A0C9-04D32624FD5E}"/>
-          </ac:picMkLst>
-        </pc:picChg>
-      </pc:sldChg>
-      <pc:sldChg chg="modSp add del">
-        <pc:chgData name="Renyuan Lyu" userId="eadeb139afb46539" providerId="LiveId" clId="{13914BB7-0557-4FC8-BA56-2BFC0A6E0E14}" dt="2018-10-11T10:00:59.646" v="622" actId="2696"/>
-        <pc:sldMkLst>
-          <pc:docMk/>
-          <pc:sldMk cId="3951396658" sldId="273"/>
-        </pc:sldMkLst>
-        <pc:spChg chg="mod">
-          <ac:chgData name="Renyuan Lyu" userId="eadeb139afb46539" providerId="LiveId" clId="{13914BB7-0557-4FC8-BA56-2BFC0A6E0E14}" dt="2018-10-11T10:00:59.293" v="621"/>
-          <ac:spMkLst>
-            <pc:docMk/>
-            <pc:sldMk cId="3951396658" sldId="273"/>
-            <ac:spMk id="2" creationId="{69F79A2C-2FFB-4FB4-81CD-D931B49BCC18}"/>
-          </ac:spMkLst>
-        </pc:spChg>
-      </pc:sldChg>
-      <pc:sldChg chg="modSp add del">
-        <pc:chgData name="Renyuan Lyu" userId="eadeb139afb46539" providerId="LiveId" clId="{13914BB7-0557-4FC8-BA56-2BFC0A6E0E14}" dt="2018-10-11T10:00:53.476" v="619" actId="2696"/>
-        <pc:sldMkLst>
-          <pc:docMk/>
-          <pc:sldMk cId="4160243973" sldId="273"/>
-        </pc:sldMkLst>
-        <pc:spChg chg="mod">
-          <ac:chgData name="Renyuan Lyu" userId="eadeb139afb46539" providerId="LiveId" clId="{13914BB7-0557-4FC8-BA56-2BFC0A6E0E14}" dt="2018-10-11T10:00:52.551" v="618"/>
-          <ac:spMkLst>
-            <pc:docMk/>
-            <pc:sldMk cId="4160243973" sldId="273"/>
-            <ac:spMk id="2" creationId="{767B2E56-38F1-4F43-9415-BCE2088D283F}"/>
-          </ac:spMkLst>
-        </pc:spChg>
-      </pc:sldChg>
-      <pc:sldChg chg="addSp delSp modSp add">
-        <pc:chgData name="Renyuan Lyu" userId="eadeb139afb46539" providerId="LiveId" clId="{13914BB7-0557-4FC8-BA56-2BFC0A6E0E14}" dt="2018-10-11T12:10:46.290" v="1113" actId="1076"/>
-        <pc:sldMkLst>
-          <pc:docMk/>
-          <pc:sldMk cId="1012977646" sldId="274"/>
-        </pc:sldMkLst>
-        <pc:spChg chg="del mod">
-          <ac:chgData name="Renyuan Lyu" userId="eadeb139afb46539" providerId="LiveId" clId="{13914BB7-0557-4FC8-BA56-2BFC0A6E0E14}" dt="2018-10-11T11:58:08.811" v="931" actId="478"/>
-          <ac:spMkLst>
-            <pc:docMk/>
-            <pc:sldMk cId="1012977646" sldId="274"/>
-            <ac:spMk id="2" creationId="{52272C3E-F610-4F67-A628-01D1F04CF4A4}"/>
-          </ac:spMkLst>
-        </pc:spChg>
-        <pc:spChg chg="mod">
-          <ac:chgData name="Renyuan Lyu" userId="eadeb139afb46539" providerId="LiveId" clId="{13914BB7-0557-4FC8-BA56-2BFC0A6E0E14}" dt="2018-10-11T12:10:46.290" v="1113" actId="1076"/>
-          <ac:spMkLst>
-            <pc:docMk/>
-            <pc:sldMk cId="1012977646" sldId="274"/>
-            <ac:spMk id="3" creationId="{18A8CD59-C50E-4A5A-BC88-818700B30FBB}"/>
-          </ac:spMkLst>
-        </pc:spChg>
-        <pc:spChg chg="add mod">
-          <ac:chgData name="Renyuan Lyu" userId="eadeb139afb46539" providerId="LiveId" clId="{13914BB7-0557-4FC8-BA56-2BFC0A6E0E14}" dt="2018-10-11T12:06:47.481" v="1024" actId="20577"/>
-          <ac:spMkLst>
-            <pc:docMk/>
-            <pc:sldMk cId="1012977646" sldId="274"/>
-            <ac:spMk id="5" creationId="{789F4845-CB70-499E-8231-9121BAE52303}"/>
-          </ac:spMkLst>
-        </pc:spChg>
-        <pc:spChg chg="add mod">
-          <ac:chgData name="Renyuan Lyu" userId="eadeb139afb46539" providerId="LiveId" clId="{13914BB7-0557-4FC8-BA56-2BFC0A6E0E14}" dt="2018-10-11T12:09:23.100" v="1036" actId="1076"/>
-          <ac:spMkLst>
-            <pc:docMk/>
-            <pc:sldMk cId="1012977646" sldId="274"/>
-            <ac:spMk id="6" creationId="{9076CCC3-A2CA-4673-A213-33DF4FA13B7A}"/>
-          </ac:spMkLst>
-        </pc:spChg>
-      </pc:sldChg>
-      <pc:sldChg chg="addSp delSp modSp add">
-        <pc:chgData name="Renyuan Lyu" userId="eadeb139afb46539" providerId="LiveId" clId="{13914BB7-0557-4FC8-BA56-2BFC0A6E0E14}" dt="2018-10-11T15:07:07.507" v="1190" actId="1076"/>
-        <pc:sldMkLst>
-          <pc:docMk/>
-          <pc:sldMk cId="4011461123" sldId="275"/>
-        </pc:sldMkLst>
-        <pc:spChg chg="del mod">
-          <ac:chgData name="Renyuan Lyu" userId="eadeb139afb46539" providerId="LiveId" clId="{13914BB7-0557-4FC8-BA56-2BFC0A6E0E14}" dt="2018-10-11T12:18:12.808" v="1114" actId="478"/>
-          <ac:spMkLst>
-            <pc:docMk/>
-            <pc:sldMk cId="4011461123" sldId="275"/>
-            <ac:spMk id="2" creationId="{AC62CBA5-0911-44B6-AD07-716592BA9F41}"/>
-          </ac:spMkLst>
-        </pc:spChg>
-        <pc:spChg chg="mod">
-          <ac:chgData name="Renyuan Lyu" userId="eadeb139afb46539" providerId="LiveId" clId="{13914BB7-0557-4FC8-BA56-2BFC0A6E0E14}" dt="2018-10-11T12:35:30.356" v="1149" actId="20577"/>
-          <ac:spMkLst>
-            <pc:docMk/>
-            <pc:sldMk cId="4011461123" sldId="275"/>
-            <ac:spMk id="3" creationId="{4175C2F7-01FA-4976-BFF4-01E0FD804BBB}"/>
-          </ac:spMkLst>
-        </pc:spChg>
-        <pc:spChg chg="add mod">
-          <ac:chgData name="Renyuan Lyu" userId="eadeb139afb46539" providerId="LiveId" clId="{13914BB7-0557-4FC8-BA56-2BFC0A6E0E14}" dt="2018-10-11T15:05:20.682" v="1186" actId="1076"/>
-          <ac:spMkLst>
-            <pc:docMk/>
-            <pc:sldMk cId="4011461123" sldId="275"/>
-            <ac:spMk id="5" creationId="{6937BA08-F534-4043-A69A-CA7942D53042}"/>
-          </ac:spMkLst>
-        </pc:spChg>
-        <pc:spChg chg="add mod">
-          <ac:chgData name="Renyuan Lyu" userId="eadeb139afb46539" providerId="LiveId" clId="{13914BB7-0557-4FC8-BA56-2BFC0A6E0E14}" dt="2018-10-11T15:05:24.001" v="1187" actId="1076"/>
-          <ac:spMkLst>
-            <pc:docMk/>
-            <pc:sldMk cId="4011461123" sldId="275"/>
-            <ac:spMk id="6" creationId="{0CE0014D-64FE-4565-80DE-C863B0A25733}"/>
-          </ac:spMkLst>
-        </pc:spChg>
-        <pc:picChg chg="add mod">
-          <ac:chgData name="Renyuan Lyu" userId="eadeb139afb46539" providerId="LiveId" clId="{13914BB7-0557-4FC8-BA56-2BFC0A6E0E14}" dt="2018-10-11T15:07:07.507" v="1190" actId="1076"/>
-          <ac:picMkLst>
-            <pc:docMk/>
-            <pc:sldMk cId="4011461123" sldId="275"/>
-            <ac:picMk id="5122" creationId="{6690A8ED-213B-438C-B3EC-D82943AECBD3}"/>
-          </ac:picMkLst>
-        </pc:picChg>
-      </pc:sldChg>
-      <pc:sldChg chg="addSp modSp add">
-        <pc:chgData name="Renyuan Lyu" userId="eadeb139afb46539" providerId="LiveId" clId="{13914BB7-0557-4FC8-BA56-2BFC0A6E0E14}" dt="2018-10-11T12:36:24.159" v="1178" actId="1076"/>
-        <pc:sldMkLst>
-          <pc:docMk/>
-          <pc:sldMk cId="1063724917" sldId="276"/>
-        </pc:sldMkLst>
-        <pc:spChg chg="mod">
-          <ac:chgData name="Renyuan Lyu" userId="eadeb139afb46539" providerId="LiveId" clId="{13914BB7-0557-4FC8-BA56-2BFC0A6E0E14}" dt="2018-10-11T12:36:10.763" v="1174" actId="1076"/>
-          <ac:spMkLst>
-            <pc:docMk/>
-            <pc:sldMk cId="1063724917" sldId="276"/>
-            <ac:spMk id="2" creationId="{CF471541-EA92-4C1B-8BF8-04D88F044B0E}"/>
-          </ac:spMkLst>
-        </pc:spChg>
-        <pc:spChg chg="mod">
-          <ac:chgData name="Renyuan Lyu" userId="eadeb139afb46539" providerId="LiveId" clId="{13914BB7-0557-4FC8-BA56-2BFC0A6E0E14}" dt="2018-10-11T12:36:21.476" v="1177" actId="1076"/>
-          <ac:spMkLst>
-            <pc:docMk/>
-            <pc:sldMk cId="1063724917" sldId="276"/>
-            <ac:spMk id="3" creationId="{5021209E-C339-4EF3-B58D-82A389FF8677}"/>
-          </ac:spMkLst>
-        </pc:spChg>
-        <pc:spChg chg="add mod">
-          <ac:chgData name="Renyuan Lyu" userId="eadeb139afb46539" providerId="LiveId" clId="{13914BB7-0557-4FC8-BA56-2BFC0A6E0E14}" dt="2018-10-11T12:35:00.214" v="1133" actId="1076"/>
-          <ac:spMkLst>
-            <pc:docMk/>
-            <pc:sldMk cId="1063724917" sldId="276"/>
-            <ac:spMk id="5" creationId="{7375E3A1-0E26-4124-BEAF-9B5FFDD1BFF4}"/>
-          </ac:spMkLst>
-        </pc:spChg>
-        <pc:picChg chg="add mod">
-          <ac:chgData name="Renyuan Lyu" userId="eadeb139afb46539" providerId="LiveId" clId="{13914BB7-0557-4FC8-BA56-2BFC0A6E0E14}" dt="2018-10-11T12:36:24.159" v="1178" actId="1076"/>
-          <ac:picMkLst>
-            <pc:docMk/>
-            <pc:sldMk cId="1063724917" sldId="276"/>
-            <ac:picMk id="6146" creationId="{76F85E7B-9DAF-4DE5-A99D-BF54B841D9AB}"/>
-          </ac:picMkLst>
-        </pc:picChg>
-      </pc:sldChg>
-      <pc:sldChg chg="modSp add">
-        <pc:chgData name="Renyuan Lyu" userId="eadeb139afb46539" providerId="LiveId" clId="{13914BB7-0557-4FC8-BA56-2BFC0A6E0E14}" dt="2018-10-11T10:06:48.130" v="709"/>
-        <pc:sldMkLst>
-          <pc:docMk/>
-          <pc:sldMk cId="3259634226" sldId="277"/>
-        </pc:sldMkLst>
-        <pc:spChg chg="mod">
-          <ac:chgData name="Renyuan Lyu" userId="eadeb139afb46539" providerId="LiveId" clId="{13914BB7-0557-4FC8-BA56-2BFC0A6E0E14}" dt="2018-10-11T10:06:48.130" v="709"/>
-          <ac:spMkLst>
-            <pc:docMk/>
-            <pc:sldMk cId="3259634226" sldId="277"/>
-            <ac:spMk id="2" creationId="{56467C3D-B666-4931-9810-F564993AE50A}"/>
+            <pc:sldMk cId="1627585693" sldId="289"/>
+            <ac:spMk id="2" creationId="{674012A3-423D-432C-93A3-2642FE5F6E63}"/>
           </ac:spMkLst>
         </pc:spChg>
       </pc:sldChg>
       <pc:sldChg chg="modSp add">
-        <pc:chgData name="Renyuan Lyu" userId="eadeb139afb46539" providerId="LiveId" clId="{13914BB7-0557-4FC8-BA56-2BFC0A6E0E14}" dt="2018-10-11T10:06:48.310" v="710"/>
+        <pc:chgData name="Renyuan Lyu" userId="eadeb139afb46539" providerId="LiveId" clId="{CAAE2515-E7CE-422E-8642-3EB0356797BA}" dt="2018-10-17T14:24:34.401" v="101"/>
         <pc:sldMkLst>
           <pc:docMk/>
-          <pc:sldMk cId="2726103097" sldId="278"/>
+          <pc:sldMk cId="3280316532" sldId="290"/>
         </pc:sldMkLst>
         <pc:spChg chg="mod">
-          <ac:chgData name="Renyuan Lyu" userId="eadeb139afb46539" providerId="LiveId" clId="{13914BB7-0557-4FC8-BA56-2BFC0A6E0E14}" dt="2018-10-11T10:06:48.310" v="710"/>
+          <ac:chgData name="Renyuan Lyu" userId="eadeb139afb46539" providerId="LiveId" clId="{CAAE2515-E7CE-422E-8642-3EB0356797BA}" dt="2018-10-17T14:24:34.401" v="101"/>
           <ac:spMkLst>
             <pc:docMk/>
-            <pc:sldMk cId="2726103097" sldId="278"/>
-            <ac:spMk id="2" creationId="{E8232330-F008-408A-8AAA-270ED5373B8C}"/>
+            <pc:sldMk cId="3280316532" sldId="290"/>
+            <ac:spMk id="2" creationId="{E7E2603D-8938-4B2F-90B5-A8D56D32A471}"/>
           </ac:spMkLst>
         </pc:spChg>
+      </pc:sldChg>
+    </pc:docChg>
+  </pc:docChgLst>
+  <pc:docChgLst>
+    <pc:chgData name="Renyuan Lyu" userId="eadeb139afb46539" providerId="LiveId" clId="{2C80F086-841D-467C-90DD-7B623516EE48}"/>
+    <pc:docChg chg="addSld delSld modSld">
+      <pc:chgData name="Renyuan Lyu" userId="eadeb139afb46539" providerId="LiveId" clId="{2C80F086-841D-467C-90DD-7B623516EE48}" dt="2018-10-18T02:21:53.813" v="3"/>
+      <pc:docMkLst>
+        <pc:docMk/>
+      </pc:docMkLst>
+      <pc:sldChg chg="add">
+        <pc:chgData name="Renyuan Lyu" userId="eadeb139afb46539" providerId="LiveId" clId="{2C80F086-841D-467C-90DD-7B623516EE48}" dt="2018-10-18T02:21:49.577" v="2"/>
+        <pc:sldMkLst>
+          <pc:docMk/>
+          <pc:sldMk cId="1152244290" sldId="289"/>
+        </pc:sldMkLst>
+      </pc:sldChg>
+      <pc:sldChg chg="del">
+        <pc:chgData name="Renyuan Lyu" userId="eadeb139afb46539" providerId="LiveId" clId="{2C80F086-841D-467C-90DD-7B623516EE48}" dt="2018-10-18T02:19:41.019" v="0" actId="2696"/>
+        <pc:sldMkLst>
+          <pc:docMk/>
+          <pc:sldMk cId="1627585693" sldId="289"/>
+        </pc:sldMkLst>
+      </pc:sldChg>
+      <pc:sldChg chg="add">
+        <pc:chgData name="Renyuan Lyu" userId="eadeb139afb46539" providerId="LiveId" clId="{2C80F086-841D-467C-90DD-7B623516EE48}" dt="2018-10-18T02:21:53.813" v="3"/>
+        <pc:sldMkLst>
+          <pc:docMk/>
+          <pc:sldMk cId="427660256" sldId="290"/>
+        </pc:sldMkLst>
+      </pc:sldChg>
+      <pc:sldChg chg="del">
+        <pc:chgData name="Renyuan Lyu" userId="eadeb139afb46539" providerId="LiveId" clId="{2C80F086-841D-467C-90DD-7B623516EE48}" dt="2018-10-18T02:19:42.970" v="1" actId="2696"/>
+        <pc:sldMkLst>
+          <pc:docMk/>
+          <pc:sldMk cId="3280316532" sldId="290"/>
+        </pc:sldMkLst>
+      </pc:sldChg>
+      <pc:sldChg chg="add">
+        <pc:chgData name="Renyuan Lyu" userId="eadeb139afb46539" providerId="LiveId" clId="{2C80F086-841D-467C-90DD-7B623516EE48}" dt="2018-10-18T02:21:53.813" v="3"/>
+        <pc:sldMkLst>
+          <pc:docMk/>
+          <pc:sldMk cId="3798963849" sldId="291"/>
+        </pc:sldMkLst>
+      </pc:sldChg>
+      <pc:sldChg chg="add">
+        <pc:chgData name="Renyuan Lyu" userId="eadeb139afb46539" providerId="LiveId" clId="{2C80F086-841D-467C-90DD-7B623516EE48}" dt="2018-10-18T02:21:53.813" v="3"/>
+        <pc:sldMkLst>
+          <pc:docMk/>
+          <pc:sldMk cId="1412526640" sldId="292"/>
+        </pc:sldMkLst>
       </pc:sldChg>
     </pc:docChg>
   </pc:docChgLst>
@@ -1089,7 +435,7 @@
           <a:p>
             <a:fld id="{0B453513-F396-4B00-9FF4-9F86655DDA63}" type="datetimeFigureOut">
               <a:rPr lang="zh-TW" altLang="en-US" smtClean="0"/>
-              <a:t>2018/10/11</a:t>
+              <a:t>2018/10/18</a:t>
             </a:fld>
             <a:endParaRPr lang="zh-TW" altLang="en-US"/>
           </a:p>
@@ -1440,6 +786,90 @@
 </p:notes>
 </file>
 
+<file path=ppt/notesSlides/notesSlide2.xml><?xml version="1.0" encoding="utf-8"?>
+<p:notes xmlns:a="http://schemas.openxmlformats.org/drawingml/2006/main" xmlns:r="http://schemas.openxmlformats.org/officeDocument/2006/relationships" xmlns:p="http://schemas.openxmlformats.org/presentationml/2006/main">
+  <p:cSld>
+    <p:spTree>
+      <p:nvGrpSpPr>
+        <p:cNvPr id="1" name=""/>
+        <p:cNvGrpSpPr/>
+        <p:nvPr/>
+      </p:nvGrpSpPr>
+      <p:grpSpPr>
+        <a:xfrm>
+          <a:off x="0" y="0"/>
+          <a:ext cx="0" cy="0"/>
+          <a:chOff x="0" y="0"/>
+          <a:chExt cx="0" cy="0"/>
+        </a:xfrm>
+      </p:grpSpPr>
+      <p:sp>
+        <p:nvSpPr>
+          <p:cNvPr id="2" name="投影片影像版面配置區 1"/>
+          <p:cNvSpPr>
+            <a:spLocks noGrp="1" noRot="1" noChangeAspect="1"/>
+          </p:cNvSpPr>
+          <p:nvPr>
+            <p:ph type="sldImg"/>
+          </p:nvPr>
+        </p:nvSpPr>
+        <p:spPr/>
+      </p:sp>
+      <p:sp>
+        <p:nvSpPr>
+          <p:cNvPr id="3" name="備忘稿版面配置區 2"/>
+          <p:cNvSpPr>
+            <a:spLocks noGrp="1"/>
+          </p:cNvSpPr>
+          <p:nvPr>
+            <p:ph type="body" idx="1"/>
+          </p:nvPr>
+        </p:nvSpPr>
+        <p:spPr/>
+        <p:txBody>
+          <a:bodyPr/>
+          <a:lstStyle/>
+          <a:p>
+            <a:endParaRPr lang="zh-TW" altLang="en-US" dirty="0"/>
+          </a:p>
+        </p:txBody>
+      </p:sp>
+      <p:sp>
+        <p:nvSpPr>
+          <p:cNvPr id="4" name="投影片編號版面配置區 3"/>
+          <p:cNvSpPr>
+            <a:spLocks noGrp="1"/>
+          </p:cNvSpPr>
+          <p:nvPr>
+            <p:ph type="sldNum" sz="quarter" idx="5"/>
+          </p:nvPr>
+        </p:nvSpPr>
+        <p:spPr/>
+        <p:txBody>
+          <a:bodyPr/>
+          <a:lstStyle/>
+          <a:p>
+            <a:fld id="{9728AA30-2E48-4E49-83BA-3680D6D4A03E}" type="slidenum">
+              <a:rPr lang="zh-TW" altLang="en-US" smtClean="0"/>
+              <a:t>23</a:t>
+            </a:fld>
+            <a:endParaRPr lang="zh-TW" altLang="en-US"/>
+          </a:p>
+        </p:txBody>
+      </p:sp>
+    </p:spTree>
+    <p:extLst>
+      <p:ext uri="{BB962C8B-B14F-4D97-AF65-F5344CB8AC3E}">
+        <p14:creationId xmlns:p14="http://schemas.microsoft.com/office/powerpoint/2010/main" val="3875444265"/>
+      </p:ext>
+    </p:extLst>
+  </p:cSld>
+  <p:clrMapOvr>
+    <a:masterClrMapping/>
+  </p:clrMapOvr>
+</p:notes>
+</file>
+
 <file path=ppt/slideLayouts/slideLayout1.xml><?xml version="1.0" encoding="utf-8"?>
 <p:sldLayout xmlns:a="http://schemas.openxmlformats.org/drawingml/2006/main" xmlns:r="http://schemas.openxmlformats.org/officeDocument/2006/relationships" xmlns:p="http://schemas.openxmlformats.org/presentationml/2006/main" type="title" preserve="1">
   <p:cSld name="標題投影片">
@@ -1587,7 +1017,7 @@
           <a:p>
             <a:fld id="{0A4C2477-6AEF-4F11-BC48-CF0F6356A6CF}" type="datetime1">
               <a:rPr lang="zh-TW" altLang="en-US" smtClean="0"/>
-              <a:t>2018/10/11</a:t>
+              <a:t>2018/10/18</a:t>
             </a:fld>
             <a:endParaRPr lang="zh-TW" altLang="en-US"/>
           </a:p>
@@ -1785,7 +1215,7 @@
           <a:p>
             <a:fld id="{26B049D4-ABDE-4914-AC22-B25C1C2A37A6}" type="datetime1">
               <a:rPr lang="zh-TW" altLang="en-US" smtClean="0"/>
-              <a:t>2018/10/11</a:t>
+              <a:t>2018/10/18</a:t>
             </a:fld>
             <a:endParaRPr lang="zh-TW" altLang="en-US"/>
           </a:p>
@@ -1993,7 +1423,7 @@
           <a:p>
             <a:fld id="{B9879F47-93F9-4459-A2D1-AC3FA8495490}" type="datetime1">
               <a:rPr lang="zh-TW" altLang="en-US" smtClean="0"/>
-              <a:t>2018/10/11</a:t>
+              <a:t>2018/10/18</a:t>
             </a:fld>
             <a:endParaRPr lang="zh-TW" altLang="en-US"/>
           </a:p>
@@ -2191,7 +1621,7 @@
           <a:p>
             <a:fld id="{308FB97E-F18C-4E3C-BA7A-699F92A80DF4}" type="datetime1">
               <a:rPr lang="zh-TW" altLang="en-US" smtClean="0"/>
-              <a:t>2018/10/11</a:t>
+              <a:t>2018/10/18</a:t>
             </a:fld>
             <a:endParaRPr lang="zh-TW" altLang="en-US"/>
           </a:p>
@@ -2466,7 +1896,7 @@
           <a:p>
             <a:fld id="{0F46A030-0F09-4D36-A691-4017F79D0E70}" type="datetime1">
               <a:rPr lang="zh-TW" altLang="en-US" smtClean="0"/>
-              <a:t>2018/10/11</a:t>
+              <a:t>2018/10/18</a:t>
             </a:fld>
             <a:endParaRPr lang="zh-TW" altLang="en-US"/>
           </a:p>
@@ -2731,7 +2161,7 @@
           <a:p>
             <a:fld id="{0F012EC3-1EF0-4C6F-9AEB-27DC9DFE5D61}" type="datetime1">
               <a:rPr lang="zh-TW" altLang="en-US" smtClean="0"/>
-              <a:t>2018/10/11</a:t>
+              <a:t>2018/10/18</a:t>
             </a:fld>
             <a:endParaRPr lang="zh-TW" altLang="en-US"/>
           </a:p>
@@ -3143,7 +2573,7 @@
           <a:p>
             <a:fld id="{8827B768-E3E8-4933-A9AD-78C399C301CD}" type="datetime1">
               <a:rPr lang="zh-TW" altLang="en-US" smtClean="0"/>
-              <a:t>2018/10/11</a:t>
+              <a:t>2018/10/18</a:t>
             </a:fld>
             <a:endParaRPr lang="zh-TW" altLang="en-US"/>
           </a:p>
@@ -3284,7 +2714,7 @@
           <a:p>
             <a:fld id="{39B7C7C4-0BA1-4D74-B7B0-C819AA274085}" type="datetime1">
               <a:rPr lang="zh-TW" altLang="en-US" smtClean="0"/>
-              <a:t>2018/10/11</a:t>
+              <a:t>2018/10/18</a:t>
             </a:fld>
             <a:endParaRPr lang="zh-TW" altLang="en-US"/>
           </a:p>
@@ -3397,7 +2827,7 @@
           <a:p>
             <a:fld id="{994D1F1D-718E-4745-83DB-0B6A51CACDF9}" type="datetime1">
               <a:rPr lang="zh-TW" altLang="en-US" smtClean="0"/>
-              <a:t>2018/10/11</a:t>
+              <a:t>2018/10/18</a:t>
             </a:fld>
             <a:endParaRPr lang="zh-TW" altLang="en-US"/>
           </a:p>
@@ -3708,7 +3138,7 @@
           <a:p>
             <a:fld id="{88B245BF-6B6F-4297-B737-80D34D3F11BC}" type="datetime1">
               <a:rPr lang="zh-TW" altLang="en-US" smtClean="0"/>
-              <a:t>2018/10/11</a:t>
+              <a:t>2018/10/18</a:t>
             </a:fld>
             <a:endParaRPr lang="zh-TW" altLang="en-US"/>
           </a:p>
@@ -3996,7 +3426,7 @@
           <a:p>
             <a:fld id="{97CFFE5D-6CA2-44E4-BC29-4B02A38C47B1}" type="datetime1">
               <a:rPr lang="zh-TW" altLang="en-US" smtClean="0"/>
-              <a:t>2018/10/11</a:t>
+              <a:t>2018/10/18</a:t>
             </a:fld>
             <a:endParaRPr lang="zh-TW" altLang="en-US"/>
           </a:p>
@@ -4237,7 +3667,7 @@
           <a:p>
             <a:fld id="{39F3AAB9-C94E-401B-A622-10B7325E27AD}" type="datetime1">
               <a:rPr lang="zh-TW" altLang="en-US" smtClean="0"/>
-              <a:t>2018/10/11</a:t>
+              <a:t>2018/10/18</a:t>
             </a:fld>
             <a:endParaRPr lang="zh-TW" altLang="en-US"/>
           </a:p>
@@ -10517,6 +9947,18 @@
           <a:bodyPr/>
           <a:lstStyle/>
           <a:p>
+            <a:r>
+              <a:rPr lang="en-US" altLang="zh-TW" sz="4400" b="0" i="0" u="none" strike="noStrike" kern="1200" dirty="0">
+                <a:solidFill>
+                  <a:schemeClr val="tx1"/>
+                </a:solidFill>
+                <a:effectLst/>
+                <a:latin typeface="+mj-lt"/>
+                <a:ea typeface="+mj-ea"/>
+                <a:cs typeface="+mj-cs"/>
+              </a:rPr>
+              <a:t>performance</a:t>
+            </a:r>
             <a:endParaRPr lang="zh-TW" altLang="en-US" dirty="0"/>
           </a:p>
         </p:txBody>
@@ -10537,12 +9979,44 @@
             <p:ph idx="1"/>
           </p:nvPr>
         </p:nvSpPr>
-        <p:spPr/>
+        <p:spPr>
+          <a:xfrm>
+            <a:off x="987056" y="1736627"/>
+            <a:ext cx="8008089" cy="1325563"/>
+          </a:xfrm>
+        </p:spPr>
         <p:txBody>
-          <a:bodyPr/>
+          <a:bodyPr>
+            <a:normAutofit/>
+          </a:bodyPr>
           <a:lstStyle/>
           <a:p>
-            <a:endParaRPr lang="zh-TW" altLang="en-US"/>
+            <a:r>
+              <a:rPr lang="en-US" altLang="zh-TW" dirty="0"/>
+              <a:t>Misclassification (Error)</a:t>
+            </a:r>
+            <a:r>
+              <a:rPr lang="zh-TW" altLang="en-US" dirty="0"/>
+              <a:t> </a:t>
+            </a:r>
+            <a:r>
+              <a:rPr lang="en-US" altLang="zh-TW" dirty="0"/>
+              <a:t>Rate =</a:t>
+            </a:r>
+            <a:r>
+              <a:rPr lang="zh-TW" altLang="en-US" dirty="0"/>
+              <a:t> </a:t>
+            </a:r>
+            <a:r>
+              <a:rPr lang="en-US" altLang="zh-TW" dirty="0"/>
+              <a:t>4/45 = .089  = 8.9 %</a:t>
+            </a:r>
+          </a:p>
+          <a:p>
+            <a:r>
+              <a:rPr lang="en-US" altLang="zh-TW" dirty="0"/>
+              <a:t>Accuracy = 1 - .089 = .911 = 91.1%</a:t>
+            </a:r>
           </a:p>
         </p:txBody>
       </p:sp>
@@ -10575,10 +10049,349 @@
           </a:p>
         </p:txBody>
       </p:sp>
+      <p:sp>
+        <p:nvSpPr>
+          <p:cNvPr id="6" name="矩形 5">
+            <a:extLst>
+              <a:ext uri="{FF2B5EF4-FFF2-40B4-BE49-F238E27FC236}">
+                <a16:creationId xmlns:a16="http://schemas.microsoft.com/office/drawing/2014/main" id="{E19FF7BC-4AEF-461E-AE19-539C3C58855F}"/>
+              </a:ext>
+            </a:extLst>
+          </p:cNvPr>
+          <p:cNvSpPr/>
+          <p:nvPr/>
+        </p:nvSpPr>
+        <p:spPr>
+          <a:xfrm>
+            <a:off x="987056" y="3429000"/>
+            <a:ext cx="7393172" cy="1754326"/>
+          </a:xfrm>
+          <a:prstGeom prst="rect">
+            <a:avLst/>
+          </a:prstGeom>
+          <a:ln>
+            <a:solidFill>
+              <a:srgbClr val="FFC000"/>
+            </a:solidFill>
+          </a:ln>
+        </p:spPr>
+        <p:txBody>
+          <a:bodyPr wrap="square">
+            <a:spAutoFit/>
+          </a:bodyPr>
+          <a:lstStyle/>
+          <a:p>
+            <a:r>
+              <a:rPr lang="en-US" altLang="zh-TW" b="1" dirty="0">
+                <a:solidFill>
+                  <a:srgbClr val="000080"/>
+                </a:solidFill>
+                <a:latin typeface="Courier New" panose="02070309020205020404" pitchFamily="49" charset="0"/>
+              </a:rPr>
+              <a:t>&gt;&gt;&gt;</a:t>
+            </a:r>
+            <a:r>
+              <a:rPr lang="en-US" altLang="zh-TW" dirty="0">
+                <a:solidFill>
+                  <a:srgbClr val="000000"/>
+                </a:solidFill>
+                <a:latin typeface="Courier New" panose="02070309020205020404" pitchFamily="49" charset="0"/>
+              </a:rPr>
+              <a:t> </a:t>
+            </a:r>
+            <a:r>
+              <a:rPr lang="en-US" altLang="zh-TW" b="1" dirty="0">
+                <a:solidFill>
+                  <a:srgbClr val="0000FF"/>
+                </a:solidFill>
+                <a:latin typeface="Courier New" panose="02070309020205020404" pitchFamily="49" charset="0"/>
+              </a:rPr>
+              <a:t>from</a:t>
+            </a:r>
+            <a:r>
+              <a:rPr lang="en-US" altLang="zh-TW" dirty="0">
+                <a:solidFill>
+                  <a:srgbClr val="000000"/>
+                </a:solidFill>
+                <a:latin typeface="Courier New" panose="02070309020205020404" pitchFamily="49" charset="0"/>
+              </a:rPr>
+              <a:t> </a:t>
+            </a:r>
+            <a:r>
+              <a:rPr lang="en-US" altLang="zh-TW" dirty="0" err="1">
+                <a:solidFill>
+                  <a:srgbClr val="000000"/>
+                </a:solidFill>
+                <a:latin typeface="Courier New" panose="02070309020205020404" pitchFamily="49" charset="0"/>
+              </a:rPr>
+              <a:t>sklearn</a:t>
+            </a:r>
+            <a:r>
+              <a:rPr lang="en-US" altLang="zh-TW" b="1" dirty="0" err="1">
+                <a:solidFill>
+                  <a:srgbClr val="000080"/>
+                </a:solidFill>
+                <a:latin typeface="Courier New" panose="02070309020205020404" pitchFamily="49" charset="0"/>
+              </a:rPr>
+              <a:t>.</a:t>
+            </a:r>
+            <a:r>
+              <a:rPr lang="en-US" altLang="zh-TW" dirty="0" err="1">
+                <a:solidFill>
+                  <a:srgbClr val="000000"/>
+                </a:solidFill>
+                <a:latin typeface="Courier New" panose="02070309020205020404" pitchFamily="49" charset="0"/>
+              </a:rPr>
+              <a:t>metrics</a:t>
+            </a:r>
+            <a:r>
+              <a:rPr lang="en-US" altLang="zh-TW" dirty="0">
+                <a:solidFill>
+                  <a:srgbClr val="000000"/>
+                </a:solidFill>
+                <a:latin typeface="Courier New" panose="02070309020205020404" pitchFamily="49" charset="0"/>
+              </a:rPr>
+              <a:t> </a:t>
+            </a:r>
+            <a:r>
+              <a:rPr lang="en-US" altLang="zh-TW" b="1" dirty="0">
+                <a:solidFill>
+                  <a:srgbClr val="0000FF"/>
+                </a:solidFill>
+                <a:latin typeface="Courier New" panose="02070309020205020404" pitchFamily="49" charset="0"/>
+              </a:rPr>
+              <a:t>import</a:t>
+            </a:r>
+            <a:r>
+              <a:rPr lang="en-US" altLang="zh-TW" dirty="0">
+                <a:solidFill>
+                  <a:srgbClr val="000000"/>
+                </a:solidFill>
+                <a:latin typeface="Courier New" panose="02070309020205020404" pitchFamily="49" charset="0"/>
+              </a:rPr>
+              <a:t> </a:t>
+            </a:r>
+            <a:r>
+              <a:rPr lang="en-US" altLang="zh-TW" dirty="0" err="1">
+                <a:solidFill>
+                  <a:srgbClr val="000000"/>
+                </a:solidFill>
+                <a:latin typeface="Courier New" panose="02070309020205020404" pitchFamily="49" charset="0"/>
+              </a:rPr>
+              <a:t>accuracy_score</a:t>
+            </a:r>
+            <a:r>
+              <a:rPr lang="en-US" altLang="zh-TW" dirty="0">
+                <a:solidFill>
+                  <a:srgbClr val="000000"/>
+                </a:solidFill>
+                <a:latin typeface="Courier New" panose="02070309020205020404" pitchFamily="49" charset="0"/>
+              </a:rPr>
+              <a:t> </a:t>
+            </a:r>
+          </a:p>
+          <a:p>
+            <a:endParaRPr lang="en-US" altLang="zh-TW" b="1" dirty="0">
+              <a:solidFill>
+                <a:srgbClr val="000080"/>
+              </a:solidFill>
+              <a:latin typeface="Courier New" panose="02070309020205020404" pitchFamily="49" charset="0"/>
+            </a:endParaRPr>
+          </a:p>
+          <a:p>
+            <a:r>
+              <a:rPr lang="en-US" altLang="zh-TW" b="1" dirty="0">
+                <a:solidFill>
+                  <a:srgbClr val="000080"/>
+                </a:solidFill>
+                <a:latin typeface="Courier New" panose="02070309020205020404" pitchFamily="49" charset="0"/>
+              </a:rPr>
+              <a:t>&gt;&gt;&gt;</a:t>
+            </a:r>
+            <a:r>
+              <a:rPr lang="en-US" altLang="zh-TW" dirty="0">
+                <a:solidFill>
+                  <a:srgbClr val="000000"/>
+                </a:solidFill>
+                <a:latin typeface="Courier New" panose="02070309020205020404" pitchFamily="49" charset="0"/>
+              </a:rPr>
+              <a:t> </a:t>
+            </a:r>
+            <a:r>
+              <a:rPr lang="en-US" altLang="zh-TW" b="1" dirty="0">
+                <a:solidFill>
+                  <a:srgbClr val="0000FF"/>
+                </a:solidFill>
+                <a:latin typeface="Courier New" panose="02070309020205020404" pitchFamily="49" charset="0"/>
+              </a:rPr>
+              <a:t>print</a:t>
+            </a:r>
+            <a:r>
+              <a:rPr lang="en-US" altLang="zh-TW" b="1" dirty="0">
+                <a:solidFill>
+                  <a:srgbClr val="000080"/>
+                </a:solidFill>
+                <a:latin typeface="Courier New" panose="02070309020205020404" pitchFamily="49" charset="0"/>
+              </a:rPr>
+              <a:t>(</a:t>
+            </a:r>
+            <a:r>
+              <a:rPr lang="en-US" altLang="zh-TW" dirty="0">
+                <a:solidFill>
+                  <a:srgbClr val="808080"/>
+                </a:solidFill>
+                <a:latin typeface="Courier New" panose="02070309020205020404" pitchFamily="49" charset="0"/>
+              </a:rPr>
+              <a:t>'Accuracy: %.2f’</a:t>
+            </a:r>
+            <a:r>
+              <a:rPr lang="en-US" altLang="zh-TW" dirty="0">
+                <a:solidFill>
+                  <a:srgbClr val="000000"/>
+                </a:solidFill>
+                <a:latin typeface="Courier New" panose="02070309020205020404" pitchFamily="49" charset="0"/>
+              </a:rPr>
+              <a:t> </a:t>
+            </a:r>
+            <a:r>
+              <a:rPr lang="en-US" altLang="zh-TW" b="1" dirty="0">
+                <a:solidFill>
+                  <a:srgbClr val="000080"/>
+                </a:solidFill>
+                <a:latin typeface="Courier New" panose="02070309020205020404" pitchFamily="49" charset="0"/>
+              </a:rPr>
+              <a:t>%</a:t>
+            </a:r>
+            <a:r>
+              <a:rPr lang="en-US" altLang="zh-TW" dirty="0">
+                <a:solidFill>
+                  <a:srgbClr val="000000"/>
+                </a:solidFill>
+                <a:latin typeface="Courier New" panose="02070309020205020404" pitchFamily="49" charset="0"/>
+              </a:rPr>
+              <a:t> </a:t>
+            </a:r>
+          </a:p>
+          <a:p>
+            <a:r>
+              <a:rPr lang="en-US" altLang="zh-TW" b="1" dirty="0">
+                <a:solidFill>
+                  <a:srgbClr val="000080"/>
+                </a:solidFill>
+                <a:latin typeface="Courier New" panose="02070309020205020404" pitchFamily="49" charset="0"/>
+              </a:rPr>
+              <a:t>...</a:t>
+            </a:r>
+            <a:r>
+              <a:rPr lang="en-US" altLang="zh-TW" dirty="0">
+                <a:solidFill>
+                  <a:srgbClr val="000000"/>
+                </a:solidFill>
+                <a:latin typeface="Courier New" panose="02070309020205020404" pitchFamily="49" charset="0"/>
+              </a:rPr>
+              <a:t> </a:t>
+            </a:r>
+            <a:r>
+              <a:rPr lang="en-US" altLang="zh-TW" dirty="0" err="1">
+                <a:solidFill>
+                  <a:srgbClr val="000000"/>
+                </a:solidFill>
+                <a:latin typeface="Courier New" panose="02070309020205020404" pitchFamily="49" charset="0"/>
+              </a:rPr>
+              <a:t>accuracy_score</a:t>
+            </a:r>
+            <a:r>
+              <a:rPr lang="en-US" altLang="zh-TW" b="1" dirty="0">
+                <a:solidFill>
+                  <a:srgbClr val="000080"/>
+                </a:solidFill>
+                <a:latin typeface="Courier New" panose="02070309020205020404" pitchFamily="49" charset="0"/>
+              </a:rPr>
+              <a:t>(</a:t>
+            </a:r>
+            <a:r>
+              <a:rPr lang="en-US" altLang="zh-TW" dirty="0" err="1">
+                <a:solidFill>
+                  <a:srgbClr val="000000"/>
+                </a:solidFill>
+                <a:latin typeface="Courier New" panose="02070309020205020404" pitchFamily="49" charset="0"/>
+              </a:rPr>
+              <a:t>y_test</a:t>
+            </a:r>
+            <a:r>
+              <a:rPr lang="en-US" altLang="zh-TW" b="1" dirty="0">
+                <a:solidFill>
+                  <a:srgbClr val="000080"/>
+                </a:solidFill>
+                <a:latin typeface="Courier New" panose="02070309020205020404" pitchFamily="49" charset="0"/>
+              </a:rPr>
+              <a:t>,</a:t>
+            </a:r>
+            <a:r>
+              <a:rPr lang="en-US" altLang="zh-TW" dirty="0">
+                <a:solidFill>
+                  <a:srgbClr val="000000"/>
+                </a:solidFill>
+                <a:latin typeface="Courier New" panose="02070309020205020404" pitchFamily="49" charset="0"/>
+              </a:rPr>
+              <a:t> </a:t>
+            </a:r>
+            <a:r>
+              <a:rPr lang="en-US" altLang="zh-TW" dirty="0" err="1">
+                <a:solidFill>
+                  <a:srgbClr val="000000"/>
+                </a:solidFill>
+                <a:latin typeface="Courier New" panose="02070309020205020404" pitchFamily="49" charset="0"/>
+              </a:rPr>
+              <a:t>y_pred</a:t>
+            </a:r>
+            <a:r>
+              <a:rPr lang="en-US" altLang="zh-TW" b="1" dirty="0">
+                <a:solidFill>
+                  <a:srgbClr val="000080"/>
+                </a:solidFill>
+                <a:latin typeface="Courier New" panose="02070309020205020404" pitchFamily="49" charset="0"/>
+              </a:rPr>
+              <a:t>))</a:t>
+            </a:r>
+            <a:r>
+              <a:rPr lang="en-US" altLang="zh-TW" dirty="0">
+                <a:solidFill>
+                  <a:srgbClr val="000000"/>
+                </a:solidFill>
+                <a:latin typeface="Courier New" panose="02070309020205020404" pitchFamily="49" charset="0"/>
+              </a:rPr>
+              <a:t> </a:t>
+            </a:r>
+          </a:p>
+          <a:p>
+            <a:endParaRPr lang="en-US" altLang="zh-TW" dirty="0">
+              <a:solidFill>
+                <a:srgbClr val="000000"/>
+              </a:solidFill>
+              <a:latin typeface="Courier New" panose="02070309020205020404" pitchFamily="49" charset="0"/>
+            </a:endParaRPr>
+          </a:p>
+          <a:p>
+            <a:r>
+              <a:rPr lang="en-US" altLang="zh-TW" dirty="0">
+                <a:solidFill>
+                  <a:srgbClr val="008000"/>
+                </a:solidFill>
+                <a:latin typeface="Courier New" panose="02070309020205020404" pitchFamily="49" charset="0"/>
+              </a:rPr>
+              <a:t>### 0.91</a:t>
+            </a:r>
+            <a:endParaRPr lang="en-US" altLang="zh-TW" dirty="0">
+              <a:effectLst/>
+            </a:endParaRPr>
+          </a:p>
+        </p:txBody>
+      </p:sp>
     </p:spTree>
     <p:extLst>
       <p:ext uri="{BB962C8B-B14F-4D97-AF65-F5344CB8AC3E}">
-        <p14:creationId xmlns:p14="http://schemas.microsoft.com/office/powerpoint/2010/main" val="2726103097"/>
+        <p14:creationId xmlns:p14="http://schemas.microsoft.com/office/powerpoint/2010/main" val="427660256"/>
       </p:ext>
     </p:extLst>
   </p:cSld>
@@ -10883,6 +10696,3557 @@
 </p:sld>
 </file>
 
+<file path=ppt/slides/slide20.xml><?xml version="1.0" encoding="utf-8"?>
+<p:sld xmlns:a="http://schemas.openxmlformats.org/drawingml/2006/main" xmlns:r="http://schemas.openxmlformats.org/officeDocument/2006/relationships" xmlns:p="http://schemas.openxmlformats.org/presentationml/2006/main">
+  <p:cSld>
+    <p:spTree>
+      <p:nvGrpSpPr>
+        <p:cNvPr id="1" name=""/>
+        <p:cNvGrpSpPr/>
+        <p:nvPr/>
+      </p:nvGrpSpPr>
+      <p:grpSpPr>
+        <a:xfrm>
+          <a:off x="0" y="0"/>
+          <a:ext cx="0" cy="0"/>
+          <a:chOff x="0" y="0"/>
+          <a:chExt cx="0" cy="0"/>
+        </a:xfrm>
+      </p:grpSpPr>
+      <p:sp>
+        <p:nvSpPr>
+          <p:cNvPr id="2" name="標題 1">
+            <a:extLst>
+              <a:ext uri="{FF2B5EF4-FFF2-40B4-BE49-F238E27FC236}">
+                <a16:creationId xmlns:a16="http://schemas.microsoft.com/office/drawing/2014/main" id="{6D129124-8C5D-47A5-9377-660D8D19066B}"/>
+              </a:ext>
+            </a:extLst>
+          </p:cNvPr>
+          <p:cNvSpPr>
+            <a:spLocks noGrp="1"/>
+          </p:cNvSpPr>
+          <p:nvPr>
+            <p:ph type="title"/>
+          </p:nvPr>
+        </p:nvSpPr>
+        <p:spPr>
+          <a:xfrm>
+            <a:off x="0" y="0"/>
+            <a:ext cx="6030433" cy="1325563"/>
+          </a:xfrm>
+        </p:spPr>
+        <p:txBody>
+          <a:bodyPr/>
+          <a:lstStyle/>
+          <a:p>
+            <a:r>
+              <a:rPr lang="en-US" altLang="zh-TW" dirty="0"/>
+              <a:t>Plot the decision regions</a:t>
+            </a:r>
+            <a:endParaRPr lang="zh-TW" altLang="en-US" dirty="0"/>
+          </a:p>
+        </p:txBody>
+      </p:sp>
+      <p:pic>
+        <p:nvPicPr>
+          <p:cNvPr id="6" name="內容版面配置區 5">
+            <a:extLst>
+              <a:ext uri="{FF2B5EF4-FFF2-40B4-BE49-F238E27FC236}">
+                <a16:creationId xmlns:a16="http://schemas.microsoft.com/office/drawing/2014/main" id="{E21D5ABB-AC75-435B-BC01-513A562D5CA0}"/>
+              </a:ext>
+            </a:extLst>
+          </p:cNvPr>
+          <p:cNvPicPr>
+            <a:picLocks noGrp="1" noChangeAspect="1"/>
+          </p:cNvPicPr>
+          <p:nvPr>
+            <p:ph idx="1"/>
+          </p:nvPr>
+        </p:nvPicPr>
+        <p:blipFill>
+          <a:blip r:embed="rId2">
+            <a:extLst>
+              <a:ext uri="{28A0092B-C50C-407E-A947-70E740481C1C}">
+                <a14:useLocalDpi xmlns:a14="http://schemas.microsoft.com/office/drawing/2010/main" val="0"/>
+              </a:ext>
+            </a:extLst>
+          </a:blip>
+          <a:stretch>
+            <a:fillRect/>
+          </a:stretch>
+        </p:blipFill>
+        <p:spPr>
+          <a:xfrm>
+            <a:off x="595423" y="1110038"/>
+            <a:ext cx="6559858" cy="4376362"/>
+          </a:xfrm>
+        </p:spPr>
+      </p:pic>
+      <p:sp>
+        <p:nvSpPr>
+          <p:cNvPr id="4" name="投影片編號版面配置區 3">
+            <a:extLst>
+              <a:ext uri="{FF2B5EF4-FFF2-40B4-BE49-F238E27FC236}">
+                <a16:creationId xmlns:a16="http://schemas.microsoft.com/office/drawing/2014/main" id="{7926A117-5CF6-4667-B488-F0A318696166}"/>
+              </a:ext>
+            </a:extLst>
+          </p:cNvPr>
+          <p:cNvSpPr>
+            <a:spLocks noGrp="1"/>
+          </p:cNvSpPr>
+          <p:nvPr>
+            <p:ph type="sldNum" sz="quarter" idx="12"/>
+          </p:nvPr>
+        </p:nvSpPr>
+        <p:spPr/>
+        <p:txBody>
+          <a:bodyPr/>
+          <a:lstStyle/>
+          <a:p>
+            <a:fld id="{CCCC54F5-AF54-4DEE-8C8A-6B071CAEC70F}" type="slidenum">
+              <a:rPr lang="zh-TW" altLang="en-US" smtClean="0"/>
+              <a:t>20</a:t>
+            </a:fld>
+            <a:endParaRPr lang="zh-TW" altLang="en-US"/>
+          </a:p>
+        </p:txBody>
+      </p:sp>
+      <p:sp>
+        <p:nvSpPr>
+          <p:cNvPr id="7" name="矩形 6">
+            <a:extLst>
+              <a:ext uri="{FF2B5EF4-FFF2-40B4-BE49-F238E27FC236}">
+                <a16:creationId xmlns:a16="http://schemas.microsoft.com/office/drawing/2014/main" id="{817B1763-1A6B-492B-A865-EE715F450CD0}"/>
+              </a:ext>
+            </a:extLst>
+          </p:cNvPr>
+          <p:cNvSpPr/>
+          <p:nvPr/>
+        </p:nvSpPr>
+        <p:spPr>
+          <a:xfrm>
+            <a:off x="7735186" y="2644170"/>
+            <a:ext cx="4494028" cy="1569660"/>
+          </a:xfrm>
+          <a:prstGeom prst="rect">
+            <a:avLst/>
+          </a:prstGeom>
+        </p:spPr>
+        <p:txBody>
+          <a:bodyPr wrap="square">
+            <a:spAutoFit/>
+          </a:bodyPr>
+          <a:lstStyle/>
+          <a:p>
+            <a:r>
+              <a:rPr lang="en-US" altLang="zh-TW" sz="2400" dirty="0">
+                <a:solidFill>
+                  <a:srgbClr val="3C3C3B"/>
+                </a:solidFill>
+                <a:latin typeface="Lato"/>
+              </a:rPr>
+              <a:t>As we can see in the plot, </a:t>
+            </a:r>
+          </a:p>
+          <a:p>
+            <a:r>
+              <a:rPr lang="en-US" altLang="zh-TW" sz="2400" dirty="0">
+                <a:solidFill>
+                  <a:srgbClr val="3C3C3B"/>
+                </a:solidFill>
+                <a:latin typeface="Lato"/>
+              </a:rPr>
+              <a:t>the </a:t>
+            </a:r>
+            <a:r>
+              <a:rPr lang="en-US" altLang="zh-TW" sz="2400" b="1" dirty="0">
+                <a:solidFill>
+                  <a:srgbClr val="7030A0"/>
+                </a:solidFill>
+                <a:latin typeface="Lato"/>
+              </a:rPr>
+              <a:t>three </a:t>
+            </a:r>
+            <a:r>
+              <a:rPr lang="en-US" altLang="zh-TW" sz="2400" dirty="0">
+                <a:solidFill>
+                  <a:srgbClr val="3C3C3B"/>
+                </a:solidFill>
+                <a:latin typeface="Lato"/>
+              </a:rPr>
+              <a:t>flower classes </a:t>
+            </a:r>
+          </a:p>
+          <a:p>
+            <a:r>
+              <a:rPr lang="en-US" altLang="zh-TW" sz="2400" dirty="0">
+                <a:solidFill>
+                  <a:srgbClr val="FF0000"/>
+                </a:solidFill>
+                <a:latin typeface="Lato"/>
+              </a:rPr>
+              <a:t>cannot be perfectly separated </a:t>
+            </a:r>
+          </a:p>
+          <a:p>
+            <a:r>
+              <a:rPr lang="en-US" altLang="zh-TW" sz="2400" dirty="0">
+                <a:solidFill>
+                  <a:srgbClr val="3C3C3B"/>
+                </a:solidFill>
+                <a:latin typeface="Lato"/>
+              </a:rPr>
+              <a:t>by a </a:t>
+            </a:r>
+            <a:r>
+              <a:rPr lang="en-US" altLang="zh-TW" sz="2400" dirty="0">
+                <a:solidFill>
+                  <a:srgbClr val="0000FF"/>
+                </a:solidFill>
+                <a:latin typeface="Lato"/>
+              </a:rPr>
+              <a:t>linear decision boundaries</a:t>
+            </a:r>
+            <a:endParaRPr lang="zh-TW" altLang="en-US" sz="2400" dirty="0">
+              <a:solidFill>
+                <a:srgbClr val="0000FF"/>
+              </a:solidFill>
+            </a:endParaRPr>
+          </a:p>
+        </p:txBody>
+      </p:sp>
+      <p:sp>
+        <p:nvSpPr>
+          <p:cNvPr id="8" name="矩形 7">
+            <a:extLst>
+              <a:ext uri="{FF2B5EF4-FFF2-40B4-BE49-F238E27FC236}">
+                <a16:creationId xmlns:a16="http://schemas.microsoft.com/office/drawing/2014/main" id="{17C82EBD-5EEB-450B-A195-D1C2DB2F16A6}"/>
+              </a:ext>
+            </a:extLst>
+          </p:cNvPr>
+          <p:cNvSpPr/>
+          <p:nvPr/>
+        </p:nvSpPr>
+        <p:spPr>
+          <a:xfrm>
+            <a:off x="2450804" y="5707915"/>
+            <a:ext cx="7777717" cy="830997"/>
+          </a:xfrm>
+          <a:prstGeom prst="rect">
+            <a:avLst/>
+          </a:prstGeom>
+        </p:spPr>
+        <p:txBody>
+          <a:bodyPr wrap="square">
+            <a:spAutoFit/>
+          </a:bodyPr>
+          <a:lstStyle/>
+          <a:p>
+            <a:r>
+              <a:rPr lang="en-US" altLang="zh-TW" sz="2400" dirty="0">
+                <a:solidFill>
+                  <a:srgbClr val="3C3C3B"/>
+                </a:solidFill>
+                <a:latin typeface="Lato"/>
+              </a:rPr>
+              <a:t>the perceptron algorithm never converges on datasets </a:t>
+            </a:r>
+          </a:p>
+          <a:p>
+            <a:r>
+              <a:rPr lang="en-US" altLang="zh-TW" sz="2400" dirty="0">
+                <a:solidFill>
+                  <a:srgbClr val="3C3C3B"/>
+                </a:solidFill>
+                <a:latin typeface="Lato"/>
+              </a:rPr>
+              <a:t>that aren't perfectly </a:t>
+            </a:r>
+            <a:r>
+              <a:rPr lang="en-US" altLang="zh-TW" sz="2400" b="1" dirty="0">
+                <a:solidFill>
+                  <a:srgbClr val="FF0000"/>
+                </a:solidFill>
+                <a:latin typeface="Lato"/>
+              </a:rPr>
+              <a:t>linearly separable</a:t>
+            </a:r>
+            <a:endParaRPr lang="zh-TW" altLang="en-US" sz="2400" b="1" dirty="0">
+              <a:solidFill>
+                <a:srgbClr val="FF0000"/>
+              </a:solidFill>
+            </a:endParaRPr>
+          </a:p>
+        </p:txBody>
+      </p:sp>
+    </p:spTree>
+    <p:extLst>
+      <p:ext uri="{BB962C8B-B14F-4D97-AF65-F5344CB8AC3E}">
+        <p14:creationId xmlns:p14="http://schemas.microsoft.com/office/powerpoint/2010/main" val="3798963849"/>
+      </p:ext>
+    </p:extLst>
+  </p:cSld>
+  <p:clrMapOvr>
+    <a:masterClrMapping/>
+  </p:clrMapOvr>
+</p:sld>
+</file>
+
+<file path=ppt/slides/slide21.xml><?xml version="1.0" encoding="utf-8"?>
+<p:sld xmlns:a="http://schemas.openxmlformats.org/drawingml/2006/main" xmlns:r="http://schemas.openxmlformats.org/officeDocument/2006/relationships" xmlns:p="http://schemas.openxmlformats.org/presentationml/2006/main">
+  <p:cSld>
+    <p:spTree>
+      <p:nvGrpSpPr>
+        <p:cNvPr id="1" name=""/>
+        <p:cNvGrpSpPr/>
+        <p:nvPr/>
+      </p:nvGrpSpPr>
+      <p:grpSpPr>
+        <a:xfrm>
+          <a:off x="0" y="0"/>
+          <a:ext cx="0" cy="0"/>
+          <a:chOff x="0" y="0"/>
+          <a:chExt cx="0" cy="0"/>
+        </a:xfrm>
+      </p:grpSpPr>
+      <p:sp>
+        <p:nvSpPr>
+          <p:cNvPr id="2" name="標題 1">
+            <a:extLst>
+              <a:ext uri="{FF2B5EF4-FFF2-40B4-BE49-F238E27FC236}">
+                <a16:creationId xmlns:a16="http://schemas.microsoft.com/office/drawing/2014/main" id="{7D7C5448-3B5E-4AC4-A8B7-F720EF38D40F}"/>
+              </a:ext>
+            </a:extLst>
+          </p:cNvPr>
+          <p:cNvSpPr>
+            <a:spLocks noGrp="1"/>
+          </p:cNvSpPr>
+          <p:nvPr>
+            <p:ph type="title"/>
+          </p:nvPr>
+        </p:nvSpPr>
+        <p:spPr/>
+        <p:txBody>
+          <a:bodyPr/>
+          <a:lstStyle/>
+          <a:p>
+            <a:r>
+              <a:rPr lang="en-US" altLang="zh-TW" dirty="0"/>
+              <a:t>the help function in Python </a:t>
+            </a:r>
+            <a:endParaRPr lang="zh-TW" altLang="en-US" dirty="0"/>
+          </a:p>
+        </p:txBody>
+      </p:sp>
+      <p:sp>
+        <p:nvSpPr>
+          <p:cNvPr id="3" name="內容版面配置區 2">
+            <a:extLst>
+              <a:ext uri="{FF2B5EF4-FFF2-40B4-BE49-F238E27FC236}">
+                <a16:creationId xmlns:a16="http://schemas.microsoft.com/office/drawing/2014/main" id="{34A470D3-98F7-4A34-B166-8A5F72C2E000}"/>
+              </a:ext>
+            </a:extLst>
+          </p:cNvPr>
+          <p:cNvSpPr>
+            <a:spLocks noGrp="1"/>
+          </p:cNvSpPr>
+          <p:nvPr>
+            <p:ph idx="1"/>
+          </p:nvPr>
+        </p:nvSpPr>
+        <p:spPr>
+          <a:xfrm>
+            <a:off x="838200" y="1825626"/>
+            <a:ext cx="3457353" cy="641128"/>
+          </a:xfrm>
+        </p:spPr>
+        <p:txBody>
+          <a:bodyPr/>
+          <a:lstStyle/>
+          <a:p>
+            <a:pPr marL="0" indent="0">
+              <a:buNone/>
+            </a:pPr>
+            <a:r>
+              <a:rPr lang="en-US" altLang="zh-TW" dirty="0"/>
+              <a:t>&gt;&gt;&gt; help(Perceptron)</a:t>
+            </a:r>
+            <a:endParaRPr lang="zh-TW" altLang="en-US" dirty="0"/>
+          </a:p>
+        </p:txBody>
+      </p:sp>
+      <p:sp>
+        <p:nvSpPr>
+          <p:cNvPr id="4" name="投影片編號版面配置區 3">
+            <a:extLst>
+              <a:ext uri="{FF2B5EF4-FFF2-40B4-BE49-F238E27FC236}">
+                <a16:creationId xmlns:a16="http://schemas.microsoft.com/office/drawing/2014/main" id="{CA46B1D5-AEC3-40F7-869C-251D1F659F55}"/>
+              </a:ext>
+            </a:extLst>
+          </p:cNvPr>
+          <p:cNvSpPr>
+            <a:spLocks noGrp="1"/>
+          </p:cNvSpPr>
+          <p:nvPr>
+            <p:ph type="sldNum" sz="quarter" idx="12"/>
+          </p:nvPr>
+        </p:nvSpPr>
+        <p:spPr/>
+        <p:txBody>
+          <a:bodyPr/>
+          <a:lstStyle/>
+          <a:p>
+            <a:fld id="{CCCC54F5-AF54-4DEE-8C8A-6B071CAEC70F}" type="slidenum">
+              <a:rPr lang="zh-TW" altLang="en-US" smtClean="0"/>
+              <a:t>21</a:t>
+            </a:fld>
+            <a:endParaRPr lang="zh-TW" altLang="en-US"/>
+          </a:p>
+        </p:txBody>
+      </p:sp>
+    </p:spTree>
+    <p:extLst>
+      <p:ext uri="{BB962C8B-B14F-4D97-AF65-F5344CB8AC3E}">
+        <p14:creationId xmlns:p14="http://schemas.microsoft.com/office/powerpoint/2010/main" val="1412526640"/>
+      </p:ext>
+    </p:extLst>
+  </p:cSld>
+  <p:clrMapOvr>
+    <a:masterClrMapping/>
+  </p:clrMapOvr>
+</p:sld>
+</file>
+
+<file path=ppt/slides/slide22.xml><?xml version="1.0" encoding="utf-8"?>
+<p:sld xmlns:a="http://schemas.openxmlformats.org/drawingml/2006/main" xmlns:r="http://schemas.openxmlformats.org/officeDocument/2006/relationships" xmlns:p="http://schemas.openxmlformats.org/presentationml/2006/main">
+  <p:cSld>
+    <p:spTree>
+      <p:nvGrpSpPr>
+        <p:cNvPr id="1" name=""/>
+        <p:cNvGrpSpPr/>
+        <p:nvPr/>
+      </p:nvGrpSpPr>
+      <p:grpSpPr>
+        <a:xfrm>
+          <a:off x="0" y="0"/>
+          <a:ext cx="0" cy="0"/>
+          <a:chOff x="0" y="0"/>
+          <a:chExt cx="0" cy="0"/>
+        </a:xfrm>
+      </p:grpSpPr>
+      <p:sp>
+        <p:nvSpPr>
+          <p:cNvPr id="2" name="標題 1">
+            <a:extLst>
+              <a:ext uri="{FF2B5EF4-FFF2-40B4-BE49-F238E27FC236}">
+                <a16:creationId xmlns:a16="http://schemas.microsoft.com/office/drawing/2014/main" id="{E1139BD0-01E5-4E2C-BCCD-EAB32B21B6EE}"/>
+              </a:ext>
+            </a:extLst>
+          </p:cNvPr>
+          <p:cNvSpPr>
+            <a:spLocks noGrp="1"/>
+          </p:cNvSpPr>
+          <p:nvPr>
+            <p:ph type="title"/>
+          </p:nvPr>
+        </p:nvSpPr>
+        <p:spPr/>
+        <p:txBody>
+          <a:bodyPr/>
+          <a:lstStyle/>
+          <a:p>
+            <a:endParaRPr lang="zh-TW" altLang="en-US"/>
+          </a:p>
+        </p:txBody>
+      </p:sp>
+      <p:sp>
+        <p:nvSpPr>
+          <p:cNvPr id="3" name="內容版面配置區 2">
+            <a:extLst>
+              <a:ext uri="{FF2B5EF4-FFF2-40B4-BE49-F238E27FC236}">
+                <a16:creationId xmlns:a16="http://schemas.microsoft.com/office/drawing/2014/main" id="{9E453B8C-4B64-4ECF-B355-6F868287BC36}"/>
+              </a:ext>
+            </a:extLst>
+          </p:cNvPr>
+          <p:cNvSpPr>
+            <a:spLocks noGrp="1"/>
+          </p:cNvSpPr>
+          <p:nvPr>
+            <p:ph idx="1"/>
+          </p:nvPr>
+        </p:nvSpPr>
+        <p:spPr/>
+        <p:txBody>
+          <a:bodyPr/>
+          <a:lstStyle/>
+          <a:p>
+            <a:endParaRPr lang="zh-TW" altLang="en-US"/>
+          </a:p>
+        </p:txBody>
+      </p:sp>
+      <p:sp>
+        <p:nvSpPr>
+          <p:cNvPr id="4" name="投影片編號版面配置區 3">
+            <a:extLst>
+              <a:ext uri="{FF2B5EF4-FFF2-40B4-BE49-F238E27FC236}">
+                <a16:creationId xmlns:a16="http://schemas.microsoft.com/office/drawing/2014/main" id="{721783C0-7433-43A9-93DE-E9DBC3FAD772}"/>
+              </a:ext>
+            </a:extLst>
+          </p:cNvPr>
+          <p:cNvSpPr>
+            <a:spLocks noGrp="1"/>
+          </p:cNvSpPr>
+          <p:nvPr>
+            <p:ph type="sldNum" sz="quarter" idx="12"/>
+          </p:nvPr>
+        </p:nvSpPr>
+        <p:spPr/>
+        <p:txBody>
+          <a:bodyPr/>
+          <a:lstStyle/>
+          <a:p>
+            <a:fld id="{CCCC54F5-AF54-4DEE-8C8A-6B071CAEC70F}" type="slidenum">
+              <a:rPr lang="zh-TW" altLang="en-US" smtClean="0"/>
+              <a:t>22</a:t>
+            </a:fld>
+            <a:endParaRPr lang="zh-TW" altLang="en-US"/>
+          </a:p>
+        </p:txBody>
+      </p:sp>
+    </p:spTree>
+    <p:extLst>
+      <p:ext uri="{BB962C8B-B14F-4D97-AF65-F5344CB8AC3E}">
+        <p14:creationId xmlns:p14="http://schemas.microsoft.com/office/powerpoint/2010/main" val="1152244290"/>
+      </p:ext>
+    </p:extLst>
+  </p:cSld>
+  <p:clrMapOvr>
+    <a:masterClrMapping/>
+  </p:clrMapOvr>
+</p:sld>
+</file>
+
+<file path=ppt/slides/slide23.xml><?xml version="1.0" encoding="utf-8"?>
+<p:sld xmlns:a="http://schemas.openxmlformats.org/drawingml/2006/main" xmlns:r="http://schemas.openxmlformats.org/officeDocument/2006/relationships" xmlns:p="http://schemas.openxmlformats.org/presentationml/2006/main">
+  <p:cSld>
+    <p:spTree>
+      <p:nvGrpSpPr>
+        <p:cNvPr id="1" name=""/>
+        <p:cNvGrpSpPr/>
+        <p:nvPr/>
+      </p:nvGrpSpPr>
+      <p:grpSpPr>
+        <a:xfrm>
+          <a:off x="0" y="0"/>
+          <a:ext cx="0" cy="0"/>
+          <a:chOff x="0" y="0"/>
+          <a:chExt cx="0" cy="0"/>
+        </a:xfrm>
+      </p:grpSpPr>
+      <p:sp>
+        <p:nvSpPr>
+          <p:cNvPr id="2" name="標題 1">
+            <a:extLst>
+              <a:ext uri="{FF2B5EF4-FFF2-40B4-BE49-F238E27FC236}">
+                <a16:creationId xmlns:a16="http://schemas.microsoft.com/office/drawing/2014/main" id="{E8232330-F008-408A-8AAA-270ED5373B8C}"/>
+              </a:ext>
+            </a:extLst>
+          </p:cNvPr>
+          <p:cNvSpPr>
+            <a:spLocks noGrp="1"/>
+          </p:cNvSpPr>
+          <p:nvPr>
+            <p:ph type="title"/>
+          </p:nvPr>
+        </p:nvSpPr>
+        <p:spPr>
+          <a:xfrm>
+            <a:off x="915973" y="15018"/>
+            <a:ext cx="10515600" cy="1325563"/>
+          </a:xfrm>
+        </p:spPr>
+        <p:txBody>
+          <a:bodyPr/>
+          <a:lstStyle/>
+          <a:p>
+            <a:r>
+              <a:rPr lang="en-US" altLang="zh-TW" dirty="0"/>
+              <a:t>Logistic Function</a:t>
+            </a:r>
+            <a:endParaRPr lang="zh-TW" altLang="en-US" dirty="0"/>
+          </a:p>
+        </p:txBody>
+      </p:sp>
+      <p:sp>
+        <p:nvSpPr>
+          <p:cNvPr id="3" name="內容版面配置區 2">
+            <a:extLst>
+              <a:ext uri="{FF2B5EF4-FFF2-40B4-BE49-F238E27FC236}">
+                <a16:creationId xmlns:a16="http://schemas.microsoft.com/office/drawing/2014/main" id="{978F5ECB-C16B-4FCC-95D9-A952BBE88956}"/>
+              </a:ext>
+            </a:extLst>
+          </p:cNvPr>
+          <p:cNvSpPr>
+            <a:spLocks noGrp="1"/>
+          </p:cNvSpPr>
+          <p:nvPr>
+            <p:ph idx="1"/>
+          </p:nvPr>
+        </p:nvSpPr>
+        <p:spPr>
+          <a:xfrm>
+            <a:off x="554466" y="1496261"/>
+            <a:ext cx="4903381" cy="672646"/>
+          </a:xfrm>
+        </p:spPr>
+        <p:txBody>
+          <a:bodyPr/>
+          <a:lstStyle/>
+          <a:p>
+            <a:r>
+              <a:rPr lang="en-US" altLang="zh-TW" dirty="0"/>
+              <a:t>The </a:t>
+            </a:r>
+            <a:r>
+              <a:rPr lang="en-US" altLang="zh-TW" b="1" dirty="0"/>
+              <a:t>standard logistic function</a:t>
+            </a:r>
+            <a:r>
+              <a:rPr lang="en-US" altLang="zh-TW" dirty="0"/>
+              <a:t> </a:t>
+            </a:r>
+            <a:endParaRPr lang="zh-TW" altLang="en-US" dirty="0"/>
+          </a:p>
+        </p:txBody>
+      </p:sp>
+      <p:sp>
+        <p:nvSpPr>
+          <p:cNvPr id="4" name="投影片編號版面配置區 3">
+            <a:extLst>
+              <a:ext uri="{FF2B5EF4-FFF2-40B4-BE49-F238E27FC236}">
+                <a16:creationId xmlns:a16="http://schemas.microsoft.com/office/drawing/2014/main" id="{2A555283-1892-4C67-8A14-EDFBF73B4C14}"/>
+              </a:ext>
+            </a:extLst>
+          </p:cNvPr>
+          <p:cNvSpPr>
+            <a:spLocks noGrp="1"/>
+          </p:cNvSpPr>
+          <p:nvPr>
+            <p:ph type="sldNum" sz="quarter" idx="12"/>
+          </p:nvPr>
+        </p:nvSpPr>
+        <p:spPr/>
+        <p:txBody>
+          <a:bodyPr/>
+          <a:lstStyle/>
+          <a:p>
+            <a:fld id="{CCCC54F5-AF54-4DEE-8C8A-6B071CAEC70F}" type="slidenum">
+              <a:rPr lang="zh-TW" altLang="en-US" smtClean="0"/>
+              <a:t>23</a:t>
+            </a:fld>
+            <a:endParaRPr lang="zh-TW" altLang="en-US"/>
+          </a:p>
+        </p:txBody>
+      </p:sp>
+      <p:pic>
+        <p:nvPicPr>
+          <p:cNvPr id="8" name="圖片 7">
+            <a:extLst>
+              <a:ext uri="{FF2B5EF4-FFF2-40B4-BE49-F238E27FC236}">
+                <a16:creationId xmlns:a16="http://schemas.microsoft.com/office/drawing/2014/main" id="{73B7B32F-28B8-4BF5-A75C-2D98462C219F}"/>
+              </a:ext>
+            </a:extLst>
+          </p:cNvPr>
+          <p:cNvPicPr>
+            <a:picLocks noChangeAspect="1"/>
+          </p:cNvPicPr>
+          <p:nvPr/>
+        </p:nvPicPr>
+        <p:blipFill>
+          <a:blip r:embed="rId3"/>
+          <a:stretch>
+            <a:fillRect/>
+          </a:stretch>
+        </p:blipFill>
+        <p:spPr>
+          <a:xfrm>
+            <a:off x="897525" y="2168907"/>
+            <a:ext cx="3735453" cy="2668181"/>
+          </a:xfrm>
+          <a:prstGeom prst="rect">
+            <a:avLst/>
+          </a:prstGeom>
+        </p:spPr>
+      </p:pic>
+      <p:pic>
+        <p:nvPicPr>
+          <p:cNvPr id="1032" name="Picture 8" descr="https://upload.wikimedia.org/wikipedia/commons/thumb/8/88/Logistic-curve.svg/320px-Logistic-curve.svg.png">
+            <a:extLst>
+              <a:ext uri="{FF2B5EF4-FFF2-40B4-BE49-F238E27FC236}">
+                <a16:creationId xmlns:a16="http://schemas.microsoft.com/office/drawing/2014/main" id="{8F80BB58-ED88-4DF8-9F7E-5074B4FE9E66}"/>
+              </a:ext>
+            </a:extLst>
+          </p:cNvPr>
+          <p:cNvPicPr>
+            <a:picLocks noChangeAspect="1" noChangeArrowheads="1"/>
+          </p:cNvPicPr>
+          <p:nvPr/>
+        </p:nvPicPr>
+        <p:blipFill>
+          <a:blip r:embed="rId4">
+            <a:extLst>
+              <a:ext uri="{28A0092B-C50C-407E-A947-70E740481C1C}">
+                <a14:useLocalDpi xmlns:a14="http://schemas.microsoft.com/office/drawing/2010/main" val="0"/>
+              </a:ext>
+            </a:extLst>
+          </a:blip>
+          <a:srcRect/>
+          <a:stretch>
+            <a:fillRect/>
+          </a:stretch>
+        </p:blipFill>
+        <p:spPr bwMode="auto">
+          <a:xfrm>
+            <a:off x="5018568" y="1761830"/>
+            <a:ext cx="5061098" cy="3638081"/>
+          </a:xfrm>
+          <a:prstGeom prst="rect">
+            <a:avLst/>
+          </a:prstGeom>
+          <a:noFill/>
+          <a:extLst>
+            <a:ext uri="{909E8E84-426E-40DD-AFC4-6F175D3DCCD1}">
+              <a14:hiddenFill xmlns:a14="http://schemas.microsoft.com/office/drawing/2010/main">
+                <a:solidFill>
+                  <a:srgbClr val="FFFFFF"/>
+                </a:solidFill>
+              </a14:hiddenFill>
+            </a:ext>
+          </a:extLst>
+        </p:spPr>
+      </p:pic>
+      <p:pic>
+        <p:nvPicPr>
+          <p:cNvPr id="9" name="圖片 8">
+            <a:extLst>
+              <a:ext uri="{FF2B5EF4-FFF2-40B4-BE49-F238E27FC236}">
+                <a16:creationId xmlns:a16="http://schemas.microsoft.com/office/drawing/2014/main" id="{3CB6920A-4B15-4534-82A9-63F6DC5B332D}"/>
+              </a:ext>
+            </a:extLst>
+          </p:cNvPr>
+          <p:cNvPicPr>
+            <a:picLocks noChangeAspect="1"/>
+          </p:cNvPicPr>
+          <p:nvPr/>
+        </p:nvPicPr>
+        <p:blipFill>
+          <a:blip r:embed="rId5"/>
+          <a:stretch>
+            <a:fillRect/>
+          </a:stretch>
+        </p:blipFill>
+        <p:spPr>
+          <a:xfrm>
+            <a:off x="897524" y="5173411"/>
+            <a:ext cx="3003975" cy="961272"/>
+          </a:xfrm>
+          <a:prstGeom prst="rect">
+            <a:avLst/>
+          </a:prstGeom>
+        </p:spPr>
+      </p:pic>
+      <p:pic>
+        <p:nvPicPr>
+          <p:cNvPr id="10" name="圖片 9">
+            <a:extLst>
+              <a:ext uri="{FF2B5EF4-FFF2-40B4-BE49-F238E27FC236}">
+                <a16:creationId xmlns:a16="http://schemas.microsoft.com/office/drawing/2014/main" id="{8ACDB52A-76C6-4C6D-BE6E-6028D937A829}"/>
+              </a:ext>
+            </a:extLst>
+          </p:cNvPr>
+          <p:cNvPicPr>
+            <a:picLocks noChangeAspect="1"/>
+          </p:cNvPicPr>
+          <p:nvPr/>
+        </p:nvPicPr>
+        <p:blipFill>
+          <a:blip r:embed="rId6"/>
+          <a:stretch>
+            <a:fillRect/>
+          </a:stretch>
+        </p:blipFill>
+        <p:spPr>
+          <a:xfrm>
+            <a:off x="936411" y="6134683"/>
+            <a:ext cx="3092546" cy="586791"/>
+          </a:xfrm>
+          <a:prstGeom prst="rect">
+            <a:avLst/>
+          </a:prstGeom>
+        </p:spPr>
+      </p:pic>
+      <p:sp>
+        <p:nvSpPr>
+          <p:cNvPr id="11" name="矩形 10">
+            <a:extLst>
+              <a:ext uri="{FF2B5EF4-FFF2-40B4-BE49-F238E27FC236}">
+                <a16:creationId xmlns:a16="http://schemas.microsoft.com/office/drawing/2014/main" id="{05891B71-FD64-4BB2-ACC4-3C4FACA28549}"/>
+              </a:ext>
+            </a:extLst>
+          </p:cNvPr>
+          <p:cNvSpPr/>
+          <p:nvPr/>
+        </p:nvSpPr>
+        <p:spPr>
+          <a:xfrm>
+            <a:off x="4481362" y="5829379"/>
+            <a:ext cx="7363365" cy="369332"/>
+          </a:xfrm>
+          <a:prstGeom prst="rect">
+            <a:avLst/>
+          </a:prstGeom>
+        </p:spPr>
+        <p:txBody>
+          <a:bodyPr wrap="square">
+            <a:spAutoFit/>
+          </a:bodyPr>
+          <a:lstStyle/>
+          <a:p>
+            <a:r>
+              <a:rPr lang="en-US" altLang="zh-TW" dirty="0">
+                <a:solidFill>
+                  <a:srgbClr val="222222"/>
+                </a:solidFill>
+                <a:latin typeface="Arial" panose="020B0604020202020204" pitchFamily="34" charset="0"/>
+              </a:rPr>
+              <a:t>The logistic function is an offset and scaled </a:t>
+            </a:r>
+            <a:r>
+              <a:rPr lang="en-US" altLang="zh-TW" dirty="0">
+                <a:solidFill>
+                  <a:srgbClr val="0B0080"/>
+                </a:solidFill>
+                <a:latin typeface="Arial" panose="020B0604020202020204" pitchFamily="34" charset="0"/>
+                <a:hlinkClick r:id="rId7" tooltip="Hyperbolic tangent"/>
+              </a:rPr>
+              <a:t>hyperbolic tangent</a:t>
+            </a:r>
+            <a:r>
+              <a:rPr lang="en-US" altLang="zh-TW" dirty="0">
+                <a:solidFill>
+                  <a:srgbClr val="222222"/>
+                </a:solidFill>
+                <a:latin typeface="Arial" panose="020B0604020202020204" pitchFamily="34" charset="0"/>
+              </a:rPr>
+              <a:t> function</a:t>
+            </a:r>
+            <a:endParaRPr lang="zh-TW" altLang="en-US" dirty="0"/>
+          </a:p>
+        </p:txBody>
+      </p:sp>
+      <p:sp>
+        <p:nvSpPr>
+          <p:cNvPr id="12" name="矩形 11">
+            <a:extLst>
+              <a:ext uri="{FF2B5EF4-FFF2-40B4-BE49-F238E27FC236}">
+                <a16:creationId xmlns:a16="http://schemas.microsoft.com/office/drawing/2014/main" id="{02130CAC-3100-4C9E-BDFA-BDC5CD057527}"/>
+              </a:ext>
+            </a:extLst>
+          </p:cNvPr>
+          <p:cNvSpPr/>
+          <p:nvPr/>
+        </p:nvSpPr>
+        <p:spPr>
+          <a:xfrm>
+            <a:off x="6995142" y="772090"/>
+            <a:ext cx="4849585" cy="646331"/>
+          </a:xfrm>
+          <a:prstGeom prst="rect">
+            <a:avLst/>
+          </a:prstGeom>
+        </p:spPr>
+        <p:txBody>
+          <a:bodyPr wrap="square">
+            <a:spAutoFit/>
+          </a:bodyPr>
+          <a:lstStyle/>
+          <a:p>
+            <a:r>
+              <a:rPr lang="en-US" altLang="zh-TW" dirty="0">
+                <a:solidFill>
+                  <a:srgbClr val="222222"/>
+                </a:solidFill>
+                <a:latin typeface="Arial" panose="020B0604020202020204" pitchFamily="34" charset="0"/>
+              </a:rPr>
+              <a:t>A typical application of the logistic equation is a common model of </a:t>
+            </a:r>
+            <a:r>
+              <a:rPr lang="en-US" altLang="zh-TW" dirty="0">
+                <a:solidFill>
+                  <a:srgbClr val="0B0080"/>
+                </a:solidFill>
+                <a:latin typeface="Arial" panose="020B0604020202020204" pitchFamily="34" charset="0"/>
+                <a:hlinkClick r:id="rId8" tooltip="Population growth"/>
+              </a:rPr>
+              <a:t>population growth</a:t>
+            </a:r>
+            <a:endParaRPr lang="zh-TW" altLang="en-US" dirty="0"/>
+          </a:p>
+        </p:txBody>
+      </p:sp>
+    </p:spTree>
+    <p:extLst>
+      <p:ext uri="{BB962C8B-B14F-4D97-AF65-F5344CB8AC3E}">
+        <p14:creationId xmlns:p14="http://schemas.microsoft.com/office/powerpoint/2010/main" val="2726103097"/>
+      </p:ext>
+    </p:extLst>
+  </p:cSld>
+  <p:clrMapOvr>
+    <a:masterClrMapping/>
+  </p:clrMapOvr>
+</p:sld>
+</file>
+
+<file path=ppt/slides/slide24.xml><?xml version="1.0" encoding="utf-8"?>
+<p:sld xmlns:a="http://schemas.openxmlformats.org/drawingml/2006/main" xmlns:r="http://schemas.openxmlformats.org/officeDocument/2006/relationships" xmlns:p="http://schemas.openxmlformats.org/presentationml/2006/main">
+  <p:cSld>
+    <p:spTree>
+      <p:nvGrpSpPr>
+        <p:cNvPr id="1" name=""/>
+        <p:cNvGrpSpPr/>
+        <p:nvPr/>
+      </p:nvGrpSpPr>
+      <p:grpSpPr>
+        <a:xfrm>
+          <a:off x="0" y="0"/>
+          <a:ext cx="0" cy="0"/>
+          <a:chOff x="0" y="0"/>
+          <a:chExt cx="0" cy="0"/>
+        </a:xfrm>
+      </p:grpSpPr>
+      <p:sp>
+        <p:nvSpPr>
+          <p:cNvPr id="3" name="內容版面配置區 2">
+            <a:extLst>
+              <a:ext uri="{FF2B5EF4-FFF2-40B4-BE49-F238E27FC236}">
+                <a16:creationId xmlns:a16="http://schemas.microsoft.com/office/drawing/2014/main" id="{88ADB238-1F12-477E-A721-A7618A9E5D28}"/>
+              </a:ext>
+            </a:extLst>
+          </p:cNvPr>
+          <p:cNvSpPr>
+            <a:spLocks noGrp="1"/>
+          </p:cNvSpPr>
+          <p:nvPr>
+            <p:ph idx="1"/>
+          </p:nvPr>
+        </p:nvSpPr>
+        <p:spPr>
+          <a:xfrm>
+            <a:off x="838200" y="341086"/>
+            <a:ext cx="3586843" cy="591004"/>
+          </a:xfrm>
+        </p:spPr>
+        <p:txBody>
+          <a:bodyPr/>
+          <a:lstStyle/>
+          <a:p>
+            <a:r>
+              <a:rPr lang="en-US" altLang="zh-TW" dirty="0"/>
+              <a:t>Derivative &amp; Integral</a:t>
+            </a:r>
+            <a:endParaRPr lang="zh-TW" altLang="en-US" dirty="0"/>
+          </a:p>
+        </p:txBody>
+      </p:sp>
+      <p:sp>
+        <p:nvSpPr>
+          <p:cNvPr id="4" name="投影片編號版面配置區 3">
+            <a:extLst>
+              <a:ext uri="{FF2B5EF4-FFF2-40B4-BE49-F238E27FC236}">
+                <a16:creationId xmlns:a16="http://schemas.microsoft.com/office/drawing/2014/main" id="{1BFA79E2-75E9-4767-9F14-ED0F2698268B}"/>
+              </a:ext>
+            </a:extLst>
+          </p:cNvPr>
+          <p:cNvSpPr>
+            <a:spLocks noGrp="1"/>
+          </p:cNvSpPr>
+          <p:nvPr>
+            <p:ph type="sldNum" sz="quarter" idx="12"/>
+          </p:nvPr>
+        </p:nvSpPr>
+        <p:spPr/>
+        <p:txBody>
+          <a:bodyPr/>
+          <a:lstStyle/>
+          <a:p>
+            <a:fld id="{CCCC54F5-AF54-4DEE-8C8A-6B071CAEC70F}" type="slidenum">
+              <a:rPr lang="zh-TW" altLang="en-US" smtClean="0"/>
+              <a:t>24</a:t>
+            </a:fld>
+            <a:endParaRPr lang="zh-TW" altLang="en-US"/>
+          </a:p>
+        </p:txBody>
+      </p:sp>
+      <p:pic>
+        <p:nvPicPr>
+          <p:cNvPr id="6" name="圖片 5">
+            <a:extLst>
+              <a:ext uri="{FF2B5EF4-FFF2-40B4-BE49-F238E27FC236}">
+                <a16:creationId xmlns:a16="http://schemas.microsoft.com/office/drawing/2014/main" id="{65BA9CCF-B811-4691-8927-ED94EB2BE203}"/>
+              </a:ext>
+            </a:extLst>
+          </p:cNvPr>
+          <p:cNvPicPr>
+            <a:picLocks noChangeAspect="1"/>
+          </p:cNvPicPr>
+          <p:nvPr/>
+        </p:nvPicPr>
+        <p:blipFill>
+          <a:blip r:embed="rId2"/>
+          <a:stretch>
+            <a:fillRect/>
+          </a:stretch>
+        </p:blipFill>
+        <p:spPr>
+          <a:xfrm>
+            <a:off x="838200" y="918708"/>
+            <a:ext cx="8137099" cy="1889806"/>
+          </a:xfrm>
+          <a:prstGeom prst="rect">
+            <a:avLst/>
+          </a:prstGeom>
+        </p:spPr>
+      </p:pic>
+      <p:pic>
+        <p:nvPicPr>
+          <p:cNvPr id="7" name="圖片 6">
+            <a:extLst>
+              <a:ext uri="{FF2B5EF4-FFF2-40B4-BE49-F238E27FC236}">
+                <a16:creationId xmlns:a16="http://schemas.microsoft.com/office/drawing/2014/main" id="{CD0F724C-B7E8-4B70-B1C4-B3DD4C918E5F}"/>
+              </a:ext>
+            </a:extLst>
+          </p:cNvPr>
+          <p:cNvPicPr>
+            <a:picLocks noChangeAspect="1"/>
+          </p:cNvPicPr>
+          <p:nvPr/>
+        </p:nvPicPr>
+        <p:blipFill>
+          <a:blip r:embed="rId3"/>
+          <a:stretch>
+            <a:fillRect/>
+          </a:stretch>
+        </p:blipFill>
+        <p:spPr>
+          <a:xfrm>
+            <a:off x="968147" y="2943451"/>
+            <a:ext cx="1885717" cy="534534"/>
+          </a:xfrm>
+          <a:prstGeom prst="rect">
+            <a:avLst/>
+          </a:prstGeom>
+        </p:spPr>
+      </p:pic>
+      <p:pic>
+        <p:nvPicPr>
+          <p:cNvPr id="8" name="圖片 7">
+            <a:extLst>
+              <a:ext uri="{FF2B5EF4-FFF2-40B4-BE49-F238E27FC236}">
+                <a16:creationId xmlns:a16="http://schemas.microsoft.com/office/drawing/2014/main" id="{FC02536E-4523-4DEB-978A-CFF7892EE876}"/>
+              </a:ext>
+            </a:extLst>
+          </p:cNvPr>
+          <p:cNvPicPr>
+            <a:picLocks noChangeAspect="1"/>
+          </p:cNvPicPr>
+          <p:nvPr/>
+        </p:nvPicPr>
+        <p:blipFill>
+          <a:blip r:embed="rId4"/>
+          <a:stretch>
+            <a:fillRect/>
+          </a:stretch>
+        </p:blipFill>
+        <p:spPr>
+          <a:xfrm>
+            <a:off x="838200" y="3931782"/>
+            <a:ext cx="5085730" cy="791710"/>
+          </a:xfrm>
+          <a:prstGeom prst="rect">
+            <a:avLst/>
+          </a:prstGeom>
+        </p:spPr>
+      </p:pic>
+      <p:sp>
+        <p:nvSpPr>
+          <p:cNvPr id="9" name="矩形 8">
+            <a:extLst>
+              <a:ext uri="{FF2B5EF4-FFF2-40B4-BE49-F238E27FC236}">
+                <a16:creationId xmlns:a16="http://schemas.microsoft.com/office/drawing/2014/main" id="{7ED19132-A1F3-4674-942A-0F9635DAAD5C}"/>
+              </a:ext>
+            </a:extLst>
+          </p:cNvPr>
+          <p:cNvSpPr/>
+          <p:nvPr/>
+        </p:nvSpPr>
+        <p:spPr>
+          <a:xfrm>
+            <a:off x="5111515" y="4723492"/>
+            <a:ext cx="3275256" cy="369332"/>
+          </a:xfrm>
+          <a:prstGeom prst="rect">
+            <a:avLst/>
+          </a:prstGeom>
+        </p:spPr>
+        <p:txBody>
+          <a:bodyPr wrap="none">
+            <a:spAutoFit/>
+          </a:bodyPr>
+          <a:lstStyle/>
+          <a:p>
+            <a:r>
+              <a:rPr lang="en-US" altLang="zh-TW" dirty="0">
+                <a:solidFill>
+                  <a:srgbClr val="222222"/>
+                </a:solidFill>
+                <a:latin typeface="Arial" panose="020B0604020202020204" pitchFamily="34" charset="0"/>
+              </a:rPr>
+              <a:t>known as the </a:t>
+            </a:r>
+            <a:r>
+              <a:rPr lang="en-US" altLang="zh-TW" i="1" u="sng" dirty="0" err="1">
+                <a:solidFill>
+                  <a:srgbClr val="0B0080"/>
+                </a:solidFill>
+                <a:latin typeface="Arial" panose="020B0604020202020204" pitchFamily="34" charset="0"/>
+                <a:hlinkClick r:id="rId5" tooltip="Softplus"/>
+              </a:rPr>
+              <a:t>softplus</a:t>
+            </a:r>
+            <a:r>
+              <a:rPr lang="en-US" altLang="zh-TW" dirty="0">
+                <a:solidFill>
+                  <a:srgbClr val="222222"/>
+                </a:solidFill>
+                <a:latin typeface="Arial" panose="020B0604020202020204" pitchFamily="34" charset="0"/>
+              </a:rPr>
+              <a:t> function</a:t>
+            </a:r>
+            <a:endParaRPr lang="zh-TW" altLang="en-US" dirty="0"/>
+          </a:p>
+        </p:txBody>
+      </p:sp>
+    </p:spTree>
+    <p:extLst>
+      <p:ext uri="{BB962C8B-B14F-4D97-AF65-F5344CB8AC3E}">
+        <p14:creationId xmlns:p14="http://schemas.microsoft.com/office/powerpoint/2010/main" val="1612490838"/>
+      </p:ext>
+    </p:extLst>
+  </p:cSld>
+  <p:clrMapOvr>
+    <a:masterClrMapping/>
+  </p:clrMapOvr>
+</p:sld>
+</file>
+
+<file path=ppt/slides/slide25.xml><?xml version="1.0" encoding="utf-8"?>
+<p:sld xmlns:a="http://schemas.openxmlformats.org/drawingml/2006/main" xmlns:r="http://schemas.openxmlformats.org/officeDocument/2006/relationships" xmlns:p="http://schemas.openxmlformats.org/presentationml/2006/main">
+  <p:cSld>
+    <p:spTree>
+      <p:nvGrpSpPr>
+        <p:cNvPr id="1" name=""/>
+        <p:cNvGrpSpPr/>
+        <p:nvPr/>
+      </p:nvGrpSpPr>
+      <p:grpSpPr>
+        <a:xfrm>
+          <a:off x="0" y="0"/>
+          <a:ext cx="0" cy="0"/>
+          <a:chOff x="0" y="0"/>
+          <a:chExt cx="0" cy="0"/>
+        </a:xfrm>
+      </p:grpSpPr>
+      <p:pic>
+        <p:nvPicPr>
+          <p:cNvPr id="3076" name="Picture 4" descr="Standard logistic PDF">
+            <a:extLst>
+              <a:ext uri="{FF2B5EF4-FFF2-40B4-BE49-F238E27FC236}">
+                <a16:creationId xmlns:a16="http://schemas.microsoft.com/office/drawing/2014/main" id="{9F4B4683-CCA0-4B2A-B2CF-F4A4870CD6FA}"/>
+              </a:ext>
+            </a:extLst>
+          </p:cNvPr>
+          <p:cNvPicPr>
+            <a:picLocks noChangeAspect="1" noChangeArrowheads="1"/>
+          </p:cNvPicPr>
+          <p:nvPr/>
+        </p:nvPicPr>
+        <p:blipFill>
+          <a:blip r:embed="rId2">
+            <a:extLst>
+              <a:ext uri="{28A0092B-C50C-407E-A947-70E740481C1C}">
+                <a14:useLocalDpi xmlns:a14="http://schemas.microsoft.com/office/drawing/2010/main" val="0"/>
+              </a:ext>
+            </a:extLst>
+          </a:blip>
+          <a:srcRect/>
+          <a:stretch>
+            <a:fillRect/>
+          </a:stretch>
+        </p:blipFill>
+        <p:spPr bwMode="auto">
+          <a:xfrm>
+            <a:off x="9084131" y="4229616"/>
+            <a:ext cx="3048000" cy="2600325"/>
+          </a:xfrm>
+          <a:prstGeom prst="rect">
+            <a:avLst/>
+          </a:prstGeom>
+          <a:noFill/>
+          <a:extLst>
+            <a:ext uri="{909E8E84-426E-40DD-AFC4-6F175D3DCCD1}">
+              <a14:hiddenFill xmlns:a14="http://schemas.microsoft.com/office/drawing/2010/main">
+                <a:solidFill>
+                  <a:srgbClr val="FFFFFF"/>
+                </a:solidFill>
+              </a14:hiddenFill>
+            </a:ext>
+          </a:extLst>
+        </p:spPr>
+      </p:pic>
+      <p:sp>
+        <p:nvSpPr>
+          <p:cNvPr id="2" name="標題 1">
+            <a:extLst>
+              <a:ext uri="{FF2B5EF4-FFF2-40B4-BE49-F238E27FC236}">
+                <a16:creationId xmlns:a16="http://schemas.microsoft.com/office/drawing/2014/main" id="{114691BD-D05C-42FF-9986-EEA1AD12E9A6}"/>
+              </a:ext>
+            </a:extLst>
+          </p:cNvPr>
+          <p:cNvSpPr>
+            <a:spLocks noGrp="1"/>
+          </p:cNvSpPr>
+          <p:nvPr>
+            <p:ph type="title"/>
+          </p:nvPr>
+        </p:nvSpPr>
+        <p:spPr/>
+        <p:txBody>
+          <a:bodyPr/>
+          <a:lstStyle/>
+          <a:p>
+            <a:r>
+              <a:rPr lang="en-US" altLang="zh-TW" dirty="0"/>
+              <a:t>Logistic distribution</a:t>
+            </a:r>
+            <a:endParaRPr lang="zh-TW" altLang="en-US" dirty="0"/>
+          </a:p>
+        </p:txBody>
+      </p:sp>
+      <p:sp>
+        <p:nvSpPr>
+          <p:cNvPr id="3" name="內容版面配置區 2">
+            <a:extLst>
+              <a:ext uri="{FF2B5EF4-FFF2-40B4-BE49-F238E27FC236}">
+                <a16:creationId xmlns:a16="http://schemas.microsoft.com/office/drawing/2014/main" id="{5B7489E1-5CFA-46B3-9A8A-F6B3B8AF00C9}"/>
+              </a:ext>
+            </a:extLst>
+          </p:cNvPr>
+          <p:cNvSpPr>
+            <a:spLocks noGrp="1"/>
+          </p:cNvSpPr>
+          <p:nvPr>
+            <p:ph idx="1"/>
+          </p:nvPr>
+        </p:nvSpPr>
+        <p:spPr>
+          <a:xfrm>
+            <a:off x="838200" y="1825625"/>
+            <a:ext cx="10515600" cy="525689"/>
+          </a:xfrm>
+        </p:spPr>
+        <p:txBody>
+          <a:bodyPr/>
+          <a:lstStyle/>
+          <a:p>
+            <a:r>
+              <a:rPr lang="en-US" altLang="zh-TW" b="1" dirty="0"/>
+              <a:t>Cumulative distribution function, </a:t>
+            </a:r>
+            <a:r>
+              <a:rPr lang="en-US" altLang="zh-TW" b="1" dirty="0" err="1"/>
+              <a:t>cdf</a:t>
+            </a:r>
+            <a:endParaRPr lang="en-US" altLang="zh-TW" b="1" dirty="0"/>
+          </a:p>
+          <a:p>
+            <a:endParaRPr lang="zh-TW" altLang="en-US" dirty="0"/>
+          </a:p>
+        </p:txBody>
+      </p:sp>
+      <p:sp>
+        <p:nvSpPr>
+          <p:cNvPr id="4" name="投影片編號版面配置區 3">
+            <a:extLst>
+              <a:ext uri="{FF2B5EF4-FFF2-40B4-BE49-F238E27FC236}">
+                <a16:creationId xmlns:a16="http://schemas.microsoft.com/office/drawing/2014/main" id="{10E447A0-61CE-4BDD-88EF-D943C6DF3B44}"/>
+              </a:ext>
+            </a:extLst>
+          </p:cNvPr>
+          <p:cNvSpPr>
+            <a:spLocks noGrp="1"/>
+          </p:cNvSpPr>
+          <p:nvPr>
+            <p:ph type="sldNum" sz="quarter" idx="12"/>
+          </p:nvPr>
+        </p:nvSpPr>
+        <p:spPr/>
+        <p:txBody>
+          <a:bodyPr/>
+          <a:lstStyle/>
+          <a:p>
+            <a:fld id="{CCCC54F5-AF54-4DEE-8C8A-6B071CAEC70F}" type="slidenum">
+              <a:rPr lang="zh-TW" altLang="en-US" smtClean="0"/>
+              <a:t>25</a:t>
+            </a:fld>
+            <a:endParaRPr lang="zh-TW" altLang="en-US"/>
+          </a:p>
+        </p:txBody>
+      </p:sp>
+      <p:pic>
+        <p:nvPicPr>
+          <p:cNvPr id="5" name="圖片 4">
+            <a:extLst>
+              <a:ext uri="{FF2B5EF4-FFF2-40B4-BE49-F238E27FC236}">
+                <a16:creationId xmlns:a16="http://schemas.microsoft.com/office/drawing/2014/main" id="{964BFAE4-D9BB-4581-B482-A6596FFFCDB8}"/>
+              </a:ext>
+            </a:extLst>
+          </p:cNvPr>
+          <p:cNvPicPr>
+            <a:picLocks noChangeAspect="1"/>
+          </p:cNvPicPr>
+          <p:nvPr/>
+        </p:nvPicPr>
+        <p:blipFill>
+          <a:blip r:embed="rId3"/>
+          <a:stretch>
+            <a:fillRect/>
+          </a:stretch>
+        </p:blipFill>
+        <p:spPr>
+          <a:xfrm>
+            <a:off x="953180" y="2486251"/>
+            <a:ext cx="5893238" cy="1043441"/>
+          </a:xfrm>
+          <a:prstGeom prst="rect">
+            <a:avLst/>
+          </a:prstGeom>
+        </p:spPr>
+      </p:pic>
+      <p:pic>
+        <p:nvPicPr>
+          <p:cNvPr id="6" name="圖片 5">
+            <a:extLst>
+              <a:ext uri="{FF2B5EF4-FFF2-40B4-BE49-F238E27FC236}">
+                <a16:creationId xmlns:a16="http://schemas.microsoft.com/office/drawing/2014/main" id="{42C3EFC2-7E2E-4304-B0BB-7E811AC0EBAF}"/>
+              </a:ext>
+            </a:extLst>
+          </p:cNvPr>
+          <p:cNvPicPr>
+            <a:picLocks noChangeAspect="1"/>
+          </p:cNvPicPr>
+          <p:nvPr/>
+        </p:nvPicPr>
+        <p:blipFill>
+          <a:blip r:embed="rId4"/>
+          <a:stretch>
+            <a:fillRect/>
+          </a:stretch>
+        </p:blipFill>
+        <p:spPr>
+          <a:xfrm>
+            <a:off x="953180" y="4506687"/>
+            <a:ext cx="8256134" cy="1359669"/>
+          </a:xfrm>
+          <a:prstGeom prst="rect">
+            <a:avLst/>
+          </a:prstGeom>
+        </p:spPr>
+      </p:pic>
+      <p:sp>
+        <p:nvSpPr>
+          <p:cNvPr id="7" name="矩形 6">
+            <a:extLst>
+              <a:ext uri="{FF2B5EF4-FFF2-40B4-BE49-F238E27FC236}">
+                <a16:creationId xmlns:a16="http://schemas.microsoft.com/office/drawing/2014/main" id="{E54706D7-F847-4251-B1B3-41E283D32080}"/>
+              </a:ext>
+            </a:extLst>
+          </p:cNvPr>
+          <p:cNvSpPr/>
+          <p:nvPr/>
+        </p:nvSpPr>
+        <p:spPr>
+          <a:xfrm>
+            <a:off x="953180" y="4077608"/>
+            <a:ext cx="3698448" cy="369332"/>
+          </a:xfrm>
+          <a:prstGeom prst="rect">
+            <a:avLst/>
+          </a:prstGeom>
+        </p:spPr>
+        <p:txBody>
+          <a:bodyPr wrap="none">
+            <a:spAutoFit/>
+          </a:bodyPr>
+          <a:lstStyle/>
+          <a:p>
+            <a:r>
+              <a:rPr lang="en-US" altLang="zh-TW" b="1" dirty="0">
+                <a:solidFill>
+                  <a:srgbClr val="000000"/>
+                </a:solidFill>
+                <a:latin typeface="Arial" panose="020B0604020202020204" pitchFamily="34" charset="0"/>
+              </a:rPr>
+              <a:t>Probability density function, pdf</a:t>
+            </a:r>
+            <a:endParaRPr lang="en-US" altLang="zh-TW" b="1" i="0" dirty="0">
+              <a:solidFill>
+                <a:srgbClr val="000000"/>
+              </a:solidFill>
+              <a:effectLst/>
+              <a:latin typeface="Arial" panose="020B0604020202020204" pitchFamily="34" charset="0"/>
+            </a:endParaRPr>
+          </a:p>
+        </p:txBody>
+      </p:sp>
+      <p:pic>
+        <p:nvPicPr>
+          <p:cNvPr id="3074" name="Picture 2" descr="Standard logistic CDF">
+            <a:extLst>
+              <a:ext uri="{FF2B5EF4-FFF2-40B4-BE49-F238E27FC236}">
+                <a16:creationId xmlns:a16="http://schemas.microsoft.com/office/drawing/2014/main" id="{8691E28B-9E1E-452D-A4D3-FE91025EFEC7}"/>
+              </a:ext>
+            </a:extLst>
+          </p:cNvPr>
+          <p:cNvPicPr>
+            <a:picLocks noChangeAspect="1" noChangeArrowheads="1"/>
+          </p:cNvPicPr>
+          <p:nvPr/>
+        </p:nvPicPr>
+        <p:blipFill>
+          <a:blip r:embed="rId5">
+            <a:extLst>
+              <a:ext uri="{28A0092B-C50C-407E-A947-70E740481C1C}">
+                <a14:useLocalDpi xmlns:a14="http://schemas.microsoft.com/office/drawing/2010/main" val="0"/>
+              </a:ext>
+            </a:extLst>
+          </a:blip>
+          <a:srcRect/>
+          <a:stretch>
+            <a:fillRect/>
+          </a:stretch>
+        </p:blipFill>
+        <p:spPr bwMode="auto">
+          <a:xfrm>
+            <a:off x="7217230" y="1322614"/>
+            <a:ext cx="4620984" cy="2158092"/>
+          </a:xfrm>
+          <a:prstGeom prst="rect">
+            <a:avLst/>
+          </a:prstGeom>
+          <a:noFill/>
+          <a:extLst>
+            <a:ext uri="{909E8E84-426E-40DD-AFC4-6F175D3DCCD1}">
+              <a14:hiddenFill xmlns:a14="http://schemas.microsoft.com/office/drawing/2010/main">
+                <a:solidFill>
+                  <a:srgbClr val="FFFFFF"/>
+                </a:solidFill>
+              </a14:hiddenFill>
+            </a:ext>
+          </a:extLst>
+        </p:spPr>
+      </p:pic>
+      <p:pic>
+        <p:nvPicPr>
+          <p:cNvPr id="10" name="圖片 9">
+            <a:extLst>
+              <a:ext uri="{FF2B5EF4-FFF2-40B4-BE49-F238E27FC236}">
+                <a16:creationId xmlns:a16="http://schemas.microsoft.com/office/drawing/2014/main" id="{23894175-1813-4C1F-93DC-0D37C9DE5BE3}"/>
+              </a:ext>
+            </a:extLst>
+          </p:cNvPr>
+          <p:cNvPicPr>
+            <a:picLocks noChangeAspect="1"/>
+          </p:cNvPicPr>
+          <p:nvPr/>
+        </p:nvPicPr>
+        <p:blipFill>
+          <a:blip r:embed="rId6"/>
+          <a:stretch>
+            <a:fillRect/>
+          </a:stretch>
+        </p:blipFill>
+        <p:spPr>
+          <a:xfrm>
+            <a:off x="6846418" y="5794375"/>
+            <a:ext cx="1619250" cy="1123950"/>
+          </a:xfrm>
+          <a:prstGeom prst="rect">
+            <a:avLst/>
+          </a:prstGeom>
+        </p:spPr>
+      </p:pic>
+      <p:sp>
+        <p:nvSpPr>
+          <p:cNvPr id="11" name="文字方塊 10">
+            <a:extLst>
+              <a:ext uri="{FF2B5EF4-FFF2-40B4-BE49-F238E27FC236}">
+                <a16:creationId xmlns:a16="http://schemas.microsoft.com/office/drawing/2014/main" id="{D85CA646-2111-4F96-8B14-BE69B889ACCD}"/>
+              </a:ext>
+            </a:extLst>
+          </p:cNvPr>
+          <p:cNvSpPr txBox="1"/>
+          <p:nvPr/>
+        </p:nvSpPr>
+        <p:spPr>
+          <a:xfrm>
+            <a:off x="5878284" y="424773"/>
+            <a:ext cx="4882243" cy="646331"/>
+          </a:xfrm>
+          <a:prstGeom prst="rect">
+            <a:avLst/>
+          </a:prstGeom>
+          <a:noFill/>
+        </p:spPr>
+        <p:txBody>
+          <a:bodyPr wrap="square" rtlCol="0">
+            <a:spAutoFit/>
+          </a:bodyPr>
+          <a:lstStyle/>
+          <a:p>
+            <a:r>
+              <a:rPr lang="zh-TW" altLang="en-US" dirty="0">
+                <a:solidFill>
+                  <a:srgbClr val="FF0000"/>
+                </a:solidFill>
+              </a:rPr>
+              <a:t>令 </a:t>
+            </a:r>
+            <a:r>
+              <a:rPr lang="en-US" altLang="zh-TW" dirty="0">
+                <a:solidFill>
+                  <a:srgbClr val="FF0000"/>
+                </a:solidFill>
+              </a:rPr>
+              <a:t>Logistic function </a:t>
+            </a:r>
+            <a:r>
+              <a:rPr lang="zh-TW" altLang="en-US" dirty="0">
+                <a:solidFill>
+                  <a:srgbClr val="FF0000"/>
+                </a:solidFill>
+              </a:rPr>
+              <a:t>作為 一種機率分布的 </a:t>
+            </a:r>
+            <a:r>
+              <a:rPr lang="en-US" altLang="zh-TW" dirty="0" err="1">
+                <a:solidFill>
+                  <a:srgbClr val="FF0000"/>
+                </a:solidFill>
+              </a:rPr>
+              <a:t>cdf</a:t>
+            </a:r>
+            <a:endParaRPr lang="en-US" altLang="zh-TW" dirty="0">
+              <a:solidFill>
+                <a:srgbClr val="FF0000"/>
+              </a:solidFill>
+            </a:endParaRPr>
+          </a:p>
+          <a:p>
+            <a:r>
+              <a:rPr lang="zh-TW" altLang="en-US" dirty="0">
+                <a:solidFill>
+                  <a:srgbClr val="FF0000"/>
+                </a:solidFill>
+              </a:rPr>
+              <a:t>與 </a:t>
+            </a:r>
+            <a:r>
+              <a:rPr lang="en-US" altLang="zh-TW" dirty="0">
+                <a:solidFill>
+                  <a:srgbClr val="FF0000"/>
+                </a:solidFill>
+              </a:rPr>
+              <a:t>Normal distribution </a:t>
+            </a:r>
+            <a:r>
+              <a:rPr lang="zh-TW" altLang="en-US" dirty="0">
+                <a:solidFill>
+                  <a:srgbClr val="FF0000"/>
+                </a:solidFill>
+              </a:rPr>
+              <a:t>有得拚！！！</a:t>
+            </a:r>
+          </a:p>
+        </p:txBody>
+      </p:sp>
+    </p:spTree>
+    <p:extLst>
+      <p:ext uri="{BB962C8B-B14F-4D97-AF65-F5344CB8AC3E}">
+        <p14:creationId xmlns:p14="http://schemas.microsoft.com/office/powerpoint/2010/main" val="2920944164"/>
+      </p:ext>
+    </p:extLst>
+  </p:cSld>
+  <p:clrMapOvr>
+    <a:masterClrMapping/>
+  </p:clrMapOvr>
+</p:sld>
+</file>
+
+<file path=ppt/slides/slide26.xml><?xml version="1.0" encoding="utf-8"?>
+<p:sld xmlns:a="http://schemas.openxmlformats.org/drawingml/2006/main" xmlns:r="http://schemas.openxmlformats.org/officeDocument/2006/relationships" xmlns:p="http://schemas.openxmlformats.org/presentationml/2006/main">
+  <p:cSld>
+    <p:spTree>
+      <p:nvGrpSpPr>
+        <p:cNvPr id="1" name=""/>
+        <p:cNvGrpSpPr/>
+        <p:nvPr/>
+      </p:nvGrpSpPr>
+      <p:grpSpPr>
+        <a:xfrm>
+          <a:off x="0" y="0"/>
+          <a:ext cx="0" cy="0"/>
+          <a:chOff x="0" y="0"/>
+          <a:chExt cx="0" cy="0"/>
+        </a:xfrm>
+      </p:grpSpPr>
+      <p:sp>
+        <p:nvSpPr>
+          <p:cNvPr id="3" name="內容版面配置區 2">
+            <a:extLst>
+              <a:ext uri="{FF2B5EF4-FFF2-40B4-BE49-F238E27FC236}">
+                <a16:creationId xmlns:a16="http://schemas.microsoft.com/office/drawing/2014/main" id="{D71FDC84-639A-4559-99A0-FE3221C752E2}"/>
+              </a:ext>
+            </a:extLst>
+          </p:cNvPr>
+          <p:cNvSpPr>
+            <a:spLocks noGrp="1"/>
+          </p:cNvSpPr>
+          <p:nvPr>
+            <p:ph idx="1"/>
+          </p:nvPr>
+        </p:nvSpPr>
+        <p:spPr>
+          <a:xfrm>
+            <a:off x="0" y="0"/>
+            <a:ext cx="8610600" cy="1165860"/>
+          </a:xfrm>
+        </p:spPr>
+        <p:txBody>
+          <a:bodyPr/>
+          <a:lstStyle/>
+          <a:p>
+            <a:r>
+              <a:rPr lang="en-US" altLang="zh-TW" b="1" dirty="0" err="1"/>
+              <a:t>scipy.stats.logistic</a:t>
+            </a:r>
+            <a:endParaRPr lang="en-US" altLang="zh-TW" b="1" dirty="0"/>
+          </a:p>
+          <a:p>
+            <a:pPr marL="0" indent="0">
+              <a:buNone/>
+            </a:pPr>
+            <a:r>
+              <a:rPr lang="en-US" altLang="zh-TW" sz="2000" dirty="0">
+                <a:hlinkClick r:id="rId2"/>
+              </a:rPr>
+              <a:t>https://docs.scipy.org/doc/scipy/reference/generated/scipy.stats.logistic.html</a:t>
+            </a:r>
+            <a:endParaRPr lang="en-US" altLang="zh-TW" sz="2000" dirty="0"/>
+          </a:p>
+          <a:p>
+            <a:pPr marL="0" indent="0">
+              <a:buNone/>
+            </a:pPr>
+            <a:endParaRPr lang="zh-TW" altLang="en-US" dirty="0"/>
+          </a:p>
+        </p:txBody>
+      </p:sp>
+      <p:sp>
+        <p:nvSpPr>
+          <p:cNvPr id="4" name="投影片編號版面配置區 3">
+            <a:extLst>
+              <a:ext uri="{FF2B5EF4-FFF2-40B4-BE49-F238E27FC236}">
+                <a16:creationId xmlns:a16="http://schemas.microsoft.com/office/drawing/2014/main" id="{8B62D996-02B7-4EA4-9F68-B3D0E59F8FEB}"/>
+              </a:ext>
+            </a:extLst>
+          </p:cNvPr>
+          <p:cNvSpPr>
+            <a:spLocks noGrp="1"/>
+          </p:cNvSpPr>
+          <p:nvPr>
+            <p:ph type="sldNum" sz="quarter" idx="12"/>
+          </p:nvPr>
+        </p:nvSpPr>
+        <p:spPr/>
+        <p:txBody>
+          <a:bodyPr/>
+          <a:lstStyle/>
+          <a:p>
+            <a:fld id="{CCCC54F5-AF54-4DEE-8C8A-6B071CAEC70F}" type="slidenum">
+              <a:rPr lang="zh-TW" altLang="en-US" smtClean="0"/>
+              <a:t>26</a:t>
+            </a:fld>
+            <a:endParaRPr lang="zh-TW" altLang="en-US"/>
+          </a:p>
+        </p:txBody>
+      </p:sp>
+      <p:pic>
+        <p:nvPicPr>
+          <p:cNvPr id="5" name="圖片 4">
+            <a:extLst>
+              <a:ext uri="{FF2B5EF4-FFF2-40B4-BE49-F238E27FC236}">
+                <a16:creationId xmlns:a16="http://schemas.microsoft.com/office/drawing/2014/main" id="{7B50DBD9-8D0E-4234-A724-852DCFB2B124}"/>
+              </a:ext>
+            </a:extLst>
+          </p:cNvPr>
+          <p:cNvPicPr>
+            <a:picLocks noChangeAspect="1"/>
+          </p:cNvPicPr>
+          <p:nvPr/>
+        </p:nvPicPr>
+        <p:blipFill>
+          <a:blip r:embed="rId3"/>
+          <a:stretch>
+            <a:fillRect/>
+          </a:stretch>
+        </p:blipFill>
+        <p:spPr>
+          <a:xfrm>
+            <a:off x="1074197" y="1165860"/>
+            <a:ext cx="3661209" cy="1165860"/>
+          </a:xfrm>
+          <a:prstGeom prst="rect">
+            <a:avLst/>
+          </a:prstGeom>
+        </p:spPr>
+      </p:pic>
+      <p:pic>
+        <p:nvPicPr>
+          <p:cNvPr id="1026" name="Picture 2" descr="../_images/scipy-stats-logistic-1.png">
+            <a:extLst>
+              <a:ext uri="{FF2B5EF4-FFF2-40B4-BE49-F238E27FC236}">
+                <a16:creationId xmlns:a16="http://schemas.microsoft.com/office/drawing/2014/main" id="{73340A67-A92D-4558-9635-F35229F9045A}"/>
+              </a:ext>
+            </a:extLst>
+          </p:cNvPr>
+          <p:cNvPicPr>
+            <a:picLocks noChangeAspect="1" noChangeArrowheads="1"/>
+          </p:cNvPicPr>
+          <p:nvPr/>
+        </p:nvPicPr>
+        <p:blipFill>
+          <a:blip r:embed="rId4">
+            <a:extLst>
+              <a:ext uri="{28A0092B-C50C-407E-A947-70E740481C1C}">
+                <a14:useLocalDpi xmlns:a14="http://schemas.microsoft.com/office/drawing/2010/main" val="0"/>
+              </a:ext>
+            </a:extLst>
+          </a:blip>
+          <a:srcRect/>
+          <a:stretch>
+            <a:fillRect/>
+          </a:stretch>
+        </p:blipFill>
+        <p:spPr bwMode="auto">
+          <a:xfrm>
+            <a:off x="306281" y="2389505"/>
+            <a:ext cx="4429125" cy="2743200"/>
+          </a:xfrm>
+          <a:prstGeom prst="rect">
+            <a:avLst/>
+          </a:prstGeom>
+          <a:noFill/>
+          <a:extLst>
+            <a:ext uri="{909E8E84-426E-40DD-AFC4-6F175D3DCCD1}">
+              <a14:hiddenFill xmlns:a14="http://schemas.microsoft.com/office/drawing/2010/main">
+                <a:solidFill>
+                  <a:srgbClr val="FFFFFF"/>
+                </a:solidFill>
+              </a14:hiddenFill>
+            </a:ext>
+          </a:extLst>
+        </p:spPr>
+      </p:pic>
+      <p:sp>
+        <p:nvSpPr>
+          <p:cNvPr id="7" name="矩形 6">
+            <a:extLst>
+              <a:ext uri="{FF2B5EF4-FFF2-40B4-BE49-F238E27FC236}">
+                <a16:creationId xmlns:a16="http://schemas.microsoft.com/office/drawing/2014/main" id="{66366BD7-44BC-4E87-A39D-F020F381BB6E}"/>
+              </a:ext>
+            </a:extLst>
+          </p:cNvPr>
+          <p:cNvSpPr/>
+          <p:nvPr/>
+        </p:nvSpPr>
+        <p:spPr>
+          <a:xfrm>
+            <a:off x="628921" y="5107365"/>
+            <a:ext cx="4551759" cy="584775"/>
+          </a:xfrm>
+          <a:prstGeom prst="rect">
+            <a:avLst/>
+          </a:prstGeom>
+        </p:spPr>
+        <p:txBody>
+          <a:bodyPr wrap="none">
+            <a:spAutoFit/>
+          </a:bodyPr>
+          <a:lstStyle/>
+          <a:p>
+            <a:pPr lvl="0" eaLnBrk="0" fontAlgn="base" hangingPunct="0">
+              <a:spcBef>
+                <a:spcPct val="30000"/>
+              </a:spcBef>
+              <a:spcAft>
+                <a:spcPct val="0"/>
+              </a:spcAft>
+            </a:pPr>
+            <a:r>
+              <a:rPr lang="zh-TW" altLang="zh-TW" b="1" dirty="0">
+                <a:solidFill>
+                  <a:srgbClr val="C65D09"/>
+                </a:solidFill>
+                <a:latin typeface="Arial Unicode MS"/>
+                <a:ea typeface="Courier New" panose="02070309020205020404" pitchFamily="49" charset="0"/>
+              </a:rPr>
+              <a:t>&gt;&gt;&gt; </a:t>
+            </a:r>
+            <a:r>
+              <a:rPr lang="zh-TW" altLang="zh-TW" b="1" dirty="0">
+                <a:solidFill>
+                  <a:srgbClr val="007020"/>
+                </a:solidFill>
+                <a:latin typeface="Arial Unicode MS"/>
+                <a:ea typeface="Courier New" panose="02070309020205020404" pitchFamily="49" charset="0"/>
+              </a:rPr>
+              <a:t>from</a:t>
+            </a:r>
+            <a:r>
+              <a:rPr lang="zh-TW" altLang="zh-TW" dirty="0">
+                <a:solidFill>
+                  <a:srgbClr val="333333"/>
+                </a:solidFill>
+                <a:latin typeface="Arial Unicode MS"/>
+                <a:ea typeface="Courier New" panose="02070309020205020404" pitchFamily="49" charset="0"/>
+              </a:rPr>
+              <a:t> </a:t>
+            </a:r>
+            <a:r>
+              <a:rPr lang="zh-TW" altLang="zh-TW" b="1" dirty="0">
+                <a:solidFill>
+                  <a:srgbClr val="0E84B5"/>
+                </a:solidFill>
+                <a:latin typeface="Arial Unicode MS"/>
+                <a:ea typeface="Courier New" panose="02070309020205020404" pitchFamily="49" charset="0"/>
+              </a:rPr>
+              <a:t>scipy.stats</a:t>
+            </a:r>
+            <a:r>
+              <a:rPr lang="zh-TW" altLang="zh-TW" dirty="0">
+                <a:solidFill>
+                  <a:srgbClr val="333333"/>
+                </a:solidFill>
+                <a:latin typeface="Arial Unicode MS"/>
+                <a:ea typeface="Courier New" panose="02070309020205020404" pitchFamily="49" charset="0"/>
+              </a:rPr>
+              <a:t> </a:t>
+            </a:r>
+            <a:r>
+              <a:rPr lang="zh-TW" altLang="zh-TW" b="1" dirty="0">
+                <a:solidFill>
+                  <a:srgbClr val="007020"/>
+                </a:solidFill>
+                <a:latin typeface="Arial Unicode MS"/>
+                <a:ea typeface="Courier New" panose="02070309020205020404" pitchFamily="49" charset="0"/>
+              </a:rPr>
+              <a:t>import</a:t>
+            </a:r>
+            <a:r>
+              <a:rPr lang="zh-TW" altLang="zh-TW" dirty="0">
+                <a:solidFill>
+                  <a:srgbClr val="333333"/>
+                </a:solidFill>
+                <a:latin typeface="Arial Unicode MS"/>
+                <a:ea typeface="Courier New" panose="02070309020205020404" pitchFamily="49" charset="0"/>
+              </a:rPr>
+              <a:t> </a:t>
+            </a:r>
+            <a:r>
+              <a:rPr lang="zh-TW" altLang="zh-TW" sz="3200" dirty="0">
+                <a:latin typeface="Arial" panose="020B0604020202020204" pitchFamily="34" charset="0"/>
+              </a:rPr>
+              <a:t>logistic</a:t>
+            </a:r>
+            <a:r>
+              <a:rPr lang="zh-TW" altLang="zh-TW" sz="1600" dirty="0"/>
+              <a:t> </a:t>
+            </a:r>
+            <a:endParaRPr lang="zh-TW" altLang="zh-TW" sz="4400" dirty="0">
+              <a:latin typeface="Arial" panose="020B0604020202020204" pitchFamily="34" charset="0"/>
+            </a:endParaRPr>
+          </a:p>
+        </p:txBody>
+      </p:sp>
+    </p:spTree>
+    <p:extLst>
+      <p:ext uri="{BB962C8B-B14F-4D97-AF65-F5344CB8AC3E}">
+        <p14:creationId xmlns:p14="http://schemas.microsoft.com/office/powerpoint/2010/main" val="1710191403"/>
+      </p:ext>
+    </p:extLst>
+  </p:cSld>
+  <p:clrMapOvr>
+    <a:masterClrMapping/>
+  </p:clrMapOvr>
+</p:sld>
+</file>
+
+<file path=ppt/slides/slide27.xml><?xml version="1.0" encoding="utf-8"?>
+<p:sld xmlns:a="http://schemas.openxmlformats.org/drawingml/2006/main" xmlns:r="http://schemas.openxmlformats.org/officeDocument/2006/relationships" xmlns:p="http://schemas.openxmlformats.org/presentationml/2006/main">
+  <p:cSld>
+    <p:spTree>
+      <p:nvGrpSpPr>
+        <p:cNvPr id="1" name=""/>
+        <p:cNvGrpSpPr/>
+        <p:nvPr/>
+      </p:nvGrpSpPr>
+      <p:grpSpPr>
+        <a:xfrm>
+          <a:off x="0" y="0"/>
+          <a:ext cx="0" cy="0"/>
+          <a:chOff x="0" y="0"/>
+          <a:chExt cx="0" cy="0"/>
+        </a:xfrm>
+      </p:grpSpPr>
+      <p:sp>
+        <p:nvSpPr>
+          <p:cNvPr id="2" name="標題 1">
+            <a:extLst>
+              <a:ext uri="{FF2B5EF4-FFF2-40B4-BE49-F238E27FC236}">
+                <a16:creationId xmlns:a16="http://schemas.microsoft.com/office/drawing/2014/main" id="{C1FA94FF-8570-4DC5-A30B-17E76AA0F5A1}"/>
+              </a:ext>
+            </a:extLst>
+          </p:cNvPr>
+          <p:cNvSpPr>
+            <a:spLocks noGrp="1"/>
+          </p:cNvSpPr>
+          <p:nvPr>
+            <p:ph type="title"/>
+          </p:nvPr>
+        </p:nvSpPr>
+        <p:spPr>
+          <a:xfrm>
+            <a:off x="68580" y="136525"/>
+            <a:ext cx="12123420" cy="686435"/>
+          </a:xfrm>
+        </p:spPr>
+        <p:txBody>
+          <a:bodyPr>
+            <a:normAutofit fontScale="90000"/>
+          </a:bodyPr>
+          <a:lstStyle/>
+          <a:p>
+            <a:r>
+              <a:rPr lang="en-US" altLang="zh-TW" b="1" dirty="0"/>
+              <a:t>Training a logistic regression model with </a:t>
+            </a:r>
+            <a:r>
+              <a:rPr lang="en-US" altLang="zh-TW" b="1" dirty="0" err="1"/>
+              <a:t>scikit</a:t>
+            </a:r>
+            <a:r>
+              <a:rPr lang="en-US" altLang="zh-TW" b="1" dirty="0"/>
+              <a:t>-learn</a:t>
+            </a:r>
+            <a:endParaRPr lang="zh-TW" altLang="en-US" dirty="0"/>
+          </a:p>
+        </p:txBody>
+      </p:sp>
+      <p:sp>
+        <p:nvSpPr>
+          <p:cNvPr id="4" name="投影片編號版面配置區 3">
+            <a:extLst>
+              <a:ext uri="{FF2B5EF4-FFF2-40B4-BE49-F238E27FC236}">
+                <a16:creationId xmlns:a16="http://schemas.microsoft.com/office/drawing/2014/main" id="{7F03DB3D-5E57-4643-A3D2-FDBB828EA637}"/>
+              </a:ext>
+            </a:extLst>
+          </p:cNvPr>
+          <p:cNvSpPr>
+            <a:spLocks noGrp="1"/>
+          </p:cNvSpPr>
+          <p:nvPr>
+            <p:ph type="sldNum" sz="quarter" idx="12"/>
+          </p:nvPr>
+        </p:nvSpPr>
+        <p:spPr/>
+        <p:txBody>
+          <a:bodyPr/>
+          <a:lstStyle/>
+          <a:p>
+            <a:fld id="{CCCC54F5-AF54-4DEE-8C8A-6B071CAEC70F}" type="slidenum">
+              <a:rPr lang="zh-TW" altLang="en-US" smtClean="0"/>
+              <a:t>27</a:t>
+            </a:fld>
+            <a:endParaRPr lang="zh-TW" altLang="en-US"/>
+          </a:p>
+        </p:txBody>
+      </p:sp>
+      <p:sp>
+        <p:nvSpPr>
+          <p:cNvPr id="5" name="矩形 4">
+            <a:extLst>
+              <a:ext uri="{FF2B5EF4-FFF2-40B4-BE49-F238E27FC236}">
+                <a16:creationId xmlns:a16="http://schemas.microsoft.com/office/drawing/2014/main" id="{BD382FCC-1B22-427E-98A2-9A0519913A19}"/>
+              </a:ext>
+            </a:extLst>
+          </p:cNvPr>
+          <p:cNvSpPr/>
+          <p:nvPr/>
+        </p:nvSpPr>
+        <p:spPr>
+          <a:xfrm>
+            <a:off x="1059180" y="906601"/>
+            <a:ext cx="8039100" cy="5632311"/>
+          </a:xfrm>
+          <a:prstGeom prst="rect">
+            <a:avLst/>
+          </a:prstGeom>
+          <a:ln>
+            <a:solidFill>
+              <a:srgbClr val="FFC000"/>
+            </a:solidFill>
+          </a:ln>
+        </p:spPr>
+        <p:txBody>
+          <a:bodyPr wrap="square">
+            <a:spAutoFit/>
+          </a:bodyPr>
+          <a:lstStyle/>
+          <a:p>
+            <a:r>
+              <a:rPr lang="en-US" altLang="zh-TW" b="1" dirty="0">
+                <a:solidFill>
+                  <a:srgbClr val="0000FF"/>
+                </a:solidFill>
+                <a:latin typeface="Courier New" panose="02070309020205020404" pitchFamily="49" charset="0"/>
+              </a:rPr>
+              <a:t>from</a:t>
+            </a:r>
+            <a:r>
+              <a:rPr lang="en-US" altLang="zh-TW" dirty="0">
+                <a:solidFill>
+                  <a:srgbClr val="000000"/>
+                </a:solidFill>
+                <a:latin typeface="Courier New" panose="02070309020205020404" pitchFamily="49" charset="0"/>
+              </a:rPr>
+              <a:t> </a:t>
+            </a:r>
+            <a:r>
+              <a:rPr lang="en-US" altLang="zh-TW" dirty="0" err="1">
+                <a:solidFill>
+                  <a:srgbClr val="000000"/>
+                </a:solidFill>
+                <a:latin typeface="Courier New" panose="02070309020205020404" pitchFamily="49" charset="0"/>
+              </a:rPr>
+              <a:t>sklearn</a:t>
+            </a:r>
+            <a:r>
+              <a:rPr lang="en-US" altLang="zh-TW" b="1" dirty="0" err="1">
+                <a:solidFill>
+                  <a:srgbClr val="000080"/>
+                </a:solidFill>
+                <a:latin typeface="Courier New" panose="02070309020205020404" pitchFamily="49" charset="0"/>
+              </a:rPr>
+              <a:t>.</a:t>
+            </a:r>
+            <a:r>
+              <a:rPr lang="en-US" altLang="zh-TW" dirty="0" err="1">
+                <a:solidFill>
+                  <a:srgbClr val="000000"/>
+                </a:solidFill>
+                <a:latin typeface="Courier New" panose="02070309020205020404" pitchFamily="49" charset="0"/>
+              </a:rPr>
+              <a:t>linear_model</a:t>
+            </a:r>
+            <a:r>
+              <a:rPr lang="en-US" altLang="zh-TW" dirty="0">
+                <a:solidFill>
+                  <a:srgbClr val="000000"/>
+                </a:solidFill>
+                <a:latin typeface="Courier New" panose="02070309020205020404" pitchFamily="49" charset="0"/>
+              </a:rPr>
+              <a:t> </a:t>
+            </a:r>
+            <a:r>
+              <a:rPr lang="en-US" altLang="zh-TW" b="1" dirty="0">
+                <a:solidFill>
+                  <a:srgbClr val="0000FF"/>
+                </a:solidFill>
+                <a:latin typeface="Courier New" panose="02070309020205020404" pitchFamily="49" charset="0"/>
+              </a:rPr>
+              <a:t>import</a:t>
+            </a:r>
+            <a:r>
+              <a:rPr lang="en-US" altLang="zh-TW" dirty="0">
+                <a:solidFill>
+                  <a:srgbClr val="000000"/>
+                </a:solidFill>
+                <a:latin typeface="Courier New" panose="02070309020205020404" pitchFamily="49" charset="0"/>
+              </a:rPr>
+              <a:t> </a:t>
+            </a:r>
+            <a:r>
+              <a:rPr lang="en-US" altLang="zh-TW" dirty="0" err="1">
+                <a:solidFill>
+                  <a:srgbClr val="000000"/>
+                </a:solidFill>
+                <a:latin typeface="Courier New" panose="02070309020205020404" pitchFamily="49" charset="0"/>
+              </a:rPr>
+              <a:t>LogisticRegression</a:t>
+            </a:r>
+            <a:endParaRPr lang="en-US" altLang="zh-TW" dirty="0">
+              <a:solidFill>
+                <a:srgbClr val="000000"/>
+              </a:solidFill>
+              <a:latin typeface="Courier New" panose="02070309020205020404" pitchFamily="49" charset="0"/>
+            </a:endParaRPr>
+          </a:p>
+          <a:p>
+            <a:r>
+              <a:rPr lang="en-US" altLang="zh-TW" dirty="0">
+                <a:solidFill>
+                  <a:srgbClr val="000000"/>
+                </a:solidFill>
+                <a:latin typeface="Courier New" panose="02070309020205020404" pitchFamily="49" charset="0"/>
+              </a:rPr>
+              <a:t> </a:t>
+            </a:r>
+          </a:p>
+          <a:p>
+            <a:r>
+              <a:rPr lang="en-US" altLang="zh-TW" dirty="0" err="1">
+                <a:solidFill>
+                  <a:srgbClr val="000000"/>
+                </a:solidFill>
+                <a:latin typeface="Courier New" panose="02070309020205020404" pitchFamily="49" charset="0"/>
+              </a:rPr>
+              <a:t>aLR</a:t>
+            </a:r>
+            <a:r>
+              <a:rPr lang="en-US" altLang="zh-TW" b="1" dirty="0">
+                <a:solidFill>
+                  <a:srgbClr val="000080"/>
+                </a:solidFill>
+                <a:latin typeface="Courier New" panose="02070309020205020404" pitchFamily="49" charset="0"/>
+              </a:rPr>
+              <a:t>=</a:t>
+            </a:r>
+            <a:r>
+              <a:rPr lang="en-US" altLang="zh-TW" dirty="0">
+                <a:solidFill>
+                  <a:srgbClr val="000000"/>
+                </a:solidFill>
+                <a:latin typeface="Courier New" panose="02070309020205020404" pitchFamily="49" charset="0"/>
+              </a:rPr>
+              <a:t> </a:t>
+            </a:r>
+            <a:r>
+              <a:rPr lang="en-US" altLang="zh-TW" dirty="0" err="1">
+                <a:solidFill>
+                  <a:srgbClr val="000000"/>
+                </a:solidFill>
+                <a:latin typeface="Courier New" panose="02070309020205020404" pitchFamily="49" charset="0"/>
+              </a:rPr>
+              <a:t>LogisticRegression</a:t>
+            </a:r>
+            <a:r>
+              <a:rPr lang="en-US" altLang="zh-TW" b="1" dirty="0">
+                <a:solidFill>
+                  <a:srgbClr val="000080"/>
+                </a:solidFill>
+                <a:latin typeface="Courier New" panose="02070309020205020404" pitchFamily="49" charset="0"/>
+              </a:rPr>
+              <a:t>(</a:t>
+            </a:r>
+            <a:r>
+              <a:rPr lang="en-US" altLang="zh-TW" dirty="0">
+                <a:solidFill>
+                  <a:srgbClr val="000000"/>
+                </a:solidFill>
+                <a:latin typeface="Courier New" panose="02070309020205020404" pitchFamily="49" charset="0"/>
+              </a:rPr>
+              <a:t>C</a:t>
+            </a:r>
+            <a:r>
+              <a:rPr lang="en-US" altLang="zh-TW" b="1" dirty="0">
+                <a:solidFill>
+                  <a:srgbClr val="000080"/>
+                </a:solidFill>
+                <a:latin typeface="Courier New" panose="02070309020205020404" pitchFamily="49" charset="0"/>
+              </a:rPr>
+              <a:t>=</a:t>
+            </a:r>
+            <a:r>
+              <a:rPr lang="en-US" altLang="zh-TW" dirty="0">
+                <a:solidFill>
+                  <a:srgbClr val="000000"/>
+                </a:solidFill>
+                <a:latin typeface="Courier New" panose="02070309020205020404" pitchFamily="49" charset="0"/>
+              </a:rPr>
+              <a:t> </a:t>
+            </a:r>
+            <a:r>
+              <a:rPr lang="en-US" altLang="zh-TW" dirty="0">
+                <a:solidFill>
+                  <a:srgbClr val="FF0000"/>
+                </a:solidFill>
+                <a:latin typeface="Courier New" panose="02070309020205020404" pitchFamily="49" charset="0"/>
+              </a:rPr>
+              <a:t>100.0</a:t>
+            </a:r>
+            <a:r>
+              <a:rPr lang="en-US" altLang="zh-TW" b="1" dirty="0">
+                <a:solidFill>
+                  <a:srgbClr val="000080"/>
+                </a:solidFill>
+                <a:latin typeface="Courier New" panose="02070309020205020404" pitchFamily="49" charset="0"/>
+              </a:rPr>
+              <a:t>,</a:t>
+            </a:r>
+            <a:r>
+              <a:rPr lang="en-US" altLang="zh-TW" dirty="0">
+                <a:solidFill>
+                  <a:srgbClr val="000000"/>
+                </a:solidFill>
+                <a:latin typeface="Courier New" panose="02070309020205020404" pitchFamily="49" charset="0"/>
+              </a:rPr>
+              <a:t> </a:t>
+            </a:r>
+            <a:r>
+              <a:rPr lang="en-US" altLang="zh-TW" dirty="0" err="1">
+                <a:solidFill>
+                  <a:srgbClr val="000000"/>
+                </a:solidFill>
+                <a:latin typeface="Courier New" panose="02070309020205020404" pitchFamily="49" charset="0"/>
+              </a:rPr>
+              <a:t>random_state</a:t>
+            </a:r>
+            <a:r>
+              <a:rPr lang="en-US" altLang="zh-TW" b="1" dirty="0">
+                <a:solidFill>
+                  <a:srgbClr val="000080"/>
+                </a:solidFill>
+                <a:latin typeface="Courier New" panose="02070309020205020404" pitchFamily="49" charset="0"/>
+              </a:rPr>
+              <a:t>=</a:t>
+            </a:r>
+            <a:r>
+              <a:rPr lang="en-US" altLang="zh-TW" dirty="0">
+                <a:solidFill>
+                  <a:srgbClr val="000000"/>
+                </a:solidFill>
+                <a:latin typeface="Courier New" panose="02070309020205020404" pitchFamily="49" charset="0"/>
+              </a:rPr>
+              <a:t> </a:t>
+            </a:r>
+            <a:r>
+              <a:rPr lang="en-US" altLang="zh-TW" dirty="0">
+                <a:solidFill>
+                  <a:srgbClr val="FF0000"/>
+                </a:solidFill>
+                <a:latin typeface="Courier New" panose="02070309020205020404" pitchFamily="49" charset="0"/>
+              </a:rPr>
+              <a:t>1</a:t>
+            </a:r>
+            <a:r>
+              <a:rPr lang="en-US" altLang="zh-TW" b="1" dirty="0">
+                <a:solidFill>
+                  <a:srgbClr val="000080"/>
+                </a:solidFill>
+                <a:latin typeface="Courier New" panose="02070309020205020404" pitchFamily="49" charset="0"/>
+              </a:rPr>
+              <a:t>)</a:t>
+            </a:r>
+            <a:r>
+              <a:rPr lang="en-US" altLang="zh-TW" dirty="0">
+                <a:solidFill>
+                  <a:srgbClr val="000000"/>
+                </a:solidFill>
+                <a:latin typeface="Courier New" panose="02070309020205020404" pitchFamily="49" charset="0"/>
+              </a:rPr>
+              <a:t> </a:t>
+            </a:r>
+          </a:p>
+          <a:p>
+            <a:r>
+              <a:rPr lang="en-US" altLang="zh-TW" dirty="0" err="1">
+                <a:solidFill>
+                  <a:srgbClr val="000000"/>
+                </a:solidFill>
+                <a:latin typeface="Courier New" panose="02070309020205020404" pitchFamily="49" charset="0"/>
+              </a:rPr>
+              <a:t>aLR</a:t>
+            </a:r>
+            <a:r>
+              <a:rPr lang="en-US" altLang="zh-TW" b="1" dirty="0" err="1">
+                <a:solidFill>
+                  <a:srgbClr val="000080"/>
+                </a:solidFill>
+                <a:latin typeface="Courier New" panose="02070309020205020404" pitchFamily="49" charset="0"/>
+              </a:rPr>
+              <a:t>.</a:t>
+            </a:r>
+            <a:r>
+              <a:rPr lang="en-US" altLang="zh-TW" dirty="0" err="1">
+                <a:solidFill>
+                  <a:srgbClr val="000000"/>
+                </a:solidFill>
+                <a:latin typeface="Courier New" panose="02070309020205020404" pitchFamily="49" charset="0"/>
+              </a:rPr>
+              <a:t>fit</a:t>
+            </a:r>
+            <a:r>
+              <a:rPr lang="en-US" altLang="zh-TW" b="1" dirty="0">
+                <a:solidFill>
+                  <a:srgbClr val="000080"/>
+                </a:solidFill>
+                <a:latin typeface="Courier New" panose="02070309020205020404" pitchFamily="49" charset="0"/>
+              </a:rPr>
+              <a:t>(</a:t>
+            </a:r>
+            <a:r>
+              <a:rPr lang="en-US" altLang="zh-TW" dirty="0" err="1">
+                <a:solidFill>
+                  <a:srgbClr val="000000"/>
+                </a:solidFill>
+                <a:latin typeface="Courier New" panose="02070309020205020404" pitchFamily="49" charset="0"/>
+              </a:rPr>
+              <a:t>X_train_std</a:t>
+            </a:r>
+            <a:r>
+              <a:rPr lang="en-US" altLang="zh-TW" b="1" dirty="0">
+                <a:solidFill>
+                  <a:srgbClr val="000080"/>
+                </a:solidFill>
+                <a:latin typeface="Courier New" panose="02070309020205020404" pitchFamily="49" charset="0"/>
+              </a:rPr>
+              <a:t>,</a:t>
+            </a:r>
+            <a:r>
+              <a:rPr lang="en-US" altLang="zh-TW" dirty="0">
+                <a:solidFill>
+                  <a:srgbClr val="000000"/>
+                </a:solidFill>
+                <a:latin typeface="Courier New" panose="02070309020205020404" pitchFamily="49" charset="0"/>
+              </a:rPr>
+              <a:t> </a:t>
+            </a:r>
+            <a:r>
+              <a:rPr lang="en-US" altLang="zh-TW" dirty="0" err="1">
+                <a:solidFill>
+                  <a:srgbClr val="000000"/>
+                </a:solidFill>
+                <a:latin typeface="Courier New" panose="02070309020205020404" pitchFamily="49" charset="0"/>
+              </a:rPr>
+              <a:t>y_train</a:t>
+            </a:r>
+            <a:r>
+              <a:rPr lang="en-US" altLang="zh-TW" b="1" dirty="0">
+                <a:solidFill>
+                  <a:srgbClr val="000080"/>
+                </a:solidFill>
+                <a:latin typeface="Courier New" panose="02070309020205020404" pitchFamily="49" charset="0"/>
+              </a:rPr>
+              <a:t>)</a:t>
+            </a:r>
+            <a:r>
+              <a:rPr lang="en-US" altLang="zh-TW" dirty="0">
+                <a:solidFill>
+                  <a:srgbClr val="000000"/>
+                </a:solidFill>
+                <a:latin typeface="Courier New" panose="02070309020205020404" pitchFamily="49" charset="0"/>
+              </a:rPr>
+              <a:t> </a:t>
+            </a:r>
+          </a:p>
+          <a:p>
+            <a:endParaRPr lang="en-US" altLang="zh-TW" b="1" dirty="0">
+              <a:solidFill>
+                <a:srgbClr val="000000"/>
+              </a:solidFill>
+              <a:latin typeface="Courier New" panose="02070309020205020404" pitchFamily="49" charset="0"/>
+            </a:endParaRPr>
+          </a:p>
+          <a:p>
+            <a:r>
+              <a:rPr lang="en-US" altLang="zh-TW" b="1" dirty="0">
+                <a:solidFill>
+                  <a:srgbClr val="000080"/>
+                </a:solidFill>
+                <a:latin typeface="Courier New" panose="02070309020205020404" pitchFamily="49" charset="0"/>
+              </a:rPr>
+              <a:t>&gt;&gt;&gt;</a:t>
+            </a:r>
+            <a:r>
+              <a:rPr lang="en-US" altLang="zh-TW" dirty="0">
+                <a:solidFill>
+                  <a:srgbClr val="000000"/>
+                </a:solidFill>
+                <a:latin typeface="Courier New" panose="02070309020205020404" pitchFamily="49" charset="0"/>
+              </a:rPr>
+              <a:t> </a:t>
+            </a:r>
+            <a:r>
+              <a:rPr lang="en-US" altLang="zh-TW" dirty="0" err="1">
+                <a:solidFill>
+                  <a:srgbClr val="000000"/>
+                </a:solidFill>
+                <a:latin typeface="Courier New" panose="02070309020205020404" pitchFamily="49" charset="0"/>
+              </a:rPr>
+              <a:t>aLR</a:t>
+            </a:r>
+            <a:r>
+              <a:rPr lang="en-US" altLang="zh-TW" b="1" dirty="0" err="1">
+                <a:solidFill>
+                  <a:srgbClr val="000080"/>
+                </a:solidFill>
+                <a:latin typeface="Courier New" panose="02070309020205020404" pitchFamily="49" charset="0"/>
+              </a:rPr>
+              <a:t>.</a:t>
+            </a:r>
+            <a:r>
+              <a:rPr lang="en-US" altLang="zh-TW" dirty="0" err="1">
+                <a:solidFill>
+                  <a:srgbClr val="000000"/>
+                </a:solidFill>
+                <a:latin typeface="Courier New" panose="02070309020205020404" pitchFamily="49" charset="0"/>
+              </a:rPr>
+              <a:t>classes</a:t>
+            </a:r>
+            <a:r>
+              <a:rPr lang="en-US" altLang="zh-TW" dirty="0">
+                <a:solidFill>
+                  <a:srgbClr val="000000"/>
+                </a:solidFill>
+                <a:latin typeface="Courier New" panose="02070309020205020404" pitchFamily="49" charset="0"/>
+              </a:rPr>
+              <a:t>_</a:t>
+            </a:r>
+            <a:r>
+              <a:rPr lang="en-US" altLang="zh-TW" b="1" dirty="0">
+                <a:solidFill>
+                  <a:srgbClr val="000080"/>
+                </a:solidFill>
+                <a:latin typeface="Courier New" panose="02070309020205020404" pitchFamily="49" charset="0"/>
+              </a:rPr>
+              <a:t>,</a:t>
+            </a:r>
+            <a:r>
+              <a:rPr lang="en-US" altLang="zh-TW" dirty="0">
+                <a:solidFill>
+                  <a:srgbClr val="000000"/>
+                </a:solidFill>
+                <a:latin typeface="Courier New" panose="02070309020205020404" pitchFamily="49" charset="0"/>
+              </a:rPr>
+              <a:t> </a:t>
+            </a:r>
+            <a:r>
+              <a:rPr lang="en-US" altLang="zh-TW" dirty="0" err="1">
+                <a:solidFill>
+                  <a:srgbClr val="000000"/>
+                </a:solidFill>
+                <a:latin typeface="Courier New" panose="02070309020205020404" pitchFamily="49" charset="0"/>
+              </a:rPr>
+              <a:t>aLR</a:t>
+            </a:r>
+            <a:r>
+              <a:rPr lang="en-US" altLang="zh-TW" b="1" dirty="0" err="1">
+                <a:solidFill>
+                  <a:srgbClr val="000080"/>
+                </a:solidFill>
+                <a:latin typeface="Courier New" panose="02070309020205020404" pitchFamily="49" charset="0"/>
+              </a:rPr>
+              <a:t>.</a:t>
+            </a:r>
+            <a:r>
+              <a:rPr lang="en-US" altLang="zh-TW" dirty="0" err="1">
+                <a:solidFill>
+                  <a:srgbClr val="000000"/>
+                </a:solidFill>
+                <a:latin typeface="Courier New" panose="02070309020205020404" pitchFamily="49" charset="0"/>
+              </a:rPr>
+              <a:t>classes_</a:t>
+            </a:r>
+            <a:r>
+              <a:rPr lang="en-US" altLang="zh-TW" b="1" dirty="0" err="1">
+                <a:solidFill>
+                  <a:srgbClr val="000080"/>
+                </a:solidFill>
+                <a:latin typeface="Courier New" panose="02070309020205020404" pitchFamily="49" charset="0"/>
+              </a:rPr>
+              <a:t>.</a:t>
+            </a:r>
+            <a:r>
+              <a:rPr lang="en-US" altLang="zh-TW" dirty="0" err="1">
+                <a:solidFill>
+                  <a:srgbClr val="000000"/>
+                </a:solidFill>
+                <a:latin typeface="Courier New" panose="02070309020205020404" pitchFamily="49" charset="0"/>
+              </a:rPr>
+              <a:t>shape</a:t>
+            </a:r>
+            <a:r>
+              <a:rPr lang="en-US" altLang="zh-TW" dirty="0">
+                <a:solidFill>
+                  <a:srgbClr val="000000"/>
+                </a:solidFill>
+                <a:latin typeface="Courier New" panose="02070309020205020404" pitchFamily="49" charset="0"/>
+              </a:rPr>
+              <a:t> </a:t>
+            </a:r>
+          </a:p>
+          <a:p>
+            <a:r>
+              <a:rPr lang="en-US" altLang="zh-TW" dirty="0">
+                <a:solidFill>
+                  <a:srgbClr val="008000"/>
+                </a:solidFill>
+                <a:latin typeface="Courier New" panose="02070309020205020404" pitchFamily="49" charset="0"/>
+              </a:rPr>
+              <a:t>### (array([0, 1, 2]), (3,))</a:t>
+            </a:r>
+            <a:r>
+              <a:rPr lang="en-US" altLang="zh-TW" dirty="0">
+                <a:solidFill>
+                  <a:srgbClr val="000000"/>
+                </a:solidFill>
+                <a:latin typeface="Courier New" panose="02070309020205020404" pitchFamily="49" charset="0"/>
+              </a:rPr>
+              <a:t> </a:t>
+            </a:r>
+            <a:r>
+              <a:rPr lang="en-US" altLang="zh-TW" dirty="0">
+                <a:solidFill>
+                  <a:srgbClr val="FF0000"/>
+                </a:solidFill>
+                <a:latin typeface="Courier New" panose="02070309020205020404" pitchFamily="49" charset="0"/>
+              </a:rPr>
+              <a:t># 3 </a:t>
+            </a:r>
+            <a:r>
+              <a:rPr lang="zh-TW" altLang="en-US" dirty="0">
+                <a:solidFill>
+                  <a:srgbClr val="FF0000"/>
+                </a:solidFill>
+                <a:latin typeface="Courier New" panose="02070309020205020404" pitchFamily="49" charset="0"/>
+              </a:rPr>
+              <a:t>個類別</a:t>
+            </a:r>
+            <a:endParaRPr lang="en-US" altLang="zh-TW" dirty="0">
+              <a:solidFill>
+                <a:srgbClr val="FF0000"/>
+              </a:solidFill>
+              <a:latin typeface="Courier New" panose="02070309020205020404" pitchFamily="49" charset="0"/>
+            </a:endParaRPr>
+          </a:p>
+          <a:p>
+            <a:endParaRPr lang="en-US" altLang="zh-TW" b="1" dirty="0">
+              <a:solidFill>
+                <a:srgbClr val="000080"/>
+              </a:solidFill>
+              <a:latin typeface="Courier New" panose="02070309020205020404" pitchFamily="49" charset="0"/>
+            </a:endParaRPr>
+          </a:p>
+          <a:p>
+            <a:r>
+              <a:rPr lang="en-US" altLang="zh-TW" b="1" dirty="0">
+                <a:solidFill>
+                  <a:srgbClr val="000080"/>
+                </a:solidFill>
+                <a:latin typeface="Courier New" panose="02070309020205020404" pitchFamily="49" charset="0"/>
+              </a:rPr>
+              <a:t>&gt;&gt;&gt;</a:t>
+            </a:r>
+            <a:r>
+              <a:rPr lang="en-US" altLang="zh-TW" dirty="0">
+                <a:solidFill>
+                  <a:srgbClr val="000000"/>
+                </a:solidFill>
+                <a:latin typeface="Courier New" panose="02070309020205020404" pitchFamily="49" charset="0"/>
+              </a:rPr>
+              <a:t> </a:t>
+            </a:r>
+            <a:r>
+              <a:rPr lang="en-US" altLang="zh-TW" dirty="0" err="1">
+                <a:solidFill>
+                  <a:srgbClr val="000000"/>
+                </a:solidFill>
+                <a:latin typeface="Courier New" panose="02070309020205020404" pitchFamily="49" charset="0"/>
+              </a:rPr>
+              <a:t>aLR</a:t>
+            </a:r>
+            <a:r>
+              <a:rPr lang="en-US" altLang="zh-TW" b="1" dirty="0" err="1">
+                <a:solidFill>
+                  <a:srgbClr val="000080"/>
+                </a:solidFill>
+                <a:latin typeface="Courier New" panose="02070309020205020404" pitchFamily="49" charset="0"/>
+              </a:rPr>
+              <a:t>.</a:t>
+            </a:r>
+            <a:r>
+              <a:rPr lang="en-US" altLang="zh-TW" dirty="0" err="1">
+                <a:solidFill>
+                  <a:srgbClr val="000000"/>
+                </a:solidFill>
+                <a:latin typeface="Courier New" panose="02070309020205020404" pitchFamily="49" charset="0"/>
+              </a:rPr>
+              <a:t>coef</a:t>
+            </a:r>
+            <a:r>
+              <a:rPr lang="en-US" altLang="zh-TW" dirty="0">
+                <a:solidFill>
+                  <a:srgbClr val="000000"/>
+                </a:solidFill>
+                <a:latin typeface="Courier New" panose="02070309020205020404" pitchFamily="49" charset="0"/>
+              </a:rPr>
+              <a:t>_</a:t>
+            </a:r>
+            <a:r>
+              <a:rPr lang="en-US" altLang="zh-TW" b="1" dirty="0">
+                <a:solidFill>
+                  <a:srgbClr val="000080"/>
+                </a:solidFill>
+                <a:latin typeface="Courier New" panose="02070309020205020404" pitchFamily="49" charset="0"/>
+              </a:rPr>
+              <a:t>,</a:t>
+            </a:r>
+            <a:r>
+              <a:rPr lang="en-US" altLang="zh-TW" dirty="0">
+                <a:solidFill>
+                  <a:srgbClr val="000000"/>
+                </a:solidFill>
+                <a:latin typeface="Courier New" panose="02070309020205020404" pitchFamily="49" charset="0"/>
+              </a:rPr>
+              <a:t> aLR</a:t>
+            </a:r>
+            <a:r>
+              <a:rPr lang="en-US" altLang="zh-TW" b="1" dirty="0">
+                <a:solidFill>
+                  <a:srgbClr val="000080"/>
+                </a:solidFill>
+                <a:latin typeface="Courier New" panose="02070309020205020404" pitchFamily="49" charset="0"/>
+              </a:rPr>
+              <a:t>.</a:t>
+            </a:r>
+            <a:r>
+              <a:rPr lang="en-US" altLang="zh-TW" dirty="0" err="1">
+                <a:solidFill>
+                  <a:srgbClr val="000000"/>
+                </a:solidFill>
+                <a:latin typeface="Courier New" panose="02070309020205020404" pitchFamily="49" charset="0"/>
+              </a:rPr>
+              <a:t>coef</a:t>
+            </a:r>
+            <a:r>
+              <a:rPr lang="en-US" altLang="zh-TW" dirty="0">
+                <a:solidFill>
+                  <a:srgbClr val="000000"/>
+                </a:solidFill>
+                <a:latin typeface="Courier New" panose="02070309020205020404" pitchFamily="49" charset="0"/>
+              </a:rPr>
+              <a:t>_</a:t>
+            </a:r>
+            <a:r>
+              <a:rPr lang="en-US" altLang="zh-TW" b="1" dirty="0">
+                <a:solidFill>
+                  <a:srgbClr val="000080"/>
+                </a:solidFill>
+                <a:latin typeface="Courier New" panose="02070309020205020404" pitchFamily="49" charset="0"/>
+              </a:rPr>
+              <a:t>.</a:t>
+            </a:r>
+            <a:r>
+              <a:rPr lang="en-US" altLang="zh-TW" dirty="0">
+                <a:solidFill>
+                  <a:srgbClr val="000000"/>
+                </a:solidFill>
+                <a:latin typeface="Courier New" panose="02070309020205020404" pitchFamily="49" charset="0"/>
+              </a:rPr>
+              <a:t>shape </a:t>
+            </a:r>
+          </a:p>
+          <a:p>
+            <a:r>
+              <a:rPr lang="en-US" altLang="zh-TW" dirty="0">
+                <a:solidFill>
+                  <a:srgbClr val="008000"/>
+                </a:solidFill>
+                <a:latin typeface="Courier New" panose="02070309020205020404" pitchFamily="49" charset="0"/>
+              </a:rPr>
+              <a:t>###</a:t>
+            </a:r>
+            <a:r>
+              <a:rPr lang="en-US" altLang="zh-TW" dirty="0">
+                <a:solidFill>
+                  <a:srgbClr val="000000"/>
+                </a:solidFill>
+                <a:latin typeface="Courier New" panose="02070309020205020404" pitchFamily="49" charset="0"/>
+              </a:rPr>
+              <a:t> </a:t>
+            </a:r>
+          </a:p>
+          <a:p>
+            <a:r>
+              <a:rPr lang="en-US" altLang="zh-TW" dirty="0">
+                <a:solidFill>
+                  <a:srgbClr val="008000"/>
+                </a:solidFill>
+                <a:latin typeface="Courier New" panose="02070309020205020404" pitchFamily="49" charset="0"/>
+              </a:rPr>
+              <a:t>### (array([[ 0.24371528, -9.04339848],</a:t>
+            </a:r>
+            <a:r>
+              <a:rPr lang="en-US" altLang="zh-TW" dirty="0">
+                <a:solidFill>
+                  <a:srgbClr val="000000"/>
+                </a:solidFill>
+                <a:latin typeface="Courier New" panose="02070309020205020404" pitchFamily="49" charset="0"/>
+              </a:rPr>
+              <a:t> </a:t>
+            </a:r>
+          </a:p>
+          <a:p>
+            <a:r>
+              <a:rPr lang="en-US" altLang="zh-TW" dirty="0">
+                <a:solidFill>
+                  <a:srgbClr val="008000"/>
+                </a:solidFill>
+                <a:latin typeface="Courier New" panose="02070309020205020404" pitchFamily="49" charset="0"/>
+              </a:rPr>
+              <a:t>### [ -1.75877444, 2.05838824],</a:t>
+            </a:r>
+            <a:r>
+              <a:rPr lang="en-US" altLang="zh-TW" dirty="0">
+                <a:solidFill>
+                  <a:srgbClr val="000000"/>
+                </a:solidFill>
+                <a:latin typeface="Courier New" panose="02070309020205020404" pitchFamily="49" charset="0"/>
+              </a:rPr>
+              <a:t> </a:t>
+            </a:r>
+          </a:p>
+          <a:p>
+            <a:r>
+              <a:rPr lang="en-US" altLang="zh-TW" dirty="0">
+                <a:solidFill>
+                  <a:srgbClr val="008000"/>
+                </a:solidFill>
+                <a:latin typeface="Courier New" panose="02070309020205020404" pitchFamily="49" charset="0"/>
+              </a:rPr>
+              <a:t>### [ -1.23329674, 14.43953705]]), (3, 2))</a:t>
+            </a:r>
+            <a:r>
+              <a:rPr lang="en-US" altLang="zh-TW" dirty="0">
+                <a:solidFill>
+                  <a:srgbClr val="000000"/>
+                </a:solidFill>
+                <a:latin typeface="Courier New" panose="02070309020205020404" pitchFamily="49" charset="0"/>
+              </a:rPr>
+              <a:t> </a:t>
+            </a:r>
+          </a:p>
+          <a:p>
+            <a:r>
+              <a:rPr lang="en-US" altLang="zh-TW" dirty="0">
+                <a:solidFill>
+                  <a:srgbClr val="008000"/>
+                </a:solidFill>
+                <a:latin typeface="Courier New" panose="02070309020205020404" pitchFamily="49" charset="0"/>
+              </a:rPr>
+              <a:t>###</a:t>
+            </a:r>
+          </a:p>
+          <a:p>
+            <a:r>
+              <a:rPr lang="en-US" altLang="zh-TW" dirty="0">
+                <a:solidFill>
+                  <a:srgbClr val="FF0000"/>
+                </a:solidFill>
+                <a:latin typeface="Courier New" panose="02070309020205020404" pitchFamily="49" charset="0"/>
+              </a:rPr>
+              <a:t># </a:t>
+            </a:r>
+            <a:r>
+              <a:rPr lang="zh-TW" altLang="en-US" dirty="0">
+                <a:solidFill>
+                  <a:srgbClr val="FF0000"/>
+                </a:solidFill>
+                <a:latin typeface="Courier New" panose="02070309020205020404" pitchFamily="49" charset="0"/>
+              </a:rPr>
+              <a:t>每</a:t>
+            </a:r>
+            <a:r>
+              <a:rPr lang="en-US" altLang="zh-TW" dirty="0">
+                <a:solidFill>
+                  <a:srgbClr val="FF0000"/>
+                </a:solidFill>
+                <a:latin typeface="Courier New" panose="02070309020205020404" pitchFamily="49" charset="0"/>
+              </a:rPr>
+              <a:t>1</a:t>
+            </a:r>
+            <a:r>
+              <a:rPr lang="zh-TW" altLang="en-US" dirty="0">
+                <a:solidFill>
+                  <a:srgbClr val="FF0000"/>
+                </a:solidFill>
+                <a:latin typeface="Courier New" panose="02070309020205020404" pitchFamily="49" charset="0"/>
+              </a:rPr>
+              <a:t>個類別，有 </a:t>
+            </a:r>
+            <a:r>
+              <a:rPr lang="en-US" altLang="zh-TW" dirty="0">
+                <a:solidFill>
+                  <a:srgbClr val="FF0000"/>
+                </a:solidFill>
+                <a:latin typeface="Courier New" panose="02070309020205020404" pitchFamily="49" charset="0"/>
+              </a:rPr>
+              <a:t>1</a:t>
+            </a:r>
+            <a:r>
+              <a:rPr lang="zh-TW" altLang="en-US" dirty="0">
+                <a:solidFill>
+                  <a:srgbClr val="FF0000"/>
+                </a:solidFill>
+                <a:latin typeface="Courier New" panose="02070309020205020404" pitchFamily="49" charset="0"/>
+              </a:rPr>
+              <a:t>個 </a:t>
+            </a:r>
+            <a:r>
+              <a:rPr lang="en-US" altLang="zh-TW" dirty="0">
+                <a:solidFill>
+                  <a:srgbClr val="FF0000"/>
+                </a:solidFill>
+                <a:latin typeface="Courier New" panose="02070309020205020404" pitchFamily="49" charset="0"/>
+              </a:rPr>
+              <a:t>w[0:2] # 3</a:t>
+            </a:r>
+            <a:r>
+              <a:rPr lang="zh-TW" altLang="en-US" dirty="0">
+                <a:solidFill>
+                  <a:srgbClr val="FF0000"/>
+                </a:solidFill>
+                <a:latin typeface="Courier New" panose="02070309020205020404" pitchFamily="49" charset="0"/>
+              </a:rPr>
+              <a:t>個類別，需要 </a:t>
+            </a:r>
+            <a:r>
+              <a:rPr lang="en-US" altLang="zh-TW" dirty="0">
+                <a:solidFill>
+                  <a:srgbClr val="FF0000"/>
+                </a:solidFill>
+                <a:latin typeface="Courier New" panose="02070309020205020404" pitchFamily="49" charset="0"/>
+              </a:rPr>
+              <a:t>W[0:3, 0:2]</a:t>
+            </a:r>
+          </a:p>
+          <a:p>
+            <a:r>
+              <a:rPr lang="en-US" altLang="zh-TW" dirty="0">
+                <a:solidFill>
+                  <a:srgbClr val="000000"/>
+                </a:solidFill>
+                <a:latin typeface="Courier New" panose="02070309020205020404" pitchFamily="49" charset="0"/>
+              </a:rPr>
+              <a:t> </a:t>
+            </a:r>
+          </a:p>
+          <a:p>
+            <a:r>
+              <a:rPr lang="en-US" altLang="zh-TW" b="1" dirty="0">
+                <a:solidFill>
+                  <a:srgbClr val="000080"/>
+                </a:solidFill>
+                <a:latin typeface="Courier New" panose="02070309020205020404" pitchFamily="49" charset="0"/>
+              </a:rPr>
+              <a:t>&gt;&gt;&gt;</a:t>
+            </a:r>
+            <a:r>
+              <a:rPr lang="en-US" altLang="zh-TW" dirty="0">
+                <a:solidFill>
+                  <a:srgbClr val="000000"/>
+                </a:solidFill>
+                <a:latin typeface="Courier New" panose="02070309020205020404" pitchFamily="49" charset="0"/>
+              </a:rPr>
+              <a:t> </a:t>
+            </a:r>
+            <a:r>
+              <a:rPr lang="en-US" altLang="zh-TW" dirty="0" err="1">
+                <a:solidFill>
+                  <a:srgbClr val="000000"/>
+                </a:solidFill>
+                <a:latin typeface="Courier New" panose="02070309020205020404" pitchFamily="49" charset="0"/>
+              </a:rPr>
+              <a:t>aLR</a:t>
+            </a:r>
+            <a:r>
+              <a:rPr lang="en-US" altLang="zh-TW" b="1" dirty="0" err="1">
+                <a:solidFill>
+                  <a:srgbClr val="000080"/>
+                </a:solidFill>
+                <a:latin typeface="Courier New" panose="02070309020205020404" pitchFamily="49" charset="0"/>
+              </a:rPr>
+              <a:t>.</a:t>
+            </a:r>
+            <a:r>
+              <a:rPr lang="en-US" altLang="zh-TW" dirty="0" err="1">
+                <a:solidFill>
+                  <a:srgbClr val="000000"/>
+                </a:solidFill>
+                <a:latin typeface="Courier New" panose="02070309020205020404" pitchFamily="49" charset="0"/>
+              </a:rPr>
+              <a:t>intercept</a:t>
+            </a:r>
+            <a:r>
+              <a:rPr lang="en-US" altLang="zh-TW" dirty="0">
+                <a:solidFill>
+                  <a:srgbClr val="000000"/>
+                </a:solidFill>
+                <a:latin typeface="Courier New" panose="02070309020205020404" pitchFamily="49" charset="0"/>
+              </a:rPr>
+              <a:t>_</a:t>
+            </a:r>
+            <a:r>
+              <a:rPr lang="en-US" altLang="zh-TW" b="1" dirty="0">
+                <a:solidFill>
+                  <a:srgbClr val="000080"/>
+                </a:solidFill>
+                <a:latin typeface="Courier New" panose="02070309020205020404" pitchFamily="49" charset="0"/>
+              </a:rPr>
+              <a:t>,</a:t>
+            </a:r>
+            <a:r>
+              <a:rPr lang="en-US" altLang="zh-TW" dirty="0">
+                <a:solidFill>
+                  <a:srgbClr val="000000"/>
+                </a:solidFill>
+                <a:latin typeface="Courier New" panose="02070309020205020404" pitchFamily="49" charset="0"/>
+              </a:rPr>
+              <a:t> </a:t>
+            </a:r>
+            <a:r>
+              <a:rPr lang="en-US" altLang="zh-TW" dirty="0" err="1">
+                <a:solidFill>
+                  <a:srgbClr val="000000"/>
+                </a:solidFill>
+                <a:latin typeface="Courier New" panose="02070309020205020404" pitchFamily="49" charset="0"/>
+              </a:rPr>
+              <a:t>aLR</a:t>
+            </a:r>
+            <a:r>
+              <a:rPr lang="en-US" altLang="zh-TW" b="1" dirty="0" err="1">
+                <a:solidFill>
+                  <a:srgbClr val="000080"/>
+                </a:solidFill>
+                <a:latin typeface="Courier New" panose="02070309020205020404" pitchFamily="49" charset="0"/>
+              </a:rPr>
+              <a:t>.</a:t>
+            </a:r>
+            <a:r>
+              <a:rPr lang="en-US" altLang="zh-TW" dirty="0" err="1">
+                <a:solidFill>
+                  <a:srgbClr val="000000"/>
+                </a:solidFill>
+                <a:latin typeface="Courier New" panose="02070309020205020404" pitchFamily="49" charset="0"/>
+              </a:rPr>
+              <a:t>intercept_</a:t>
+            </a:r>
+            <a:r>
+              <a:rPr lang="en-US" altLang="zh-TW" b="1" dirty="0" err="1">
+                <a:solidFill>
+                  <a:srgbClr val="000080"/>
+                </a:solidFill>
+                <a:latin typeface="Courier New" panose="02070309020205020404" pitchFamily="49" charset="0"/>
+              </a:rPr>
+              <a:t>.</a:t>
+            </a:r>
+            <a:r>
+              <a:rPr lang="en-US" altLang="zh-TW" dirty="0" err="1">
+                <a:solidFill>
+                  <a:srgbClr val="000000"/>
+                </a:solidFill>
+                <a:latin typeface="Courier New" panose="02070309020205020404" pitchFamily="49" charset="0"/>
+              </a:rPr>
+              <a:t>shape</a:t>
+            </a:r>
+            <a:r>
+              <a:rPr lang="en-US" altLang="zh-TW" dirty="0">
+                <a:solidFill>
+                  <a:srgbClr val="000000"/>
+                </a:solidFill>
+                <a:latin typeface="Courier New" panose="02070309020205020404" pitchFamily="49" charset="0"/>
+              </a:rPr>
+              <a:t> </a:t>
+            </a:r>
+          </a:p>
+          <a:p>
+            <a:r>
+              <a:rPr lang="en-US" altLang="zh-TW" dirty="0">
+                <a:solidFill>
+                  <a:srgbClr val="008000"/>
+                </a:solidFill>
+                <a:latin typeface="Courier New" panose="02070309020205020404" pitchFamily="49" charset="0"/>
+              </a:rPr>
+              <a:t>### (array([-5.11569391, -0.8458902 , -8.43062833]), (3,))</a:t>
+            </a:r>
+          </a:p>
+          <a:p>
+            <a:r>
+              <a:rPr lang="en-US" altLang="zh-TW" dirty="0">
+                <a:solidFill>
+                  <a:srgbClr val="FF0000"/>
+                </a:solidFill>
+                <a:latin typeface="Courier New" panose="02070309020205020404" pitchFamily="49" charset="0"/>
+              </a:rPr>
+              <a:t># </a:t>
+            </a:r>
+            <a:r>
+              <a:rPr lang="zh-TW" altLang="en-US" dirty="0">
+                <a:solidFill>
+                  <a:srgbClr val="FF0000"/>
+                </a:solidFill>
+                <a:latin typeface="Courier New" panose="02070309020205020404" pitchFamily="49" charset="0"/>
+              </a:rPr>
+              <a:t>每</a:t>
+            </a:r>
+            <a:r>
+              <a:rPr lang="en-US" altLang="zh-TW" dirty="0">
+                <a:solidFill>
+                  <a:srgbClr val="FF0000"/>
+                </a:solidFill>
+                <a:latin typeface="Courier New" panose="02070309020205020404" pitchFamily="49" charset="0"/>
+              </a:rPr>
+              <a:t>1</a:t>
+            </a:r>
+            <a:r>
+              <a:rPr lang="zh-TW" altLang="en-US" dirty="0">
+                <a:solidFill>
+                  <a:srgbClr val="FF0000"/>
+                </a:solidFill>
+                <a:latin typeface="Courier New" panose="02070309020205020404" pitchFamily="49" charset="0"/>
+              </a:rPr>
+              <a:t>個類別，有 </a:t>
+            </a:r>
+            <a:r>
+              <a:rPr lang="en-US" altLang="zh-TW" dirty="0">
+                <a:solidFill>
+                  <a:srgbClr val="FF0000"/>
+                </a:solidFill>
+                <a:latin typeface="Courier New" panose="02070309020205020404" pitchFamily="49" charset="0"/>
+              </a:rPr>
+              <a:t>1</a:t>
+            </a:r>
+            <a:r>
+              <a:rPr lang="zh-TW" altLang="en-US" dirty="0">
+                <a:solidFill>
+                  <a:srgbClr val="FF0000"/>
+                </a:solidFill>
+                <a:latin typeface="Courier New" panose="02070309020205020404" pitchFamily="49" charset="0"/>
+              </a:rPr>
+              <a:t>個 </a:t>
+            </a:r>
+            <a:r>
+              <a:rPr lang="en-US" altLang="zh-TW" dirty="0">
+                <a:solidFill>
+                  <a:srgbClr val="FF0000"/>
+                </a:solidFill>
+                <a:latin typeface="Courier New" panose="02070309020205020404" pitchFamily="49" charset="0"/>
+              </a:rPr>
+              <a:t>b # 3</a:t>
+            </a:r>
+            <a:r>
+              <a:rPr lang="zh-TW" altLang="en-US" dirty="0">
+                <a:solidFill>
+                  <a:srgbClr val="FF0000"/>
+                </a:solidFill>
+                <a:latin typeface="Courier New" panose="02070309020205020404" pitchFamily="49" charset="0"/>
+              </a:rPr>
+              <a:t>個類別，需要 </a:t>
+            </a:r>
+            <a:r>
+              <a:rPr lang="en-US" altLang="zh-TW" dirty="0">
+                <a:solidFill>
+                  <a:srgbClr val="FF0000"/>
+                </a:solidFill>
+                <a:latin typeface="Courier New" panose="02070309020205020404" pitchFamily="49" charset="0"/>
+              </a:rPr>
+              <a:t>B[0:3]</a:t>
+            </a:r>
+          </a:p>
+          <a:p>
+            <a:r>
+              <a:rPr lang="en-US" altLang="zh-TW" dirty="0">
+                <a:solidFill>
+                  <a:srgbClr val="000000"/>
+                </a:solidFill>
+                <a:latin typeface="Courier New" panose="02070309020205020404" pitchFamily="49" charset="0"/>
+              </a:rPr>
+              <a:t> </a:t>
+            </a:r>
+            <a:endParaRPr lang="en-US" altLang="zh-TW" dirty="0">
+              <a:effectLst/>
+            </a:endParaRPr>
+          </a:p>
+        </p:txBody>
+      </p:sp>
+    </p:spTree>
+    <p:extLst>
+      <p:ext uri="{BB962C8B-B14F-4D97-AF65-F5344CB8AC3E}">
+        <p14:creationId xmlns:p14="http://schemas.microsoft.com/office/powerpoint/2010/main" val="898619211"/>
+      </p:ext>
+    </p:extLst>
+  </p:cSld>
+  <p:clrMapOvr>
+    <a:masterClrMapping/>
+  </p:clrMapOvr>
+</p:sld>
+</file>
+
+<file path=ppt/slides/slide28.xml><?xml version="1.0" encoding="utf-8"?>
+<p:sld xmlns:a="http://schemas.openxmlformats.org/drawingml/2006/main" xmlns:r="http://schemas.openxmlformats.org/officeDocument/2006/relationships" xmlns:p="http://schemas.openxmlformats.org/presentationml/2006/main">
+  <p:cSld>
+    <p:spTree>
+      <p:nvGrpSpPr>
+        <p:cNvPr id="1" name=""/>
+        <p:cNvGrpSpPr/>
+        <p:nvPr/>
+      </p:nvGrpSpPr>
+      <p:grpSpPr>
+        <a:xfrm>
+          <a:off x="0" y="0"/>
+          <a:ext cx="0" cy="0"/>
+          <a:chOff x="0" y="0"/>
+          <a:chExt cx="0" cy="0"/>
+        </a:xfrm>
+      </p:grpSpPr>
+      <p:sp>
+        <p:nvSpPr>
+          <p:cNvPr id="2" name="標題 1">
+            <a:extLst>
+              <a:ext uri="{FF2B5EF4-FFF2-40B4-BE49-F238E27FC236}">
+                <a16:creationId xmlns:a16="http://schemas.microsoft.com/office/drawing/2014/main" id="{71487F8B-23F5-40E8-9BAD-DEFD0A3D7A00}"/>
+              </a:ext>
+            </a:extLst>
+          </p:cNvPr>
+          <p:cNvSpPr>
+            <a:spLocks noGrp="1"/>
+          </p:cNvSpPr>
+          <p:nvPr>
+            <p:ph type="title"/>
+          </p:nvPr>
+        </p:nvSpPr>
+        <p:spPr/>
+        <p:txBody>
+          <a:bodyPr/>
+          <a:lstStyle/>
+          <a:p>
+            <a:endParaRPr lang="zh-TW" altLang="en-US" dirty="0"/>
+          </a:p>
+        </p:txBody>
+      </p:sp>
+      <p:sp>
+        <p:nvSpPr>
+          <p:cNvPr id="3" name="內容版面配置區 2">
+            <a:extLst>
+              <a:ext uri="{FF2B5EF4-FFF2-40B4-BE49-F238E27FC236}">
+                <a16:creationId xmlns:a16="http://schemas.microsoft.com/office/drawing/2014/main" id="{3AB9C897-862D-4E59-B660-A0B8BCFB3E1C}"/>
+              </a:ext>
+            </a:extLst>
+          </p:cNvPr>
+          <p:cNvSpPr>
+            <a:spLocks noGrp="1"/>
+          </p:cNvSpPr>
+          <p:nvPr>
+            <p:ph idx="1"/>
+          </p:nvPr>
+        </p:nvSpPr>
+        <p:spPr/>
+        <p:txBody>
+          <a:bodyPr/>
+          <a:lstStyle/>
+          <a:p>
+            <a:pPr marL="228600" marR="0" lvl="0" indent="-228600" algn="l" defTabSz="914400" rtl="0" eaLnBrk="1" fontAlgn="auto" latinLnBrk="0" hangingPunct="1">
+              <a:lnSpc>
+                <a:spcPct val="90000"/>
+              </a:lnSpc>
+              <a:spcBef>
+                <a:spcPts val="1000"/>
+              </a:spcBef>
+              <a:spcAft>
+                <a:spcPts val="0"/>
+              </a:spcAft>
+              <a:buClrTx/>
+              <a:buSzTx/>
+              <a:buFont typeface="Arial" panose="020B0604020202020204" pitchFamily="34" charset="0"/>
+              <a:buChar char="•"/>
+              <a:tabLst/>
+              <a:defRPr/>
+            </a:pPr>
+            <a:r>
+              <a:rPr lang="en-US" altLang="zh-TW" sz="2800" b="0" i="0" kern="1200" dirty="0">
+                <a:solidFill>
+                  <a:schemeClr val="tx1"/>
+                </a:solidFill>
+                <a:effectLst/>
+                <a:latin typeface="+mn-lt"/>
+                <a:ea typeface="+mn-ea"/>
+                <a:cs typeface="+mn-cs"/>
+              </a:rPr>
+              <a:t>Support vector machine</a:t>
+            </a:r>
+            <a:endParaRPr lang="en-US" altLang="zh-TW" sz="2800" b="0" i="0" kern="1200" dirty="0">
+              <a:solidFill>
+                <a:schemeClr val="tx1"/>
+              </a:solidFill>
+              <a:effectLst/>
+              <a:latin typeface="+mn-lt"/>
+              <a:ea typeface="+mn-ea"/>
+              <a:cs typeface="+mn-cs"/>
+              <a:hlinkClick r:id="rId2"/>
+            </a:endParaRPr>
+          </a:p>
+          <a:p>
+            <a:pPr marL="685800" marR="0" lvl="1" indent="-228600" algn="l" defTabSz="914400" rtl="0" eaLnBrk="1" fontAlgn="auto" latinLnBrk="0" hangingPunct="1">
+              <a:lnSpc>
+                <a:spcPct val="90000"/>
+              </a:lnSpc>
+              <a:spcBef>
+                <a:spcPts val="1000"/>
+              </a:spcBef>
+              <a:spcAft>
+                <a:spcPts val="0"/>
+              </a:spcAft>
+              <a:buClrTx/>
+              <a:buSzTx/>
+              <a:buFont typeface="Arial" panose="020B0604020202020204" pitchFamily="34" charset="0"/>
+              <a:buChar char="•"/>
+              <a:tabLst/>
+              <a:defRPr/>
+            </a:pPr>
+            <a:r>
+              <a:rPr lang="en-US" altLang="zh-TW" sz="2400" b="0" i="0" kern="1200" dirty="0">
+                <a:solidFill>
+                  <a:schemeClr val="tx1"/>
+                </a:solidFill>
+                <a:effectLst/>
+                <a:latin typeface="+mn-lt"/>
+                <a:ea typeface="+mn-ea"/>
+                <a:cs typeface="+mn-cs"/>
+                <a:hlinkClick r:id="rId2"/>
+              </a:rPr>
+              <a:t>https://en.wikipedia.org/wiki/Support_vector_machine</a:t>
+            </a:r>
+            <a:endParaRPr lang="en-US" altLang="zh-TW" sz="2400" b="0" i="0" kern="1200" dirty="0">
+              <a:solidFill>
+                <a:schemeClr val="tx1"/>
+              </a:solidFill>
+              <a:effectLst/>
+              <a:latin typeface="+mn-lt"/>
+              <a:ea typeface="+mn-ea"/>
+              <a:cs typeface="+mn-cs"/>
+            </a:endParaRPr>
+          </a:p>
+          <a:p>
+            <a:pPr marL="228600" marR="0" lvl="0" indent="-228600" algn="l" defTabSz="914400" rtl="0" eaLnBrk="1" fontAlgn="auto" latinLnBrk="0" hangingPunct="1">
+              <a:lnSpc>
+                <a:spcPct val="90000"/>
+              </a:lnSpc>
+              <a:spcBef>
+                <a:spcPts val="1000"/>
+              </a:spcBef>
+              <a:spcAft>
+                <a:spcPts val="0"/>
+              </a:spcAft>
+              <a:buClrTx/>
+              <a:buSzTx/>
+              <a:buFont typeface="Arial" panose="020B0604020202020204" pitchFamily="34" charset="0"/>
+              <a:buChar char="•"/>
+              <a:tabLst/>
+              <a:defRPr/>
+            </a:pPr>
+            <a:endParaRPr lang="en-US" altLang="zh-TW" sz="2800" b="0" i="0" kern="1200" dirty="0">
+              <a:solidFill>
+                <a:schemeClr val="tx1"/>
+              </a:solidFill>
+              <a:effectLst/>
+              <a:latin typeface="+mn-lt"/>
+              <a:ea typeface="+mn-ea"/>
+              <a:cs typeface="+mn-cs"/>
+            </a:endParaRPr>
+          </a:p>
+          <a:p>
+            <a:pPr marL="228600" marR="0" lvl="0" indent="-228600" algn="l" defTabSz="914400" rtl="0" eaLnBrk="1" fontAlgn="auto" latinLnBrk="0" hangingPunct="1">
+              <a:lnSpc>
+                <a:spcPct val="90000"/>
+              </a:lnSpc>
+              <a:spcBef>
+                <a:spcPts val="1000"/>
+              </a:spcBef>
+              <a:spcAft>
+                <a:spcPts val="0"/>
+              </a:spcAft>
+              <a:buClrTx/>
+              <a:buSzTx/>
+              <a:buFont typeface="Arial" panose="020B0604020202020204" pitchFamily="34" charset="0"/>
+              <a:buChar char="•"/>
+              <a:tabLst/>
+              <a:defRPr/>
+            </a:pPr>
+            <a:r>
+              <a:rPr lang="en-US" altLang="zh-TW" sz="2800" b="0" i="0" kern="1200" dirty="0">
+                <a:solidFill>
+                  <a:schemeClr val="tx1"/>
+                </a:solidFill>
+                <a:effectLst/>
+                <a:latin typeface="+mn-lt"/>
+                <a:ea typeface="+mn-ea"/>
+                <a:cs typeface="+mn-cs"/>
+              </a:rPr>
+              <a:t>Hinge loss</a:t>
+            </a:r>
+          </a:p>
+          <a:p>
+            <a:pPr lvl="1"/>
+            <a:r>
+              <a:rPr lang="en-US" altLang="zh-TW" dirty="0">
+                <a:hlinkClick r:id="rId3"/>
+              </a:rPr>
+              <a:t>https://en.wikipedia.org/wiki/Hinge_loss</a:t>
+            </a:r>
+            <a:endParaRPr lang="en-US" altLang="zh-TW" dirty="0"/>
+          </a:p>
+          <a:p>
+            <a:endParaRPr lang="zh-TW" altLang="en-US" dirty="0"/>
+          </a:p>
+        </p:txBody>
+      </p:sp>
+      <p:sp>
+        <p:nvSpPr>
+          <p:cNvPr id="4" name="投影片編號版面配置區 3">
+            <a:extLst>
+              <a:ext uri="{FF2B5EF4-FFF2-40B4-BE49-F238E27FC236}">
+                <a16:creationId xmlns:a16="http://schemas.microsoft.com/office/drawing/2014/main" id="{CE92B13C-72F3-4C65-A210-14611E966E96}"/>
+              </a:ext>
+            </a:extLst>
+          </p:cNvPr>
+          <p:cNvSpPr>
+            <a:spLocks noGrp="1"/>
+          </p:cNvSpPr>
+          <p:nvPr>
+            <p:ph type="sldNum" sz="quarter" idx="12"/>
+          </p:nvPr>
+        </p:nvSpPr>
+        <p:spPr/>
+        <p:txBody>
+          <a:bodyPr/>
+          <a:lstStyle/>
+          <a:p>
+            <a:fld id="{CCCC54F5-AF54-4DEE-8C8A-6B071CAEC70F}" type="slidenum">
+              <a:rPr lang="zh-TW" altLang="en-US" smtClean="0"/>
+              <a:t>28</a:t>
+            </a:fld>
+            <a:endParaRPr lang="zh-TW" altLang="en-US"/>
+          </a:p>
+        </p:txBody>
+      </p:sp>
+    </p:spTree>
+    <p:extLst>
+      <p:ext uri="{BB962C8B-B14F-4D97-AF65-F5344CB8AC3E}">
+        <p14:creationId xmlns:p14="http://schemas.microsoft.com/office/powerpoint/2010/main" val="1984532448"/>
+      </p:ext>
+    </p:extLst>
+  </p:cSld>
+  <p:clrMapOvr>
+    <a:masterClrMapping/>
+  </p:clrMapOvr>
+</p:sld>
+</file>
+
+<file path=ppt/slides/slide29.xml><?xml version="1.0" encoding="utf-8"?>
+<p:sld xmlns:a="http://schemas.openxmlformats.org/drawingml/2006/main" xmlns:r="http://schemas.openxmlformats.org/officeDocument/2006/relationships" xmlns:p="http://schemas.openxmlformats.org/presentationml/2006/main">
+  <p:cSld>
+    <p:spTree>
+      <p:nvGrpSpPr>
+        <p:cNvPr id="1" name=""/>
+        <p:cNvGrpSpPr/>
+        <p:nvPr/>
+      </p:nvGrpSpPr>
+      <p:grpSpPr>
+        <a:xfrm>
+          <a:off x="0" y="0"/>
+          <a:ext cx="0" cy="0"/>
+          <a:chOff x="0" y="0"/>
+          <a:chExt cx="0" cy="0"/>
+        </a:xfrm>
+      </p:grpSpPr>
+      <p:sp>
+        <p:nvSpPr>
+          <p:cNvPr id="2" name="標題 1">
+            <a:extLst>
+              <a:ext uri="{FF2B5EF4-FFF2-40B4-BE49-F238E27FC236}">
+                <a16:creationId xmlns:a16="http://schemas.microsoft.com/office/drawing/2014/main" id="{70668945-B7EC-4556-B1F0-83C03F8657F1}"/>
+              </a:ext>
+            </a:extLst>
+          </p:cNvPr>
+          <p:cNvSpPr>
+            <a:spLocks noGrp="1"/>
+          </p:cNvSpPr>
+          <p:nvPr>
+            <p:ph type="title"/>
+          </p:nvPr>
+        </p:nvSpPr>
+        <p:spPr/>
+        <p:txBody>
+          <a:bodyPr/>
+          <a:lstStyle/>
+          <a:p>
+            <a:endParaRPr lang="zh-TW" altLang="en-US" dirty="0"/>
+          </a:p>
+        </p:txBody>
+      </p:sp>
+      <p:sp>
+        <p:nvSpPr>
+          <p:cNvPr id="3" name="內容版面配置區 2">
+            <a:extLst>
+              <a:ext uri="{FF2B5EF4-FFF2-40B4-BE49-F238E27FC236}">
+                <a16:creationId xmlns:a16="http://schemas.microsoft.com/office/drawing/2014/main" id="{0D4F3C9B-EBB8-43D4-9DB7-7FEAFCE6A300}"/>
+              </a:ext>
+            </a:extLst>
+          </p:cNvPr>
+          <p:cNvSpPr>
+            <a:spLocks noGrp="1"/>
+          </p:cNvSpPr>
+          <p:nvPr>
+            <p:ph idx="1"/>
+          </p:nvPr>
+        </p:nvSpPr>
+        <p:spPr/>
+        <p:txBody>
+          <a:bodyPr/>
+          <a:lstStyle/>
+          <a:p>
+            <a:r>
+              <a:rPr lang="zh-TW" altLang="en-US" dirty="0"/>
+              <a:t>林智仁教授 的 </a:t>
+            </a:r>
+            <a:r>
+              <a:rPr lang="en-US" altLang="zh-TW" dirty="0"/>
+              <a:t>SVM</a:t>
+            </a:r>
+          </a:p>
+          <a:p>
+            <a:endParaRPr lang="en-US" altLang="zh-TW" dirty="0"/>
+          </a:p>
+          <a:p>
+            <a:pPr lvl="1"/>
+            <a:r>
+              <a:rPr lang="en-US" altLang="zh-TW" dirty="0">
+                <a:hlinkClick r:id="rId2"/>
+              </a:rPr>
+              <a:t>https://www.csie.ntu.edu.tw/~cjlin/libsvm/</a:t>
+            </a:r>
+            <a:endParaRPr lang="en-US" altLang="zh-TW" dirty="0"/>
+          </a:p>
+          <a:p>
+            <a:pPr lvl="1"/>
+            <a:endParaRPr lang="en-US" altLang="zh-TW" dirty="0"/>
+          </a:p>
+          <a:p>
+            <a:pPr lvl="1"/>
+            <a:r>
+              <a:rPr lang="en-US" altLang="zh-TW" dirty="0">
+                <a:hlinkClick r:id="rId3"/>
+              </a:rPr>
+              <a:t>https://www.csie.ntu.edu.tw/~cjlin/papers/libsvm.pdf</a:t>
+            </a:r>
+            <a:endParaRPr lang="en-US" altLang="zh-TW" dirty="0"/>
+          </a:p>
+          <a:p>
+            <a:pPr lvl="1"/>
+            <a:endParaRPr lang="en-US" altLang="zh-TW" dirty="0"/>
+          </a:p>
+          <a:p>
+            <a:pPr lvl="1"/>
+            <a:r>
+              <a:rPr lang="en-US" altLang="zh-TW" dirty="0">
+                <a:hlinkClick r:id="rId4"/>
+              </a:rPr>
+              <a:t>https://www.csie.ntu.edu.tw/~cjlin/papers/guide/guide.pdf</a:t>
+            </a:r>
+            <a:endParaRPr lang="en-US" altLang="zh-TW" dirty="0"/>
+          </a:p>
+          <a:p>
+            <a:pPr lvl="1"/>
+            <a:endParaRPr lang="en-US" altLang="zh-TW" dirty="0"/>
+          </a:p>
+          <a:p>
+            <a:pPr lvl="1"/>
+            <a:endParaRPr lang="zh-TW" altLang="en-US" dirty="0"/>
+          </a:p>
+        </p:txBody>
+      </p:sp>
+      <p:sp>
+        <p:nvSpPr>
+          <p:cNvPr id="4" name="投影片編號版面配置區 3">
+            <a:extLst>
+              <a:ext uri="{FF2B5EF4-FFF2-40B4-BE49-F238E27FC236}">
+                <a16:creationId xmlns:a16="http://schemas.microsoft.com/office/drawing/2014/main" id="{33668A95-94A4-4B5B-9D9F-C06893B30BC4}"/>
+              </a:ext>
+            </a:extLst>
+          </p:cNvPr>
+          <p:cNvSpPr>
+            <a:spLocks noGrp="1"/>
+          </p:cNvSpPr>
+          <p:nvPr>
+            <p:ph type="sldNum" sz="quarter" idx="12"/>
+          </p:nvPr>
+        </p:nvSpPr>
+        <p:spPr/>
+        <p:txBody>
+          <a:bodyPr/>
+          <a:lstStyle/>
+          <a:p>
+            <a:fld id="{CCCC54F5-AF54-4DEE-8C8A-6B071CAEC70F}" type="slidenum">
+              <a:rPr lang="zh-TW" altLang="en-US" smtClean="0"/>
+              <a:t>29</a:t>
+            </a:fld>
+            <a:endParaRPr lang="zh-TW" altLang="en-US"/>
+          </a:p>
+        </p:txBody>
+      </p:sp>
+    </p:spTree>
+    <p:extLst>
+      <p:ext uri="{BB962C8B-B14F-4D97-AF65-F5344CB8AC3E}">
+        <p14:creationId xmlns:p14="http://schemas.microsoft.com/office/powerpoint/2010/main" val="3133043231"/>
+      </p:ext>
+    </p:extLst>
+  </p:cSld>
+  <p:clrMapOvr>
+    <a:masterClrMapping/>
+  </p:clrMapOvr>
+</p:sld>
+</file>
+
 <file path=ppt/slides/slide3.xml><?xml version="1.0" encoding="utf-8"?>
 <p:sld xmlns:a="http://schemas.openxmlformats.org/drawingml/2006/main" xmlns:r="http://schemas.openxmlformats.org/officeDocument/2006/relationships" xmlns:p="http://schemas.openxmlformats.org/presentationml/2006/main">
   <p:cSld>
@@ -11198,6 +14562,351 @@
     <p:extLst>
       <p:ext uri="{BB962C8B-B14F-4D97-AF65-F5344CB8AC3E}">
         <p14:creationId xmlns:p14="http://schemas.microsoft.com/office/powerpoint/2010/main" val="1343957738"/>
+      </p:ext>
+    </p:extLst>
+  </p:cSld>
+  <p:clrMapOvr>
+    <a:masterClrMapping/>
+  </p:clrMapOvr>
+</p:sld>
+</file>
+
+<file path=ppt/slides/slide30.xml><?xml version="1.0" encoding="utf-8"?>
+<p:sld xmlns:a="http://schemas.openxmlformats.org/drawingml/2006/main" xmlns:r="http://schemas.openxmlformats.org/officeDocument/2006/relationships" xmlns:p="http://schemas.openxmlformats.org/presentationml/2006/main">
+  <p:cSld>
+    <p:spTree>
+      <p:nvGrpSpPr>
+        <p:cNvPr id="1" name=""/>
+        <p:cNvGrpSpPr/>
+        <p:nvPr/>
+      </p:nvGrpSpPr>
+      <p:grpSpPr>
+        <a:xfrm>
+          <a:off x="0" y="0"/>
+          <a:ext cx="0" cy="0"/>
+          <a:chOff x="0" y="0"/>
+          <a:chExt cx="0" cy="0"/>
+        </a:xfrm>
+      </p:grpSpPr>
+      <p:sp>
+        <p:nvSpPr>
+          <p:cNvPr id="2" name="標題 1">
+            <a:extLst>
+              <a:ext uri="{FF2B5EF4-FFF2-40B4-BE49-F238E27FC236}">
+                <a16:creationId xmlns:a16="http://schemas.microsoft.com/office/drawing/2014/main" id="{BE42A195-7734-4D0A-91BC-49C559CAD56C}"/>
+              </a:ext>
+            </a:extLst>
+          </p:cNvPr>
+          <p:cNvSpPr>
+            <a:spLocks noGrp="1"/>
+          </p:cNvSpPr>
+          <p:nvPr>
+            <p:ph type="title"/>
+          </p:nvPr>
+        </p:nvSpPr>
+        <p:spPr/>
+        <p:txBody>
+          <a:bodyPr/>
+          <a:lstStyle/>
+          <a:p>
+            <a:endParaRPr lang="zh-TW" altLang="en-US" dirty="0"/>
+          </a:p>
+        </p:txBody>
+      </p:sp>
+      <p:sp>
+        <p:nvSpPr>
+          <p:cNvPr id="3" name="內容版面配置區 2">
+            <a:extLst>
+              <a:ext uri="{FF2B5EF4-FFF2-40B4-BE49-F238E27FC236}">
+                <a16:creationId xmlns:a16="http://schemas.microsoft.com/office/drawing/2014/main" id="{BD71F3E6-EDB2-423E-AD3A-8F4E5691E942}"/>
+              </a:ext>
+            </a:extLst>
+          </p:cNvPr>
+          <p:cNvSpPr>
+            <a:spLocks noGrp="1"/>
+          </p:cNvSpPr>
+          <p:nvPr>
+            <p:ph idx="1"/>
+          </p:nvPr>
+        </p:nvSpPr>
+        <p:spPr/>
+        <p:txBody>
+          <a:bodyPr/>
+          <a:lstStyle/>
+          <a:p>
+            <a:pPr marL="228600" marR="0" lvl="0" indent="-228600" algn="l" defTabSz="914400" rtl="0" eaLnBrk="1" fontAlgn="auto" latinLnBrk="0" hangingPunct="1">
+              <a:lnSpc>
+                <a:spcPct val="90000"/>
+              </a:lnSpc>
+              <a:spcBef>
+                <a:spcPts val="1000"/>
+              </a:spcBef>
+              <a:spcAft>
+                <a:spcPts val="0"/>
+              </a:spcAft>
+              <a:buClrTx/>
+              <a:buSzTx/>
+              <a:buFont typeface="Arial" panose="020B0604020202020204" pitchFamily="34" charset="0"/>
+              <a:buChar char="•"/>
+              <a:tabLst/>
+              <a:defRPr/>
+            </a:pPr>
+            <a:r>
+              <a:rPr lang="en-US" altLang="zh-TW" sz="2800" b="0" i="0" kern="1200" dirty="0">
+                <a:solidFill>
+                  <a:schemeClr val="tx1"/>
+                </a:solidFill>
+                <a:effectLst/>
+                <a:latin typeface="+mn-lt"/>
+                <a:ea typeface="+mn-ea"/>
+                <a:cs typeface="+mn-cs"/>
+              </a:rPr>
+              <a:t>Multiclass classification</a:t>
+            </a:r>
+          </a:p>
+          <a:p>
+            <a:pPr lvl="1"/>
+            <a:r>
+              <a:rPr lang="en-US" altLang="zh-TW" dirty="0">
+                <a:hlinkClick r:id="rId2"/>
+              </a:rPr>
+              <a:t>https://en.wikipedia.org/wiki/Multiclass_classification</a:t>
+            </a:r>
+            <a:endParaRPr lang="en-US" altLang="zh-TW" dirty="0"/>
+          </a:p>
+          <a:p>
+            <a:endParaRPr lang="en-US" altLang="zh-TW" dirty="0"/>
+          </a:p>
+          <a:p>
+            <a:pPr lvl="1"/>
+            <a:r>
+              <a:rPr lang="en-US" altLang="zh-TW" b="1" dirty="0"/>
+              <a:t>One-vs.-rest</a:t>
+            </a:r>
+          </a:p>
+          <a:p>
+            <a:pPr lvl="1"/>
+            <a:endParaRPr lang="en-US" altLang="zh-TW" b="1" dirty="0"/>
+          </a:p>
+          <a:p>
+            <a:pPr lvl="1"/>
+            <a:r>
+              <a:rPr lang="en-US" altLang="zh-TW" b="1" dirty="0"/>
+              <a:t>One-vs.-one</a:t>
+            </a:r>
+          </a:p>
+          <a:p>
+            <a:pPr lvl="2"/>
+            <a:r>
+              <a:rPr lang="en-US" altLang="zh-TW" i="1" dirty="0"/>
+              <a:t>K</a:t>
+            </a:r>
+            <a:r>
+              <a:rPr lang="en-US" altLang="zh-TW" dirty="0"/>
+              <a:t> (</a:t>
+            </a:r>
+            <a:r>
+              <a:rPr lang="en-US" altLang="zh-TW" i="1" dirty="0"/>
+              <a:t>K</a:t>
+            </a:r>
+            <a:r>
+              <a:rPr lang="en-US" altLang="zh-TW" dirty="0"/>
+              <a:t> − 1) / 2 binary classifiers for a </a:t>
+            </a:r>
+            <a:r>
+              <a:rPr lang="en-US" altLang="zh-TW" i="1" dirty="0"/>
+              <a:t>K</a:t>
+            </a:r>
+            <a:r>
+              <a:rPr lang="en-US" altLang="zh-TW" dirty="0"/>
+              <a:t>-way multiclass problem</a:t>
+            </a:r>
+          </a:p>
+          <a:p>
+            <a:pPr lvl="2"/>
+            <a:r>
+              <a:rPr lang="en-US" altLang="zh-TW" dirty="0"/>
+              <a:t>At prediction time, a voting scheme is applied</a:t>
+            </a:r>
+            <a:endParaRPr lang="en-US" altLang="zh-TW" b="1" dirty="0"/>
+          </a:p>
+          <a:p>
+            <a:endParaRPr lang="zh-TW" altLang="en-US" dirty="0"/>
+          </a:p>
+        </p:txBody>
+      </p:sp>
+      <p:sp>
+        <p:nvSpPr>
+          <p:cNvPr id="4" name="投影片編號版面配置區 3">
+            <a:extLst>
+              <a:ext uri="{FF2B5EF4-FFF2-40B4-BE49-F238E27FC236}">
+                <a16:creationId xmlns:a16="http://schemas.microsoft.com/office/drawing/2014/main" id="{F8396BB7-B6E0-448F-947C-65530215F033}"/>
+              </a:ext>
+            </a:extLst>
+          </p:cNvPr>
+          <p:cNvSpPr>
+            <a:spLocks noGrp="1"/>
+          </p:cNvSpPr>
+          <p:nvPr>
+            <p:ph type="sldNum" sz="quarter" idx="12"/>
+          </p:nvPr>
+        </p:nvSpPr>
+        <p:spPr/>
+        <p:txBody>
+          <a:bodyPr/>
+          <a:lstStyle/>
+          <a:p>
+            <a:fld id="{CCCC54F5-AF54-4DEE-8C8A-6B071CAEC70F}" type="slidenum">
+              <a:rPr lang="zh-TW" altLang="en-US" smtClean="0"/>
+              <a:t>30</a:t>
+            </a:fld>
+            <a:endParaRPr lang="zh-TW" altLang="en-US"/>
+          </a:p>
+        </p:txBody>
+      </p:sp>
+      <p:pic>
+        <p:nvPicPr>
+          <p:cNvPr id="5" name="圖片 4">
+            <a:extLst>
+              <a:ext uri="{FF2B5EF4-FFF2-40B4-BE49-F238E27FC236}">
+                <a16:creationId xmlns:a16="http://schemas.microsoft.com/office/drawing/2014/main" id="{DA72DA2B-0E90-4DFE-9D9E-F337C6DA7B7E}"/>
+              </a:ext>
+            </a:extLst>
+          </p:cNvPr>
+          <p:cNvPicPr>
+            <a:picLocks noChangeAspect="1"/>
+          </p:cNvPicPr>
+          <p:nvPr/>
+        </p:nvPicPr>
+        <p:blipFill>
+          <a:blip r:embed="rId3"/>
+          <a:stretch>
+            <a:fillRect/>
+          </a:stretch>
+        </p:blipFill>
+        <p:spPr>
+          <a:xfrm>
+            <a:off x="3688842" y="3429000"/>
+            <a:ext cx="2407158" cy="771525"/>
+          </a:xfrm>
+          <a:prstGeom prst="rect">
+            <a:avLst/>
+          </a:prstGeom>
+        </p:spPr>
+      </p:pic>
+    </p:spTree>
+    <p:extLst>
+      <p:ext uri="{BB962C8B-B14F-4D97-AF65-F5344CB8AC3E}">
+        <p14:creationId xmlns:p14="http://schemas.microsoft.com/office/powerpoint/2010/main" val="2241575209"/>
+      </p:ext>
+    </p:extLst>
+  </p:cSld>
+  <p:clrMapOvr>
+    <a:masterClrMapping/>
+  </p:clrMapOvr>
+</p:sld>
+</file>
+
+<file path=ppt/slides/slide31.xml><?xml version="1.0" encoding="utf-8"?>
+<p:sld xmlns:a="http://schemas.openxmlformats.org/drawingml/2006/main" xmlns:r="http://schemas.openxmlformats.org/officeDocument/2006/relationships" xmlns:p="http://schemas.openxmlformats.org/presentationml/2006/main">
+  <p:cSld>
+    <p:spTree>
+      <p:nvGrpSpPr>
+        <p:cNvPr id="1" name=""/>
+        <p:cNvGrpSpPr/>
+        <p:nvPr/>
+      </p:nvGrpSpPr>
+      <p:grpSpPr>
+        <a:xfrm>
+          <a:off x="0" y="0"/>
+          <a:ext cx="0" cy="0"/>
+          <a:chOff x="0" y="0"/>
+          <a:chExt cx="0" cy="0"/>
+        </a:xfrm>
+      </p:grpSpPr>
+      <p:sp>
+        <p:nvSpPr>
+          <p:cNvPr id="2" name="標題 1">
+            <a:extLst>
+              <a:ext uri="{FF2B5EF4-FFF2-40B4-BE49-F238E27FC236}">
+                <a16:creationId xmlns:a16="http://schemas.microsoft.com/office/drawing/2014/main" id="{D86A72C5-C883-43C9-B6BE-CFBE1FEBE990}"/>
+              </a:ext>
+            </a:extLst>
+          </p:cNvPr>
+          <p:cNvSpPr>
+            <a:spLocks noGrp="1"/>
+          </p:cNvSpPr>
+          <p:nvPr>
+            <p:ph type="title"/>
+          </p:nvPr>
+        </p:nvSpPr>
+        <p:spPr/>
+        <p:txBody>
+          <a:bodyPr/>
+          <a:lstStyle/>
+          <a:p>
+            <a:endParaRPr lang="zh-TW" altLang="en-US" dirty="0"/>
+          </a:p>
+        </p:txBody>
+      </p:sp>
+      <p:sp>
+        <p:nvSpPr>
+          <p:cNvPr id="3" name="內容版面配置區 2">
+            <a:extLst>
+              <a:ext uri="{FF2B5EF4-FFF2-40B4-BE49-F238E27FC236}">
+                <a16:creationId xmlns:a16="http://schemas.microsoft.com/office/drawing/2014/main" id="{CD5AE00C-D37A-497C-BD2D-AF875F46078D}"/>
+              </a:ext>
+            </a:extLst>
+          </p:cNvPr>
+          <p:cNvSpPr>
+            <a:spLocks noGrp="1"/>
+          </p:cNvSpPr>
+          <p:nvPr>
+            <p:ph idx="1"/>
+          </p:nvPr>
+        </p:nvSpPr>
+        <p:spPr/>
+        <p:txBody>
+          <a:bodyPr/>
+          <a:lstStyle/>
+          <a:p>
+            <a:endParaRPr lang="zh-TW" altLang="en-US"/>
+          </a:p>
+        </p:txBody>
+      </p:sp>
+      <p:sp>
+        <p:nvSpPr>
+          <p:cNvPr id="4" name="投影片編號版面配置區 3">
+            <a:extLst>
+              <a:ext uri="{FF2B5EF4-FFF2-40B4-BE49-F238E27FC236}">
+                <a16:creationId xmlns:a16="http://schemas.microsoft.com/office/drawing/2014/main" id="{AA6DD776-E7C0-429C-8F88-46D397EB3723}"/>
+              </a:ext>
+            </a:extLst>
+          </p:cNvPr>
+          <p:cNvSpPr>
+            <a:spLocks noGrp="1"/>
+          </p:cNvSpPr>
+          <p:nvPr>
+            <p:ph type="sldNum" sz="quarter" idx="12"/>
+          </p:nvPr>
+        </p:nvSpPr>
+        <p:spPr/>
+        <p:txBody>
+          <a:bodyPr/>
+          <a:lstStyle/>
+          <a:p>
+            <a:fld id="{CCCC54F5-AF54-4DEE-8C8A-6B071CAEC70F}" type="slidenum">
+              <a:rPr lang="zh-TW" altLang="en-US" smtClean="0"/>
+              <a:t>31</a:t>
+            </a:fld>
+            <a:endParaRPr lang="zh-TW" altLang="en-US"/>
+          </a:p>
+        </p:txBody>
+      </p:sp>
+    </p:spTree>
+    <p:extLst>
+      <p:ext uri="{BB962C8B-B14F-4D97-AF65-F5344CB8AC3E}">
+        <p14:creationId xmlns:p14="http://schemas.microsoft.com/office/powerpoint/2010/main" val="1348529545"/>
       </p:ext>
     </p:extLst>
   </p:cSld>

--- a/_Notes/03_Ch03.pptx
+++ b/_Notes/03_Ch03.pptx
@@ -5,7 +5,7 @@
     <p:sldMasterId id="2147483648" r:id="rId1"/>
   </p:sldMasterIdLst>
   <p:notesMasterIdLst>
-    <p:notesMasterId r:id="rId33"/>
+    <p:notesMasterId r:id="rId37"/>
   </p:notesMasterIdLst>
   <p:sldIdLst>
     <p:sldId id="256" r:id="rId2"/>
@@ -35,10 +35,14 @@
     <p:sldId id="280" r:id="rId26"/>
     <p:sldId id="281" r:id="rId27"/>
     <p:sldId id="282" r:id="rId28"/>
-    <p:sldId id="283" r:id="rId29"/>
-    <p:sldId id="285" r:id="rId30"/>
-    <p:sldId id="286" r:id="rId31"/>
-    <p:sldId id="288" r:id="rId32"/>
+    <p:sldId id="293" r:id="rId29"/>
+    <p:sldId id="294" r:id="rId30"/>
+    <p:sldId id="295" r:id="rId31"/>
+    <p:sldId id="296" r:id="rId32"/>
+    <p:sldId id="283" r:id="rId33"/>
+    <p:sldId id="285" r:id="rId34"/>
+    <p:sldId id="286" r:id="rId35"/>
+    <p:sldId id="288" r:id="rId36"/>
   </p:sldIdLst>
   <p:sldSz cx="12192000" cy="6858000"/>
   <p:notesSz cx="6858000" cy="9144000"/>
@@ -149,6 +153,7 @@
 <p1510:revInfo xmlns:a="http://schemas.openxmlformats.org/drawingml/2006/main" xmlns:r="http://schemas.openxmlformats.org/officeDocument/2006/relationships" xmlns:p1510="http://schemas.microsoft.com/office/powerpoint/2015/10/main">
   <p1510:revLst>
     <p1510:client id="{2C80F086-841D-467C-90DD-7B623516EE48}" v="127" dt="2018-10-18T02:21:53.813"/>
+    <p1510:client id="{1E327210-1C83-47B9-AD7A-7CFAF9480590}" v="1548" dt="2018-10-18T06:39:37.950"/>
   </p1510:revLst>
 </p1510:revInfo>
 </file>
@@ -156,197 +161,663 @@
 <file path=ppt/changesInfos/changesInfo1.xml><?xml version="1.0" encoding="utf-8"?>
 <pc:chgInfo xmlns:a="http://schemas.openxmlformats.org/drawingml/2006/main" xmlns:r="http://schemas.openxmlformats.org/officeDocument/2006/relationships" xmlns:ac="http://schemas.microsoft.com/office/drawing/2013/main/command" xmlns:pc="http://schemas.microsoft.com/office/powerpoint/2013/main/command">
   <pc:docChgLst>
-    <pc:chgData name="Renyuan Lyu" userId="eadeb139afb46539" providerId="LiveId" clId="{CAAE2515-E7CE-422E-8642-3EB0356797BA}"/>
-    <pc:docChg chg="addSld delSld modSld">
-      <pc:chgData name="Renyuan Lyu" userId="eadeb139afb46539" providerId="LiveId" clId="{CAAE2515-E7CE-422E-8642-3EB0356797BA}" dt="2018-10-17T14:40:56.217" v="121" actId="1076"/>
+    <pc:chgData name="Renyuan Lyu" userId="eadeb139afb46539" providerId="LiveId" clId="{1E327210-1C83-47B9-AD7A-7CFAF9480590}"/>
+    <pc:docChg chg="undo custSel addSld modSld">
+      <pc:chgData name="Renyuan Lyu" userId="eadeb139afb46539" providerId="LiveId" clId="{1E327210-1C83-47B9-AD7A-7CFAF9480590}" dt="2018-10-18T06:39:37.950" v="1797" actId="11529"/>
       <pc:docMkLst>
         <pc:docMk/>
       </pc:docMkLst>
-      <pc:sldChg chg="modSp add">
-        <pc:chgData name="Renyuan Lyu" userId="eadeb139afb46539" providerId="LiveId" clId="{CAAE2515-E7CE-422E-8642-3EB0356797BA}" dt="2018-10-17T13:32:02.912" v="17" actId="20577"/>
+      <pc:sldChg chg="addSp delSp modSp add">
+        <pc:chgData name="Renyuan Lyu" userId="eadeb139afb46539" providerId="LiveId" clId="{1E327210-1C83-47B9-AD7A-7CFAF9480590}" dt="2018-10-18T05:39:15.075" v="1092" actId="1035"/>
         <pc:sldMkLst>
           <pc:docMk/>
-          <pc:sldMk cId="1984532448" sldId="283"/>
+          <pc:sldMk cId="1284876871" sldId="293"/>
         </pc:sldMkLst>
-        <pc:spChg chg="mod">
-          <ac:chgData name="Renyuan Lyu" userId="eadeb139afb46539" providerId="LiveId" clId="{CAAE2515-E7CE-422E-8642-3EB0356797BA}" dt="2018-10-17T13:32:02.912" v="17" actId="20577"/>
+        <pc:spChg chg="del mod">
+          <ac:chgData name="Renyuan Lyu" userId="eadeb139afb46539" providerId="LiveId" clId="{1E327210-1C83-47B9-AD7A-7CFAF9480590}" dt="2018-10-18T02:31:36.704" v="19" actId="478"/>
           <ac:spMkLst>
             <pc:docMk/>
-            <pc:sldMk cId="1984532448" sldId="283"/>
-            <ac:spMk id="3" creationId="{3AB9C897-862D-4E59-B660-A0B8BCFB3E1C}"/>
+            <pc:sldMk cId="1284876871" sldId="293"/>
+            <ac:spMk id="2" creationId="{4F51A088-6D98-4C59-A792-7F622ECA8ABD}"/>
           </ac:spMkLst>
         </pc:spChg>
-      </pc:sldChg>
-      <pc:sldChg chg="add del">
-        <pc:chgData name="Renyuan Lyu" userId="eadeb139afb46539" providerId="LiveId" clId="{CAAE2515-E7CE-422E-8642-3EB0356797BA}" dt="2018-10-17T13:26:30.830" v="4" actId="2696"/>
-        <pc:sldMkLst>
-          <pc:docMk/>
-          <pc:sldMk cId="3362457518" sldId="284"/>
-        </pc:sldMkLst>
-      </pc:sldChg>
-      <pc:sldChg chg="modSp add">
-        <pc:chgData name="Renyuan Lyu" userId="eadeb139afb46539" providerId="LiveId" clId="{CAAE2515-E7CE-422E-8642-3EB0356797BA}" dt="2018-10-17T13:42:23.237" v="97" actId="20577"/>
-        <pc:sldMkLst>
-          <pc:docMk/>
-          <pc:sldMk cId="3133043231" sldId="285"/>
-        </pc:sldMkLst>
         <pc:spChg chg="mod">
-          <ac:chgData name="Renyuan Lyu" userId="eadeb139afb46539" providerId="LiveId" clId="{CAAE2515-E7CE-422E-8642-3EB0356797BA}" dt="2018-10-17T13:42:23.237" v="97" actId="20577"/>
+          <ac:chgData name="Renyuan Lyu" userId="eadeb139afb46539" providerId="LiveId" clId="{1E327210-1C83-47B9-AD7A-7CFAF9480590}" dt="2018-10-18T02:31:40.820" v="20" actId="1076"/>
           <ac:spMkLst>
             <pc:docMk/>
-            <pc:sldMk cId="3133043231" sldId="285"/>
-            <ac:spMk id="3" creationId="{0D4F3C9B-EBB8-43D4-9DB7-7FEAFCE6A300}"/>
+            <pc:sldMk cId="1284876871" sldId="293"/>
+            <ac:spMk id="3" creationId="{C5BCCBF5-B50F-40A7-B300-C79D66084FE4}"/>
           </ac:spMkLst>
         </pc:spChg>
-      </pc:sldChg>
-      <pc:sldChg chg="addSp modSp add">
-        <pc:chgData name="Renyuan Lyu" userId="eadeb139afb46539" providerId="LiveId" clId="{CAAE2515-E7CE-422E-8642-3EB0356797BA}" dt="2018-10-17T14:40:56.217" v="121" actId="1076"/>
-        <pc:sldMkLst>
-          <pc:docMk/>
-          <pc:sldMk cId="2241575209" sldId="286"/>
-        </pc:sldMkLst>
-        <pc:spChg chg="mod">
-          <ac:chgData name="Renyuan Lyu" userId="eadeb139afb46539" providerId="LiveId" clId="{CAAE2515-E7CE-422E-8642-3EB0356797BA}" dt="2018-10-17T14:40:12.637" v="118"/>
+        <pc:spChg chg="add del mod">
+          <ac:chgData name="Renyuan Lyu" userId="eadeb139afb46539" providerId="LiveId" clId="{1E327210-1C83-47B9-AD7A-7CFAF9480590}" dt="2018-10-18T02:29:43.742" v="5" actId="478"/>
           <ac:spMkLst>
             <pc:docMk/>
-            <pc:sldMk cId="2241575209" sldId="286"/>
-            <ac:spMk id="3" creationId="{BD71F3E6-EDB2-423E-AD3A-8F4E5691E942}"/>
+            <pc:sldMk cId="1284876871" sldId="293"/>
+            <ac:spMk id="5" creationId="{1F72D614-068C-48CA-BC29-14932228A128}"/>
+          </ac:spMkLst>
+        </pc:spChg>
+        <pc:spChg chg="add del mod">
+          <ac:chgData name="Renyuan Lyu" userId="eadeb139afb46539" providerId="LiveId" clId="{1E327210-1C83-47B9-AD7A-7CFAF9480590}" dt="2018-10-18T03:10:44.522" v="88"/>
+          <ac:spMkLst>
+            <pc:docMk/>
+            <pc:sldMk cId="1284876871" sldId="293"/>
+            <ac:spMk id="13" creationId="{C470F338-DCCE-4067-856C-CD42E3559C9B}"/>
+          </ac:spMkLst>
+        </pc:spChg>
+        <pc:spChg chg="add del mod">
+          <ac:chgData name="Renyuan Lyu" userId="eadeb139afb46539" providerId="LiveId" clId="{1E327210-1C83-47B9-AD7A-7CFAF9480590}" dt="2018-10-18T03:11:19.841" v="110"/>
+          <ac:spMkLst>
+            <pc:docMk/>
+            <pc:sldMk cId="1284876871" sldId="293"/>
+            <ac:spMk id="14" creationId="{834629D9-45EC-435A-9015-7F7D9FBD58E0}"/>
+          </ac:spMkLst>
+        </pc:spChg>
+        <pc:spChg chg="add mod">
+          <ac:chgData name="Renyuan Lyu" userId="eadeb139afb46539" providerId="LiveId" clId="{1E327210-1C83-47B9-AD7A-7CFAF9480590}" dt="2018-10-18T03:12:38.717" v="119" actId="1076"/>
+          <ac:spMkLst>
+            <pc:docMk/>
+            <pc:sldMk cId="1284876871" sldId="293"/>
+            <ac:spMk id="15" creationId="{663CB282-B0C4-4507-8B40-92921778B5F7}"/>
+          </ac:spMkLst>
+        </pc:spChg>
+        <pc:spChg chg="add del mod">
+          <ac:chgData name="Renyuan Lyu" userId="eadeb139afb46539" providerId="LiveId" clId="{1E327210-1C83-47B9-AD7A-7CFAF9480590}" dt="2018-10-18T03:13:21.401" v="122"/>
+          <ac:spMkLst>
+            <pc:docMk/>
+            <pc:sldMk cId="1284876871" sldId="293"/>
+            <ac:spMk id="16" creationId="{C9995754-BC31-4696-B91F-64A1591FFF71}"/>
+          </ac:spMkLst>
+        </pc:spChg>
+        <pc:spChg chg="mod">
+          <ac:chgData name="Renyuan Lyu" userId="eadeb139afb46539" providerId="LiveId" clId="{1E327210-1C83-47B9-AD7A-7CFAF9480590}" dt="2018-10-18T03:14:30.313" v="129" actId="1076"/>
+          <ac:spMkLst>
+            <pc:docMk/>
+            <pc:sldMk cId="1284876871" sldId="293"/>
+            <ac:spMk id="17" creationId="{25094ABF-ED64-4170-AA66-F404EAFFC0C0}"/>
+          </ac:spMkLst>
+        </pc:spChg>
+        <pc:spChg chg="add mod">
+          <ac:chgData name="Renyuan Lyu" userId="eadeb139afb46539" providerId="LiveId" clId="{1E327210-1C83-47B9-AD7A-7CFAF9480590}" dt="2018-10-18T05:39:15.075" v="1092" actId="1035"/>
+          <ac:spMkLst>
+            <pc:docMk/>
+            <pc:sldMk cId="1284876871" sldId="293"/>
+            <ac:spMk id="18" creationId="{6B8FF6F3-29CF-487C-890E-3B9E8A04183D}"/>
+          </ac:spMkLst>
+        </pc:spChg>
+        <pc:spChg chg="add mod">
+          <ac:chgData name="Renyuan Lyu" userId="eadeb139afb46539" providerId="LiveId" clId="{1E327210-1C83-47B9-AD7A-7CFAF9480590}" dt="2018-10-18T05:38:12.495" v="1080" actId="1076"/>
+          <ac:spMkLst>
+            <pc:docMk/>
+            <pc:sldMk cId="1284876871" sldId="293"/>
+            <ac:spMk id="19" creationId="{DDD7463B-4E9C-43E2-B2D1-38603648F7B2}"/>
+          </ac:spMkLst>
+        </pc:spChg>
+        <pc:spChg chg="add del mod">
+          <ac:chgData name="Renyuan Lyu" userId="eadeb139afb46539" providerId="LiveId" clId="{1E327210-1C83-47B9-AD7A-7CFAF9480590}" dt="2018-10-18T03:19:22.774" v="138" actId="478"/>
+          <ac:spMkLst>
+            <pc:docMk/>
+            <pc:sldMk cId="1284876871" sldId="293"/>
+            <ac:spMk id="20" creationId="{ADF56FF4-B49C-4338-8E99-B04547A1AC4A}"/>
           </ac:spMkLst>
         </pc:spChg>
         <pc:picChg chg="add mod">
-          <ac:chgData name="Renyuan Lyu" userId="eadeb139afb46539" providerId="LiveId" clId="{CAAE2515-E7CE-422E-8642-3EB0356797BA}" dt="2018-10-17T14:40:56.217" v="121" actId="1076"/>
+          <ac:chgData name="Renyuan Lyu" userId="eadeb139afb46539" providerId="LiveId" clId="{1E327210-1C83-47B9-AD7A-7CFAF9480590}" dt="2018-10-18T05:38:04.467" v="1079" actId="1076"/>
           <ac:picMkLst>
             <pc:docMk/>
-            <pc:sldMk cId="2241575209" sldId="286"/>
-            <ac:picMk id="5" creationId="{DA72DA2B-0E90-4DFE-9D9E-F337C6DA7B7E}"/>
+            <pc:sldMk cId="1284876871" sldId="293"/>
+            <ac:picMk id="6" creationId="{8E2441A8-F895-4C29-B001-90C6E9B5BFFD}"/>
+          </ac:picMkLst>
+        </pc:picChg>
+        <pc:picChg chg="add mod">
+          <ac:chgData name="Renyuan Lyu" userId="eadeb139afb46539" providerId="LiveId" clId="{1E327210-1C83-47B9-AD7A-7CFAF9480590}" dt="2018-10-18T05:37:33.601" v="1076" actId="692"/>
+          <ac:picMkLst>
+            <pc:docMk/>
+            <pc:sldMk cId="1284876871" sldId="293"/>
+            <ac:picMk id="7" creationId="{34F6C91E-704D-47BB-835A-815C61525ABC}"/>
+          </ac:picMkLst>
+        </pc:picChg>
+        <pc:picChg chg="add mod">
+          <ac:chgData name="Renyuan Lyu" userId="eadeb139afb46539" providerId="LiveId" clId="{1E327210-1C83-47B9-AD7A-7CFAF9480590}" dt="2018-10-18T05:36:37.901" v="1016" actId="1076"/>
+          <ac:picMkLst>
+            <pc:docMk/>
+            <pc:sldMk cId="1284876871" sldId="293"/>
+            <ac:picMk id="8" creationId="{4CC9103F-2D09-4439-9678-DBD5AE9BB04C}"/>
+          </ac:picMkLst>
+        </pc:picChg>
+        <pc:picChg chg="add mod">
+          <ac:chgData name="Renyuan Lyu" userId="eadeb139afb46539" providerId="LiveId" clId="{1E327210-1C83-47B9-AD7A-7CFAF9480590}" dt="2018-10-18T05:36:39.965" v="1017" actId="1076"/>
+          <ac:picMkLst>
+            <pc:docMk/>
+            <pc:sldMk cId="1284876871" sldId="293"/>
+            <ac:picMk id="9" creationId="{955372A8-EA4F-46D2-BC4C-53F90CAD40FF}"/>
+          </ac:picMkLst>
+        </pc:picChg>
+        <pc:picChg chg="add del mod">
+          <ac:chgData name="Renyuan Lyu" userId="eadeb139afb46539" providerId="LiveId" clId="{1E327210-1C83-47B9-AD7A-7CFAF9480590}" dt="2018-10-18T03:11:34.323" v="111" actId="478"/>
+          <ac:picMkLst>
+            <pc:docMk/>
+            <pc:sldMk cId="1284876871" sldId="293"/>
+            <ac:picMk id="10" creationId="{1F25ED33-CD41-41CA-AF2F-85103B754689}"/>
+          </ac:picMkLst>
+        </pc:picChg>
+        <pc:picChg chg="add del mod">
+          <ac:chgData name="Renyuan Lyu" userId="eadeb139afb46539" providerId="LiveId" clId="{1E327210-1C83-47B9-AD7A-7CFAF9480590}" dt="2018-10-18T03:11:35.106" v="112" actId="478"/>
+          <ac:picMkLst>
+            <pc:docMk/>
+            <pc:sldMk cId="1284876871" sldId="293"/>
+            <ac:picMk id="11" creationId="{E7F5A4A0-888F-401D-B1AE-D5CC8A7F84B8}"/>
+          </ac:picMkLst>
+        </pc:picChg>
+        <pc:picChg chg="add del mod">
+          <ac:chgData name="Renyuan Lyu" userId="eadeb139afb46539" providerId="LiveId" clId="{1E327210-1C83-47B9-AD7A-7CFAF9480590}" dt="2018-10-18T02:37:21.146" v="44" actId="478"/>
+          <ac:picMkLst>
+            <pc:docMk/>
+            <pc:sldMk cId="1284876871" sldId="293"/>
+            <ac:picMk id="12" creationId="{70229E7F-4BC6-4A92-BE86-00553B3894A4}"/>
+          </ac:picMkLst>
+        </pc:picChg>
+        <pc:picChg chg="add del mod">
+          <ac:chgData name="Renyuan Lyu" userId="eadeb139afb46539" providerId="LiveId" clId="{1E327210-1C83-47B9-AD7A-7CFAF9480590}" dt="2018-10-18T03:19:47.825" v="141" actId="478"/>
+          <ac:picMkLst>
+            <pc:docMk/>
+            <pc:sldMk cId="1284876871" sldId="293"/>
+            <ac:picMk id="21" creationId="{E85A9764-66A2-43D1-9DC0-BA6B6DAA2689}"/>
           </ac:picMkLst>
         </pc:picChg>
       </pc:sldChg>
-      <pc:sldChg chg="modSp add del">
-        <pc:chgData name="Renyuan Lyu" userId="eadeb139afb46539" providerId="LiveId" clId="{CAAE2515-E7CE-422E-8642-3EB0356797BA}" dt="2018-10-17T13:38:57.944" v="19" actId="2696"/>
+      <pc:sldChg chg="addSp delSp modSp add">
+        <pc:chgData name="Renyuan Lyu" userId="eadeb139afb46539" providerId="LiveId" clId="{1E327210-1C83-47B9-AD7A-7CFAF9480590}" dt="2018-10-18T05:40:13.975" v="1126" actId="478"/>
         <pc:sldMkLst>
           <pc:docMk/>
-          <pc:sldMk cId="1228458988" sldId="287"/>
+          <pc:sldMk cId="409775660" sldId="294"/>
         </pc:sldMkLst>
         <pc:spChg chg="mod">
-          <ac:chgData name="Renyuan Lyu" userId="eadeb139afb46539" providerId="LiveId" clId="{CAAE2515-E7CE-422E-8642-3EB0356797BA}" dt="2018-10-17T13:38:57.641" v="18"/>
+          <ac:chgData name="Renyuan Lyu" userId="eadeb139afb46539" providerId="LiveId" clId="{1E327210-1C83-47B9-AD7A-7CFAF9480590}" dt="2018-10-18T05:15:50.132" v="679" actId="20577"/>
           <ac:spMkLst>
             <pc:docMk/>
-            <pc:sldMk cId="1228458988" sldId="287"/>
-            <ac:spMk id="2" creationId="{F8A5E7A0-3332-4DD4-BE94-5E3B56B01EA2}"/>
+            <pc:sldMk cId="409775660" sldId="294"/>
+            <ac:spMk id="2" creationId="{EA99FA77-94AF-45D4-9139-0BD5CC6FAC34}"/>
           </ac:spMkLst>
         </pc:spChg>
+        <pc:spChg chg="del mod">
+          <ac:chgData name="Renyuan Lyu" userId="eadeb139afb46539" providerId="LiveId" clId="{1E327210-1C83-47B9-AD7A-7CFAF9480590}" dt="2018-10-18T04:40:41.334" v="334" actId="478"/>
+          <ac:spMkLst>
+            <pc:docMk/>
+            <pc:sldMk cId="409775660" sldId="294"/>
+            <ac:spMk id="3" creationId="{B37BD8C7-78B2-43BF-920A-6F50B1E62C68}"/>
+          </ac:spMkLst>
+        </pc:spChg>
+        <pc:spChg chg="add del">
+          <ac:chgData name="Renyuan Lyu" userId="eadeb139afb46539" providerId="LiveId" clId="{1E327210-1C83-47B9-AD7A-7CFAF9480590}" dt="2018-10-18T03:20:17.282" v="145" actId="478"/>
+          <ac:spMkLst>
+            <pc:docMk/>
+            <pc:sldMk cId="409775660" sldId="294"/>
+            <ac:spMk id="5" creationId="{F0C61730-C37C-4AC2-8A0B-1772401B20C0}"/>
+          </ac:spMkLst>
+        </pc:spChg>
+        <pc:spChg chg="add del mod">
+          <ac:chgData name="Renyuan Lyu" userId="eadeb139afb46539" providerId="LiveId" clId="{1E327210-1C83-47B9-AD7A-7CFAF9480590}" dt="2018-10-18T04:34:54.382" v="241"/>
+          <ac:spMkLst>
+            <pc:docMk/>
+            <pc:sldMk cId="409775660" sldId="294"/>
+            <ac:spMk id="12" creationId="{B5A0CE3E-B2CF-426E-A685-3421F2DB6521}"/>
+          </ac:spMkLst>
+        </pc:spChg>
+        <pc:spChg chg="add mod">
+          <ac:chgData name="Renyuan Lyu" userId="eadeb139afb46539" providerId="LiveId" clId="{1E327210-1C83-47B9-AD7A-7CFAF9480590}" dt="2018-10-18T05:35:53.564" v="1010" actId="1076"/>
+          <ac:spMkLst>
+            <pc:docMk/>
+            <pc:sldMk cId="409775660" sldId="294"/>
+            <ac:spMk id="13" creationId="{0C6760C6-D341-45F2-B20C-C59FC74CC2E3}"/>
+          </ac:spMkLst>
+        </pc:spChg>
+        <pc:spChg chg="add del mod">
+          <ac:chgData name="Renyuan Lyu" userId="eadeb139afb46539" providerId="LiveId" clId="{1E327210-1C83-47B9-AD7A-7CFAF9480590}" dt="2018-10-18T04:40:53.611" v="336" actId="478"/>
+          <ac:spMkLst>
+            <pc:docMk/>
+            <pc:sldMk cId="409775660" sldId="294"/>
+            <ac:spMk id="15" creationId="{CA628070-914B-471D-A014-8CA8617DE582}"/>
+          </ac:spMkLst>
+        </pc:spChg>
+        <pc:spChg chg="add mod">
+          <ac:chgData name="Renyuan Lyu" userId="eadeb139afb46539" providerId="LiveId" clId="{1E327210-1C83-47B9-AD7A-7CFAF9480590}" dt="2018-10-18T05:28:10.998" v="865" actId="207"/>
+          <ac:spMkLst>
+            <pc:docMk/>
+            <pc:sldMk cId="409775660" sldId="294"/>
+            <ac:spMk id="21" creationId="{6A5FAF63-3854-4538-9D22-4AD7EF586838}"/>
+          </ac:spMkLst>
+        </pc:spChg>
+        <pc:spChg chg="add mod">
+          <ac:chgData name="Renyuan Lyu" userId="eadeb139afb46539" providerId="LiveId" clId="{1E327210-1C83-47B9-AD7A-7CFAF9480590}" dt="2018-10-18T05:25:53.867" v="832" actId="164"/>
+          <ac:spMkLst>
+            <pc:docMk/>
+            <pc:sldMk cId="409775660" sldId="294"/>
+            <ac:spMk id="22" creationId="{0EFEB014-7EA9-4490-A979-19822665FD9D}"/>
+          </ac:spMkLst>
+        </pc:spChg>
+        <pc:spChg chg="add mod">
+          <ac:chgData name="Renyuan Lyu" userId="eadeb139afb46539" providerId="LiveId" clId="{1E327210-1C83-47B9-AD7A-7CFAF9480590}" dt="2018-10-18T05:25:53.867" v="832" actId="164"/>
+          <ac:spMkLst>
+            <pc:docMk/>
+            <pc:sldMk cId="409775660" sldId="294"/>
+            <ac:spMk id="27" creationId="{8C5E7026-D8FD-4FEF-98D5-37A1038050AE}"/>
+          </ac:spMkLst>
+        </pc:spChg>
+        <pc:spChg chg="add mod">
+          <ac:chgData name="Renyuan Lyu" userId="eadeb139afb46539" providerId="LiveId" clId="{1E327210-1C83-47B9-AD7A-7CFAF9480590}" dt="2018-10-18T05:28:21.023" v="867" actId="207"/>
+          <ac:spMkLst>
+            <pc:docMk/>
+            <pc:sldMk cId="409775660" sldId="294"/>
+            <ac:spMk id="28" creationId="{C712F588-13FB-4A8A-B015-0D8FBB0816CB}"/>
+          </ac:spMkLst>
+        </pc:spChg>
+        <pc:spChg chg="add mod">
+          <ac:chgData name="Renyuan Lyu" userId="eadeb139afb46539" providerId="LiveId" clId="{1E327210-1C83-47B9-AD7A-7CFAF9480590}" dt="2018-10-18T05:28:33.077" v="869" actId="207"/>
+          <ac:spMkLst>
+            <pc:docMk/>
+            <pc:sldMk cId="409775660" sldId="294"/>
+            <ac:spMk id="29" creationId="{A496B889-999F-486A-A8AC-D5D1D177B208}"/>
+          </ac:spMkLst>
+        </pc:spChg>
+        <pc:spChg chg="add del mod">
+          <ac:chgData name="Renyuan Lyu" userId="eadeb139afb46539" providerId="LiveId" clId="{1E327210-1C83-47B9-AD7A-7CFAF9480590}" dt="2018-10-18T05:06:03.920" v="517" actId="478"/>
+          <ac:spMkLst>
+            <pc:docMk/>
+            <pc:sldMk cId="409775660" sldId="294"/>
+            <ac:spMk id="30" creationId="{EEDBD01F-DECF-4E09-8C50-E7144E01EA98}"/>
+          </ac:spMkLst>
+        </pc:spChg>
+        <pc:spChg chg="add del mod">
+          <ac:chgData name="Renyuan Lyu" userId="eadeb139afb46539" providerId="LiveId" clId="{1E327210-1C83-47B9-AD7A-7CFAF9480590}" dt="2018-10-18T05:06:24.158" v="522"/>
+          <ac:spMkLst>
+            <pc:docMk/>
+            <pc:sldMk cId="409775660" sldId="294"/>
+            <ac:spMk id="31" creationId="{69C39B1C-725D-4746-AAE9-9E984B539781}"/>
+          </ac:spMkLst>
+        </pc:spChg>
+        <pc:spChg chg="add del mod">
+          <ac:chgData name="Renyuan Lyu" userId="eadeb139afb46539" providerId="LiveId" clId="{1E327210-1C83-47B9-AD7A-7CFAF9480590}" dt="2018-10-18T05:06:24.158" v="520" actId="478"/>
+          <ac:spMkLst>
+            <pc:docMk/>
+            <pc:sldMk cId="409775660" sldId="294"/>
+            <ac:spMk id="32" creationId="{9EA12B32-40FB-4CA0-B803-C55DBB02C86C}"/>
+          </ac:spMkLst>
+        </pc:spChg>
+        <pc:spChg chg="add del mod">
+          <ac:chgData name="Renyuan Lyu" userId="eadeb139afb46539" providerId="LiveId" clId="{1E327210-1C83-47B9-AD7A-7CFAF9480590}" dt="2018-10-18T05:10:26.900" v="545" actId="478"/>
+          <ac:spMkLst>
+            <pc:docMk/>
+            <pc:sldMk cId="409775660" sldId="294"/>
+            <ac:spMk id="33" creationId="{2323CE84-3F0B-4887-AA53-CCE83F283D0E}"/>
+          </ac:spMkLst>
+        </pc:spChg>
+        <pc:spChg chg="add mod">
+          <ac:chgData name="Renyuan Lyu" userId="eadeb139afb46539" providerId="LiveId" clId="{1E327210-1C83-47B9-AD7A-7CFAF9480590}" dt="2018-10-18T05:28:17.862" v="866" actId="207"/>
+          <ac:spMkLst>
+            <pc:docMk/>
+            <pc:sldMk cId="409775660" sldId="294"/>
+            <ac:spMk id="34" creationId="{BA78233C-9E5B-4A9B-AEB6-05DD5EC7173A}"/>
+          </ac:spMkLst>
+        </pc:spChg>
+        <pc:spChg chg="add del mod">
+          <ac:chgData name="Renyuan Lyu" userId="eadeb139afb46539" providerId="LiveId" clId="{1E327210-1C83-47B9-AD7A-7CFAF9480590}" dt="2018-10-18T05:10:28.602" v="546" actId="478"/>
+          <ac:spMkLst>
+            <pc:docMk/>
+            <pc:sldMk cId="409775660" sldId="294"/>
+            <ac:spMk id="35" creationId="{E88098CD-7D28-4920-A442-035DD641BBFF}"/>
+          </ac:spMkLst>
+        </pc:spChg>
+        <pc:spChg chg="add mod">
+          <ac:chgData name="Renyuan Lyu" userId="eadeb139afb46539" providerId="LiveId" clId="{1E327210-1C83-47B9-AD7A-7CFAF9480590}" dt="2018-10-18T05:25:53.867" v="832" actId="164"/>
+          <ac:spMkLst>
+            <pc:docMk/>
+            <pc:sldMk cId="409775660" sldId="294"/>
+            <ac:spMk id="36" creationId="{AEE5215E-40FA-465A-8F81-ECB753DB3E86}"/>
+          </ac:spMkLst>
+        </pc:spChg>
+        <pc:spChg chg="add mod">
+          <ac:chgData name="Renyuan Lyu" userId="eadeb139afb46539" providerId="LiveId" clId="{1E327210-1C83-47B9-AD7A-7CFAF9480590}" dt="2018-10-18T05:25:53.867" v="832" actId="164"/>
+          <ac:spMkLst>
+            <pc:docMk/>
+            <pc:sldMk cId="409775660" sldId="294"/>
+            <ac:spMk id="38" creationId="{E26A9573-9091-43B3-9D0F-4F0E170F3CD5}"/>
+          </ac:spMkLst>
+        </pc:spChg>
+        <pc:spChg chg="add mod">
+          <ac:chgData name="Renyuan Lyu" userId="eadeb139afb46539" providerId="LiveId" clId="{1E327210-1C83-47B9-AD7A-7CFAF9480590}" dt="2018-10-18T05:25:53.867" v="832" actId="164"/>
+          <ac:spMkLst>
+            <pc:docMk/>
+            <pc:sldMk cId="409775660" sldId="294"/>
+            <ac:spMk id="41" creationId="{43B143E4-7E04-4635-ACE6-B1589567B866}"/>
+          </ac:spMkLst>
+        </pc:spChg>
+        <pc:spChg chg="add mod">
+          <ac:chgData name="Renyuan Lyu" userId="eadeb139afb46539" providerId="LiveId" clId="{1E327210-1C83-47B9-AD7A-7CFAF9480590}" dt="2018-10-18T05:36:02.219" v="1011" actId="164"/>
+          <ac:spMkLst>
+            <pc:docMk/>
+            <pc:sldMk cId="409775660" sldId="294"/>
+            <ac:spMk id="43" creationId="{F565376C-704E-4F5C-B9C4-343AAA1CF186}"/>
+          </ac:spMkLst>
+        </pc:spChg>
+        <pc:spChg chg="add mod">
+          <ac:chgData name="Renyuan Lyu" userId="eadeb139afb46539" providerId="LiveId" clId="{1E327210-1C83-47B9-AD7A-7CFAF9480590}" dt="2018-10-18T05:36:17.999" v="1015" actId="1076"/>
+          <ac:spMkLst>
+            <pc:docMk/>
+            <pc:sldMk cId="409775660" sldId="294"/>
+            <ac:spMk id="44" creationId="{9FF6FF07-4D52-4ADE-94D6-EED9A55D3CE3}"/>
+          </ac:spMkLst>
+        </pc:spChg>
+        <pc:spChg chg="add del mod">
+          <ac:chgData name="Renyuan Lyu" userId="eadeb139afb46539" providerId="LiveId" clId="{1E327210-1C83-47B9-AD7A-7CFAF9480590}" dt="2018-10-18T05:40:13.975" v="1126" actId="478"/>
+          <ac:spMkLst>
+            <pc:docMk/>
+            <pc:sldMk cId="409775660" sldId="294"/>
+            <ac:spMk id="46" creationId="{71F156D0-9A5C-4535-B188-C57E82E9E982}"/>
+          </ac:spMkLst>
+        </pc:spChg>
+        <pc:grpChg chg="add mod">
+          <ac:chgData name="Renyuan Lyu" userId="eadeb139afb46539" providerId="LiveId" clId="{1E327210-1C83-47B9-AD7A-7CFAF9480590}" dt="2018-10-18T05:36:04.767" v="1012" actId="1076"/>
+          <ac:grpSpMkLst>
+            <pc:docMk/>
+            <pc:sldMk cId="409775660" sldId="294"/>
+            <ac:grpSpMk id="42" creationId="{D37EFC35-2304-4462-8D61-D5D7E8A417CB}"/>
+          </ac:grpSpMkLst>
+        </pc:grpChg>
+        <pc:grpChg chg="add mod">
+          <ac:chgData name="Renyuan Lyu" userId="eadeb139afb46539" providerId="LiveId" clId="{1E327210-1C83-47B9-AD7A-7CFAF9480590}" dt="2018-10-18T05:36:04.767" v="1012" actId="1076"/>
+          <ac:grpSpMkLst>
+            <pc:docMk/>
+            <pc:sldMk cId="409775660" sldId="294"/>
+            <ac:grpSpMk id="45" creationId="{B8322C01-CED7-430C-8E7C-5AD246AD27DF}"/>
+          </ac:grpSpMkLst>
+        </pc:grpChg>
+        <pc:picChg chg="add mod">
+          <ac:chgData name="Renyuan Lyu" userId="eadeb139afb46539" providerId="LiveId" clId="{1E327210-1C83-47B9-AD7A-7CFAF9480590}" dt="2018-10-18T05:35:43.042" v="1007" actId="1076"/>
+          <ac:picMkLst>
+            <pc:docMk/>
+            <pc:sldMk cId="409775660" sldId="294"/>
+            <ac:picMk id="6" creationId="{CE561C6B-66F9-4328-B90F-25AE774C9E67}"/>
+          </ac:picMkLst>
+        </pc:picChg>
+        <pc:picChg chg="add mod">
+          <ac:chgData name="Renyuan Lyu" userId="eadeb139afb46539" providerId="LiveId" clId="{1E327210-1C83-47B9-AD7A-7CFAF9480590}" dt="2018-10-18T05:35:48.011" v="1009" actId="1076"/>
+          <ac:picMkLst>
+            <pc:docMk/>
+            <pc:sldMk cId="409775660" sldId="294"/>
+            <ac:picMk id="7" creationId="{2D48A5D0-9385-4A5C-8EC4-542905AF51D4}"/>
+          </ac:picMkLst>
+        </pc:picChg>
+        <pc:picChg chg="add del mod">
+          <ac:chgData name="Renyuan Lyu" userId="eadeb139afb46539" providerId="LiveId" clId="{1E327210-1C83-47B9-AD7A-7CFAF9480590}" dt="2018-10-18T05:19:11.683" v="695" actId="478"/>
+          <ac:picMkLst>
+            <pc:docMk/>
+            <pc:sldMk cId="409775660" sldId="294"/>
+            <ac:picMk id="8" creationId="{C0B61B4F-1ACA-4EBA-A2C8-77CDC68BFF94}"/>
+          </ac:picMkLst>
+        </pc:picChg>
+        <pc:picChg chg="add mod">
+          <ac:chgData name="Renyuan Lyu" userId="eadeb139afb46539" providerId="LiveId" clId="{1E327210-1C83-47B9-AD7A-7CFAF9480590}" dt="2018-10-18T05:36:11.911" v="1014" actId="1076"/>
+          <ac:picMkLst>
+            <pc:docMk/>
+            <pc:sldMk cId="409775660" sldId="294"/>
+            <ac:picMk id="9" creationId="{8A7A35B7-B6FE-46F6-920A-05C3FAB54F9D}"/>
+          </ac:picMkLst>
+        </pc:picChg>
+        <pc:picChg chg="add mod">
+          <ac:chgData name="Renyuan Lyu" userId="eadeb139afb46539" providerId="LiveId" clId="{1E327210-1C83-47B9-AD7A-7CFAF9480590}" dt="2018-10-18T05:36:10.274" v="1013" actId="1076"/>
+          <ac:picMkLst>
+            <pc:docMk/>
+            <pc:sldMk cId="409775660" sldId="294"/>
+            <ac:picMk id="10" creationId="{D81F11DB-AB90-474B-8844-325107BBA6D3}"/>
+          </ac:picMkLst>
+        </pc:picChg>
+        <pc:picChg chg="add mod">
+          <ac:chgData name="Renyuan Lyu" userId="eadeb139afb46539" providerId="LiveId" clId="{1E327210-1C83-47B9-AD7A-7CFAF9480590}" dt="2018-10-18T05:35:41.102" v="1006" actId="1076"/>
+          <ac:picMkLst>
+            <pc:docMk/>
+            <pc:sldMk cId="409775660" sldId="294"/>
+            <ac:picMk id="11" creationId="{9E723785-6A96-4B8B-AFAD-F4EAAEC1BD0A}"/>
+          </ac:picMkLst>
+        </pc:picChg>
+        <pc:cxnChg chg="add mod">
+          <ac:chgData name="Renyuan Lyu" userId="eadeb139afb46539" providerId="LiveId" clId="{1E327210-1C83-47B9-AD7A-7CFAF9480590}" dt="2018-10-18T05:25:53.867" v="832" actId="164"/>
+          <ac:cxnSpMkLst>
+            <pc:docMk/>
+            <pc:sldMk cId="409775660" sldId="294"/>
+            <ac:cxnSpMk id="17" creationId="{C30E780D-2443-46A2-9D97-83DD757FDAFE}"/>
+          </ac:cxnSpMkLst>
+        </pc:cxnChg>
+        <pc:cxnChg chg="add mod">
+          <ac:chgData name="Renyuan Lyu" userId="eadeb139afb46539" providerId="LiveId" clId="{1E327210-1C83-47B9-AD7A-7CFAF9480590}" dt="2018-10-18T05:25:53.867" v="832" actId="164"/>
+          <ac:cxnSpMkLst>
+            <pc:docMk/>
+            <pc:sldMk cId="409775660" sldId="294"/>
+            <ac:cxnSpMk id="19" creationId="{5F162FFC-61EC-4C3F-AEE0-4D4E2B68460A}"/>
+          </ac:cxnSpMkLst>
+        </pc:cxnChg>
+        <pc:cxnChg chg="add mod">
+          <ac:chgData name="Renyuan Lyu" userId="eadeb139afb46539" providerId="LiveId" clId="{1E327210-1C83-47B9-AD7A-7CFAF9480590}" dt="2018-10-18T05:25:53.867" v="832" actId="164"/>
+          <ac:cxnSpMkLst>
+            <pc:docMk/>
+            <pc:sldMk cId="409775660" sldId="294"/>
+            <ac:cxnSpMk id="24" creationId="{A45C411B-9B52-46F0-A163-875F074657E5}"/>
+          </ac:cxnSpMkLst>
+        </pc:cxnChg>
+        <pc:cxnChg chg="add mod">
+          <ac:chgData name="Renyuan Lyu" userId="eadeb139afb46539" providerId="LiveId" clId="{1E327210-1C83-47B9-AD7A-7CFAF9480590}" dt="2018-10-18T05:25:53.867" v="832" actId="164"/>
+          <ac:cxnSpMkLst>
+            <pc:docMk/>
+            <pc:sldMk cId="409775660" sldId="294"/>
+            <ac:cxnSpMk id="37" creationId="{48947493-5415-44DC-884A-D3967D00A4ED}"/>
+          </ac:cxnSpMkLst>
+        </pc:cxnChg>
       </pc:sldChg>
-      <pc:sldChg chg="modSp add del">
-        <pc:chgData name="Renyuan Lyu" userId="eadeb139afb46539" providerId="LiveId" clId="{CAAE2515-E7CE-422E-8642-3EB0356797BA}" dt="2018-10-17T14:24:36.934" v="102" actId="2696"/>
+      <pc:sldChg chg="addSp delSp modSp add">
+        <pc:chgData name="Renyuan Lyu" userId="eadeb139afb46539" providerId="LiveId" clId="{1E327210-1C83-47B9-AD7A-7CFAF9480590}" dt="2018-10-18T06:01:52.870" v="1379" actId="1076"/>
         <pc:sldMkLst>
           <pc:docMk/>
-          <pc:sldMk cId="1941483054" sldId="287"/>
+          <pc:sldMk cId="1502795081" sldId="295"/>
+        </pc:sldMkLst>
+        <pc:spChg chg="del">
+          <ac:chgData name="Renyuan Lyu" userId="eadeb139afb46539" providerId="LiveId" clId="{1E327210-1C83-47B9-AD7A-7CFAF9480590}" dt="2018-10-18T05:44:00.988" v="1130" actId="478"/>
+          <ac:spMkLst>
+            <pc:docMk/>
+            <pc:sldMk cId="1502795081" sldId="295"/>
+            <ac:spMk id="2" creationId="{F81871A9-7213-4E73-90CA-4421D8796771}"/>
+          </ac:spMkLst>
+        </pc:spChg>
+        <pc:spChg chg="del">
+          <ac:chgData name="Renyuan Lyu" userId="eadeb139afb46539" providerId="LiveId" clId="{1E327210-1C83-47B9-AD7A-7CFAF9480590}" dt="2018-10-18T05:43:58.856" v="1129" actId="478"/>
+          <ac:spMkLst>
+            <pc:docMk/>
+            <pc:sldMk cId="1502795081" sldId="295"/>
+            <ac:spMk id="3" creationId="{3966E06A-499D-40D8-A68C-48B7C6F95594}"/>
+          </ac:spMkLst>
+        </pc:spChg>
+        <pc:spChg chg="mod">
+          <ac:chgData name="Renyuan Lyu" userId="eadeb139afb46539" providerId="LiveId" clId="{1E327210-1C83-47B9-AD7A-7CFAF9480590}" dt="2018-10-18T05:45:13.579" v="1139" actId="688"/>
+          <ac:spMkLst>
+            <pc:docMk/>
+            <pc:sldMk cId="1502795081" sldId="295"/>
+            <ac:spMk id="7" creationId="{63E4D60B-3F77-4253-BFFF-D47DB0BC8229}"/>
+          </ac:spMkLst>
+        </pc:spChg>
+        <pc:spChg chg="mod">
+          <ac:chgData name="Renyuan Lyu" userId="eadeb139afb46539" providerId="LiveId" clId="{1E327210-1C83-47B9-AD7A-7CFAF9480590}" dt="2018-10-18T05:44:41.009" v="1134" actId="688"/>
+          <ac:spMkLst>
+            <pc:docMk/>
+            <pc:sldMk cId="1502795081" sldId="295"/>
+            <ac:spMk id="10" creationId="{55C803E0-9BA8-44D3-A062-1916B411288B}"/>
+          </ac:spMkLst>
+        </pc:spChg>
+        <pc:spChg chg="mod">
+          <ac:chgData name="Renyuan Lyu" userId="eadeb139afb46539" providerId="LiveId" clId="{1E327210-1C83-47B9-AD7A-7CFAF9480590}" dt="2018-10-18T05:45:21.636" v="1140" actId="688"/>
+          <ac:spMkLst>
+            <pc:docMk/>
+            <pc:sldMk cId="1502795081" sldId="295"/>
+            <ac:spMk id="11" creationId="{53DB0536-B561-45FA-88A4-1C7C88A410DC}"/>
+          </ac:spMkLst>
+        </pc:spChg>
+        <pc:spChg chg="mod">
+          <ac:chgData name="Renyuan Lyu" userId="eadeb139afb46539" providerId="LiveId" clId="{1E327210-1C83-47B9-AD7A-7CFAF9480590}" dt="2018-10-18T05:44:56.909" v="1136" actId="688"/>
+          <ac:spMkLst>
+            <pc:docMk/>
+            <pc:sldMk cId="1502795081" sldId="295"/>
+            <ac:spMk id="14" creationId="{EEE56C1D-4C53-4F8B-817F-E6F6C650784D}"/>
+          </ac:spMkLst>
+        </pc:spChg>
+        <pc:spChg chg="mod">
+          <ac:chgData name="Renyuan Lyu" userId="eadeb139afb46539" providerId="LiveId" clId="{1E327210-1C83-47B9-AD7A-7CFAF9480590}" dt="2018-10-18T05:45:06.796" v="1138" actId="688"/>
+          <ac:spMkLst>
+            <pc:docMk/>
+            <pc:sldMk cId="1502795081" sldId="295"/>
+            <ac:spMk id="15" creationId="{60616B9E-53DA-4E99-A4DD-F2584768BA8C}"/>
+          </ac:spMkLst>
+        </pc:spChg>
+        <pc:spChg chg="mod">
+          <ac:chgData name="Renyuan Lyu" userId="eadeb139afb46539" providerId="LiveId" clId="{1E327210-1C83-47B9-AD7A-7CFAF9480590}" dt="2018-10-18T05:45:01.608" v="1137" actId="688"/>
+          <ac:spMkLst>
+            <pc:docMk/>
+            <pc:sldMk cId="1502795081" sldId="295"/>
+            <ac:spMk id="16" creationId="{E362B22C-3083-4A78-BC89-AAAB0CABD1FF}"/>
+          </ac:spMkLst>
+        </pc:spChg>
+        <pc:spChg chg="mod">
+          <ac:chgData name="Renyuan Lyu" userId="eadeb139afb46539" providerId="LiveId" clId="{1E327210-1C83-47B9-AD7A-7CFAF9480590}" dt="2018-10-18T05:44:52.130" v="1135" actId="688"/>
+          <ac:spMkLst>
+            <pc:docMk/>
+            <pc:sldMk cId="1502795081" sldId="295"/>
+            <ac:spMk id="19" creationId="{C7D68196-FE4C-466C-B0D7-A74284AF9A1F}"/>
+          </ac:spMkLst>
+        </pc:spChg>
+        <pc:spChg chg="add mod">
+          <ac:chgData name="Renyuan Lyu" userId="eadeb139afb46539" providerId="LiveId" clId="{1E327210-1C83-47B9-AD7A-7CFAF9480590}" dt="2018-10-18T06:01:52.870" v="1379" actId="1076"/>
+          <ac:spMkLst>
+            <pc:docMk/>
+            <pc:sldMk cId="1502795081" sldId="295"/>
+            <ac:spMk id="23" creationId="{8D27EB80-BA83-4F05-BA17-6E995F7D36C8}"/>
+          </ac:spMkLst>
+        </pc:spChg>
+        <pc:spChg chg="add mod">
+          <ac:chgData name="Renyuan Lyu" userId="eadeb139afb46539" providerId="LiveId" clId="{1E327210-1C83-47B9-AD7A-7CFAF9480590}" dt="2018-10-18T06:01:49.267" v="1378" actId="1076"/>
+          <ac:spMkLst>
+            <pc:docMk/>
+            <pc:sldMk cId="1502795081" sldId="295"/>
+            <ac:spMk id="24" creationId="{452AAF0D-72E0-41E0-94BC-C29694F40E10}"/>
+          </ac:spMkLst>
+        </pc:spChg>
+        <pc:grpChg chg="add mod">
+          <ac:chgData name="Renyuan Lyu" userId="eadeb139afb46539" providerId="LiveId" clId="{1E327210-1C83-47B9-AD7A-7CFAF9480590}" dt="2018-10-18T06:01:47.251" v="1377" actId="1076"/>
+          <ac:grpSpMkLst>
+            <pc:docMk/>
+            <pc:sldMk cId="1502795081" sldId="295"/>
+            <ac:grpSpMk id="5" creationId="{E41BF005-704F-4485-A1DF-7C2F3E0A2BFC}"/>
+          </ac:grpSpMkLst>
+        </pc:grpChg>
+        <pc:grpChg chg="mod">
+          <ac:chgData name="Renyuan Lyu" userId="eadeb139afb46539" providerId="LiveId" clId="{1E327210-1C83-47B9-AD7A-7CFAF9480590}" dt="2018-10-18T06:01:47.251" v="1377" actId="1076"/>
+          <ac:grpSpMkLst>
+            <pc:docMk/>
+            <pc:sldMk cId="1502795081" sldId="295"/>
+            <ac:grpSpMk id="6" creationId="{ACDC883B-AB15-46F5-942C-BFD93402252E}"/>
+          </ac:grpSpMkLst>
+        </pc:grpChg>
+        <pc:picChg chg="add mod">
+          <ac:chgData name="Renyuan Lyu" userId="eadeb139afb46539" providerId="LiveId" clId="{1E327210-1C83-47B9-AD7A-7CFAF9480590}" dt="2018-10-18T05:45:56.001" v="1147" actId="1076"/>
+          <ac:picMkLst>
+            <pc:docMk/>
+            <pc:sldMk cId="1502795081" sldId="295"/>
+            <ac:picMk id="21" creationId="{9FA9B4C0-BBD4-4C34-83BC-4780469CAF91}"/>
+          </ac:picMkLst>
+        </pc:picChg>
+        <pc:picChg chg="add mod">
+          <ac:chgData name="Renyuan Lyu" userId="eadeb139afb46539" providerId="LiveId" clId="{1E327210-1C83-47B9-AD7A-7CFAF9480590}" dt="2018-10-18T05:45:59.393" v="1148" actId="1076"/>
+          <ac:picMkLst>
+            <pc:docMk/>
+            <pc:sldMk cId="1502795081" sldId="295"/>
+            <ac:picMk id="22" creationId="{B01D2F15-AC9C-4ED9-886E-F5EAEC60B5FB}"/>
+          </ac:picMkLst>
+        </pc:picChg>
+      </pc:sldChg>
+      <pc:sldChg chg="addSp modSp add">
+        <pc:chgData name="Renyuan Lyu" userId="eadeb139afb46539" providerId="LiveId" clId="{1E327210-1C83-47B9-AD7A-7CFAF9480590}" dt="2018-10-18T06:39:37.950" v="1797" actId="11529"/>
+        <pc:sldMkLst>
+          <pc:docMk/>
+          <pc:sldMk cId="3694330613" sldId="296"/>
         </pc:sldMkLst>
         <pc:spChg chg="mod">
-          <ac:chgData name="Renyuan Lyu" userId="eadeb139afb46539" providerId="LiveId" clId="{CAAE2515-E7CE-422E-8642-3EB0356797BA}" dt="2018-10-17T14:24:33.885" v="98"/>
+          <ac:chgData name="Renyuan Lyu" userId="eadeb139afb46539" providerId="LiveId" clId="{1E327210-1C83-47B9-AD7A-7CFAF9480590}" dt="2018-10-18T06:02:16.760" v="1380"/>
           <ac:spMkLst>
             <pc:docMk/>
-            <pc:sldMk cId="1941483054" sldId="287"/>
-            <ac:spMk id="2" creationId="{8661D342-1323-4FDD-8EE8-D260781A0870}"/>
+            <pc:sldMk cId="3694330613" sldId="296"/>
+            <ac:spMk id="2" creationId="{302C9605-992B-4120-8182-399F6A326B32}"/>
           </ac:spMkLst>
         </pc:spChg>
-      </pc:sldChg>
-      <pc:sldChg chg="modSp add">
-        <pc:chgData name="Renyuan Lyu" userId="eadeb139afb46539" providerId="LiveId" clId="{CAAE2515-E7CE-422E-8642-3EB0356797BA}" dt="2018-10-17T14:24:34.051" v="99"/>
-        <pc:sldMkLst>
-          <pc:docMk/>
-          <pc:sldMk cId="1348529545" sldId="288"/>
-        </pc:sldMkLst>
         <pc:spChg chg="mod">
-          <ac:chgData name="Renyuan Lyu" userId="eadeb139afb46539" providerId="LiveId" clId="{CAAE2515-E7CE-422E-8642-3EB0356797BA}" dt="2018-10-17T14:24:34.051" v="99"/>
+          <ac:chgData name="Renyuan Lyu" userId="eadeb139afb46539" providerId="LiveId" clId="{1E327210-1C83-47B9-AD7A-7CFAF9480590}" dt="2018-10-18T06:13:17.510" v="1556" actId="20577"/>
           <ac:spMkLst>
             <pc:docMk/>
-            <pc:sldMk cId="1348529545" sldId="288"/>
-            <ac:spMk id="2" creationId="{D86A72C5-C883-43C9-B6BE-CFBE1FEBE990}"/>
+            <pc:sldMk cId="3694330613" sldId="296"/>
+            <ac:spMk id="3" creationId="{CCB15CEA-B86C-41AC-A026-CE8F4BC4C147}"/>
           </ac:spMkLst>
         </pc:spChg>
-      </pc:sldChg>
-      <pc:sldChg chg="modSp add">
-        <pc:chgData name="Renyuan Lyu" userId="eadeb139afb46539" providerId="LiveId" clId="{CAAE2515-E7CE-422E-8642-3EB0356797BA}" dt="2018-10-17T14:24:34.234" v="100"/>
-        <pc:sldMkLst>
-          <pc:docMk/>
-          <pc:sldMk cId="1627585693" sldId="289"/>
-        </pc:sldMkLst>
-        <pc:spChg chg="mod">
-          <ac:chgData name="Renyuan Lyu" userId="eadeb139afb46539" providerId="LiveId" clId="{CAAE2515-E7CE-422E-8642-3EB0356797BA}" dt="2018-10-17T14:24:34.234" v="100"/>
+        <pc:spChg chg="add mod">
+          <ac:chgData name="Renyuan Lyu" userId="eadeb139afb46539" providerId="LiveId" clId="{1E327210-1C83-47B9-AD7A-7CFAF9480590}" dt="2018-10-18T06:17:47.600" v="1583" actId="20577"/>
           <ac:spMkLst>
             <pc:docMk/>
-            <pc:sldMk cId="1627585693" sldId="289"/>
-            <ac:spMk id="2" creationId="{674012A3-423D-432C-93A3-2642FE5F6E63}"/>
+            <pc:sldMk cId="3694330613" sldId="296"/>
+            <ac:spMk id="5" creationId="{4E5141DB-5AB0-493B-95D6-0B4E3813F937}"/>
           </ac:spMkLst>
         </pc:spChg>
-      </pc:sldChg>
-      <pc:sldChg chg="modSp add">
-        <pc:chgData name="Renyuan Lyu" userId="eadeb139afb46539" providerId="LiveId" clId="{CAAE2515-E7CE-422E-8642-3EB0356797BA}" dt="2018-10-17T14:24:34.401" v="101"/>
-        <pc:sldMkLst>
-          <pc:docMk/>
-          <pc:sldMk cId="3280316532" sldId="290"/>
-        </pc:sldMkLst>
-        <pc:spChg chg="mod">
-          <ac:chgData name="Renyuan Lyu" userId="eadeb139afb46539" providerId="LiveId" clId="{CAAE2515-E7CE-422E-8642-3EB0356797BA}" dt="2018-10-17T14:24:34.401" v="101"/>
+        <pc:spChg chg="add mod">
+          <ac:chgData name="Renyuan Lyu" userId="eadeb139afb46539" providerId="LiveId" clId="{1E327210-1C83-47B9-AD7A-7CFAF9480590}" dt="2018-10-18T06:37:03.440" v="1783" actId="1076"/>
           <ac:spMkLst>
             <pc:docMk/>
-            <pc:sldMk cId="3280316532" sldId="290"/>
-            <ac:spMk id="2" creationId="{E7E2603D-8938-4B2F-90B5-A8D56D32A471}"/>
+            <pc:sldMk cId="3694330613" sldId="296"/>
+            <ac:spMk id="6" creationId="{2188969A-84DD-4128-972F-1F63510B490B}"/>
           </ac:spMkLst>
         </pc:spChg>
-      </pc:sldChg>
-    </pc:docChg>
-  </pc:docChgLst>
-  <pc:docChgLst>
-    <pc:chgData name="Renyuan Lyu" userId="eadeb139afb46539" providerId="LiveId" clId="{2C80F086-841D-467C-90DD-7B623516EE48}"/>
-    <pc:docChg chg="addSld delSld modSld">
-      <pc:chgData name="Renyuan Lyu" userId="eadeb139afb46539" providerId="LiveId" clId="{2C80F086-841D-467C-90DD-7B623516EE48}" dt="2018-10-18T02:21:53.813" v="3"/>
-      <pc:docMkLst>
-        <pc:docMk/>
-      </pc:docMkLst>
-      <pc:sldChg chg="add">
-        <pc:chgData name="Renyuan Lyu" userId="eadeb139afb46539" providerId="LiveId" clId="{2C80F086-841D-467C-90DD-7B623516EE48}" dt="2018-10-18T02:21:49.577" v="2"/>
-        <pc:sldMkLst>
-          <pc:docMk/>
-          <pc:sldMk cId="1152244290" sldId="289"/>
-        </pc:sldMkLst>
-      </pc:sldChg>
-      <pc:sldChg chg="del">
-        <pc:chgData name="Renyuan Lyu" userId="eadeb139afb46539" providerId="LiveId" clId="{2C80F086-841D-467C-90DD-7B623516EE48}" dt="2018-10-18T02:19:41.019" v="0" actId="2696"/>
-        <pc:sldMkLst>
-          <pc:docMk/>
-          <pc:sldMk cId="1627585693" sldId="289"/>
-        </pc:sldMkLst>
-      </pc:sldChg>
-      <pc:sldChg chg="add">
-        <pc:chgData name="Renyuan Lyu" userId="eadeb139afb46539" providerId="LiveId" clId="{2C80F086-841D-467C-90DD-7B623516EE48}" dt="2018-10-18T02:21:53.813" v="3"/>
-        <pc:sldMkLst>
-          <pc:docMk/>
-          <pc:sldMk cId="427660256" sldId="290"/>
-        </pc:sldMkLst>
-      </pc:sldChg>
-      <pc:sldChg chg="del">
-        <pc:chgData name="Renyuan Lyu" userId="eadeb139afb46539" providerId="LiveId" clId="{2C80F086-841D-467C-90DD-7B623516EE48}" dt="2018-10-18T02:19:42.970" v="1" actId="2696"/>
-        <pc:sldMkLst>
-          <pc:docMk/>
-          <pc:sldMk cId="3280316532" sldId="290"/>
-        </pc:sldMkLst>
-      </pc:sldChg>
-      <pc:sldChg chg="add">
-        <pc:chgData name="Renyuan Lyu" userId="eadeb139afb46539" providerId="LiveId" clId="{2C80F086-841D-467C-90DD-7B623516EE48}" dt="2018-10-18T02:21:53.813" v="3"/>
-        <pc:sldMkLst>
-          <pc:docMk/>
-          <pc:sldMk cId="3798963849" sldId="291"/>
-        </pc:sldMkLst>
-      </pc:sldChg>
-      <pc:sldChg chg="add">
-        <pc:chgData name="Renyuan Lyu" userId="eadeb139afb46539" providerId="LiveId" clId="{2C80F086-841D-467C-90DD-7B623516EE48}" dt="2018-10-18T02:21:53.813" v="3"/>
-        <pc:sldMkLst>
-          <pc:docMk/>
-          <pc:sldMk cId="1412526640" sldId="292"/>
-        </pc:sldMkLst>
+        <pc:spChg chg="add mod">
+          <ac:chgData name="Renyuan Lyu" userId="eadeb139afb46539" providerId="LiveId" clId="{1E327210-1C83-47B9-AD7A-7CFAF9480590}" dt="2018-10-18T06:36:44.890" v="1781" actId="1076"/>
+          <ac:spMkLst>
+            <pc:docMk/>
+            <pc:sldMk cId="3694330613" sldId="296"/>
+            <ac:spMk id="7" creationId="{93241A2C-21B7-4115-84A8-75393320A254}"/>
+          </ac:spMkLst>
+        </pc:spChg>
+        <pc:spChg chg="add mod">
+          <ac:chgData name="Renyuan Lyu" userId="eadeb139afb46539" providerId="LiveId" clId="{1E327210-1C83-47B9-AD7A-7CFAF9480590}" dt="2018-10-18T06:38:32.842" v="1789" actId="207"/>
+          <ac:spMkLst>
+            <pc:docMk/>
+            <pc:sldMk cId="3694330613" sldId="296"/>
+            <ac:spMk id="8" creationId="{D1AB6C43-BDA0-47E5-B1E9-6586EA4DAA64}"/>
+          </ac:spMkLst>
+        </pc:spChg>
+        <pc:spChg chg="add mod">
+          <ac:chgData name="Renyuan Lyu" userId="eadeb139afb46539" providerId="LiveId" clId="{1E327210-1C83-47B9-AD7A-7CFAF9480590}" dt="2018-10-18T06:39:13.844" v="1796" actId="207"/>
+          <ac:spMkLst>
+            <pc:docMk/>
+            <pc:sldMk cId="3694330613" sldId="296"/>
+            <ac:spMk id="11" creationId="{021FE624-8400-4429-BB94-5B981909A696}"/>
+          </ac:spMkLst>
+        </pc:spChg>
+        <pc:cxnChg chg="add mod">
+          <ac:chgData name="Renyuan Lyu" userId="eadeb139afb46539" providerId="LiveId" clId="{1E327210-1C83-47B9-AD7A-7CFAF9480590}" dt="2018-10-18T06:38:24.941" v="1787" actId="1076"/>
+          <ac:cxnSpMkLst>
+            <pc:docMk/>
+            <pc:sldMk cId="3694330613" sldId="296"/>
+            <ac:cxnSpMk id="10" creationId="{A7C303FB-E55A-47C9-A0A9-471C8B615989}"/>
+          </ac:cxnSpMkLst>
+        </pc:cxnChg>
+        <pc:cxnChg chg="add mod">
+          <ac:chgData name="Renyuan Lyu" userId="eadeb139afb46539" providerId="LiveId" clId="{1E327210-1C83-47B9-AD7A-7CFAF9480590}" dt="2018-10-18T06:39:37.950" v="1797" actId="11529"/>
+          <ac:cxnSpMkLst>
+            <pc:docMk/>
+            <pc:sldMk cId="3694330613" sldId="296"/>
+            <ac:cxnSpMk id="13" creationId="{E5D9BD0F-D36C-4AF2-AD2A-EDC8E5E4370C}"/>
+          </ac:cxnSpMkLst>
+        </pc:cxnChg>
       </pc:sldChg>
     </pc:docChg>
   </pc:docChgLst>
@@ -861,6 +1332,174 @@
     <p:extLst>
       <p:ext uri="{BB962C8B-B14F-4D97-AF65-F5344CB8AC3E}">
         <p14:creationId xmlns:p14="http://schemas.microsoft.com/office/powerpoint/2010/main" val="3875444265"/>
+      </p:ext>
+    </p:extLst>
+  </p:cSld>
+  <p:clrMapOvr>
+    <a:masterClrMapping/>
+  </p:clrMapOvr>
+</p:notes>
+</file>
+
+<file path=ppt/notesSlides/notesSlide3.xml><?xml version="1.0" encoding="utf-8"?>
+<p:notes xmlns:a="http://schemas.openxmlformats.org/drawingml/2006/main" xmlns:r="http://schemas.openxmlformats.org/officeDocument/2006/relationships" xmlns:p="http://schemas.openxmlformats.org/presentationml/2006/main">
+  <p:cSld>
+    <p:spTree>
+      <p:nvGrpSpPr>
+        <p:cNvPr id="1" name=""/>
+        <p:cNvGrpSpPr/>
+        <p:nvPr/>
+      </p:nvGrpSpPr>
+      <p:grpSpPr>
+        <a:xfrm>
+          <a:off x="0" y="0"/>
+          <a:ext cx="0" cy="0"/>
+          <a:chOff x="0" y="0"/>
+          <a:chExt cx="0" cy="0"/>
+        </a:xfrm>
+      </p:grpSpPr>
+      <p:sp>
+        <p:nvSpPr>
+          <p:cNvPr id="2" name="投影片影像版面配置區 1"/>
+          <p:cNvSpPr>
+            <a:spLocks noGrp="1" noRot="1" noChangeAspect="1"/>
+          </p:cNvSpPr>
+          <p:nvPr>
+            <p:ph type="sldImg"/>
+          </p:nvPr>
+        </p:nvSpPr>
+        <p:spPr/>
+      </p:sp>
+      <p:sp>
+        <p:nvSpPr>
+          <p:cNvPr id="3" name="備忘稿版面配置區 2"/>
+          <p:cNvSpPr>
+            <a:spLocks noGrp="1"/>
+          </p:cNvSpPr>
+          <p:nvPr>
+            <p:ph type="body" idx="1"/>
+          </p:nvPr>
+        </p:nvSpPr>
+        <p:spPr/>
+        <p:txBody>
+          <a:bodyPr/>
+          <a:lstStyle/>
+          <a:p>
+            <a:endParaRPr lang="zh-TW" altLang="en-US" dirty="0"/>
+          </a:p>
+        </p:txBody>
+      </p:sp>
+      <p:sp>
+        <p:nvSpPr>
+          <p:cNvPr id="4" name="投影片編號版面配置區 3"/>
+          <p:cNvSpPr>
+            <a:spLocks noGrp="1"/>
+          </p:cNvSpPr>
+          <p:nvPr>
+            <p:ph type="sldNum" sz="quarter" idx="5"/>
+          </p:nvPr>
+        </p:nvSpPr>
+        <p:spPr/>
+        <p:txBody>
+          <a:bodyPr/>
+          <a:lstStyle/>
+          <a:p>
+            <a:fld id="{9728AA30-2E48-4E49-83BA-3680D6D4A03E}" type="slidenum">
+              <a:rPr lang="zh-TW" altLang="en-US" smtClean="0"/>
+              <a:t>28</a:t>
+            </a:fld>
+            <a:endParaRPr lang="zh-TW" altLang="en-US"/>
+          </a:p>
+        </p:txBody>
+      </p:sp>
+    </p:spTree>
+    <p:extLst>
+      <p:ext uri="{BB962C8B-B14F-4D97-AF65-F5344CB8AC3E}">
+        <p14:creationId xmlns:p14="http://schemas.microsoft.com/office/powerpoint/2010/main" val="688873818"/>
+      </p:ext>
+    </p:extLst>
+  </p:cSld>
+  <p:clrMapOvr>
+    <a:masterClrMapping/>
+  </p:clrMapOvr>
+</p:notes>
+</file>
+
+<file path=ppt/notesSlides/notesSlide4.xml><?xml version="1.0" encoding="utf-8"?>
+<p:notes xmlns:a="http://schemas.openxmlformats.org/drawingml/2006/main" xmlns:r="http://schemas.openxmlformats.org/officeDocument/2006/relationships" xmlns:p="http://schemas.openxmlformats.org/presentationml/2006/main">
+  <p:cSld>
+    <p:spTree>
+      <p:nvGrpSpPr>
+        <p:cNvPr id="1" name=""/>
+        <p:cNvGrpSpPr/>
+        <p:nvPr/>
+      </p:nvGrpSpPr>
+      <p:grpSpPr>
+        <a:xfrm>
+          <a:off x="0" y="0"/>
+          <a:ext cx="0" cy="0"/>
+          <a:chOff x="0" y="0"/>
+          <a:chExt cx="0" cy="0"/>
+        </a:xfrm>
+      </p:grpSpPr>
+      <p:sp>
+        <p:nvSpPr>
+          <p:cNvPr id="2" name="投影片影像版面配置區 1"/>
+          <p:cNvSpPr>
+            <a:spLocks noGrp="1" noRot="1" noChangeAspect="1"/>
+          </p:cNvSpPr>
+          <p:nvPr>
+            <p:ph type="sldImg"/>
+          </p:nvPr>
+        </p:nvSpPr>
+        <p:spPr/>
+      </p:sp>
+      <p:sp>
+        <p:nvSpPr>
+          <p:cNvPr id="3" name="備忘稿版面配置區 2"/>
+          <p:cNvSpPr>
+            <a:spLocks noGrp="1"/>
+          </p:cNvSpPr>
+          <p:nvPr>
+            <p:ph type="body" idx="1"/>
+          </p:nvPr>
+        </p:nvSpPr>
+        <p:spPr/>
+        <p:txBody>
+          <a:bodyPr/>
+          <a:lstStyle/>
+          <a:p>
+            <a:endParaRPr lang="zh-TW" altLang="en-US" dirty="0"/>
+          </a:p>
+        </p:txBody>
+      </p:sp>
+      <p:sp>
+        <p:nvSpPr>
+          <p:cNvPr id="4" name="投影片編號版面配置區 3"/>
+          <p:cNvSpPr>
+            <a:spLocks noGrp="1"/>
+          </p:cNvSpPr>
+          <p:nvPr>
+            <p:ph type="sldNum" sz="quarter" idx="5"/>
+          </p:nvPr>
+        </p:nvSpPr>
+        <p:spPr/>
+        <p:txBody>
+          <a:bodyPr/>
+          <a:lstStyle/>
+          <a:p>
+            <a:fld id="{9728AA30-2E48-4E49-83BA-3680D6D4A03E}" type="slidenum">
+              <a:rPr lang="zh-TW" altLang="en-US" smtClean="0"/>
+              <a:t>29</a:t>
+            </a:fld>
+            <a:endParaRPr lang="zh-TW" altLang="en-US"/>
+          </a:p>
+        </p:txBody>
+      </p:sp>
+    </p:spTree>
+    <p:extLst>
+      <p:ext uri="{BB962C8B-B14F-4D97-AF65-F5344CB8AC3E}">
+        <p14:creationId xmlns:p14="http://schemas.microsoft.com/office/powerpoint/2010/main" val="1220717228"/>
       </p:ext>
     </p:extLst>
   </p:cSld>
@@ -13841,35 +14480,10 @@
       </p:grpSpPr>
       <p:sp>
         <p:nvSpPr>
-          <p:cNvPr id="2" name="標題 1">
-            <a:extLst>
-              <a:ext uri="{FF2B5EF4-FFF2-40B4-BE49-F238E27FC236}">
-                <a16:creationId xmlns:a16="http://schemas.microsoft.com/office/drawing/2014/main" id="{71487F8B-23F5-40E8-9BAD-DEFD0A3D7A00}"/>
-              </a:ext>
-            </a:extLst>
-          </p:cNvPr>
-          <p:cNvSpPr>
-            <a:spLocks noGrp="1"/>
-          </p:cNvSpPr>
-          <p:nvPr>
-            <p:ph type="title"/>
-          </p:nvPr>
-        </p:nvSpPr>
-        <p:spPr/>
-        <p:txBody>
-          <a:bodyPr/>
-          <a:lstStyle/>
-          <a:p>
-            <a:endParaRPr lang="zh-TW" altLang="en-US" dirty="0"/>
-          </a:p>
-        </p:txBody>
-      </p:sp>
-      <p:sp>
-        <p:nvSpPr>
           <p:cNvPr id="3" name="內容版面配置區 2">
             <a:extLst>
               <a:ext uri="{FF2B5EF4-FFF2-40B4-BE49-F238E27FC236}">
-                <a16:creationId xmlns:a16="http://schemas.microsoft.com/office/drawing/2014/main" id="{3AB9C897-862D-4E59-B660-A0B8BCFB3E1C}"/>
+                <a16:creationId xmlns:a16="http://schemas.microsoft.com/office/drawing/2014/main" id="{C5BCCBF5-B50F-40A7-B300-C79D66084FE4}"/>
               </a:ext>
             </a:extLst>
           </p:cNvPr>
@@ -13880,161 +14494,15 @@
             <p:ph idx="1"/>
           </p:nvPr>
         </p:nvSpPr>
-        <p:spPr/>
+        <p:spPr>
+          <a:xfrm>
+            <a:off x="371914" y="19693"/>
+            <a:ext cx="4226169" cy="664357"/>
+          </a:xfrm>
+        </p:spPr>
         <p:txBody>
           <a:bodyPr/>
           <a:lstStyle/>
-          <a:p>
-            <a:pPr marL="228600" marR="0" lvl="0" indent="-228600" algn="l" defTabSz="914400" rtl="0" eaLnBrk="1" fontAlgn="auto" latinLnBrk="0" hangingPunct="1">
-              <a:lnSpc>
-                <a:spcPct val="90000"/>
-              </a:lnSpc>
-              <a:spcBef>
-                <a:spcPts val="1000"/>
-              </a:spcBef>
-              <a:spcAft>
-                <a:spcPts val="0"/>
-              </a:spcAft>
-              <a:buClrTx/>
-              <a:buSzTx/>
-              <a:buFont typeface="Arial" panose="020B0604020202020204" pitchFamily="34" charset="0"/>
-              <a:buChar char="•"/>
-              <a:tabLst/>
-              <a:defRPr/>
-            </a:pPr>
-            <a:r>
-              <a:rPr lang="en-US" altLang="zh-TW" sz="2800" b="0" i="0" kern="1200" dirty="0">
-                <a:solidFill>
-                  <a:schemeClr val="tx1"/>
-                </a:solidFill>
-                <a:effectLst/>
-                <a:latin typeface="+mn-lt"/>
-                <a:ea typeface="+mn-ea"/>
-                <a:cs typeface="+mn-cs"/>
-              </a:rPr>
-              <a:t>Support vector machine</a:t>
-            </a:r>
-            <a:endParaRPr lang="en-US" altLang="zh-TW" sz="2800" b="0" i="0" kern="1200" dirty="0">
-              <a:solidFill>
-                <a:schemeClr val="tx1"/>
-              </a:solidFill>
-              <a:effectLst/>
-              <a:latin typeface="+mn-lt"/>
-              <a:ea typeface="+mn-ea"/>
-              <a:cs typeface="+mn-cs"/>
-              <a:hlinkClick r:id="rId2"/>
-            </a:endParaRPr>
-          </a:p>
-          <a:p>
-            <a:pPr marL="685800" marR="0" lvl="1" indent="-228600" algn="l" defTabSz="914400" rtl="0" eaLnBrk="1" fontAlgn="auto" latinLnBrk="0" hangingPunct="1">
-              <a:lnSpc>
-                <a:spcPct val="90000"/>
-              </a:lnSpc>
-              <a:spcBef>
-                <a:spcPts val="1000"/>
-              </a:spcBef>
-              <a:spcAft>
-                <a:spcPts val="0"/>
-              </a:spcAft>
-              <a:buClrTx/>
-              <a:buSzTx/>
-              <a:buFont typeface="Arial" panose="020B0604020202020204" pitchFamily="34" charset="0"/>
-              <a:buChar char="•"/>
-              <a:tabLst/>
-              <a:defRPr/>
-            </a:pPr>
-            <a:r>
-              <a:rPr lang="en-US" altLang="zh-TW" sz="2400" b="0" i="0" kern="1200" dirty="0">
-                <a:solidFill>
-                  <a:schemeClr val="tx1"/>
-                </a:solidFill>
-                <a:effectLst/>
-                <a:latin typeface="+mn-lt"/>
-                <a:ea typeface="+mn-ea"/>
-                <a:cs typeface="+mn-cs"/>
-                <a:hlinkClick r:id="rId2"/>
-              </a:rPr>
-              <a:t>https://en.wikipedia.org/wiki/Support_vector_machine</a:t>
-            </a:r>
-            <a:endParaRPr lang="en-US" altLang="zh-TW" sz="2400" b="0" i="0" kern="1200" dirty="0">
-              <a:solidFill>
-                <a:schemeClr val="tx1"/>
-              </a:solidFill>
-              <a:effectLst/>
-              <a:latin typeface="+mn-lt"/>
-              <a:ea typeface="+mn-ea"/>
-              <a:cs typeface="+mn-cs"/>
-            </a:endParaRPr>
-          </a:p>
-          <a:p>
-            <a:pPr marL="228600" marR="0" lvl="0" indent="-228600" algn="l" defTabSz="914400" rtl="0" eaLnBrk="1" fontAlgn="auto" latinLnBrk="0" hangingPunct="1">
-              <a:lnSpc>
-                <a:spcPct val="90000"/>
-              </a:lnSpc>
-              <a:spcBef>
-                <a:spcPts val="1000"/>
-              </a:spcBef>
-              <a:spcAft>
-                <a:spcPts val="0"/>
-              </a:spcAft>
-              <a:buClrTx/>
-              <a:buSzTx/>
-              <a:buFont typeface="Arial" panose="020B0604020202020204" pitchFamily="34" charset="0"/>
-              <a:buChar char="•"/>
-              <a:tabLst/>
-              <a:defRPr/>
-            </a:pPr>
-            <a:endParaRPr lang="en-US" altLang="zh-TW" sz="2800" b="0" i="0" kern="1200" dirty="0">
-              <a:solidFill>
-                <a:schemeClr val="tx1"/>
-              </a:solidFill>
-              <a:effectLst/>
-              <a:latin typeface="+mn-lt"/>
-              <a:ea typeface="+mn-ea"/>
-              <a:cs typeface="+mn-cs"/>
-            </a:endParaRPr>
-          </a:p>
-          <a:p>
-            <a:pPr marL="228600" marR="0" lvl="0" indent="-228600" algn="l" defTabSz="914400" rtl="0" eaLnBrk="1" fontAlgn="auto" latinLnBrk="0" hangingPunct="1">
-              <a:lnSpc>
-                <a:spcPct val="90000"/>
-              </a:lnSpc>
-              <a:spcBef>
-                <a:spcPts val="1000"/>
-              </a:spcBef>
-              <a:spcAft>
-                <a:spcPts val="0"/>
-              </a:spcAft>
-              <a:buClrTx/>
-              <a:buSzTx/>
-              <a:buFont typeface="Arial" panose="020B0604020202020204" pitchFamily="34" charset="0"/>
-              <a:buChar char="•"/>
-              <a:tabLst/>
-              <a:defRPr/>
-            </a:pPr>
-            <a:r>
-              <a:rPr lang="en-US" altLang="zh-TW" sz="2800" b="0" i="0" kern="1200" dirty="0">
-                <a:solidFill>
-                  <a:schemeClr val="tx1"/>
-                </a:solidFill>
-                <a:effectLst/>
-                <a:latin typeface="+mn-lt"/>
-                <a:ea typeface="+mn-ea"/>
-                <a:cs typeface="+mn-cs"/>
-              </a:rPr>
-              <a:t>Hinge loss</a:t>
-            </a:r>
-          </a:p>
-          <a:p>
-            <a:pPr lvl="1"/>
-            <a:r>
-              <a:rPr lang="en-US" altLang="zh-TW" dirty="0">
-                <a:hlinkClick r:id="rId3"/>
-              </a:rPr>
-              <a:t>https://en.wikipedia.org/wiki/Hinge_loss</a:t>
-            </a:r>
-            <a:endParaRPr lang="en-US" altLang="zh-TW" dirty="0"/>
-          </a:p>
           <a:p>
             <a:endParaRPr lang="zh-TW" altLang="en-US" dirty="0"/>
           </a:p>
@@ -14045,7 +14513,7 @@
           <p:cNvPr id="4" name="投影片編號版面配置區 3">
             <a:extLst>
               <a:ext uri="{FF2B5EF4-FFF2-40B4-BE49-F238E27FC236}">
-                <a16:creationId xmlns:a16="http://schemas.microsoft.com/office/drawing/2014/main" id="{CE92B13C-72F3-4C65-A210-14611E966E96}"/>
+                <a16:creationId xmlns:a16="http://schemas.microsoft.com/office/drawing/2014/main" id="{6E7656A7-BF18-4018-9287-32820C26CDB7}"/>
               </a:ext>
             </a:extLst>
           </p:cNvPr>
@@ -14069,10 +14537,444 @@
           </a:p>
         </p:txBody>
       </p:sp>
+      <p:pic>
+        <p:nvPicPr>
+          <p:cNvPr id="6" name="圖片 5">
+            <a:extLst>
+              <a:ext uri="{FF2B5EF4-FFF2-40B4-BE49-F238E27FC236}">
+                <a16:creationId xmlns:a16="http://schemas.microsoft.com/office/drawing/2014/main" id="{8E2441A8-F895-4C29-B001-90C6E9B5BFFD}"/>
+              </a:ext>
+            </a:extLst>
+          </p:cNvPr>
+          <p:cNvPicPr>
+            <a:picLocks noChangeAspect="1"/>
+          </p:cNvPicPr>
+          <p:nvPr/>
+        </p:nvPicPr>
+        <p:blipFill>
+          <a:blip r:embed="rId3"/>
+          <a:stretch>
+            <a:fillRect/>
+          </a:stretch>
+        </p:blipFill>
+        <p:spPr>
+          <a:xfrm>
+            <a:off x="672425" y="955516"/>
+            <a:ext cx="7324285" cy="5159552"/>
+          </a:xfrm>
+          <a:prstGeom prst="rect">
+            <a:avLst/>
+          </a:prstGeom>
+        </p:spPr>
+      </p:pic>
+      <p:pic>
+        <p:nvPicPr>
+          <p:cNvPr id="7" name="圖片 6">
+            <a:extLst>
+              <a:ext uri="{FF2B5EF4-FFF2-40B4-BE49-F238E27FC236}">
+                <a16:creationId xmlns:a16="http://schemas.microsoft.com/office/drawing/2014/main" id="{34F6C91E-704D-47BB-835A-815C61525ABC}"/>
+              </a:ext>
+            </a:extLst>
+          </p:cNvPr>
+          <p:cNvPicPr>
+            <a:picLocks noChangeAspect="1"/>
+          </p:cNvPicPr>
+          <p:nvPr/>
+        </p:nvPicPr>
+        <p:blipFill>
+          <a:blip r:embed="rId4"/>
+          <a:stretch>
+            <a:fillRect/>
+          </a:stretch>
+        </p:blipFill>
+        <p:spPr>
+          <a:xfrm>
+            <a:off x="8298487" y="4170007"/>
+            <a:ext cx="1669919" cy="745897"/>
+          </a:xfrm>
+          <a:prstGeom prst="rect">
+            <a:avLst/>
+          </a:prstGeom>
+          <a:solidFill>
+            <a:srgbClr val="FFFF00"/>
+          </a:solidFill>
+          <a:ln>
+            <a:solidFill>
+              <a:srgbClr val="FF0000"/>
+            </a:solidFill>
+          </a:ln>
+        </p:spPr>
+      </p:pic>
+      <p:pic>
+        <p:nvPicPr>
+          <p:cNvPr id="8" name="圖片 7">
+            <a:extLst>
+              <a:ext uri="{FF2B5EF4-FFF2-40B4-BE49-F238E27FC236}">
+                <a16:creationId xmlns:a16="http://schemas.microsoft.com/office/drawing/2014/main" id="{4CC9103F-2D09-4439-9678-DBD5AE9BB04C}"/>
+              </a:ext>
+            </a:extLst>
+          </p:cNvPr>
+          <p:cNvPicPr>
+            <a:picLocks noChangeAspect="1"/>
+          </p:cNvPicPr>
+          <p:nvPr/>
+        </p:nvPicPr>
+        <p:blipFill>
+          <a:blip r:embed="rId5"/>
+          <a:stretch>
+            <a:fillRect/>
+          </a:stretch>
+        </p:blipFill>
+        <p:spPr>
+          <a:xfrm>
+            <a:off x="8133605" y="1304927"/>
+            <a:ext cx="3697189" cy="428874"/>
+          </a:xfrm>
+          <a:prstGeom prst="rect">
+            <a:avLst/>
+          </a:prstGeom>
+        </p:spPr>
+      </p:pic>
+      <p:pic>
+        <p:nvPicPr>
+          <p:cNvPr id="9" name="圖片 8">
+            <a:extLst>
+              <a:ext uri="{FF2B5EF4-FFF2-40B4-BE49-F238E27FC236}">
+                <a16:creationId xmlns:a16="http://schemas.microsoft.com/office/drawing/2014/main" id="{955372A8-EA4F-46D2-BC4C-53F90CAD40FF}"/>
+              </a:ext>
+            </a:extLst>
+          </p:cNvPr>
+          <p:cNvPicPr>
+            <a:picLocks noChangeAspect="1"/>
+          </p:cNvPicPr>
+          <p:nvPr/>
+        </p:nvPicPr>
+        <p:blipFill>
+          <a:blip r:embed="rId6"/>
+          <a:stretch>
+            <a:fillRect/>
+          </a:stretch>
+        </p:blipFill>
+        <p:spPr>
+          <a:xfrm>
+            <a:off x="8298487" y="2069996"/>
+            <a:ext cx="1191375" cy="551011"/>
+          </a:xfrm>
+          <a:prstGeom prst="rect">
+            <a:avLst/>
+          </a:prstGeom>
+        </p:spPr>
+      </p:pic>
+      <p:sp>
+        <p:nvSpPr>
+          <p:cNvPr id="15" name="文字方塊 14">
+            <a:extLst>
+              <a:ext uri="{FF2B5EF4-FFF2-40B4-BE49-F238E27FC236}">
+                <a16:creationId xmlns:a16="http://schemas.microsoft.com/office/drawing/2014/main" id="{663CB282-B0C4-4507-8B40-92921778B5F7}"/>
+              </a:ext>
+            </a:extLst>
+          </p:cNvPr>
+          <p:cNvSpPr txBox="1"/>
+          <p:nvPr/>
+        </p:nvSpPr>
+        <p:spPr>
+          <a:xfrm>
+            <a:off x="3823854" y="2019538"/>
+            <a:ext cx="276038" cy="369332"/>
+          </a:xfrm>
+          <a:prstGeom prst="rect">
+            <a:avLst/>
+          </a:prstGeom>
+          <a:noFill/>
+        </p:spPr>
+        <p:txBody>
+          <a:bodyPr wrap="none" rtlCol="0">
+            <a:spAutoFit/>
+          </a:bodyPr>
+          <a:lstStyle/>
+          <a:p>
+            <a:r>
+              <a:rPr lang="en-US" altLang="zh-TW" dirty="0"/>
+              <a:t>z</a:t>
+            </a:r>
+            <a:endParaRPr lang="zh-TW" altLang="en-US" dirty="0"/>
+          </a:p>
+        </p:txBody>
+      </p:sp>
+      <mc:AlternateContent xmlns:mc="http://schemas.openxmlformats.org/markup-compatibility/2006">
+        <mc:Choice xmlns:a14="http://schemas.microsoft.com/office/drawing/2010/main" Requires="a14">
+          <p:sp>
+            <p:nvSpPr>
+              <p:cNvPr id="17" name="文字方塊 16">
+                <a:extLst>
+                  <a:ext uri="{FF2B5EF4-FFF2-40B4-BE49-F238E27FC236}">
+                    <a16:creationId xmlns:a16="http://schemas.microsoft.com/office/drawing/2014/main" id="{25094ABF-ED64-4170-AA66-F404EAFFC0C0}"/>
+                  </a:ext>
+                </a:extLst>
+              </p:cNvPr>
+              <p:cNvSpPr txBox="1"/>
+              <p:nvPr/>
+            </p:nvSpPr>
+            <p:spPr>
+              <a:xfrm>
+                <a:off x="4490995" y="2096482"/>
+                <a:ext cx="634024" cy="215444"/>
+              </a:xfrm>
+              <a:prstGeom prst="rect">
+                <a:avLst/>
+              </a:prstGeom>
+              <a:noFill/>
+            </p:spPr>
+            <p:txBody>
+              <a:bodyPr wrap="square" lIns="0" tIns="0" rIns="0" bIns="0" rtlCol="0">
+                <a:spAutoFit/>
+              </a:bodyPr>
+              <a:lstStyle/>
+              <a:p>
+                <a14:m>
+                  <m:oMathPara xmlns:m="http://schemas.openxmlformats.org/officeDocument/2006/math">
+                    <m:oMathParaPr>
+                      <m:jc m:val="centerGroup"/>
+                    </m:oMathParaPr>
+                    <m:oMath xmlns:m="http://schemas.openxmlformats.org/officeDocument/2006/math">
+                      <m:r>
+                        <a:rPr lang="zh-TW" altLang="en-US" sz="1400" i="1" smtClean="0">
+                          <a:latin typeface="Cambria Math" panose="02040503050406030204" pitchFamily="18" charset="0"/>
+                        </a:rPr>
+                        <m:t>𝜙</m:t>
+                      </m:r>
+                      <m:d>
+                        <m:dPr>
+                          <m:ctrlPr>
+                            <a:rPr lang="zh-TW" altLang="en-US" sz="1400" i="1">
+                              <a:latin typeface="Cambria Math" panose="02040503050406030204" pitchFamily="18" charset="0"/>
+                            </a:rPr>
+                          </m:ctrlPr>
+                        </m:dPr>
+                        <m:e>
+                          <m:r>
+                            <a:rPr lang="zh-TW" altLang="en-US" sz="1400" i="1">
+                              <a:latin typeface="Cambria Math" panose="02040503050406030204" pitchFamily="18" charset="0"/>
+                            </a:rPr>
+                            <m:t>𝑧</m:t>
+                          </m:r>
+                        </m:e>
+                      </m:d>
+                    </m:oMath>
+                  </m:oMathPara>
+                </a14:m>
+                <a:endParaRPr lang="zh-TW" altLang="en-US" sz="1400" dirty="0"/>
+              </a:p>
+            </p:txBody>
+          </p:sp>
+        </mc:Choice>
+        <mc:Fallback>
+          <p:sp>
+            <p:nvSpPr>
+              <p:cNvPr id="17" name="文字方塊 16">
+                <a:extLst>
+                  <a:ext uri="{FF2B5EF4-FFF2-40B4-BE49-F238E27FC236}">
+                    <a16:creationId xmlns:a16="http://schemas.microsoft.com/office/drawing/2014/main" id="{25094ABF-ED64-4170-AA66-F404EAFFC0C0}"/>
+                  </a:ext>
+                </a:extLst>
+              </p:cNvPr>
+              <p:cNvSpPr txBox="1">
+                <a:spLocks noRot="1" noChangeAspect="1" noMove="1" noResize="1" noEditPoints="1" noAdjustHandles="1" noChangeArrowheads="1" noChangeShapeType="1" noTextEdit="1"/>
+              </p:cNvSpPr>
+              <p:nvPr/>
+            </p:nvSpPr>
+            <p:spPr>
+              <a:xfrm>
+                <a:off x="4490995" y="2096482"/>
+                <a:ext cx="634024" cy="215444"/>
+              </a:xfrm>
+              <a:prstGeom prst="rect">
+                <a:avLst/>
+              </a:prstGeom>
+              <a:blipFill>
+                <a:blip r:embed="rId7"/>
+                <a:stretch>
+                  <a:fillRect b="-31429"/>
+                </a:stretch>
+              </a:blipFill>
+            </p:spPr>
+            <p:txBody>
+              <a:bodyPr/>
+              <a:lstStyle/>
+              <a:p>
+                <a:r>
+                  <a:rPr lang="zh-TW" altLang="en-US">
+                    <a:noFill/>
+                  </a:rPr>
+                  <a:t> </a:t>
+                </a:r>
+              </a:p>
+            </p:txBody>
+          </p:sp>
+        </mc:Fallback>
+      </mc:AlternateContent>
+      <mc:AlternateContent xmlns:mc="http://schemas.openxmlformats.org/markup-compatibility/2006">
+        <mc:Choice xmlns:a14="http://schemas.microsoft.com/office/drawing/2010/main" Requires="a14">
+          <p:sp>
+            <p:nvSpPr>
+              <p:cNvPr id="18" name="文字方塊 17">
+                <a:extLst>
+                  <a:ext uri="{FF2B5EF4-FFF2-40B4-BE49-F238E27FC236}">
+                    <a16:creationId xmlns:a16="http://schemas.microsoft.com/office/drawing/2014/main" id="{6B8FF6F3-29CF-487C-890E-3B9E8A04183D}"/>
+                  </a:ext>
+                </a:extLst>
+              </p:cNvPr>
+              <p:cNvSpPr txBox="1"/>
+              <p:nvPr/>
+            </p:nvSpPr>
+            <p:spPr>
+              <a:xfrm>
+                <a:off x="4577301" y="4051894"/>
+                <a:ext cx="634024" cy="215444"/>
+              </a:xfrm>
+              <a:prstGeom prst="rect">
+                <a:avLst/>
+              </a:prstGeom>
+              <a:solidFill>
+                <a:srgbClr val="FFFF00"/>
+              </a:solidFill>
+              <a:ln>
+                <a:noFill/>
+              </a:ln>
+            </p:spPr>
+            <p:txBody>
+              <a:bodyPr wrap="square" lIns="0" tIns="0" rIns="0" bIns="0" rtlCol="0">
+                <a:spAutoFit/>
+              </a:bodyPr>
+              <a:lstStyle/>
+              <a:p>
+                <a14:m>
+                  <m:oMathPara xmlns:m="http://schemas.openxmlformats.org/officeDocument/2006/math">
+                    <m:oMathParaPr>
+                      <m:jc m:val="centerGroup"/>
+                    </m:oMathParaPr>
+                    <m:oMath xmlns:m="http://schemas.openxmlformats.org/officeDocument/2006/math">
+                      <m:r>
+                        <a:rPr lang="zh-TW" altLang="en-US" sz="1400" i="1" smtClean="0">
+                          <a:latin typeface="Cambria Math" panose="02040503050406030204" pitchFamily="18" charset="0"/>
+                        </a:rPr>
+                        <m:t>𝜙</m:t>
+                      </m:r>
+                      <m:d>
+                        <m:dPr>
+                          <m:ctrlPr>
+                            <a:rPr lang="zh-TW" altLang="en-US" sz="1400" i="1">
+                              <a:latin typeface="Cambria Math" panose="02040503050406030204" pitchFamily="18" charset="0"/>
+                            </a:rPr>
+                          </m:ctrlPr>
+                        </m:dPr>
+                        <m:e>
+                          <m:r>
+                            <a:rPr lang="zh-TW" altLang="en-US" sz="1400" i="1">
+                              <a:latin typeface="Cambria Math" panose="02040503050406030204" pitchFamily="18" charset="0"/>
+                            </a:rPr>
+                            <m:t>𝑧</m:t>
+                          </m:r>
+                        </m:e>
+                      </m:d>
+                    </m:oMath>
+                  </m:oMathPara>
+                </a14:m>
+                <a:endParaRPr lang="zh-TW" altLang="en-US" sz="1400" dirty="0"/>
+              </a:p>
+            </p:txBody>
+          </p:sp>
+        </mc:Choice>
+        <mc:Fallback>
+          <p:sp>
+            <p:nvSpPr>
+              <p:cNvPr id="18" name="文字方塊 17">
+                <a:extLst>
+                  <a:ext uri="{FF2B5EF4-FFF2-40B4-BE49-F238E27FC236}">
+                    <a16:creationId xmlns:a16="http://schemas.microsoft.com/office/drawing/2014/main" id="{6B8FF6F3-29CF-487C-890E-3B9E8A04183D}"/>
+                  </a:ext>
+                </a:extLst>
+              </p:cNvPr>
+              <p:cNvSpPr txBox="1">
+                <a:spLocks noRot="1" noChangeAspect="1" noMove="1" noResize="1" noEditPoints="1" noAdjustHandles="1" noChangeArrowheads="1" noChangeShapeType="1" noTextEdit="1"/>
+              </p:cNvSpPr>
+              <p:nvPr/>
+            </p:nvSpPr>
+            <p:spPr>
+              <a:xfrm>
+                <a:off x="4577301" y="4051894"/>
+                <a:ext cx="634024" cy="215444"/>
+              </a:xfrm>
+              <a:prstGeom prst="rect">
+                <a:avLst/>
+              </a:prstGeom>
+              <a:blipFill>
+                <a:blip r:embed="rId8"/>
+                <a:stretch>
+                  <a:fillRect b="-31429"/>
+                </a:stretch>
+              </a:blipFill>
+              <a:ln>
+                <a:noFill/>
+              </a:ln>
+            </p:spPr>
+            <p:txBody>
+              <a:bodyPr/>
+              <a:lstStyle/>
+              <a:p>
+                <a:r>
+                  <a:rPr lang="zh-TW" altLang="en-US">
+                    <a:noFill/>
+                  </a:rPr>
+                  <a:t> </a:t>
+                </a:r>
+              </a:p>
+            </p:txBody>
+          </p:sp>
+        </mc:Fallback>
+      </mc:AlternateContent>
+      <p:sp>
+        <p:nvSpPr>
+          <p:cNvPr id="19" name="文字方塊 18">
+            <a:extLst>
+              <a:ext uri="{FF2B5EF4-FFF2-40B4-BE49-F238E27FC236}">
+                <a16:creationId xmlns:a16="http://schemas.microsoft.com/office/drawing/2014/main" id="{DDD7463B-4E9C-43E2-B2D1-38603648F7B2}"/>
+              </a:ext>
+            </a:extLst>
+          </p:cNvPr>
+          <p:cNvSpPr txBox="1"/>
+          <p:nvPr/>
+        </p:nvSpPr>
+        <p:spPr>
+          <a:xfrm>
+            <a:off x="3740726" y="4542955"/>
+            <a:ext cx="276038" cy="369332"/>
+          </a:xfrm>
+          <a:prstGeom prst="rect">
+            <a:avLst/>
+          </a:prstGeom>
+          <a:solidFill>
+            <a:srgbClr val="FFFF00"/>
+          </a:solidFill>
+        </p:spPr>
+        <p:txBody>
+          <a:bodyPr wrap="none" rtlCol="0">
+            <a:spAutoFit/>
+          </a:bodyPr>
+          <a:lstStyle/>
+          <a:p>
+            <a:r>
+              <a:rPr lang="en-US" altLang="zh-TW" dirty="0"/>
+              <a:t>z</a:t>
+            </a:r>
+            <a:endParaRPr lang="zh-TW" altLang="en-US" dirty="0"/>
+          </a:p>
+        </p:txBody>
+      </p:sp>
     </p:spTree>
     <p:extLst>
       <p:ext uri="{BB962C8B-B14F-4D97-AF65-F5344CB8AC3E}">
-        <p14:creationId xmlns:p14="http://schemas.microsoft.com/office/powerpoint/2010/main" val="1984532448"/>
+        <p14:creationId xmlns:p14="http://schemas.microsoft.com/office/powerpoint/2010/main" val="1284876871"/>
       </p:ext>
     </p:extLst>
   </p:cSld>
@@ -14104,7 +15006,7 @@
           <p:cNvPr id="2" name="標題 1">
             <a:extLst>
               <a:ext uri="{FF2B5EF4-FFF2-40B4-BE49-F238E27FC236}">
-                <a16:creationId xmlns:a16="http://schemas.microsoft.com/office/drawing/2014/main" id="{70668945-B7EC-4556-B1F0-83C03F8657F1}"/>
+                <a16:creationId xmlns:a16="http://schemas.microsoft.com/office/drawing/2014/main" id="{EA99FA77-94AF-45D4-9139-0BD5CC6FAC34}"/>
               </a:ext>
             </a:extLst>
           </p:cNvPr>
@@ -14115,92 +15017,36 @@
             <p:ph type="title"/>
           </p:nvPr>
         </p:nvSpPr>
-        <p:spPr/>
+        <p:spPr>
+          <a:xfrm>
+            <a:off x="838200" y="259988"/>
+            <a:ext cx="7772400" cy="1325563"/>
+          </a:xfrm>
+        </p:spPr>
         <p:txBody>
           <a:bodyPr/>
           <a:lstStyle/>
           <a:p>
-            <a:endParaRPr lang="zh-TW" altLang="en-US" dirty="0"/>
-          </a:p>
-        </p:txBody>
-      </p:sp>
-      <p:sp>
-        <p:nvSpPr>
-          <p:cNvPr id="3" name="內容版面配置區 2">
-            <a:extLst>
-              <a:ext uri="{FF2B5EF4-FFF2-40B4-BE49-F238E27FC236}">
-                <a16:creationId xmlns:a16="http://schemas.microsoft.com/office/drawing/2014/main" id="{0D4F3C9B-EBB8-43D4-9DB7-7FEAFCE6A300}"/>
-              </a:ext>
-            </a:extLst>
-          </p:cNvPr>
-          <p:cNvSpPr>
-            <a:spLocks noGrp="1"/>
-          </p:cNvSpPr>
-          <p:nvPr>
-            <p:ph idx="1"/>
-          </p:nvPr>
-        </p:nvSpPr>
-        <p:spPr/>
-        <p:txBody>
-          <a:bodyPr/>
-          <a:lstStyle/>
-          <a:p>
+            <a:r>
+              <a:rPr lang="en-US" altLang="zh-TW" dirty="0"/>
+              <a:t>Odds Ratio: </a:t>
+            </a:r>
             <a:r>
               <a:rPr lang="zh-TW" altLang="en-US" dirty="0"/>
-              <a:t>林智仁教授 的 </a:t>
+              <a:t>勝負比</a:t>
             </a:r>
             <a:r>
               <a:rPr lang="en-US" altLang="zh-TW" dirty="0"/>
-              <a:t>SVM</a:t>
-            </a:r>
-          </a:p>
-          <a:p>
-            <a:endParaRPr lang="en-US" altLang="zh-TW" dirty="0"/>
-          </a:p>
-          <a:p>
-            <a:pPr lvl="1"/>
-            <a:r>
-              <a:rPr lang="en-US" altLang="zh-TW" dirty="0">
-                <a:hlinkClick r:id="rId2"/>
-              </a:rPr>
-              <a:t>https://www.csie.ntu.edu.tw/~cjlin/libsvm/</a:t>
-            </a:r>
-            <a:endParaRPr lang="en-US" altLang="zh-TW" dirty="0"/>
-          </a:p>
-          <a:p>
-            <a:pPr lvl="1"/>
-            <a:endParaRPr lang="en-US" altLang="zh-TW" dirty="0"/>
-          </a:p>
-          <a:p>
-            <a:pPr lvl="1"/>
-            <a:r>
-              <a:rPr lang="en-US" altLang="zh-TW" dirty="0">
-                <a:hlinkClick r:id="rId3"/>
-              </a:rPr>
-              <a:t>https://www.csie.ntu.edu.tw/~cjlin/papers/libsvm.pdf</a:t>
-            </a:r>
-            <a:endParaRPr lang="en-US" altLang="zh-TW" dirty="0"/>
-          </a:p>
-          <a:p>
-            <a:pPr lvl="1"/>
-            <a:endParaRPr lang="en-US" altLang="zh-TW" dirty="0"/>
-          </a:p>
-          <a:p>
-            <a:pPr lvl="1"/>
-            <a:r>
-              <a:rPr lang="en-US" altLang="zh-TW" dirty="0">
-                <a:hlinkClick r:id="rId4"/>
-              </a:rPr>
-              <a:t>https://www.csie.ntu.edu.tw/~cjlin/papers/guide/guide.pdf</a:t>
-            </a:r>
-            <a:endParaRPr lang="en-US" altLang="zh-TW" dirty="0"/>
-          </a:p>
-          <a:p>
-            <a:pPr lvl="1"/>
-            <a:endParaRPr lang="en-US" altLang="zh-TW" dirty="0"/>
-          </a:p>
-          <a:p>
-            <a:pPr lvl="1"/>
+              <a:t>=</a:t>
+            </a:r>
+            <a:r>
+              <a:rPr lang="zh-TW" altLang="en-US" dirty="0"/>
+              <a:t> </a:t>
+            </a:r>
+            <a:r>
+              <a:rPr lang="en-US" altLang="zh-TW" dirty="0"/>
+              <a:t>p/q</a:t>
+            </a:r>
             <a:endParaRPr lang="zh-TW" altLang="en-US" dirty="0"/>
           </a:p>
         </p:txBody>
@@ -14210,7 +15056,7 @@
           <p:cNvPr id="4" name="投影片編號版面配置區 3">
             <a:extLst>
               <a:ext uri="{FF2B5EF4-FFF2-40B4-BE49-F238E27FC236}">
-                <a16:creationId xmlns:a16="http://schemas.microsoft.com/office/drawing/2014/main" id="{33668A95-94A4-4B5B-9D9F-C06893B30BC4}"/>
+                <a16:creationId xmlns:a16="http://schemas.microsoft.com/office/drawing/2014/main" id="{F5E44EAA-73C6-4AC7-B2E3-E29EBA901A00}"/>
               </a:ext>
             </a:extLst>
           </p:cNvPr>
@@ -14230,14 +15076,1771 @@
               <a:rPr lang="zh-TW" altLang="en-US" smtClean="0"/>
               <a:t>29</a:t>
             </a:fld>
-            <a:endParaRPr lang="zh-TW" altLang="en-US"/>
+            <a:endParaRPr lang="zh-TW" altLang="en-US" dirty="0"/>
           </a:p>
         </p:txBody>
       </p:sp>
+      <p:pic>
+        <p:nvPicPr>
+          <p:cNvPr id="6" name="圖片 5">
+            <a:extLst>
+              <a:ext uri="{FF2B5EF4-FFF2-40B4-BE49-F238E27FC236}">
+                <a16:creationId xmlns:a16="http://schemas.microsoft.com/office/drawing/2014/main" id="{CE561C6B-66F9-4328-B90F-25AE774C9E67}"/>
+              </a:ext>
+            </a:extLst>
+          </p:cNvPr>
+          <p:cNvPicPr>
+            <a:picLocks noChangeAspect="1"/>
+          </p:cNvPicPr>
+          <p:nvPr/>
+        </p:nvPicPr>
+        <p:blipFill>
+          <a:blip r:embed="rId3"/>
+          <a:stretch>
+            <a:fillRect/>
+          </a:stretch>
+        </p:blipFill>
+        <p:spPr>
+          <a:xfrm>
+            <a:off x="292447" y="2521395"/>
+            <a:ext cx="571500" cy="542925"/>
+          </a:xfrm>
+          <a:prstGeom prst="rect">
+            <a:avLst/>
+          </a:prstGeom>
+        </p:spPr>
+      </p:pic>
+      <p:pic>
+        <p:nvPicPr>
+          <p:cNvPr id="7" name="圖片 6">
+            <a:extLst>
+              <a:ext uri="{FF2B5EF4-FFF2-40B4-BE49-F238E27FC236}">
+                <a16:creationId xmlns:a16="http://schemas.microsoft.com/office/drawing/2014/main" id="{2D48A5D0-9385-4A5C-8EC4-542905AF51D4}"/>
+              </a:ext>
+            </a:extLst>
+          </p:cNvPr>
+          <p:cNvPicPr>
+            <a:picLocks noChangeAspect="1"/>
+          </p:cNvPicPr>
+          <p:nvPr/>
+        </p:nvPicPr>
+        <p:blipFill>
+          <a:blip r:embed="rId4"/>
+          <a:stretch>
+            <a:fillRect/>
+          </a:stretch>
+        </p:blipFill>
+        <p:spPr>
+          <a:xfrm>
+            <a:off x="278330" y="3297196"/>
+            <a:ext cx="2381250" cy="781050"/>
+          </a:xfrm>
+          <a:prstGeom prst="rect">
+            <a:avLst/>
+          </a:prstGeom>
+        </p:spPr>
+      </p:pic>
+      <p:pic>
+        <p:nvPicPr>
+          <p:cNvPr id="9" name="圖片 8">
+            <a:extLst>
+              <a:ext uri="{FF2B5EF4-FFF2-40B4-BE49-F238E27FC236}">
+                <a16:creationId xmlns:a16="http://schemas.microsoft.com/office/drawing/2014/main" id="{8A7A35B7-B6FE-46F6-920A-05C3FAB54F9D}"/>
+              </a:ext>
+            </a:extLst>
+          </p:cNvPr>
+          <p:cNvPicPr>
+            <a:picLocks noChangeAspect="1"/>
+          </p:cNvPicPr>
+          <p:nvPr/>
+        </p:nvPicPr>
+        <p:blipFill>
+          <a:blip r:embed="rId5"/>
+          <a:stretch>
+            <a:fillRect/>
+          </a:stretch>
+        </p:blipFill>
+        <p:spPr>
+          <a:xfrm>
+            <a:off x="259889" y="5368377"/>
+            <a:ext cx="3954655" cy="458740"/>
+          </a:xfrm>
+          <a:prstGeom prst="rect">
+            <a:avLst/>
+          </a:prstGeom>
+        </p:spPr>
+      </p:pic>
+      <p:pic>
+        <p:nvPicPr>
+          <p:cNvPr id="10" name="圖片 9">
+            <a:extLst>
+              <a:ext uri="{FF2B5EF4-FFF2-40B4-BE49-F238E27FC236}">
+                <a16:creationId xmlns:a16="http://schemas.microsoft.com/office/drawing/2014/main" id="{D81F11DB-AB90-474B-8844-325107BBA6D3}"/>
+              </a:ext>
+            </a:extLst>
+          </p:cNvPr>
+          <p:cNvPicPr>
+            <a:picLocks noChangeAspect="1"/>
+          </p:cNvPicPr>
+          <p:nvPr/>
+        </p:nvPicPr>
+        <p:blipFill>
+          <a:blip r:embed="rId6"/>
+          <a:stretch>
+            <a:fillRect/>
+          </a:stretch>
+        </p:blipFill>
+        <p:spPr>
+          <a:xfrm>
+            <a:off x="292447" y="6006188"/>
+            <a:ext cx="1601389" cy="715287"/>
+          </a:xfrm>
+          <a:prstGeom prst="rect">
+            <a:avLst/>
+          </a:prstGeom>
+        </p:spPr>
+      </p:pic>
+      <p:pic>
+        <p:nvPicPr>
+          <p:cNvPr id="11" name="圖片 10">
+            <a:extLst>
+              <a:ext uri="{FF2B5EF4-FFF2-40B4-BE49-F238E27FC236}">
+                <a16:creationId xmlns:a16="http://schemas.microsoft.com/office/drawing/2014/main" id="{9E723785-6A96-4B8B-AFAD-F4EAAEC1BD0A}"/>
+              </a:ext>
+            </a:extLst>
+          </p:cNvPr>
+          <p:cNvPicPr>
+            <a:picLocks noChangeAspect="1"/>
+          </p:cNvPicPr>
+          <p:nvPr/>
+        </p:nvPicPr>
+        <p:blipFill>
+          <a:blip r:embed="rId7"/>
+          <a:stretch>
+            <a:fillRect/>
+          </a:stretch>
+        </p:blipFill>
+        <p:spPr>
+          <a:xfrm>
+            <a:off x="278330" y="1922916"/>
+            <a:ext cx="952500" cy="323850"/>
+          </a:xfrm>
+          <a:prstGeom prst="rect">
+            <a:avLst/>
+          </a:prstGeom>
+        </p:spPr>
+      </p:pic>
+      <mc:AlternateContent xmlns:mc="http://schemas.openxmlformats.org/markup-compatibility/2006">
+        <mc:Choice xmlns:a14="http://schemas.microsoft.com/office/drawing/2010/main" Requires="a14">
+          <p:sp>
+            <p:nvSpPr>
+              <p:cNvPr id="13" name="文字方塊 12">
+                <a:extLst>
+                  <a:ext uri="{FF2B5EF4-FFF2-40B4-BE49-F238E27FC236}">
+                    <a16:creationId xmlns:a16="http://schemas.microsoft.com/office/drawing/2014/main" id="{0C6760C6-D341-45F2-B20C-C59FC74CC2E3}"/>
+                  </a:ext>
+                </a:extLst>
+              </p:cNvPr>
+              <p:cNvSpPr txBox="1"/>
+              <p:nvPr/>
+            </p:nvSpPr>
+            <p:spPr>
+              <a:xfrm>
+                <a:off x="3247905" y="1470795"/>
+                <a:ext cx="2856359" cy="3013967"/>
+              </a:xfrm>
+              <a:prstGeom prst="rect">
+                <a:avLst/>
+              </a:prstGeom>
+              <a:noFill/>
+              <a:ln>
+                <a:solidFill>
+                  <a:srgbClr val="7030A0"/>
+                </a:solidFill>
+              </a:ln>
+            </p:spPr>
+            <p:txBody>
+              <a:bodyPr wrap="none" lIns="0" tIns="0" rIns="0" bIns="0" rtlCol="0">
+                <a:spAutoFit/>
+              </a:bodyPr>
+              <a:lstStyle/>
+              <a:p>
+                <a:r>
+                  <a:rPr lang="en-US" altLang="zh-TW" i="1" dirty="0">
+                    <a:latin typeface="Cambria Math" panose="02040503050406030204" pitchFamily="18" charset="0"/>
+                  </a:rPr>
+                  <a:t>Win prob:  </a:t>
+                </a:r>
+                <a:r>
+                  <a:rPr lang="zh-TW" altLang="en-US" i="1" dirty="0">
+                    <a:solidFill>
+                      <a:srgbClr val="7030A0"/>
+                    </a:solidFill>
+                    <a:latin typeface="Cambria Math" panose="02040503050406030204" pitchFamily="18" charset="0"/>
+                  </a:rPr>
+                  <a:t>勝率 </a:t>
+                </a:r>
+                <a:r>
+                  <a:rPr lang="en-US" altLang="zh-TW" i="1" dirty="0">
+                    <a:solidFill>
+                      <a:srgbClr val="7030A0"/>
+                    </a:solidFill>
+                    <a:latin typeface="Cambria Math" panose="02040503050406030204" pitchFamily="18" charset="0"/>
+                  </a:rPr>
+                  <a:t>p</a:t>
+                </a:r>
+              </a:p>
+              <a:p>
+                <a:pPr/>
+                <a14:m>
+                  <m:oMathPara xmlns:m="http://schemas.openxmlformats.org/officeDocument/2006/math">
+                    <m:oMathParaPr>
+                      <m:jc m:val="left"/>
+                    </m:oMathParaPr>
+                    <m:oMath xmlns:m="http://schemas.openxmlformats.org/officeDocument/2006/math">
+                      <m:r>
+                        <a:rPr lang="en-US" altLang="zh-TW" i="1" smtClean="0">
+                          <a:solidFill>
+                            <a:srgbClr val="7030A0"/>
+                          </a:solidFill>
+                          <a:latin typeface="Cambria Math" panose="02040503050406030204" pitchFamily="18" charset="0"/>
+                        </a:rPr>
+                        <m:t>𝑝</m:t>
+                      </m:r>
+                      <m:r>
+                        <a:rPr lang="en-US" altLang="zh-TW" i="1">
+                          <a:latin typeface="Cambria Math" panose="02040503050406030204" pitchFamily="18" charset="0"/>
+                          <a:ea typeface="Cambria Math" panose="02040503050406030204" pitchFamily="18" charset="0"/>
+                        </a:rPr>
+                        <m:t>≡</m:t>
+                      </m:r>
+                      <m:r>
+                        <a:rPr lang="en-US" altLang="zh-TW" i="1">
+                          <a:latin typeface="Cambria Math" panose="02040503050406030204" pitchFamily="18" charset="0"/>
+                        </a:rPr>
+                        <m:t>𝑃𝑟𝑜𝑏</m:t>
+                      </m:r>
+                      <m:r>
+                        <a:rPr lang="en-US" altLang="zh-TW" i="1">
+                          <a:latin typeface="Cambria Math" panose="02040503050406030204" pitchFamily="18" charset="0"/>
+                        </a:rPr>
+                        <m:t>( "</m:t>
+                      </m:r>
+                      <m:r>
+                        <m:rPr>
+                          <m:nor/>
+                        </m:rPr>
+                        <a:rPr lang="en-US" altLang="zh-TW">
+                          <a:latin typeface="Cambria Math" panose="02040503050406030204" pitchFamily="18" charset="0"/>
+                        </a:rPr>
+                        <m:t>y</m:t>
+                      </m:r>
+                      <m:r>
+                        <m:rPr>
+                          <m:nor/>
+                        </m:rPr>
+                        <a:rPr lang="en-US" altLang="zh-TW" b="0" i="0" smtClean="0">
+                          <a:latin typeface="Cambria Math" panose="02040503050406030204" pitchFamily="18" charset="0"/>
+                        </a:rPr>
+                        <m:t> </m:t>
+                      </m:r>
+                      <m:r>
+                        <m:rPr>
+                          <m:nor/>
+                        </m:rPr>
+                        <a:rPr lang="en-US" altLang="zh-TW">
+                          <a:latin typeface="Cambria Math" panose="02040503050406030204" pitchFamily="18" charset="0"/>
+                        </a:rPr>
+                        <m:t>=</m:t>
+                      </m:r>
+                      <m:r>
+                        <m:rPr>
+                          <m:nor/>
+                        </m:rPr>
+                        <a:rPr lang="en-US" altLang="zh-TW" b="0" i="0" smtClean="0">
+                          <a:latin typeface="Cambria Math" panose="02040503050406030204" pitchFamily="18" charset="0"/>
+                        </a:rPr>
+                        <m:t> +</m:t>
+                      </m:r>
+                      <m:r>
+                        <m:rPr>
+                          <m:nor/>
+                        </m:rPr>
+                        <a:rPr lang="en-US" altLang="zh-TW">
+                          <a:latin typeface="Cambria Math" panose="02040503050406030204" pitchFamily="18" charset="0"/>
+                        </a:rPr>
+                        <m:t>1</m:t>
+                      </m:r>
+                      <m:r>
+                        <a:rPr lang="en-US" altLang="zh-TW" b="0" i="1" smtClean="0">
+                          <a:latin typeface="Cambria Math" panose="02040503050406030204" pitchFamily="18" charset="0"/>
+                        </a:rPr>
+                        <m:t>"</m:t>
+                      </m:r>
+                      <m:r>
+                        <a:rPr lang="en-US" altLang="zh-TW" i="1">
+                          <a:latin typeface="Cambria Math" panose="02040503050406030204" pitchFamily="18" charset="0"/>
+                        </a:rPr>
+                        <m:t>)</m:t>
+                      </m:r>
+                    </m:oMath>
+                  </m:oMathPara>
+                </a14:m>
+                <a:endParaRPr lang="en-US" altLang="zh-TW" dirty="0"/>
+              </a:p>
+              <a:p>
+                <a:pPr/>
+                <a14:m>
+                  <m:oMathPara xmlns:m="http://schemas.openxmlformats.org/officeDocument/2006/math">
+                    <m:oMathParaPr>
+                      <m:jc m:val="left"/>
+                    </m:oMathParaPr>
+                    <m:oMath xmlns:m="http://schemas.openxmlformats.org/officeDocument/2006/math">
+                      <m:r>
+                        <a:rPr lang="en-US" altLang="zh-TW" b="0" i="1" smtClean="0">
+                          <a:latin typeface="Cambria Math" panose="02040503050406030204" pitchFamily="18" charset="0"/>
+                          <a:ea typeface="Cambria Math" panose="02040503050406030204" pitchFamily="18" charset="0"/>
+                        </a:rPr>
+                        <m:t>𝑞</m:t>
+                      </m:r>
+                      <m:r>
+                        <a:rPr lang="en-US" altLang="zh-TW" i="1">
+                          <a:latin typeface="Cambria Math" panose="02040503050406030204" pitchFamily="18" charset="0"/>
+                          <a:ea typeface="Cambria Math" panose="02040503050406030204" pitchFamily="18" charset="0"/>
+                        </a:rPr>
+                        <m:t>≡</m:t>
+                      </m:r>
+                      <m:r>
+                        <a:rPr lang="en-US" altLang="zh-TW" i="1">
+                          <a:latin typeface="Cambria Math" panose="02040503050406030204" pitchFamily="18" charset="0"/>
+                        </a:rPr>
+                        <m:t>𝑃𝑟𝑜𝑏</m:t>
+                      </m:r>
+                      <m:d>
+                        <m:dPr>
+                          <m:ctrlPr>
+                            <a:rPr lang="en-US" altLang="zh-TW" i="1">
+                              <a:latin typeface="Cambria Math" panose="02040503050406030204" pitchFamily="18" charset="0"/>
+                            </a:rPr>
+                          </m:ctrlPr>
+                        </m:dPr>
+                        <m:e>
+                          <m:r>
+                            <a:rPr lang="en-US" altLang="zh-TW" i="1">
+                              <a:latin typeface="Cambria Math" panose="02040503050406030204" pitchFamily="18" charset="0"/>
+                            </a:rPr>
+                            <m:t> </m:t>
+                          </m:r>
+                          <m:r>
+                            <m:rPr>
+                              <m:nor/>
+                            </m:rPr>
+                            <a:rPr lang="en-US" altLang="zh-TW" b="0" i="0" smtClean="0">
+                              <a:latin typeface="Cambria Math" panose="02040503050406030204" pitchFamily="18" charset="0"/>
+                            </a:rPr>
+                            <m:t>"</m:t>
+                          </m:r>
+                          <m:r>
+                            <m:rPr>
+                              <m:nor/>
+                            </m:rPr>
+                            <a:rPr lang="en-US" altLang="zh-TW">
+                              <a:latin typeface="Cambria Math" panose="02040503050406030204" pitchFamily="18" charset="0"/>
+                            </a:rPr>
+                            <m:t>y</m:t>
+                          </m:r>
+                          <m:r>
+                            <m:rPr>
+                              <m:nor/>
+                            </m:rPr>
+                            <a:rPr lang="en-US" altLang="zh-TW">
+                              <a:latin typeface="Cambria Math" panose="02040503050406030204" pitchFamily="18" charset="0"/>
+                            </a:rPr>
+                            <m:t>= -</m:t>
+                          </m:r>
+                          <m:r>
+                            <m:rPr>
+                              <m:nor/>
+                            </m:rPr>
+                            <a:rPr lang="en-US" altLang="zh-TW">
+                              <a:latin typeface="Cambria Math" panose="02040503050406030204" pitchFamily="18" charset="0"/>
+                            </a:rPr>
+                            <m:t>1</m:t>
+                          </m:r>
+                          <m:r>
+                            <m:rPr>
+                              <m:nor/>
+                            </m:rPr>
+                            <a:rPr lang="en-US" altLang="zh-TW" b="0" i="0" smtClean="0">
+                              <a:latin typeface="Cambria Math" panose="02040503050406030204" pitchFamily="18" charset="0"/>
+                            </a:rPr>
+                            <m:t>"</m:t>
+                          </m:r>
+                        </m:e>
+                      </m:d>
+                      <m:r>
+                        <a:rPr lang="en-US" altLang="zh-TW" b="0" i="1" smtClean="0">
+                          <a:latin typeface="Cambria Math" panose="02040503050406030204" pitchFamily="18" charset="0"/>
+                        </a:rPr>
+                        <m:t>=1−</m:t>
+                      </m:r>
+                      <m:r>
+                        <a:rPr lang="en-US" altLang="zh-TW" b="0" i="1" smtClean="0">
+                          <a:latin typeface="Cambria Math" panose="02040503050406030204" pitchFamily="18" charset="0"/>
+                        </a:rPr>
+                        <m:t>𝑝</m:t>
+                      </m:r>
+                    </m:oMath>
+                  </m:oMathPara>
+                </a14:m>
+                <a:endParaRPr lang="en-US" altLang="zh-TW" dirty="0"/>
+              </a:p>
+              <a:p>
+                <a:endParaRPr lang="en-US" altLang="zh-TW" dirty="0"/>
+              </a:p>
+              <a:p>
+                <a:r>
+                  <a:rPr lang="en-US" altLang="zh-TW" dirty="0"/>
+                  <a:t>Odds (ratio): </a:t>
+                </a:r>
+                <a:r>
+                  <a:rPr lang="zh-TW" altLang="en-US" dirty="0"/>
+                  <a:t> </a:t>
+                </a:r>
+                <a:r>
+                  <a:rPr lang="zh-TW" altLang="en-US" dirty="0">
+                    <a:solidFill>
+                      <a:srgbClr val="0000FF"/>
+                    </a:solidFill>
+                  </a:rPr>
+                  <a:t>勝負比</a:t>
+                </a:r>
+                <a:endParaRPr lang="en-US" altLang="zh-TW" dirty="0">
+                  <a:solidFill>
+                    <a:srgbClr val="0000FF"/>
+                  </a:solidFill>
+                  <a:latin typeface="Cambria Math" panose="02040503050406030204" pitchFamily="18" charset="0"/>
+                </a:endParaRPr>
+              </a:p>
+              <a:p>
+                <a:pPr/>
+                <a14:m>
+                  <m:oMathPara xmlns:m="http://schemas.openxmlformats.org/officeDocument/2006/math">
+                    <m:oMathParaPr>
+                      <m:jc m:val="left"/>
+                    </m:oMathParaPr>
+                    <m:oMath xmlns:m="http://schemas.openxmlformats.org/officeDocument/2006/math">
+                      <m:r>
+                        <m:rPr>
+                          <m:sty m:val="p"/>
+                        </m:rPr>
+                        <a:rPr lang="en-US" altLang="zh-TW" b="0" i="0" smtClean="0">
+                          <a:solidFill>
+                            <a:srgbClr val="0000FF"/>
+                          </a:solidFill>
+                          <a:latin typeface="Cambria Math" panose="02040503050406030204" pitchFamily="18" charset="0"/>
+                        </a:rPr>
+                        <m:t>o</m:t>
+                      </m:r>
+                      <m:r>
+                        <a:rPr lang="en-US" altLang="zh-TW" b="0" i="1" smtClean="0">
+                          <a:latin typeface="Cambria Math" panose="02040503050406030204" pitchFamily="18" charset="0"/>
+                          <a:ea typeface="Cambria Math" panose="02040503050406030204" pitchFamily="18" charset="0"/>
+                        </a:rPr>
+                        <m:t>≡</m:t>
+                      </m:r>
+                      <m:f>
+                        <m:fPr>
+                          <m:ctrlPr>
+                            <a:rPr lang="en-US" altLang="zh-TW" b="0" i="0" smtClean="0">
+                              <a:latin typeface="Cambria Math" panose="02040503050406030204" pitchFamily="18" charset="0"/>
+                            </a:rPr>
+                          </m:ctrlPr>
+                        </m:fPr>
+                        <m:num>
+                          <m:r>
+                            <m:rPr>
+                              <m:sty m:val="p"/>
+                            </m:rPr>
+                            <a:rPr lang="en-US" altLang="zh-TW" b="0" i="0" smtClean="0">
+                              <a:latin typeface="Cambria Math" panose="02040503050406030204" pitchFamily="18" charset="0"/>
+                            </a:rPr>
+                            <m:t>p</m:t>
+                          </m:r>
+                        </m:num>
+                        <m:den>
+                          <m:r>
+                            <m:rPr>
+                              <m:sty m:val="p"/>
+                            </m:rPr>
+                            <a:rPr lang="en-US" altLang="zh-TW" b="0" i="0" smtClean="0">
+                              <a:latin typeface="Cambria Math" panose="02040503050406030204" pitchFamily="18" charset="0"/>
+                            </a:rPr>
+                            <m:t>q</m:t>
+                          </m:r>
+                        </m:den>
+                      </m:f>
+                      <m:r>
+                        <a:rPr lang="en-US" altLang="zh-TW" b="0" i="0" smtClean="0">
+                          <a:latin typeface="Cambria Math" panose="02040503050406030204" pitchFamily="18" charset="0"/>
+                        </a:rPr>
+                        <m:t>=</m:t>
+                      </m:r>
+                      <m:f>
+                        <m:fPr>
+                          <m:ctrlPr>
+                            <a:rPr lang="en-US" altLang="zh-TW" b="0" i="0" smtClean="0">
+                              <a:latin typeface="Cambria Math" panose="02040503050406030204" pitchFamily="18" charset="0"/>
+                            </a:rPr>
+                          </m:ctrlPr>
+                        </m:fPr>
+                        <m:num>
+                          <m:r>
+                            <m:rPr>
+                              <m:sty m:val="p"/>
+                            </m:rPr>
+                            <a:rPr lang="en-US" altLang="zh-TW" b="0" i="0" smtClean="0">
+                              <a:latin typeface="Cambria Math" panose="02040503050406030204" pitchFamily="18" charset="0"/>
+                            </a:rPr>
+                            <m:t>p</m:t>
+                          </m:r>
+                        </m:num>
+                        <m:den>
+                          <m:r>
+                            <a:rPr lang="en-US" altLang="zh-TW" b="0" i="0" smtClean="0">
+                              <a:latin typeface="Cambria Math" panose="02040503050406030204" pitchFamily="18" charset="0"/>
+                            </a:rPr>
+                            <m:t>1−</m:t>
+                          </m:r>
+                          <m:r>
+                            <m:rPr>
+                              <m:sty m:val="p"/>
+                            </m:rPr>
+                            <a:rPr lang="en-US" altLang="zh-TW" b="0" i="0" smtClean="0">
+                              <a:latin typeface="Cambria Math" panose="02040503050406030204" pitchFamily="18" charset="0"/>
+                            </a:rPr>
+                            <m:t>p</m:t>
+                          </m:r>
+                        </m:den>
+                      </m:f>
+                    </m:oMath>
+                  </m:oMathPara>
+                </a14:m>
+                <a:endParaRPr lang="en-US" altLang="zh-TW" b="0" i="0" dirty="0">
+                  <a:latin typeface="Cambria Math" panose="02040503050406030204" pitchFamily="18" charset="0"/>
+                </a:endParaRPr>
+              </a:p>
+              <a:p>
+                <a:endParaRPr lang="en-US" altLang="zh-TW" b="0" i="1" dirty="0">
+                  <a:latin typeface="Cambria Math" panose="02040503050406030204" pitchFamily="18" charset="0"/>
+                  <a:ea typeface="Cambria Math" panose="02040503050406030204" pitchFamily="18" charset="0"/>
+                </a:endParaRPr>
+              </a:p>
+              <a:p>
+                <a:r>
+                  <a:rPr lang="en-US" altLang="zh-TW" b="0" i="1" dirty="0">
+                    <a:latin typeface="Cambria Math" panose="02040503050406030204" pitchFamily="18" charset="0"/>
+                    <a:ea typeface="Cambria Math" panose="02040503050406030204" pitchFamily="18" charset="0"/>
+                  </a:rPr>
+                  <a:t>Log Odds: </a:t>
+                </a:r>
+                <a:r>
+                  <a:rPr lang="zh-TW" altLang="en-US" b="0" i="1" dirty="0">
+                    <a:solidFill>
+                      <a:srgbClr val="FF0000"/>
+                    </a:solidFill>
+                    <a:latin typeface="Cambria Math" panose="02040503050406030204" pitchFamily="18" charset="0"/>
+                    <a:ea typeface="Cambria Math" panose="02040503050406030204" pitchFamily="18" charset="0"/>
+                  </a:rPr>
+                  <a:t>對數</a:t>
+                </a:r>
+                <a:r>
+                  <a:rPr lang="zh-TW" altLang="en-US" i="1" dirty="0">
+                    <a:solidFill>
+                      <a:srgbClr val="FF0000"/>
+                    </a:solidFill>
+                    <a:latin typeface="Cambria Math" panose="02040503050406030204" pitchFamily="18" charset="0"/>
+                    <a:ea typeface="Cambria Math" panose="02040503050406030204" pitchFamily="18" charset="0"/>
+                  </a:rPr>
+                  <a:t>勝負比</a:t>
+                </a:r>
+                <a:endParaRPr lang="en-US" altLang="zh-TW" b="0" i="1" dirty="0">
+                  <a:solidFill>
+                    <a:srgbClr val="FF0000"/>
+                  </a:solidFill>
+                  <a:latin typeface="Cambria Math" panose="02040503050406030204" pitchFamily="18" charset="0"/>
+                  <a:ea typeface="Cambria Math" panose="02040503050406030204" pitchFamily="18" charset="0"/>
+                </a:endParaRPr>
+              </a:p>
+              <a:p>
+                <a:pPr/>
+                <a14:m>
+                  <m:oMathPara xmlns:m="http://schemas.openxmlformats.org/officeDocument/2006/math">
+                    <m:oMathParaPr>
+                      <m:jc m:val="left"/>
+                    </m:oMathParaPr>
+                    <m:oMath xmlns:m="http://schemas.openxmlformats.org/officeDocument/2006/math">
+                      <m:r>
+                        <m:rPr>
+                          <m:sty m:val="p"/>
+                        </m:rPr>
+                        <a:rPr lang="el-GR" altLang="zh-TW" b="0" i="1" smtClean="0">
+                          <a:solidFill>
+                            <a:srgbClr val="FF0000"/>
+                          </a:solidFill>
+                          <a:latin typeface="Cambria Math" panose="02040503050406030204" pitchFamily="18" charset="0"/>
+                          <a:ea typeface="Cambria Math" panose="02040503050406030204" pitchFamily="18" charset="0"/>
+                        </a:rPr>
+                        <m:t>λ</m:t>
+                      </m:r>
+                      <m:r>
+                        <a:rPr lang="el-GR" altLang="zh-TW" b="0" i="1" smtClean="0">
+                          <a:latin typeface="Cambria Math" panose="02040503050406030204" pitchFamily="18" charset="0"/>
+                          <a:ea typeface="Cambria Math" panose="02040503050406030204" pitchFamily="18" charset="0"/>
+                        </a:rPr>
+                        <m:t>≡</m:t>
+                      </m:r>
+                      <m:r>
+                        <m:rPr>
+                          <m:sty m:val="p"/>
+                        </m:rPr>
+                        <a:rPr lang="en-US" altLang="zh-TW" b="0" i="0" smtClean="0">
+                          <a:latin typeface="Cambria Math" panose="02040503050406030204" pitchFamily="18" charset="0"/>
+                        </a:rPr>
+                        <m:t>log</m:t>
+                      </m:r>
+                      <m:d>
+                        <m:dPr>
+                          <m:ctrlPr>
+                            <a:rPr lang="en-US" altLang="zh-TW" b="0" i="0" smtClean="0">
+                              <a:latin typeface="Cambria Math" panose="02040503050406030204" pitchFamily="18" charset="0"/>
+                            </a:rPr>
+                          </m:ctrlPr>
+                        </m:dPr>
+                        <m:e>
+                          <m:r>
+                            <m:rPr>
+                              <m:sty m:val="p"/>
+                            </m:rPr>
+                            <a:rPr lang="en-US" altLang="zh-TW" b="0" i="0" smtClean="0">
+                              <a:latin typeface="Cambria Math" panose="02040503050406030204" pitchFamily="18" charset="0"/>
+                            </a:rPr>
+                            <m:t>o</m:t>
+                          </m:r>
+                        </m:e>
+                      </m:d>
+                      <m:r>
+                        <a:rPr lang="en-US" altLang="zh-TW" b="0" i="0" smtClean="0">
+                          <a:latin typeface="Cambria Math" panose="02040503050406030204" pitchFamily="18" charset="0"/>
+                        </a:rPr>
+                        <m:t> </m:t>
+                      </m:r>
+                    </m:oMath>
+                  </m:oMathPara>
+                </a14:m>
+                <a:endParaRPr lang="en-US" altLang="zh-TW" b="0" dirty="0"/>
+              </a:p>
+              <a:p>
+                <a:pPr algn="just"/>
+                <a:endParaRPr lang="zh-TW" altLang="en-US" dirty="0"/>
+              </a:p>
+            </p:txBody>
+          </p:sp>
+        </mc:Choice>
+        <mc:Fallback>
+          <p:sp>
+            <p:nvSpPr>
+              <p:cNvPr id="13" name="文字方塊 12">
+                <a:extLst>
+                  <a:ext uri="{FF2B5EF4-FFF2-40B4-BE49-F238E27FC236}">
+                    <a16:creationId xmlns:a16="http://schemas.microsoft.com/office/drawing/2014/main" id="{0C6760C6-D341-45F2-B20C-C59FC74CC2E3}"/>
+                  </a:ext>
+                </a:extLst>
+              </p:cNvPr>
+              <p:cNvSpPr txBox="1">
+                <a:spLocks noRot="1" noChangeAspect="1" noMove="1" noResize="1" noEditPoints="1" noAdjustHandles="1" noChangeArrowheads="1" noChangeShapeType="1" noTextEdit="1"/>
+              </p:cNvSpPr>
+              <p:nvPr/>
+            </p:nvSpPr>
+            <p:spPr>
+              <a:xfrm>
+                <a:off x="3247905" y="1470795"/>
+                <a:ext cx="2856359" cy="3013967"/>
+              </a:xfrm>
+              <a:prstGeom prst="rect">
+                <a:avLst/>
+              </a:prstGeom>
+              <a:blipFill>
+                <a:blip r:embed="rId8"/>
+                <a:stretch>
+                  <a:fillRect l="-4894" t="-2616"/>
+                </a:stretch>
+              </a:blipFill>
+              <a:ln>
+                <a:solidFill>
+                  <a:srgbClr val="7030A0"/>
+                </a:solidFill>
+              </a:ln>
+            </p:spPr>
+            <p:txBody>
+              <a:bodyPr/>
+              <a:lstStyle/>
+              <a:p>
+                <a:r>
+                  <a:rPr lang="zh-TW" altLang="en-US">
+                    <a:noFill/>
+                  </a:rPr>
+                  <a:t> </a:t>
+                </a:r>
+              </a:p>
+            </p:txBody>
+          </p:sp>
+        </mc:Fallback>
+      </mc:AlternateContent>
+      <p:grpSp>
+        <p:nvGrpSpPr>
+          <p:cNvPr id="45" name="群組 44">
+            <a:extLst>
+              <a:ext uri="{FF2B5EF4-FFF2-40B4-BE49-F238E27FC236}">
+                <a16:creationId xmlns:a16="http://schemas.microsoft.com/office/drawing/2014/main" id="{B8322C01-CED7-430C-8E7C-5AD246AD27DF}"/>
+              </a:ext>
+            </a:extLst>
+          </p:cNvPr>
+          <p:cNvGrpSpPr/>
+          <p:nvPr/>
+        </p:nvGrpSpPr>
+        <p:grpSpPr>
+          <a:xfrm>
+            <a:off x="6616943" y="1202170"/>
+            <a:ext cx="3014954" cy="4190051"/>
+            <a:chOff x="8635997" y="1617700"/>
+            <a:chExt cx="3014954" cy="4190051"/>
+          </a:xfrm>
+        </p:grpSpPr>
+        <p:grpSp>
+          <p:nvGrpSpPr>
+            <p:cNvPr id="42" name="群組 41">
+              <a:extLst>
+                <a:ext uri="{FF2B5EF4-FFF2-40B4-BE49-F238E27FC236}">
+                  <a16:creationId xmlns:a16="http://schemas.microsoft.com/office/drawing/2014/main" id="{D37EFC35-2304-4462-8D61-D5D7E8A417CB}"/>
+                </a:ext>
+              </a:extLst>
+            </p:cNvPr>
+            <p:cNvGrpSpPr/>
+            <p:nvPr/>
+          </p:nvGrpSpPr>
+          <p:grpSpPr>
+            <a:xfrm>
+              <a:off x="8639452" y="1617700"/>
+              <a:ext cx="3011499" cy="4190051"/>
+              <a:chOff x="8618671" y="2348861"/>
+              <a:chExt cx="3011499" cy="4190051"/>
+            </a:xfrm>
+          </p:grpSpPr>
+          <p:cxnSp>
+            <p:nvCxnSpPr>
+              <p:cNvPr id="17" name="直線單箭頭接點 16">
+                <a:extLst>
+                  <a:ext uri="{FF2B5EF4-FFF2-40B4-BE49-F238E27FC236}">
+                    <a16:creationId xmlns:a16="http://schemas.microsoft.com/office/drawing/2014/main" id="{C30E780D-2443-46A2-9D97-83DD757FDAFE}"/>
+                  </a:ext>
+                </a:extLst>
+              </p:cNvPr>
+              <p:cNvCxnSpPr>
+                <a:cxnSpLocks/>
+              </p:cNvCxnSpPr>
+              <p:nvPr/>
+            </p:nvCxnSpPr>
+            <p:spPr>
+              <a:xfrm>
+                <a:off x="8750105" y="4875823"/>
+                <a:ext cx="2405575" cy="0"/>
+              </a:xfrm>
+              <a:prstGeom prst="straightConnector1">
+                <a:avLst/>
+              </a:prstGeom>
+              <a:ln>
+                <a:tailEnd type="triangle"/>
+              </a:ln>
+            </p:spPr>
+            <p:style>
+              <a:lnRef idx="1">
+                <a:schemeClr val="accent1"/>
+              </a:lnRef>
+              <a:fillRef idx="0">
+                <a:schemeClr val="accent1"/>
+              </a:fillRef>
+              <a:effectRef idx="0">
+                <a:schemeClr val="accent1"/>
+              </a:effectRef>
+              <a:fontRef idx="minor">
+                <a:schemeClr val="tx1"/>
+              </a:fontRef>
+            </p:style>
+          </p:cxnSp>
+          <p:cxnSp>
+            <p:nvCxnSpPr>
+              <p:cNvPr id="19" name="直線單箭頭接點 18">
+                <a:extLst>
+                  <a:ext uri="{FF2B5EF4-FFF2-40B4-BE49-F238E27FC236}">
+                    <a16:creationId xmlns:a16="http://schemas.microsoft.com/office/drawing/2014/main" id="{5F162FFC-61EC-4C3F-AEE0-4D4E2B68460A}"/>
+                  </a:ext>
+                </a:extLst>
+              </p:cNvPr>
+              <p:cNvCxnSpPr/>
+              <p:nvPr/>
+            </p:nvCxnSpPr>
+            <p:spPr>
+              <a:xfrm flipV="1">
+                <a:off x="8981902" y="2566555"/>
+                <a:ext cx="0" cy="3133003"/>
+              </a:xfrm>
+              <a:prstGeom prst="straightConnector1">
+                <a:avLst/>
+              </a:prstGeom>
+              <a:ln>
+                <a:tailEnd type="triangle"/>
+              </a:ln>
+            </p:spPr>
+            <p:style>
+              <a:lnRef idx="1">
+                <a:schemeClr val="accent1"/>
+              </a:lnRef>
+              <a:fillRef idx="0">
+                <a:schemeClr val="accent1"/>
+              </a:fillRef>
+              <a:effectRef idx="0">
+                <a:schemeClr val="accent1"/>
+              </a:effectRef>
+              <a:fontRef idx="minor">
+                <a:schemeClr val="tx1"/>
+              </a:fontRef>
+            </p:style>
+          </p:cxnSp>
+          <p:sp>
+            <p:nvSpPr>
+              <p:cNvPr id="21" name="文字方塊 20">
+                <a:extLst>
+                  <a:ext uri="{FF2B5EF4-FFF2-40B4-BE49-F238E27FC236}">
+                    <a16:creationId xmlns:a16="http://schemas.microsoft.com/office/drawing/2014/main" id="{6A5FAF63-3854-4538-9D22-4AD7EF586838}"/>
+                  </a:ext>
+                </a:extLst>
+              </p:cNvPr>
+              <p:cNvSpPr txBox="1"/>
+              <p:nvPr/>
+            </p:nvSpPr>
+            <p:spPr>
+              <a:xfrm>
+                <a:off x="11323676" y="4649593"/>
+                <a:ext cx="306494" cy="369332"/>
+              </a:xfrm>
+              <a:prstGeom prst="rect">
+                <a:avLst/>
+              </a:prstGeom>
+              <a:noFill/>
+            </p:spPr>
+            <p:txBody>
+              <a:bodyPr wrap="none" rtlCol="0">
+                <a:spAutoFit/>
+              </a:bodyPr>
+              <a:lstStyle/>
+              <a:p>
+                <a:r>
+                  <a:rPr lang="en-US" altLang="zh-TW" dirty="0">
+                    <a:solidFill>
+                      <a:srgbClr val="7030A0"/>
+                    </a:solidFill>
+                  </a:rPr>
+                  <a:t>p</a:t>
+                </a:r>
+                <a:endParaRPr lang="zh-TW" altLang="en-US" dirty="0">
+                  <a:solidFill>
+                    <a:srgbClr val="7030A0"/>
+                  </a:solidFill>
+                </a:endParaRPr>
+              </a:p>
+            </p:txBody>
+          </p:sp>
+          <p:sp>
+            <p:nvSpPr>
+              <p:cNvPr id="22" name="文字方塊 21">
+                <a:extLst>
+                  <a:ext uri="{FF2B5EF4-FFF2-40B4-BE49-F238E27FC236}">
+                    <a16:creationId xmlns:a16="http://schemas.microsoft.com/office/drawing/2014/main" id="{0EFEB014-7EA9-4490-A979-19822665FD9D}"/>
+                  </a:ext>
+                </a:extLst>
+              </p:cNvPr>
+              <p:cNvSpPr txBox="1"/>
+              <p:nvPr/>
+            </p:nvSpPr>
+            <p:spPr>
+              <a:xfrm>
+                <a:off x="8961574" y="2348861"/>
+                <a:ext cx="306494" cy="369332"/>
+              </a:xfrm>
+              <a:prstGeom prst="rect">
+                <a:avLst/>
+              </a:prstGeom>
+              <a:noFill/>
+            </p:spPr>
+            <p:txBody>
+              <a:bodyPr wrap="none" rtlCol="0">
+                <a:spAutoFit/>
+              </a:bodyPr>
+              <a:lstStyle/>
+              <a:p>
+                <a:r>
+                  <a:rPr lang="en-US" altLang="zh-TW" dirty="0">
+                    <a:solidFill>
+                      <a:srgbClr val="002060"/>
+                    </a:solidFill>
+                  </a:rPr>
+                  <a:t>o</a:t>
+                </a:r>
+                <a:endParaRPr lang="zh-TW" altLang="en-US" dirty="0">
+                  <a:solidFill>
+                    <a:srgbClr val="002060"/>
+                  </a:solidFill>
+                </a:endParaRPr>
+              </a:p>
+            </p:txBody>
+          </p:sp>
+          <p:cxnSp>
+            <p:nvCxnSpPr>
+              <p:cNvPr id="24" name="直線接點 23">
+                <a:extLst>
+                  <a:ext uri="{FF2B5EF4-FFF2-40B4-BE49-F238E27FC236}">
+                    <a16:creationId xmlns:a16="http://schemas.microsoft.com/office/drawing/2014/main" id="{A45C411B-9B52-46F0-A163-875F074657E5}"/>
+                  </a:ext>
+                </a:extLst>
+              </p:cNvPr>
+              <p:cNvCxnSpPr/>
+              <p:nvPr/>
+            </p:nvCxnSpPr>
+            <p:spPr>
+              <a:xfrm flipV="1">
+                <a:off x="10413769" y="2490424"/>
+                <a:ext cx="0" cy="3319041"/>
+              </a:xfrm>
+              <a:prstGeom prst="line">
+                <a:avLst/>
+              </a:prstGeom>
+              <a:ln>
+                <a:prstDash val="dash"/>
+              </a:ln>
+            </p:spPr>
+            <p:style>
+              <a:lnRef idx="1">
+                <a:schemeClr val="accent1"/>
+              </a:lnRef>
+              <a:fillRef idx="0">
+                <a:schemeClr val="accent1"/>
+              </a:fillRef>
+              <a:effectRef idx="0">
+                <a:schemeClr val="accent1"/>
+              </a:effectRef>
+              <a:fontRef idx="minor">
+                <a:schemeClr val="tx1"/>
+              </a:fontRef>
+            </p:style>
+          </p:cxnSp>
+          <p:sp>
+            <p:nvSpPr>
+              <p:cNvPr id="27" name="文字方塊 26">
+                <a:extLst>
+                  <a:ext uri="{FF2B5EF4-FFF2-40B4-BE49-F238E27FC236}">
+                    <a16:creationId xmlns:a16="http://schemas.microsoft.com/office/drawing/2014/main" id="{8C5E7026-D8FD-4FEF-98D5-37A1038050AE}"/>
+                  </a:ext>
+                </a:extLst>
+              </p:cNvPr>
+              <p:cNvSpPr txBox="1"/>
+              <p:nvPr/>
+            </p:nvSpPr>
+            <p:spPr>
+              <a:xfrm>
+                <a:off x="8750105" y="4832603"/>
+                <a:ext cx="301686" cy="369332"/>
+              </a:xfrm>
+              <a:prstGeom prst="rect">
+                <a:avLst/>
+              </a:prstGeom>
+              <a:noFill/>
+            </p:spPr>
+            <p:txBody>
+              <a:bodyPr wrap="none" rtlCol="0">
+                <a:spAutoFit/>
+              </a:bodyPr>
+              <a:lstStyle/>
+              <a:p>
+                <a:r>
+                  <a:rPr lang="en-US" altLang="zh-TW" dirty="0"/>
+                  <a:t>0</a:t>
+                </a:r>
+                <a:endParaRPr lang="zh-TW" altLang="en-US" dirty="0"/>
+              </a:p>
+            </p:txBody>
+          </p:sp>
+          <p:sp>
+            <p:nvSpPr>
+              <p:cNvPr id="28" name="文字方塊 27">
+                <a:extLst>
+                  <a:ext uri="{FF2B5EF4-FFF2-40B4-BE49-F238E27FC236}">
+                    <a16:creationId xmlns:a16="http://schemas.microsoft.com/office/drawing/2014/main" id="{C712F588-13FB-4A8A-B015-0D8FBB0816CB}"/>
+                  </a:ext>
+                </a:extLst>
+              </p:cNvPr>
+              <p:cNvSpPr txBox="1"/>
+              <p:nvPr/>
+            </p:nvSpPr>
+            <p:spPr>
+              <a:xfrm>
+                <a:off x="10375957" y="4838876"/>
+                <a:ext cx="359394" cy="369332"/>
+              </a:xfrm>
+              <a:prstGeom prst="rect">
+                <a:avLst/>
+              </a:prstGeom>
+              <a:noFill/>
+            </p:spPr>
+            <p:txBody>
+              <a:bodyPr wrap="none" rtlCol="0">
+                <a:spAutoFit/>
+              </a:bodyPr>
+              <a:lstStyle/>
+              <a:p>
+                <a:r>
+                  <a:rPr lang="en-US" altLang="zh-TW" dirty="0">
+                    <a:solidFill>
+                      <a:srgbClr val="7030A0"/>
+                    </a:solidFill>
+                  </a:rPr>
+                  <a:t>1.</a:t>
+                </a:r>
+                <a:endParaRPr lang="zh-TW" altLang="en-US" dirty="0">
+                  <a:solidFill>
+                    <a:srgbClr val="7030A0"/>
+                  </a:solidFill>
+                </a:endParaRPr>
+              </a:p>
+            </p:txBody>
+          </p:sp>
+          <p:sp>
+            <p:nvSpPr>
+              <p:cNvPr id="29" name="文字方塊 28">
+                <a:extLst>
+                  <a:ext uri="{FF2B5EF4-FFF2-40B4-BE49-F238E27FC236}">
+                    <a16:creationId xmlns:a16="http://schemas.microsoft.com/office/drawing/2014/main" id="{A496B889-999F-486A-A8AC-D5D1D177B208}"/>
+                  </a:ext>
+                </a:extLst>
+              </p:cNvPr>
+              <p:cNvSpPr txBox="1"/>
+              <p:nvPr/>
+            </p:nvSpPr>
+            <p:spPr>
+              <a:xfrm>
+                <a:off x="8618671" y="3945700"/>
+                <a:ext cx="417102" cy="369332"/>
+              </a:xfrm>
+              <a:prstGeom prst="rect">
+                <a:avLst/>
+              </a:prstGeom>
+              <a:noFill/>
+            </p:spPr>
+            <p:txBody>
+              <a:bodyPr wrap="none" rtlCol="0">
+                <a:spAutoFit/>
+              </a:bodyPr>
+              <a:lstStyle/>
+              <a:p>
+                <a:r>
+                  <a:rPr lang="en-US" altLang="zh-TW" dirty="0">
+                    <a:solidFill>
+                      <a:srgbClr val="002060"/>
+                    </a:solidFill>
+                  </a:rPr>
+                  <a:t>+1</a:t>
+                </a:r>
+                <a:endParaRPr lang="zh-TW" altLang="en-US" dirty="0">
+                  <a:solidFill>
+                    <a:srgbClr val="002060"/>
+                  </a:solidFill>
+                </a:endParaRPr>
+              </a:p>
+            </p:txBody>
+          </p:sp>
+          <p:sp>
+            <p:nvSpPr>
+              <p:cNvPr id="34" name="文字方塊 33">
+                <a:extLst>
+                  <a:ext uri="{FF2B5EF4-FFF2-40B4-BE49-F238E27FC236}">
+                    <a16:creationId xmlns:a16="http://schemas.microsoft.com/office/drawing/2014/main" id="{BA78233C-9E5B-4A9B-AEB6-05DD5EC7173A}"/>
+                  </a:ext>
+                </a:extLst>
+              </p:cNvPr>
+              <p:cNvSpPr txBox="1"/>
+              <p:nvPr/>
+            </p:nvSpPr>
+            <p:spPr>
+              <a:xfrm>
+                <a:off x="9579516" y="4846591"/>
+                <a:ext cx="359394" cy="369332"/>
+              </a:xfrm>
+              <a:prstGeom prst="rect">
+                <a:avLst/>
+              </a:prstGeom>
+              <a:noFill/>
+            </p:spPr>
+            <p:txBody>
+              <a:bodyPr wrap="none" rtlCol="0">
+                <a:spAutoFit/>
+              </a:bodyPr>
+              <a:lstStyle/>
+              <a:p>
+                <a:r>
+                  <a:rPr lang="en-US" altLang="zh-TW" dirty="0">
+                    <a:solidFill>
+                      <a:srgbClr val="7030A0"/>
+                    </a:solidFill>
+                  </a:rPr>
+                  <a:t>.5</a:t>
+                </a:r>
+                <a:endParaRPr lang="zh-TW" altLang="en-US" dirty="0">
+                  <a:solidFill>
+                    <a:srgbClr val="7030A0"/>
+                  </a:solidFill>
+                </a:endParaRPr>
+              </a:p>
+            </p:txBody>
+          </p:sp>
+          <p:sp>
+            <p:nvSpPr>
+              <p:cNvPr id="36" name="手繪多邊形: 圖案 35">
+                <a:extLst>
+                  <a:ext uri="{FF2B5EF4-FFF2-40B4-BE49-F238E27FC236}">
+                    <a16:creationId xmlns:a16="http://schemas.microsoft.com/office/drawing/2014/main" id="{AEE5215E-40FA-465A-8F81-ECB753DB3E86}"/>
+                  </a:ext>
+                </a:extLst>
+              </p:cNvPr>
+              <p:cNvSpPr/>
+              <p:nvPr/>
+            </p:nvSpPr>
+            <p:spPr>
+              <a:xfrm>
+                <a:off x="8977745" y="2732809"/>
+                <a:ext cx="1402773" cy="2150918"/>
+              </a:xfrm>
+              <a:custGeom>
+                <a:avLst/>
+                <a:gdLst>
+                  <a:gd name="connsiteX0" fmla="*/ 0 w 1402773"/>
+                  <a:gd name="connsiteY0" fmla="*/ 2150918 h 2150918"/>
+                  <a:gd name="connsiteX1" fmla="*/ 238991 w 1402773"/>
+                  <a:gd name="connsiteY1" fmla="*/ 1641764 h 2150918"/>
+                  <a:gd name="connsiteX2" fmla="*/ 716973 w 1402773"/>
+                  <a:gd name="connsiteY2" fmla="*/ 1433946 h 2150918"/>
+                  <a:gd name="connsiteX3" fmla="*/ 966355 w 1402773"/>
+                  <a:gd name="connsiteY3" fmla="*/ 1132609 h 2150918"/>
+                  <a:gd name="connsiteX4" fmla="*/ 1236519 w 1402773"/>
+                  <a:gd name="connsiteY4" fmla="*/ 716973 h 2150918"/>
+                  <a:gd name="connsiteX5" fmla="*/ 1402773 w 1402773"/>
+                  <a:gd name="connsiteY5" fmla="*/ 0 h 2150918"/>
+                  <a:gd name="connsiteX6" fmla="*/ 1402773 w 1402773"/>
+                  <a:gd name="connsiteY6" fmla="*/ 0 h 2150918"/>
+                </a:gdLst>
+                <a:ahLst/>
+                <a:cxnLst>
+                  <a:cxn ang="0">
+                    <a:pos x="connsiteX0" y="connsiteY0"/>
+                  </a:cxn>
+                  <a:cxn ang="0">
+                    <a:pos x="connsiteX1" y="connsiteY1"/>
+                  </a:cxn>
+                  <a:cxn ang="0">
+                    <a:pos x="connsiteX2" y="connsiteY2"/>
+                  </a:cxn>
+                  <a:cxn ang="0">
+                    <a:pos x="connsiteX3" y="connsiteY3"/>
+                  </a:cxn>
+                  <a:cxn ang="0">
+                    <a:pos x="connsiteX4" y="connsiteY4"/>
+                  </a:cxn>
+                  <a:cxn ang="0">
+                    <a:pos x="connsiteX5" y="connsiteY5"/>
+                  </a:cxn>
+                  <a:cxn ang="0">
+                    <a:pos x="connsiteX6" y="connsiteY6"/>
+                  </a:cxn>
+                </a:cxnLst>
+                <a:rect l="l" t="t" r="r" b="b"/>
+                <a:pathLst>
+                  <a:path w="1402773" h="2150918">
+                    <a:moveTo>
+                      <a:pt x="0" y="2150918"/>
+                    </a:moveTo>
+                    <a:cubicBezTo>
+                      <a:pt x="59748" y="1956088"/>
+                      <a:pt x="119496" y="1761259"/>
+                      <a:pt x="238991" y="1641764"/>
+                    </a:cubicBezTo>
+                    <a:cubicBezTo>
+                      <a:pt x="358486" y="1522269"/>
+                      <a:pt x="595746" y="1518805"/>
+                      <a:pt x="716973" y="1433946"/>
+                    </a:cubicBezTo>
+                    <a:cubicBezTo>
+                      <a:pt x="838200" y="1349087"/>
+                      <a:pt x="879764" y="1252104"/>
+                      <a:pt x="966355" y="1132609"/>
+                    </a:cubicBezTo>
+                    <a:cubicBezTo>
+                      <a:pt x="1052946" y="1013114"/>
+                      <a:pt x="1163783" y="905741"/>
+                      <a:pt x="1236519" y="716973"/>
+                    </a:cubicBezTo>
+                    <a:cubicBezTo>
+                      <a:pt x="1309255" y="528205"/>
+                      <a:pt x="1402773" y="0"/>
+                      <a:pt x="1402773" y="0"/>
+                    </a:cubicBezTo>
+                    <a:lnTo>
+                      <a:pt x="1402773" y="0"/>
+                    </a:lnTo>
+                  </a:path>
+                </a:pathLst>
+              </a:custGeom>
+              <a:noFill/>
+            </p:spPr>
+            <p:style>
+              <a:lnRef idx="2">
+                <a:schemeClr val="accent1">
+                  <a:shade val="50000"/>
+                </a:schemeClr>
+              </a:lnRef>
+              <a:fillRef idx="1">
+                <a:schemeClr val="accent1"/>
+              </a:fillRef>
+              <a:effectRef idx="0">
+                <a:schemeClr val="accent1"/>
+              </a:effectRef>
+              <a:fontRef idx="minor">
+                <a:schemeClr val="lt1"/>
+              </a:fontRef>
+            </p:style>
+            <p:txBody>
+              <a:bodyPr rtlCol="0" anchor="ctr"/>
+              <a:lstStyle/>
+              <a:p>
+                <a:pPr algn="ctr"/>
+                <a:endParaRPr lang="zh-TW" altLang="en-US" dirty="0"/>
+              </a:p>
+            </p:txBody>
+          </p:sp>
+          <p:cxnSp>
+            <p:nvCxnSpPr>
+              <p:cNvPr id="37" name="直線單箭頭接點 36">
+                <a:extLst>
+                  <a:ext uri="{FF2B5EF4-FFF2-40B4-BE49-F238E27FC236}">
+                    <a16:creationId xmlns:a16="http://schemas.microsoft.com/office/drawing/2014/main" id="{48947493-5415-44DC-884A-D3967D00A4ED}"/>
+                  </a:ext>
+                </a:extLst>
+              </p:cNvPr>
+              <p:cNvCxnSpPr/>
+              <p:nvPr/>
+            </p:nvCxnSpPr>
+            <p:spPr>
+              <a:xfrm flipV="1">
+                <a:off x="8947264" y="2777608"/>
+                <a:ext cx="0" cy="3761304"/>
+              </a:xfrm>
+              <a:prstGeom prst="straightConnector1">
+                <a:avLst/>
+              </a:prstGeom>
+              <a:ln>
+                <a:solidFill>
+                  <a:srgbClr val="FF0000"/>
+                </a:solidFill>
+                <a:tailEnd type="triangle"/>
+              </a:ln>
+            </p:spPr>
+            <p:style>
+              <a:lnRef idx="1">
+                <a:schemeClr val="accent1"/>
+              </a:lnRef>
+              <a:fillRef idx="0">
+                <a:schemeClr val="accent1"/>
+              </a:fillRef>
+              <a:effectRef idx="0">
+                <a:schemeClr val="accent1"/>
+              </a:effectRef>
+              <a:fontRef idx="minor">
+                <a:schemeClr val="tx1"/>
+              </a:fontRef>
+            </p:style>
+          </p:cxnSp>
+          <mc:AlternateContent xmlns:mc="http://schemas.openxmlformats.org/markup-compatibility/2006">
+            <mc:Choice xmlns:a14="http://schemas.microsoft.com/office/drawing/2010/main" Requires="a14">
+              <p:sp>
+                <p:nvSpPr>
+                  <p:cNvPr id="38" name="矩形 37">
+                    <a:extLst>
+                      <a:ext uri="{FF2B5EF4-FFF2-40B4-BE49-F238E27FC236}">
+                        <a16:creationId xmlns:a16="http://schemas.microsoft.com/office/drawing/2014/main" id="{E26A9573-9091-43B3-9D0F-4F0E170F3CD5}"/>
+                      </a:ext>
+                    </a:extLst>
+                  </p:cNvPr>
+                  <p:cNvSpPr/>
+                  <p:nvPr/>
+                </p:nvSpPr>
+                <p:spPr>
+                  <a:xfrm>
+                    <a:off x="8656164" y="2777608"/>
+                    <a:ext cx="349775" cy="369332"/>
+                  </a:xfrm>
+                  <a:prstGeom prst="rect">
+                    <a:avLst/>
+                  </a:prstGeom>
+                </p:spPr>
+                <p:txBody>
+                  <a:bodyPr wrap="none">
+                    <a:spAutoFit/>
+                  </a:bodyPr>
+                  <a:lstStyle/>
+                  <a:p>
+                    <a14:m>
+                      <m:oMathPara xmlns:m="http://schemas.openxmlformats.org/officeDocument/2006/math">
+                        <m:oMathParaPr>
+                          <m:jc m:val="centerGroup"/>
+                        </m:oMathParaPr>
+                        <m:oMath xmlns:m="http://schemas.openxmlformats.org/officeDocument/2006/math">
+                          <m:r>
+                            <m:rPr>
+                              <m:sty m:val="p"/>
+                            </m:rPr>
+                            <a:rPr lang="el-GR" altLang="zh-TW" i="1" smtClean="0">
+                              <a:solidFill>
+                                <a:srgbClr val="FF0000"/>
+                              </a:solidFill>
+                              <a:latin typeface="Cambria Math" panose="02040503050406030204" pitchFamily="18" charset="0"/>
+                              <a:ea typeface="Cambria Math" panose="02040503050406030204" pitchFamily="18" charset="0"/>
+                            </a:rPr>
+                            <m:t>λ</m:t>
+                          </m:r>
+                        </m:oMath>
+                      </m:oMathPara>
+                    </a14:m>
+                    <a:endParaRPr lang="zh-TW" altLang="en-US" dirty="0">
+                      <a:solidFill>
+                        <a:srgbClr val="FF0000"/>
+                      </a:solidFill>
+                    </a:endParaRPr>
+                  </a:p>
+                </p:txBody>
+              </p:sp>
+            </mc:Choice>
+            <mc:Fallback>
+              <p:sp>
+                <p:nvSpPr>
+                  <p:cNvPr id="38" name="矩形 37">
+                    <a:extLst>
+                      <a:ext uri="{FF2B5EF4-FFF2-40B4-BE49-F238E27FC236}">
+                        <a16:creationId xmlns:a16="http://schemas.microsoft.com/office/drawing/2014/main" id="{E26A9573-9091-43B3-9D0F-4F0E170F3CD5}"/>
+                      </a:ext>
+                    </a:extLst>
+                  </p:cNvPr>
+                  <p:cNvSpPr>
+                    <a:spLocks noRot="1" noChangeAspect="1" noMove="1" noResize="1" noEditPoints="1" noAdjustHandles="1" noChangeArrowheads="1" noChangeShapeType="1" noTextEdit="1"/>
+                  </p:cNvSpPr>
+                  <p:nvPr/>
+                </p:nvSpPr>
+                <p:spPr>
+                  <a:xfrm>
+                    <a:off x="8656164" y="2777608"/>
+                    <a:ext cx="349775" cy="369332"/>
+                  </a:xfrm>
+                  <a:prstGeom prst="rect">
+                    <a:avLst/>
+                  </a:prstGeom>
+                  <a:blipFill>
+                    <a:blip r:embed="rId9"/>
+                    <a:stretch>
+                      <a:fillRect/>
+                    </a:stretch>
+                  </a:blipFill>
+                </p:spPr>
+                <p:txBody>
+                  <a:bodyPr/>
+                  <a:lstStyle/>
+                  <a:p>
+                    <a:r>
+                      <a:rPr lang="zh-TW" altLang="en-US">
+                        <a:noFill/>
+                      </a:rPr>
+                      <a:t> </a:t>
+                    </a:r>
+                  </a:p>
+                </p:txBody>
+              </p:sp>
+            </mc:Fallback>
+          </mc:AlternateContent>
+          <p:sp>
+            <p:nvSpPr>
+              <p:cNvPr id="41" name="手繪多邊形: 圖案 40">
+                <a:extLst>
+                  <a:ext uri="{FF2B5EF4-FFF2-40B4-BE49-F238E27FC236}">
+                    <a16:creationId xmlns:a16="http://schemas.microsoft.com/office/drawing/2014/main" id="{43B143E4-7E04-4635-ACE6-B1589567B866}"/>
+                  </a:ext>
+                </a:extLst>
+              </p:cNvPr>
+              <p:cNvSpPr/>
+              <p:nvPr/>
+            </p:nvSpPr>
+            <p:spPr>
+              <a:xfrm>
+                <a:off x="9040091" y="3367299"/>
+                <a:ext cx="1342351" cy="2939983"/>
+              </a:xfrm>
+              <a:custGeom>
+                <a:avLst/>
+                <a:gdLst>
+                  <a:gd name="connsiteX0" fmla="*/ 0 w 1342351"/>
+                  <a:gd name="connsiteY0" fmla="*/ 2939983 h 2939983"/>
+                  <a:gd name="connsiteX1" fmla="*/ 145473 w 1342351"/>
+                  <a:gd name="connsiteY1" fmla="*/ 2233401 h 2939983"/>
+                  <a:gd name="connsiteX2" fmla="*/ 644236 w 1342351"/>
+                  <a:gd name="connsiteY2" fmla="*/ 1516428 h 2939983"/>
+                  <a:gd name="connsiteX3" fmla="*/ 1163782 w 1342351"/>
+                  <a:gd name="connsiteY3" fmla="*/ 789065 h 2939983"/>
+                  <a:gd name="connsiteX4" fmla="*/ 1330036 w 1342351"/>
+                  <a:gd name="connsiteY4" fmla="*/ 51310 h 2939983"/>
+                  <a:gd name="connsiteX5" fmla="*/ 1330036 w 1342351"/>
+                  <a:gd name="connsiteY5" fmla="*/ 61701 h 2939983"/>
+                  <a:gd name="connsiteX6" fmla="*/ 1340427 w 1342351"/>
+                  <a:gd name="connsiteY6" fmla="*/ 61701 h 2939983"/>
+                </a:gdLst>
+                <a:ahLst/>
+                <a:cxnLst>
+                  <a:cxn ang="0">
+                    <a:pos x="connsiteX0" y="connsiteY0"/>
+                  </a:cxn>
+                  <a:cxn ang="0">
+                    <a:pos x="connsiteX1" y="connsiteY1"/>
+                  </a:cxn>
+                  <a:cxn ang="0">
+                    <a:pos x="connsiteX2" y="connsiteY2"/>
+                  </a:cxn>
+                  <a:cxn ang="0">
+                    <a:pos x="connsiteX3" y="connsiteY3"/>
+                  </a:cxn>
+                  <a:cxn ang="0">
+                    <a:pos x="connsiteX4" y="connsiteY4"/>
+                  </a:cxn>
+                  <a:cxn ang="0">
+                    <a:pos x="connsiteX5" y="connsiteY5"/>
+                  </a:cxn>
+                  <a:cxn ang="0">
+                    <a:pos x="connsiteX6" y="connsiteY6"/>
+                  </a:cxn>
+                </a:cxnLst>
+                <a:rect l="l" t="t" r="r" b="b"/>
+                <a:pathLst>
+                  <a:path w="1342351" h="2939983">
+                    <a:moveTo>
+                      <a:pt x="0" y="2939983"/>
+                    </a:moveTo>
+                    <a:cubicBezTo>
+                      <a:pt x="19050" y="2705321"/>
+                      <a:pt x="38100" y="2470660"/>
+                      <a:pt x="145473" y="2233401"/>
+                    </a:cubicBezTo>
+                    <a:cubicBezTo>
+                      <a:pt x="252846" y="1996142"/>
+                      <a:pt x="474518" y="1757151"/>
+                      <a:pt x="644236" y="1516428"/>
+                    </a:cubicBezTo>
+                    <a:cubicBezTo>
+                      <a:pt x="813954" y="1275705"/>
+                      <a:pt x="1049482" y="1033251"/>
+                      <a:pt x="1163782" y="789065"/>
+                    </a:cubicBezTo>
+                    <a:cubicBezTo>
+                      <a:pt x="1278082" y="544879"/>
+                      <a:pt x="1330036" y="51310"/>
+                      <a:pt x="1330036" y="51310"/>
+                    </a:cubicBezTo>
+                    <a:cubicBezTo>
+                      <a:pt x="1357745" y="-69917"/>
+                      <a:pt x="1330036" y="61701"/>
+                      <a:pt x="1330036" y="61701"/>
+                    </a:cubicBezTo>
+                    <a:cubicBezTo>
+                      <a:pt x="1331768" y="63433"/>
+                      <a:pt x="1336097" y="62567"/>
+                      <a:pt x="1340427" y="61701"/>
+                    </a:cubicBezTo>
+                  </a:path>
+                </a:pathLst>
+              </a:custGeom>
+              <a:noFill/>
+              <a:ln>
+                <a:solidFill>
+                  <a:srgbClr val="FF0000"/>
+                </a:solidFill>
+              </a:ln>
+            </p:spPr>
+            <p:style>
+              <a:lnRef idx="2">
+                <a:schemeClr val="accent1">
+                  <a:shade val="50000"/>
+                </a:schemeClr>
+              </a:lnRef>
+              <a:fillRef idx="1">
+                <a:schemeClr val="accent1"/>
+              </a:fillRef>
+              <a:effectRef idx="0">
+                <a:schemeClr val="accent1"/>
+              </a:effectRef>
+              <a:fontRef idx="minor">
+                <a:schemeClr val="lt1"/>
+              </a:fontRef>
+            </p:style>
+            <p:txBody>
+              <a:bodyPr rtlCol="0" anchor="ctr"/>
+              <a:lstStyle/>
+              <a:p>
+                <a:pPr algn="ctr"/>
+                <a:endParaRPr lang="zh-TW" altLang="en-US"/>
+              </a:p>
+            </p:txBody>
+          </p:sp>
+        </p:grpSp>
+        <p:sp>
+          <p:nvSpPr>
+            <p:cNvPr id="43" name="文字方塊 42">
+              <a:extLst>
+                <a:ext uri="{FF2B5EF4-FFF2-40B4-BE49-F238E27FC236}">
+                  <a16:creationId xmlns:a16="http://schemas.microsoft.com/office/drawing/2014/main" id="{F565376C-704E-4F5C-B9C4-343AAA1CF186}"/>
+                </a:ext>
+              </a:extLst>
+            </p:cNvPr>
+            <p:cNvSpPr txBox="1"/>
+            <p:nvPr/>
+          </p:nvSpPr>
+          <p:spPr>
+            <a:xfrm>
+              <a:off x="8635997" y="4677251"/>
+              <a:ext cx="372218" cy="369332"/>
+            </a:xfrm>
+            <a:prstGeom prst="rect">
+              <a:avLst/>
+            </a:prstGeom>
+            <a:noFill/>
+          </p:spPr>
+          <p:txBody>
+            <a:bodyPr wrap="none" rtlCol="0">
+              <a:spAutoFit/>
+            </a:bodyPr>
+            <a:lstStyle/>
+            <a:p>
+              <a:r>
+                <a:rPr lang="en-US" altLang="zh-TW" dirty="0">
+                  <a:solidFill>
+                    <a:srgbClr val="FF0000"/>
+                  </a:solidFill>
+                </a:rPr>
+                <a:t>-1</a:t>
+              </a:r>
+              <a:endParaRPr lang="zh-TW" altLang="en-US" dirty="0">
+                <a:solidFill>
+                  <a:srgbClr val="FF0000"/>
+                </a:solidFill>
+              </a:endParaRPr>
+            </a:p>
+          </p:txBody>
+        </p:sp>
+      </p:grpSp>
+      <mc:AlternateContent xmlns:mc="http://schemas.openxmlformats.org/markup-compatibility/2006">
+        <mc:Choice xmlns:a14="http://schemas.microsoft.com/office/drawing/2010/main" Requires="a14">
+          <p:sp>
+            <p:nvSpPr>
+              <p:cNvPr id="44" name="文字方塊 43">
+                <a:extLst>
+                  <a:ext uri="{FF2B5EF4-FFF2-40B4-BE49-F238E27FC236}">
+                    <a16:creationId xmlns:a16="http://schemas.microsoft.com/office/drawing/2014/main" id="{9FF6FF07-4D52-4ADE-94D6-EED9A55D3CE3}"/>
+                  </a:ext>
+                </a:extLst>
+              </p:cNvPr>
+              <p:cNvSpPr txBox="1"/>
+              <p:nvPr/>
+            </p:nvSpPr>
+            <p:spPr>
+              <a:xfrm>
+                <a:off x="3899153" y="6054274"/>
+                <a:ext cx="2348343" cy="646331"/>
+              </a:xfrm>
+              <a:prstGeom prst="rect">
+                <a:avLst/>
+              </a:prstGeom>
+              <a:solidFill>
+                <a:srgbClr val="FFFF00"/>
+              </a:solidFill>
+              <a:ln>
+                <a:solidFill>
+                  <a:srgbClr val="FF0000"/>
+                </a:solidFill>
+              </a:ln>
+            </p:spPr>
+            <p:txBody>
+              <a:bodyPr wrap="square" rtlCol="0">
+                <a:spAutoFit/>
+              </a:bodyPr>
+              <a:lstStyle/>
+              <a:p>
+                <a:r>
+                  <a:rPr lang="zh-TW" altLang="en-US" dirty="0"/>
+                  <a:t>令 </a:t>
+                </a:r>
+                <a:r>
+                  <a:rPr lang="en-US" altLang="zh-TW" dirty="0"/>
+                  <a:t>z </a:t>
+                </a:r>
+                <a:r>
+                  <a:rPr lang="zh-TW" altLang="en-US" dirty="0"/>
+                  <a:t>為 </a:t>
+                </a:r>
+                <a14:m>
+                  <m:oMath xmlns:m="http://schemas.openxmlformats.org/officeDocument/2006/math">
+                    <m:r>
+                      <m:rPr>
+                        <m:sty m:val="p"/>
+                      </m:rPr>
+                      <a:rPr lang="el-GR" altLang="zh-TW" i="1">
+                        <a:solidFill>
+                          <a:srgbClr val="FF0000"/>
+                        </a:solidFill>
+                        <a:latin typeface="Cambria Math" panose="02040503050406030204" pitchFamily="18" charset="0"/>
+                        <a:ea typeface="Cambria Math" panose="02040503050406030204" pitchFamily="18" charset="0"/>
+                      </a:rPr>
+                      <m:t>λ</m:t>
+                    </m:r>
+                  </m:oMath>
+                </a14:m>
+                <a:r>
+                  <a:rPr lang="en-US" altLang="zh-TW" dirty="0"/>
+                  <a:t>,</a:t>
+                </a:r>
+              </a:p>
+              <a:p>
+                <a:r>
+                  <a:rPr lang="zh-TW" altLang="en-US" dirty="0"/>
+                  <a:t>則 </a:t>
+                </a:r>
+                <a14:m>
+                  <m:oMath xmlns:m="http://schemas.openxmlformats.org/officeDocument/2006/math">
+                    <m:r>
+                      <a:rPr lang="en-US" altLang="zh-TW" b="0" i="1" smtClean="0">
+                        <a:latin typeface="Cambria Math" panose="02040503050406030204" pitchFamily="18" charset="0"/>
+                      </a:rPr>
+                      <m:t>𝜙</m:t>
+                    </m:r>
+                    <m:r>
+                      <a:rPr lang="en-US" altLang="zh-TW" b="0" i="1" smtClean="0">
+                        <a:latin typeface="Cambria Math" panose="02040503050406030204" pitchFamily="18" charset="0"/>
+                      </a:rPr>
+                      <m:t>(</m:t>
+                    </m:r>
+                    <m:r>
+                      <a:rPr lang="en-US" altLang="zh-TW" b="0" i="1" smtClean="0">
+                        <a:latin typeface="Cambria Math" panose="02040503050406030204" pitchFamily="18" charset="0"/>
+                      </a:rPr>
+                      <m:t>𝑧</m:t>
+                    </m:r>
+                    <m:r>
+                      <a:rPr lang="en-US" altLang="zh-TW" b="0" i="1" smtClean="0">
+                        <a:latin typeface="Cambria Math" panose="02040503050406030204" pitchFamily="18" charset="0"/>
+                      </a:rPr>
+                      <m:t>)</m:t>
+                    </m:r>
+                  </m:oMath>
+                </a14:m>
+                <a:r>
+                  <a:rPr lang="en-US" altLang="zh-TW" dirty="0"/>
+                  <a:t> </a:t>
+                </a:r>
+                <a:r>
+                  <a:rPr lang="zh-TW" altLang="en-US" dirty="0"/>
+                  <a:t>即代表 </a:t>
+                </a:r>
+                <a:r>
+                  <a:rPr lang="en-US" altLang="zh-TW" i="1" dirty="0">
+                    <a:solidFill>
+                      <a:srgbClr val="7030A0"/>
+                    </a:solidFill>
+                  </a:rPr>
+                  <a:t>p</a:t>
+                </a:r>
+                <a:endParaRPr lang="zh-TW" altLang="en-US" i="1" dirty="0">
+                  <a:solidFill>
+                    <a:srgbClr val="7030A0"/>
+                  </a:solidFill>
+                </a:endParaRPr>
+              </a:p>
+            </p:txBody>
+          </p:sp>
+        </mc:Choice>
+        <mc:Fallback>
+          <p:sp>
+            <p:nvSpPr>
+              <p:cNvPr id="44" name="文字方塊 43">
+                <a:extLst>
+                  <a:ext uri="{FF2B5EF4-FFF2-40B4-BE49-F238E27FC236}">
+                    <a16:creationId xmlns:a16="http://schemas.microsoft.com/office/drawing/2014/main" id="{9FF6FF07-4D52-4ADE-94D6-EED9A55D3CE3}"/>
+                  </a:ext>
+                </a:extLst>
+              </p:cNvPr>
+              <p:cNvSpPr txBox="1">
+                <a:spLocks noRot="1" noChangeAspect="1" noMove="1" noResize="1" noEditPoints="1" noAdjustHandles="1" noChangeArrowheads="1" noChangeShapeType="1" noTextEdit="1"/>
+              </p:cNvSpPr>
+              <p:nvPr/>
+            </p:nvSpPr>
+            <p:spPr>
+              <a:xfrm>
+                <a:off x="3899153" y="6054274"/>
+                <a:ext cx="2348343" cy="646331"/>
+              </a:xfrm>
+              <a:prstGeom prst="rect">
+                <a:avLst/>
+              </a:prstGeom>
+              <a:blipFill>
+                <a:blip r:embed="rId10"/>
+                <a:stretch>
+                  <a:fillRect l="-2067" t="-3704" b="-12963"/>
+                </a:stretch>
+              </a:blipFill>
+              <a:ln>
+                <a:solidFill>
+                  <a:srgbClr val="FF0000"/>
+                </a:solidFill>
+              </a:ln>
+            </p:spPr>
+            <p:txBody>
+              <a:bodyPr/>
+              <a:lstStyle/>
+              <a:p>
+                <a:r>
+                  <a:rPr lang="zh-TW" altLang="en-US">
+                    <a:noFill/>
+                  </a:rPr>
+                  <a:t> </a:t>
+                </a:r>
+              </a:p>
+            </p:txBody>
+          </p:sp>
+        </mc:Fallback>
+      </mc:AlternateContent>
     </p:spTree>
     <p:extLst>
       <p:ext uri="{BB962C8B-B14F-4D97-AF65-F5344CB8AC3E}">
-        <p14:creationId xmlns:p14="http://schemas.microsoft.com/office/powerpoint/2010/main" val="3133043231"/>
+        <p14:creationId xmlns:p14="http://schemas.microsoft.com/office/powerpoint/2010/main" val="409775660"/>
       </p:ext>
     </p:extLst>
   </p:cSld>
@@ -14590,6 +17193,4539 @@
       </p:grpSpPr>
       <p:sp>
         <p:nvSpPr>
+          <p:cNvPr id="4" name="投影片編號版面配置區 3">
+            <a:extLst>
+              <a:ext uri="{FF2B5EF4-FFF2-40B4-BE49-F238E27FC236}">
+                <a16:creationId xmlns:a16="http://schemas.microsoft.com/office/drawing/2014/main" id="{F12AE110-6373-471D-BDC2-183689AFAF04}"/>
+              </a:ext>
+            </a:extLst>
+          </p:cNvPr>
+          <p:cNvSpPr>
+            <a:spLocks noGrp="1"/>
+          </p:cNvSpPr>
+          <p:nvPr>
+            <p:ph type="sldNum" sz="quarter" idx="12"/>
+          </p:nvPr>
+        </p:nvSpPr>
+        <p:spPr/>
+        <p:txBody>
+          <a:bodyPr/>
+          <a:lstStyle/>
+          <a:p>
+            <a:fld id="{CCCC54F5-AF54-4DEE-8C8A-6B071CAEC70F}" type="slidenum">
+              <a:rPr lang="zh-TW" altLang="en-US" smtClean="0"/>
+              <a:t>30</a:t>
+            </a:fld>
+            <a:endParaRPr lang="zh-TW" altLang="en-US"/>
+          </a:p>
+        </p:txBody>
+      </p:sp>
+      <p:grpSp>
+        <p:nvGrpSpPr>
+          <p:cNvPr id="5" name="群組 4">
+            <a:extLst>
+              <a:ext uri="{FF2B5EF4-FFF2-40B4-BE49-F238E27FC236}">
+                <a16:creationId xmlns:a16="http://schemas.microsoft.com/office/drawing/2014/main" id="{E41BF005-704F-4485-A1DF-7C2F3E0A2BFC}"/>
+              </a:ext>
+            </a:extLst>
+          </p:cNvPr>
+          <p:cNvGrpSpPr/>
+          <p:nvPr/>
+        </p:nvGrpSpPr>
+        <p:grpSpPr>
+          <a:xfrm rot="5400000" flipH="1">
+            <a:off x="5915517" y="1071676"/>
+            <a:ext cx="2958691" cy="4153693"/>
+            <a:chOff x="8631291" y="1654058"/>
+            <a:chExt cx="3057229" cy="4153693"/>
+          </a:xfrm>
+        </p:grpSpPr>
+        <p:grpSp>
+          <p:nvGrpSpPr>
+            <p:cNvPr id="6" name="群組 5">
+              <a:extLst>
+                <a:ext uri="{FF2B5EF4-FFF2-40B4-BE49-F238E27FC236}">
+                  <a16:creationId xmlns:a16="http://schemas.microsoft.com/office/drawing/2014/main" id="{ACDC883B-AB15-46F5-942C-BFD93402252E}"/>
+                </a:ext>
+              </a:extLst>
+            </p:cNvPr>
+            <p:cNvGrpSpPr/>
+            <p:nvPr/>
+          </p:nvGrpSpPr>
+          <p:grpSpPr>
+            <a:xfrm>
+              <a:off x="8657187" y="1654058"/>
+              <a:ext cx="3031333" cy="4153693"/>
+              <a:chOff x="8636406" y="2385219"/>
+              <a:chExt cx="3031333" cy="4153693"/>
+            </a:xfrm>
+          </p:grpSpPr>
+          <p:cxnSp>
+            <p:nvCxnSpPr>
+              <p:cNvPr id="8" name="直線單箭頭接點 7">
+                <a:extLst>
+                  <a:ext uri="{FF2B5EF4-FFF2-40B4-BE49-F238E27FC236}">
+                    <a16:creationId xmlns:a16="http://schemas.microsoft.com/office/drawing/2014/main" id="{B0A8DCBA-3839-4DE2-817C-58731AF43E31}"/>
+                  </a:ext>
+                </a:extLst>
+              </p:cNvPr>
+              <p:cNvCxnSpPr>
+                <a:cxnSpLocks/>
+              </p:cNvCxnSpPr>
+              <p:nvPr/>
+            </p:nvCxnSpPr>
+            <p:spPr>
+              <a:xfrm>
+                <a:off x="8750105" y="4875823"/>
+                <a:ext cx="2405575" cy="0"/>
+              </a:xfrm>
+              <a:prstGeom prst="straightConnector1">
+                <a:avLst/>
+              </a:prstGeom>
+              <a:ln>
+                <a:tailEnd type="triangle"/>
+              </a:ln>
+            </p:spPr>
+            <p:style>
+              <a:lnRef idx="1">
+                <a:schemeClr val="accent1"/>
+              </a:lnRef>
+              <a:fillRef idx="0">
+                <a:schemeClr val="accent1"/>
+              </a:fillRef>
+              <a:effectRef idx="0">
+                <a:schemeClr val="accent1"/>
+              </a:effectRef>
+              <a:fontRef idx="minor">
+                <a:schemeClr val="tx1"/>
+              </a:fontRef>
+            </p:style>
+          </p:cxnSp>
+          <p:cxnSp>
+            <p:nvCxnSpPr>
+              <p:cNvPr id="9" name="直線單箭頭接點 8">
+                <a:extLst>
+                  <a:ext uri="{FF2B5EF4-FFF2-40B4-BE49-F238E27FC236}">
+                    <a16:creationId xmlns:a16="http://schemas.microsoft.com/office/drawing/2014/main" id="{255D2E8E-67C3-4595-B74D-A259FB7C70B2}"/>
+                  </a:ext>
+                </a:extLst>
+              </p:cNvPr>
+              <p:cNvCxnSpPr/>
+              <p:nvPr/>
+            </p:nvCxnSpPr>
+            <p:spPr>
+              <a:xfrm flipV="1">
+                <a:off x="8981902" y="2566555"/>
+                <a:ext cx="0" cy="3133003"/>
+              </a:xfrm>
+              <a:prstGeom prst="straightConnector1">
+                <a:avLst/>
+              </a:prstGeom>
+              <a:ln>
+                <a:tailEnd type="triangle"/>
+              </a:ln>
+            </p:spPr>
+            <p:style>
+              <a:lnRef idx="1">
+                <a:schemeClr val="accent1"/>
+              </a:lnRef>
+              <a:fillRef idx="0">
+                <a:schemeClr val="accent1"/>
+              </a:fillRef>
+              <a:effectRef idx="0">
+                <a:schemeClr val="accent1"/>
+              </a:effectRef>
+              <a:fontRef idx="minor">
+                <a:schemeClr val="tx1"/>
+              </a:fontRef>
+            </p:style>
+          </p:cxnSp>
+          <p:sp>
+            <p:nvSpPr>
+              <p:cNvPr id="10" name="文字方塊 9">
+                <a:extLst>
+                  <a:ext uri="{FF2B5EF4-FFF2-40B4-BE49-F238E27FC236}">
+                    <a16:creationId xmlns:a16="http://schemas.microsoft.com/office/drawing/2014/main" id="{55C803E0-9BA8-44D3-A062-1916B411288B}"/>
+                  </a:ext>
+                </a:extLst>
+              </p:cNvPr>
+              <p:cNvSpPr txBox="1"/>
+              <p:nvPr/>
+            </p:nvSpPr>
+            <p:spPr>
+              <a:xfrm rot="5400000">
+                <a:off x="11328615" y="4643443"/>
+                <a:ext cx="296615" cy="381632"/>
+              </a:xfrm>
+              <a:prstGeom prst="rect">
+                <a:avLst/>
+              </a:prstGeom>
+              <a:noFill/>
+            </p:spPr>
+            <p:txBody>
+              <a:bodyPr wrap="none" rtlCol="0">
+                <a:spAutoFit/>
+              </a:bodyPr>
+              <a:lstStyle/>
+              <a:p>
+                <a:r>
+                  <a:rPr lang="en-US" altLang="zh-TW" dirty="0">
+                    <a:solidFill>
+                      <a:srgbClr val="7030A0"/>
+                    </a:solidFill>
+                  </a:rPr>
+                  <a:t>p</a:t>
+                </a:r>
+                <a:endParaRPr lang="zh-TW" altLang="en-US" dirty="0">
+                  <a:solidFill>
+                    <a:srgbClr val="7030A0"/>
+                  </a:solidFill>
+                </a:endParaRPr>
+              </a:p>
+            </p:txBody>
+          </p:sp>
+          <p:sp>
+            <p:nvSpPr>
+              <p:cNvPr id="11" name="文字方塊 10">
+                <a:extLst>
+                  <a:ext uri="{FF2B5EF4-FFF2-40B4-BE49-F238E27FC236}">
+                    <a16:creationId xmlns:a16="http://schemas.microsoft.com/office/drawing/2014/main" id="{53DB0536-B561-45FA-88A4-1C7C88A410DC}"/>
+                  </a:ext>
+                </a:extLst>
+              </p:cNvPr>
+              <p:cNvSpPr txBox="1"/>
+              <p:nvPr/>
+            </p:nvSpPr>
+            <p:spPr>
+              <a:xfrm rot="5400000">
+                <a:off x="8966514" y="2342711"/>
+                <a:ext cx="296615" cy="381632"/>
+              </a:xfrm>
+              <a:prstGeom prst="rect">
+                <a:avLst/>
+              </a:prstGeom>
+              <a:noFill/>
+            </p:spPr>
+            <p:txBody>
+              <a:bodyPr wrap="none" rtlCol="0">
+                <a:spAutoFit/>
+              </a:bodyPr>
+              <a:lstStyle/>
+              <a:p>
+                <a:r>
+                  <a:rPr lang="en-US" altLang="zh-TW" dirty="0">
+                    <a:solidFill>
+                      <a:srgbClr val="002060"/>
+                    </a:solidFill>
+                  </a:rPr>
+                  <a:t>o</a:t>
+                </a:r>
+                <a:endParaRPr lang="zh-TW" altLang="en-US" dirty="0">
+                  <a:solidFill>
+                    <a:srgbClr val="002060"/>
+                  </a:solidFill>
+                </a:endParaRPr>
+              </a:p>
+            </p:txBody>
+          </p:sp>
+          <p:cxnSp>
+            <p:nvCxnSpPr>
+              <p:cNvPr id="12" name="直線接點 11">
+                <a:extLst>
+                  <a:ext uri="{FF2B5EF4-FFF2-40B4-BE49-F238E27FC236}">
+                    <a16:creationId xmlns:a16="http://schemas.microsoft.com/office/drawing/2014/main" id="{825E08DE-F440-4C70-8605-4D57EF3861D6}"/>
+                  </a:ext>
+                </a:extLst>
+              </p:cNvPr>
+              <p:cNvCxnSpPr/>
+              <p:nvPr/>
+            </p:nvCxnSpPr>
+            <p:spPr>
+              <a:xfrm flipV="1">
+                <a:off x="10413769" y="2490424"/>
+                <a:ext cx="0" cy="3319041"/>
+              </a:xfrm>
+              <a:prstGeom prst="line">
+                <a:avLst/>
+              </a:prstGeom>
+              <a:ln>
+                <a:prstDash val="dash"/>
+              </a:ln>
+            </p:spPr>
+            <p:style>
+              <a:lnRef idx="1">
+                <a:schemeClr val="accent1"/>
+              </a:lnRef>
+              <a:fillRef idx="0">
+                <a:schemeClr val="accent1"/>
+              </a:fillRef>
+              <a:effectRef idx="0">
+                <a:schemeClr val="accent1"/>
+              </a:effectRef>
+              <a:fontRef idx="minor">
+                <a:schemeClr val="tx1"/>
+              </a:fontRef>
+            </p:style>
+          </p:cxnSp>
+          <p:sp>
+            <p:nvSpPr>
+              <p:cNvPr id="13" name="文字方塊 12">
+                <a:extLst>
+                  <a:ext uri="{FF2B5EF4-FFF2-40B4-BE49-F238E27FC236}">
+                    <a16:creationId xmlns:a16="http://schemas.microsoft.com/office/drawing/2014/main" id="{D6457727-BB7B-419F-ACC4-6727D87234A0}"/>
+                  </a:ext>
+                </a:extLst>
+              </p:cNvPr>
+              <p:cNvSpPr txBox="1"/>
+              <p:nvPr/>
+            </p:nvSpPr>
+            <p:spPr>
+              <a:xfrm>
+                <a:off x="8750105" y="4832603"/>
+                <a:ext cx="301686" cy="369332"/>
+              </a:xfrm>
+              <a:prstGeom prst="rect">
+                <a:avLst/>
+              </a:prstGeom>
+              <a:noFill/>
+            </p:spPr>
+            <p:txBody>
+              <a:bodyPr wrap="none" rtlCol="0">
+                <a:spAutoFit/>
+              </a:bodyPr>
+              <a:lstStyle/>
+              <a:p>
+                <a:r>
+                  <a:rPr lang="en-US" altLang="zh-TW" dirty="0"/>
+                  <a:t>0</a:t>
+                </a:r>
+                <a:endParaRPr lang="zh-TW" altLang="en-US" dirty="0"/>
+              </a:p>
+            </p:txBody>
+          </p:sp>
+          <p:sp>
+            <p:nvSpPr>
+              <p:cNvPr id="14" name="文字方塊 13">
+                <a:extLst>
+                  <a:ext uri="{FF2B5EF4-FFF2-40B4-BE49-F238E27FC236}">
+                    <a16:creationId xmlns:a16="http://schemas.microsoft.com/office/drawing/2014/main" id="{EEE56C1D-4C53-4F8B-817F-E6F6C650784D}"/>
+                  </a:ext>
+                </a:extLst>
+              </p:cNvPr>
+              <p:cNvSpPr txBox="1"/>
+              <p:nvPr/>
+            </p:nvSpPr>
+            <p:spPr>
+              <a:xfrm rot="5400000">
+                <a:off x="10381749" y="4832726"/>
+                <a:ext cx="347810" cy="381632"/>
+              </a:xfrm>
+              <a:prstGeom prst="rect">
+                <a:avLst/>
+              </a:prstGeom>
+              <a:noFill/>
+            </p:spPr>
+            <p:txBody>
+              <a:bodyPr wrap="none" rtlCol="0">
+                <a:spAutoFit/>
+              </a:bodyPr>
+              <a:lstStyle/>
+              <a:p>
+                <a:r>
+                  <a:rPr lang="en-US" altLang="zh-TW" dirty="0">
+                    <a:solidFill>
+                      <a:srgbClr val="7030A0"/>
+                    </a:solidFill>
+                  </a:rPr>
+                  <a:t>1.</a:t>
+                </a:r>
+                <a:endParaRPr lang="zh-TW" altLang="en-US" dirty="0">
+                  <a:solidFill>
+                    <a:srgbClr val="7030A0"/>
+                  </a:solidFill>
+                </a:endParaRPr>
+              </a:p>
+            </p:txBody>
+          </p:sp>
+          <p:sp>
+            <p:nvSpPr>
+              <p:cNvPr id="15" name="文字方塊 14">
+                <a:extLst>
+                  <a:ext uri="{FF2B5EF4-FFF2-40B4-BE49-F238E27FC236}">
+                    <a16:creationId xmlns:a16="http://schemas.microsoft.com/office/drawing/2014/main" id="{60616B9E-53DA-4E99-A4DD-F2584768BA8C}"/>
+                  </a:ext>
+                </a:extLst>
+              </p:cNvPr>
+              <p:cNvSpPr txBox="1"/>
+              <p:nvPr/>
+            </p:nvSpPr>
+            <p:spPr>
+              <a:xfrm rot="5400000">
+                <a:off x="8625393" y="3939550"/>
+                <a:ext cx="403658" cy="381632"/>
+              </a:xfrm>
+              <a:prstGeom prst="rect">
+                <a:avLst/>
+              </a:prstGeom>
+              <a:noFill/>
+            </p:spPr>
+            <p:txBody>
+              <a:bodyPr wrap="none" rtlCol="0">
+                <a:spAutoFit/>
+              </a:bodyPr>
+              <a:lstStyle/>
+              <a:p>
+                <a:r>
+                  <a:rPr lang="en-US" altLang="zh-TW" dirty="0">
+                    <a:solidFill>
+                      <a:srgbClr val="002060"/>
+                    </a:solidFill>
+                  </a:rPr>
+                  <a:t>+1</a:t>
+                </a:r>
+                <a:endParaRPr lang="zh-TW" altLang="en-US" dirty="0">
+                  <a:solidFill>
+                    <a:srgbClr val="002060"/>
+                  </a:solidFill>
+                </a:endParaRPr>
+              </a:p>
+            </p:txBody>
+          </p:sp>
+          <p:sp>
+            <p:nvSpPr>
+              <p:cNvPr id="16" name="文字方塊 15">
+                <a:extLst>
+                  <a:ext uri="{FF2B5EF4-FFF2-40B4-BE49-F238E27FC236}">
+                    <a16:creationId xmlns:a16="http://schemas.microsoft.com/office/drawing/2014/main" id="{E362B22C-3083-4A78-BC89-AAAB0CABD1FF}"/>
+                  </a:ext>
+                </a:extLst>
+              </p:cNvPr>
+              <p:cNvSpPr txBox="1"/>
+              <p:nvPr/>
+            </p:nvSpPr>
+            <p:spPr>
+              <a:xfrm rot="5400000">
+                <a:off x="9585308" y="4840441"/>
+                <a:ext cx="347810" cy="381632"/>
+              </a:xfrm>
+              <a:prstGeom prst="rect">
+                <a:avLst/>
+              </a:prstGeom>
+              <a:noFill/>
+            </p:spPr>
+            <p:txBody>
+              <a:bodyPr wrap="none" rtlCol="0">
+                <a:spAutoFit/>
+              </a:bodyPr>
+              <a:lstStyle/>
+              <a:p>
+                <a:r>
+                  <a:rPr lang="en-US" altLang="zh-TW" dirty="0">
+                    <a:solidFill>
+                      <a:srgbClr val="7030A0"/>
+                    </a:solidFill>
+                  </a:rPr>
+                  <a:t>.5</a:t>
+                </a:r>
+                <a:endParaRPr lang="zh-TW" altLang="en-US" dirty="0">
+                  <a:solidFill>
+                    <a:srgbClr val="7030A0"/>
+                  </a:solidFill>
+                </a:endParaRPr>
+              </a:p>
+            </p:txBody>
+          </p:sp>
+          <p:sp>
+            <p:nvSpPr>
+              <p:cNvPr id="17" name="手繪多邊形: 圖案 16">
+                <a:extLst>
+                  <a:ext uri="{FF2B5EF4-FFF2-40B4-BE49-F238E27FC236}">
+                    <a16:creationId xmlns:a16="http://schemas.microsoft.com/office/drawing/2014/main" id="{A1716BDC-5602-49AE-9FB5-7A3AE6B5FEC1}"/>
+                  </a:ext>
+                </a:extLst>
+              </p:cNvPr>
+              <p:cNvSpPr/>
+              <p:nvPr/>
+            </p:nvSpPr>
+            <p:spPr>
+              <a:xfrm>
+                <a:off x="8977745" y="2732809"/>
+                <a:ext cx="1402773" cy="2150918"/>
+              </a:xfrm>
+              <a:custGeom>
+                <a:avLst/>
+                <a:gdLst>
+                  <a:gd name="connsiteX0" fmla="*/ 0 w 1402773"/>
+                  <a:gd name="connsiteY0" fmla="*/ 2150918 h 2150918"/>
+                  <a:gd name="connsiteX1" fmla="*/ 238991 w 1402773"/>
+                  <a:gd name="connsiteY1" fmla="*/ 1641764 h 2150918"/>
+                  <a:gd name="connsiteX2" fmla="*/ 716973 w 1402773"/>
+                  <a:gd name="connsiteY2" fmla="*/ 1433946 h 2150918"/>
+                  <a:gd name="connsiteX3" fmla="*/ 966355 w 1402773"/>
+                  <a:gd name="connsiteY3" fmla="*/ 1132609 h 2150918"/>
+                  <a:gd name="connsiteX4" fmla="*/ 1236519 w 1402773"/>
+                  <a:gd name="connsiteY4" fmla="*/ 716973 h 2150918"/>
+                  <a:gd name="connsiteX5" fmla="*/ 1402773 w 1402773"/>
+                  <a:gd name="connsiteY5" fmla="*/ 0 h 2150918"/>
+                  <a:gd name="connsiteX6" fmla="*/ 1402773 w 1402773"/>
+                  <a:gd name="connsiteY6" fmla="*/ 0 h 2150918"/>
+                </a:gdLst>
+                <a:ahLst/>
+                <a:cxnLst>
+                  <a:cxn ang="0">
+                    <a:pos x="connsiteX0" y="connsiteY0"/>
+                  </a:cxn>
+                  <a:cxn ang="0">
+                    <a:pos x="connsiteX1" y="connsiteY1"/>
+                  </a:cxn>
+                  <a:cxn ang="0">
+                    <a:pos x="connsiteX2" y="connsiteY2"/>
+                  </a:cxn>
+                  <a:cxn ang="0">
+                    <a:pos x="connsiteX3" y="connsiteY3"/>
+                  </a:cxn>
+                  <a:cxn ang="0">
+                    <a:pos x="connsiteX4" y="connsiteY4"/>
+                  </a:cxn>
+                  <a:cxn ang="0">
+                    <a:pos x="connsiteX5" y="connsiteY5"/>
+                  </a:cxn>
+                  <a:cxn ang="0">
+                    <a:pos x="connsiteX6" y="connsiteY6"/>
+                  </a:cxn>
+                </a:cxnLst>
+                <a:rect l="l" t="t" r="r" b="b"/>
+                <a:pathLst>
+                  <a:path w="1402773" h="2150918">
+                    <a:moveTo>
+                      <a:pt x="0" y="2150918"/>
+                    </a:moveTo>
+                    <a:cubicBezTo>
+                      <a:pt x="59748" y="1956088"/>
+                      <a:pt x="119496" y="1761259"/>
+                      <a:pt x="238991" y="1641764"/>
+                    </a:cubicBezTo>
+                    <a:cubicBezTo>
+                      <a:pt x="358486" y="1522269"/>
+                      <a:pt x="595746" y="1518805"/>
+                      <a:pt x="716973" y="1433946"/>
+                    </a:cubicBezTo>
+                    <a:cubicBezTo>
+                      <a:pt x="838200" y="1349087"/>
+                      <a:pt x="879764" y="1252104"/>
+                      <a:pt x="966355" y="1132609"/>
+                    </a:cubicBezTo>
+                    <a:cubicBezTo>
+                      <a:pt x="1052946" y="1013114"/>
+                      <a:pt x="1163783" y="905741"/>
+                      <a:pt x="1236519" y="716973"/>
+                    </a:cubicBezTo>
+                    <a:cubicBezTo>
+                      <a:pt x="1309255" y="528205"/>
+                      <a:pt x="1402773" y="0"/>
+                      <a:pt x="1402773" y="0"/>
+                    </a:cubicBezTo>
+                    <a:lnTo>
+                      <a:pt x="1402773" y="0"/>
+                    </a:lnTo>
+                  </a:path>
+                </a:pathLst>
+              </a:custGeom>
+              <a:noFill/>
+            </p:spPr>
+            <p:style>
+              <a:lnRef idx="2">
+                <a:schemeClr val="accent1">
+                  <a:shade val="50000"/>
+                </a:schemeClr>
+              </a:lnRef>
+              <a:fillRef idx="1">
+                <a:schemeClr val="accent1"/>
+              </a:fillRef>
+              <a:effectRef idx="0">
+                <a:schemeClr val="accent1"/>
+              </a:effectRef>
+              <a:fontRef idx="minor">
+                <a:schemeClr val="lt1"/>
+              </a:fontRef>
+            </p:style>
+            <p:txBody>
+              <a:bodyPr rtlCol="0" anchor="ctr"/>
+              <a:lstStyle/>
+              <a:p>
+                <a:pPr algn="ctr"/>
+                <a:endParaRPr lang="zh-TW" altLang="en-US" dirty="0"/>
+              </a:p>
+            </p:txBody>
+          </p:sp>
+          <p:cxnSp>
+            <p:nvCxnSpPr>
+              <p:cNvPr id="18" name="直線單箭頭接點 17">
+                <a:extLst>
+                  <a:ext uri="{FF2B5EF4-FFF2-40B4-BE49-F238E27FC236}">
+                    <a16:creationId xmlns:a16="http://schemas.microsoft.com/office/drawing/2014/main" id="{87D10276-AD00-473F-92AC-80E66AEB01B6}"/>
+                  </a:ext>
+                </a:extLst>
+              </p:cNvPr>
+              <p:cNvCxnSpPr/>
+              <p:nvPr/>
+            </p:nvCxnSpPr>
+            <p:spPr>
+              <a:xfrm flipV="1">
+                <a:off x="8947264" y="2777608"/>
+                <a:ext cx="0" cy="3761304"/>
+              </a:xfrm>
+              <a:prstGeom prst="straightConnector1">
+                <a:avLst/>
+              </a:prstGeom>
+              <a:ln>
+                <a:solidFill>
+                  <a:srgbClr val="FF0000"/>
+                </a:solidFill>
+                <a:tailEnd type="triangle"/>
+              </a:ln>
+            </p:spPr>
+            <p:style>
+              <a:lnRef idx="1">
+                <a:schemeClr val="accent1"/>
+              </a:lnRef>
+              <a:fillRef idx="0">
+                <a:schemeClr val="accent1"/>
+              </a:fillRef>
+              <a:effectRef idx="0">
+                <a:schemeClr val="accent1"/>
+              </a:effectRef>
+              <a:fontRef idx="minor">
+                <a:schemeClr val="tx1"/>
+              </a:fontRef>
+            </p:style>
+          </p:cxnSp>
+          <mc:AlternateContent xmlns:mc="http://schemas.openxmlformats.org/markup-compatibility/2006">
+            <mc:Choice xmlns:a14="http://schemas.microsoft.com/office/drawing/2010/main" Requires="a14">
+              <p:sp>
+                <p:nvSpPr>
+                  <p:cNvPr id="19" name="矩形 18">
+                    <a:extLst>
+                      <a:ext uri="{FF2B5EF4-FFF2-40B4-BE49-F238E27FC236}">
+                        <a16:creationId xmlns:a16="http://schemas.microsoft.com/office/drawing/2014/main" id="{C7D68196-FE4C-466C-B0D7-A74284AF9A1F}"/>
+                      </a:ext>
+                    </a:extLst>
+                  </p:cNvPr>
+                  <p:cNvSpPr/>
+                  <p:nvPr/>
+                </p:nvSpPr>
+                <p:spPr>
+                  <a:xfrm rot="5400000">
+                    <a:off x="8661801" y="2771458"/>
+                    <a:ext cx="338501" cy="381632"/>
+                  </a:xfrm>
+                  <a:prstGeom prst="rect">
+                    <a:avLst/>
+                  </a:prstGeom>
+                </p:spPr>
+                <p:txBody>
+                  <a:bodyPr wrap="none">
+                    <a:spAutoFit/>
+                  </a:bodyPr>
+                  <a:lstStyle/>
+                  <a:p>
+                    <a14:m>
+                      <m:oMathPara xmlns:m="http://schemas.openxmlformats.org/officeDocument/2006/math">
+                        <m:oMathParaPr>
+                          <m:jc m:val="centerGroup"/>
+                        </m:oMathParaPr>
+                        <m:oMath xmlns:m="http://schemas.openxmlformats.org/officeDocument/2006/math">
+                          <m:r>
+                            <m:rPr>
+                              <m:sty m:val="p"/>
+                            </m:rPr>
+                            <a:rPr lang="el-GR" altLang="zh-TW" i="1" smtClean="0">
+                              <a:solidFill>
+                                <a:srgbClr val="FF0000"/>
+                              </a:solidFill>
+                              <a:latin typeface="Cambria Math" panose="02040503050406030204" pitchFamily="18" charset="0"/>
+                              <a:ea typeface="Cambria Math" panose="02040503050406030204" pitchFamily="18" charset="0"/>
+                            </a:rPr>
+                            <m:t>λ</m:t>
+                          </m:r>
+                        </m:oMath>
+                      </m:oMathPara>
+                    </a14:m>
+                    <a:endParaRPr lang="zh-TW" altLang="en-US" dirty="0">
+                      <a:solidFill>
+                        <a:srgbClr val="FF0000"/>
+                      </a:solidFill>
+                    </a:endParaRPr>
+                  </a:p>
+                </p:txBody>
+              </p:sp>
+            </mc:Choice>
+            <mc:Fallback>
+              <p:sp>
+                <p:nvSpPr>
+                  <p:cNvPr id="19" name="矩形 18">
+                    <a:extLst>
+                      <a:ext uri="{FF2B5EF4-FFF2-40B4-BE49-F238E27FC236}">
+                        <a16:creationId xmlns:a16="http://schemas.microsoft.com/office/drawing/2014/main" id="{C7D68196-FE4C-466C-B0D7-A74284AF9A1F}"/>
+                      </a:ext>
+                    </a:extLst>
+                  </p:cNvPr>
+                  <p:cNvSpPr>
+                    <a:spLocks noRot="1" noChangeAspect="1" noMove="1" noResize="1" noEditPoints="1" noAdjustHandles="1" noChangeArrowheads="1" noChangeShapeType="1" noTextEdit="1"/>
+                  </p:cNvSpPr>
+                  <p:nvPr/>
+                </p:nvSpPr>
+                <p:spPr>
+                  <a:xfrm rot="5400000">
+                    <a:off x="8661801" y="2771458"/>
+                    <a:ext cx="338501" cy="381632"/>
+                  </a:xfrm>
+                  <a:prstGeom prst="rect">
+                    <a:avLst/>
+                  </a:prstGeom>
+                  <a:blipFill>
+                    <a:blip r:embed="rId2"/>
+                    <a:stretch>
+                      <a:fillRect/>
+                    </a:stretch>
+                  </a:blipFill>
+                </p:spPr>
+                <p:txBody>
+                  <a:bodyPr/>
+                  <a:lstStyle/>
+                  <a:p>
+                    <a:r>
+                      <a:rPr lang="zh-TW" altLang="en-US">
+                        <a:noFill/>
+                      </a:rPr>
+                      <a:t> </a:t>
+                    </a:r>
+                  </a:p>
+                </p:txBody>
+              </p:sp>
+            </mc:Fallback>
+          </mc:AlternateContent>
+          <p:sp>
+            <p:nvSpPr>
+              <p:cNvPr id="20" name="手繪多邊形: 圖案 19">
+                <a:extLst>
+                  <a:ext uri="{FF2B5EF4-FFF2-40B4-BE49-F238E27FC236}">
+                    <a16:creationId xmlns:a16="http://schemas.microsoft.com/office/drawing/2014/main" id="{8F234472-B289-49F7-AF2A-0F884C606378}"/>
+                  </a:ext>
+                </a:extLst>
+              </p:cNvPr>
+              <p:cNvSpPr/>
+              <p:nvPr/>
+            </p:nvSpPr>
+            <p:spPr>
+              <a:xfrm>
+                <a:off x="9040091" y="3367299"/>
+                <a:ext cx="1342351" cy="2939983"/>
+              </a:xfrm>
+              <a:custGeom>
+                <a:avLst/>
+                <a:gdLst>
+                  <a:gd name="connsiteX0" fmla="*/ 0 w 1342351"/>
+                  <a:gd name="connsiteY0" fmla="*/ 2939983 h 2939983"/>
+                  <a:gd name="connsiteX1" fmla="*/ 145473 w 1342351"/>
+                  <a:gd name="connsiteY1" fmla="*/ 2233401 h 2939983"/>
+                  <a:gd name="connsiteX2" fmla="*/ 644236 w 1342351"/>
+                  <a:gd name="connsiteY2" fmla="*/ 1516428 h 2939983"/>
+                  <a:gd name="connsiteX3" fmla="*/ 1163782 w 1342351"/>
+                  <a:gd name="connsiteY3" fmla="*/ 789065 h 2939983"/>
+                  <a:gd name="connsiteX4" fmla="*/ 1330036 w 1342351"/>
+                  <a:gd name="connsiteY4" fmla="*/ 51310 h 2939983"/>
+                  <a:gd name="connsiteX5" fmla="*/ 1330036 w 1342351"/>
+                  <a:gd name="connsiteY5" fmla="*/ 61701 h 2939983"/>
+                  <a:gd name="connsiteX6" fmla="*/ 1340427 w 1342351"/>
+                  <a:gd name="connsiteY6" fmla="*/ 61701 h 2939983"/>
+                </a:gdLst>
+                <a:ahLst/>
+                <a:cxnLst>
+                  <a:cxn ang="0">
+                    <a:pos x="connsiteX0" y="connsiteY0"/>
+                  </a:cxn>
+                  <a:cxn ang="0">
+                    <a:pos x="connsiteX1" y="connsiteY1"/>
+                  </a:cxn>
+                  <a:cxn ang="0">
+                    <a:pos x="connsiteX2" y="connsiteY2"/>
+                  </a:cxn>
+                  <a:cxn ang="0">
+                    <a:pos x="connsiteX3" y="connsiteY3"/>
+                  </a:cxn>
+                  <a:cxn ang="0">
+                    <a:pos x="connsiteX4" y="connsiteY4"/>
+                  </a:cxn>
+                  <a:cxn ang="0">
+                    <a:pos x="connsiteX5" y="connsiteY5"/>
+                  </a:cxn>
+                  <a:cxn ang="0">
+                    <a:pos x="connsiteX6" y="connsiteY6"/>
+                  </a:cxn>
+                </a:cxnLst>
+                <a:rect l="l" t="t" r="r" b="b"/>
+                <a:pathLst>
+                  <a:path w="1342351" h="2939983">
+                    <a:moveTo>
+                      <a:pt x="0" y="2939983"/>
+                    </a:moveTo>
+                    <a:cubicBezTo>
+                      <a:pt x="19050" y="2705321"/>
+                      <a:pt x="38100" y="2470660"/>
+                      <a:pt x="145473" y="2233401"/>
+                    </a:cubicBezTo>
+                    <a:cubicBezTo>
+                      <a:pt x="252846" y="1996142"/>
+                      <a:pt x="474518" y="1757151"/>
+                      <a:pt x="644236" y="1516428"/>
+                    </a:cubicBezTo>
+                    <a:cubicBezTo>
+                      <a:pt x="813954" y="1275705"/>
+                      <a:pt x="1049482" y="1033251"/>
+                      <a:pt x="1163782" y="789065"/>
+                    </a:cubicBezTo>
+                    <a:cubicBezTo>
+                      <a:pt x="1278082" y="544879"/>
+                      <a:pt x="1330036" y="51310"/>
+                      <a:pt x="1330036" y="51310"/>
+                    </a:cubicBezTo>
+                    <a:cubicBezTo>
+                      <a:pt x="1357745" y="-69917"/>
+                      <a:pt x="1330036" y="61701"/>
+                      <a:pt x="1330036" y="61701"/>
+                    </a:cubicBezTo>
+                    <a:cubicBezTo>
+                      <a:pt x="1331768" y="63433"/>
+                      <a:pt x="1336097" y="62567"/>
+                      <a:pt x="1340427" y="61701"/>
+                    </a:cubicBezTo>
+                  </a:path>
+                </a:pathLst>
+              </a:custGeom>
+              <a:noFill/>
+              <a:ln>
+                <a:solidFill>
+                  <a:srgbClr val="FF0000"/>
+                </a:solidFill>
+              </a:ln>
+            </p:spPr>
+            <p:style>
+              <a:lnRef idx="2">
+                <a:schemeClr val="accent1">
+                  <a:shade val="50000"/>
+                </a:schemeClr>
+              </a:lnRef>
+              <a:fillRef idx="1">
+                <a:schemeClr val="accent1"/>
+              </a:fillRef>
+              <a:effectRef idx="0">
+                <a:schemeClr val="accent1"/>
+              </a:effectRef>
+              <a:fontRef idx="minor">
+                <a:schemeClr val="lt1"/>
+              </a:fontRef>
+            </p:style>
+            <p:txBody>
+              <a:bodyPr rtlCol="0" anchor="ctr"/>
+              <a:lstStyle/>
+              <a:p>
+                <a:pPr algn="ctr"/>
+                <a:endParaRPr lang="zh-TW" altLang="en-US"/>
+              </a:p>
+            </p:txBody>
+          </p:sp>
+        </p:grpSp>
+        <p:sp>
+          <p:nvSpPr>
+            <p:cNvPr id="7" name="文字方塊 6">
+              <a:extLst>
+                <a:ext uri="{FF2B5EF4-FFF2-40B4-BE49-F238E27FC236}">
+                  <a16:creationId xmlns:a16="http://schemas.microsoft.com/office/drawing/2014/main" id="{63E4D60B-3F77-4253-BFFF-D47DB0BC8229}"/>
+                </a:ext>
+              </a:extLst>
+            </p:cNvPr>
+            <p:cNvSpPr txBox="1"/>
+            <p:nvPr/>
+          </p:nvSpPr>
+          <p:spPr>
+            <a:xfrm rot="5400000">
+              <a:off x="8641996" y="4671101"/>
+              <a:ext cx="360221" cy="381632"/>
+            </a:xfrm>
+            <a:prstGeom prst="rect">
+              <a:avLst/>
+            </a:prstGeom>
+            <a:noFill/>
+          </p:spPr>
+          <p:txBody>
+            <a:bodyPr wrap="none" rtlCol="0">
+              <a:spAutoFit/>
+            </a:bodyPr>
+            <a:lstStyle/>
+            <a:p>
+              <a:r>
+                <a:rPr lang="en-US" altLang="zh-TW" dirty="0">
+                  <a:solidFill>
+                    <a:srgbClr val="FF0000"/>
+                  </a:solidFill>
+                </a:rPr>
+                <a:t>-1</a:t>
+              </a:r>
+              <a:endParaRPr lang="zh-TW" altLang="en-US" dirty="0">
+                <a:solidFill>
+                  <a:srgbClr val="FF0000"/>
+                </a:solidFill>
+              </a:endParaRPr>
+            </a:p>
+          </p:txBody>
+        </p:sp>
+      </p:grpSp>
+      <p:pic>
+        <p:nvPicPr>
+          <p:cNvPr id="21" name="圖片 20">
+            <a:extLst>
+              <a:ext uri="{FF2B5EF4-FFF2-40B4-BE49-F238E27FC236}">
+                <a16:creationId xmlns:a16="http://schemas.microsoft.com/office/drawing/2014/main" id="{9FA9B4C0-BBD4-4C34-83BC-4780469CAF91}"/>
+              </a:ext>
+            </a:extLst>
+          </p:cNvPr>
+          <p:cNvPicPr>
+            <a:picLocks noChangeAspect="1"/>
+          </p:cNvPicPr>
+          <p:nvPr/>
+        </p:nvPicPr>
+        <p:blipFill>
+          <a:blip r:embed="rId3"/>
+          <a:stretch>
+            <a:fillRect/>
+          </a:stretch>
+        </p:blipFill>
+        <p:spPr>
+          <a:xfrm>
+            <a:off x="324680" y="543818"/>
+            <a:ext cx="3954655" cy="458740"/>
+          </a:xfrm>
+          <a:prstGeom prst="rect">
+            <a:avLst/>
+          </a:prstGeom>
+        </p:spPr>
+      </p:pic>
+      <p:pic>
+        <p:nvPicPr>
+          <p:cNvPr id="22" name="圖片 21">
+            <a:extLst>
+              <a:ext uri="{FF2B5EF4-FFF2-40B4-BE49-F238E27FC236}">
+                <a16:creationId xmlns:a16="http://schemas.microsoft.com/office/drawing/2014/main" id="{B01D2F15-AC9C-4ED9-886E-F5EAEC60B5FB}"/>
+              </a:ext>
+            </a:extLst>
+          </p:cNvPr>
+          <p:cNvPicPr>
+            <a:picLocks noChangeAspect="1"/>
+          </p:cNvPicPr>
+          <p:nvPr/>
+        </p:nvPicPr>
+        <p:blipFill>
+          <a:blip r:embed="rId4"/>
+          <a:stretch>
+            <a:fillRect/>
+          </a:stretch>
+        </p:blipFill>
+        <p:spPr>
+          <a:xfrm>
+            <a:off x="324680" y="1061396"/>
+            <a:ext cx="1601389" cy="715287"/>
+          </a:xfrm>
+          <a:prstGeom prst="rect">
+            <a:avLst/>
+          </a:prstGeom>
+        </p:spPr>
+      </p:pic>
+      <mc:AlternateContent xmlns:mc="http://schemas.openxmlformats.org/markup-compatibility/2006">
+        <mc:Choice xmlns:a14="http://schemas.microsoft.com/office/drawing/2010/main" Requires="a14">
+          <p:sp>
+            <p:nvSpPr>
+              <p:cNvPr id="23" name="文字方塊 22">
+                <a:extLst>
+                  <a:ext uri="{FF2B5EF4-FFF2-40B4-BE49-F238E27FC236}">
+                    <a16:creationId xmlns:a16="http://schemas.microsoft.com/office/drawing/2014/main" id="{8D27EB80-BA83-4F05-BA17-6E995F7D36C8}"/>
+                  </a:ext>
+                </a:extLst>
+              </p:cNvPr>
+              <p:cNvSpPr txBox="1"/>
+              <p:nvPr/>
+            </p:nvSpPr>
+            <p:spPr>
+              <a:xfrm>
+                <a:off x="1836991" y="2038509"/>
+                <a:ext cx="2348343" cy="646331"/>
+              </a:xfrm>
+              <a:prstGeom prst="rect">
+                <a:avLst/>
+              </a:prstGeom>
+              <a:solidFill>
+                <a:srgbClr val="FFFF00"/>
+              </a:solidFill>
+              <a:ln>
+                <a:solidFill>
+                  <a:srgbClr val="FF0000"/>
+                </a:solidFill>
+              </a:ln>
+            </p:spPr>
+            <p:txBody>
+              <a:bodyPr wrap="square" rtlCol="0">
+                <a:spAutoFit/>
+              </a:bodyPr>
+              <a:lstStyle/>
+              <a:p>
+                <a:r>
+                  <a:rPr lang="zh-TW" altLang="en-US" dirty="0"/>
+                  <a:t>若令 </a:t>
+                </a:r>
+                <a:r>
+                  <a:rPr lang="en-US" altLang="zh-TW" dirty="0"/>
+                  <a:t>z </a:t>
+                </a:r>
+                <a:r>
+                  <a:rPr lang="zh-TW" altLang="en-US" dirty="0"/>
+                  <a:t>為 </a:t>
+                </a:r>
+                <a14:m>
+                  <m:oMath xmlns:m="http://schemas.openxmlformats.org/officeDocument/2006/math">
+                    <m:r>
+                      <m:rPr>
+                        <m:sty m:val="p"/>
+                      </m:rPr>
+                      <a:rPr lang="el-GR" altLang="zh-TW" i="1">
+                        <a:solidFill>
+                          <a:srgbClr val="FF0000"/>
+                        </a:solidFill>
+                        <a:latin typeface="Cambria Math" panose="02040503050406030204" pitchFamily="18" charset="0"/>
+                        <a:ea typeface="Cambria Math" panose="02040503050406030204" pitchFamily="18" charset="0"/>
+                      </a:rPr>
+                      <m:t>λ</m:t>
+                    </m:r>
+                  </m:oMath>
+                </a14:m>
+                <a:r>
+                  <a:rPr lang="en-US" altLang="zh-TW" dirty="0"/>
+                  <a:t>,</a:t>
+                </a:r>
+              </a:p>
+              <a:p>
+                <a:r>
+                  <a:rPr lang="zh-TW" altLang="en-US" dirty="0"/>
+                  <a:t>則 </a:t>
+                </a:r>
+                <a14:m>
+                  <m:oMath xmlns:m="http://schemas.openxmlformats.org/officeDocument/2006/math">
+                    <m:r>
+                      <a:rPr lang="en-US" altLang="zh-TW" b="0" i="1" smtClean="0">
+                        <a:latin typeface="Cambria Math" panose="02040503050406030204" pitchFamily="18" charset="0"/>
+                      </a:rPr>
+                      <m:t>𝜙</m:t>
+                    </m:r>
+                    <m:r>
+                      <a:rPr lang="en-US" altLang="zh-TW" b="0" i="1" smtClean="0">
+                        <a:latin typeface="Cambria Math" panose="02040503050406030204" pitchFamily="18" charset="0"/>
+                      </a:rPr>
+                      <m:t>(</m:t>
+                    </m:r>
+                    <m:r>
+                      <a:rPr lang="en-US" altLang="zh-TW" b="0" i="1" smtClean="0">
+                        <a:latin typeface="Cambria Math" panose="02040503050406030204" pitchFamily="18" charset="0"/>
+                      </a:rPr>
+                      <m:t>𝑧</m:t>
+                    </m:r>
+                    <m:r>
+                      <a:rPr lang="en-US" altLang="zh-TW" b="0" i="1" smtClean="0">
+                        <a:latin typeface="Cambria Math" panose="02040503050406030204" pitchFamily="18" charset="0"/>
+                      </a:rPr>
+                      <m:t>)</m:t>
+                    </m:r>
+                  </m:oMath>
+                </a14:m>
+                <a:r>
+                  <a:rPr lang="en-US" altLang="zh-TW" dirty="0"/>
+                  <a:t> </a:t>
+                </a:r>
+                <a:r>
+                  <a:rPr lang="zh-TW" altLang="en-US" dirty="0"/>
+                  <a:t>即代表 </a:t>
+                </a:r>
+                <a:r>
+                  <a:rPr lang="en-US" altLang="zh-TW" i="1" dirty="0">
+                    <a:solidFill>
+                      <a:srgbClr val="7030A0"/>
+                    </a:solidFill>
+                  </a:rPr>
+                  <a:t>p</a:t>
+                </a:r>
+                <a:endParaRPr lang="zh-TW" altLang="en-US" i="1" dirty="0">
+                  <a:solidFill>
+                    <a:srgbClr val="7030A0"/>
+                  </a:solidFill>
+                </a:endParaRPr>
+              </a:p>
+            </p:txBody>
+          </p:sp>
+        </mc:Choice>
+        <mc:Fallback>
+          <p:sp>
+            <p:nvSpPr>
+              <p:cNvPr id="23" name="文字方塊 22">
+                <a:extLst>
+                  <a:ext uri="{FF2B5EF4-FFF2-40B4-BE49-F238E27FC236}">
+                    <a16:creationId xmlns:a16="http://schemas.microsoft.com/office/drawing/2014/main" id="{8D27EB80-BA83-4F05-BA17-6E995F7D36C8}"/>
+                  </a:ext>
+                </a:extLst>
+              </p:cNvPr>
+              <p:cNvSpPr txBox="1">
+                <a:spLocks noRot="1" noChangeAspect="1" noMove="1" noResize="1" noEditPoints="1" noAdjustHandles="1" noChangeArrowheads="1" noChangeShapeType="1" noTextEdit="1"/>
+              </p:cNvSpPr>
+              <p:nvPr/>
+            </p:nvSpPr>
+            <p:spPr>
+              <a:xfrm>
+                <a:off x="1836991" y="2038509"/>
+                <a:ext cx="2348343" cy="646331"/>
+              </a:xfrm>
+              <a:prstGeom prst="rect">
+                <a:avLst/>
+              </a:prstGeom>
+              <a:blipFill>
+                <a:blip r:embed="rId5"/>
+                <a:stretch>
+                  <a:fillRect l="-1804" t="-3704" b="-12963"/>
+                </a:stretch>
+              </a:blipFill>
+              <a:ln>
+                <a:solidFill>
+                  <a:srgbClr val="FF0000"/>
+                </a:solidFill>
+              </a:ln>
+            </p:spPr>
+            <p:txBody>
+              <a:bodyPr/>
+              <a:lstStyle/>
+              <a:p>
+                <a:r>
+                  <a:rPr lang="zh-TW" altLang="en-US">
+                    <a:noFill/>
+                  </a:rPr>
+                  <a:t> </a:t>
+                </a:r>
+              </a:p>
+            </p:txBody>
+          </p:sp>
+        </mc:Fallback>
+      </mc:AlternateContent>
+      <mc:AlternateContent xmlns:mc="http://schemas.openxmlformats.org/markup-compatibility/2006">
+        <mc:Choice xmlns:a14="http://schemas.microsoft.com/office/drawing/2010/main" Requires="a14">
+          <p:sp>
+            <p:nvSpPr>
+              <p:cNvPr id="24" name="文字方塊 23">
+                <a:extLst>
+                  <a:ext uri="{FF2B5EF4-FFF2-40B4-BE49-F238E27FC236}">
+                    <a16:creationId xmlns:a16="http://schemas.microsoft.com/office/drawing/2014/main" id="{452AAF0D-72E0-41E0-94BC-C29694F40E10}"/>
+                  </a:ext>
+                </a:extLst>
+              </p:cNvPr>
+              <p:cNvSpPr txBox="1"/>
+              <p:nvPr/>
+            </p:nvSpPr>
+            <p:spPr>
+              <a:xfrm>
+                <a:off x="1471273" y="3104635"/>
+                <a:ext cx="3011978" cy="2776273"/>
+              </a:xfrm>
+              <a:prstGeom prst="rect">
+                <a:avLst/>
+              </a:prstGeom>
+              <a:noFill/>
+              <a:ln>
+                <a:solidFill>
+                  <a:srgbClr val="7030A0"/>
+                </a:solidFill>
+              </a:ln>
+            </p:spPr>
+            <p:txBody>
+              <a:bodyPr wrap="none" lIns="0" tIns="0" rIns="0" bIns="0" rtlCol="0">
+                <a:spAutoFit/>
+              </a:bodyPr>
+              <a:lstStyle/>
+              <a:p>
+                <a:r>
+                  <a:rPr lang="en-US" altLang="zh-TW" b="0" i="1" dirty="0">
+                    <a:latin typeface="Cambria Math" panose="02040503050406030204" pitchFamily="18" charset="0"/>
+                    <a:ea typeface="Cambria Math" panose="02040503050406030204" pitchFamily="18" charset="0"/>
+                  </a:rPr>
+                  <a:t>Log Odds: </a:t>
+                </a:r>
+                <a:r>
+                  <a:rPr lang="zh-TW" altLang="en-US" b="0" i="1" dirty="0">
+                    <a:solidFill>
+                      <a:srgbClr val="FF0000"/>
+                    </a:solidFill>
+                    <a:latin typeface="Cambria Math" panose="02040503050406030204" pitchFamily="18" charset="0"/>
+                    <a:ea typeface="Cambria Math" panose="02040503050406030204" pitchFamily="18" charset="0"/>
+                  </a:rPr>
+                  <a:t>對數</a:t>
+                </a:r>
+                <a:r>
+                  <a:rPr lang="zh-TW" altLang="en-US" i="1" dirty="0">
+                    <a:solidFill>
+                      <a:srgbClr val="FF0000"/>
+                    </a:solidFill>
+                    <a:latin typeface="Cambria Math" panose="02040503050406030204" pitchFamily="18" charset="0"/>
+                    <a:ea typeface="Cambria Math" panose="02040503050406030204" pitchFamily="18" charset="0"/>
+                  </a:rPr>
+                  <a:t>勝負比 </a:t>
+                </a:r>
+                <a14:m>
+                  <m:oMath xmlns:m="http://schemas.openxmlformats.org/officeDocument/2006/math">
+                    <m:r>
+                      <m:rPr>
+                        <m:sty m:val="p"/>
+                      </m:rPr>
+                      <a:rPr lang="el-GR" altLang="zh-TW" i="1">
+                        <a:solidFill>
+                          <a:srgbClr val="FF0000"/>
+                        </a:solidFill>
+                        <a:latin typeface="Cambria Math" panose="02040503050406030204" pitchFamily="18" charset="0"/>
+                        <a:ea typeface="Cambria Math" panose="02040503050406030204" pitchFamily="18" charset="0"/>
+                      </a:rPr>
+                      <m:t>λ</m:t>
+                    </m:r>
+                  </m:oMath>
+                </a14:m>
+                <a:endParaRPr lang="en-US" altLang="zh-TW" b="0" i="1" dirty="0">
+                  <a:solidFill>
+                    <a:srgbClr val="FF0000"/>
+                  </a:solidFill>
+                  <a:latin typeface="Cambria Math" panose="02040503050406030204" pitchFamily="18" charset="0"/>
+                  <a:ea typeface="Cambria Math" panose="02040503050406030204" pitchFamily="18" charset="0"/>
+                </a:endParaRPr>
+              </a:p>
+              <a:p>
+                <a:pPr/>
+                <a:endParaRPr lang="en-US" altLang="zh-TW" b="0" i="1" dirty="0">
+                  <a:solidFill>
+                    <a:srgbClr val="FF0000"/>
+                  </a:solidFill>
+                  <a:latin typeface="Cambria Math" panose="02040503050406030204" pitchFamily="18" charset="0"/>
+                  <a:ea typeface="Cambria Math" panose="02040503050406030204" pitchFamily="18" charset="0"/>
+                </a:endParaRPr>
+              </a:p>
+              <a:p>
+                <a:pPr/>
+                <a14:m>
+                  <m:oMathPara xmlns:m="http://schemas.openxmlformats.org/officeDocument/2006/math">
+                    <m:oMathParaPr>
+                      <m:jc m:val="left"/>
+                    </m:oMathParaPr>
+                    <m:oMath xmlns:m="http://schemas.openxmlformats.org/officeDocument/2006/math">
+                      <m:r>
+                        <m:rPr>
+                          <m:sty m:val="p"/>
+                        </m:rPr>
+                        <a:rPr lang="el-GR" altLang="zh-TW" b="0" i="1" smtClean="0">
+                          <a:solidFill>
+                            <a:srgbClr val="FF0000"/>
+                          </a:solidFill>
+                          <a:latin typeface="Cambria Math" panose="02040503050406030204" pitchFamily="18" charset="0"/>
+                          <a:ea typeface="Cambria Math" panose="02040503050406030204" pitchFamily="18" charset="0"/>
+                        </a:rPr>
+                        <m:t>λ</m:t>
+                      </m:r>
+                      <m:r>
+                        <a:rPr lang="el-GR" altLang="zh-TW" b="0" i="1" smtClean="0">
+                          <a:latin typeface="Cambria Math" panose="02040503050406030204" pitchFamily="18" charset="0"/>
+                          <a:ea typeface="Cambria Math" panose="02040503050406030204" pitchFamily="18" charset="0"/>
+                        </a:rPr>
+                        <m:t>≡</m:t>
+                      </m:r>
+                      <m:r>
+                        <m:rPr>
+                          <m:sty m:val="p"/>
+                        </m:rPr>
+                        <a:rPr lang="en-US" altLang="zh-TW" b="0" i="0" smtClean="0">
+                          <a:latin typeface="Cambria Math" panose="02040503050406030204" pitchFamily="18" charset="0"/>
+                        </a:rPr>
+                        <m:t>log</m:t>
+                      </m:r>
+                      <m:d>
+                        <m:dPr>
+                          <m:ctrlPr>
+                            <a:rPr lang="en-US" altLang="zh-TW" b="0" i="0" smtClean="0">
+                              <a:latin typeface="Cambria Math" panose="02040503050406030204" pitchFamily="18" charset="0"/>
+                            </a:rPr>
+                          </m:ctrlPr>
+                        </m:dPr>
+                        <m:e>
+                          <m:r>
+                            <m:rPr>
+                              <m:sty m:val="p"/>
+                            </m:rPr>
+                            <a:rPr lang="en-US" altLang="zh-TW" b="0" i="0" smtClean="0">
+                              <a:latin typeface="Cambria Math" panose="02040503050406030204" pitchFamily="18" charset="0"/>
+                            </a:rPr>
+                            <m:t>o</m:t>
+                          </m:r>
+                        </m:e>
+                      </m:d>
+                      <m:r>
+                        <a:rPr lang="en-US" altLang="zh-TW" b="0" i="0" smtClean="0">
+                          <a:latin typeface="Cambria Math" panose="02040503050406030204" pitchFamily="18" charset="0"/>
+                        </a:rPr>
+                        <m:t>    </m:t>
+                      </m:r>
+                      <m:r>
+                        <a:rPr lang="en-US" altLang="zh-TW" b="0" i="1" smtClean="0">
+                          <a:latin typeface="Cambria Math" panose="02040503050406030204" pitchFamily="18" charset="0"/>
+                        </a:rPr>
+                        <m:t>⇒ </m:t>
+                      </m:r>
+                      <m:r>
+                        <a:rPr lang="en-US" altLang="zh-TW" b="0" i="1" smtClean="0">
+                          <a:latin typeface="Cambria Math" panose="02040503050406030204" pitchFamily="18" charset="0"/>
+                        </a:rPr>
+                        <m:t>𝑜</m:t>
+                      </m:r>
+                      <m:r>
+                        <a:rPr lang="en-US" altLang="zh-TW" b="0" i="1" smtClean="0">
+                          <a:latin typeface="Cambria Math" panose="02040503050406030204" pitchFamily="18" charset="0"/>
+                        </a:rPr>
+                        <m:t>=</m:t>
+                      </m:r>
+                      <m:sSup>
+                        <m:sSupPr>
+                          <m:ctrlPr>
+                            <a:rPr lang="en-US" altLang="zh-TW" b="0" i="1" smtClean="0">
+                              <a:latin typeface="Cambria Math" panose="02040503050406030204" pitchFamily="18" charset="0"/>
+                            </a:rPr>
+                          </m:ctrlPr>
+                        </m:sSupPr>
+                        <m:e>
+                          <m:r>
+                            <a:rPr lang="en-US" altLang="zh-TW" b="0" i="1" smtClean="0">
+                              <a:latin typeface="Cambria Math" panose="02040503050406030204" pitchFamily="18" charset="0"/>
+                            </a:rPr>
+                            <m:t>𝑒</m:t>
+                          </m:r>
+                        </m:e>
+                        <m:sup>
+                          <m:r>
+                            <a:rPr lang="en-US" altLang="zh-TW" b="0" i="1" smtClean="0">
+                              <a:latin typeface="Cambria Math" panose="02040503050406030204" pitchFamily="18" charset="0"/>
+                            </a:rPr>
+                            <m:t>𝜆</m:t>
+                          </m:r>
+                          <m:r>
+                            <a:rPr lang="en-US" altLang="zh-TW" b="0" i="1" smtClean="0">
+                              <a:latin typeface="Cambria Math" panose="02040503050406030204" pitchFamily="18" charset="0"/>
+                            </a:rPr>
+                            <m:t> </m:t>
+                          </m:r>
+                        </m:sup>
+                      </m:sSup>
+                    </m:oMath>
+                  </m:oMathPara>
+                </a14:m>
+                <a:endParaRPr lang="en-US" altLang="zh-TW" b="0" i="1" dirty="0">
+                  <a:latin typeface="Cambria Math" panose="02040503050406030204" pitchFamily="18" charset="0"/>
+                </a:endParaRPr>
+              </a:p>
+              <a:p>
+                <a:pPr/>
+                <a14:m>
+                  <m:oMathPara xmlns:m="http://schemas.openxmlformats.org/officeDocument/2006/math">
+                    <m:oMathParaPr>
+                      <m:jc m:val="left"/>
+                    </m:oMathParaPr>
+                    <m:oMath xmlns:m="http://schemas.openxmlformats.org/officeDocument/2006/math">
+                      <m:r>
+                        <m:rPr>
+                          <m:sty m:val="p"/>
+                        </m:rPr>
+                        <a:rPr lang="en-US" altLang="zh-TW" b="0" i="0" smtClean="0">
+                          <a:latin typeface="Cambria Math" panose="02040503050406030204" pitchFamily="18" charset="0"/>
+                        </a:rPr>
+                        <m:t>o</m:t>
+                      </m:r>
+                      <m:r>
+                        <a:rPr lang="en-US" altLang="zh-TW" b="0" i="1" smtClean="0">
+                          <a:latin typeface="Cambria Math" panose="02040503050406030204" pitchFamily="18" charset="0"/>
+                          <a:ea typeface="Cambria Math" panose="02040503050406030204" pitchFamily="18" charset="0"/>
+                        </a:rPr>
+                        <m:t>≡</m:t>
+                      </m:r>
+                      <m:f>
+                        <m:fPr>
+                          <m:ctrlPr>
+                            <a:rPr lang="en-US" altLang="zh-TW" b="0" i="0" smtClean="0">
+                              <a:latin typeface="Cambria Math" panose="02040503050406030204" pitchFamily="18" charset="0"/>
+                            </a:rPr>
+                          </m:ctrlPr>
+                        </m:fPr>
+                        <m:num>
+                          <m:r>
+                            <m:rPr>
+                              <m:sty m:val="p"/>
+                            </m:rPr>
+                            <a:rPr lang="en-US" altLang="zh-TW" b="0" i="0" smtClean="0">
+                              <a:latin typeface="Cambria Math" panose="02040503050406030204" pitchFamily="18" charset="0"/>
+                            </a:rPr>
+                            <m:t>p</m:t>
+                          </m:r>
+                        </m:num>
+                        <m:den>
+                          <m:r>
+                            <m:rPr>
+                              <m:sty m:val="p"/>
+                            </m:rPr>
+                            <a:rPr lang="en-US" altLang="zh-TW" b="0" i="0" smtClean="0">
+                              <a:latin typeface="Cambria Math" panose="02040503050406030204" pitchFamily="18" charset="0"/>
+                            </a:rPr>
+                            <m:t>q</m:t>
+                          </m:r>
+                        </m:den>
+                      </m:f>
+                      <m:r>
+                        <a:rPr lang="en-US" altLang="zh-TW" b="0" i="0" smtClean="0">
+                          <a:latin typeface="Cambria Math" panose="02040503050406030204" pitchFamily="18" charset="0"/>
+                        </a:rPr>
+                        <m:t>=</m:t>
+                      </m:r>
+                      <m:f>
+                        <m:fPr>
+                          <m:ctrlPr>
+                            <a:rPr lang="en-US" altLang="zh-TW" b="0" i="0" smtClean="0">
+                              <a:latin typeface="Cambria Math" panose="02040503050406030204" pitchFamily="18" charset="0"/>
+                            </a:rPr>
+                          </m:ctrlPr>
+                        </m:fPr>
+                        <m:num>
+                          <m:r>
+                            <m:rPr>
+                              <m:sty m:val="p"/>
+                            </m:rPr>
+                            <a:rPr lang="en-US" altLang="zh-TW" b="0" i="0" smtClean="0">
+                              <a:latin typeface="Cambria Math" panose="02040503050406030204" pitchFamily="18" charset="0"/>
+                            </a:rPr>
+                            <m:t>p</m:t>
+                          </m:r>
+                        </m:num>
+                        <m:den>
+                          <m:r>
+                            <a:rPr lang="en-US" altLang="zh-TW" b="0" i="0" smtClean="0">
+                              <a:latin typeface="Cambria Math" panose="02040503050406030204" pitchFamily="18" charset="0"/>
+                            </a:rPr>
+                            <m:t>1−</m:t>
+                          </m:r>
+                          <m:r>
+                            <m:rPr>
+                              <m:sty m:val="p"/>
+                            </m:rPr>
+                            <a:rPr lang="en-US" altLang="zh-TW" b="0" i="0" smtClean="0">
+                              <a:latin typeface="Cambria Math" panose="02040503050406030204" pitchFamily="18" charset="0"/>
+                            </a:rPr>
+                            <m:t>p</m:t>
+                          </m:r>
+                        </m:den>
+                      </m:f>
+                      <m:r>
+                        <a:rPr lang="en-US" altLang="zh-TW" b="0" i="0" smtClean="0">
+                          <a:latin typeface="Cambria Math" panose="02040503050406030204" pitchFamily="18" charset="0"/>
+                        </a:rPr>
+                        <m:t> </m:t>
+                      </m:r>
+                    </m:oMath>
+                  </m:oMathPara>
+                </a14:m>
+                <a:endParaRPr lang="en-US" altLang="zh-TW" b="0" i="0" dirty="0">
+                  <a:latin typeface="Cambria Math" panose="02040503050406030204" pitchFamily="18" charset="0"/>
+                </a:endParaRPr>
+              </a:p>
+              <a:p>
+                <a:pPr/>
+                <a14:m>
+                  <m:oMathPara xmlns:m="http://schemas.openxmlformats.org/officeDocument/2006/math">
+                    <m:oMathParaPr>
+                      <m:jc m:val="left"/>
+                    </m:oMathParaPr>
+                    <m:oMath xmlns:m="http://schemas.openxmlformats.org/officeDocument/2006/math">
+                      <m:r>
+                        <m:rPr>
+                          <m:sty m:val="p"/>
+                        </m:rPr>
+                        <a:rPr lang="en-US" altLang="zh-TW" b="0" i="0" smtClean="0">
+                          <a:latin typeface="Cambria Math" panose="02040503050406030204" pitchFamily="18" charset="0"/>
+                        </a:rPr>
+                        <m:t>p</m:t>
+                      </m:r>
+                      <m:r>
+                        <a:rPr lang="en-US" altLang="zh-TW" b="0" i="0" smtClean="0">
+                          <a:latin typeface="Cambria Math" panose="02040503050406030204" pitchFamily="18" charset="0"/>
+                        </a:rPr>
+                        <m:t>=</m:t>
+                      </m:r>
+                      <m:f>
+                        <m:fPr>
+                          <m:ctrlPr>
+                            <a:rPr lang="en-US" altLang="zh-TW" b="0" i="0" smtClean="0">
+                              <a:latin typeface="Cambria Math" panose="02040503050406030204" pitchFamily="18" charset="0"/>
+                            </a:rPr>
+                          </m:ctrlPr>
+                        </m:fPr>
+                        <m:num>
+                          <m:r>
+                            <m:rPr>
+                              <m:sty m:val="p"/>
+                            </m:rPr>
+                            <a:rPr lang="en-US" altLang="zh-TW" b="0" i="0" smtClean="0">
+                              <a:latin typeface="Cambria Math" panose="02040503050406030204" pitchFamily="18" charset="0"/>
+                            </a:rPr>
+                            <m:t>o</m:t>
+                          </m:r>
+                        </m:num>
+                        <m:den>
+                          <m:r>
+                            <a:rPr lang="en-US" altLang="zh-TW" b="0" i="0" smtClean="0">
+                              <a:latin typeface="Cambria Math" panose="02040503050406030204" pitchFamily="18" charset="0"/>
+                            </a:rPr>
+                            <m:t>1+</m:t>
+                          </m:r>
+                          <m:r>
+                            <m:rPr>
+                              <m:sty m:val="p"/>
+                            </m:rPr>
+                            <a:rPr lang="en-US" altLang="zh-TW" b="0" i="0" smtClean="0">
+                              <a:latin typeface="Cambria Math" panose="02040503050406030204" pitchFamily="18" charset="0"/>
+                            </a:rPr>
+                            <m:t>o</m:t>
+                          </m:r>
+                        </m:den>
+                      </m:f>
+                      <m:r>
+                        <a:rPr lang="en-US" altLang="zh-TW" b="0" i="0" smtClean="0">
+                          <a:latin typeface="Cambria Math" panose="02040503050406030204" pitchFamily="18" charset="0"/>
+                        </a:rPr>
+                        <m:t>=</m:t>
+                      </m:r>
+                      <m:f>
+                        <m:fPr>
+                          <m:ctrlPr>
+                            <a:rPr lang="en-US" altLang="zh-TW" b="0" i="1" smtClean="0">
+                              <a:latin typeface="Cambria Math" panose="02040503050406030204" pitchFamily="18" charset="0"/>
+                            </a:rPr>
+                          </m:ctrlPr>
+                        </m:fPr>
+                        <m:num>
+                          <m:sSup>
+                            <m:sSupPr>
+                              <m:ctrlPr>
+                                <a:rPr lang="en-US" altLang="zh-TW" b="0" i="0" smtClean="0">
+                                  <a:latin typeface="Cambria Math" panose="02040503050406030204" pitchFamily="18" charset="0"/>
+                                </a:rPr>
+                              </m:ctrlPr>
+                            </m:sSupPr>
+                            <m:e>
+                              <m:r>
+                                <m:rPr>
+                                  <m:sty m:val="p"/>
+                                </m:rPr>
+                                <a:rPr lang="en-US" altLang="zh-TW" b="0" i="0" smtClean="0">
+                                  <a:latin typeface="Cambria Math" panose="02040503050406030204" pitchFamily="18" charset="0"/>
+                                </a:rPr>
+                                <m:t>e</m:t>
+                              </m:r>
+                            </m:e>
+                            <m:sup>
+                              <m:r>
+                                <a:rPr lang="en-US" altLang="zh-TW" b="0" i="1" smtClean="0">
+                                  <a:latin typeface="Cambria Math" panose="02040503050406030204" pitchFamily="18" charset="0"/>
+                                </a:rPr>
+                                <m:t>𝜆</m:t>
+                              </m:r>
+                            </m:sup>
+                          </m:sSup>
+                        </m:num>
+                        <m:den>
+                          <m:r>
+                            <a:rPr lang="en-US" altLang="zh-TW" b="0" i="1" smtClean="0">
+                              <a:latin typeface="Cambria Math" panose="02040503050406030204" pitchFamily="18" charset="0"/>
+                            </a:rPr>
+                            <m:t>1+</m:t>
+                          </m:r>
+                          <m:sSup>
+                            <m:sSupPr>
+                              <m:ctrlPr>
+                                <a:rPr lang="en-US" altLang="zh-TW" b="0" i="1" smtClean="0">
+                                  <a:latin typeface="Cambria Math" panose="02040503050406030204" pitchFamily="18" charset="0"/>
+                                </a:rPr>
+                              </m:ctrlPr>
+                            </m:sSupPr>
+                            <m:e>
+                              <m:r>
+                                <a:rPr lang="en-US" altLang="zh-TW" b="0" i="1" smtClean="0">
+                                  <a:latin typeface="Cambria Math" panose="02040503050406030204" pitchFamily="18" charset="0"/>
+                                </a:rPr>
+                                <m:t>𝑒</m:t>
+                              </m:r>
+                            </m:e>
+                            <m:sup>
+                              <m:r>
+                                <a:rPr lang="en-US" altLang="zh-TW" b="0" i="1" smtClean="0">
+                                  <a:latin typeface="Cambria Math" panose="02040503050406030204" pitchFamily="18" charset="0"/>
+                                </a:rPr>
+                                <m:t>𝜆</m:t>
+                              </m:r>
+                            </m:sup>
+                          </m:sSup>
+                        </m:den>
+                      </m:f>
+                      <m:r>
+                        <a:rPr lang="en-US" altLang="zh-TW" b="0" i="1" smtClean="0">
+                          <a:latin typeface="Cambria Math" panose="02040503050406030204" pitchFamily="18" charset="0"/>
+                        </a:rPr>
+                        <m:t>=</m:t>
+                      </m:r>
+                      <m:f>
+                        <m:fPr>
+                          <m:ctrlPr>
+                            <a:rPr lang="en-US" altLang="zh-TW" i="1">
+                              <a:latin typeface="Cambria Math" panose="02040503050406030204" pitchFamily="18" charset="0"/>
+                            </a:rPr>
+                          </m:ctrlPr>
+                        </m:fPr>
+                        <m:num>
+                          <m:r>
+                            <a:rPr lang="en-US" altLang="zh-TW" b="0" i="1" smtClean="0">
+                              <a:latin typeface="Cambria Math" panose="02040503050406030204" pitchFamily="18" charset="0"/>
+                            </a:rPr>
+                            <m:t>1</m:t>
+                          </m:r>
+                        </m:num>
+                        <m:den>
+                          <m:r>
+                            <a:rPr lang="en-US" altLang="zh-TW" i="1">
+                              <a:latin typeface="Cambria Math" panose="02040503050406030204" pitchFamily="18" charset="0"/>
+                            </a:rPr>
+                            <m:t>1+</m:t>
+                          </m:r>
+                          <m:sSup>
+                            <m:sSupPr>
+                              <m:ctrlPr>
+                                <a:rPr lang="en-US" altLang="zh-TW" i="1">
+                                  <a:latin typeface="Cambria Math" panose="02040503050406030204" pitchFamily="18" charset="0"/>
+                                </a:rPr>
+                              </m:ctrlPr>
+                            </m:sSupPr>
+                            <m:e>
+                              <m:r>
+                                <a:rPr lang="en-US" altLang="zh-TW" i="1">
+                                  <a:latin typeface="Cambria Math" panose="02040503050406030204" pitchFamily="18" charset="0"/>
+                                </a:rPr>
+                                <m:t>𝑒</m:t>
+                              </m:r>
+                            </m:e>
+                            <m:sup>
+                              <m:r>
+                                <a:rPr lang="en-US" altLang="zh-TW" b="0" i="1" smtClean="0">
+                                  <a:latin typeface="Cambria Math" panose="02040503050406030204" pitchFamily="18" charset="0"/>
+                                </a:rPr>
+                                <m:t>−</m:t>
+                              </m:r>
+                              <m:r>
+                                <a:rPr lang="en-US" altLang="zh-TW" i="1">
+                                  <a:latin typeface="Cambria Math" panose="02040503050406030204" pitchFamily="18" charset="0"/>
+                                </a:rPr>
+                                <m:t>𝜆</m:t>
+                              </m:r>
+                            </m:sup>
+                          </m:sSup>
+                        </m:den>
+                      </m:f>
+                    </m:oMath>
+                  </m:oMathPara>
+                </a14:m>
+                <a:endParaRPr lang="en-US" altLang="zh-TW" i="1" dirty="0">
+                  <a:latin typeface="Cambria Math" panose="02040503050406030204" pitchFamily="18" charset="0"/>
+                </a:endParaRPr>
+              </a:p>
+              <a:p>
+                <a:pPr/>
+                <a:endParaRPr lang="en-US" altLang="zh-TW" b="0" i="1" dirty="0">
+                  <a:latin typeface="Cambria Math" panose="02040503050406030204" pitchFamily="18" charset="0"/>
+                </a:endParaRPr>
+              </a:p>
+              <a:p>
+                <a:pPr/>
+                <a14:m>
+                  <m:oMathPara xmlns:m="http://schemas.openxmlformats.org/officeDocument/2006/math">
+                    <m:oMathParaPr>
+                      <m:jc m:val="left"/>
+                    </m:oMathParaPr>
+                    <m:oMath xmlns:m="http://schemas.openxmlformats.org/officeDocument/2006/math">
+                      <m:r>
+                        <a:rPr lang="en-US" altLang="zh-TW" b="0" i="1" smtClean="0">
+                          <a:latin typeface="Cambria Math" panose="02040503050406030204" pitchFamily="18" charset="0"/>
+                        </a:rPr>
+                        <m:t>→</m:t>
+                      </m:r>
+                      <m:r>
+                        <a:rPr lang="en-US" altLang="zh-TW" b="0" i="1" smtClean="0">
+                          <a:latin typeface="Cambria Math" panose="02040503050406030204" pitchFamily="18" charset="0"/>
+                        </a:rPr>
+                        <m:t>𝜙</m:t>
+                      </m:r>
+                      <m:r>
+                        <a:rPr lang="en-US" altLang="zh-TW" b="0" i="1" smtClean="0">
+                          <a:latin typeface="Cambria Math" panose="02040503050406030204" pitchFamily="18" charset="0"/>
+                        </a:rPr>
+                        <m:t>(</m:t>
+                      </m:r>
+                      <m:r>
+                        <a:rPr lang="en-US" altLang="zh-TW" b="0" i="1" smtClean="0">
+                          <a:latin typeface="Cambria Math" panose="02040503050406030204" pitchFamily="18" charset="0"/>
+                        </a:rPr>
+                        <m:t>𝜆</m:t>
+                      </m:r>
+                      <m:r>
+                        <a:rPr lang="en-US" altLang="zh-TW" b="0" i="1" smtClean="0">
+                          <a:latin typeface="Cambria Math" panose="02040503050406030204" pitchFamily="18" charset="0"/>
+                        </a:rPr>
+                        <m:t>)</m:t>
+                      </m:r>
+                    </m:oMath>
+                  </m:oMathPara>
+                </a14:m>
+                <a:endParaRPr lang="en-US" altLang="zh-TW" b="0" dirty="0"/>
+              </a:p>
+              <a:p>
+                <a:pPr algn="just"/>
+                <a:endParaRPr lang="zh-TW" altLang="en-US" dirty="0"/>
+              </a:p>
+            </p:txBody>
+          </p:sp>
+        </mc:Choice>
+        <mc:Fallback>
+          <p:sp>
+            <p:nvSpPr>
+              <p:cNvPr id="24" name="文字方塊 23">
+                <a:extLst>
+                  <a:ext uri="{FF2B5EF4-FFF2-40B4-BE49-F238E27FC236}">
+                    <a16:creationId xmlns:a16="http://schemas.microsoft.com/office/drawing/2014/main" id="{452AAF0D-72E0-41E0-94BC-C29694F40E10}"/>
+                  </a:ext>
+                </a:extLst>
+              </p:cNvPr>
+              <p:cNvSpPr txBox="1">
+                <a:spLocks noRot="1" noChangeAspect="1" noMove="1" noResize="1" noEditPoints="1" noAdjustHandles="1" noChangeArrowheads="1" noChangeShapeType="1" noTextEdit="1"/>
+              </p:cNvSpPr>
+              <p:nvPr/>
+            </p:nvSpPr>
+            <p:spPr>
+              <a:xfrm>
+                <a:off x="1471273" y="3104635"/>
+                <a:ext cx="3011978" cy="2776273"/>
+              </a:xfrm>
+              <a:prstGeom prst="rect">
+                <a:avLst/>
+              </a:prstGeom>
+              <a:blipFill>
+                <a:blip r:embed="rId6"/>
+                <a:stretch>
+                  <a:fillRect l="-4435" t="-2838"/>
+                </a:stretch>
+              </a:blipFill>
+              <a:ln>
+                <a:solidFill>
+                  <a:srgbClr val="7030A0"/>
+                </a:solidFill>
+              </a:ln>
+            </p:spPr>
+            <p:txBody>
+              <a:bodyPr/>
+              <a:lstStyle/>
+              <a:p>
+                <a:r>
+                  <a:rPr lang="zh-TW" altLang="en-US">
+                    <a:noFill/>
+                  </a:rPr>
+                  <a:t> </a:t>
+                </a:r>
+              </a:p>
+            </p:txBody>
+          </p:sp>
+        </mc:Fallback>
+      </mc:AlternateContent>
+    </p:spTree>
+    <p:extLst>
+      <p:ext uri="{BB962C8B-B14F-4D97-AF65-F5344CB8AC3E}">
+        <p14:creationId xmlns:p14="http://schemas.microsoft.com/office/powerpoint/2010/main" val="1502795081"/>
+      </p:ext>
+    </p:extLst>
+  </p:cSld>
+  <p:clrMapOvr>
+    <a:masterClrMapping/>
+  </p:clrMapOvr>
+</p:sld>
+</file>
+
+<file path=ppt/slides/slide31.xml><?xml version="1.0" encoding="utf-8"?>
+<p:sld xmlns:a="http://schemas.openxmlformats.org/drawingml/2006/main" xmlns:r="http://schemas.openxmlformats.org/officeDocument/2006/relationships" xmlns:p="http://schemas.openxmlformats.org/presentationml/2006/main">
+  <p:cSld>
+    <p:spTree>
+      <p:nvGrpSpPr>
+        <p:cNvPr id="1" name=""/>
+        <p:cNvGrpSpPr/>
+        <p:nvPr/>
+      </p:nvGrpSpPr>
+      <p:grpSpPr>
+        <a:xfrm>
+          <a:off x="0" y="0"/>
+          <a:ext cx="0" cy="0"/>
+          <a:chOff x="0" y="0"/>
+          <a:chExt cx="0" cy="0"/>
+        </a:xfrm>
+      </p:grpSpPr>
+      <p:sp>
+        <p:nvSpPr>
+          <p:cNvPr id="2" name="標題 1">
+            <a:extLst>
+              <a:ext uri="{FF2B5EF4-FFF2-40B4-BE49-F238E27FC236}">
+                <a16:creationId xmlns:a16="http://schemas.microsoft.com/office/drawing/2014/main" id="{302C9605-992B-4120-8182-399F6A326B32}"/>
+              </a:ext>
+            </a:extLst>
+          </p:cNvPr>
+          <p:cNvSpPr>
+            <a:spLocks noGrp="1"/>
+          </p:cNvSpPr>
+          <p:nvPr>
+            <p:ph type="title"/>
+          </p:nvPr>
+        </p:nvSpPr>
+        <p:spPr/>
+        <p:txBody>
+          <a:bodyPr/>
+          <a:lstStyle/>
+          <a:p>
+            <a:endParaRPr lang="zh-TW" altLang="en-US" dirty="0"/>
+          </a:p>
+        </p:txBody>
+      </p:sp>
+      <p:sp>
+        <p:nvSpPr>
+          <p:cNvPr id="3" name="內容版面配置區 2">
+            <a:extLst>
+              <a:ext uri="{FF2B5EF4-FFF2-40B4-BE49-F238E27FC236}">
+                <a16:creationId xmlns:a16="http://schemas.microsoft.com/office/drawing/2014/main" id="{CCB15CEA-B86C-41AC-A026-CE8F4BC4C147}"/>
+              </a:ext>
+            </a:extLst>
+          </p:cNvPr>
+          <p:cNvSpPr>
+            <a:spLocks noGrp="1"/>
+          </p:cNvSpPr>
+          <p:nvPr>
+            <p:ph idx="1"/>
+          </p:nvPr>
+        </p:nvSpPr>
+        <p:spPr>
+          <a:xfrm>
+            <a:off x="838200" y="1825625"/>
+            <a:ext cx="10515600" cy="1031875"/>
+          </a:xfrm>
+        </p:spPr>
+        <p:txBody>
+          <a:bodyPr/>
+          <a:lstStyle/>
+          <a:p>
+            <a:r>
+              <a:rPr lang="en-US" altLang="zh-TW" dirty="0"/>
+              <a:t>Decision Rule:</a:t>
+            </a:r>
+          </a:p>
+          <a:p>
+            <a:pPr lvl="1"/>
+            <a:r>
+              <a:rPr lang="en-US" altLang="zh-TW" dirty="0"/>
+              <a:t>Maximize the (Posterior) Probability</a:t>
+            </a:r>
+            <a:endParaRPr lang="zh-TW" altLang="en-US" dirty="0"/>
+          </a:p>
+        </p:txBody>
+      </p:sp>
+      <p:sp>
+        <p:nvSpPr>
+          <p:cNvPr id="4" name="投影片編號版面配置區 3">
+            <a:extLst>
+              <a:ext uri="{FF2B5EF4-FFF2-40B4-BE49-F238E27FC236}">
+                <a16:creationId xmlns:a16="http://schemas.microsoft.com/office/drawing/2014/main" id="{6B2C6184-023C-4CC2-BBC6-048B84C88E25}"/>
+              </a:ext>
+            </a:extLst>
+          </p:cNvPr>
+          <p:cNvSpPr>
+            <a:spLocks noGrp="1"/>
+          </p:cNvSpPr>
+          <p:nvPr>
+            <p:ph type="sldNum" sz="quarter" idx="12"/>
+          </p:nvPr>
+        </p:nvSpPr>
+        <p:spPr/>
+        <p:txBody>
+          <a:bodyPr/>
+          <a:lstStyle/>
+          <a:p>
+            <a:fld id="{CCCC54F5-AF54-4DEE-8C8A-6B071CAEC70F}" type="slidenum">
+              <a:rPr lang="zh-TW" altLang="en-US" smtClean="0"/>
+              <a:t>31</a:t>
+            </a:fld>
+            <a:endParaRPr lang="zh-TW" altLang="en-US"/>
+          </a:p>
+        </p:txBody>
+      </p:sp>
+      <mc:AlternateContent xmlns:mc="http://schemas.openxmlformats.org/markup-compatibility/2006">
+        <mc:Choice xmlns:a14="http://schemas.microsoft.com/office/drawing/2010/main" Requires="a14">
+          <p:sp>
+            <p:nvSpPr>
+              <p:cNvPr id="5" name="文字方塊 4">
+                <a:extLst>
+                  <a:ext uri="{FF2B5EF4-FFF2-40B4-BE49-F238E27FC236}">
+                    <a16:creationId xmlns:a16="http://schemas.microsoft.com/office/drawing/2014/main" id="{4E5141DB-5AB0-493B-95D6-0B4E3813F937}"/>
+                  </a:ext>
+                </a:extLst>
+              </p:cNvPr>
+              <p:cNvSpPr txBox="1"/>
+              <p:nvPr/>
+            </p:nvSpPr>
+            <p:spPr>
+              <a:xfrm>
+                <a:off x="1761260" y="2857500"/>
+                <a:ext cx="4247701" cy="442301"/>
+              </a:xfrm>
+              <a:prstGeom prst="rect">
+                <a:avLst/>
+              </a:prstGeom>
+              <a:noFill/>
+            </p:spPr>
+            <p:txBody>
+              <a:bodyPr wrap="none" lIns="0" tIns="0" rIns="0" bIns="0" rtlCol="0">
+                <a:spAutoFit/>
+              </a:bodyPr>
+              <a:lstStyle/>
+              <a:p>
+                <a14:m>
+                  <m:oMathPara xmlns:m="http://schemas.openxmlformats.org/officeDocument/2006/math">
+                    <m:oMathParaPr>
+                      <m:jc m:val="centerGroup"/>
+                    </m:oMathParaPr>
+                    <m:oMath xmlns:m="http://schemas.openxmlformats.org/officeDocument/2006/math">
+                      <m:acc>
+                        <m:accPr>
+                          <m:chr m:val="̂"/>
+                          <m:ctrlPr>
+                            <a:rPr lang="zh-TW" altLang="en-US" i="1" smtClean="0">
+                              <a:solidFill>
+                                <a:srgbClr val="0000FF"/>
+                              </a:solidFill>
+                              <a:latin typeface="Cambria Math" panose="02040503050406030204" pitchFamily="18" charset="0"/>
+                            </a:rPr>
+                          </m:ctrlPr>
+                        </m:accPr>
+                        <m:e>
+                          <m:r>
+                            <a:rPr lang="zh-TW" altLang="en-US" i="1" smtClean="0">
+                              <a:solidFill>
+                                <a:srgbClr val="0000FF"/>
+                              </a:solidFill>
+                              <a:latin typeface="Cambria Math" panose="02040503050406030204" pitchFamily="18" charset="0"/>
+                            </a:rPr>
+                            <m:t>𝑦</m:t>
+                          </m:r>
+                        </m:e>
+                      </m:acc>
+                      <m:r>
+                        <a:rPr lang="en-US" altLang="zh-TW" b="0" i="1" smtClean="0">
+                          <a:latin typeface="Cambria Math" panose="02040503050406030204" pitchFamily="18" charset="0"/>
+                        </a:rPr>
+                        <m:t>= </m:t>
+                      </m:r>
+                      <m:func>
+                        <m:funcPr>
+                          <m:ctrlPr>
+                            <a:rPr lang="en-US" altLang="zh-TW" b="0" i="1" smtClean="0">
+                              <a:latin typeface="Cambria Math" panose="02040503050406030204" pitchFamily="18" charset="0"/>
+                            </a:rPr>
+                          </m:ctrlPr>
+                        </m:funcPr>
+                        <m:fName>
+                          <m:limLow>
+                            <m:limLowPr>
+                              <m:ctrlPr>
+                                <a:rPr lang="en-US" altLang="zh-TW" b="0" i="1" smtClean="0">
+                                  <a:latin typeface="Cambria Math" panose="02040503050406030204" pitchFamily="18" charset="0"/>
+                                </a:rPr>
+                              </m:ctrlPr>
+                            </m:limLowPr>
+                            <m:e>
+                              <m:r>
+                                <m:rPr>
+                                  <m:sty m:val="p"/>
+                                </m:rPr>
+                                <a:rPr lang="en-US" altLang="zh-TW" b="0" i="0" smtClean="0">
+                                  <a:solidFill>
+                                    <a:srgbClr val="7030A0"/>
+                                  </a:solidFill>
+                                  <a:latin typeface="Cambria Math" panose="02040503050406030204" pitchFamily="18" charset="0"/>
+                                </a:rPr>
+                                <m:t>Argmax</m:t>
+                              </m:r>
+                            </m:e>
+                            <m:lim>
+                              <m:r>
+                                <a:rPr lang="en-US" altLang="zh-TW" b="0" i="1" smtClean="0">
+                                  <a:latin typeface="Cambria Math" panose="02040503050406030204" pitchFamily="18" charset="0"/>
+                                </a:rPr>
+                                <m:t>𝑓𝑜𝑟𝐴𝑙𝑙</m:t>
+                              </m:r>
+                              <m:r>
+                                <a:rPr lang="en-US" altLang="zh-TW" b="0" i="1" smtClean="0">
+                                  <a:latin typeface="Cambria Math" panose="02040503050406030204" pitchFamily="18" charset="0"/>
+                                </a:rPr>
+                                <m:t> </m:t>
+                              </m:r>
+                              <m:r>
+                                <a:rPr lang="en-US" altLang="zh-TW" b="0" i="1" smtClean="0">
+                                  <a:latin typeface="Cambria Math" panose="02040503050406030204" pitchFamily="18" charset="0"/>
+                                </a:rPr>
+                                <m:t>𝑝𝑜𝑠𝑠𝑖𝑏𝑙𝑒</m:t>
+                              </m:r>
+                              <m:r>
+                                <a:rPr lang="en-US" altLang="zh-TW" b="0" i="1" smtClean="0">
+                                  <a:latin typeface="Cambria Math" panose="02040503050406030204" pitchFamily="18" charset="0"/>
+                                </a:rPr>
+                                <m:t>  </m:t>
+                              </m:r>
+                              <m:r>
+                                <a:rPr lang="en-US" altLang="zh-TW" b="0" i="1" smtClean="0">
+                                  <a:solidFill>
+                                    <a:srgbClr val="FF0000"/>
+                                  </a:solidFill>
+                                  <a:latin typeface="Cambria Math" panose="02040503050406030204" pitchFamily="18" charset="0"/>
+                                </a:rPr>
+                                <m:t>𝑦</m:t>
+                              </m:r>
+                              <m:r>
+                                <a:rPr lang="en-US" altLang="zh-TW" b="0" i="1" smtClean="0">
+                                  <a:latin typeface="Cambria Math" panose="02040503050406030204" pitchFamily="18" charset="0"/>
+                                </a:rPr>
+                                <m:t> </m:t>
+                              </m:r>
+                            </m:lim>
+                          </m:limLow>
+                        </m:fName>
+                        <m:e>
+                          <m:r>
+                            <a:rPr lang="en-US" altLang="zh-TW" b="0" i="1" smtClean="0">
+                              <a:latin typeface="Cambria Math" panose="02040503050406030204" pitchFamily="18" charset="0"/>
+                            </a:rPr>
+                            <m:t>𝑃</m:t>
+                          </m:r>
+                          <m:r>
+                            <a:rPr lang="en-US" altLang="zh-TW" b="0" i="1" smtClean="0">
+                              <a:latin typeface="Cambria Math" panose="02040503050406030204" pitchFamily="18" charset="0"/>
+                            </a:rPr>
+                            <m:t>(</m:t>
+                          </m:r>
+                          <m:r>
+                            <m:rPr>
+                              <m:nor/>
+                            </m:rPr>
+                            <a:rPr lang="en-US" altLang="zh-TW" b="0" i="0" smtClean="0">
+                              <a:latin typeface="Cambria Math" panose="02040503050406030204" pitchFamily="18" charset="0"/>
+                            </a:rPr>
+                            <m:t>"</m:t>
+                          </m:r>
+                          <m:r>
+                            <m:rPr>
+                              <m:nor/>
+                            </m:rPr>
+                            <a:rPr lang="en-US" altLang="zh-TW" b="0" i="0" smtClean="0">
+                              <a:latin typeface="Cambria Math" panose="02040503050406030204" pitchFamily="18" charset="0"/>
+                            </a:rPr>
+                            <m:t>Y</m:t>
+                          </m:r>
+                          <m:r>
+                            <m:rPr>
+                              <m:nor/>
+                            </m:rPr>
+                            <a:rPr lang="en-US" altLang="zh-TW" b="0" i="0" smtClean="0">
+                              <a:latin typeface="Cambria Math" panose="02040503050406030204" pitchFamily="18" charset="0"/>
+                            </a:rPr>
+                            <m:t> = </m:t>
+                          </m:r>
+                          <m:r>
+                            <m:rPr>
+                              <m:nor/>
+                            </m:rPr>
+                            <a:rPr lang="en-US" altLang="zh-TW" b="0" i="0" smtClean="0">
+                              <a:solidFill>
+                                <a:srgbClr val="FF0000"/>
+                              </a:solidFill>
+                              <a:latin typeface="Cambria Math" panose="02040503050406030204" pitchFamily="18" charset="0"/>
+                            </a:rPr>
+                            <m:t>y</m:t>
+                          </m:r>
+                          <m:r>
+                            <a:rPr lang="en-US" altLang="zh-TW" b="0" i="1" smtClean="0">
+                              <a:latin typeface="Cambria Math" panose="02040503050406030204" pitchFamily="18" charset="0"/>
+                            </a:rPr>
+                            <m:t>" | "</m:t>
+                          </m:r>
+                          <m:r>
+                            <a:rPr lang="en-US" altLang="zh-TW" b="0" i="1" smtClean="0">
+                              <a:latin typeface="Cambria Math" panose="02040503050406030204" pitchFamily="18" charset="0"/>
+                            </a:rPr>
+                            <m:t>𝑋</m:t>
+                          </m:r>
+                          <m:r>
+                            <a:rPr lang="en-US" altLang="zh-TW" b="0" i="1" smtClean="0">
+                              <a:latin typeface="Cambria Math" panose="02040503050406030204" pitchFamily="18" charset="0"/>
+                            </a:rPr>
+                            <m:t>=</m:t>
+                          </m:r>
+                          <m:r>
+                            <a:rPr lang="en-US" altLang="zh-TW" b="1" i="1" smtClean="0">
+                              <a:solidFill>
+                                <a:srgbClr val="006600"/>
+                              </a:solidFill>
+                              <a:latin typeface="Cambria Math" panose="02040503050406030204" pitchFamily="18" charset="0"/>
+                            </a:rPr>
+                            <m:t>𝒙</m:t>
+                          </m:r>
+                          <m:r>
+                            <a:rPr lang="en-US" altLang="zh-TW" b="0" i="1" smtClean="0">
+                              <a:latin typeface="Cambria Math" panose="02040503050406030204" pitchFamily="18" charset="0"/>
+                            </a:rPr>
+                            <m:t>")</m:t>
+                          </m:r>
+                        </m:e>
+                      </m:func>
+                      <m:r>
+                        <a:rPr lang="en-US" altLang="zh-TW" b="0" i="1" smtClean="0">
+                          <a:latin typeface="Cambria Math" panose="02040503050406030204" pitchFamily="18" charset="0"/>
+                        </a:rPr>
+                        <m:t>    </m:t>
+                      </m:r>
+                    </m:oMath>
+                  </m:oMathPara>
+                </a14:m>
+                <a:endParaRPr lang="en-US" altLang="zh-TW" b="0" i="1" dirty="0">
+                  <a:latin typeface="Cambria Math" panose="02040503050406030204" pitchFamily="18" charset="0"/>
+                </a:endParaRPr>
+              </a:p>
+            </p:txBody>
+          </p:sp>
+        </mc:Choice>
+        <mc:Fallback>
+          <p:sp>
+            <p:nvSpPr>
+              <p:cNvPr id="5" name="文字方塊 4">
+                <a:extLst>
+                  <a:ext uri="{FF2B5EF4-FFF2-40B4-BE49-F238E27FC236}">
+                    <a16:creationId xmlns:a16="http://schemas.microsoft.com/office/drawing/2014/main" id="{4E5141DB-5AB0-493B-95D6-0B4E3813F937}"/>
+                  </a:ext>
+                </a:extLst>
+              </p:cNvPr>
+              <p:cNvSpPr txBox="1">
+                <a:spLocks noRot="1" noChangeAspect="1" noMove="1" noResize="1" noEditPoints="1" noAdjustHandles="1" noChangeArrowheads="1" noChangeShapeType="1" noTextEdit="1"/>
+              </p:cNvSpPr>
+              <p:nvPr/>
+            </p:nvSpPr>
+            <p:spPr>
+              <a:xfrm>
+                <a:off x="1761260" y="2857500"/>
+                <a:ext cx="4247701" cy="442301"/>
+              </a:xfrm>
+              <a:prstGeom prst="rect">
+                <a:avLst/>
+              </a:prstGeom>
+              <a:blipFill>
+                <a:blip r:embed="rId2"/>
+                <a:stretch>
+                  <a:fillRect l="-1004" t="-15278" b="-19444"/>
+                </a:stretch>
+              </a:blipFill>
+            </p:spPr>
+            <p:txBody>
+              <a:bodyPr/>
+              <a:lstStyle/>
+              <a:p>
+                <a:r>
+                  <a:rPr lang="zh-TW" altLang="en-US">
+                    <a:noFill/>
+                  </a:rPr>
+                  <a:t> </a:t>
+                </a:r>
+              </a:p>
+            </p:txBody>
+          </p:sp>
+        </mc:Fallback>
+      </mc:AlternateContent>
+      <mc:AlternateContent xmlns:mc="http://schemas.openxmlformats.org/markup-compatibility/2006">
+        <mc:Choice xmlns:a14="http://schemas.microsoft.com/office/drawing/2010/main" Requires="a14">
+          <p:sp>
+            <p:nvSpPr>
+              <p:cNvPr id="6" name="矩形 5">
+                <a:extLst>
+                  <a:ext uri="{FF2B5EF4-FFF2-40B4-BE49-F238E27FC236}">
+                    <a16:creationId xmlns:a16="http://schemas.microsoft.com/office/drawing/2014/main" id="{2188969A-84DD-4128-972F-1F63510B490B}"/>
+                  </a:ext>
+                </a:extLst>
+              </p:cNvPr>
+              <p:cNvSpPr/>
+              <p:nvPr/>
+            </p:nvSpPr>
+            <p:spPr>
+              <a:xfrm>
+                <a:off x="1106633" y="3889375"/>
+                <a:ext cx="2275816" cy="923330"/>
+              </a:xfrm>
+              <a:prstGeom prst="rect">
+                <a:avLst/>
+              </a:prstGeom>
+              <a:ln>
+                <a:solidFill>
+                  <a:srgbClr val="0000FF"/>
+                </a:solidFill>
+              </a:ln>
+            </p:spPr>
+            <p:txBody>
+              <a:bodyPr wrap="none">
+                <a:spAutoFit/>
+              </a:bodyPr>
+              <a:lstStyle/>
+              <a:p>
+                <a:pPr/>
+                <a14:m>
+                  <m:oMathPara xmlns:m="http://schemas.openxmlformats.org/officeDocument/2006/math">
+                    <m:oMathParaPr>
+                      <m:jc m:val="left"/>
+                    </m:oMathParaPr>
+                    <m:oMath xmlns:m="http://schemas.openxmlformats.org/officeDocument/2006/math">
+                      <m:r>
+                        <a:rPr lang="en-US" altLang="zh-TW" i="1" smtClean="0">
+                          <a:solidFill>
+                            <a:prstClr val="black"/>
+                          </a:solidFill>
+                          <a:latin typeface="Cambria Math" panose="02040503050406030204" pitchFamily="18" charset="0"/>
+                        </a:rPr>
+                        <m:t>"</m:t>
+                      </m:r>
+                      <m:r>
+                        <a:rPr lang="en-US" altLang="zh-TW" i="1" smtClean="0">
+                          <a:solidFill>
+                            <a:prstClr val="black"/>
+                          </a:solidFill>
+                          <a:latin typeface="Cambria Math" panose="02040503050406030204" pitchFamily="18" charset="0"/>
+                        </a:rPr>
+                        <m:t>𝑋</m:t>
+                      </m:r>
+                      <m:r>
+                        <a:rPr lang="en-US" altLang="zh-TW" i="1" smtClean="0">
+                          <a:solidFill>
+                            <a:prstClr val="black"/>
+                          </a:solidFill>
+                          <a:latin typeface="Cambria Math" panose="02040503050406030204" pitchFamily="18" charset="0"/>
+                        </a:rPr>
+                        <m:t>=</m:t>
+                      </m:r>
+                      <m:r>
+                        <a:rPr lang="en-US" altLang="zh-TW" b="1" i="1">
+                          <a:solidFill>
+                            <a:srgbClr val="006600"/>
+                          </a:solidFill>
+                          <a:latin typeface="Cambria Math" panose="02040503050406030204" pitchFamily="18" charset="0"/>
+                        </a:rPr>
+                        <m:t>𝒙</m:t>
+                      </m:r>
+                      <m:r>
+                        <a:rPr lang="en-US" altLang="zh-TW" i="1">
+                          <a:solidFill>
+                            <a:prstClr val="black"/>
+                          </a:solidFill>
+                          <a:latin typeface="Cambria Math" panose="02040503050406030204" pitchFamily="18" charset="0"/>
+                        </a:rPr>
+                        <m:t>",</m:t>
+                      </m:r>
+                      <m:r>
+                        <a:rPr lang="zh-TW" altLang="en-US" i="1">
+                          <a:solidFill>
+                            <a:prstClr val="black"/>
+                          </a:solidFill>
+                          <a:latin typeface="Cambria Math" panose="02040503050406030204" pitchFamily="18" charset="0"/>
+                        </a:rPr>
+                        <m:t> </m:t>
+                      </m:r>
+                      <m:r>
+                        <a:rPr lang="zh-TW" altLang="en-US" i="1">
+                          <a:solidFill>
+                            <a:prstClr val="black"/>
+                          </a:solidFill>
+                          <a:latin typeface="Cambria Math" panose="02040503050406030204" pitchFamily="18" charset="0"/>
+                        </a:rPr>
+                        <m:t> </m:t>
+                      </m:r>
+                      <m:r>
+                        <m:rPr>
+                          <m:nor/>
+                        </m:rPr>
+                        <a:rPr lang="en-US" altLang="zh-TW">
+                          <a:solidFill>
+                            <a:prstClr val="black"/>
+                          </a:solidFill>
+                          <a:latin typeface="Cambria Math" panose="02040503050406030204" pitchFamily="18" charset="0"/>
+                        </a:rPr>
+                        <m:t>"</m:t>
+                      </m:r>
+                      <m:r>
+                        <m:rPr>
+                          <m:nor/>
+                        </m:rPr>
+                        <a:rPr lang="en-US" altLang="zh-TW">
+                          <a:solidFill>
+                            <a:prstClr val="black"/>
+                          </a:solidFill>
+                          <a:latin typeface="Cambria Math" panose="02040503050406030204" pitchFamily="18" charset="0"/>
+                        </a:rPr>
+                        <m:t>Y</m:t>
+                      </m:r>
+                      <m:r>
+                        <m:rPr>
+                          <m:nor/>
+                        </m:rPr>
+                        <a:rPr lang="en-US" altLang="zh-TW">
+                          <a:solidFill>
+                            <a:prstClr val="black"/>
+                          </a:solidFill>
+                          <a:latin typeface="Cambria Math" panose="02040503050406030204" pitchFamily="18" charset="0"/>
+                        </a:rPr>
+                        <m:t> = </m:t>
+                      </m:r>
+                      <m:r>
+                        <m:rPr>
+                          <m:nor/>
+                        </m:rPr>
+                        <a:rPr lang="en-US" altLang="zh-TW">
+                          <a:solidFill>
+                            <a:srgbClr val="FF0000"/>
+                          </a:solidFill>
+                          <a:latin typeface="Cambria Math" panose="02040503050406030204" pitchFamily="18" charset="0"/>
+                        </a:rPr>
+                        <m:t>y</m:t>
+                      </m:r>
+                      <m:r>
+                        <a:rPr lang="en-US" altLang="zh-TW" i="1">
+                          <a:solidFill>
+                            <a:prstClr val="black"/>
+                          </a:solidFill>
+                          <a:latin typeface="Cambria Math" panose="02040503050406030204" pitchFamily="18" charset="0"/>
+                        </a:rPr>
+                        <m:t>"</m:t>
+                      </m:r>
+                    </m:oMath>
+                  </m:oMathPara>
+                </a14:m>
+                <a:endParaRPr lang="en-US" altLang="zh-TW" i="1" dirty="0">
+                  <a:solidFill>
+                    <a:prstClr val="black"/>
+                  </a:solidFill>
+                  <a:latin typeface="Cambria Math" panose="02040503050406030204" pitchFamily="18" charset="0"/>
+                </a:endParaRPr>
+              </a:p>
+              <a:p>
+                <a:pPr/>
+                <a:endParaRPr lang="en-US" altLang="zh-TW" i="1" dirty="0">
+                  <a:solidFill>
+                    <a:prstClr val="black"/>
+                  </a:solidFill>
+                  <a:latin typeface="Cambria Math" panose="02040503050406030204" pitchFamily="18" charset="0"/>
+                </a:endParaRPr>
+              </a:p>
+              <a:p>
+                <a:pPr/>
+                <a14:m>
+                  <m:oMathPara xmlns:m="http://schemas.openxmlformats.org/officeDocument/2006/math">
+                    <m:oMathParaPr>
+                      <m:jc m:val="left"/>
+                    </m:oMathParaPr>
+                    <m:oMath xmlns:m="http://schemas.openxmlformats.org/officeDocument/2006/math">
+                      <m:r>
+                        <a:rPr lang="en-US" altLang="zh-TW" i="1">
+                          <a:solidFill>
+                            <a:prstClr val="black"/>
+                          </a:solidFill>
+                          <a:latin typeface="Cambria Math" panose="02040503050406030204" pitchFamily="18" charset="0"/>
+                        </a:rPr>
+                        <m:t>𝑃</m:t>
+                      </m:r>
+                      <m:r>
+                        <a:rPr lang="en-US" altLang="zh-TW" i="1">
+                          <a:solidFill>
+                            <a:prstClr val="black"/>
+                          </a:solidFill>
+                          <a:latin typeface="Cambria Math" panose="02040503050406030204" pitchFamily="18" charset="0"/>
+                        </a:rPr>
+                        <m:t>("</m:t>
+                      </m:r>
+                      <m:r>
+                        <a:rPr lang="en-US" altLang="zh-TW" i="1">
+                          <a:solidFill>
+                            <a:prstClr val="black"/>
+                          </a:solidFill>
+                          <a:latin typeface="Cambria Math" panose="02040503050406030204" pitchFamily="18" charset="0"/>
+                        </a:rPr>
+                        <m:t>𝑋</m:t>
+                      </m:r>
+                      <m:r>
+                        <a:rPr lang="en-US" altLang="zh-TW" i="1">
+                          <a:solidFill>
+                            <a:prstClr val="black"/>
+                          </a:solidFill>
+                          <a:latin typeface="Cambria Math" panose="02040503050406030204" pitchFamily="18" charset="0"/>
+                        </a:rPr>
+                        <m:t>=</m:t>
+                      </m:r>
+                      <m:r>
+                        <a:rPr lang="en-US" altLang="zh-TW" b="1" i="1">
+                          <a:solidFill>
+                            <a:srgbClr val="006600"/>
+                          </a:solidFill>
+                          <a:latin typeface="Cambria Math" panose="02040503050406030204" pitchFamily="18" charset="0"/>
+                        </a:rPr>
+                        <m:t>𝒙</m:t>
+                      </m:r>
+                      <m:r>
+                        <a:rPr lang="en-US" altLang="zh-TW" i="1">
+                          <a:solidFill>
+                            <a:prstClr val="black"/>
+                          </a:solidFill>
+                          <a:latin typeface="Cambria Math" panose="02040503050406030204" pitchFamily="18" charset="0"/>
+                        </a:rPr>
+                        <m:t>",</m:t>
+                      </m:r>
+                      <m:r>
+                        <a:rPr lang="en-US" altLang="zh-TW" b="0" i="1" smtClean="0">
+                          <a:solidFill>
+                            <a:prstClr val="black"/>
+                          </a:solidFill>
+                          <a:latin typeface="Cambria Math" panose="02040503050406030204" pitchFamily="18" charset="0"/>
+                        </a:rPr>
+                        <m:t> </m:t>
+                      </m:r>
+                      <m:r>
+                        <m:rPr>
+                          <m:nor/>
+                        </m:rPr>
+                        <a:rPr lang="en-US" altLang="zh-TW">
+                          <a:solidFill>
+                            <a:prstClr val="black"/>
+                          </a:solidFill>
+                          <a:latin typeface="Cambria Math" panose="02040503050406030204" pitchFamily="18" charset="0"/>
+                        </a:rPr>
+                        <m:t>"</m:t>
+                      </m:r>
+                      <m:r>
+                        <m:rPr>
+                          <m:nor/>
+                        </m:rPr>
+                        <a:rPr lang="en-US" altLang="zh-TW">
+                          <a:solidFill>
+                            <a:prstClr val="black"/>
+                          </a:solidFill>
+                          <a:latin typeface="Cambria Math" panose="02040503050406030204" pitchFamily="18" charset="0"/>
+                        </a:rPr>
+                        <m:t>Y</m:t>
+                      </m:r>
+                      <m:r>
+                        <m:rPr>
+                          <m:nor/>
+                        </m:rPr>
+                        <a:rPr lang="en-US" altLang="zh-TW">
+                          <a:solidFill>
+                            <a:prstClr val="black"/>
+                          </a:solidFill>
+                          <a:latin typeface="Cambria Math" panose="02040503050406030204" pitchFamily="18" charset="0"/>
+                        </a:rPr>
+                        <m:t> = </m:t>
+                      </m:r>
+                      <m:r>
+                        <m:rPr>
+                          <m:nor/>
+                        </m:rPr>
+                        <a:rPr lang="en-US" altLang="zh-TW">
+                          <a:solidFill>
+                            <a:srgbClr val="FF0000"/>
+                          </a:solidFill>
+                          <a:latin typeface="Cambria Math" panose="02040503050406030204" pitchFamily="18" charset="0"/>
+                        </a:rPr>
+                        <m:t>y</m:t>
+                      </m:r>
+                      <m:r>
+                        <a:rPr lang="en-US" altLang="zh-TW" i="1">
+                          <a:solidFill>
+                            <a:prstClr val="black"/>
+                          </a:solidFill>
+                          <a:latin typeface="Cambria Math" panose="02040503050406030204" pitchFamily="18" charset="0"/>
+                        </a:rPr>
+                        <m:t>" )</m:t>
+                      </m:r>
+                    </m:oMath>
+                  </m:oMathPara>
+                </a14:m>
+                <a:endParaRPr lang="zh-TW" altLang="en-US" dirty="0"/>
+              </a:p>
+            </p:txBody>
+          </p:sp>
+        </mc:Choice>
+        <mc:Fallback>
+          <p:sp>
+            <p:nvSpPr>
+              <p:cNvPr id="6" name="矩形 5">
+                <a:extLst>
+                  <a:ext uri="{FF2B5EF4-FFF2-40B4-BE49-F238E27FC236}">
+                    <a16:creationId xmlns:a16="http://schemas.microsoft.com/office/drawing/2014/main" id="{2188969A-84DD-4128-972F-1F63510B490B}"/>
+                  </a:ext>
+                </a:extLst>
+              </p:cNvPr>
+              <p:cNvSpPr>
+                <a:spLocks noRot="1" noChangeAspect="1" noMove="1" noResize="1" noEditPoints="1" noAdjustHandles="1" noChangeArrowheads="1" noChangeShapeType="1" noTextEdit="1"/>
+              </p:cNvSpPr>
+              <p:nvPr/>
+            </p:nvSpPr>
+            <p:spPr>
+              <a:xfrm>
+                <a:off x="1106633" y="3889375"/>
+                <a:ext cx="2275816" cy="923330"/>
+              </a:xfrm>
+              <a:prstGeom prst="rect">
+                <a:avLst/>
+              </a:prstGeom>
+              <a:blipFill>
+                <a:blip r:embed="rId3"/>
+                <a:stretch>
+                  <a:fillRect b="-4575"/>
+                </a:stretch>
+              </a:blipFill>
+              <a:ln>
+                <a:solidFill>
+                  <a:srgbClr val="0000FF"/>
+                </a:solidFill>
+              </a:ln>
+            </p:spPr>
+            <p:txBody>
+              <a:bodyPr/>
+              <a:lstStyle/>
+              <a:p>
+                <a:r>
+                  <a:rPr lang="zh-TW" altLang="en-US">
+                    <a:noFill/>
+                  </a:rPr>
+                  <a:t> </a:t>
+                </a:r>
+              </a:p>
+            </p:txBody>
+          </p:sp>
+        </mc:Fallback>
+      </mc:AlternateContent>
+      <mc:AlternateContent xmlns:mc="http://schemas.openxmlformats.org/markup-compatibility/2006">
+        <mc:Choice xmlns:a14="http://schemas.microsoft.com/office/drawing/2010/main" Requires="a14">
+          <p:sp>
+            <p:nvSpPr>
+              <p:cNvPr id="7" name="矩形 6">
+                <a:extLst>
+                  <a:ext uri="{FF2B5EF4-FFF2-40B4-BE49-F238E27FC236}">
+                    <a16:creationId xmlns:a16="http://schemas.microsoft.com/office/drawing/2014/main" id="{93241A2C-21B7-4115-84A8-75393320A254}"/>
+                  </a:ext>
+                </a:extLst>
+              </p:cNvPr>
+              <p:cNvSpPr/>
+              <p:nvPr/>
+            </p:nvSpPr>
+            <p:spPr>
+              <a:xfrm>
+                <a:off x="4540827" y="3602939"/>
+                <a:ext cx="6096000" cy="2854692"/>
+              </a:xfrm>
+              <a:prstGeom prst="rect">
+                <a:avLst/>
+              </a:prstGeom>
+              <a:solidFill>
+                <a:schemeClr val="bg1"/>
+              </a:solidFill>
+            </p:spPr>
+            <p:txBody>
+              <a:bodyPr>
+                <a:spAutoFit/>
+              </a:bodyPr>
+              <a:lstStyle/>
+              <a:p>
+                <a:pPr lvl="0"/>
+                <a14:m>
+                  <m:oMathPara xmlns:m="http://schemas.openxmlformats.org/officeDocument/2006/math">
+                    <m:oMathParaPr>
+                      <m:jc m:val="left"/>
+                    </m:oMathParaPr>
+                    <m:oMath xmlns:m="http://schemas.openxmlformats.org/officeDocument/2006/math">
+                      <m:r>
+                        <a:rPr lang="en-US" altLang="zh-TW" i="1" smtClean="0">
+                          <a:solidFill>
+                            <a:prstClr val="black"/>
+                          </a:solidFill>
+                          <a:latin typeface="Cambria Math" panose="02040503050406030204" pitchFamily="18" charset="0"/>
+                        </a:rPr>
+                        <m:t>𝑃</m:t>
+                      </m:r>
+                      <m:r>
+                        <a:rPr lang="en-US" altLang="zh-TW" i="1" smtClean="0">
+                          <a:solidFill>
+                            <a:prstClr val="black"/>
+                          </a:solidFill>
+                          <a:latin typeface="Cambria Math" panose="02040503050406030204" pitchFamily="18" charset="0"/>
+                        </a:rPr>
+                        <m:t>("</m:t>
+                      </m:r>
+                      <m:r>
+                        <a:rPr lang="en-US" altLang="zh-TW" i="1" smtClean="0">
+                          <a:solidFill>
+                            <a:prstClr val="black"/>
+                          </a:solidFill>
+                          <a:latin typeface="Cambria Math" panose="02040503050406030204" pitchFamily="18" charset="0"/>
+                        </a:rPr>
+                        <m:t>𝑋</m:t>
+                      </m:r>
+                      <m:r>
+                        <a:rPr lang="en-US" altLang="zh-TW" i="1" smtClean="0">
+                          <a:solidFill>
+                            <a:prstClr val="black"/>
+                          </a:solidFill>
+                          <a:latin typeface="Cambria Math" panose="02040503050406030204" pitchFamily="18" charset="0"/>
+                        </a:rPr>
+                        <m:t>=</m:t>
+                      </m:r>
+                      <m:r>
+                        <a:rPr lang="en-US" altLang="zh-TW" b="1" i="1">
+                          <a:solidFill>
+                            <a:srgbClr val="006600"/>
+                          </a:solidFill>
+                          <a:latin typeface="Cambria Math" panose="02040503050406030204" pitchFamily="18" charset="0"/>
+                        </a:rPr>
+                        <m:t>𝒙</m:t>
+                      </m:r>
+                      <m:r>
+                        <a:rPr lang="en-US" altLang="zh-TW" i="1">
+                          <a:solidFill>
+                            <a:prstClr val="black"/>
+                          </a:solidFill>
+                          <a:latin typeface="Cambria Math" panose="02040503050406030204" pitchFamily="18" charset="0"/>
+                        </a:rPr>
+                        <m:t>")</m:t>
+                      </m:r>
+                      <m:r>
+                        <a:rPr lang="en-US" altLang="zh-TW">
+                          <a:solidFill>
+                            <a:prstClr val="black"/>
+                          </a:solidFill>
+                          <a:latin typeface="Cambria Math" panose="02040503050406030204" pitchFamily="18" charset="0"/>
+                        </a:rPr>
+                        <m:t>=</m:t>
+                      </m:r>
+                      <m:nary>
+                        <m:naryPr>
+                          <m:chr m:val="∑"/>
+                          <m:ctrlPr>
+                            <a:rPr lang="en-US" altLang="zh-TW" i="1">
+                              <a:solidFill>
+                                <a:prstClr val="black"/>
+                              </a:solidFill>
+                              <a:latin typeface="Cambria Math" panose="02040503050406030204" pitchFamily="18" charset="0"/>
+                            </a:rPr>
+                          </m:ctrlPr>
+                        </m:naryPr>
+                        <m:sub>
+                          <m:r>
+                            <m:rPr>
+                              <m:nor/>
+                            </m:rPr>
+                            <a:rPr lang="en-US" altLang="zh-TW">
+                              <a:solidFill>
+                                <a:srgbClr val="FF0000"/>
+                              </a:solidFill>
+                              <a:latin typeface="Cambria Math" panose="02040503050406030204" pitchFamily="18" charset="0"/>
+                            </a:rPr>
+                            <m:t>y</m:t>
+                          </m:r>
+                        </m:sub>
+                        <m:sup/>
+                        <m:e>
+                          <m:r>
+                            <a:rPr lang="en-US" altLang="zh-TW" i="1">
+                              <a:solidFill>
+                                <a:prstClr val="black"/>
+                              </a:solidFill>
+                              <a:latin typeface="Cambria Math" panose="02040503050406030204" pitchFamily="18" charset="0"/>
+                            </a:rPr>
+                            <m:t>𝑃</m:t>
+                          </m:r>
+                          <m:r>
+                            <a:rPr lang="en-US" altLang="zh-TW" i="1">
+                              <a:solidFill>
+                                <a:prstClr val="black"/>
+                              </a:solidFill>
+                              <a:latin typeface="Cambria Math" panose="02040503050406030204" pitchFamily="18" charset="0"/>
+                            </a:rPr>
+                            <m:t>("</m:t>
+                          </m:r>
+                          <m:r>
+                            <a:rPr lang="en-US" altLang="zh-TW" i="1">
+                              <a:solidFill>
+                                <a:prstClr val="black"/>
+                              </a:solidFill>
+                              <a:latin typeface="Cambria Math" panose="02040503050406030204" pitchFamily="18" charset="0"/>
+                            </a:rPr>
+                            <m:t>𝑋</m:t>
+                          </m:r>
+                          <m:r>
+                            <a:rPr lang="en-US" altLang="zh-TW" i="1">
+                              <a:solidFill>
+                                <a:prstClr val="black"/>
+                              </a:solidFill>
+                              <a:latin typeface="Cambria Math" panose="02040503050406030204" pitchFamily="18" charset="0"/>
+                            </a:rPr>
+                            <m:t>=</m:t>
+                          </m:r>
+                          <m:r>
+                            <a:rPr lang="en-US" altLang="zh-TW" b="1" i="1">
+                              <a:solidFill>
+                                <a:srgbClr val="006600"/>
+                              </a:solidFill>
+                              <a:latin typeface="Cambria Math" panose="02040503050406030204" pitchFamily="18" charset="0"/>
+                            </a:rPr>
+                            <m:t>𝒙</m:t>
+                          </m:r>
+                          <m:r>
+                            <a:rPr lang="en-US" altLang="zh-TW" i="1">
+                              <a:solidFill>
+                                <a:prstClr val="black"/>
+                              </a:solidFill>
+                              <a:latin typeface="Cambria Math" panose="02040503050406030204" pitchFamily="18" charset="0"/>
+                            </a:rPr>
+                            <m:t>", </m:t>
+                          </m:r>
+                          <m:r>
+                            <m:rPr>
+                              <m:nor/>
+                            </m:rPr>
+                            <a:rPr lang="en-US" altLang="zh-TW">
+                              <a:solidFill>
+                                <a:prstClr val="black"/>
+                              </a:solidFill>
+                              <a:latin typeface="Cambria Math" panose="02040503050406030204" pitchFamily="18" charset="0"/>
+                            </a:rPr>
+                            <m:t>"</m:t>
+                          </m:r>
+                          <m:r>
+                            <m:rPr>
+                              <m:nor/>
+                            </m:rPr>
+                            <a:rPr lang="en-US" altLang="zh-TW">
+                              <a:solidFill>
+                                <a:prstClr val="black"/>
+                              </a:solidFill>
+                              <a:latin typeface="Cambria Math" panose="02040503050406030204" pitchFamily="18" charset="0"/>
+                            </a:rPr>
+                            <m:t>Y</m:t>
+                          </m:r>
+                          <m:r>
+                            <m:rPr>
+                              <m:nor/>
+                            </m:rPr>
+                            <a:rPr lang="en-US" altLang="zh-TW">
+                              <a:solidFill>
+                                <a:prstClr val="black"/>
+                              </a:solidFill>
+                              <a:latin typeface="Cambria Math" panose="02040503050406030204" pitchFamily="18" charset="0"/>
+                            </a:rPr>
+                            <m:t> = </m:t>
+                          </m:r>
+                          <m:r>
+                            <m:rPr>
+                              <m:nor/>
+                            </m:rPr>
+                            <a:rPr lang="en-US" altLang="zh-TW">
+                              <a:solidFill>
+                                <a:srgbClr val="FF0000"/>
+                              </a:solidFill>
+                              <a:latin typeface="Cambria Math" panose="02040503050406030204" pitchFamily="18" charset="0"/>
+                            </a:rPr>
+                            <m:t>y</m:t>
+                          </m:r>
+                          <m:r>
+                            <a:rPr lang="en-US" altLang="zh-TW" i="1">
+                              <a:solidFill>
+                                <a:prstClr val="black"/>
+                              </a:solidFill>
+                              <a:latin typeface="Cambria Math" panose="02040503050406030204" pitchFamily="18" charset="0"/>
+                            </a:rPr>
+                            <m:t>" )</m:t>
+                          </m:r>
+                          <m:r>
+                            <m:rPr>
+                              <m:nor/>
+                            </m:rPr>
+                            <a:rPr lang="zh-TW" altLang="en-US" dirty="0">
+                              <a:solidFill>
+                                <a:prstClr val="black"/>
+                              </a:solidFill>
+                            </a:rPr>
+                            <m:t> </m:t>
+                          </m:r>
+                        </m:e>
+                      </m:nary>
+                    </m:oMath>
+                  </m:oMathPara>
+                </a14:m>
+                <a:endParaRPr lang="en-US" altLang="zh-TW" dirty="0">
+                  <a:solidFill>
+                    <a:prstClr val="black"/>
+                  </a:solidFill>
+                </a:endParaRPr>
+              </a:p>
+              <a:p>
+                <a:pPr lvl="0"/>
+                <a14:m>
+                  <m:oMathPara xmlns:m="http://schemas.openxmlformats.org/officeDocument/2006/math">
+                    <m:oMathParaPr>
+                      <m:jc m:val="left"/>
+                    </m:oMathParaPr>
+                    <m:oMath xmlns:m="http://schemas.openxmlformats.org/officeDocument/2006/math">
+                      <m:r>
+                        <a:rPr lang="en-US" altLang="zh-TW" i="1">
+                          <a:solidFill>
+                            <a:prstClr val="black"/>
+                          </a:solidFill>
+                          <a:latin typeface="Cambria Math" panose="02040503050406030204" pitchFamily="18" charset="0"/>
+                        </a:rPr>
+                        <m:t>𝑃</m:t>
+                      </m:r>
+                      <m:r>
+                        <a:rPr lang="en-US" altLang="zh-TW" i="1">
+                          <a:solidFill>
+                            <a:prstClr val="black"/>
+                          </a:solidFill>
+                          <a:latin typeface="Cambria Math" panose="02040503050406030204" pitchFamily="18" charset="0"/>
+                        </a:rPr>
+                        <m:t>(</m:t>
+                      </m:r>
+                      <m:r>
+                        <m:rPr>
+                          <m:nor/>
+                        </m:rPr>
+                        <a:rPr lang="en-US" altLang="zh-TW">
+                          <a:solidFill>
+                            <a:prstClr val="black"/>
+                          </a:solidFill>
+                          <a:latin typeface="Cambria Math" panose="02040503050406030204" pitchFamily="18" charset="0"/>
+                        </a:rPr>
+                        <m:t>"</m:t>
+                      </m:r>
+                      <m:r>
+                        <m:rPr>
+                          <m:nor/>
+                        </m:rPr>
+                        <a:rPr lang="en-US" altLang="zh-TW">
+                          <a:solidFill>
+                            <a:prstClr val="black"/>
+                          </a:solidFill>
+                          <a:latin typeface="Cambria Math" panose="02040503050406030204" pitchFamily="18" charset="0"/>
+                        </a:rPr>
+                        <m:t>Y</m:t>
+                      </m:r>
+                      <m:r>
+                        <m:rPr>
+                          <m:nor/>
+                        </m:rPr>
+                        <a:rPr lang="en-US" altLang="zh-TW">
+                          <a:solidFill>
+                            <a:prstClr val="black"/>
+                          </a:solidFill>
+                          <a:latin typeface="Cambria Math" panose="02040503050406030204" pitchFamily="18" charset="0"/>
+                        </a:rPr>
+                        <m:t> </m:t>
+                      </m:r>
+                      <m:r>
+                        <a:rPr lang="zh-TW" altLang="en-US" i="1">
+                          <a:solidFill>
+                            <a:prstClr val="black"/>
+                          </a:solidFill>
+                          <a:latin typeface="Cambria Math" panose="02040503050406030204" pitchFamily="18" charset="0"/>
+                        </a:rPr>
+                        <m:t> </m:t>
+                      </m:r>
+                      <m:r>
+                        <m:rPr>
+                          <m:nor/>
+                        </m:rPr>
+                        <a:rPr lang="en-US" altLang="zh-TW">
+                          <a:solidFill>
+                            <a:prstClr val="black"/>
+                          </a:solidFill>
+                          <a:latin typeface="Cambria Math" panose="02040503050406030204" pitchFamily="18" charset="0"/>
+                        </a:rPr>
+                        <m:t>= </m:t>
+                      </m:r>
+                      <m:r>
+                        <m:rPr>
+                          <m:nor/>
+                        </m:rPr>
+                        <a:rPr lang="en-US" altLang="zh-TW">
+                          <a:solidFill>
+                            <a:srgbClr val="FF0000"/>
+                          </a:solidFill>
+                          <a:latin typeface="Cambria Math" panose="02040503050406030204" pitchFamily="18" charset="0"/>
+                        </a:rPr>
+                        <m:t>y</m:t>
+                      </m:r>
+                      <m:r>
+                        <a:rPr lang="en-US" altLang="zh-TW" i="1">
+                          <a:solidFill>
+                            <a:prstClr val="black"/>
+                          </a:solidFill>
+                          <a:latin typeface="Cambria Math" panose="02040503050406030204" pitchFamily="18" charset="0"/>
+                        </a:rPr>
+                        <m:t>")</m:t>
+                      </m:r>
+                      <m:r>
+                        <a:rPr lang="en-US" altLang="zh-TW">
+                          <a:solidFill>
+                            <a:prstClr val="black"/>
+                          </a:solidFill>
+                          <a:latin typeface="Cambria Math" panose="02040503050406030204" pitchFamily="18" charset="0"/>
+                        </a:rPr>
+                        <m:t>=</m:t>
+                      </m:r>
+                      <m:nary>
+                        <m:naryPr>
+                          <m:chr m:val="∑"/>
+                          <m:ctrlPr>
+                            <a:rPr lang="en-US" altLang="zh-TW" i="1">
+                              <a:solidFill>
+                                <a:prstClr val="black"/>
+                              </a:solidFill>
+                              <a:latin typeface="Cambria Math" panose="02040503050406030204" pitchFamily="18" charset="0"/>
+                            </a:rPr>
+                          </m:ctrlPr>
+                        </m:naryPr>
+                        <m:sub>
+                          <m:r>
+                            <m:rPr>
+                              <m:brk m:alnAt="23"/>
+                            </m:rPr>
+                            <a:rPr lang="en-US" altLang="zh-TW" i="1">
+                              <a:solidFill>
+                                <a:srgbClr val="006600"/>
+                              </a:solidFill>
+                              <a:latin typeface="Cambria Math" panose="02040503050406030204" pitchFamily="18" charset="0"/>
+                            </a:rPr>
+                            <m:t>𝑥</m:t>
+                          </m:r>
+                        </m:sub>
+                        <m:sup/>
+                        <m:e>
+                          <m:r>
+                            <a:rPr lang="en-US" altLang="zh-TW" i="1">
+                              <a:solidFill>
+                                <a:prstClr val="black"/>
+                              </a:solidFill>
+                              <a:latin typeface="Cambria Math" panose="02040503050406030204" pitchFamily="18" charset="0"/>
+                            </a:rPr>
+                            <m:t>𝑃</m:t>
+                          </m:r>
+                          <m:r>
+                            <a:rPr lang="en-US" altLang="zh-TW" i="1">
+                              <a:solidFill>
+                                <a:prstClr val="black"/>
+                              </a:solidFill>
+                              <a:latin typeface="Cambria Math" panose="02040503050406030204" pitchFamily="18" charset="0"/>
+                            </a:rPr>
+                            <m:t>("</m:t>
+                          </m:r>
+                          <m:r>
+                            <a:rPr lang="en-US" altLang="zh-TW" i="1">
+                              <a:solidFill>
+                                <a:prstClr val="black"/>
+                              </a:solidFill>
+                              <a:latin typeface="Cambria Math" panose="02040503050406030204" pitchFamily="18" charset="0"/>
+                            </a:rPr>
+                            <m:t>𝑋</m:t>
+                          </m:r>
+                          <m:r>
+                            <a:rPr lang="en-US" altLang="zh-TW" i="1">
+                              <a:solidFill>
+                                <a:prstClr val="black"/>
+                              </a:solidFill>
+                              <a:latin typeface="Cambria Math" panose="02040503050406030204" pitchFamily="18" charset="0"/>
+                            </a:rPr>
+                            <m:t>=</m:t>
+                          </m:r>
+                          <m:r>
+                            <a:rPr lang="en-US" altLang="zh-TW" b="1" i="1">
+                              <a:solidFill>
+                                <a:srgbClr val="006600"/>
+                              </a:solidFill>
+                              <a:latin typeface="Cambria Math" panose="02040503050406030204" pitchFamily="18" charset="0"/>
+                            </a:rPr>
+                            <m:t>𝒙</m:t>
+                          </m:r>
+                          <m:r>
+                            <a:rPr lang="en-US" altLang="zh-TW" i="1">
+                              <a:solidFill>
+                                <a:prstClr val="black"/>
+                              </a:solidFill>
+                              <a:latin typeface="Cambria Math" panose="02040503050406030204" pitchFamily="18" charset="0"/>
+                            </a:rPr>
+                            <m:t>", </m:t>
+                          </m:r>
+                          <m:r>
+                            <m:rPr>
+                              <m:nor/>
+                            </m:rPr>
+                            <a:rPr lang="en-US" altLang="zh-TW">
+                              <a:solidFill>
+                                <a:prstClr val="black"/>
+                              </a:solidFill>
+                              <a:latin typeface="Cambria Math" panose="02040503050406030204" pitchFamily="18" charset="0"/>
+                            </a:rPr>
+                            <m:t>"</m:t>
+                          </m:r>
+                          <m:r>
+                            <m:rPr>
+                              <m:nor/>
+                            </m:rPr>
+                            <a:rPr lang="en-US" altLang="zh-TW">
+                              <a:solidFill>
+                                <a:prstClr val="black"/>
+                              </a:solidFill>
+                              <a:latin typeface="Cambria Math" panose="02040503050406030204" pitchFamily="18" charset="0"/>
+                            </a:rPr>
+                            <m:t>Y</m:t>
+                          </m:r>
+                          <m:r>
+                            <m:rPr>
+                              <m:nor/>
+                            </m:rPr>
+                            <a:rPr lang="en-US" altLang="zh-TW">
+                              <a:solidFill>
+                                <a:prstClr val="black"/>
+                              </a:solidFill>
+                              <a:latin typeface="Cambria Math" panose="02040503050406030204" pitchFamily="18" charset="0"/>
+                            </a:rPr>
+                            <m:t> = </m:t>
+                          </m:r>
+                          <m:r>
+                            <m:rPr>
+                              <m:nor/>
+                            </m:rPr>
+                            <a:rPr lang="en-US" altLang="zh-TW">
+                              <a:solidFill>
+                                <a:srgbClr val="FF0000"/>
+                              </a:solidFill>
+                              <a:latin typeface="Cambria Math" panose="02040503050406030204" pitchFamily="18" charset="0"/>
+                            </a:rPr>
+                            <m:t>y</m:t>
+                          </m:r>
+                          <m:r>
+                            <a:rPr lang="en-US" altLang="zh-TW" i="1">
+                              <a:solidFill>
+                                <a:prstClr val="black"/>
+                              </a:solidFill>
+                              <a:latin typeface="Cambria Math" panose="02040503050406030204" pitchFamily="18" charset="0"/>
+                            </a:rPr>
+                            <m:t>" )</m:t>
+                          </m:r>
+                          <m:r>
+                            <m:rPr>
+                              <m:nor/>
+                            </m:rPr>
+                            <a:rPr lang="zh-TW" altLang="en-US" dirty="0">
+                              <a:solidFill>
+                                <a:prstClr val="black"/>
+                              </a:solidFill>
+                            </a:rPr>
+                            <m:t> </m:t>
+                          </m:r>
+                        </m:e>
+                      </m:nary>
+                    </m:oMath>
+                  </m:oMathPara>
+                </a14:m>
+                <a:endParaRPr lang="en-US" altLang="zh-TW" dirty="0">
+                  <a:solidFill>
+                    <a:prstClr val="black"/>
+                  </a:solidFill>
+                </a:endParaRPr>
+              </a:p>
+              <a:p>
+                <a:pPr lvl="0"/>
+                <a:endParaRPr lang="en-US" altLang="zh-TW" i="1" dirty="0">
+                  <a:solidFill>
+                    <a:prstClr val="black"/>
+                  </a:solidFill>
+                  <a:latin typeface="Cambria Math" panose="02040503050406030204" pitchFamily="18" charset="0"/>
+                </a:endParaRPr>
+              </a:p>
+              <a:p>
+                <a:pPr lvl="0"/>
+                <a14:m>
+                  <m:oMath xmlns:m="http://schemas.openxmlformats.org/officeDocument/2006/math">
+                    <m:r>
+                      <a:rPr lang="en-US" altLang="zh-TW" i="1">
+                        <a:solidFill>
+                          <a:prstClr val="black"/>
+                        </a:solidFill>
+                        <a:latin typeface="Cambria Math" panose="02040503050406030204" pitchFamily="18" charset="0"/>
+                      </a:rPr>
+                      <m:t>𝑃</m:t>
+                    </m:r>
+                    <m:r>
+                      <a:rPr lang="en-US" altLang="zh-TW" i="1">
+                        <a:solidFill>
+                          <a:prstClr val="black"/>
+                        </a:solidFill>
+                        <a:latin typeface="Cambria Math" panose="02040503050406030204" pitchFamily="18" charset="0"/>
+                      </a:rPr>
+                      <m:t>("</m:t>
+                    </m:r>
+                    <m:r>
+                      <a:rPr lang="en-US" altLang="zh-TW" i="1">
+                        <a:solidFill>
+                          <a:prstClr val="black"/>
+                        </a:solidFill>
+                        <a:latin typeface="Cambria Math" panose="02040503050406030204" pitchFamily="18" charset="0"/>
+                      </a:rPr>
+                      <m:t>𝑋</m:t>
+                    </m:r>
+                    <m:r>
+                      <a:rPr lang="en-US" altLang="zh-TW" i="1">
+                        <a:solidFill>
+                          <a:prstClr val="black"/>
+                        </a:solidFill>
+                        <a:latin typeface="Cambria Math" panose="02040503050406030204" pitchFamily="18" charset="0"/>
+                      </a:rPr>
+                      <m:t>=</m:t>
+                    </m:r>
+                    <m:r>
+                      <a:rPr lang="en-US" altLang="zh-TW" b="1" i="1">
+                        <a:solidFill>
+                          <a:srgbClr val="006600"/>
+                        </a:solidFill>
+                        <a:latin typeface="Cambria Math" panose="02040503050406030204" pitchFamily="18" charset="0"/>
+                      </a:rPr>
+                      <m:t>𝒙</m:t>
+                    </m:r>
+                    <m:r>
+                      <a:rPr lang="en-US" altLang="zh-TW" i="1">
+                        <a:solidFill>
+                          <a:prstClr val="black"/>
+                        </a:solidFill>
+                        <a:latin typeface="Cambria Math" panose="02040503050406030204" pitchFamily="18" charset="0"/>
+                      </a:rPr>
+                      <m:t>"</m:t>
+                    </m:r>
+                    <m:r>
+                      <a:rPr lang="zh-TW" altLang="en-US" i="1">
+                        <a:solidFill>
+                          <a:prstClr val="black"/>
+                        </a:solidFill>
+                        <a:latin typeface="Cambria Math" panose="02040503050406030204" pitchFamily="18" charset="0"/>
+                      </a:rPr>
+                      <m:t> </m:t>
+                    </m:r>
+                    <m:r>
+                      <a:rPr lang="en-US" altLang="zh-TW" i="1">
+                        <a:solidFill>
+                          <a:prstClr val="black"/>
+                        </a:solidFill>
+                        <a:latin typeface="Cambria Math" panose="02040503050406030204" pitchFamily="18" charset="0"/>
+                      </a:rPr>
+                      <m:t>|</m:t>
+                    </m:r>
+                    <m:r>
+                      <a:rPr lang="zh-TW" altLang="en-US" i="1">
+                        <a:solidFill>
+                          <a:prstClr val="black"/>
+                        </a:solidFill>
+                        <a:latin typeface="Cambria Math" panose="02040503050406030204" pitchFamily="18" charset="0"/>
+                      </a:rPr>
+                      <m:t> </m:t>
+                    </m:r>
+                    <m:r>
+                      <m:rPr>
+                        <m:nor/>
+                      </m:rPr>
+                      <a:rPr lang="en-US" altLang="zh-TW">
+                        <a:solidFill>
+                          <a:prstClr val="black"/>
+                        </a:solidFill>
+                        <a:latin typeface="Cambria Math" panose="02040503050406030204" pitchFamily="18" charset="0"/>
+                      </a:rPr>
+                      <m:t>"</m:t>
+                    </m:r>
+                    <m:r>
+                      <m:rPr>
+                        <m:nor/>
+                      </m:rPr>
+                      <a:rPr lang="en-US" altLang="zh-TW">
+                        <a:solidFill>
+                          <a:prstClr val="black"/>
+                        </a:solidFill>
+                        <a:latin typeface="Cambria Math" panose="02040503050406030204" pitchFamily="18" charset="0"/>
+                      </a:rPr>
+                      <m:t>Y</m:t>
+                    </m:r>
+                    <m:r>
+                      <m:rPr>
+                        <m:nor/>
+                      </m:rPr>
+                      <a:rPr lang="en-US" altLang="zh-TW">
+                        <a:solidFill>
+                          <a:prstClr val="black"/>
+                        </a:solidFill>
+                        <a:latin typeface="Cambria Math" panose="02040503050406030204" pitchFamily="18" charset="0"/>
+                      </a:rPr>
+                      <m:t> = </m:t>
+                    </m:r>
+                    <m:r>
+                      <m:rPr>
+                        <m:nor/>
+                      </m:rPr>
+                      <a:rPr lang="en-US" altLang="zh-TW">
+                        <a:solidFill>
+                          <a:srgbClr val="FF0000"/>
+                        </a:solidFill>
+                        <a:latin typeface="Cambria Math" panose="02040503050406030204" pitchFamily="18" charset="0"/>
+                      </a:rPr>
+                      <m:t>y</m:t>
+                    </m:r>
+                    <m:r>
+                      <a:rPr lang="en-US" altLang="zh-TW" i="1">
+                        <a:solidFill>
+                          <a:prstClr val="black"/>
+                        </a:solidFill>
+                        <a:latin typeface="Cambria Math" panose="02040503050406030204" pitchFamily="18" charset="0"/>
+                      </a:rPr>
+                      <m:t>" )</m:t>
+                    </m:r>
+                    <m:r>
+                      <a:rPr lang="en-US" altLang="zh-TW" b="0" i="1" smtClean="0">
+                        <a:solidFill>
+                          <a:prstClr val="black"/>
+                        </a:solidFill>
+                        <a:latin typeface="Cambria Math" panose="02040503050406030204" pitchFamily="18" charset="0"/>
+                      </a:rPr>
+                      <m:t>=</m:t>
+                    </m:r>
+                  </m:oMath>
+                </a14:m>
+                <a:r>
+                  <a:rPr lang="en-US" altLang="zh-TW" dirty="0">
+                    <a:solidFill>
+                      <a:prstClr val="black"/>
+                    </a:solidFill>
+                  </a:rPr>
+                  <a:t> </a:t>
+                </a:r>
+                <a14:m>
+                  <m:oMath xmlns:m="http://schemas.openxmlformats.org/officeDocument/2006/math">
+                    <m:r>
+                      <a:rPr lang="en-US" altLang="zh-TW" i="1">
+                        <a:solidFill>
+                          <a:prstClr val="black"/>
+                        </a:solidFill>
+                        <a:latin typeface="Cambria Math" panose="02040503050406030204" pitchFamily="18" charset="0"/>
+                      </a:rPr>
+                      <m:t>𝑃</m:t>
+                    </m:r>
+                    <m:r>
+                      <a:rPr lang="en-US" altLang="zh-TW" i="1">
+                        <a:solidFill>
+                          <a:prstClr val="black"/>
+                        </a:solidFill>
+                        <a:latin typeface="Cambria Math" panose="02040503050406030204" pitchFamily="18" charset="0"/>
+                      </a:rPr>
+                      <m:t>("</m:t>
+                    </m:r>
+                    <m:r>
+                      <a:rPr lang="en-US" altLang="zh-TW" i="1">
+                        <a:solidFill>
+                          <a:prstClr val="black"/>
+                        </a:solidFill>
+                        <a:latin typeface="Cambria Math" panose="02040503050406030204" pitchFamily="18" charset="0"/>
+                      </a:rPr>
+                      <m:t>𝑋</m:t>
+                    </m:r>
+                    <m:r>
+                      <a:rPr lang="en-US" altLang="zh-TW" i="1">
+                        <a:solidFill>
+                          <a:prstClr val="black"/>
+                        </a:solidFill>
+                        <a:latin typeface="Cambria Math" panose="02040503050406030204" pitchFamily="18" charset="0"/>
+                      </a:rPr>
+                      <m:t>=</m:t>
+                    </m:r>
+                    <m:r>
+                      <a:rPr lang="en-US" altLang="zh-TW" b="1" i="1">
+                        <a:solidFill>
+                          <a:srgbClr val="006600"/>
+                        </a:solidFill>
+                        <a:latin typeface="Cambria Math" panose="02040503050406030204" pitchFamily="18" charset="0"/>
+                      </a:rPr>
+                      <m:t>𝒙</m:t>
+                    </m:r>
+                    <m:r>
+                      <a:rPr lang="en-US" altLang="zh-TW" i="1">
+                        <a:solidFill>
+                          <a:prstClr val="black"/>
+                        </a:solidFill>
+                        <a:latin typeface="Cambria Math" panose="02040503050406030204" pitchFamily="18" charset="0"/>
+                      </a:rPr>
+                      <m:t>", </m:t>
+                    </m:r>
+                    <m:r>
+                      <m:rPr>
+                        <m:nor/>
+                      </m:rPr>
+                      <a:rPr lang="en-US" altLang="zh-TW">
+                        <a:solidFill>
+                          <a:prstClr val="black"/>
+                        </a:solidFill>
+                        <a:latin typeface="Cambria Math" panose="02040503050406030204" pitchFamily="18" charset="0"/>
+                      </a:rPr>
+                      <m:t>"</m:t>
+                    </m:r>
+                    <m:r>
+                      <m:rPr>
+                        <m:nor/>
+                      </m:rPr>
+                      <a:rPr lang="en-US" altLang="zh-TW">
+                        <a:solidFill>
+                          <a:prstClr val="black"/>
+                        </a:solidFill>
+                        <a:latin typeface="Cambria Math" panose="02040503050406030204" pitchFamily="18" charset="0"/>
+                      </a:rPr>
+                      <m:t>Y</m:t>
+                    </m:r>
+                    <m:r>
+                      <m:rPr>
+                        <m:nor/>
+                      </m:rPr>
+                      <a:rPr lang="en-US" altLang="zh-TW">
+                        <a:solidFill>
+                          <a:prstClr val="black"/>
+                        </a:solidFill>
+                        <a:latin typeface="Cambria Math" panose="02040503050406030204" pitchFamily="18" charset="0"/>
+                      </a:rPr>
+                      <m:t> = </m:t>
+                    </m:r>
+                    <m:r>
+                      <m:rPr>
+                        <m:nor/>
+                      </m:rPr>
+                      <a:rPr lang="en-US" altLang="zh-TW">
+                        <a:solidFill>
+                          <a:srgbClr val="FF0000"/>
+                        </a:solidFill>
+                        <a:latin typeface="Cambria Math" panose="02040503050406030204" pitchFamily="18" charset="0"/>
+                      </a:rPr>
+                      <m:t>y</m:t>
+                    </m:r>
+                    <m:r>
+                      <a:rPr lang="en-US" altLang="zh-TW" i="1">
+                        <a:solidFill>
+                          <a:prstClr val="black"/>
+                        </a:solidFill>
+                        <a:latin typeface="Cambria Math" panose="02040503050406030204" pitchFamily="18" charset="0"/>
+                      </a:rPr>
+                      <m:t>" )</m:t>
+                    </m:r>
+                    <m:r>
+                      <m:rPr>
+                        <m:nor/>
+                      </m:rPr>
+                      <a:rPr lang="zh-TW" altLang="en-US" dirty="0">
+                        <a:solidFill>
+                          <a:prstClr val="black"/>
+                        </a:solidFill>
+                      </a:rPr>
+                      <m:t> </m:t>
+                    </m:r>
+                  </m:oMath>
+                </a14:m>
+                <a:r>
+                  <a:rPr lang="en-US" altLang="zh-TW" i="1" dirty="0">
+                    <a:solidFill>
+                      <a:prstClr val="black"/>
+                    </a:solidFill>
+                    <a:latin typeface="Cambria Math" panose="02040503050406030204" pitchFamily="18" charset="0"/>
+                  </a:rPr>
+                  <a:t>/</a:t>
+                </a:r>
+                <a:r>
+                  <a:rPr lang="en-US" altLang="zh-TW" dirty="0">
+                    <a:solidFill>
+                      <a:prstClr val="black"/>
+                    </a:solidFill>
+                  </a:rPr>
+                  <a:t> </a:t>
+                </a:r>
+                <a14:m>
+                  <m:oMath xmlns:m="http://schemas.openxmlformats.org/officeDocument/2006/math">
+                    <m:r>
+                      <a:rPr lang="en-US" altLang="zh-TW" i="1">
+                        <a:solidFill>
+                          <a:prstClr val="black"/>
+                        </a:solidFill>
+                        <a:latin typeface="Cambria Math" panose="02040503050406030204" pitchFamily="18" charset="0"/>
+                      </a:rPr>
+                      <m:t>𝑃</m:t>
+                    </m:r>
+                    <m:r>
+                      <a:rPr lang="en-US" altLang="zh-TW" i="1">
+                        <a:solidFill>
+                          <a:prstClr val="black"/>
+                        </a:solidFill>
+                        <a:latin typeface="Cambria Math" panose="02040503050406030204" pitchFamily="18" charset="0"/>
+                      </a:rPr>
+                      <m:t>(</m:t>
+                    </m:r>
+                    <m:r>
+                      <m:rPr>
+                        <m:nor/>
+                      </m:rPr>
+                      <a:rPr lang="en-US" altLang="zh-TW">
+                        <a:solidFill>
+                          <a:prstClr val="black"/>
+                        </a:solidFill>
+                        <a:latin typeface="Cambria Math" panose="02040503050406030204" pitchFamily="18" charset="0"/>
+                      </a:rPr>
+                      <m:t>"</m:t>
+                    </m:r>
+                    <m:r>
+                      <m:rPr>
+                        <m:nor/>
+                      </m:rPr>
+                      <a:rPr lang="en-US" altLang="zh-TW">
+                        <a:solidFill>
+                          <a:prstClr val="black"/>
+                        </a:solidFill>
+                        <a:latin typeface="Cambria Math" panose="02040503050406030204" pitchFamily="18" charset="0"/>
+                      </a:rPr>
+                      <m:t>Y</m:t>
+                    </m:r>
+                    <m:r>
+                      <m:rPr>
+                        <m:nor/>
+                      </m:rPr>
+                      <a:rPr lang="en-US" altLang="zh-TW">
+                        <a:solidFill>
+                          <a:prstClr val="black"/>
+                        </a:solidFill>
+                        <a:latin typeface="Cambria Math" panose="02040503050406030204" pitchFamily="18" charset="0"/>
+                      </a:rPr>
+                      <m:t> = </m:t>
+                    </m:r>
+                    <m:r>
+                      <m:rPr>
+                        <m:nor/>
+                      </m:rPr>
+                      <a:rPr lang="en-US" altLang="zh-TW">
+                        <a:solidFill>
+                          <a:srgbClr val="FF0000"/>
+                        </a:solidFill>
+                        <a:latin typeface="Cambria Math" panose="02040503050406030204" pitchFamily="18" charset="0"/>
+                      </a:rPr>
+                      <m:t>y</m:t>
+                    </m:r>
+                    <m:r>
+                      <a:rPr lang="en-US" altLang="zh-TW" i="1">
+                        <a:solidFill>
+                          <a:prstClr val="black"/>
+                        </a:solidFill>
+                        <a:latin typeface="Cambria Math" panose="02040503050406030204" pitchFamily="18" charset="0"/>
+                      </a:rPr>
+                      <m:t>" )</m:t>
+                    </m:r>
+                    <m:r>
+                      <m:rPr>
+                        <m:nor/>
+                      </m:rPr>
+                      <a:rPr lang="zh-TW" altLang="en-US" dirty="0">
+                        <a:solidFill>
+                          <a:prstClr val="black"/>
+                        </a:solidFill>
+                      </a:rPr>
+                      <m:t> </m:t>
+                    </m:r>
+                  </m:oMath>
+                </a14:m>
+                <a:r>
+                  <a:rPr lang="en-US" altLang="zh-TW" i="1" dirty="0">
+                    <a:solidFill>
+                      <a:prstClr val="black"/>
+                    </a:solidFill>
+                    <a:latin typeface="Cambria Math" panose="02040503050406030204" pitchFamily="18" charset="0"/>
+                  </a:rPr>
+                  <a:t> </a:t>
+                </a:r>
+              </a:p>
+              <a:p>
+                <a:pPr lvl="0"/>
+                <a:endParaRPr lang="en-US" altLang="zh-TW" i="1" dirty="0">
+                  <a:solidFill>
+                    <a:prstClr val="black"/>
+                  </a:solidFill>
+                  <a:latin typeface="Cambria Math" panose="02040503050406030204" pitchFamily="18" charset="0"/>
+                </a:endParaRPr>
+              </a:p>
+              <a:p>
+                <a:pPr lvl="0"/>
+                <a14:m>
+                  <m:oMathPara xmlns:m="http://schemas.openxmlformats.org/officeDocument/2006/math">
+                    <m:oMathParaPr>
+                      <m:jc m:val="left"/>
+                    </m:oMathParaPr>
+                    <m:oMath xmlns:m="http://schemas.openxmlformats.org/officeDocument/2006/math">
+                      <m:r>
+                        <a:rPr lang="en-US" altLang="zh-TW" i="1">
+                          <a:solidFill>
+                            <a:prstClr val="black"/>
+                          </a:solidFill>
+                          <a:latin typeface="Cambria Math" panose="02040503050406030204" pitchFamily="18" charset="0"/>
+                        </a:rPr>
+                        <m:t>𝑃</m:t>
+                      </m:r>
+                      <m:r>
+                        <a:rPr lang="en-US" altLang="zh-TW" i="1">
+                          <a:solidFill>
+                            <a:prstClr val="black"/>
+                          </a:solidFill>
+                          <a:latin typeface="Cambria Math" panose="02040503050406030204" pitchFamily="18" charset="0"/>
+                        </a:rPr>
+                        <m:t>(</m:t>
+                      </m:r>
+                      <m:r>
+                        <m:rPr>
+                          <m:nor/>
+                        </m:rPr>
+                        <a:rPr lang="en-US" altLang="zh-TW">
+                          <a:solidFill>
+                            <a:prstClr val="black"/>
+                          </a:solidFill>
+                          <a:latin typeface="Cambria Math" panose="02040503050406030204" pitchFamily="18" charset="0"/>
+                        </a:rPr>
+                        <m:t>"</m:t>
+                      </m:r>
+                      <m:r>
+                        <m:rPr>
+                          <m:nor/>
+                        </m:rPr>
+                        <a:rPr lang="en-US" altLang="zh-TW">
+                          <a:solidFill>
+                            <a:prstClr val="black"/>
+                          </a:solidFill>
+                          <a:latin typeface="Cambria Math" panose="02040503050406030204" pitchFamily="18" charset="0"/>
+                        </a:rPr>
+                        <m:t>Y</m:t>
+                      </m:r>
+                      <m:r>
+                        <m:rPr>
+                          <m:nor/>
+                        </m:rPr>
+                        <a:rPr lang="en-US" altLang="zh-TW">
+                          <a:solidFill>
+                            <a:prstClr val="black"/>
+                          </a:solidFill>
+                          <a:latin typeface="Cambria Math" panose="02040503050406030204" pitchFamily="18" charset="0"/>
+                        </a:rPr>
+                        <m:t>  </m:t>
+                      </m:r>
+                      <m:r>
+                        <m:rPr>
+                          <m:nor/>
+                        </m:rPr>
+                        <a:rPr lang="en-US" altLang="zh-TW">
+                          <a:solidFill>
+                            <a:prstClr val="black"/>
+                          </a:solidFill>
+                          <a:latin typeface="Cambria Math" panose="02040503050406030204" pitchFamily="18" charset="0"/>
+                        </a:rPr>
+                        <m:t>= </m:t>
+                      </m:r>
+                      <m:r>
+                        <m:rPr>
+                          <m:nor/>
+                        </m:rPr>
+                        <a:rPr lang="en-US" altLang="zh-TW">
+                          <a:solidFill>
+                            <a:srgbClr val="FF0000"/>
+                          </a:solidFill>
+                          <a:latin typeface="Cambria Math" panose="02040503050406030204" pitchFamily="18" charset="0"/>
+                        </a:rPr>
+                        <m:t>y</m:t>
+                      </m:r>
+                      <m:r>
+                        <a:rPr lang="en-US" altLang="zh-TW" i="1">
+                          <a:solidFill>
+                            <a:prstClr val="black"/>
+                          </a:solidFill>
+                          <a:latin typeface="Cambria Math" panose="02040503050406030204" pitchFamily="18" charset="0"/>
+                        </a:rPr>
+                        <m:t>" | "</m:t>
+                      </m:r>
+                      <m:r>
+                        <a:rPr lang="en-US" altLang="zh-TW" i="1">
+                          <a:solidFill>
+                            <a:prstClr val="black"/>
+                          </a:solidFill>
+                          <a:latin typeface="Cambria Math" panose="02040503050406030204" pitchFamily="18" charset="0"/>
+                        </a:rPr>
+                        <m:t>𝑋</m:t>
+                      </m:r>
+                      <m:r>
+                        <a:rPr lang="en-US" altLang="zh-TW" i="1">
+                          <a:solidFill>
+                            <a:prstClr val="black"/>
+                          </a:solidFill>
+                          <a:latin typeface="Cambria Math" panose="02040503050406030204" pitchFamily="18" charset="0"/>
+                        </a:rPr>
+                        <m:t>=</m:t>
+                      </m:r>
+                      <m:r>
+                        <a:rPr lang="en-US" altLang="zh-TW" b="1" i="1">
+                          <a:solidFill>
+                            <a:srgbClr val="006600"/>
+                          </a:solidFill>
+                          <a:latin typeface="Cambria Math" panose="02040503050406030204" pitchFamily="18" charset="0"/>
+                        </a:rPr>
+                        <m:t>𝒙</m:t>
+                      </m:r>
+                      <m:r>
+                        <a:rPr lang="en-US" altLang="zh-TW" i="1">
+                          <a:solidFill>
+                            <a:prstClr val="black"/>
+                          </a:solidFill>
+                          <a:latin typeface="Cambria Math" panose="02040503050406030204" pitchFamily="18" charset="0"/>
+                        </a:rPr>
+                        <m:t>"</m:t>
+                      </m:r>
+                      <m:r>
+                        <a:rPr lang="en-US" altLang="zh-TW" i="1">
+                          <a:solidFill>
+                            <a:prstClr val="black"/>
+                          </a:solidFill>
+                          <a:latin typeface="Cambria Math" panose="02040503050406030204" pitchFamily="18" charset="0"/>
+                        </a:rPr>
+                        <m:t>)=</m:t>
+                      </m:r>
+                      <m:r>
+                        <m:rPr>
+                          <m:nor/>
+                        </m:rPr>
+                        <a:rPr lang="en-US" altLang="zh-TW" dirty="0">
+                          <a:solidFill>
+                            <a:prstClr val="black"/>
+                          </a:solidFill>
+                        </a:rPr>
+                        <m:t> </m:t>
+                      </m:r>
+                      <m:r>
+                        <a:rPr lang="en-US" altLang="zh-TW" i="1">
+                          <a:solidFill>
+                            <a:prstClr val="black"/>
+                          </a:solidFill>
+                          <a:latin typeface="Cambria Math" panose="02040503050406030204" pitchFamily="18" charset="0"/>
+                        </a:rPr>
+                        <m:t>𝑃</m:t>
+                      </m:r>
+                      <m:r>
+                        <a:rPr lang="en-US" altLang="zh-TW" i="1">
+                          <a:solidFill>
+                            <a:prstClr val="black"/>
+                          </a:solidFill>
+                          <a:latin typeface="Cambria Math" panose="02040503050406030204" pitchFamily="18" charset="0"/>
+                        </a:rPr>
+                        <m:t>("</m:t>
+                      </m:r>
+                      <m:r>
+                        <a:rPr lang="en-US" altLang="zh-TW" i="1">
+                          <a:solidFill>
+                            <a:prstClr val="black"/>
+                          </a:solidFill>
+                          <a:latin typeface="Cambria Math" panose="02040503050406030204" pitchFamily="18" charset="0"/>
+                        </a:rPr>
+                        <m:t>𝑋</m:t>
+                      </m:r>
+                      <m:r>
+                        <a:rPr lang="en-US" altLang="zh-TW" i="1">
+                          <a:solidFill>
+                            <a:prstClr val="black"/>
+                          </a:solidFill>
+                          <a:latin typeface="Cambria Math" panose="02040503050406030204" pitchFamily="18" charset="0"/>
+                        </a:rPr>
+                        <m:t>=</m:t>
+                      </m:r>
+                      <m:r>
+                        <a:rPr lang="en-US" altLang="zh-TW" b="1" i="1">
+                          <a:solidFill>
+                            <a:srgbClr val="006600"/>
+                          </a:solidFill>
+                          <a:latin typeface="Cambria Math" panose="02040503050406030204" pitchFamily="18" charset="0"/>
+                        </a:rPr>
+                        <m:t>𝒙</m:t>
+                      </m:r>
+                      <m:r>
+                        <a:rPr lang="en-US" altLang="zh-TW" i="1">
+                          <a:solidFill>
+                            <a:prstClr val="black"/>
+                          </a:solidFill>
+                          <a:latin typeface="Cambria Math" panose="02040503050406030204" pitchFamily="18" charset="0"/>
+                        </a:rPr>
+                        <m:t>", </m:t>
+                      </m:r>
+                      <m:r>
+                        <m:rPr>
+                          <m:nor/>
+                        </m:rPr>
+                        <a:rPr lang="en-US" altLang="zh-TW">
+                          <a:solidFill>
+                            <a:prstClr val="black"/>
+                          </a:solidFill>
+                          <a:latin typeface="Cambria Math" panose="02040503050406030204" pitchFamily="18" charset="0"/>
+                        </a:rPr>
+                        <m:t>"</m:t>
+                      </m:r>
+                      <m:r>
+                        <m:rPr>
+                          <m:nor/>
+                        </m:rPr>
+                        <a:rPr lang="en-US" altLang="zh-TW">
+                          <a:solidFill>
+                            <a:prstClr val="black"/>
+                          </a:solidFill>
+                          <a:latin typeface="Cambria Math" panose="02040503050406030204" pitchFamily="18" charset="0"/>
+                        </a:rPr>
+                        <m:t>Y</m:t>
+                      </m:r>
+                      <m:r>
+                        <m:rPr>
+                          <m:nor/>
+                        </m:rPr>
+                        <a:rPr lang="en-US" altLang="zh-TW">
+                          <a:solidFill>
+                            <a:prstClr val="black"/>
+                          </a:solidFill>
+                          <a:latin typeface="Cambria Math" panose="02040503050406030204" pitchFamily="18" charset="0"/>
+                        </a:rPr>
+                        <m:t> = </m:t>
+                      </m:r>
+                      <m:r>
+                        <m:rPr>
+                          <m:nor/>
+                        </m:rPr>
+                        <a:rPr lang="en-US" altLang="zh-TW">
+                          <a:solidFill>
+                            <a:srgbClr val="FF0000"/>
+                          </a:solidFill>
+                          <a:latin typeface="Cambria Math" panose="02040503050406030204" pitchFamily="18" charset="0"/>
+                        </a:rPr>
+                        <m:t>y</m:t>
+                      </m:r>
+                      <m:r>
+                        <a:rPr lang="en-US" altLang="zh-TW" i="1">
+                          <a:solidFill>
+                            <a:prstClr val="black"/>
+                          </a:solidFill>
+                          <a:latin typeface="Cambria Math" panose="02040503050406030204" pitchFamily="18" charset="0"/>
+                        </a:rPr>
+                        <m:t>" )</m:t>
+                      </m:r>
+                      <m:r>
+                        <m:rPr>
+                          <m:nor/>
+                        </m:rPr>
+                        <a:rPr lang="zh-TW" altLang="en-US" dirty="0">
+                          <a:solidFill>
+                            <a:prstClr val="black"/>
+                          </a:solidFill>
+                        </a:rPr>
+                        <m:t> </m:t>
+                      </m:r>
+                      <m:r>
+                        <m:rPr>
+                          <m:nor/>
+                        </m:rPr>
+                        <a:rPr lang="en-US" altLang="zh-TW" i="1" dirty="0">
+                          <a:solidFill>
+                            <a:prstClr val="black"/>
+                          </a:solidFill>
+                          <a:latin typeface="Cambria Math" panose="02040503050406030204" pitchFamily="18" charset="0"/>
+                        </a:rPr>
+                        <m:t>/</m:t>
+                      </m:r>
+                      <m:r>
+                        <m:rPr>
+                          <m:nor/>
+                        </m:rPr>
+                        <a:rPr lang="en-US" altLang="zh-TW" dirty="0">
+                          <a:solidFill>
+                            <a:prstClr val="black"/>
+                          </a:solidFill>
+                        </a:rPr>
+                        <m:t> </m:t>
+                      </m:r>
+                      <m:r>
+                        <a:rPr lang="en-US" altLang="zh-TW" i="1">
+                          <a:solidFill>
+                            <a:prstClr val="black"/>
+                          </a:solidFill>
+                          <a:latin typeface="Cambria Math" panose="02040503050406030204" pitchFamily="18" charset="0"/>
+                        </a:rPr>
+                        <m:t>𝑃</m:t>
+                      </m:r>
+                      <m:r>
+                        <a:rPr lang="en-US" altLang="zh-TW" i="1">
+                          <a:solidFill>
+                            <a:prstClr val="black"/>
+                          </a:solidFill>
+                          <a:latin typeface="Cambria Math" panose="02040503050406030204" pitchFamily="18" charset="0"/>
+                        </a:rPr>
+                        <m:t>(</m:t>
+                      </m:r>
+                      <m:r>
+                        <m:rPr>
+                          <m:nor/>
+                        </m:rPr>
+                        <a:rPr lang="en-US" altLang="zh-TW">
+                          <a:solidFill>
+                            <a:prstClr val="black"/>
+                          </a:solidFill>
+                          <a:latin typeface="Cambria Math" panose="02040503050406030204" pitchFamily="18" charset="0"/>
+                        </a:rPr>
+                        <m:t>"</m:t>
+                      </m:r>
+                      <m:r>
+                        <a:rPr lang="en-US" altLang="zh-TW" i="1">
+                          <a:solidFill>
+                            <a:prstClr val="black"/>
+                          </a:solidFill>
+                          <a:latin typeface="Cambria Math" panose="02040503050406030204" pitchFamily="18" charset="0"/>
+                        </a:rPr>
+                        <m:t>𝑋</m:t>
+                      </m:r>
+                      <m:r>
+                        <a:rPr lang="en-US" altLang="zh-TW" i="1">
+                          <a:solidFill>
+                            <a:prstClr val="black"/>
+                          </a:solidFill>
+                          <a:latin typeface="Cambria Math" panose="02040503050406030204" pitchFamily="18" charset="0"/>
+                        </a:rPr>
+                        <m:t>=</m:t>
+                      </m:r>
+                      <m:r>
+                        <a:rPr lang="en-US" altLang="zh-TW" b="1" i="1">
+                          <a:solidFill>
+                            <a:srgbClr val="006600"/>
+                          </a:solidFill>
+                          <a:latin typeface="Cambria Math" panose="02040503050406030204" pitchFamily="18" charset="0"/>
+                        </a:rPr>
+                        <m:t>𝒙</m:t>
+                      </m:r>
+                      <m:r>
+                        <a:rPr lang="en-US" altLang="zh-TW" i="1">
+                          <a:solidFill>
+                            <a:prstClr val="black"/>
+                          </a:solidFill>
+                          <a:latin typeface="Cambria Math" panose="02040503050406030204" pitchFamily="18" charset="0"/>
+                        </a:rPr>
+                        <m:t>" )</m:t>
+                      </m:r>
+                    </m:oMath>
+                  </m:oMathPara>
+                </a14:m>
+                <a:endParaRPr lang="zh-TW" altLang="en-US" dirty="0"/>
+              </a:p>
+            </p:txBody>
+          </p:sp>
+        </mc:Choice>
+        <mc:Fallback>
+          <p:sp>
+            <p:nvSpPr>
+              <p:cNvPr id="7" name="矩形 6">
+                <a:extLst>
+                  <a:ext uri="{FF2B5EF4-FFF2-40B4-BE49-F238E27FC236}">
+                    <a16:creationId xmlns:a16="http://schemas.microsoft.com/office/drawing/2014/main" id="{93241A2C-21B7-4115-84A8-75393320A254}"/>
+                  </a:ext>
+                </a:extLst>
+              </p:cNvPr>
+              <p:cNvSpPr>
+                <a:spLocks noRot="1" noChangeAspect="1" noMove="1" noResize="1" noEditPoints="1" noAdjustHandles="1" noChangeArrowheads="1" noChangeShapeType="1" noTextEdit="1"/>
+              </p:cNvSpPr>
+              <p:nvPr/>
+            </p:nvSpPr>
+            <p:spPr>
+              <a:xfrm>
+                <a:off x="4540827" y="3602939"/>
+                <a:ext cx="6096000" cy="2854692"/>
+              </a:xfrm>
+              <a:prstGeom prst="rect">
+                <a:avLst/>
+              </a:prstGeom>
+              <a:blipFill>
+                <a:blip r:embed="rId4"/>
+                <a:stretch>
+                  <a:fillRect b="-1068"/>
+                </a:stretch>
+              </a:blipFill>
+            </p:spPr>
+            <p:txBody>
+              <a:bodyPr/>
+              <a:lstStyle/>
+              <a:p>
+                <a:r>
+                  <a:rPr lang="zh-TW" altLang="en-US">
+                    <a:noFill/>
+                  </a:rPr>
+                  <a:t> </a:t>
+                </a:r>
+              </a:p>
+            </p:txBody>
+          </p:sp>
+        </mc:Fallback>
+      </mc:AlternateContent>
+      <p:sp>
+        <p:nvSpPr>
+          <p:cNvPr id="8" name="矩形 7">
+            <a:extLst>
+              <a:ext uri="{FF2B5EF4-FFF2-40B4-BE49-F238E27FC236}">
+                <a16:creationId xmlns:a16="http://schemas.microsoft.com/office/drawing/2014/main" id="{D1AB6C43-BDA0-47E5-B1E9-6586EA4DAA64}"/>
+              </a:ext>
+            </a:extLst>
+          </p:cNvPr>
+          <p:cNvSpPr/>
+          <p:nvPr/>
+        </p:nvSpPr>
+        <p:spPr>
+          <a:xfrm>
+            <a:off x="1364689" y="6082785"/>
+            <a:ext cx="2604624" cy="369332"/>
+          </a:xfrm>
+          <a:prstGeom prst="rect">
+            <a:avLst/>
+          </a:prstGeom>
+          <a:solidFill>
+            <a:srgbClr val="FFFF00"/>
+          </a:solidFill>
+        </p:spPr>
+        <p:txBody>
+          <a:bodyPr wrap="none">
+            <a:spAutoFit/>
+          </a:bodyPr>
+          <a:lstStyle/>
+          <a:p>
+            <a:r>
+              <a:rPr lang="en-US" altLang="zh-TW" dirty="0"/>
+              <a:t>the (Posterior) Probability</a:t>
+            </a:r>
+            <a:endParaRPr lang="zh-TW" altLang="en-US" dirty="0"/>
+          </a:p>
+        </p:txBody>
+      </p:sp>
+      <p:cxnSp>
+        <p:nvCxnSpPr>
+          <p:cNvPr id="10" name="直線單箭頭接點 9">
+            <a:extLst>
+              <a:ext uri="{FF2B5EF4-FFF2-40B4-BE49-F238E27FC236}">
+                <a16:creationId xmlns:a16="http://schemas.microsoft.com/office/drawing/2014/main" id="{A7C303FB-E55A-47C9-A0A9-471C8B615989}"/>
+              </a:ext>
+            </a:extLst>
+          </p:cNvPr>
+          <p:cNvCxnSpPr>
+            <a:stCxn id="8" idx="3"/>
+          </p:cNvCxnSpPr>
+          <p:nvPr/>
+        </p:nvCxnSpPr>
+        <p:spPr>
+          <a:xfrm>
+            <a:off x="3969313" y="6267451"/>
+            <a:ext cx="477996" cy="9026"/>
+          </a:xfrm>
+          <a:prstGeom prst="straightConnector1">
+            <a:avLst/>
+          </a:prstGeom>
+          <a:ln>
+            <a:tailEnd type="triangle"/>
+          </a:ln>
+        </p:spPr>
+        <p:style>
+          <a:lnRef idx="1">
+            <a:schemeClr val="accent1"/>
+          </a:lnRef>
+          <a:fillRef idx="0">
+            <a:schemeClr val="accent1"/>
+          </a:fillRef>
+          <a:effectRef idx="0">
+            <a:schemeClr val="accent1"/>
+          </a:effectRef>
+          <a:fontRef idx="minor">
+            <a:schemeClr val="tx1"/>
+          </a:fontRef>
+        </p:style>
+      </p:cxnSp>
+      <p:sp>
+        <p:nvSpPr>
+          <p:cNvPr id="11" name="矩形 10">
+            <a:extLst>
+              <a:ext uri="{FF2B5EF4-FFF2-40B4-BE49-F238E27FC236}">
+                <a16:creationId xmlns:a16="http://schemas.microsoft.com/office/drawing/2014/main" id="{021FE624-8400-4429-BB94-5B981909A696}"/>
+              </a:ext>
+            </a:extLst>
+          </p:cNvPr>
+          <p:cNvSpPr/>
+          <p:nvPr/>
+        </p:nvSpPr>
+        <p:spPr>
+          <a:xfrm>
+            <a:off x="1444352" y="5402279"/>
+            <a:ext cx="2210349" cy="369332"/>
+          </a:xfrm>
+          <a:prstGeom prst="rect">
+            <a:avLst/>
+          </a:prstGeom>
+          <a:noFill/>
+        </p:spPr>
+        <p:txBody>
+          <a:bodyPr wrap="none">
+            <a:spAutoFit/>
+          </a:bodyPr>
+          <a:lstStyle/>
+          <a:p>
+            <a:r>
+              <a:rPr lang="en-US" altLang="zh-TW" dirty="0"/>
+              <a:t>the (Prior) Probability</a:t>
+            </a:r>
+            <a:endParaRPr lang="zh-TW" altLang="en-US" dirty="0"/>
+          </a:p>
+        </p:txBody>
+      </p:sp>
+      <p:cxnSp>
+        <p:nvCxnSpPr>
+          <p:cNvPr id="13" name="直線單箭頭接點 12">
+            <a:extLst>
+              <a:ext uri="{FF2B5EF4-FFF2-40B4-BE49-F238E27FC236}">
+                <a16:creationId xmlns:a16="http://schemas.microsoft.com/office/drawing/2014/main" id="{E5D9BD0F-D36C-4AF2-AD2A-EDC8E5E4370C}"/>
+              </a:ext>
+            </a:extLst>
+          </p:cNvPr>
+          <p:cNvCxnSpPr>
+            <a:stCxn id="11" idx="3"/>
+          </p:cNvCxnSpPr>
+          <p:nvPr/>
+        </p:nvCxnSpPr>
+        <p:spPr>
+          <a:xfrm flipV="1">
+            <a:off x="3654701" y="4935682"/>
+            <a:ext cx="792608" cy="651263"/>
+          </a:xfrm>
+          <a:prstGeom prst="straightConnector1">
+            <a:avLst/>
+          </a:prstGeom>
+          <a:ln>
+            <a:tailEnd type="triangle"/>
+          </a:ln>
+        </p:spPr>
+        <p:style>
+          <a:lnRef idx="1">
+            <a:schemeClr val="accent1"/>
+          </a:lnRef>
+          <a:fillRef idx="0">
+            <a:schemeClr val="accent1"/>
+          </a:fillRef>
+          <a:effectRef idx="0">
+            <a:schemeClr val="accent1"/>
+          </a:effectRef>
+          <a:fontRef idx="minor">
+            <a:schemeClr val="tx1"/>
+          </a:fontRef>
+        </p:style>
+      </p:cxnSp>
+    </p:spTree>
+    <p:extLst>
+      <p:ext uri="{BB962C8B-B14F-4D97-AF65-F5344CB8AC3E}">
+        <p14:creationId xmlns:p14="http://schemas.microsoft.com/office/powerpoint/2010/main" val="3694330613"/>
+      </p:ext>
+    </p:extLst>
+  </p:cSld>
+  <p:clrMapOvr>
+    <a:masterClrMapping/>
+  </p:clrMapOvr>
+</p:sld>
+</file>
+
+<file path=ppt/slides/slide32.xml><?xml version="1.0" encoding="utf-8"?>
+<p:sld xmlns:a="http://schemas.openxmlformats.org/drawingml/2006/main" xmlns:r="http://schemas.openxmlformats.org/officeDocument/2006/relationships" xmlns:p="http://schemas.openxmlformats.org/presentationml/2006/main">
+  <p:cSld>
+    <p:spTree>
+      <p:nvGrpSpPr>
+        <p:cNvPr id="1" name=""/>
+        <p:cNvGrpSpPr/>
+        <p:nvPr/>
+      </p:nvGrpSpPr>
+      <p:grpSpPr>
+        <a:xfrm>
+          <a:off x="0" y="0"/>
+          <a:ext cx="0" cy="0"/>
+          <a:chOff x="0" y="0"/>
+          <a:chExt cx="0" cy="0"/>
+        </a:xfrm>
+      </p:grpSpPr>
+      <p:sp>
+        <p:nvSpPr>
+          <p:cNvPr id="2" name="標題 1">
+            <a:extLst>
+              <a:ext uri="{FF2B5EF4-FFF2-40B4-BE49-F238E27FC236}">
+                <a16:creationId xmlns:a16="http://schemas.microsoft.com/office/drawing/2014/main" id="{71487F8B-23F5-40E8-9BAD-DEFD0A3D7A00}"/>
+              </a:ext>
+            </a:extLst>
+          </p:cNvPr>
+          <p:cNvSpPr>
+            <a:spLocks noGrp="1"/>
+          </p:cNvSpPr>
+          <p:nvPr>
+            <p:ph type="title"/>
+          </p:nvPr>
+        </p:nvSpPr>
+        <p:spPr/>
+        <p:txBody>
+          <a:bodyPr/>
+          <a:lstStyle/>
+          <a:p>
+            <a:endParaRPr lang="zh-TW" altLang="en-US" dirty="0"/>
+          </a:p>
+        </p:txBody>
+      </p:sp>
+      <p:sp>
+        <p:nvSpPr>
+          <p:cNvPr id="3" name="內容版面配置區 2">
+            <a:extLst>
+              <a:ext uri="{FF2B5EF4-FFF2-40B4-BE49-F238E27FC236}">
+                <a16:creationId xmlns:a16="http://schemas.microsoft.com/office/drawing/2014/main" id="{3AB9C897-862D-4E59-B660-A0B8BCFB3E1C}"/>
+              </a:ext>
+            </a:extLst>
+          </p:cNvPr>
+          <p:cNvSpPr>
+            <a:spLocks noGrp="1"/>
+          </p:cNvSpPr>
+          <p:nvPr>
+            <p:ph idx="1"/>
+          </p:nvPr>
+        </p:nvSpPr>
+        <p:spPr/>
+        <p:txBody>
+          <a:bodyPr/>
+          <a:lstStyle/>
+          <a:p>
+            <a:pPr marL="228600" marR="0" lvl="0" indent="-228600" algn="l" defTabSz="914400" rtl="0" eaLnBrk="1" fontAlgn="auto" latinLnBrk="0" hangingPunct="1">
+              <a:lnSpc>
+                <a:spcPct val="90000"/>
+              </a:lnSpc>
+              <a:spcBef>
+                <a:spcPts val="1000"/>
+              </a:spcBef>
+              <a:spcAft>
+                <a:spcPts val="0"/>
+              </a:spcAft>
+              <a:buClrTx/>
+              <a:buSzTx/>
+              <a:buFont typeface="Arial" panose="020B0604020202020204" pitchFamily="34" charset="0"/>
+              <a:buChar char="•"/>
+              <a:tabLst/>
+              <a:defRPr/>
+            </a:pPr>
+            <a:r>
+              <a:rPr lang="en-US" altLang="zh-TW" sz="2800" b="0" i="0" kern="1200" dirty="0">
+                <a:solidFill>
+                  <a:schemeClr val="tx1"/>
+                </a:solidFill>
+                <a:effectLst/>
+                <a:latin typeface="+mn-lt"/>
+                <a:ea typeface="+mn-ea"/>
+                <a:cs typeface="+mn-cs"/>
+              </a:rPr>
+              <a:t>Support vector machine</a:t>
+            </a:r>
+            <a:endParaRPr lang="en-US" altLang="zh-TW" sz="2800" b="0" i="0" kern="1200" dirty="0">
+              <a:solidFill>
+                <a:schemeClr val="tx1"/>
+              </a:solidFill>
+              <a:effectLst/>
+              <a:latin typeface="+mn-lt"/>
+              <a:ea typeface="+mn-ea"/>
+              <a:cs typeface="+mn-cs"/>
+              <a:hlinkClick r:id="rId2"/>
+            </a:endParaRPr>
+          </a:p>
+          <a:p>
+            <a:pPr marL="685800" marR="0" lvl="1" indent="-228600" algn="l" defTabSz="914400" rtl="0" eaLnBrk="1" fontAlgn="auto" latinLnBrk="0" hangingPunct="1">
+              <a:lnSpc>
+                <a:spcPct val="90000"/>
+              </a:lnSpc>
+              <a:spcBef>
+                <a:spcPts val="1000"/>
+              </a:spcBef>
+              <a:spcAft>
+                <a:spcPts val="0"/>
+              </a:spcAft>
+              <a:buClrTx/>
+              <a:buSzTx/>
+              <a:buFont typeface="Arial" panose="020B0604020202020204" pitchFamily="34" charset="0"/>
+              <a:buChar char="•"/>
+              <a:tabLst/>
+              <a:defRPr/>
+            </a:pPr>
+            <a:r>
+              <a:rPr lang="en-US" altLang="zh-TW" sz="2400" b="0" i="0" kern="1200" dirty="0">
+                <a:solidFill>
+                  <a:schemeClr val="tx1"/>
+                </a:solidFill>
+                <a:effectLst/>
+                <a:latin typeface="+mn-lt"/>
+                <a:ea typeface="+mn-ea"/>
+                <a:cs typeface="+mn-cs"/>
+                <a:hlinkClick r:id="rId2"/>
+              </a:rPr>
+              <a:t>https://en.wikipedia.org/wiki/Support_vector_machine</a:t>
+            </a:r>
+            <a:endParaRPr lang="en-US" altLang="zh-TW" sz="2400" b="0" i="0" kern="1200" dirty="0">
+              <a:solidFill>
+                <a:schemeClr val="tx1"/>
+              </a:solidFill>
+              <a:effectLst/>
+              <a:latin typeface="+mn-lt"/>
+              <a:ea typeface="+mn-ea"/>
+              <a:cs typeface="+mn-cs"/>
+            </a:endParaRPr>
+          </a:p>
+          <a:p>
+            <a:pPr marL="228600" marR="0" lvl="0" indent="-228600" algn="l" defTabSz="914400" rtl="0" eaLnBrk="1" fontAlgn="auto" latinLnBrk="0" hangingPunct="1">
+              <a:lnSpc>
+                <a:spcPct val="90000"/>
+              </a:lnSpc>
+              <a:spcBef>
+                <a:spcPts val="1000"/>
+              </a:spcBef>
+              <a:spcAft>
+                <a:spcPts val="0"/>
+              </a:spcAft>
+              <a:buClrTx/>
+              <a:buSzTx/>
+              <a:buFont typeface="Arial" panose="020B0604020202020204" pitchFamily="34" charset="0"/>
+              <a:buChar char="•"/>
+              <a:tabLst/>
+              <a:defRPr/>
+            </a:pPr>
+            <a:endParaRPr lang="en-US" altLang="zh-TW" sz="2800" b="0" i="0" kern="1200" dirty="0">
+              <a:solidFill>
+                <a:schemeClr val="tx1"/>
+              </a:solidFill>
+              <a:effectLst/>
+              <a:latin typeface="+mn-lt"/>
+              <a:ea typeface="+mn-ea"/>
+              <a:cs typeface="+mn-cs"/>
+            </a:endParaRPr>
+          </a:p>
+          <a:p>
+            <a:pPr marL="228600" marR="0" lvl="0" indent="-228600" algn="l" defTabSz="914400" rtl="0" eaLnBrk="1" fontAlgn="auto" latinLnBrk="0" hangingPunct="1">
+              <a:lnSpc>
+                <a:spcPct val="90000"/>
+              </a:lnSpc>
+              <a:spcBef>
+                <a:spcPts val="1000"/>
+              </a:spcBef>
+              <a:spcAft>
+                <a:spcPts val="0"/>
+              </a:spcAft>
+              <a:buClrTx/>
+              <a:buSzTx/>
+              <a:buFont typeface="Arial" panose="020B0604020202020204" pitchFamily="34" charset="0"/>
+              <a:buChar char="•"/>
+              <a:tabLst/>
+              <a:defRPr/>
+            </a:pPr>
+            <a:r>
+              <a:rPr lang="en-US" altLang="zh-TW" sz="2800" b="0" i="0" kern="1200" dirty="0">
+                <a:solidFill>
+                  <a:schemeClr val="tx1"/>
+                </a:solidFill>
+                <a:effectLst/>
+                <a:latin typeface="+mn-lt"/>
+                <a:ea typeface="+mn-ea"/>
+                <a:cs typeface="+mn-cs"/>
+              </a:rPr>
+              <a:t>Hinge loss</a:t>
+            </a:r>
+          </a:p>
+          <a:p>
+            <a:pPr lvl="1"/>
+            <a:r>
+              <a:rPr lang="en-US" altLang="zh-TW" dirty="0">
+                <a:hlinkClick r:id="rId3"/>
+              </a:rPr>
+              <a:t>https://en.wikipedia.org/wiki/Hinge_loss</a:t>
+            </a:r>
+            <a:endParaRPr lang="en-US" altLang="zh-TW" dirty="0"/>
+          </a:p>
+          <a:p>
+            <a:endParaRPr lang="zh-TW" altLang="en-US" dirty="0"/>
+          </a:p>
+        </p:txBody>
+      </p:sp>
+      <p:sp>
+        <p:nvSpPr>
+          <p:cNvPr id="4" name="投影片編號版面配置區 3">
+            <a:extLst>
+              <a:ext uri="{FF2B5EF4-FFF2-40B4-BE49-F238E27FC236}">
+                <a16:creationId xmlns:a16="http://schemas.microsoft.com/office/drawing/2014/main" id="{CE92B13C-72F3-4C65-A210-14611E966E96}"/>
+              </a:ext>
+            </a:extLst>
+          </p:cNvPr>
+          <p:cNvSpPr>
+            <a:spLocks noGrp="1"/>
+          </p:cNvSpPr>
+          <p:nvPr>
+            <p:ph type="sldNum" sz="quarter" idx="12"/>
+          </p:nvPr>
+        </p:nvSpPr>
+        <p:spPr/>
+        <p:txBody>
+          <a:bodyPr/>
+          <a:lstStyle/>
+          <a:p>
+            <a:fld id="{CCCC54F5-AF54-4DEE-8C8A-6B071CAEC70F}" type="slidenum">
+              <a:rPr lang="zh-TW" altLang="en-US" smtClean="0"/>
+              <a:t>32</a:t>
+            </a:fld>
+            <a:endParaRPr lang="zh-TW" altLang="en-US"/>
+          </a:p>
+        </p:txBody>
+      </p:sp>
+    </p:spTree>
+    <p:extLst>
+      <p:ext uri="{BB962C8B-B14F-4D97-AF65-F5344CB8AC3E}">
+        <p14:creationId xmlns:p14="http://schemas.microsoft.com/office/powerpoint/2010/main" val="1984532448"/>
+      </p:ext>
+    </p:extLst>
+  </p:cSld>
+  <p:clrMapOvr>
+    <a:masterClrMapping/>
+  </p:clrMapOvr>
+</p:sld>
+</file>
+
+<file path=ppt/slides/slide33.xml><?xml version="1.0" encoding="utf-8"?>
+<p:sld xmlns:a="http://schemas.openxmlformats.org/drawingml/2006/main" xmlns:r="http://schemas.openxmlformats.org/officeDocument/2006/relationships" xmlns:p="http://schemas.openxmlformats.org/presentationml/2006/main">
+  <p:cSld>
+    <p:spTree>
+      <p:nvGrpSpPr>
+        <p:cNvPr id="1" name=""/>
+        <p:cNvGrpSpPr/>
+        <p:nvPr/>
+      </p:nvGrpSpPr>
+      <p:grpSpPr>
+        <a:xfrm>
+          <a:off x="0" y="0"/>
+          <a:ext cx="0" cy="0"/>
+          <a:chOff x="0" y="0"/>
+          <a:chExt cx="0" cy="0"/>
+        </a:xfrm>
+      </p:grpSpPr>
+      <p:sp>
+        <p:nvSpPr>
+          <p:cNvPr id="2" name="標題 1">
+            <a:extLst>
+              <a:ext uri="{FF2B5EF4-FFF2-40B4-BE49-F238E27FC236}">
+                <a16:creationId xmlns:a16="http://schemas.microsoft.com/office/drawing/2014/main" id="{70668945-B7EC-4556-B1F0-83C03F8657F1}"/>
+              </a:ext>
+            </a:extLst>
+          </p:cNvPr>
+          <p:cNvSpPr>
+            <a:spLocks noGrp="1"/>
+          </p:cNvSpPr>
+          <p:nvPr>
+            <p:ph type="title"/>
+          </p:nvPr>
+        </p:nvSpPr>
+        <p:spPr/>
+        <p:txBody>
+          <a:bodyPr/>
+          <a:lstStyle/>
+          <a:p>
+            <a:endParaRPr lang="zh-TW" altLang="en-US" dirty="0"/>
+          </a:p>
+        </p:txBody>
+      </p:sp>
+      <p:sp>
+        <p:nvSpPr>
+          <p:cNvPr id="3" name="內容版面配置區 2">
+            <a:extLst>
+              <a:ext uri="{FF2B5EF4-FFF2-40B4-BE49-F238E27FC236}">
+                <a16:creationId xmlns:a16="http://schemas.microsoft.com/office/drawing/2014/main" id="{0D4F3C9B-EBB8-43D4-9DB7-7FEAFCE6A300}"/>
+              </a:ext>
+            </a:extLst>
+          </p:cNvPr>
+          <p:cNvSpPr>
+            <a:spLocks noGrp="1"/>
+          </p:cNvSpPr>
+          <p:nvPr>
+            <p:ph idx="1"/>
+          </p:nvPr>
+        </p:nvSpPr>
+        <p:spPr/>
+        <p:txBody>
+          <a:bodyPr/>
+          <a:lstStyle/>
+          <a:p>
+            <a:r>
+              <a:rPr lang="zh-TW" altLang="en-US" dirty="0"/>
+              <a:t>林智仁教授 的 </a:t>
+            </a:r>
+            <a:r>
+              <a:rPr lang="en-US" altLang="zh-TW" dirty="0"/>
+              <a:t>SVM</a:t>
+            </a:r>
+          </a:p>
+          <a:p>
+            <a:endParaRPr lang="en-US" altLang="zh-TW" dirty="0"/>
+          </a:p>
+          <a:p>
+            <a:pPr lvl="1"/>
+            <a:r>
+              <a:rPr lang="en-US" altLang="zh-TW" dirty="0">
+                <a:hlinkClick r:id="rId2"/>
+              </a:rPr>
+              <a:t>https://www.csie.ntu.edu.tw/~cjlin/libsvm/</a:t>
+            </a:r>
+            <a:endParaRPr lang="en-US" altLang="zh-TW" dirty="0"/>
+          </a:p>
+          <a:p>
+            <a:pPr lvl="1"/>
+            <a:endParaRPr lang="en-US" altLang="zh-TW" dirty="0"/>
+          </a:p>
+          <a:p>
+            <a:pPr lvl="1"/>
+            <a:r>
+              <a:rPr lang="en-US" altLang="zh-TW" dirty="0">
+                <a:hlinkClick r:id="rId3"/>
+              </a:rPr>
+              <a:t>https://www.csie.ntu.edu.tw/~cjlin/papers/libsvm.pdf</a:t>
+            </a:r>
+            <a:endParaRPr lang="en-US" altLang="zh-TW" dirty="0"/>
+          </a:p>
+          <a:p>
+            <a:pPr lvl="1"/>
+            <a:endParaRPr lang="en-US" altLang="zh-TW" dirty="0"/>
+          </a:p>
+          <a:p>
+            <a:pPr lvl="1"/>
+            <a:r>
+              <a:rPr lang="en-US" altLang="zh-TW" dirty="0">
+                <a:hlinkClick r:id="rId4"/>
+              </a:rPr>
+              <a:t>https://www.csie.ntu.edu.tw/~cjlin/papers/guide/guide.pdf</a:t>
+            </a:r>
+            <a:endParaRPr lang="en-US" altLang="zh-TW" dirty="0"/>
+          </a:p>
+          <a:p>
+            <a:pPr lvl="1"/>
+            <a:endParaRPr lang="en-US" altLang="zh-TW" dirty="0"/>
+          </a:p>
+          <a:p>
+            <a:pPr lvl="1"/>
+            <a:endParaRPr lang="zh-TW" altLang="en-US" dirty="0"/>
+          </a:p>
+        </p:txBody>
+      </p:sp>
+      <p:sp>
+        <p:nvSpPr>
+          <p:cNvPr id="4" name="投影片編號版面配置區 3">
+            <a:extLst>
+              <a:ext uri="{FF2B5EF4-FFF2-40B4-BE49-F238E27FC236}">
+                <a16:creationId xmlns:a16="http://schemas.microsoft.com/office/drawing/2014/main" id="{33668A95-94A4-4B5B-9D9F-C06893B30BC4}"/>
+              </a:ext>
+            </a:extLst>
+          </p:cNvPr>
+          <p:cNvSpPr>
+            <a:spLocks noGrp="1"/>
+          </p:cNvSpPr>
+          <p:nvPr>
+            <p:ph type="sldNum" sz="quarter" idx="12"/>
+          </p:nvPr>
+        </p:nvSpPr>
+        <p:spPr/>
+        <p:txBody>
+          <a:bodyPr/>
+          <a:lstStyle/>
+          <a:p>
+            <a:fld id="{CCCC54F5-AF54-4DEE-8C8A-6B071CAEC70F}" type="slidenum">
+              <a:rPr lang="zh-TW" altLang="en-US" smtClean="0"/>
+              <a:t>33</a:t>
+            </a:fld>
+            <a:endParaRPr lang="zh-TW" altLang="en-US"/>
+          </a:p>
+        </p:txBody>
+      </p:sp>
+    </p:spTree>
+    <p:extLst>
+      <p:ext uri="{BB962C8B-B14F-4D97-AF65-F5344CB8AC3E}">
+        <p14:creationId xmlns:p14="http://schemas.microsoft.com/office/powerpoint/2010/main" val="3133043231"/>
+      </p:ext>
+    </p:extLst>
+  </p:cSld>
+  <p:clrMapOvr>
+    <a:masterClrMapping/>
+  </p:clrMapOvr>
+</p:sld>
+</file>
+
+<file path=ppt/slides/slide34.xml><?xml version="1.0" encoding="utf-8"?>
+<p:sld xmlns:a="http://schemas.openxmlformats.org/drawingml/2006/main" xmlns:r="http://schemas.openxmlformats.org/officeDocument/2006/relationships" xmlns:p="http://schemas.openxmlformats.org/presentationml/2006/main">
+  <p:cSld>
+    <p:spTree>
+      <p:nvGrpSpPr>
+        <p:cNvPr id="1" name=""/>
+        <p:cNvGrpSpPr/>
+        <p:nvPr/>
+      </p:nvGrpSpPr>
+      <p:grpSpPr>
+        <a:xfrm>
+          <a:off x="0" y="0"/>
+          <a:ext cx="0" cy="0"/>
+          <a:chOff x="0" y="0"/>
+          <a:chExt cx="0" cy="0"/>
+        </a:xfrm>
+      </p:grpSpPr>
+      <p:sp>
+        <p:nvSpPr>
           <p:cNvPr id="2" name="標題 1">
             <a:extLst>
               <a:ext uri="{FF2B5EF4-FFF2-40B4-BE49-F238E27FC236}">
@@ -14758,7 +21894,7 @@
           <a:p>
             <a:fld id="{CCCC54F5-AF54-4DEE-8C8A-6B071CAEC70F}" type="slidenum">
               <a:rPr lang="zh-TW" altLang="en-US" smtClean="0"/>
-              <a:t>30</a:t>
+              <a:t>34</a:t>
             </a:fld>
             <a:endParaRPr lang="zh-TW" altLang="en-US"/>
           </a:p>
@@ -14807,7 +21943,7 @@
 </p:sld>
 </file>
 
-<file path=ppt/slides/slide31.xml><?xml version="1.0" encoding="utf-8"?>
+<file path=ppt/slides/slide35.xml><?xml version="1.0" encoding="utf-8"?>
 <p:sld xmlns:a="http://schemas.openxmlformats.org/drawingml/2006/main" xmlns:r="http://schemas.openxmlformats.org/officeDocument/2006/relationships" xmlns:p="http://schemas.openxmlformats.org/presentationml/2006/main">
   <p:cSld>
     <p:spTree>
@@ -14897,7 +22033,7 @@
           <a:p>
             <a:fld id="{CCCC54F5-AF54-4DEE-8C8A-6B071CAEC70F}" type="slidenum">
               <a:rPr lang="zh-TW" altLang="en-US" smtClean="0"/>
-              <a:t>31</a:t>
+              <a:t>35</a:t>
             </a:fld>
             <a:endParaRPr lang="zh-TW" altLang="en-US"/>
           </a:p>

--- a/_Notes/03_Ch03.pptx
+++ b/_Notes/03_Ch03.pptx
@@ -5,7 +5,7 @@
     <p:sldMasterId id="2147483648" r:id="rId1"/>
   </p:sldMasterIdLst>
   <p:notesMasterIdLst>
-    <p:notesMasterId r:id="rId37"/>
+    <p:notesMasterId r:id="rId45"/>
   </p:notesMasterIdLst>
   <p:sldIdLst>
     <p:sldId id="256" r:id="rId2"/>
@@ -39,10 +39,18 @@
     <p:sldId id="294" r:id="rId30"/>
     <p:sldId id="295" r:id="rId31"/>
     <p:sldId id="296" r:id="rId32"/>
-    <p:sldId id="283" r:id="rId33"/>
-    <p:sldId id="285" r:id="rId34"/>
-    <p:sldId id="286" r:id="rId35"/>
-    <p:sldId id="288" r:id="rId36"/>
+    <p:sldId id="299" r:id="rId33"/>
+    <p:sldId id="300" r:id="rId34"/>
+    <p:sldId id="301" r:id="rId35"/>
+    <p:sldId id="302" r:id="rId36"/>
+    <p:sldId id="283" r:id="rId37"/>
+    <p:sldId id="285" r:id="rId38"/>
+    <p:sldId id="286" r:id="rId39"/>
+    <p:sldId id="288" r:id="rId40"/>
+    <p:sldId id="297" r:id="rId41"/>
+    <p:sldId id="298" r:id="rId42"/>
+    <p:sldId id="303" r:id="rId43"/>
+    <p:sldId id="304" r:id="rId44"/>
   </p:sldIdLst>
   <p:sldSz cx="12192000" cy="6858000"/>
   <p:notesSz cx="6858000" cy="9144000"/>
@@ -152,14 +160,531 @@
 <file path=ppt/revisionInfo.xml><?xml version="1.0" encoding="utf-8"?>
 <p1510:revInfo xmlns:a="http://schemas.openxmlformats.org/drawingml/2006/main" xmlns:r="http://schemas.openxmlformats.org/officeDocument/2006/relationships" xmlns:p1510="http://schemas.microsoft.com/office/powerpoint/2015/10/main">
   <p1510:revLst>
-    <p1510:client id="{2C80F086-841D-467C-90DD-7B623516EE48}" v="127" dt="2018-10-18T02:21:53.813"/>
-    <p1510:client id="{1E327210-1C83-47B9-AD7A-7CFAF9480590}" v="1548" dt="2018-10-18T06:39:37.950"/>
+    <p1510:client id="{2C80F086-841D-467C-90DD-7B623516EE48}" v="239" dt="2018-10-27T12:13:14.496"/>
   </p1510:revLst>
 </p1510:revInfo>
 </file>
 
 <file path=ppt/changesInfos/changesInfo1.xml><?xml version="1.0" encoding="utf-8"?>
 <pc:chgInfo xmlns:a="http://schemas.openxmlformats.org/drawingml/2006/main" xmlns:r="http://schemas.openxmlformats.org/officeDocument/2006/relationships" xmlns:ac="http://schemas.microsoft.com/office/drawing/2013/main/command" xmlns:pc="http://schemas.microsoft.com/office/powerpoint/2013/main/command">
+  <pc:docChgLst>
+    <pc:chgData name="Renyuan Lyu" userId="eadeb139afb46539" providerId="LiveId" clId="{2C80F086-841D-467C-90DD-7B623516EE48}"/>
+    <pc:docChg chg="undo custSel addSld modSld">
+      <pc:chgData name="Renyuan Lyu" userId="eadeb139afb46539" providerId="LiveId" clId="{2C80F086-841D-467C-90DD-7B623516EE48}" dt="2018-10-27T12:13:38.565" v="1251" actId="478"/>
+      <pc:docMkLst>
+        <pc:docMk/>
+      </pc:docMkLst>
+      <pc:sldChg chg="modSp">
+        <pc:chgData name="Renyuan Lyu" userId="eadeb139afb46539" providerId="LiveId" clId="{2C80F086-841D-467C-90DD-7B623516EE48}" dt="2018-10-25T15:20:27.749" v="1185" actId="20577"/>
+        <pc:sldMkLst>
+          <pc:docMk/>
+          <pc:sldMk cId="4075473272" sldId="256"/>
+        </pc:sldMkLst>
+        <pc:spChg chg="mod">
+          <ac:chgData name="Renyuan Lyu" userId="eadeb139afb46539" providerId="LiveId" clId="{2C80F086-841D-467C-90DD-7B623516EE48}" dt="2018-10-25T15:20:27.749" v="1185" actId="20577"/>
+          <ac:spMkLst>
+            <pc:docMk/>
+            <pc:sldMk cId="4075473272" sldId="256"/>
+            <ac:spMk id="3" creationId="{9B0E02DB-598E-4D17-BE3F-E7C1A2BFAAC0}"/>
+          </ac:spMkLst>
+        </pc:spChg>
+      </pc:sldChg>
+      <pc:sldChg chg="modSp">
+        <pc:chgData name="Renyuan Lyu" userId="eadeb139afb46539" providerId="LiveId" clId="{2C80F086-841D-467C-90DD-7B623516EE48}" dt="2018-10-25T15:11:07.415" v="1035" actId="20577"/>
+        <pc:sldMkLst>
+          <pc:docMk/>
+          <pc:sldMk cId="1984532448" sldId="283"/>
+        </pc:sldMkLst>
+        <pc:spChg chg="mod">
+          <ac:chgData name="Renyuan Lyu" userId="eadeb139afb46539" providerId="LiveId" clId="{2C80F086-841D-467C-90DD-7B623516EE48}" dt="2018-10-25T15:11:07.415" v="1035" actId="20577"/>
+          <ac:spMkLst>
+            <pc:docMk/>
+            <pc:sldMk cId="1984532448" sldId="283"/>
+            <ac:spMk id="2" creationId="{71487F8B-23F5-40E8-9BAD-DEFD0A3D7A00}"/>
+          </ac:spMkLst>
+        </pc:spChg>
+      </pc:sldChg>
+      <pc:sldChg chg="addSp modSp">
+        <pc:chgData name="Renyuan Lyu" userId="eadeb139afb46539" providerId="LiveId" clId="{2C80F086-841D-467C-90DD-7B623516EE48}" dt="2018-10-25T11:35:37.539" v="256" actId="1076"/>
+        <pc:sldMkLst>
+          <pc:docMk/>
+          <pc:sldMk cId="1348529545" sldId="288"/>
+        </pc:sldMkLst>
+        <pc:spChg chg="mod">
+          <ac:chgData name="Renyuan Lyu" userId="eadeb139afb46539" providerId="LiveId" clId="{2C80F086-841D-467C-90DD-7B623516EE48}" dt="2018-10-25T02:10:04.791" v="14"/>
+          <ac:spMkLst>
+            <pc:docMk/>
+            <pc:sldMk cId="1348529545" sldId="288"/>
+            <ac:spMk id="2" creationId="{D86A72C5-C883-43C9-B6BE-CFBE1FEBE990}"/>
+          </ac:spMkLst>
+        </pc:spChg>
+        <pc:spChg chg="mod">
+          <ac:chgData name="Renyuan Lyu" userId="eadeb139afb46539" providerId="LiveId" clId="{2C80F086-841D-467C-90DD-7B623516EE48}" dt="2018-10-25T03:04:38.050" v="255" actId="20577"/>
+          <ac:spMkLst>
+            <pc:docMk/>
+            <pc:sldMk cId="1348529545" sldId="288"/>
+            <ac:spMk id="3" creationId="{CD5AE00C-D37A-497C-BD2D-AF875F46078D}"/>
+          </ac:spMkLst>
+        </pc:spChg>
+        <pc:picChg chg="add mod ord">
+          <ac:chgData name="Renyuan Lyu" userId="eadeb139afb46539" providerId="LiveId" clId="{2C80F086-841D-467C-90DD-7B623516EE48}" dt="2018-10-25T11:35:37.539" v="256" actId="1076"/>
+          <ac:picMkLst>
+            <pc:docMk/>
+            <pc:sldMk cId="1348529545" sldId="288"/>
+            <ac:picMk id="5" creationId="{5A79704D-BB41-4E8C-8A63-E784F363EE74}"/>
+          </ac:picMkLst>
+        </pc:picChg>
+      </pc:sldChg>
+      <pc:sldChg chg="addSp modSp add">
+        <pc:chgData name="Renyuan Lyu" userId="eadeb139afb46539" providerId="LiveId" clId="{2C80F086-841D-467C-90DD-7B623516EE48}" dt="2018-10-25T12:17:32.711" v="274" actId="14100"/>
+        <pc:sldMkLst>
+          <pc:docMk/>
+          <pc:sldMk cId="1716915616" sldId="297"/>
+        </pc:sldMkLst>
+        <pc:spChg chg="mod">
+          <ac:chgData name="Renyuan Lyu" userId="eadeb139afb46539" providerId="LiveId" clId="{2C80F086-841D-467C-90DD-7B623516EE48}" dt="2018-10-25T12:06:23.934" v="259" actId="20577"/>
+          <ac:spMkLst>
+            <pc:docMk/>
+            <pc:sldMk cId="1716915616" sldId="297"/>
+            <ac:spMk id="2" creationId="{C61CBA17-23BF-4FB2-B3A5-65EC7714C4C3}"/>
+          </ac:spMkLst>
+        </pc:spChg>
+        <pc:spChg chg="mod">
+          <ac:chgData name="Renyuan Lyu" userId="eadeb139afb46539" providerId="LiveId" clId="{2C80F086-841D-467C-90DD-7B623516EE48}" dt="2018-10-25T12:06:31.648" v="261" actId="20577"/>
+          <ac:spMkLst>
+            <pc:docMk/>
+            <pc:sldMk cId="1716915616" sldId="297"/>
+            <ac:spMk id="3" creationId="{5A91A52F-3326-45CF-88B3-06C9C909E5B1}"/>
+          </ac:spMkLst>
+        </pc:spChg>
+        <pc:picChg chg="add mod">
+          <ac:chgData name="Renyuan Lyu" userId="eadeb139afb46539" providerId="LiveId" clId="{2C80F086-841D-467C-90DD-7B623516EE48}" dt="2018-10-25T12:17:32.711" v="274" actId="14100"/>
+          <ac:picMkLst>
+            <pc:docMk/>
+            <pc:sldMk cId="1716915616" sldId="297"/>
+            <ac:picMk id="5" creationId="{68A0FA7B-6142-4001-A2EA-45B4A43801F1}"/>
+          </ac:picMkLst>
+        </pc:picChg>
+      </pc:sldChg>
+      <pc:sldChg chg="addSp modSp add">
+        <pc:chgData name="Renyuan Lyu" userId="eadeb139afb46539" providerId="LiveId" clId="{2C80F086-841D-467C-90DD-7B623516EE48}" dt="2018-10-25T12:17:23.229" v="273" actId="14100"/>
+        <pc:sldMkLst>
+          <pc:docMk/>
+          <pc:sldMk cId="1130088433" sldId="298"/>
+        </pc:sldMkLst>
+        <pc:spChg chg="mod">
+          <ac:chgData name="Renyuan Lyu" userId="eadeb139afb46539" providerId="LiveId" clId="{2C80F086-841D-467C-90DD-7B623516EE48}" dt="2018-10-25T12:11:28.744" v="267" actId="20577"/>
+          <ac:spMkLst>
+            <pc:docMk/>
+            <pc:sldMk cId="1130088433" sldId="298"/>
+            <ac:spMk id="2" creationId="{75376DAF-38B5-455F-9947-0D012778494A}"/>
+          </ac:spMkLst>
+        </pc:spChg>
+        <pc:spChg chg="mod">
+          <ac:chgData name="Renyuan Lyu" userId="eadeb139afb46539" providerId="LiveId" clId="{2C80F086-841D-467C-90DD-7B623516EE48}" dt="2018-10-25T12:11:42.338" v="270" actId="14100"/>
+          <ac:spMkLst>
+            <pc:docMk/>
+            <pc:sldMk cId="1130088433" sldId="298"/>
+            <ac:spMk id="3" creationId="{499C34D6-931F-4806-933A-92D2E424E506}"/>
+          </ac:spMkLst>
+        </pc:spChg>
+        <pc:picChg chg="add mod">
+          <ac:chgData name="Renyuan Lyu" userId="eadeb139afb46539" providerId="LiveId" clId="{2C80F086-841D-467C-90DD-7B623516EE48}" dt="2018-10-25T12:17:23.229" v="273" actId="14100"/>
+          <ac:picMkLst>
+            <pc:docMk/>
+            <pc:sldMk cId="1130088433" sldId="298"/>
+            <ac:picMk id="5" creationId="{20A839F8-DABF-4100-86E1-95639C93EB62}"/>
+          </ac:picMkLst>
+        </pc:picChg>
+      </pc:sldChg>
+      <pc:sldChg chg="addSp delSp modSp add">
+        <pc:chgData name="Renyuan Lyu" userId="eadeb139afb46539" providerId="LiveId" clId="{2C80F086-841D-467C-90DD-7B623516EE48}" dt="2018-10-25T15:09:03.711" v="1011" actId="20577"/>
+        <pc:sldMkLst>
+          <pc:docMk/>
+          <pc:sldMk cId="1838939413" sldId="299"/>
+        </pc:sldMkLst>
+        <pc:spChg chg="mod">
+          <ac:chgData name="Renyuan Lyu" userId="eadeb139afb46539" providerId="LiveId" clId="{2C80F086-841D-467C-90DD-7B623516EE48}" dt="2018-10-25T14:07:05.614" v="635" actId="14100"/>
+          <ac:spMkLst>
+            <pc:docMk/>
+            <pc:sldMk cId="1838939413" sldId="299"/>
+            <ac:spMk id="2" creationId="{E9DEBB2A-03BE-4658-9EC5-62650DA113E4}"/>
+          </ac:spMkLst>
+        </pc:spChg>
+        <pc:spChg chg="del mod">
+          <ac:chgData name="Renyuan Lyu" userId="eadeb139afb46539" providerId="LiveId" clId="{2C80F086-841D-467C-90DD-7B623516EE48}" dt="2018-10-25T13:51:35.323" v="289" actId="478"/>
+          <ac:spMkLst>
+            <pc:docMk/>
+            <pc:sldMk cId="1838939413" sldId="299"/>
+            <ac:spMk id="3" creationId="{9ACE0C0F-1835-41C4-9021-5AC2D76CB09A}"/>
+          </ac:spMkLst>
+        </pc:spChg>
+        <pc:spChg chg="add mod">
+          <ac:chgData name="Renyuan Lyu" userId="eadeb139afb46539" providerId="LiveId" clId="{2C80F086-841D-467C-90DD-7B623516EE48}" dt="2018-10-25T14:09:41.135" v="717" actId="14100"/>
+          <ac:spMkLst>
+            <pc:docMk/>
+            <pc:sldMk cId="1838939413" sldId="299"/>
+            <ac:spMk id="8" creationId="{B8563327-7C6F-4A29-B2E3-2D99D67FEB20}"/>
+          </ac:spMkLst>
+        </pc:spChg>
+        <pc:spChg chg="add mod">
+          <ac:chgData name="Renyuan Lyu" userId="eadeb139afb46539" providerId="LiveId" clId="{2C80F086-841D-467C-90DD-7B623516EE48}" dt="2018-10-25T14:00:20.994" v="444" actId="13926"/>
+          <ac:spMkLst>
+            <pc:docMk/>
+            <pc:sldMk cId="1838939413" sldId="299"/>
+            <ac:spMk id="10" creationId="{FD774296-DA5D-43C6-9350-3C4ACAD8D09E}"/>
+          </ac:spMkLst>
+        </pc:spChg>
+        <pc:spChg chg="add mod">
+          <ac:chgData name="Renyuan Lyu" userId="eadeb139afb46539" providerId="LiveId" clId="{2C80F086-841D-467C-90DD-7B623516EE48}" dt="2018-10-25T15:09:03.711" v="1011" actId="20577"/>
+          <ac:spMkLst>
+            <pc:docMk/>
+            <pc:sldMk cId="1838939413" sldId="299"/>
+            <ac:spMk id="11" creationId="{CF073ADD-73B3-487C-A8D6-61DF748FC51E}"/>
+          </ac:spMkLst>
+        </pc:spChg>
+        <pc:spChg chg="add mod">
+          <ac:chgData name="Renyuan Lyu" userId="eadeb139afb46539" providerId="LiveId" clId="{2C80F086-841D-467C-90DD-7B623516EE48}" dt="2018-10-25T14:10:41.089" v="735" actId="1076"/>
+          <ac:spMkLst>
+            <pc:docMk/>
+            <pc:sldMk cId="1838939413" sldId="299"/>
+            <ac:spMk id="12" creationId="{5F2CB413-DE27-4E86-91DD-CF9DC410E767}"/>
+          </ac:spMkLst>
+        </pc:spChg>
+        <pc:grpChg chg="add mod">
+          <ac:chgData name="Renyuan Lyu" userId="eadeb139afb46539" providerId="LiveId" clId="{2C80F086-841D-467C-90DD-7B623516EE48}" dt="2018-10-25T14:12:02.893" v="760" actId="1076"/>
+          <ac:grpSpMkLst>
+            <pc:docMk/>
+            <pc:sldMk cId="1838939413" sldId="299"/>
+            <ac:grpSpMk id="13" creationId="{DAB6BF59-7F4D-45D3-A668-F1B4924E65A3}"/>
+          </ac:grpSpMkLst>
+        </pc:grpChg>
+        <pc:picChg chg="add mod">
+          <ac:chgData name="Renyuan Lyu" userId="eadeb139afb46539" providerId="LiveId" clId="{2C80F086-841D-467C-90DD-7B623516EE48}" dt="2018-10-25T14:11:59.500" v="759" actId="208"/>
+          <ac:picMkLst>
+            <pc:docMk/>
+            <pc:sldMk cId="1838939413" sldId="299"/>
+            <ac:picMk id="5" creationId="{27D6208C-75B6-4BD4-A721-E7F3ECCF1149}"/>
+          </ac:picMkLst>
+        </pc:picChg>
+        <pc:picChg chg="add mod">
+          <ac:chgData name="Renyuan Lyu" userId="eadeb139afb46539" providerId="LiveId" clId="{2C80F086-841D-467C-90DD-7B623516EE48}" dt="2018-10-25T14:10:35.155" v="734" actId="1076"/>
+          <ac:picMkLst>
+            <pc:docMk/>
+            <pc:sldMk cId="1838939413" sldId="299"/>
+            <ac:picMk id="6" creationId="{65B845F1-1543-489E-8D53-69D50775C1DC}"/>
+          </ac:picMkLst>
+        </pc:picChg>
+        <pc:picChg chg="add mod">
+          <ac:chgData name="Renyuan Lyu" userId="eadeb139afb46539" providerId="LiveId" clId="{2C80F086-841D-467C-90DD-7B623516EE48}" dt="2018-10-25T13:57:11.053" v="350" actId="1076"/>
+          <ac:picMkLst>
+            <pc:docMk/>
+            <pc:sldMk cId="1838939413" sldId="299"/>
+            <ac:picMk id="7" creationId="{E5F1AA54-B89A-4F94-913C-E53CC4689A3D}"/>
+          </ac:picMkLst>
+        </pc:picChg>
+        <pc:picChg chg="add mod">
+          <ac:chgData name="Renyuan Lyu" userId="eadeb139afb46539" providerId="LiveId" clId="{2C80F086-841D-467C-90DD-7B623516EE48}" dt="2018-10-25T14:00:27.638" v="445" actId="1076"/>
+          <ac:picMkLst>
+            <pc:docMk/>
+            <pc:sldMk cId="1838939413" sldId="299"/>
+            <ac:picMk id="9" creationId="{6CF25DD4-6B82-44B7-91E5-B01F43D5AD1A}"/>
+          </ac:picMkLst>
+        </pc:picChg>
+      </pc:sldChg>
+      <pc:sldChg chg="addSp delSp modSp add">
+        <pc:chgData name="Renyuan Lyu" userId="eadeb139afb46539" providerId="LiveId" clId="{2C80F086-841D-467C-90DD-7B623516EE48}" dt="2018-10-25T15:05:11.117" v="907" actId="1076"/>
+        <pc:sldMkLst>
+          <pc:docMk/>
+          <pc:sldMk cId="868714278" sldId="300"/>
+        </pc:sldMkLst>
+        <pc:spChg chg="del">
+          <ac:chgData name="Renyuan Lyu" userId="eadeb139afb46539" providerId="LiveId" clId="{2C80F086-841D-467C-90DD-7B623516EE48}" dt="2018-10-25T14:47:27.429" v="775" actId="478"/>
+          <ac:spMkLst>
+            <pc:docMk/>
+            <pc:sldMk cId="868714278" sldId="300"/>
+            <ac:spMk id="2" creationId="{CEEFAEB8-D005-4DB0-8831-059712B8970E}"/>
+          </ac:spMkLst>
+        </pc:spChg>
+        <pc:spChg chg="del mod">
+          <ac:chgData name="Renyuan Lyu" userId="eadeb139afb46539" providerId="LiveId" clId="{2C80F086-841D-467C-90DD-7B623516EE48}" dt="2018-10-25T14:47:23.429" v="774" actId="478"/>
+          <ac:spMkLst>
+            <pc:docMk/>
+            <pc:sldMk cId="868714278" sldId="300"/>
+            <ac:spMk id="3" creationId="{BF2AAF85-E5F3-4E46-9EDD-0AD35D7D20A9}"/>
+          </ac:spMkLst>
+        </pc:spChg>
+        <pc:spChg chg="add mod">
+          <ac:chgData name="Renyuan Lyu" userId="eadeb139afb46539" providerId="LiveId" clId="{2C80F086-841D-467C-90DD-7B623516EE48}" dt="2018-10-25T15:04:42.923" v="905" actId="207"/>
+          <ac:spMkLst>
+            <pc:docMk/>
+            <pc:sldMk cId="868714278" sldId="300"/>
+            <ac:spMk id="13" creationId="{DF2923E7-53B3-4F10-A0BA-4EF2C7117E3E}"/>
+          </ac:spMkLst>
+        </pc:spChg>
+        <pc:spChg chg="add mod">
+          <ac:chgData name="Renyuan Lyu" userId="eadeb139afb46539" providerId="LiveId" clId="{2C80F086-841D-467C-90DD-7B623516EE48}" dt="2018-10-25T15:04:52.962" v="906" actId="207"/>
+          <ac:spMkLst>
+            <pc:docMk/>
+            <pc:sldMk cId="868714278" sldId="300"/>
+            <ac:spMk id="14" creationId="{76A8F844-AA02-4173-8E0B-BF1A80DE6860}"/>
+          </ac:spMkLst>
+        </pc:spChg>
+        <pc:picChg chg="add mod">
+          <ac:chgData name="Renyuan Lyu" userId="eadeb139afb46539" providerId="LiveId" clId="{2C80F086-841D-467C-90DD-7B623516EE48}" dt="2018-10-25T15:01:05.920" v="898" actId="1076"/>
+          <ac:picMkLst>
+            <pc:docMk/>
+            <pc:sldMk cId="868714278" sldId="300"/>
+            <ac:picMk id="5" creationId="{BBED0938-F073-4270-8522-5B166ECFADE8}"/>
+          </ac:picMkLst>
+        </pc:picChg>
+        <pc:picChg chg="add mod">
+          <ac:chgData name="Renyuan Lyu" userId="eadeb139afb46539" providerId="LiveId" clId="{2C80F086-841D-467C-90DD-7B623516EE48}" dt="2018-10-25T14:56:23.701" v="854" actId="1076"/>
+          <ac:picMkLst>
+            <pc:docMk/>
+            <pc:sldMk cId="868714278" sldId="300"/>
+            <ac:picMk id="6" creationId="{E4519311-8C0F-486A-940B-3DFCDD85B7C4}"/>
+          </ac:picMkLst>
+        </pc:picChg>
+        <pc:picChg chg="add mod">
+          <ac:chgData name="Renyuan Lyu" userId="eadeb139afb46539" providerId="LiveId" clId="{2C80F086-841D-467C-90DD-7B623516EE48}" dt="2018-10-25T14:56:18.863" v="853" actId="1076"/>
+          <ac:picMkLst>
+            <pc:docMk/>
+            <pc:sldMk cId="868714278" sldId="300"/>
+            <ac:picMk id="7" creationId="{9FDF2E0B-BBD3-4D49-A189-4BFF5F81329B}"/>
+          </ac:picMkLst>
+        </pc:picChg>
+        <pc:picChg chg="add mod">
+          <ac:chgData name="Renyuan Lyu" userId="eadeb139afb46539" providerId="LiveId" clId="{2C80F086-841D-467C-90DD-7B623516EE48}" dt="2018-10-25T15:01:11.530" v="899" actId="1076"/>
+          <ac:picMkLst>
+            <pc:docMk/>
+            <pc:sldMk cId="868714278" sldId="300"/>
+            <ac:picMk id="8" creationId="{89C75F92-FB10-48A7-BB6D-1C50C3B028F1}"/>
+          </ac:picMkLst>
+        </pc:picChg>
+        <pc:picChg chg="add mod">
+          <ac:chgData name="Renyuan Lyu" userId="eadeb139afb46539" providerId="LiveId" clId="{2C80F086-841D-467C-90DD-7B623516EE48}" dt="2018-10-25T15:05:11.117" v="907" actId="1076"/>
+          <ac:picMkLst>
+            <pc:docMk/>
+            <pc:sldMk cId="868714278" sldId="300"/>
+            <ac:picMk id="9" creationId="{731444C0-BADC-4BDA-92E2-49259CD8B51E}"/>
+          </ac:picMkLst>
+        </pc:picChg>
+        <pc:picChg chg="add mod ord">
+          <ac:chgData name="Renyuan Lyu" userId="eadeb139afb46539" providerId="LiveId" clId="{2C80F086-841D-467C-90DD-7B623516EE48}" dt="2018-10-25T15:00:46.021" v="895" actId="1076"/>
+          <ac:picMkLst>
+            <pc:docMk/>
+            <pc:sldMk cId="868714278" sldId="300"/>
+            <ac:picMk id="10" creationId="{440321B8-828B-4785-9066-8F2238BEB43B}"/>
+          </ac:picMkLst>
+        </pc:picChg>
+        <pc:picChg chg="add del mod">
+          <ac:chgData name="Renyuan Lyu" userId="eadeb139afb46539" providerId="LiveId" clId="{2C80F086-841D-467C-90DD-7B623516EE48}" dt="2018-10-25T14:54:35.843" v="835"/>
+          <ac:picMkLst>
+            <pc:docMk/>
+            <pc:sldMk cId="868714278" sldId="300"/>
+            <ac:picMk id="11" creationId="{8213E498-3348-4AD2-AE43-DE2524EDC78A}"/>
+          </ac:picMkLst>
+        </pc:picChg>
+        <pc:picChg chg="add mod">
+          <ac:chgData name="Renyuan Lyu" userId="eadeb139afb46539" providerId="LiveId" clId="{2C80F086-841D-467C-90DD-7B623516EE48}" dt="2018-10-25T14:59:12.134" v="885" actId="1076"/>
+          <ac:picMkLst>
+            <pc:docMk/>
+            <pc:sldMk cId="868714278" sldId="300"/>
+            <ac:picMk id="12" creationId="{8A6A6415-BA1F-4CF1-A52C-5F926B0EA849}"/>
+          </ac:picMkLst>
+        </pc:picChg>
+      </pc:sldChg>
+      <pc:sldChg chg="addSp modSp add">
+        <pc:chgData name="Renyuan Lyu" userId="eadeb139afb46539" providerId="LiveId" clId="{2C80F086-841D-467C-90DD-7B623516EE48}" dt="2018-10-25T15:08:00.114" v="1000" actId="1076"/>
+        <pc:sldMkLst>
+          <pc:docMk/>
+          <pc:sldMk cId="523181951" sldId="301"/>
+        </pc:sldMkLst>
+        <pc:spChg chg="mod">
+          <ac:chgData name="Renyuan Lyu" userId="eadeb139afb46539" providerId="LiveId" clId="{2C80F086-841D-467C-90DD-7B623516EE48}" dt="2018-10-25T15:07:44.401" v="996" actId="14100"/>
+          <ac:spMkLst>
+            <pc:docMk/>
+            <pc:sldMk cId="523181951" sldId="301"/>
+            <ac:spMk id="3" creationId="{8A2292EB-DBAF-4B87-B2A3-C03E9CE25B89}"/>
+          </ac:spMkLst>
+        </pc:spChg>
+        <pc:picChg chg="add mod">
+          <ac:chgData name="Renyuan Lyu" userId="eadeb139afb46539" providerId="LiveId" clId="{2C80F086-841D-467C-90DD-7B623516EE48}" dt="2018-10-25T15:07:57.597" v="999" actId="1076"/>
+          <ac:picMkLst>
+            <pc:docMk/>
+            <pc:sldMk cId="523181951" sldId="301"/>
+            <ac:picMk id="5" creationId="{65A40C67-E602-4D64-9002-53A921C417FF}"/>
+          </ac:picMkLst>
+        </pc:picChg>
+        <pc:picChg chg="add mod">
+          <ac:chgData name="Renyuan Lyu" userId="eadeb139afb46539" providerId="LiveId" clId="{2C80F086-841D-467C-90DD-7B623516EE48}" dt="2018-10-25T15:08:00.114" v="1000" actId="1076"/>
+          <ac:picMkLst>
+            <pc:docMk/>
+            <pc:sldMk cId="523181951" sldId="301"/>
+            <ac:picMk id="6" creationId="{9AF41647-395F-46E5-863B-EA29A28D03F3}"/>
+          </ac:picMkLst>
+        </pc:picChg>
+      </pc:sldChg>
+      <pc:sldChg chg="addSp delSp modSp add">
+        <pc:chgData name="Renyuan Lyu" userId="eadeb139afb46539" providerId="LiveId" clId="{2C80F086-841D-467C-90DD-7B623516EE48}" dt="2018-10-25T15:19:12.145" v="1142" actId="207"/>
+        <pc:sldMkLst>
+          <pc:docMk/>
+          <pc:sldMk cId="834593805" sldId="302"/>
+        </pc:sldMkLst>
+        <pc:spChg chg="mod">
+          <ac:chgData name="Renyuan Lyu" userId="eadeb139afb46539" providerId="LiveId" clId="{2C80F086-841D-467C-90DD-7B623516EE48}" dt="2018-10-25T15:09:49.508" v="1019" actId="20577"/>
+          <ac:spMkLst>
+            <pc:docMk/>
+            <pc:sldMk cId="834593805" sldId="302"/>
+            <ac:spMk id="3" creationId="{467FB7A7-DEBA-41F3-A065-20C4758A038B}"/>
+          </ac:spMkLst>
+        </pc:spChg>
+        <pc:spChg chg="del topLvl">
+          <ac:chgData name="Renyuan Lyu" userId="eadeb139afb46539" providerId="LiveId" clId="{2C80F086-841D-467C-90DD-7B623516EE48}" dt="2018-10-25T15:09:56.691" v="1021" actId="478"/>
+          <ac:spMkLst>
+            <pc:docMk/>
+            <pc:sldMk cId="834593805" sldId="302"/>
+            <ac:spMk id="8" creationId="{2BD4E90E-FC89-4EEA-BDA0-01957B1BFBA9}"/>
+          </ac:spMkLst>
+        </pc:spChg>
+        <pc:spChg chg="add mod">
+          <ac:chgData name="Renyuan Lyu" userId="eadeb139afb46539" providerId="LiveId" clId="{2C80F086-841D-467C-90DD-7B623516EE48}" dt="2018-10-25T15:10:43.564" v="1027" actId="1076"/>
+          <ac:spMkLst>
+            <pc:docMk/>
+            <pc:sldMk cId="834593805" sldId="302"/>
+            <ac:spMk id="10" creationId="{17BF4DD1-CF57-4822-9A3E-8B11E6FBACCD}"/>
+          </ac:spMkLst>
+        </pc:spChg>
+        <pc:spChg chg="add mod">
+          <ac:chgData name="Renyuan Lyu" userId="eadeb139afb46539" providerId="LiveId" clId="{2C80F086-841D-467C-90DD-7B623516EE48}" dt="2018-10-25T15:19:12.145" v="1142" actId="207"/>
+          <ac:spMkLst>
+            <pc:docMk/>
+            <pc:sldMk cId="834593805" sldId="302"/>
+            <ac:spMk id="12" creationId="{048C41A6-4811-4A58-96A8-FCC8DD474872}"/>
+          </ac:spMkLst>
+        </pc:spChg>
+        <pc:grpChg chg="add del mod">
+          <ac:chgData name="Renyuan Lyu" userId="eadeb139afb46539" providerId="LiveId" clId="{2C80F086-841D-467C-90DD-7B623516EE48}" dt="2018-10-25T15:09:56.691" v="1021" actId="478"/>
+          <ac:grpSpMkLst>
+            <pc:docMk/>
+            <pc:sldMk cId="834593805" sldId="302"/>
+            <ac:grpSpMk id="6" creationId="{0BDB39ED-F13F-4A23-8574-9F67E8CEE6BD}"/>
+          </ac:grpSpMkLst>
+        </pc:grpChg>
+        <pc:picChg chg="add mod">
+          <ac:chgData name="Renyuan Lyu" userId="eadeb139afb46539" providerId="LiveId" clId="{2C80F086-841D-467C-90DD-7B623516EE48}" dt="2018-10-25T15:10:22.051" v="1025" actId="1076"/>
+          <ac:picMkLst>
+            <pc:docMk/>
+            <pc:sldMk cId="834593805" sldId="302"/>
+            <ac:picMk id="5" creationId="{BCFD5449-3090-40C3-885C-C15432E89653}"/>
+          </ac:picMkLst>
+        </pc:picChg>
+        <pc:picChg chg="del topLvl">
+          <ac:chgData name="Renyuan Lyu" userId="eadeb139afb46539" providerId="LiveId" clId="{2C80F086-841D-467C-90DD-7B623516EE48}" dt="2018-10-25T15:09:58.175" v="1022" actId="478"/>
+          <ac:picMkLst>
+            <pc:docMk/>
+            <pc:sldMk cId="834593805" sldId="302"/>
+            <ac:picMk id="7" creationId="{87F01374-91E0-4F81-8BC8-0D67C728F295}"/>
+          </ac:picMkLst>
+        </pc:picChg>
+        <pc:picChg chg="add mod">
+          <ac:chgData name="Renyuan Lyu" userId="eadeb139afb46539" providerId="LiveId" clId="{2C80F086-841D-467C-90DD-7B623516EE48}" dt="2018-10-25T15:10:43.564" v="1027" actId="1076"/>
+          <ac:picMkLst>
+            <pc:docMk/>
+            <pc:sldMk cId="834593805" sldId="302"/>
+            <ac:picMk id="9" creationId="{868572E5-D1ED-4973-AF45-672B01092E6C}"/>
+          </ac:picMkLst>
+        </pc:picChg>
+        <pc:picChg chg="add mod">
+          <ac:chgData name="Renyuan Lyu" userId="eadeb139afb46539" providerId="LiveId" clId="{2C80F086-841D-467C-90DD-7B623516EE48}" dt="2018-10-25T15:17:49.552" v="1045" actId="1076"/>
+          <ac:picMkLst>
+            <pc:docMk/>
+            <pc:sldMk cId="834593805" sldId="302"/>
+            <ac:picMk id="11" creationId="{E3B0108B-992E-48AF-AF29-125AA833FCB7}"/>
+          </ac:picMkLst>
+        </pc:picChg>
+      </pc:sldChg>
+      <pc:sldChg chg="modSp add">
+        <pc:chgData name="Renyuan Lyu" userId="eadeb139afb46539" providerId="LiveId" clId="{2C80F086-841D-467C-90DD-7B623516EE48}" dt="2018-10-27T11:27:16.639" v="1189"/>
+        <pc:sldMkLst>
+          <pc:docMk/>
+          <pc:sldMk cId="2630802871" sldId="303"/>
+        </pc:sldMkLst>
+        <pc:spChg chg="mod">
+          <ac:chgData name="Renyuan Lyu" userId="eadeb139afb46539" providerId="LiveId" clId="{2C80F086-841D-467C-90DD-7B623516EE48}" dt="2018-10-27T11:27:16.639" v="1189"/>
+          <ac:spMkLst>
+            <pc:docMk/>
+            <pc:sldMk cId="2630802871" sldId="303"/>
+            <ac:spMk id="2" creationId="{6993E8F4-C060-46FE-89A1-4C4FB66ACBEE}"/>
+          </ac:spMkLst>
+        </pc:spChg>
+        <pc:spChg chg="mod">
+          <ac:chgData name="Renyuan Lyu" userId="eadeb139afb46539" providerId="LiveId" clId="{2C80F086-841D-467C-90DD-7B623516EE48}" dt="2018-10-27T11:27:00.810" v="1188" actId="20577"/>
+          <ac:spMkLst>
+            <pc:docMk/>
+            <pc:sldMk cId="2630802871" sldId="303"/>
+            <ac:spMk id="3" creationId="{3414EB9D-FC62-40BD-A1B9-2FE72481524B}"/>
+          </ac:spMkLst>
+        </pc:spChg>
+      </pc:sldChg>
+      <pc:sldChg chg="addSp delSp modSp add">
+        <pc:chgData name="Renyuan Lyu" userId="eadeb139afb46539" providerId="LiveId" clId="{2C80F086-841D-467C-90DD-7B623516EE48}" dt="2018-10-27T12:13:38.565" v="1251" actId="478"/>
+        <pc:sldMkLst>
+          <pc:docMk/>
+          <pc:sldMk cId="222572440" sldId="304"/>
+        </pc:sldMkLst>
+        <pc:spChg chg="mod">
+          <ac:chgData name="Renyuan Lyu" userId="eadeb139afb46539" providerId="LiveId" clId="{2C80F086-841D-467C-90DD-7B623516EE48}" dt="2018-10-27T12:01:25.607" v="1194"/>
+          <ac:spMkLst>
+            <pc:docMk/>
+            <pc:sldMk cId="222572440" sldId="304"/>
+            <ac:spMk id="2" creationId="{8A63BF9D-63C8-4E15-9824-40480B76A68D}"/>
+          </ac:spMkLst>
+        </pc:spChg>
+        <pc:spChg chg="mod">
+          <ac:chgData name="Renyuan Lyu" userId="eadeb139afb46539" providerId="LiveId" clId="{2C80F086-841D-467C-90DD-7B623516EE48}" dt="2018-10-27T12:02:10.431" v="1215" actId="14100"/>
+          <ac:spMkLst>
+            <pc:docMk/>
+            <pc:sldMk cId="222572440" sldId="304"/>
+            <ac:spMk id="3" creationId="{606A052E-C757-4D98-BE77-B045A6F83DE9}"/>
+          </ac:spMkLst>
+        </pc:spChg>
+        <pc:spChg chg="add mod">
+          <ac:chgData name="Renyuan Lyu" userId="eadeb139afb46539" providerId="LiveId" clId="{2C80F086-841D-467C-90DD-7B623516EE48}" dt="2018-10-27T12:09:25.841" v="1234" actId="1076"/>
+          <ac:spMkLst>
+            <pc:docMk/>
+            <pc:sldMk cId="222572440" sldId="304"/>
+            <ac:spMk id="6" creationId="{2FD3A24F-6573-4220-875C-92708A908355}"/>
+          </ac:spMkLst>
+        </pc:spChg>
+        <pc:spChg chg="add del mod">
+          <ac:chgData name="Renyuan Lyu" userId="eadeb139afb46539" providerId="LiveId" clId="{2C80F086-841D-467C-90DD-7B623516EE48}" dt="2018-10-27T12:12:38.581" v="1248" actId="478"/>
+          <ac:spMkLst>
+            <pc:docMk/>
+            <pc:sldMk cId="222572440" sldId="304"/>
+            <ac:spMk id="7" creationId="{7F1E55D3-00EC-49E3-8A67-95EF51123768}"/>
+          </ac:spMkLst>
+        </pc:spChg>
+        <pc:picChg chg="add mod ord">
+          <ac:chgData name="Renyuan Lyu" userId="eadeb139afb46539" providerId="LiveId" clId="{2C80F086-841D-467C-90DD-7B623516EE48}" dt="2018-10-27T12:04:56.762" v="1226" actId="1076"/>
+          <ac:picMkLst>
+            <pc:docMk/>
+            <pc:sldMk cId="222572440" sldId="304"/>
+            <ac:picMk id="5" creationId="{C3207C4E-0F29-46AB-B2B3-3E471299BD29}"/>
+          </ac:picMkLst>
+        </pc:picChg>
+        <pc:picChg chg="add del mod">
+          <ac:chgData name="Renyuan Lyu" userId="eadeb139afb46539" providerId="LiveId" clId="{2C80F086-841D-467C-90DD-7B623516EE48}" dt="2018-10-27T12:13:38.565" v="1251" actId="478"/>
+          <ac:picMkLst>
+            <pc:docMk/>
+            <pc:sldMk cId="222572440" sldId="304"/>
+            <ac:picMk id="8" creationId="{A67D1264-A5E5-4459-9618-AAA4F4B1CABB}"/>
+          </ac:picMkLst>
+        </pc:picChg>
+      </pc:sldChg>
+    </pc:docChg>
+  </pc:docChgLst>
   <pc:docChgLst>
     <pc:chgData name="Renyuan Lyu" userId="eadeb139afb46539" providerId="LiveId" clId="{1E327210-1C83-47B9-AD7A-7CFAF9480590}"/>
     <pc:docChg chg="undo custSel addSld modSld">
@@ -906,7 +1431,7 @@
           <a:p>
             <a:fld id="{0B453513-F396-4B00-9FF4-9F86655DDA63}" type="datetimeFigureOut">
               <a:rPr lang="zh-TW" altLang="en-US" smtClean="0"/>
-              <a:t>2018/10/18</a:t>
+              <a:t>2018/10/27</a:t>
             </a:fld>
             <a:endParaRPr lang="zh-TW" altLang="en-US"/>
           </a:p>
@@ -1509,6 +2034,90 @@
 </p:notes>
 </file>
 
+<file path=ppt/notesSlides/notesSlide5.xml><?xml version="1.0" encoding="utf-8"?>
+<p:notes xmlns:a="http://schemas.openxmlformats.org/drawingml/2006/main" xmlns:r="http://schemas.openxmlformats.org/officeDocument/2006/relationships" xmlns:p="http://schemas.openxmlformats.org/presentationml/2006/main">
+  <p:cSld>
+    <p:spTree>
+      <p:nvGrpSpPr>
+        <p:cNvPr id="1" name=""/>
+        <p:cNvGrpSpPr/>
+        <p:nvPr/>
+      </p:nvGrpSpPr>
+      <p:grpSpPr>
+        <a:xfrm>
+          <a:off x="0" y="0"/>
+          <a:ext cx="0" cy="0"/>
+          <a:chOff x="0" y="0"/>
+          <a:chExt cx="0" cy="0"/>
+        </a:xfrm>
+      </p:grpSpPr>
+      <p:sp>
+        <p:nvSpPr>
+          <p:cNvPr id="2" name="投影片影像版面配置區 1"/>
+          <p:cNvSpPr>
+            <a:spLocks noGrp="1" noRot="1" noChangeAspect="1"/>
+          </p:cNvSpPr>
+          <p:nvPr>
+            <p:ph type="sldImg"/>
+          </p:nvPr>
+        </p:nvSpPr>
+        <p:spPr/>
+      </p:sp>
+      <p:sp>
+        <p:nvSpPr>
+          <p:cNvPr id="3" name="備忘稿版面配置區 2"/>
+          <p:cNvSpPr>
+            <a:spLocks noGrp="1"/>
+          </p:cNvSpPr>
+          <p:nvPr>
+            <p:ph type="body" idx="1"/>
+          </p:nvPr>
+        </p:nvSpPr>
+        <p:spPr/>
+        <p:txBody>
+          <a:bodyPr/>
+          <a:lstStyle/>
+          <a:p>
+            <a:endParaRPr lang="zh-TW" altLang="en-US" dirty="0"/>
+          </a:p>
+        </p:txBody>
+      </p:sp>
+      <p:sp>
+        <p:nvSpPr>
+          <p:cNvPr id="4" name="投影片編號版面配置區 3"/>
+          <p:cNvSpPr>
+            <a:spLocks noGrp="1"/>
+          </p:cNvSpPr>
+          <p:nvPr>
+            <p:ph type="sldNum" sz="quarter" idx="5"/>
+          </p:nvPr>
+        </p:nvSpPr>
+        <p:spPr/>
+        <p:txBody>
+          <a:bodyPr/>
+          <a:lstStyle/>
+          <a:p>
+            <a:fld id="{9728AA30-2E48-4E49-83BA-3680D6D4A03E}" type="slidenum">
+              <a:rPr lang="zh-TW" altLang="en-US" smtClean="0"/>
+              <a:t>39</a:t>
+            </a:fld>
+            <a:endParaRPr lang="zh-TW" altLang="en-US"/>
+          </a:p>
+        </p:txBody>
+      </p:sp>
+    </p:spTree>
+    <p:extLst>
+      <p:ext uri="{BB962C8B-B14F-4D97-AF65-F5344CB8AC3E}">
+        <p14:creationId xmlns:p14="http://schemas.microsoft.com/office/powerpoint/2010/main" val="1158142198"/>
+      </p:ext>
+    </p:extLst>
+  </p:cSld>
+  <p:clrMapOvr>
+    <a:masterClrMapping/>
+  </p:clrMapOvr>
+</p:notes>
+</file>
+
 <file path=ppt/slideLayouts/slideLayout1.xml><?xml version="1.0" encoding="utf-8"?>
 <p:sldLayout xmlns:a="http://schemas.openxmlformats.org/drawingml/2006/main" xmlns:r="http://schemas.openxmlformats.org/officeDocument/2006/relationships" xmlns:p="http://schemas.openxmlformats.org/presentationml/2006/main" type="title" preserve="1">
   <p:cSld name="標題投影片">
@@ -1656,7 +2265,7 @@
           <a:p>
             <a:fld id="{0A4C2477-6AEF-4F11-BC48-CF0F6356A6CF}" type="datetime1">
               <a:rPr lang="zh-TW" altLang="en-US" smtClean="0"/>
-              <a:t>2018/10/18</a:t>
+              <a:t>2018/10/27</a:t>
             </a:fld>
             <a:endParaRPr lang="zh-TW" altLang="en-US"/>
           </a:p>
@@ -1854,7 +2463,7 @@
           <a:p>
             <a:fld id="{26B049D4-ABDE-4914-AC22-B25C1C2A37A6}" type="datetime1">
               <a:rPr lang="zh-TW" altLang="en-US" smtClean="0"/>
-              <a:t>2018/10/18</a:t>
+              <a:t>2018/10/27</a:t>
             </a:fld>
             <a:endParaRPr lang="zh-TW" altLang="en-US"/>
           </a:p>
@@ -2062,7 +2671,7 @@
           <a:p>
             <a:fld id="{B9879F47-93F9-4459-A2D1-AC3FA8495490}" type="datetime1">
               <a:rPr lang="zh-TW" altLang="en-US" smtClean="0"/>
-              <a:t>2018/10/18</a:t>
+              <a:t>2018/10/27</a:t>
             </a:fld>
             <a:endParaRPr lang="zh-TW" altLang="en-US"/>
           </a:p>
@@ -2260,7 +2869,7 @@
           <a:p>
             <a:fld id="{308FB97E-F18C-4E3C-BA7A-699F92A80DF4}" type="datetime1">
               <a:rPr lang="zh-TW" altLang="en-US" smtClean="0"/>
-              <a:t>2018/10/18</a:t>
+              <a:t>2018/10/27</a:t>
             </a:fld>
             <a:endParaRPr lang="zh-TW" altLang="en-US"/>
           </a:p>
@@ -2535,7 +3144,7 @@
           <a:p>
             <a:fld id="{0F46A030-0F09-4D36-A691-4017F79D0E70}" type="datetime1">
               <a:rPr lang="zh-TW" altLang="en-US" smtClean="0"/>
-              <a:t>2018/10/18</a:t>
+              <a:t>2018/10/27</a:t>
             </a:fld>
             <a:endParaRPr lang="zh-TW" altLang="en-US"/>
           </a:p>
@@ -2800,7 +3409,7 @@
           <a:p>
             <a:fld id="{0F012EC3-1EF0-4C6F-9AEB-27DC9DFE5D61}" type="datetime1">
               <a:rPr lang="zh-TW" altLang="en-US" smtClean="0"/>
-              <a:t>2018/10/18</a:t>
+              <a:t>2018/10/27</a:t>
             </a:fld>
             <a:endParaRPr lang="zh-TW" altLang="en-US"/>
           </a:p>
@@ -3212,7 +3821,7 @@
           <a:p>
             <a:fld id="{8827B768-E3E8-4933-A9AD-78C399C301CD}" type="datetime1">
               <a:rPr lang="zh-TW" altLang="en-US" smtClean="0"/>
-              <a:t>2018/10/18</a:t>
+              <a:t>2018/10/27</a:t>
             </a:fld>
             <a:endParaRPr lang="zh-TW" altLang="en-US"/>
           </a:p>
@@ -3353,7 +3962,7 @@
           <a:p>
             <a:fld id="{39B7C7C4-0BA1-4D74-B7B0-C819AA274085}" type="datetime1">
               <a:rPr lang="zh-TW" altLang="en-US" smtClean="0"/>
-              <a:t>2018/10/18</a:t>
+              <a:t>2018/10/27</a:t>
             </a:fld>
             <a:endParaRPr lang="zh-TW" altLang="en-US"/>
           </a:p>
@@ -3466,7 +4075,7 @@
           <a:p>
             <a:fld id="{994D1F1D-718E-4745-83DB-0B6A51CACDF9}" type="datetime1">
               <a:rPr lang="zh-TW" altLang="en-US" smtClean="0"/>
-              <a:t>2018/10/18</a:t>
+              <a:t>2018/10/27</a:t>
             </a:fld>
             <a:endParaRPr lang="zh-TW" altLang="en-US"/>
           </a:p>
@@ -3777,7 +4386,7 @@
           <a:p>
             <a:fld id="{88B245BF-6B6F-4297-B737-80D34D3F11BC}" type="datetime1">
               <a:rPr lang="zh-TW" altLang="en-US" smtClean="0"/>
-              <a:t>2018/10/18</a:t>
+              <a:t>2018/10/27</a:t>
             </a:fld>
             <a:endParaRPr lang="zh-TW" altLang="en-US"/>
           </a:p>
@@ -4065,7 +4674,7 @@
           <a:p>
             <a:fld id="{97CFFE5D-6CA2-44E4-BC29-4B02A38C47B1}" type="datetime1">
               <a:rPr lang="zh-TW" altLang="en-US" smtClean="0"/>
-              <a:t>2018/10/18</a:t>
+              <a:t>2018/10/27</a:t>
             </a:fld>
             <a:endParaRPr lang="zh-TW" altLang="en-US"/>
           </a:p>
@@ -4306,7 +4915,7 @@
           <a:p>
             <a:fld id="{39F3AAB9-C94E-401B-A622-10B7325E27AD}" type="datetime1">
               <a:rPr lang="zh-TW" altLang="en-US" smtClean="0"/>
-              <a:t>2018/10/18</a:t>
+              <a:t>2018/10/27</a:t>
             </a:fld>
             <a:endParaRPr lang="zh-TW" altLang="en-US"/>
           </a:p>
@@ -4814,6 +5423,19 @@
               <a:rPr lang="en-US" altLang="zh-TW" sz="4000" dirty="0"/>
               <a:t>Renyuan Lyu</a:t>
             </a:r>
+          </a:p>
+          <a:p>
+            <a:endParaRPr lang="en-US" altLang="zh-TW" sz="4000"/>
+          </a:p>
+          <a:p>
+            <a:r>
+              <a:rPr lang="en-US" altLang="zh-TW" sz="4000"/>
+              <a:t>@</a:t>
+            </a:r>
+            <a:r>
+              <a:rPr lang="en-US" altLang="zh-TW" sz="4000" dirty="0"/>
+              <a:t>2018/10/25</a:t>
+            </a:r>
             <a:endParaRPr lang="zh-TW" altLang="en-US" sz="4000" dirty="0"/>
           </a:p>
         </p:txBody>
@@ -14701,8 +15323,8 @@
           </a:p>
         </p:txBody>
       </p:sp>
-      <mc:AlternateContent xmlns:mc="http://schemas.openxmlformats.org/markup-compatibility/2006">
-        <mc:Choice xmlns:a14="http://schemas.microsoft.com/office/drawing/2010/main" Requires="a14">
+      <mc:AlternateContent xmlns:mc="http://schemas.openxmlformats.org/markup-compatibility/2006" xmlns:a14="http://schemas.microsoft.com/office/drawing/2010/main">
+        <mc:Choice Requires="a14">
           <p:sp>
             <p:nvSpPr>
               <p:cNvPr id="17" name="文字方塊 16">
@@ -14731,6 +15353,7 @@
               </a:bodyPr>
               <a:lstStyle/>
               <a:p>
+                <a:pPr/>
                 <a14:m>
                   <m:oMathPara xmlns:m="http://schemas.openxmlformats.org/officeDocument/2006/math">
                     <m:oMathParaPr>
@@ -14768,7 +15391,7 @@
             </p:txBody>
           </p:sp>
         </mc:Choice>
-        <mc:Fallback>
+        <mc:Fallback xmlns="">
           <p:sp>
             <p:nvSpPr>
               <p:cNvPr id="17" name="文字方塊 16">
@@ -14813,8 +15436,8 @@
           </p:sp>
         </mc:Fallback>
       </mc:AlternateContent>
-      <mc:AlternateContent xmlns:mc="http://schemas.openxmlformats.org/markup-compatibility/2006">
-        <mc:Choice xmlns:a14="http://schemas.microsoft.com/office/drawing/2010/main" Requires="a14">
+      <mc:AlternateContent xmlns:mc="http://schemas.openxmlformats.org/markup-compatibility/2006" xmlns:a14="http://schemas.microsoft.com/office/drawing/2010/main">
+        <mc:Choice Requires="a14">
           <p:sp>
             <p:nvSpPr>
               <p:cNvPr id="18" name="文字方塊 17">
@@ -14848,6 +15471,7 @@
               </a:bodyPr>
               <a:lstStyle/>
               <a:p>
+                <a:pPr/>
                 <a14:m>
                   <m:oMathPara xmlns:m="http://schemas.openxmlformats.org/officeDocument/2006/math">
                     <m:oMathParaPr>
@@ -14885,7 +15509,7 @@
             </p:txBody>
           </p:sp>
         </mc:Choice>
-        <mc:Fallback>
+        <mc:Fallback xmlns="">
           <p:sp>
             <p:nvSpPr>
               <p:cNvPr id="18" name="文字方塊 17">
@@ -15230,8 +15854,8 @@
           </a:prstGeom>
         </p:spPr>
       </p:pic>
-      <mc:AlternateContent xmlns:mc="http://schemas.openxmlformats.org/markup-compatibility/2006">
-        <mc:Choice xmlns:a14="http://schemas.microsoft.com/office/drawing/2010/main" Requires="a14">
+      <mc:AlternateContent xmlns:mc="http://schemas.openxmlformats.org/markup-compatibility/2006" xmlns:a14="http://schemas.microsoft.com/office/drawing/2010/main">
+        <mc:Choice Requires="a14">
           <p:sp>
             <p:nvSpPr>
               <p:cNvPr id="13" name="文字方塊 12">
@@ -15456,25 +16080,7 @@
                             <a:rPr lang="en-US" altLang="zh-TW">
                               <a:latin typeface="Cambria Math" panose="02040503050406030204" pitchFamily="18" charset="0"/>
                             </a:rPr>
-                            <m:t>= -</m:t>
-                          </m:r>
-                          <m:r>
-                            <m:rPr>
-                              <m:nor/>
-                            </m:rPr>
-                            <a:rPr lang="en-US" altLang="zh-TW">
-                              <a:latin typeface="Cambria Math" panose="02040503050406030204" pitchFamily="18" charset="0"/>
-                            </a:rPr>
-                            <m:t>1</m:t>
-                          </m:r>
-                          <m:r>
-                            <m:rPr>
-                              <m:nor/>
-                            </m:rPr>
-                            <a:rPr lang="en-US" altLang="zh-TW" b="0" i="0" smtClean="0">
-                              <a:latin typeface="Cambria Math" panose="02040503050406030204" pitchFamily="18" charset="0"/>
-                            </a:rPr>
-                            <m:t>"</m:t>
+                            <m:t>= −1"</m:t>
                           </m:r>
                         </m:e>
                       </m:d>
@@ -15552,7 +16158,7 @@
                       <m:f>
                         <m:fPr>
                           <m:ctrlPr>
-                            <a:rPr lang="en-US" altLang="zh-TW" b="0" i="0" smtClean="0">
+                            <a:rPr lang="en-US" altLang="zh-TW" b="0" i="1" smtClean="0">
                               <a:latin typeface="Cambria Math" panose="02040503050406030204" pitchFamily="18" charset="0"/>
                             </a:rPr>
                           </m:ctrlPr>
@@ -15589,7 +16195,7 @@
                       <m:f>
                         <m:fPr>
                           <m:ctrlPr>
-                            <a:rPr lang="en-US" altLang="zh-TW" b="0" i="0" smtClean="0">
+                            <a:rPr lang="en-US" altLang="zh-TW" b="0" i="1" smtClean="0">
                               <a:latin typeface="Cambria Math" panose="02040503050406030204" pitchFamily="18" charset="0"/>
                             </a:rPr>
                           </m:ctrlPr>
@@ -15712,7 +16318,7 @@
                       <m:d>
                         <m:dPr>
                           <m:ctrlPr>
-                            <a:rPr lang="en-US" altLang="zh-TW" b="0" i="0" smtClean="0">
+                            <a:rPr lang="en-US" altLang="zh-TW" b="0" i="1" smtClean="0">
                               <a:latin typeface="Cambria Math" panose="02040503050406030204" pitchFamily="18" charset="0"/>
                             </a:rPr>
                           </m:ctrlPr>
@@ -15747,7 +16353,7 @@
             </p:txBody>
           </p:sp>
         </mc:Choice>
-        <mc:Fallback>
+        <mc:Fallback xmlns="">
           <p:sp>
             <p:nvSpPr>
               <p:cNvPr id="13" name="文字方塊 12">
@@ -16377,8 +16983,8 @@
               </a:fontRef>
             </p:style>
           </p:cxnSp>
-          <mc:AlternateContent xmlns:mc="http://schemas.openxmlformats.org/markup-compatibility/2006">
-            <mc:Choice xmlns:a14="http://schemas.microsoft.com/office/drawing/2010/main" Requires="a14">
+          <mc:AlternateContent xmlns:mc="http://schemas.openxmlformats.org/markup-compatibility/2006" xmlns:a14="http://schemas.microsoft.com/office/drawing/2010/main">
+            <mc:Choice Requires="a14">
               <p:sp>
                 <p:nvSpPr>
                   <p:cNvPr id="38" name="矩形 37">
@@ -16406,6 +17012,7 @@
                   </a:bodyPr>
                   <a:lstStyle/>
                   <a:p>
+                    <a:pPr/>
                     <a14:m>
                       <m:oMathPara xmlns:m="http://schemas.openxmlformats.org/officeDocument/2006/math">
                         <m:oMathParaPr>
@@ -16437,7 +17044,7 @@
                 </p:txBody>
               </p:sp>
             </mc:Choice>
-            <mc:Fallback>
+            <mc:Fallback xmlns="">
               <p:sp>
                 <p:nvSpPr>
                   <p:cNvPr id="38" name="矩形 37">
@@ -16658,8 +17265,8 @@
           </p:txBody>
         </p:sp>
       </p:grpSp>
-      <mc:AlternateContent xmlns:mc="http://schemas.openxmlformats.org/markup-compatibility/2006">
-        <mc:Choice xmlns:a14="http://schemas.microsoft.com/office/drawing/2010/main" Requires="a14">
+      <mc:AlternateContent xmlns:mc="http://schemas.openxmlformats.org/markup-compatibility/2006" xmlns:a14="http://schemas.microsoft.com/office/drawing/2010/main">
+        <mc:Choice Requires="a14">
           <p:sp>
             <p:nvSpPr>
               <p:cNvPr id="44" name="文字方塊 43">
@@ -16787,7 +17394,7 @@
             </p:txBody>
           </p:sp>
         </mc:Choice>
-        <mc:Fallback>
+        <mc:Fallback xmlns="">
           <p:sp>
             <p:nvSpPr>
               <p:cNvPr id="44" name="文字方塊 43">
@@ -17800,8 +18407,8 @@
               </a:fontRef>
             </p:style>
           </p:cxnSp>
-          <mc:AlternateContent xmlns:mc="http://schemas.openxmlformats.org/markup-compatibility/2006">
-            <mc:Choice xmlns:a14="http://schemas.microsoft.com/office/drawing/2010/main" Requires="a14">
+          <mc:AlternateContent xmlns:mc="http://schemas.openxmlformats.org/markup-compatibility/2006" xmlns:a14="http://schemas.microsoft.com/office/drawing/2010/main">
+            <mc:Choice Requires="a14">
               <p:sp>
                 <p:nvSpPr>
                   <p:cNvPr id="19" name="矩形 18">
@@ -17829,6 +18436,7 @@
                   </a:bodyPr>
                   <a:lstStyle/>
                   <a:p>
+                    <a:pPr/>
                     <a14:m>
                       <m:oMathPara xmlns:m="http://schemas.openxmlformats.org/officeDocument/2006/math">
                         <m:oMathParaPr>
@@ -17860,7 +18468,7 @@
                 </p:txBody>
               </p:sp>
             </mc:Choice>
-            <mc:Fallback>
+            <mc:Fallback xmlns="">
               <p:sp>
                 <p:nvSpPr>
                   <p:cNvPr id="19" name="矩形 18">
@@ -18141,8 +18749,8 @@
           </a:prstGeom>
         </p:spPr>
       </p:pic>
-      <mc:AlternateContent xmlns:mc="http://schemas.openxmlformats.org/markup-compatibility/2006">
-        <mc:Choice xmlns:a14="http://schemas.microsoft.com/office/drawing/2010/main" Requires="a14">
+      <mc:AlternateContent xmlns:mc="http://schemas.openxmlformats.org/markup-compatibility/2006" xmlns:a14="http://schemas.microsoft.com/office/drawing/2010/main">
+        <mc:Choice Requires="a14">
           <p:sp>
             <p:nvSpPr>
               <p:cNvPr id="23" name="文字方塊 22">
@@ -18270,7 +18878,7 @@
             </p:txBody>
           </p:sp>
         </mc:Choice>
-        <mc:Fallback>
+        <mc:Fallback xmlns="">
           <p:sp>
             <p:nvSpPr>
               <p:cNvPr id="23" name="文字方塊 22">
@@ -18320,8 +18928,8 @@
           </p:sp>
         </mc:Fallback>
       </mc:AlternateContent>
-      <mc:AlternateContent xmlns:mc="http://schemas.openxmlformats.org/markup-compatibility/2006">
-        <mc:Choice xmlns:a14="http://schemas.microsoft.com/office/drawing/2010/main" Requires="a14">
+      <mc:AlternateContent xmlns:mc="http://schemas.openxmlformats.org/markup-compatibility/2006" xmlns:a14="http://schemas.microsoft.com/office/drawing/2010/main">
+        <mc:Choice Requires="a14">
           <p:sp>
             <p:nvSpPr>
               <p:cNvPr id="24" name="文字方塊 23">
@@ -18408,7 +19016,6 @@
                 </a:endParaRPr>
               </a:p>
               <a:p>
-                <a:pPr/>
                 <a:endParaRPr lang="en-US" altLang="zh-TW" b="0" i="1" dirty="0">
                   <a:solidFill>
                     <a:srgbClr val="FF0000"/>
@@ -18457,7 +19064,7 @@
                       <m:d>
                         <m:dPr>
                           <m:ctrlPr>
-                            <a:rPr lang="en-US" altLang="zh-TW" b="0" i="0" smtClean="0">
+                            <a:rPr lang="en-US" altLang="zh-TW" b="0" i="1" smtClean="0">
                               <a:latin typeface="Cambria Math" panose="02040503050406030204" pitchFamily="18" charset="0"/>
                             </a:rPr>
                           </m:ctrlPr>
@@ -18563,7 +19170,7 @@
                       <m:f>
                         <m:fPr>
                           <m:ctrlPr>
-                            <a:rPr lang="en-US" altLang="zh-TW" b="0" i="0" smtClean="0">
+                            <a:rPr lang="en-US" altLang="zh-TW" b="0" i="1" smtClean="0">
                               <a:latin typeface="Cambria Math" panose="02040503050406030204" pitchFamily="18" charset="0"/>
                             </a:rPr>
                           </m:ctrlPr>
@@ -18600,7 +19207,7 @@
                       <m:f>
                         <m:fPr>
                           <m:ctrlPr>
-                            <a:rPr lang="en-US" altLang="zh-TW" b="0" i="0" smtClean="0">
+                            <a:rPr lang="en-US" altLang="zh-TW" b="0" i="1" smtClean="0">
                               <a:latin typeface="Cambria Math" panose="02040503050406030204" pitchFamily="18" charset="0"/>
                             </a:rPr>
                           </m:ctrlPr>
@@ -18673,7 +19280,7 @@
                       <m:f>
                         <m:fPr>
                           <m:ctrlPr>
-                            <a:rPr lang="en-US" altLang="zh-TW" b="0" i="0" smtClean="0">
+                            <a:rPr lang="en-US" altLang="zh-TW" b="0" i="1" smtClean="0">
                               <a:latin typeface="Cambria Math" panose="02040503050406030204" pitchFamily="18" charset="0"/>
                             </a:rPr>
                           </m:ctrlPr>
@@ -18725,7 +19332,7 @@
                           <m:sSup>
                             <m:sSupPr>
                               <m:ctrlPr>
-                                <a:rPr lang="en-US" altLang="zh-TW" b="0" i="0" smtClean="0">
+                                <a:rPr lang="en-US" altLang="zh-TW" b="0" i="1" smtClean="0">
                                   <a:latin typeface="Cambria Math" panose="02040503050406030204" pitchFamily="18" charset="0"/>
                                 </a:rPr>
                               </m:ctrlPr>
@@ -18855,7 +19462,6 @@
                 </a:endParaRPr>
               </a:p>
               <a:p>
-                <a:pPr/>
                 <a:endParaRPr lang="en-US" altLang="zh-TW" b="0" i="1" dirty="0">
                   <a:latin typeface="Cambria Math" panose="02040503050406030204" pitchFamily="18" charset="0"/>
                 </a:endParaRPr>
@@ -18910,7 +19516,7 @@
             </p:txBody>
           </p:sp>
         </mc:Choice>
-        <mc:Fallback>
+        <mc:Fallback xmlns="">
           <p:sp>
             <p:nvSpPr>
               <p:cNvPr id="24" name="文字方塊 23">
@@ -19085,8 +19691,8 @@
           </a:p>
         </p:txBody>
       </p:sp>
-      <mc:AlternateContent xmlns:mc="http://schemas.openxmlformats.org/markup-compatibility/2006">
-        <mc:Choice xmlns:a14="http://schemas.microsoft.com/office/drawing/2010/main" Requires="a14">
+      <mc:AlternateContent xmlns:mc="http://schemas.openxmlformats.org/markup-compatibility/2006" xmlns:a14="http://schemas.microsoft.com/office/drawing/2010/main">
+        <mc:Choice Requires="a14">
           <p:sp>
             <p:nvSpPr>
               <p:cNvPr id="5" name="文字方塊 4">
@@ -19115,6 +19721,7 @@
               </a:bodyPr>
               <a:lstStyle/>
               <a:p>
+                <a:pPr/>
                 <a14:m>
                   <m:oMathPara xmlns:m="http://schemas.openxmlformats.org/officeDocument/2006/math">
                     <m:oMathParaPr>
@@ -19328,7 +19935,7 @@
             </p:txBody>
           </p:sp>
         </mc:Choice>
-        <mc:Fallback>
+        <mc:Fallback xmlns="">
           <p:sp>
             <p:nvSpPr>
               <p:cNvPr id="5" name="文字方塊 4">
@@ -19373,8 +19980,8 @@
           </p:sp>
         </mc:Fallback>
       </mc:AlternateContent>
-      <mc:AlternateContent xmlns:mc="http://schemas.openxmlformats.org/markup-compatibility/2006">
-        <mc:Choice xmlns:a14="http://schemas.microsoft.com/office/drawing/2010/main" Requires="a14">
+      <mc:AlternateContent xmlns:mc="http://schemas.openxmlformats.org/markup-compatibility/2006" xmlns:a14="http://schemas.microsoft.com/office/drawing/2010/main">
+        <mc:Choice Requires="a14">
           <p:sp>
             <p:nvSpPr>
               <p:cNvPr id="6" name="矩形 5">
@@ -19466,16 +20073,7 @@
                           </a:solidFill>
                           <a:latin typeface="Cambria Math" panose="02040503050406030204" pitchFamily="18" charset="0"/>
                         </a:rPr>
-                        <m:t> </m:t>
-                      </m:r>
-                      <m:r>
-                        <a:rPr lang="zh-TW" altLang="en-US" i="1">
-                          <a:solidFill>
-                            <a:prstClr val="black"/>
-                          </a:solidFill>
-                          <a:latin typeface="Cambria Math" panose="02040503050406030204" pitchFamily="18" charset="0"/>
-                        </a:rPr>
-                        <m:t> </m:t>
+                        <m:t>  </m:t>
                       </m:r>
                       <m:r>
                         <m:rPr>
@@ -19545,7 +20143,6 @@
                 </a:endParaRPr>
               </a:p>
               <a:p>
-                <a:pPr/>
                 <a:endParaRPr lang="en-US" altLang="zh-TW" i="1" dirty="0">
                   <a:solidFill>
                     <a:prstClr val="black"/>
@@ -19689,7 +20286,7 @@
             </p:txBody>
           </p:sp>
         </mc:Choice>
-        <mc:Fallback>
+        <mc:Fallback xmlns="">
           <p:sp>
             <p:nvSpPr>
               <p:cNvPr id="6" name="矩形 5">
@@ -19739,8 +20336,8 @@
           </p:sp>
         </mc:Fallback>
       </mc:AlternateContent>
-      <mc:AlternateContent xmlns:mc="http://schemas.openxmlformats.org/markup-compatibility/2006">
-        <mc:Choice xmlns:a14="http://schemas.microsoft.com/office/drawing/2010/main" Requires="a14">
+      <mc:AlternateContent xmlns:mc="http://schemas.openxmlformats.org/markup-compatibility/2006" xmlns:a14="http://schemas.microsoft.com/office/drawing/2010/main">
+        <mc:Choice Requires="a14">
           <p:sp>
             <p:nvSpPr>
               <p:cNvPr id="7" name="矩形 6">
@@ -20758,19 +21355,7 @@
                           </a:solidFill>
                           <a:latin typeface="Cambria Math" panose="02040503050406030204" pitchFamily="18" charset="0"/>
                         </a:rPr>
-                        <m:t>  </m:t>
-                      </m:r>
-                      <m:r>
-                        <m:rPr>
-                          <m:nor/>
-                        </m:rPr>
-                        <a:rPr lang="en-US" altLang="zh-TW">
-                          <a:solidFill>
-                            <a:prstClr val="black"/>
-                          </a:solidFill>
-                          <a:latin typeface="Cambria Math" panose="02040503050406030204" pitchFamily="18" charset="0"/>
-                        </a:rPr>
-                        <m:t>= </m:t>
+                        <m:t>  = </m:t>
                       </m:r>
                       <m:r>
                         <m:rPr>
@@ -20827,16 +21412,7 @@
                           </a:solidFill>
                           <a:latin typeface="Cambria Math" panose="02040503050406030204" pitchFamily="18" charset="0"/>
                         </a:rPr>
-                        <m:t>"</m:t>
-                      </m:r>
-                      <m:r>
-                        <a:rPr lang="en-US" altLang="zh-TW" i="1">
-                          <a:solidFill>
-                            <a:prstClr val="black"/>
-                          </a:solidFill>
-                          <a:latin typeface="Cambria Math" panose="02040503050406030204" pitchFamily="18" charset="0"/>
-                        </a:rPr>
-                        <m:t>)=</m:t>
+                        <m:t>")=</m:t>
                       </m:r>
                       <m:r>
                         <m:rPr>
@@ -21068,7 +21644,7 @@
             </p:txBody>
           </p:sp>
         </mc:Choice>
-        <mc:Fallback>
+        <mc:Fallback xmlns="">
           <p:sp>
             <p:nvSpPr>
               <p:cNvPr id="7" name="矩形 6">
@@ -21304,6 +21880,1496 @@
           <p:cNvPr id="2" name="標題 1">
             <a:extLst>
               <a:ext uri="{FF2B5EF4-FFF2-40B4-BE49-F238E27FC236}">
+                <a16:creationId xmlns:a16="http://schemas.microsoft.com/office/drawing/2014/main" id="{E9DEBB2A-03BE-4658-9EC5-62650DA113E4}"/>
+              </a:ext>
+            </a:extLst>
+          </p:cNvPr>
+          <p:cNvSpPr>
+            <a:spLocks noGrp="1"/>
+          </p:cNvSpPr>
+          <p:nvPr>
+            <p:ph type="title"/>
+          </p:nvPr>
+        </p:nvSpPr>
+        <p:spPr>
+          <a:xfrm>
+            <a:off x="0" y="0"/>
+            <a:ext cx="11353800" cy="1081825"/>
+          </a:xfrm>
+        </p:spPr>
+        <p:txBody>
+          <a:bodyPr>
+            <a:normAutofit/>
+          </a:bodyPr>
+          <a:lstStyle/>
+          <a:p>
+            <a:r>
+              <a:rPr lang="en-US" altLang="zh-TW" dirty="0"/>
+              <a:t>Learning the weights of the Logistic cost function</a:t>
+            </a:r>
+            <a:endParaRPr lang="zh-TW" altLang="en-US" dirty="0"/>
+          </a:p>
+        </p:txBody>
+      </p:sp>
+      <p:sp>
+        <p:nvSpPr>
+          <p:cNvPr id="4" name="投影片編號版面配置區 3">
+            <a:extLst>
+              <a:ext uri="{FF2B5EF4-FFF2-40B4-BE49-F238E27FC236}">
+                <a16:creationId xmlns:a16="http://schemas.microsoft.com/office/drawing/2014/main" id="{628B775E-C643-4FFF-9242-462C877BC6B2}"/>
+              </a:ext>
+            </a:extLst>
+          </p:cNvPr>
+          <p:cNvSpPr>
+            <a:spLocks noGrp="1"/>
+          </p:cNvSpPr>
+          <p:nvPr>
+            <p:ph type="sldNum" sz="quarter" idx="12"/>
+          </p:nvPr>
+        </p:nvSpPr>
+        <p:spPr/>
+        <p:txBody>
+          <a:bodyPr/>
+          <a:lstStyle/>
+          <a:p>
+            <a:fld id="{CCCC54F5-AF54-4DEE-8C8A-6B071CAEC70F}" type="slidenum">
+              <a:rPr lang="zh-TW" altLang="en-US" smtClean="0"/>
+              <a:t>32</a:t>
+            </a:fld>
+            <a:endParaRPr lang="zh-TW" altLang="en-US"/>
+          </a:p>
+        </p:txBody>
+      </p:sp>
+      <p:pic>
+        <p:nvPicPr>
+          <p:cNvPr id="6" name="圖片 5">
+            <a:extLst>
+              <a:ext uri="{FF2B5EF4-FFF2-40B4-BE49-F238E27FC236}">
+                <a16:creationId xmlns:a16="http://schemas.microsoft.com/office/drawing/2014/main" id="{65B845F1-1543-489E-8D53-69D50775C1DC}"/>
+              </a:ext>
+            </a:extLst>
+          </p:cNvPr>
+          <p:cNvPicPr>
+            <a:picLocks noChangeAspect="1"/>
+          </p:cNvPicPr>
+          <p:nvPr/>
+        </p:nvPicPr>
+        <p:blipFill>
+          <a:blip r:embed="rId2"/>
+          <a:stretch>
+            <a:fillRect/>
+          </a:stretch>
+        </p:blipFill>
+        <p:spPr>
+          <a:xfrm>
+            <a:off x="502867" y="5738006"/>
+            <a:ext cx="6435852" cy="800906"/>
+          </a:xfrm>
+          <a:prstGeom prst="rect">
+            <a:avLst/>
+          </a:prstGeom>
+        </p:spPr>
+      </p:pic>
+      <p:pic>
+        <p:nvPicPr>
+          <p:cNvPr id="7" name="圖片 6">
+            <a:extLst>
+              <a:ext uri="{FF2B5EF4-FFF2-40B4-BE49-F238E27FC236}">
+                <a16:creationId xmlns:a16="http://schemas.microsoft.com/office/drawing/2014/main" id="{E5F1AA54-B89A-4F94-913C-E53CC4689A3D}"/>
+              </a:ext>
+            </a:extLst>
+          </p:cNvPr>
+          <p:cNvPicPr>
+            <a:picLocks noChangeAspect="1"/>
+          </p:cNvPicPr>
+          <p:nvPr/>
+        </p:nvPicPr>
+        <p:blipFill>
+          <a:blip r:embed="rId3"/>
+          <a:stretch>
+            <a:fillRect/>
+          </a:stretch>
+        </p:blipFill>
+        <p:spPr>
+          <a:xfrm>
+            <a:off x="502867" y="2650496"/>
+            <a:ext cx="8009058" cy="800906"/>
+          </a:xfrm>
+          <a:prstGeom prst="rect">
+            <a:avLst/>
+          </a:prstGeom>
+        </p:spPr>
+      </p:pic>
+      <p:sp>
+        <p:nvSpPr>
+          <p:cNvPr id="8" name="矩形 7">
+            <a:extLst>
+              <a:ext uri="{FF2B5EF4-FFF2-40B4-BE49-F238E27FC236}">
+                <a16:creationId xmlns:a16="http://schemas.microsoft.com/office/drawing/2014/main" id="{B8563327-7C6F-4A29-B2E3-2D99D67FEB20}"/>
+              </a:ext>
+            </a:extLst>
+          </p:cNvPr>
+          <p:cNvSpPr/>
+          <p:nvPr/>
+        </p:nvSpPr>
+        <p:spPr>
+          <a:xfrm>
+            <a:off x="618185" y="1057858"/>
+            <a:ext cx="4623515" cy="1477328"/>
+          </a:xfrm>
+          <a:prstGeom prst="rect">
+            <a:avLst/>
+          </a:prstGeom>
+        </p:spPr>
+        <p:txBody>
+          <a:bodyPr wrap="square">
+            <a:spAutoFit/>
+          </a:bodyPr>
+          <a:lstStyle/>
+          <a:p>
+            <a:r>
+              <a:rPr lang="en-US" altLang="zh-TW" dirty="0">
+                <a:solidFill>
+                  <a:srgbClr val="000000"/>
+                </a:solidFill>
+                <a:latin typeface="Arial" panose="020B0604020202020204" pitchFamily="34" charset="0"/>
+              </a:rPr>
+              <a:t>1. Define the Likelihood </a:t>
+            </a:r>
+            <a:r>
+              <a:rPr lang="en-US" altLang="zh-TW" i="1" dirty="0">
+                <a:latin typeface="Times New Roman" panose="02020603050405020304" pitchFamily="18" charset="0"/>
+                <a:cs typeface="Times New Roman" panose="02020603050405020304" pitchFamily="18" charset="0"/>
+              </a:rPr>
+              <a:t>L</a:t>
+            </a:r>
+            <a:r>
+              <a:rPr lang="en-US" altLang="zh-TW" dirty="0"/>
+              <a:t>(..)</a:t>
+            </a:r>
+            <a:r>
+              <a:rPr lang="en-US" altLang="zh-TW" dirty="0">
+                <a:solidFill>
+                  <a:srgbClr val="000000"/>
+                </a:solidFill>
+                <a:latin typeface="Arial" panose="020B0604020202020204" pitchFamily="34" charset="0"/>
+              </a:rPr>
+              <a:t> </a:t>
+            </a:r>
+          </a:p>
+          <a:p>
+            <a:r>
+              <a:rPr lang="en-US" altLang="zh-TW" dirty="0">
+                <a:solidFill>
+                  <a:srgbClr val="000000"/>
+                </a:solidFill>
+                <a:latin typeface="Arial" panose="020B0604020202020204" pitchFamily="34" charset="0"/>
+              </a:rPr>
+              <a:t>of observing the set of all training data X, y</a:t>
+            </a:r>
+          </a:p>
+          <a:p>
+            <a:r>
+              <a:rPr lang="en-US" altLang="zh-TW" dirty="0">
+                <a:solidFill>
+                  <a:srgbClr val="000000"/>
+                </a:solidFill>
+                <a:latin typeface="Arial" panose="020B0604020202020204" pitchFamily="34" charset="0"/>
+              </a:rPr>
+              <a:t>as a function of w </a:t>
+            </a:r>
+            <a:r>
+              <a:rPr lang="en-US" altLang="zh-TW" dirty="0">
+                <a:solidFill>
+                  <a:srgbClr val="000000"/>
+                </a:solidFill>
+                <a:latin typeface="Arial" panose="020B0604020202020204" pitchFamily="34" charset="0"/>
+                <a:sym typeface="Wingdings" panose="05000000000000000000" pitchFamily="2" charset="2"/>
+              </a:rPr>
+              <a:t> </a:t>
+            </a:r>
+            <a:r>
+              <a:rPr lang="en-US" altLang="zh-TW" i="1" dirty="0">
+                <a:latin typeface="Times New Roman" panose="02020603050405020304" pitchFamily="18" charset="0"/>
+                <a:cs typeface="Times New Roman" panose="02020603050405020304" pitchFamily="18" charset="0"/>
+              </a:rPr>
+              <a:t>L(</a:t>
+            </a:r>
+            <a:r>
+              <a:rPr lang="en-US" altLang="zh-TW" dirty="0"/>
+              <a:t>w)</a:t>
+            </a:r>
+            <a:endParaRPr lang="en-US" altLang="zh-TW" dirty="0">
+              <a:solidFill>
+                <a:srgbClr val="000000"/>
+              </a:solidFill>
+              <a:latin typeface="Arial" panose="020B0604020202020204" pitchFamily="34" charset="0"/>
+            </a:endParaRPr>
+          </a:p>
+          <a:p>
+            <a:endParaRPr lang="en-US" altLang="zh-TW" dirty="0">
+              <a:solidFill>
+                <a:srgbClr val="000000"/>
+              </a:solidFill>
+              <a:latin typeface="Arial" panose="020B0604020202020204" pitchFamily="34" charset="0"/>
+            </a:endParaRPr>
+          </a:p>
+          <a:p>
+            <a:r>
+              <a:rPr lang="en-US" altLang="zh-TW" dirty="0">
+                <a:solidFill>
+                  <a:srgbClr val="000000"/>
+                </a:solidFill>
+                <a:latin typeface="Arial" panose="020B0604020202020204" pitchFamily="34" charset="0"/>
+              </a:rPr>
+              <a:t>2. To maximize </a:t>
+            </a:r>
+            <a:r>
+              <a:rPr lang="en-US" altLang="zh-TW" i="1" dirty="0">
+                <a:latin typeface="Times New Roman" panose="02020603050405020304" pitchFamily="18" charset="0"/>
+                <a:cs typeface="Times New Roman" panose="02020603050405020304" pitchFamily="18" charset="0"/>
+              </a:rPr>
+              <a:t>L(</a:t>
+            </a:r>
+            <a:r>
+              <a:rPr lang="en-US" altLang="zh-TW" dirty="0"/>
+              <a:t>w)</a:t>
+            </a:r>
+            <a:endParaRPr lang="zh-TW" altLang="en-US" dirty="0"/>
+          </a:p>
+        </p:txBody>
+      </p:sp>
+      <p:pic>
+        <p:nvPicPr>
+          <p:cNvPr id="9" name="圖片 8">
+            <a:extLst>
+              <a:ext uri="{FF2B5EF4-FFF2-40B4-BE49-F238E27FC236}">
+                <a16:creationId xmlns:a16="http://schemas.microsoft.com/office/drawing/2014/main" id="{6CF25DD4-6B82-44B7-91E5-B01F43D5AD1A}"/>
+              </a:ext>
+            </a:extLst>
+          </p:cNvPr>
+          <p:cNvPicPr>
+            <a:picLocks noChangeAspect="1"/>
+          </p:cNvPicPr>
+          <p:nvPr/>
+        </p:nvPicPr>
+        <p:blipFill>
+          <a:blip r:embed="rId4"/>
+          <a:stretch>
+            <a:fillRect/>
+          </a:stretch>
+        </p:blipFill>
+        <p:spPr>
+          <a:xfrm>
+            <a:off x="502867" y="3520453"/>
+            <a:ext cx="7415796" cy="800906"/>
+          </a:xfrm>
+          <a:prstGeom prst="rect">
+            <a:avLst/>
+          </a:prstGeom>
+        </p:spPr>
+      </p:pic>
+      <p:sp>
+        <p:nvSpPr>
+          <p:cNvPr id="10" name="文字方塊 9">
+            <a:extLst>
+              <a:ext uri="{FF2B5EF4-FFF2-40B4-BE49-F238E27FC236}">
+                <a16:creationId xmlns:a16="http://schemas.microsoft.com/office/drawing/2014/main" id="{FD774296-DA5D-43C6-9350-3C4ACAD8D09E}"/>
+              </a:ext>
+            </a:extLst>
+          </p:cNvPr>
+          <p:cNvSpPr txBox="1"/>
+          <p:nvPr/>
+        </p:nvSpPr>
+        <p:spPr>
+          <a:xfrm>
+            <a:off x="618186" y="4713668"/>
+            <a:ext cx="5700343" cy="369332"/>
+          </a:xfrm>
+          <a:prstGeom prst="rect">
+            <a:avLst/>
+          </a:prstGeom>
+          <a:noFill/>
+        </p:spPr>
+        <p:txBody>
+          <a:bodyPr wrap="none" rtlCol="0">
+            <a:spAutoFit/>
+          </a:bodyPr>
+          <a:lstStyle/>
+          <a:p>
+            <a:r>
+              <a:rPr lang="en-US" altLang="zh-TW" dirty="0"/>
+              <a:t>To maximize </a:t>
+            </a:r>
+            <a:r>
+              <a:rPr lang="en-US" altLang="zh-TW" i="1" dirty="0">
+                <a:latin typeface="Times New Roman" panose="02020603050405020304" pitchFamily="18" charset="0"/>
+                <a:cs typeface="Times New Roman" panose="02020603050405020304" pitchFamily="18" charset="0"/>
+              </a:rPr>
+              <a:t>l(</a:t>
+            </a:r>
+            <a:r>
+              <a:rPr lang="en-US" altLang="zh-TW" dirty="0"/>
+              <a:t>w) </a:t>
+            </a:r>
+            <a:r>
+              <a:rPr lang="en-US" altLang="zh-TW" dirty="0">
+                <a:sym typeface="Wingdings" panose="05000000000000000000" pitchFamily="2" charset="2"/>
+              </a:rPr>
+              <a:t> To minimize –</a:t>
+            </a:r>
+            <a:r>
+              <a:rPr lang="en-US" altLang="zh-TW" i="1" dirty="0">
+                <a:latin typeface="Times New Roman" panose="02020603050405020304" pitchFamily="18" charset="0"/>
+                <a:cs typeface="Times New Roman" panose="02020603050405020304" pitchFamily="18" charset="0"/>
+              </a:rPr>
+              <a:t>l</a:t>
+            </a:r>
+            <a:r>
+              <a:rPr lang="en-US" altLang="zh-TW" dirty="0">
+                <a:sym typeface="Wingdings" panose="05000000000000000000" pitchFamily="2" charset="2"/>
+              </a:rPr>
+              <a:t>(w)  </a:t>
+            </a:r>
+            <a:r>
+              <a:rPr lang="en-US" altLang="zh-TW" dirty="0">
+                <a:highlight>
+                  <a:srgbClr val="FFFF00"/>
+                </a:highlight>
+                <a:sym typeface="Wingdings" panose="05000000000000000000" pitchFamily="2" charset="2"/>
+              </a:rPr>
+              <a:t>Let </a:t>
+            </a:r>
+            <a:r>
+              <a:rPr lang="en-US" altLang="zh-TW" i="1" dirty="0">
+                <a:highlight>
+                  <a:srgbClr val="FFFF00"/>
+                </a:highlight>
+                <a:latin typeface="Times New Roman" panose="02020603050405020304" pitchFamily="18" charset="0"/>
+                <a:cs typeface="Times New Roman" panose="02020603050405020304" pitchFamily="18" charset="0"/>
+              </a:rPr>
+              <a:t>J</a:t>
+            </a:r>
+            <a:r>
+              <a:rPr lang="en-US" altLang="zh-TW" dirty="0">
+                <a:highlight>
+                  <a:srgbClr val="FFFF00"/>
+                </a:highlight>
+                <a:sym typeface="Wingdings" panose="05000000000000000000" pitchFamily="2" charset="2"/>
+              </a:rPr>
+              <a:t>(w) = – </a:t>
+            </a:r>
+            <a:r>
+              <a:rPr lang="en-US" altLang="zh-TW" i="1" dirty="0">
+                <a:highlight>
+                  <a:srgbClr val="FFFF00"/>
+                </a:highlight>
+                <a:latin typeface="Times New Roman" panose="02020603050405020304" pitchFamily="18" charset="0"/>
+                <a:cs typeface="Times New Roman" panose="02020603050405020304" pitchFamily="18" charset="0"/>
+              </a:rPr>
+              <a:t>l</a:t>
+            </a:r>
+            <a:r>
+              <a:rPr lang="en-US" altLang="zh-TW" dirty="0">
+                <a:highlight>
+                  <a:srgbClr val="FFFF00"/>
+                </a:highlight>
+                <a:sym typeface="Wingdings" panose="05000000000000000000" pitchFamily="2" charset="2"/>
+              </a:rPr>
+              <a:t>(w) </a:t>
+            </a:r>
+            <a:endParaRPr lang="zh-TW" altLang="en-US" dirty="0">
+              <a:highlight>
+                <a:srgbClr val="FFFF00"/>
+              </a:highlight>
+            </a:endParaRPr>
+          </a:p>
+        </p:txBody>
+      </p:sp>
+      <p:grpSp>
+        <p:nvGrpSpPr>
+          <p:cNvPr id="13" name="群組 12">
+            <a:extLst>
+              <a:ext uri="{FF2B5EF4-FFF2-40B4-BE49-F238E27FC236}">
+                <a16:creationId xmlns:a16="http://schemas.microsoft.com/office/drawing/2014/main" id="{DAB6BF59-7F4D-45D3-A668-F1B4924E65A3}"/>
+              </a:ext>
+            </a:extLst>
+          </p:cNvPr>
+          <p:cNvGrpSpPr/>
+          <p:nvPr/>
+        </p:nvGrpSpPr>
+        <p:grpSpPr>
+          <a:xfrm>
+            <a:off x="8610600" y="4336254"/>
+            <a:ext cx="3559372" cy="1809317"/>
+            <a:chOff x="8511925" y="4411687"/>
+            <a:chExt cx="3559372" cy="1809317"/>
+          </a:xfrm>
+        </p:grpSpPr>
+        <p:pic>
+          <p:nvPicPr>
+            <p:cNvPr id="5" name="圖片 4">
+              <a:extLst>
+                <a:ext uri="{FF2B5EF4-FFF2-40B4-BE49-F238E27FC236}">
+                  <a16:creationId xmlns:a16="http://schemas.microsoft.com/office/drawing/2014/main" id="{27D6208C-75B6-4BD4-A721-E7F3ECCF1149}"/>
+                </a:ext>
+              </a:extLst>
+            </p:cNvPr>
+            <p:cNvPicPr>
+              <a:picLocks noChangeAspect="1"/>
+            </p:cNvPicPr>
+            <p:nvPr/>
+          </p:nvPicPr>
+          <p:blipFill>
+            <a:blip r:embed="rId5"/>
+            <a:stretch>
+              <a:fillRect/>
+            </a:stretch>
+          </p:blipFill>
+          <p:spPr>
+            <a:xfrm>
+              <a:off x="8511925" y="5415026"/>
+              <a:ext cx="3358242" cy="805978"/>
+            </a:xfrm>
+            <a:prstGeom prst="rect">
+              <a:avLst/>
+            </a:prstGeom>
+            <a:ln>
+              <a:solidFill>
+                <a:srgbClr val="FF0000"/>
+              </a:solidFill>
+            </a:ln>
+          </p:spPr>
+        </p:pic>
+        <p:sp>
+          <p:nvSpPr>
+            <p:cNvPr id="11" name="文字方塊 10">
+              <a:extLst>
+                <a:ext uri="{FF2B5EF4-FFF2-40B4-BE49-F238E27FC236}">
+                  <a16:creationId xmlns:a16="http://schemas.microsoft.com/office/drawing/2014/main" id="{CF073ADD-73B3-487C-A8D6-61DF748FC51E}"/>
+                </a:ext>
+              </a:extLst>
+            </p:cNvPr>
+            <p:cNvSpPr txBox="1"/>
+            <p:nvPr/>
+          </p:nvSpPr>
+          <p:spPr>
+            <a:xfrm>
+              <a:off x="8511925" y="4411687"/>
+              <a:ext cx="3559372" cy="923330"/>
+            </a:xfrm>
+            <a:prstGeom prst="rect">
+              <a:avLst/>
+            </a:prstGeom>
+            <a:noFill/>
+            <a:ln>
+              <a:solidFill>
+                <a:srgbClr val="FF0000"/>
+              </a:solidFill>
+            </a:ln>
+          </p:spPr>
+          <p:txBody>
+            <a:bodyPr wrap="none" rtlCol="0">
+              <a:spAutoFit/>
+            </a:bodyPr>
+            <a:lstStyle/>
+            <a:p>
+              <a:r>
+                <a:rPr lang="en-US" altLang="zh-TW" dirty="0"/>
+                <a:t>Compare with</a:t>
+              </a:r>
+            </a:p>
+            <a:p>
+              <a:r>
+                <a:rPr lang="en-US" altLang="zh-TW" dirty="0"/>
+                <a:t>minimal Sum of Squared Difference </a:t>
+              </a:r>
+            </a:p>
+            <a:p>
+              <a:r>
+                <a:rPr lang="en-US" altLang="zh-TW" dirty="0"/>
+                <a:t>between y and </a:t>
+              </a:r>
+              <a:r>
+                <a:rPr lang="el-GR" altLang="zh-TW" dirty="0"/>
+                <a:t>φ</a:t>
+              </a:r>
+              <a:endParaRPr lang="zh-TW" altLang="en-US" dirty="0"/>
+            </a:p>
+          </p:txBody>
+        </p:sp>
+      </p:grpSp>
+      <p:sp>
+        <p:nvSpPr>
+          <p:cNvPr id="12" name="矩形 11">
+            <a:extLst>
+              <a:ext uri="{FF2B5EF4-FFF2-40B4-BE49-F238E27FC236}">
+                <a16:creationId xmlns:a16="http://schemas.microsoft.com/office/drawing/2014/main" id="{5F2CB413-DE27-4E86-91DD-CF9DC410E767}"/>
+              </a:ext>
+            </a:extLst>
+          </p:cNvPr>
+          <p:cNvSpPr/>
+          <p:nvPr/>
+        </p:nvSpPr>
+        <p:spPr>
+          <a:xfrm>
+            <a:off x="502867" y="5368674"/>
+            <a:ext cx="2134623" cy="369332"/>
+          </a:xfrm>
+          <a:prstGeom prst="rect">
+            <a:avLst/>
+          </a:prstGeom>
+        </p:spPr>
+        <p:txBody>
+          <a:bodyPr wrap="none">
+            <a:spAutoFit/>
+          </a:bodyPr>
+          <a:lstStyle/>
+          <a:p>
+            <a:r>
+              <a:rPr lang="en-US" altLang="zh-TW" dirty="0">
+                <a:solidFill>
+                  <a:srgbClr val="000000"/>
+                </a:solidFill>
+                <a:latin typeface="Arial" panose="020B0604020202020204" pitchFamily="34" charset="0"/>
+              </a:rPr>
+              <a:t>3. To minimize </a:t>
+            </a:r>
+            <a:r>
+              <a:rPr lang="en-US" altLang="zh-TW" i="1" dirty="0">
+                <a:solidFill>
+                  <a:srgbClr val="000000"/>
+                </a:solidFill>
+                <a:latin typeface="Times New Roman" panose="02020603050405020304" pitchFamily="18" charset="0"/>
+                <a:cs typeface="Times New Roman" panose="02020603050405020304" pitchFamily="18" charset="0"/>
+              </a:rPr>
+              <a:t>J</a:t>
+            </a:r>
+            <a:r>
+              <a:rPr lang="en-US" altLang="zh-TW" i="1" dirty="0">
+                <a:latin typeface="Times New Roman" panose="02020603050405020304" pitchFamily="18" charset="0"/>
+                <a:cs typeface="Times New Roman" panose="02020603050405020304" pitchFamily="18" charset="0"/>
+              </a:rPr>
+              <a:t>(</a:t>
+            </a:r>
+            <a:r>
+              <a:rPr lang="en-US" altLang="zh-TW" dirty="0"/>
+              <a:t>w)</a:t>
+            </a:r>
+            <a:endParaRPr lang="zh-TW" altLang="en-US" dirty="0"/>
+          </a:p>
+        </p:txBody>
+      </p:sp>
+    </p:spTree>
+    <p:extLst>
+      <p:ext uri="{BB962C8B-B14F-4D97-AF65-F5344CB8AC3E}">
+        <p14:creationId xmlns:p14="http://schemas.microsoft.com/office/powerpoint/2010/main" val="1838939413"/>
+      </p:ext>
+    </p:extLst>
+  </p:cSld>
+  <p:clrMapOvr>
+    <a:masterClrMapping/>
+  </p:clrMapOvr>
+</p:sld>
+</file>
+
+<file path=ppt/slides/slide33.xml><?xml version="1.0" encoding="utf-8"?>
+<p:sld xmlns:a="http://schemas.openxmlformats.org/drawingml/2006/main" xmlns:r="http://schemas.openxmlformats.org/officeDocument/2006/relationships" xmlns:p="http://schemas.openxmlformats.org/presentationml/2006/main">
+  <p:cSld>
+    <p:spTree>
+      <p:nvGrpSpPr>
+        <p:cNvPr id="1" name=""/>
+        <p:cNvGrpSpPr/>
+        <p:nvPr/>
+      </p:nvGrpSpPr>
+      <p:grpSpPr>
+        <a:xfrm>
+          <a:off x="0" y="0"/>
+          <a:ext cx="0" cy="0"/>
+          <a:chOff x="0" y="0"/>
+          <a:chExt cx="0" cy="0"/>
+        </a:xfrm>
+      </p:grpSpPr>
+      <p:pic>
+        <p:nvPicPr>
+          <p:cNvPr id="10" name="圖片 9">
+            <a:extLst>
+              <a:ext uri="{FF2B5EF4-FFF2-40B4-BE49-F238E27FC236}">
+                <a16:creationId xmlns:a16="http://schemas.microsoft.com/office/drawing/2014/main" id="{440321B8-828B-4785-9066-8F2238BEB43B}"/>
+              </a:ext>
+            </a:extLst>
+          </p:cNvPr>
+          <p:cNvPicPr>
+            <a:picLocks noChangeAspect="1"/>
+          </p:cNvPicPr>
+          <p:nvPr/>
+        </p:nvPicPr>
+        <p:blipFill>
+          <a:blip r:embed="rId2"/>
+          <a:stretch>
+            <a:fillRect/>
+          </a:stretch>
+        </p:blipFill>
+        <p:spPr>
+          <a:xfrm>
+            <a:off x="1477109" y="41393"/>
+            <a:ext cx="10011508" cy="3632262"/>
+          </a:xfrm>
+          <a:prstGeom prst="rect">
+            <a:avLst/>
+          </a:prstGeom>
+        </p:spPr>
+      </p:pic>
+      <p:sp>
+        <p:nvSpPr>
+          <p:cNvPr id="4" name="投影片編號版面配置區 3">
+            <a:extLst>
+              <a:ext uri="{FF2B5EF4-FFF2-40B4-BE49-F238E27FC236}">
+                <a16:creationId xmlns:a16="http://schemas.microsoft.com/office/drawing/2014/main" id="{D1C18996-17F7-47C2-8F9C-5CFC561BFF3B}"/>
+              </a:ext>
+            </a:extLst>
+          </p:cNvPr>
+          <p:cNvSpPr>
+            <a:spLocks noGrp="1"/>
+          </p:cNvSpPr>
+          <p:nvPr>
+            <p:ph type="sldNum" sz="quarter" idx="12"/>
+          </p:nvPr>
+        </p:nvSpPr>
+        <p:spPr/>
+        <p:txBody>
+          <a:bodyPr/>
+          <a:lstStyle/>
+          <a:p>
+            <a:fld id="{CCCC54F5-AF54-4DEE-8C8A-6B071CAEC70F}" type="slidenum">
+              <a:rPr lang="zh-TW" altLang="en-US" smtClean="0"/>
+              <a:t>33</a:t>
+            </a:fld>
+            <a:endParaRPr lang="zh-TW" altLang="en-US"/>
+          </a:p>
+        </p:txBody>
+      </p:sp>
+      <p:pic>
+        <p:nvPicPr>
+          <p:cNvPr id="5" name="圖片 4">
+            <a:extLst>
+              <a:ext uri="{FF2B5EF4-FFF2-40B4-BE49-F238E27FC236}">
+                <a16:creationId xmlns:a16="http://schemas.microsoft.com/office/drawing/2014/main" id="{BBED0938-F073-4270-8522-5B166ECFADE8}"/>
+              </a:ext>
+            </a:extLst>
+          </p:cNvPr>
+          <p:cNvPicPr>
+            <a:picLocks noChangeAspect="1"/>
+          </p:cNvPicPr>
+          <p:nvPr/>
+        </p:nvPicPr>
+        <p:blipFill>
+          <a:blip r:embed="rId3"/>
+          <a:stretch>
+            <a:fillRect/>
+          </a:stretch>
+        </p:blipFill>
+        <p:spPr>
+          <a:xfrm>
+            <a:off x="7185913" y="3197879"/>
+            <a:ext cx="1694835" cy="768163"/>
+          </a:xfrm>
+          <a:prstGeom prst="rect">
+            <a:avLst/>
+          </a:prstGeom>
+          <a:noFill/>
+          <a:ln>
+            <a:noFill/>
+          </a:ln>
+        </p:spPr>
+      </p:pic>
+      <p:pic>
+        <p:nvPicPr>
+          <p:cNvPr id="6" name="圖片 5">
+            <a:extLst>
+              <a:ext uri="{FF2B5EF4-FFF2-40B4-BE49-F238E27FC236}">
+                <a16:creationId xmlns:a16="http://schemas.microsoft.com/office/drawing/2014/main" id="{E4519311-8C0F-486A-940B-3DFCDD85B7C4}"/>
+              </a:ext>
+            </a:extLst>
+          </p:cNvPr>
+          <p:cNvPicPr>
+            <a:picLocks noChangeAspect="1"/>
+          </p:cNvPicPr>
+          <p:nvPr/>
+        </p:nvPicPr>
+        <p:blipFill>
+          <a:blip r:embed="rId4"/>
+          <a:stretch>
+            <a:fillRect/>
+          </a:stretch>
+        </p:blipFill>
+        <p:spPr>
+          <a:xfrm>
+            <a:off x="530679" y="5325564"/>
+            <a:ext cx="3810000" cy="533400"/>
+          </a:xfrm>
+          <a:prstGeom prst="rect">
+            <a:avLst/>
+          </a:prstGeom>
+          <a:ln>
+            <a:solidFill>
+              <a:srgbClr val="006600"/>
+            </a:solidFill>
+          </a:ln>
+        </p:spPr>
+      </p:pic>
+      <p:pic>
+        <p:nvPicPr>
+          <p:cNvPr id="7" name="圖片 6">
+            <a:extLst>
+              <a:ext uri="{FF2B5EF4-FFF2-40B4-BE49-F238E27FC236}">
+                <a16:creationId xmlns:a16="http://schemas.microsoft.com/office/drawing/2014/main" id="{9FDF2E0B-BBD3-4D49-A189-4BFF5F81329B}"/>
+              </a:ext>
+            </a:extLst>
+          </p:cNvPr>
+          <p:cNvPicPr>
+            <a:picLocks noChangeAspect="1"/>
+          </p:cNvPicPr>
+          <p:nvPr/>
+        </p:nvPicPr>
+        <p:blipFill>
+          <a:blip r:embed="rId5"/>
+          <a:stretch>
+            <a:fillRect/>
+          </a:stretch>
+        </p:blipFill>
+        <p:spPr>
+          <a:xfrm>
+            <a:off x="530679" y="4396492"/>
+            <a:ext cx="6435852" cy="800906"/>
+          </a:xfrm>
+          <a:prstGeom prst="rect">
+            <a:avLst/>
+          </a:prstGeom>
+          <a:ln>
+            <a:solidFill>
+              <a:srgbClr val="006600"/>
+            </a:solidFill>
+          </a:ln>
+        </p:spPr>
+      </p:pic>
+      <p:pic>
+        <p:nvPicPr>
+          <p:cNvPr id="8" name="圖片 7">
+            <a:extLst>
+              <a:ext uri="{FF2B5EF4-FFF2-40B4-BE49-F238E27FC236}">
+                <a16:creationId xmlns:a16="http://schemas.microsoft.com/office/drawing/2014/main" id="{89C75F92-FB10-48A7-BB6D-1C50C3B028F1}"/>
+              </a:ext>
+            </a:extLst>
+          </p:cNvPr>
+          <p:cNvPicPr>
+            <a:picLocks noChangeAspect="1"/>
+          </p:cNvPicPr>
+          <p:nvPr/>
+        </p:nvPicPr>
+        <p:blipFill>
+          <a:blip r:embed="rId6"/>
+          <a:stretch>
+            <a:fillRect/>
+          </a:stretch>
+        </p:blipFill>
+        <p:spPr>
+          <a:xfrm>
+            <a:off x="2482917" y="3495985"/>
+            <a:ext cx="3697189" cy="428874"/>
+          </a:xfrm>
+          <a:prstGeom prst="rect">
+            <a:avLst/>
+          </a:prstGeom>
+          <a:ln>
+            <a:solidFill>
+              <a:srgbClr val="FF0000"/>
+            </a:solidFill>
+          </a:ln>
+        </p:spPr>
+      </p:pic>
+      <p:pic>
+        <p:nvPicPr>
+          <p:cNvPr id="9" name="圖片 8">
+            <a:extLst>
+              <a:ext uri="{FF2B5EF4-FFF2-40B4-BE49-F238E27FC236}">
+                <a16:creationId xmlns:a16="http://schemas.microsoft.com/office/drawing/2014/main" id="{731444C0-BADC-4BDA-92E2-49259CD8B51E}"/>
+              </a:ext>
+            </a:extLst>
+          </p:cNvPr>
+          <p:cNvPicPr>
+            <a:picLocks noChangeAspect="1"/>
+          </p:cNvPicPr>
+          <p:nvPr/>
+        </p:nvPicPr>
+        <p:blipFill>
+          <a:blip r:embed="rId7"/>
+          <a:stretch>
+            <a:fillRect/>
+          </a:stretch>
+        </p:blipFill>
+        <p:spPr>
+          <a:xfrm>
+            <a:off x="7543800" y="4407076"/>
+            <a:ext cx="3358242" cy="805978"/>
+          </a:xfrm>
+          <a:prstGeom prst="rect">
+            <a:avLst/>
+          </a:prstGeom>
+          <a:ln>
+            <a:solidFill>
+              <a:srgbClr val="0000FF"/>
+            </a:solidFill>
+          </a:ln>
+        </p:spPr>
+      </p:pic>
+      <p:pic>
+        <p:nvPicPr>
+          <p:cNvPr id="12" name="圖片 11">
+            <a:extLst>
+              <a:ext uri="{FF2B5EF4-FFF2-40B4-BE49-F238E27FC236}">
+                <a16:creationId xmlns:a16="http://schemas.microsoft.com/office/drawing/2014/main" id="{8A6A6415-BA1F-4CF1-A52C-5F926B0EA849}"/>
+              </a:ext>
+            </a:extLst>
+          </p:cNvPr>
+          <p:cNvPicPr>
+            <a:picLocks noChangeAspect="1"/>
+          </p:cNvPicPr>
+          <p:nvPr/>
+        </p:nvPicPr>
+        <p:blipFill>
+          <a:blip r:embed="rId4"/>
+          <a:stretch>
+            <a:fillRect/>
+          </a:stretch>
+        </p:blipFill>
+        <p:spPr>
+          <a:xfrm>
+            <a:off x="7543800" y="5479754"/>
+            <a:ext cx="3810000" cy="533400"/>
+          </a:xfrm>
+          <a:prstGeom prst="rect">
+            <a:avLst/>
+          </a:prstGeom>
+          <a:ln>
+            <a:solidFill>
+              <a:srgbClr val="0000FF"/>
+            </a:solidFill>
+          </a:ln>
+        </p:spPr>
+      </p:pic>
+      <p:sp>
+        <p:nvSpPr>
+          <p:cNvPr id="13" name="文字方塊 12">
+            <a:extLst>
+              <a:ext uri="{FF2B5EF4-FFF2-40B4-BE49-F238E27FC236}">
+                <a16:creationId xmlns:a16="http://schemas.microsoft.com/office/drawing/2014/main" id="{DF2923E7-53B3-4F10-A0BA-4EF2C7117E3E}"/>
+              </a:ext>
+            </a:extLst>
+          </p:cNvPr>
+          <p:cNvSpPr txBox="1"/>
+          <p:nvPr/>
+        </p:nvSpPr>
+        <p:spPr>
+          <a:xfrm>
+            <a:off x="2856268" y="5858964"/>
+            <a:ext cx="580608" cy="584775"/>
+          </a:xfrm>
+          <a:prstGeom prst="rect">
+            <a:avLst/>
+          </a:prstGeom>
+          <a:noFill/>
+        </p:spPr>
+        <p:txBody>
+          <a:bodyPr wrap="none" rtlCol="0">
+            <a:spAutoFit/>
+          </a:bodyPr>
+          <a:lstStyle/>
+          <a:p>
+            <a:r>
+              <a:rPr lang="en-US" altLang="zh-TW" sz="3200" b="1" dirty="0">
+                <a:solidFill>
+                  <a:srgbClr val="006600"/>
+                </a:solidFill>
+              </a:rPr>
+              <a:t>=?</a:t>
+            </a:r>
+            <a:endParaRPr lang="zh-TW" altLang="en-US" sz="3200" b="1" dirty="0">
+              <a:solidFill>
+                <a:srgbClr val="006600"/>
+              </a:solidFill>
+            </a:endParaRPr>
+          </a:p>
+        </p:txBody>
+      </p:sp>
+      <p:sp>
+        <p:nvSpPr>
+          <p:cNvPr id="14" name="文字方塊 13">
+            <a:extLst>
+              <a:ext uri="{FF2B5EF4-FFF2-40B4-BE49-F238E27FC236}">
+                <a16:creationId xmlns:a16="http://schemas.microsoft.com/office/drawing/2014/main" id="{76A8F844-AA02-4173-8E0B-BF1A80DE6860}"/>
+              </a:ext>
+            </a:extLst>
+          </p:cNvPr>
+          <p:cNvSpPr txBox="1"/>
+          <p:nvPr/>
+        </p:nvSpPr>
+        <p:spPr>
+          <a:xfrm>
+            <a:off x="9809608" y="6013154"/>
+            <a:ext cx="673582" cy="584775"/>
+          </a:xfrm>
+          <a:prstGeom prst="rect">
+            <a:avLst/>
+          </a:prstGeom>
+          <a:noFill/>
+        </p:spPr>
+        <p:txBody>
+          <a:bodyPr wrap="none" rtlCol="0">
+            <a:spAutoFit/>
+          </a:bodyPr>
+          <a:lstStyle/>
+          <a:p>
+            <a:r>
+              <a:rPr lang="en-US" altLang="zh-TW" sz="3200" b="1" dirty="0">
+                <a:solidFill>
+                  <a:srgbClr val="0000FF"/>
+                </a:solidFill>
+              </a:rPr>
+              <a:t>= ?</a:t>
+            </a:r>
+            <a:endParaRPr lang="zh-TW" altLang="en-US" sz="3200" b="1" dirty="0">
+              <a:solidFill>
+                <a:srgbClr val="0000FF"/>
+              </a:solidFill>
+            </a:endParaRPr>
+          </a:p>
+        </p:txBody>
+      </p:sp>
+    </p:spTree>
+    <p:extLst>
+      <p:ext uri="{BB962C8B-B14F-4D97-AF65-F5344CB8AC3E}">
+        <p14:creationId xmlns:p14="http://schemas.microsoft.com/office/powerpoint/2010/main" val="868714278"/>
+      </p:ext>
+    </p:extLst>
+  </p:cSld>
+  <p:clrMapOvr>
+    <a:masterClrMapping/>
+  </p:clrMapOvr>
+</p:sld>
+</file>
+
+<file path=ppt/slides/slide34.xml><?xml version="1.0" encoding="utf-8"?>
+<p:sld xmlns:a="http://schemas.openxmlformats.org/drawingml/2006/main" xmlns:r="http://schemas.openxmlformats.org/officeDocument/2006/relationships" xmlns:p="http://schemas.openxmlformats.org/presentationml/2006/main">
+  <p:cSld>
+    <p:spTree>
+      <p:nvGrpSpPr>
+        <p:cNvPr id="1" name=""/>
+        <p:cNvGrpSpPr/>
+        <p:nvPr/>
+      </p:nvGrpSpPr>
+      <p:grpSpPr>
+        <a:xfrm>
+          <a:off x="0" y="0"/>
+          <a:ext cx="0" cy="0"/>
+          <a:chOff x="0" y="0"/>
+          <a:chExt cx="0" cy="0"/>
+        </a:xfrm>
+      </p:grpSpPr>
+      <p:sp>
+        <p:nvSpPr>
+          <p:cNvPr id="2" name="標題 1">
+            <a:extLst>
+              <a:ext uri="{FF2B5EF4-FFF2-40B4-BE49-F238E27FC236}">
+                <a16:creationId xmlns:a16="http://schemas.microsoft.com/office/drawing/2014/main" id="{DAA5E41D-D831-431B-9B08-4F7A3D524F8B}"/>
+              </a:ext>
+            </a:extLst>
+          </p:cNvPr>
+          <p:cNvSpPr>
+            <a:spLocks noGrp="1"/>
+          </p:cNvSpPr>
+          <p:nvPr>
+            <p:ph type="title"/>
+          </p:nvPr>
+        </p:nvSpPr>
+        <p:spPr/>
+        <p:txBody>
+          <a:bodyPr/>
+          <a:lstStyle/>
+          <a:p>
+            <a:endParaRPr lang="zh-TW" altLang="en-US" dirty="0"/>
+          </a:p>
+        </p:txBody>
+      </p:sp>
+      <p:sp>
+        <p:nvSpPr>
+          <p:cNvPr id="3" name="內容版面配置區 2">
+            <a:extLst>
+              <a:ext uri="{FF2B5EF4-FFF2-40B4-BE49-F238E27FC236}">
+                <a16:creationId xmlns:a16="http://schemas.microsoft.com/office/drawing/2014/main" id="{8A2292EB-DBAF-4B87-B2A3-C03E9CE25B89}"/>
+              </a:ext>
+            </a:extLst>
+          </p:cNvPr>
+          <p:cNvSpPr>
+            <a:spLocks noGrp="1"/>
+          </p:cNvSpPr>
+          <p:nvPr>
+            <p:ph idx="1"/>
+          </p:nvPr>
+        </p:nvSpPr>
+        <p:spPr>
+          <a:xfrm>
+            <a:off x="838200" y="1825625"/>
+            <a:ext cx="5257800" cy="548298"/>
+          </a:xfrm>
+        </p:spPr>
+        <p:txBody>
+          <a:bodyPr/>
+          <a:lstStyle/>
+          <a:p>
+            <a:r>
+              <a:rPr lang="en-US" altLang="zh-TW" dirty="0"/>
+              <a:t>For Maximal Likelihood Training</a:t>
+            </a:r>
+            <a:endParaRPr lang="zh-TW" altLang="en-US" dirty="0"/>
+          </a:p>
+        </p:txBody>
+      </p:sp>
+      <p:sp>
+        <p:nvSpPr>
+          <p:cNvPr id="4" name="投影片編號版面配置區 3">
+            <a:extLst>
+              <a:ext uri="{FF2B5EF4-FFF2-40B4-BE49-F238E27FC236}">
+                <a16:creationId xmlns:a16="http://schemas.microsoft.com/office/drawing/2014/main" id="{98E13E89-8260-46ED-9CC5-3E4F829ECCEA}"/>
+              </a:ext>
+            </a:extLst>
+          </p:cNvPr>
+          <p:cNvSpPr>
+            <a:spLocks noGrp="1"/>
+          </p:cNvSpPr>
+          <p:nvPr>
+            <p:ph type="sldNum" sz="quarter" idx="12"/>
+          </p:nvPr>
+        </p:nvSpPr>
+        <p:spPr/>
+        <p:txBody>
+          <a:bodyPr/>
+          <a:lstStyle/>
+          <a:p>
+            <a:fld id="{CCCC54F5-AF54-4DEE-8C8A-6B071CAEC70F}" type="slidenum">
+              <a:rPr lang="zh-TW" altLang="en-US" smtClean="0"/>
+              <a:t>34</a:t>
+            </a:fld>
+            <a:endParaRPr lang="zh-TW" altLang="en-US"/>
+          </a:p>
+        </p:txBody>
+      </p:sp>
+      <p:pic>
+        <p:nvPicPr>
+          <p:cNvPr id="5" name="圖片 4">
+            <a:extLst>
+              <a:ext uri="{FF2B5EF4-FFF2-40B4-BE49-F238E27FC236}">
+                <a16:creationId xmlns:a16="http://schemas.microsoft.com/office/drawing/2014/main" id="{65A40C67-E602-4D64-9002-53A921C417FF}"/>
+              </a:ext>
+            </a:extLst>
+          </p:cNvPr>
+          <p:cNvPicPr>
+            <a:picLocks noChangeAspect="1"/>
+          </p:cNvPicPr>
+          <p:nvPr/>
+        </p:nvPicPr>
+        <p:blipFill>
+          <a:blip r:embed="rId2"/>
+          <a:stretch>
+            <a:fillRect/>
+          </a:stretch>
+        </p:blipFill>
+        <p:spPr>
+          <a:xfrm>
+            <a:off x="3144801" y="4843987"/>
+            <a:ext cx="5465799" cy="1044575"/>
+          </a:xfrm>
+          <a:prstGeom prst="rect">
+            <a:avLst/>
+          </a:prstGeom>
+        </p:spPr>
+      </p:pic>
+      <p:pic>
+        <p:nvPicPr>
+          <p:cNvPr id="6" name="圖片 5">
+            <a:extLst>
+              <a:ext uri="{FF2B5EF4-FFF2-40B4-BE49-F238E27FC236}">
+                <a16:creationId xmlns:a16="http://schemas.microsoft.com/office/drawing/2014/main" id="{9AF41647-395F-46E5-863B-EA29A28D03F3}"/>
+              </a:ext>
+            </a:extLst>
+          </p:cNvPr>
+          <p:cNvPicPr>
+            <a:picLocks noChangeAspect="1"/>
+          </p:cNvPicPr>
+          <p:nvPr/>
+        </p:nvPicPr>
+        <p:blipFill>
+          <a:blip r:embed="rId3"/>
+          <a:stretch>
+            <a:fillRect/>
+          </a:stretch>
+        </p:blipFill>
+        <p:spPr>
+          <a:xfrm>
+            <a:off x="3144801" y="3194391"/>
+            <a:ext cx="6462320" cy="829128"/>
+          </a:xfrm>
+          <a:prstGeom prst="rect">
+            <a:avLst/>
+          </a:prstGeom>
+        </p:spPr>
+      </p:pic>
+    </p:spTree>
+    <p:extLst>
+      <p:ext uri="{BB962C8B-B14F-4D97-AF65-F5344CB8AC3E}">
+        <p14:creationId xmlns:p14="http://schemas.microsoft.com/office/powerpoint/2010/main" val="523181951"/>
+      </p:ext>
+    </p:extLst>
+  </p:cSld>
+  <p:clrMapOvr>
+    <a:masterClrMapping/>
+  </p:clrMapOvr>
+</p:sld>
+</file>
+
+<file path=ppt/slides/slide35.xml><?xml version="1.0" encoding="utf-8"?>
+<p:sld xmlns:a="http://schemas.openxmlformats.org/drawingml/2006/main" xmlns:r="http://schemas.openxmlformats.org/officeDocument/2006/relationships" xmlns:p="http://schemas.openxmlformats.org/presentationml/2006/main">
+  <p:cSld>
+    <p:spTree>
+      <p:nvGrpSpPr>
+        <p:cNvPr id="1" name=""/>
+        <p:cNvGrpSpPr/>
+        <p:nvPr/>
+      </p:nvGrpSpPr>
+      <p:grpSpPr>
+        <a:xfrm>
+          <a:off x="0" y="0"/>
+          <a:ext cx="0" cy="0"/>
+          <a:chOff x="0" y="0"/>
+          <a:chExt cx="0" cy="0"/>
+        </a:xfrm>
+      </p:grpSpPr>
+      <p:sp>
+        <p:nvSpPr>
+          <p:cNvPr id="2" name="標題 1">
+            <a:extLst>
+              <a:ext uri="{FF2B5EF4-FFF2-40B4-BE49-F238E27FC236}">
+                <a16:creationId xmlns:a16="http://schemas.microsoft.com/office/drawing/2014/main" id="{736A323F-7A9D-438F-8E11-BEA33FC92A61}"/>
+              </a:ext>
+            </a:extLst>
+          </p:cNvPr>
+          <p:cNvSpPr>
+            <a:spLocks noGrp="1"/>
+          </p:cNvSpPr>
+          <p:nvPr>
+            <p:ph type="title"/>
+          </p:nvPr>
+        </p:nvSpPr>
+        <p:spPr/>
+        <p:txBody>
+          <a:bodyPr/>
+          <a:lstStyle/>
+          <a:p>
+            <a:endParaRPr lang="zh-TW" altLang="en-US"/>
+          </a:p>
+        </p:txBody>
+      </p:sp>
+      <p:sp>
+        <p:nvSpPr>
+          <p:cNvPr id="3" name="內容版面配置區 2">
+            <a:extLst>
+              <a:ext uri="{FF2B5EF4-FFF2-40B4-BE49-F238E27FC236}">
+                <a16:creationId xmlns:a16="http://schemas.microsoft.com/office/drawing/2014/main" id="{467FB7A7-DEBA-41F3-A065-20C4758A038B}"/>
+              </a:ext>
+            </a:extLst>
+          </p:cNvPr>
+          <p:cNvSpPr>
+            <a:spLocks noGrp="1"/>
+          </p:cNvSpPr>
+          <p:nvPr>
+            <p:ph idx="1"/>
+          </p:nvPr>
+        </p:nvSpPr>
+        <p:spPr>
+          <a:xfrm>
+            <a:off x="838200" y="1825625"/>
+            <a:ext cx="10515600" cy="776898"/>
+          </a:xfrm>
+        </p:spPr>
+        <p:txBody>
+          <a:bodyPr/>
+          <a:lstStyle/>
+          <a:p>
+            <a:r>
+              <a:rPr lang="en-US" altLang="zh-TW" dirty="0"/>
+              <a:t>For minimal Sum of Squared Difference </a:t>
+            </a:r>
+          </a:p>
+          <a:p>
+            <a:pPr marL="0" indent="0">
+              <a:buNone/>
+            </a:pPr>
+            <a:endParaRPr lang="zh-TW" altLang="en-US" dirty="0"/>
+          </a:p>
+        </p:txBody>
+      </p:sp>
+      <p:sp>
+        <p:nvSpPr>
+          <p:cNvPr id="4" name="投影片編號版面配置區 3">
+            <a:extLst>
+              <a:ext uri="{FF2B5EF4-FFF2-40B4-BE49-F238E27FC236}">
+                <a16:creationId xmlns:a16="http://schemas.microsoft.com/office/drawing/2014/main" id="{9C5F86DB-A158-4C88-AAB8-2379B9151D34}"/>
+              </a:ext>
+            </a:extLst>
+          </p:cNvPr>
+          <p:cNvSpPr>
+            <a:spLocks noGrp="1"/>
+          </p:cNvSpPr>
+          <p:nvPr>
+            <p:ph type="sldNum" sz="quarter" idx="12"/>
+          </p:nvPr>
+        </p:nvSpPr>
+        <p:spPr/>
+        <p:txBody>
+          <a:bodyPr/>
+          <a:lstStyle/>
+          <a:p>
+            <a:fld id="{CCCC54F5-AF54-4DEE-8C8A-6B071CAEC70F}" type="slidenum">
+              <a:rPr lang="zh-TW" altLang="en-US" smtClean="0"/>
+              <a:t>35</a:t>
+            </a:fld>
+            <a:endParaRPr lang="zh-TW" altLang="en-US"/>
+          </a:p>
+        </p:txBody>
+      </p:sp>
+      <p:pic>
+        <p:nvPicPr>
+          <p:cNvPr id="5" name="圖片 4">
+            <a:extLst>
+              <a:ext uri="{FF2B5EF4-FFF2-40B4-BE49-F238E27FC236}">
+                <a16:creationId xmlns:a16="http://schemas.microsoft.com/office/drawing/2014/main" id="{BCFD5449-3090-40C3-885C-C15432E89653}"/>
+              </a:ext>
+            </a:extLst>
+          </p:cNvPr>
+          <p:cNvPicPr>
+            <a:picLocks noChangeAspect="1"/>
+          </p:cNvPicPr>
+          <p:nvPr/>
+        </p:nvPicPr>
+        <p:blipFill>
+          <a:blip r:embed="rId2"/>
+          <a:stretch>
+            <a:fillRect/>
+          </a:stretch>
+        </p:blipFill>
+        <p:spPr>
+          <a:xfrm>
+            <a:off x="1136523" y="2667122"/>
+            <a:ext cx="3453061" cy="847683"/>
+          </a:xfrm>
+          <a:prstGeom prst="rect">
+            <a:avLst/>
+          </a:prstGeom>
+        </p:spPr>
+      </p:pic>
+      <p:pic>
+        <p:nvPicPr>
+          <p:cNvPr id="9" name="圖片 8">
+            <a:extLst>
+              <a:ext uri="{FF2B5EF4-FFF2-40B4-BE49-F238E27FC236}">
+                <a16:creationId xmlns:a16="http://schemas.microsoft.com/office/drawing/2014/main" id="{868572E5-D1ED-4973-AF45-672B01092E6C}"/>
+              </a:ext>
+            </a:extLst>
+          </p:cNvPr>
+          <p:cNvPicPr>
+            <a:picLocks noChangeAspect="1"/>
+          </p:cNvPicPr>
+          <p:nvPr/>
+        </p:nvPicPr>
+        <p:blipFill>
+          <a:blip r:embed="rId3"/>
+          <a:stretch>
+            <a:fillRect/>
+          </a:stretch>
+        </p:blipFill>
+        <p:spPr>
+          <a:xfrm>
+            <a:off x="1136523" y="3988778"/>
+            <a:ext cx="3810000" cy="533400"/>
+          </a:xfrm>
+          <a:prstGeom prst="rect">
+            <a:avLst/>
+          </a:prstGeom>
+          <a:ln>
+            <a:solidFill>
+              <a:srgbClr val="0000FF"/>
+            </a:solidFill>
+          </a:ln>
+        </p:spPr>
+      </p:pic>
+      <p:sp>
+        <p:nvSpPr>
+          <p:cNvPr id="10" name="文字方塊 9">
+            <a:extLst>
+              <a:ext uri="{FF2B5EF4-FFF2-40B4-BE49-F238E27FC236}">
+                <a16:creationId xmlns:a16="http://schemas.microsoft.com/office/drawing/2014/main" id="{17BF4DD1-CF57-4822-9A3E-8B11E6FBACCD}"/>
+              </a:ext>
+            </a:extLst>
+          </p:cNvPr>
+          <p:cNvSpPr txBox="1"/>
+          <p:nvPr/>
+        </p:nvSpPr>
+        <p:spPr>
+          <a:xfrm>
+            <a:off x="3402331" y="4522178"/>
+            <a:ext cx="673582" cy="584775"/>
+          </a:xfrm>
+          <a:prstGeom prst="rect">
+            <a:avLst/>
+          </a:prstGeom>
+          <a:noFill/>
+        </p:spPr>
+        <p:txBody>
+          <a:bodyPr wrap="none" rtlCol="0">
+            <a:spAutoFit/>
+          </a:bodyPr>
+          <a:lstStyle/>
+          <a:p>
+            <a:r>
+              <a:rPr lang="en-US" altLang="zh-TW" sz="3200" b="1" dirty="0">
+                <a:solidFill>
+                  <a:srgbClr val="0000FF"/>
+                </a:solidFill>
+              </a:rPr>
+              <a:t>= ?</a:t>
+            </a:r>
+            <a:endParaRPr lang="zh-TW" altLang="en-US" sz="3200" b="1" dirty="0">
+              <a:solidFill>
+                <a:srgbClr val="0000FF"/>
+              </a:solidFill>
+            </a:endParaRPr>
+          </a:p>
+        </p:txBody>
+      </p:sp>
+      <p:pic>
+        <p:nvPicPr>
+          <p:cNvPr id="11" name="圖片 10">
+            <a:extLst>
+              <a:ext uri="{FF2B5EF4-FFF2-40B4-BE49-F238E27FC236}">
+                <a16:creationId xmlns:a16="http://schemas.microsoft.com/office/drawing/2014/main" id="{E3B0108B-992E-48AF-AF29-125AA833FCB7}"/>
+              </a:ext>
+            </a:extLst>
+          </p:cNvPr>
+          <p:cNvPicPr>
+            <a:picLocks noChangeAspect="1"/>
+          </p:cNvPicPr>
+          <p:nvPr/>
+        </p:nvPicPr>
+        <p:blipFill>
+          <a:blip r:embed="rId4"/>
+          <a:stretch>
+            <a:fillRect/>
+          </a:stretch>
+        </p:blipFill>
+        <p:spPr>
+          <a:xfrm>
+            <a:off x="6236677" y="3090963"/>
+            <a:ext cx="5813873" cy="1325563"/>
+          </a:xfrm>
+          <a:prstGeom prst="rect">
+            <a:avLst/>
+          </a:prstGeom>
+          <a:ln>
+            <a:solidFill>
+              <a:schemeClr val="accent4">
+                <a:lumMod val="75000"/>
+              </a:schemeClr>
+            </a:solidFill>
+            <a:prstDash val="dash"/>
+          </a:ln>
+        </p:spPr>
+      </p:pic>
+      <p:sp>
+        <p:nvSpPr>
+          <p:cNvPr id="12" name="文字方塊 11">
+            <a:extLst>
+              <a:ext uri="{FF2B5EF4-FFF2-40B4-BE49-F238E27FC236}">
+                <a16:creationId xmlns:a16="http://schemas.microsoft.com/office/drawing/2014/main" id="{048C41A6-4811-4A58-96A8-FCC8DD474872}"/>
+              </a:ext>
+            </a:extLst>
+          </p:cNvPr>
+          <p:cNvSpPr txBox="1"/>
+          <p:nvPr/>
+        </p:nvSpPr>
+        <p:spPr>
+          <a:xfrm>
+            <a:off x="6096000" y="2741652"/>
+            <a:ext cx="2723823" cy="369332"/>
+          </a:xfrm>
+          <a:prstGeom prst="rect">
+            <a:avLst/>
+          </a:prstGeom>
+          <a:noFill/>
+        </p:spPr>
+        <p:txBody>
+          <a:bodyPr wrap="none" rtlCol="0">
+            <a:spAutoFit/>
+          </a:bodyPr>
+          <a:lstStyle/>
+          <a:p>
+            <a:r>
+              <a:rPr lang="zh-TW" altLang="en-US" dirty="0">
+                <a:solidFill>
+                  <a:schemeClr val="accent4">
+                    <a:lumMod val="50000"/>
+                  </a:schemeClr>
+                </a:solidFill>
+              </a:rPr>
+              <a:t>推導公式時的重要參考：</a:t>
+            </a:r>
+          </a:p>
+        </p:txBody>
+      </p:sp>
+    </p:spTree>
+    <p:extLst>
+      <p:ext uri="{BB962C8B-B14F-4D97-AF65-F5344CB8AC3E}">
+        <p14:creationId xmlns:p14="http://schemas.microsoft.com/office/powerpoint/2010/main" val="834593805"/>
+      </p:ext>
+    </p:extLst>
+  </p:cSld>
+  <p:clrMapOvr>
+    <a:masterClrMapping/>
+  </p:clrMapOvr>
+</p:sld>
+</file>
+
+<file path=ppt/slides/slide36.xml><?xml version="1.0" encoding="utf-8"?>
+<p:sld xmlns:a="http://schemas.openxmlformats.org/drawingml/2006/main" xmlns:r="http://schemas.openxmlformats.org/officeDocument/2006/relationships" xmlns:p="http://schemas.openxmlformats.org/presentationml/2006/main">
+  <p:cSld>
+    <p:spTree>
+      <p:nvGrpSpPr>
+        <p:cNvPr id="1" name=""/>
+        <p:cNvGrpSpPr/>
+        <p:nvPr/>
+      </p:nvGrpSpPr>
+      <p:grpSpPr>
+        <a:xfrm>
+          <a:off x="0" y="0"/>
+          <a:ext cx="0" cy="0"/>
+          <a:chOff x="0" y="0"/>
+          <a:chExt cx="0" cy="0"/>
+        </a:xfrm>
+      </p:grpSpPr>
+      <p:sp>
+        <p:nvSpPr>
+          <p:cNvPr id="2" name="標題 1">
+            <a:extLst>
+              <a:ext uri="{FF2B5EF4-FFF2-40B4-BE49-F238E27FC236}">
                 <a16:creationId xmlns:a16="http://schemas.microsoft.com/office/drawing/2014/main" id="{71487F8B-23F5-40E8-9BAD-DEFD0A3D7A00}"/>
               </a:ext>
             </a:extLst>
@@ -21320,6 +23386,10 @@
           <a:bodyPr/>
           <a:lstStyle/>
           <a:p>
+            <a:r>
+              <a:rPr lang="en-US" altLang="zh-TW" dirty="0"/>
+              <a:t>Support vector machine (SVM)</a:t>
+            </a:r>
             <a:endParaRPr lang="zh-TW" altLang="en-US" dirty="0"/>
           </a:p>
         </p:txBody>
@@ -21523,7 +23593,7 @@
           <a:p>
             <a:fld id="{CCCC54F5-AF54-4DEE-8C8A-6B071CAEC70F}" type="slidenum">
               <a:rPr lang="zh-TW" altLang="en-US" smtClean="0"/>
-              <a:t>32</a:t>
+              <a:t>36</a:t>
             </a:fld>
             <a:endParaRPr lang="zh-TW" altLang="en-US"/>
           </a:p>
@@ -21542,7 +23612,7 @@
 </p:sld>
 </file>
 
-<file path=ppt/slides/slide33.xml><?xml version="1.0" encoding="utf-8"?>
+<file path=ppt/slides/slide37.xml><?xml version="1.0" encoding="utf-8"?>
 <p:sld xmlns:a="http://schemas.openxmlformats.org/drawingml/2006/main" xmlns:r="http://schemas.openxmlformats.org/officeDocument/2006/relationships" xmlns:p="http://schemas.openxmlformats.org/presentationml/2006/main">
   <p:cSld>
     <p:spTree>
@@ -21688,7 +23758,7 @@
           <a:p>
             <a:fld id="{CCCC54F5-AF54-4DEE-8C8A-6B071CAEC70F}" type="slidenum">
               <a:rPr lang="zh-TW" altLang="en-US" smtClean="0"/>
-              <a:t>33</a:t>
+              <a:t>37</a:t>
             </a:fld>
             <a:endParaRPr lang="zh-TW" altLang="en-US"/>
           </a:p>
@@ -21707,7 +23777,7 @@
 </p:sld>
 </file>
 
-<file path=ppt/slides/slide34.xml><?xml version="1.0" encoding="utf-8"?>
+<file path=ppt/slides/slide38.xml><?xml version="1.0" encoding="utf-8"?>
 <p:sld xmlns:a="http://schemas.openxmlformats.org/drawingml/2006/main" xmlns:r="http://schemas.openxmlformats.org/officeDocument/2006/relationships" xmlns:p="http://schemas.openxmlformats.org/presentationml/2006/main">
   <p:cSld>
     <p:spTree>
@@ -21894,7 +23964,7 @@
           <a:p>
             <a:fld id="{CCCC54F5-AF54-4DEE-8C8A-6B071CAEC70F}" type="slidenum">
               <a:rPr lang="zh-TW" altLang="en-US" smtClean="0"/>
-              <a:t>34</a:t>
+              <a:t>38</a:t>
             </a:fld>
             <a:endParaRPr lang="zh-TW" altLang="en-US"/>
           </a:p>
@@ -21943,7 +24013,7 @@
 </p:sld>
 </file>
 
-<file path=ppt/slides/slide35.xml><?xml version="1.0" encoding="utf-8"?>
+<file path=ppt/slides/slide39.xml><?xml version="1.0" encoding="utf-8"?>
 <p:sld xmlns:a="http://schemas.openxmlformats.org/drawingml/2006/main" xmlns:r="http://schemas.openxmlformats.org/officeDocument/2006/relationships" xmlns:p="http://schemas.openxmlformats.org/presentationml/2006/main">
   <p:cSld>
     <p:spTree>
@@ -21960,6 +24030,36 @@
           <a:chExt cx="0" cy="0"/>
         </a:xfrm>
       </p:grpSpPr>
+      <p:pic>
+        <p:nvPicPr>
+          <p:cNvPr id="5" name="圖片 4">
+            <a:extLst>
+              <a:ext uri="{FF2B5EF4-FFF2-40B4-BE49-F238E27FC236}">
+                <a16:creationId xmlns:a16="http://schemas.microsoft.com/office/drawing/2014/main" id="{5A79704D-BB41-4E8C-8A63-E784F363EE74}"/>
+              </a:ext>
+            </a:extLst>
+          </p:cNvPr>
+          <p:cNvPicPr>
+            <a:picLocks noChangeAspect="1"/>
+          </p:cNvPicPr>
+          <p:nvPr/>
+        </p:nvPicPr>
+        <p:blipFill>
+          <a:blip r:embed="rId3"/>
+          <a:stretch>
+            <a:fillRect/>
+          </a:stretch>
+        </p:blipFill>
+        <p:spPr>
+          <a:xfrm>
+            <a:off x="5190393" y="1690688"/>
+            <a:ext cx="7001607" cy="4665662"/>
+          </a:xfrm>
+          <a:prstGeom prst="rect">
+            <a:avLst/>
+          </a:prstGeom>
+        </p:spPr>
+      </p:pic>
       <p:sp>
         <p:nvSpPr>
           <p:cNvPr id="2" name="標題 1">
@@ -21981,6 +24081,18 @@
           <a:bodyPr/>
           <a:lstStyle/>
           <a:p>
+            <a:r>
+              <a:rPr lang="en-US" altLang="zh-TW" dirty="0"/>
+              <a:t>Support vector machine</a:t>
+            </a:r>
+            <a:r>
+              <a:rPr lang="zh-TW" altLang="en-US" dirty="0"/>
+              <a:t> </a:t>
+            </a:r>
+            <a:r>
+              <a:rPr lang="en-US" altLang="zh-TW" dirty="0"/>
+              <a:t>(SVM)</a:t>
+            </a:r>
             <a:endParaRPr lang="zh-TW" altLang="en-US" dirty="0"/>
           </a:p>
         </p:txBody>
@@ -22001,12 +24113,200 @@
             <p:ph idx="1"/>
           </p:nvPr>
         </p:nvSpPr>
-        <p:spPr/>
+        <p:spPr>
+          <a:xfrm>
+            <a:off x="348763" y="1488830"/>
+            <a:ext cx="4889377" cy="4867520"/>
+          </a:xfrm>
+        </p:spPr>
         <p:txBody>
-          <a:bodyPr/>
+          <a:bodyPr>
+            <a:normAutofit fontScale="77500" lnSpcReduction="20000"/>
+          </a:bodyPr>
           <a:lstStyle/>
           <a:p>
-            <a:endParaRPr lang="zh-TW" altLang="en-US"/>
+            <a:pPr lvl="1">
+              <a:spcBef>
+                <a:spcPts val="1000"/>
+              </a:spcBef>
+              <a:defRPr/>
+            </a:pPr>
+            <a:r>
+              <a:rPr lang="en-US" altLang="zh-TW" dirty="0">
+                <a:hlinkClick r:id="rId4"/>
+              </a:rPr>
+              <a:t>https://en.wikipedia.org/wiki/Support_vector_machine</a:t>
+            </a:r>
+            <a:endParaRPr lang="en-US" altLang="zh-TW" dirty="0"/>
+          </a:p>
+          <a:p>
+            <a:pPr>
+              <a:defRPr/>
+            </a:pPr>
+            <a:r>
+              <a:rPr lang="en-US" altLang="zh-TW" b="1" dirty="0"/>
+              <a:t>Maximum margin classification</a:t>
+            </a:r>
+            <a:endParaRPr lang="en-US" altLang="zh-TW" dirty="0"/>
+          </a:p>
+          <a:p>
+            <a:r>
+              <a:rPr lang="en-US" altLang="zh-TW" dirty="0"/>
+              <a:t>SVM</a:t>
+            </a:r>
+            <a:r>
+              <a:rPr lang="zh-TW" altLang="en-US" dirty="0"/>
+              <a:t> </a:t>
+            </a:r>
+            <a:r>
+              <a:rPr lang="en-US" altLang="zh-TW" dirty="0"/>
+              <a:t>can be considered an extension of the perceptron. </a:t>
+            </a:r>
+          </a:p>
+          <a:p>
+            <a:pPr lvl="1"/>
+            <a:r>
+              <a:rPr lang="en-US" altLang="zh-TW" dirty="0"/>
+              <a:t>In perceptron (ADLINE), to minimize </a:t>
+            </a:r>
+            <a:r>
+              <a:rPr lang="en-US" altLang="zh-TW" dirty="0">
+                <a:solidFill>
+                  <a:srgbClr val="FF0000"/>
+                </a:solidFill>
+              </a:rPr>
+              <a:t>misclassification errors</a:t>
+            </a:r>
+            <a:r>
+              <a:rPr lang="en-US" altLang="zh-TW" dirty="0"/>
+              <a:t>. </a:t>
+            </a:r>
+          </a:p>
+          <a:p>
+            <a:pPr lvl="1"/>
+            <a:r>
+              <a:rPr lang="en-US" altLang="zh-TW" dirty="0"/>
+              <a:t>in SVM, to maximize the </a:t>
+            </a:r>
+            <a:r>
+              <a:rPr lang="en-US" altLang="zh-TW" dirty="0">
+                <a:solidFill>
+                  <a:srgbClr val="0000FF"/>
+                </a:solidFill>
+              </a:rPr>
+              <a:t>margin</a:t>
+            </a:r>
+            <a:r>
+              <a:rPr lang="en-US" altLang="zh-TW" dirty="0"/>
+              <a:t>. </a:t>
+            </a:r>
+          </a:p>
+          <a:p>
+            <a:r>
+              <a:rPr lang="en-US" altLang="zh-TW" dirty="0">
+                <a:solidFill>
+                  <a:srgbClr val="0000FF"/>
+                </a:solidFill>
+              </a:rPr>
+              <a:t>margin</a:t>
+            </a:r>
+            <a:r>
+              <a:rPr lang="en-US" altLang="zh-TW" dirty="0"/>
+              <a:t> </a:t>
+            </a:r>
+          </a:p>
+          <a:p>
+            <a:pPr marL="0" indent="0">
+              <a:buNone/>
+            </a:pPr>
+            <a:r>
+              <a:rPr lang="en-US" altLang="zh-TW" dirty="0"/>
+              <a:t>= distance </a:t>
+            </a:r>
+          </a:p>
+          <a:p>
+            <a:pPr marL="0" indent="0">
+              <a:buNone/>
+            </a:pPr>
+            <a:r>
+              <a:rPr lang="en-US" altLang="zh-TW" dirty="0"/>
+              <a:t>between the separating hyperplane (</a:t>
+            </a:r>
+            <a:r>
+              <a:rPr lang="en-US" altLang="zh-TW" dirty="0">
+                <a:solidFill>
+                  <a:srgbClr val="FF0000"/>
+                </a:solidFill>
+              </a:rPr>
+              <a:t>decision boundary</a:t>
+            </a:r>
+            <a:r>
+              <a:rPr lang="en-US" altLang="zh-TW" dirty="0"/>
+              <a:t>) </a:t>
+            </a:r>
+          </a:p>
+          <a:p>
+            <a:pPr marL="0" indent="0">
+              <a:buNone/>
+            </a:pPr>
+            <a:r>
+              <a:rPr lang="en-US" altLang="zh-TW" dirty="0"/>
+              <a:t>and the </a:t>
+            </a:r>
+            <a:r>
+              <a:rPr lang="en-US" altLang="zh-TW" dirty="0">
+                <a:solidFill>
+                  <a:srgbClr val="FF0000"/>
+                </a:solidFill>
+              </a:rPr>
+              <a:t>training samples </a:t>
+            </a:r>
+          </a:p>
+          <a:p>
+            <a:pPr marL="0" indent="0">
+              <a:buNone/>
+            </a:pPr>
+            <a:r>
+              <a:rPr lang="en-US" altLang="zh-TW" dirty="0"/>
+              <a:t>  that are </a:t>
+            </a:r>
+            <a:r>
+              <a:rPr lang="en-US" altLang="zh-TW" dirty="0">
+                <a:solidFill>
+                  <a:srgbClr val="FF0000"/>
+                </a:solidFill>
+              </a:rPr>
+              <a:t>closest </a:t>
+            </a:r>
+            <a:r>
+              <a:rPr lang="en-US" altLang="zh-TW" dirty="0"/>
+              <a:t>to this hyperplane, </a:t>
+            </a:r>
+          </a:p>
+          <a:p>
+            <a:pPr marL="0" indent="0">
+              <a:buNone/>
+            </a:pPr>
+            <a:r>
+              <a:rPr lang="en-US" altLang="zh-TW" dirty="0"/>
+              <a:t>  which are the so-called </a:t>
+            </a:r>
+            <a:r>
+              <a:rPr lang="en-US" altLang="zh-TW" b="1" dirty="0">
+                <a:solidFill>
+                  <a:srgbClr val="FF0000"/>
+                </a:solidFill>
+                <a:highlight>
+                  <a:srgbClr val="FFFF00"/>
+                </a:highlight>
+              </a:rPr>
+              <a:t>support vectors</a:t>
+            </a:r>
+            <a:r>
+              <a:rPr lang="en-US" altLang="zh-TW" dirty="0"/>
+              <a:t>. </a:t>
+            </a:r>
+            <a:endParaRPr lang="zh-TW" altLang="en-US" dirty="0"/>
           </a:p>
         </p:txBody>
       </p:sp>
@@ -22033,7 +24333,7 @@
           <a:p>
             <a:fld id="{CCCC54F5-AF54-4DEE-8C8A-6B071CAEC70F}" type="slidenum">
               <a:rPr lang="zh-TW" altLang="en-US" smtClean="0"/>
-              <a:t>35</a:t>
+              <a:t>39</a:t>
             </a:fld>
             <a:endParaRPr lang="zh-TW" altLang="en-US"/>
           </a:p>
@@ -23353,6 +25653,667 @@
 </p:sld>
 </file>
 
+<file path=ppt/slides/slide40.xml><?xml version="1.0" encoding="utf-8"?>
+<p:sld xmlns:a="http://schemas.openxmlformats.org/drawingml/2006/main" xmlns:r="http://schemas.openxmlformats.org/officeDocument/2006/relationships" xmlns:p="http://schemas.openxmlformats.org/presentationml/2006/main">
+  <p:cSld>
+    <p:spTree>
+      <p:nvGrpSpPr>
+        <p:cNvPr id="1" name=""/>
+        <p:cNvGrpSpPr/>
+        <p:nvPr/>
+      </p:nvGrpSpPr>
+      <p:grpSpPr>
+        <a:xfrm>
+          <a:off x="0" y="0"/>
+          <a:ext cx="0" cy="0"/>
+          <a:chOff x="0" y="0"/>
+          <a:chExt cx="0" cy="0"/>
+        </a:xfrm>
+      </p:grpSpPr>
+      <p:sp>
+        <p:nvSpPr>
+          <p:cNvPr id="2" name="標題 1">
+            <a:extLst>
+              <a:ext uri="{FF2B5EF4-FFF2-40B4-BE49-F238E27FC236}">
+                <a16:creationId xmlns:a16="http://schemas.microsoft.com/office/drawing/2014/main" id="{C61CBA17-23BF-4FB2-B3A5-65EC7714C4C3}"/>
+              </a:ext>
+            </a:extLst>
+          </p:cNvPr>
+          <p:cNvSpPr>
+            <a:spLocks noGrp="1"/>
+          </p:cNvSpPr>
+          <p:nvPr>
+            <p:ph type="title"/>
+          </p:nvPr>
+        </p:nvSpPr>
+        <p:spPr/>
+        <p:txBody>
+          <a:bodyPr/>
+          <a:lstStyle/>
+          <a:p>
+            <a:r>
+              <a:rPr lang="en-US" altLang="zh-TW" dirty="0"/>
+              <a:t>Optimization problem</a:t>
+            </a:r>
+            <a:endParaRPr lang="zh-TW" altLang="en-US" dirty="0"/>
+          </a:p>
+        </p:txBody>
+      </p:sp>
+      <p:sp>
+        <p:nvSpPr>
+          <p:cNvPr id="3" name="內容版面配置區 2">
+            <a:extLst>
+              <a:ext uri="{FF2B5EF4-FFF2-40B4-BE49-F238E27FC236}">
+                <a16:creationId xmlns:a16="http://schemas.microsoft.com/office/drawing/2014/main" id="{5A91A52F-3326-45CF-88B3-06C9C909E5B1}"/>
+              </a:ext>
+            </a:extLst>
+          </p:cNvPr>
+          <p:cNvSpPr>
+            <a:spLocks noGrp="1"/>
+          </p:cNvSpPr>
+          <p:nvPr>
+            <p:ph idx="1"/>
+          </p:nvPr>
+        </p:nvSpPr>
+        <p:spPr/>
+        <p:txBody>
+          <a:bodyPr/>
+          <a:lstStyle/>
+          <a:p>
+            <a:r>
+              <a:rPr lang="en-US" altLang="zh-TW" dirty="0">
+                <a:hlinkClick r:id="rId2"/>
+              </a:rPr>
+              <a:t>https://en.wikipedia.org/wiki/Optimization_problem</a:t>
+            </a:r>
+            <a:endParaRPr lang="en-US" altLang="zh-TW" dirty="0"/>
+          </a:p>
+          <a:p>
+            <a:endParaRPr lang="zh-TW" altLang="en-US" dirty="0"/>
+          </a:p>
+        </p:txBody>
+      </p:sp>
+      <p:sp>
+        <p:nvSpPr>
+          <p:cNvPr id="4" name="投影片編號版面配置區 3">
+            <a:extLst>
+              <a:ext uri="{FF2B5EF4-FFF2-40B4-BE49-F238E27FC236}">
+                <a16:creationId xmlns:a16="http://schemas.microsoft.com/office/drawing/2014/main" id="{D59BD415-FFAF-4AE4-AEFD-77B225FDB100}"/>
+              </a:ext>
+            </a:extLst>
+          </p:cNvPr>
+          <p:cNvSpPr>
+            <a:spLocks noGrp="1"/>
+          </p:cNvSpPr>
+          <p:nvPr>
+            <p:ph type="sldNum" sz="quarter" idx="12"/>
+          </p:nvPr>
+        </p:nvSpPr>
+        <p:spPr/>
+        <p:txBody>
+          <a:bodyPr/>
+          <a:lstStyle/>
+          <a:p>
+            <a:fld id="{CCCC54F5-AF54-4DEE-8C8A-6B071CAEC70F}" type="slidenum">
+              <a:rPr lang="zh-TW" altLang="en-US" smtClean="0"/>
+              <a:t>40</a:t>
+            </a:fld>
+            <a:endParaRPr lang="zh-TW" altLang="en-US"/>
+          </a:p>
+        </p:txBody>
+      </p:sp>
+      <p:pic>
+        <p:nvPicPr>
+          <p:cNvPr id="5" name="圖片 4">
+            <a:extLst>
+              <a:ext uri="{FF2B5EF4-FFF2-40B4-BE49-F238E27FC236}">
+                <a16:creationId xmlns:a16="http://schemas.microsoft.com/office/drawing/2014/main" id="{68A0FA7B-6142-4001-A2EA-45B4A43801F1}"/>
+              </a:ext>
+            </a:extLst>
+          </p:cNvPr>
+          <p:cNvPicPr>
+            <a:picLocks noChangeAspect="1"/>
+          </p:cNvPicPr>
+          <p:nvPr/>
+        </p:nvPicPr>
+        <p:blipFill>
+          <a:blip r:embed="rId3"/>
+          <a:stretch>
+            <a:fillRect/>
+          </a:stretch>
+        </p:blipFill>
+        <p:spPr>
+          <a:xfrm>
+            <a:off x="1113023" y="2353468"/>
+            <a:ext cx="7334557" cy="2764441"/>
+          </a:xfrm>
+          <a:prstGeom prst="rect">
+            <a:avLst/>
+          </a:prstGeom>
+        </p:spPr>
+      </p:pic>
+    </p:spTree>
+    <p:extLst>
+      <p:ext uri="{BB962C8B-B14F-4D97-AF65-F5344CB8AC3E}">
+        <p14:creationId xmlns:p14="http://schemas.microsoft.com/office/powerpoint/2010/main" val="1716915616"/>
+      </p:ext>
+    </p:extLst>
+  </p:cSld>
+  <p:clrMapOvr>
+    <a:masterClrMapping/>
+  </p:clrMapOvr>
+</p:sld>
+</file>
+
+<file path=ppt/slides/slide41.xml><?xml version="1.0" encoding="utf-8"?>
+<p:sld xmlns:a="http://schemas.openxmlformats.org/drawingml/2006/main" xmlns:r="http://schemas.openxmlformats.org/officeDocument/2006/relationships" xmlns:p="http://schemas.openxmlformats.org/presentationml/2006/main">
+  <p:cSld>
+    <p:spTree>
+      <p:nvGrpSpPr>
+        <p:cNvPr id="1" name=""/>
+        <p:cNvGrpSpPr/>
+        <p:nvPr/>
+      </p:nvGrpSpPr>
+      <p:grpSpPr>
+        <a:xfrm>
+          <a:off x="0" y="0"/>
+          <a:ext cx="0" cy="0"/>
+          <a:chOff x="0" y="0"/>
+          <a:chExt cx="0" cy="0"/>
+        </a:xfrm>
+      </p:grpSpPr>
+      <p:sp>
+        <p:nvSpPr>
+          <p:cNvPr id="2" name="標題 1">
+            <a:extLst>
+              <a:ext uri="{FF2B5EF4-FFF2-40B4-BE49-F238E27FC236}">
+                <a16:creationId xmlns:a16="http://schemas.microsoft.com/office/drawing/2014/main" id="{75376DAF-38B5-455F-9947-0D012778494A}"/>
+              </a:ext>
+            </a:extLst>
+          </p:cNvPr>
+          <p:cNvSpPr>
+            <a:spLocks noGrp="1"/>
+          </p:cNvSpPr>
+          <p:nvPr>
+            <p:ph type="title"/>
+          </p:nvPr>
+        </p:nvSpPr>
+        <p:spPr/>
+        <p:txBody>
+          <a:bodyPr/>
+          <a:lstStyle/>
+          <a:p>
+            <a:r>
+              <a:rPr lang="en-US" altLang="zh-TW" dirty="0"/>
+              <a:t>Constrained optimization</a:t>
+            </a:r>
+            <a:endParaRPr lang="zh-TW" altLang="en-US" dirty="0"/>
+          </a:p>
+        </p:txBody>
+      </p:sp>
+      <p:sp>
+        <p:nvSpPr>
+          <p:cNvPr id="3" name="內容版面配置區 2">
+            <a:extLst>
+              <a:ext uri="{FF2B5EF4-FFF2-40B4-BE49-F238E27FC236}">
+                <a16:creationId xmlns:a16="http://schemas.microsoft.com/office/drawing/2014/main" id="{499C34D6-931F-4806-933A-92D2E424E506}"/>
+              </a:ext>
+            </a:extLst>
+          </p:cNvPr>
+          <p:cNvSpPr>
+            <a:spLocks noGrp="1"/>
+          </p:cNvSpPr>
+          <p:nvPr>
+            <p:ph idx="1"/>
+          </p:nvPr>
+        </p:nvSpPr>
+        <p:spPr>
+          <a:xfrm>
+            <a:off x="838200" y="1825625"/>
+            <a:ext cx="10515600" cy="720351"/>
+          </a:xfrm>
+        </p:spPr>
+        <p:txBody>
+          <a:bodyPr/>
+          <a:lstStyle/>
+          <a:p>
+            <a:r>
+              <a:rPr lang="en-US" altLang="zh-TW" dirty="0">
+                <a:hlinkClick r:id="rId2"/>
+              </a:rPr>
+              <a:t>https://en.wikipedia.org/wiki/Constrained_optimization</a:t>
+            </a:r>
+            <a:endParaRPr lang="en-US" altLang="zh-TW" dirty="0"/>
+          </a:p>
+          <a:p>
+            <a:endParaRPr lang="zh-TW" altLang="en-US" dirty="0"/>
+          </a:p>
+        </p:txBody>
+      </p:sp>
+      <p:sp>
+        <p:nvSpPr>
+          <p:cNvPr id="4" name="投影片編號版面配置區 3">
+            <a:extLst>
+              <a:ext uri="{FF2B5EF4-FFF2-40B4-BE49-F238E27FC236}">
+                <a16:creationId xmlns:a16="http://schemas.microsoft.com/office/drawing/2014/main" id="{62F4109E-0CC0-4EAE-AD61-56CE4E6ED992}"/>
+              </a:ext>
+            </a:extLst>
+          </p:cNvPr>
+          <p:cNvSpPr>
+            <a:spLocks noGrp="1"/>
+          </p:cNvSpPr>
+          <p:nvPr>
+            <p:ph type="sldNum" sz="quarter" idx="12"/>
+          </p:nvPr>
+        </p:nvSpPr>
+        <p:spPr/>
+        <p:txBody>
+          <a:bodyPr/>
+          <a:lstStyle/>
+          <a:p>
+            <a:fld id="{CCCC54F5-AF54-4DEE-8C8A-6B071CAEC70F}" type="slidenum">
+              <a:rPr lang="zh-TW" altLang="en-US" smtClean="0"/>
+              <a:t>41</a:t>
+            </a:fld>
+            <a:endParaRPr lang="zh-TW" altLang="en-US" dirty="0"/>
+          </a:p>
+        </p:txBody>
+      </p:sp>
+      <p:pic>
+        <p:nvPicPr>
+          <p:cNvPr id="5" name="圖片 4">
+            <a:extLst>
+              <a:ext uri="{FF2B5EF4-FFF2-40B4-BE49-F238E27FC236}">
+                <a16:creationId xmlns:a16="http://schemas.microsoft.com/office/drawing/2014/main" id="{20A839F8-DABF-4100-86E1-95639C93EB62}"/>
+              </a:ext>
+            </a:extLst>
+          </p:cNvPr>
+          <p:cNvPicPr>
+            <a:picLocks noChangeAspect="1"/>
+          </p:cNvPicPr>
+          <p:nvPr/>
+        </p:nvPicPr>
+        <p:blipFill>
+          <a:blip r:embed="rId3"/>
+          <a:stretch>
+            <a:fillRect/>
+          </a:stretch>
+        </p:blipFill>
+        <p:spPr>
+          <a:xfrm>
+            <a:off x="1167168" y="2464744"/>
+            <a:ext cx="8182992" cy="2475746"/>
+          </a:xfrm>
+          <a:prstGeom prst="rect">
+            <a:avLst/>
+          </a:prstGeom>
+        </p:spPr>
+      </p:pic>
+    </p:spTree>
+    <p:extLst>
+      <p:ext uri="{BB962C8B-B14F-4D97-AF65-F5344CB8AC3E}">
+        <p14:creationId xmlns:p14="http://schemas.microsoft.com/office/powerpoint/2010/main" val="1130088433"/>
+      </p:ext>
+    </p:extLst>
+  </p:cSld>
+  <p:clrMapOvr>
+    <a:masterClrMapping/>
+  </p:clrMapOvr>
+</p:sld>
+</file>
+
+<file path=ppt/slides/slide42.xml><?xml version="1.0" encoding="utf-8"?>
+<p:sld xmlns:a="http://schemas.openxmlformats.org/drawingml/2006/main" xmlns:r="http://schemas.openxmlformats.org/officeDocument/2006/relationships" xmlns:p="http://schemas.openxmlformats.org/presentationml/2006/main">
+  <p:cSld>
+    <p:spTree>
+      <p:nvGrpSpPr>
+        <p:cNvPr id="1" name=""/>
+        <p:cNvGrpSpPr/>
+        <p:nvPr/>
+      </p:nvGrpSpPr>
+      <p:grpSpPr>
+        <a:xfrm>
+          <a:off x="0" y="0"/>
+          <a:ext cx="0" cy="0"/>
+          <a:chOff x="0" y="0"/>
+          <a:chExt cx="0" cy="0"/>
+        </a:xfrm>
+      </p:grpSpPr>
+      <p:sp>
+        <p:nvSpPr>
+          <p:cNvPr id="2" name="標題 1">
+            <a:extLst>
+              <a:ext uri="{FF2B5EF4-FFF2-40B4-BE49-F238E27FC236}">
+                <a16:creationId xmlns:a16="http://schemas.microsoft.com/office/drawing/2014/main" id="{6993E8F4-C060-46FE-89A1-4C4FB66ACBEE}"/>
+              </a:ext>
+            </a:extLst>
+          </p:cNvPr>
+          <p:cNvSpPr>
+            <a:spLocks noGrp="1"/>
+          </p:cNvSpPr>
+          <p:nvPr>
+            <p:ph type="title"/>
+          </p:nvPr>
+        </p:nvSpPr>
+        <p:spPr/>
+        <p:txBody>
+          <a:bodyPr/>
+          <a:lstStyle/>
+          <a:p>
+            <a:r>
+              <a:rPr lang="en-US" altLang="zh-TW" dirty="0"/>
+              <a:t>Lagrange Multiplier Method</a:t>
+            </a:r>
+            <a:endParaRPr lang="zh-TW" altLang="en-US" dirty="0"/>
+          </a:p>
+        </p:txBody>
+      </p:sp>
+      <p:sp>
+        <p:nvSpPr>
+          <p:cNvPr id="3" name="內容版面配置區 2">
+            <a:extLst>
+              <a:ext uri="{FF2B5EF4-FFF2-40B4-BE49-F238E27FC236}">
+                <a16:creationId xmlns:a16="http://schemas.microsoft.com/office/drawing/2014/main" id="{3414EB9D-FC62-40BD-A1B9-2FE72481524B}"/>
+              </a:ext>
+            </a:extLst>
+          </p:cNvPr>
+          <p:cNvSpPr>
+            <a:spLocks noGrp="1"/>
+          </p:cNvSpPr>
+          <p:nvPr>
+            <p:ph idx="1"/>
+          </p:nvPr>
+        </p:nvSpPr>
+        <p:spPr/>
+        <p:txBody>
+          <a:bodyPr/>
+          <a:lstStyle/>
+          <a:p>
+            <a:r>
+              <a:rPr lang="en-US" altLang="zh-TW" dirty="0">
+                <a:hlinkClick r:id="rId2"/>
+              </a:rPr>
+              <a:t>http://episte.math.ntu.edu.tw/entries/en_lagrange_mul/index.html</a:t>
+            </a:r>
+            <a:endParaRPr lang="en-US" altLang="zh-TW" dirty="0"/>
+          </a:p>
+          <a:p>
+            <a:endParaRPr lang="zh-TW" altLang="en-US" dirty="0"/>
+          </a:p>
+        </p:txBody>
+      </p:sp>
+      <p:sp>
+        <p:nvSpPr>
+          <p:cNvPr id="4" name="投影片編號版面配置區 3">
+            <a:extLst>
+              <a:ext uri="{FF2B5EF4-FFF2-40B4-BE49-F238E27FC236}">
+                <a16:creationId xmlns:a16="http://schemas.microsoft.com/office/drawing/2014/main" id="{21AF5EF3-3F78-46B8-8C6F-5AC131690CC2}"/>
+              </a:ext>
+            </a:extLst>
+          </p:cNvPr>
+          <p:cNvSpPr>
+            <a:spLocks noGrp="1"/>
+          </p:cNvSpPr>
+          <p:nvPr>
+            <p:ph type="sldNum" sz="quarter" idx="12"/>
+          </p:nvPr>
+        </p:nvSpPr>
+        <p:spPr/>
+        <p:txBody>
+          <a:bodyPr/>
+          <a:lstStyle/>
+          <a:p>
+            <a:fld id="{CCCC54F5-AF54-4DEE-8C8A-6B071CAEC70F}" type="slidenum">
+              <a:rPr lang="zh-TW" altLang="en-US" smtClean="0"/>
+              <a:t>42</a:t>
+            </a:fld>
+            <a:endParaRPr lang="zh-TW" altLang="en-US"/>
+          </a:p>
+        </p:txBody>
+      </p:sp>
+    </p:spTree>
+    <p:extLst>
+      <p:ext uri="{BB962C8B-B14F-4D97-AF65-F5344CB8AC3E}">
+        <p14:creationId xmlns:p14="http://schemas.microsoft.com/office/powerpoint/2010/main" val="2630802871"/>
+      </p:ext>
+    </p:extLst>
+  </p:cSld>
+  <p:clrMapOvr>
+    <a:masterClrMapping/>
+  </p:clrMapOvr>
+</p:sld>
+</file>
+
+<file path=ppt/slides/slide43.xml><?xml version="1.0" encoding="utf-8"?>
+<p:sld xmlns:a="http://schemas.openxmlformats.org/drawingml/2006/main" xmlns:r="http://schemas.openxmlformats.org/officeDocument/2006/relationships" xmlns:p="http://schemas.openxmlformats.org/presentationml/2006/main">
+  <p:cSld>
+    <p:spTree>
+      <p:nvGrpSpPr>
+        <p:cNvPr id="1" name=""/>
+        <p:cNvGrpSpPr/>
+        <p:nvPr/>
+      </p:nvGrpSpPr>
+      <p:grpSpPr>
+        <a:xfrm>
+          <a:off x="0" y="0"/>
+          <a:ext cx="0" cy="0"/>
+          <a:chOff x="0" y="0"/>
+          <a:chExt cx="0" cy="0"/>
+        </a:xfrm>
+      </p:grpSpPr>
+      <p:pic>
+        <p:nvPicPr>
+          <p:cNvPr id="5" name="圖片 4">
+            <a:extLst>
+              <a:ext uri="{FF2B5EF4-FFF2-40B4-BE49-F238E27FC236}">
+                <a16:creationId xmlns:a16="http://schemas.microsoft.com/office/drawing/2014/main" id="{C3207C4E-0F29-46AB-B2B3-3E471299BD29}"/>
+              </a:ext>
+            </a:extLst>
+          </p:cNvPr>
+          <p:cNvPicPr>
+            <a:picLocks noChangeAspect="1"/>
+          </p:cNvPicPr>
+          <p:nvPr/>
+        </p:nvPicPr>
+        <p:blipFill>
+          <a:blip r:embed="rId2"/>
+          <a:stretch>
+            <a:fillRect/>
+          </a:stretch>
+        </p:blipFill>
+        <p:spPr>
+          <a:xfrm>
+            <a:off x="359229" y="2839762"/>
+            <a:ext cx="5535386" cy="3699150"/>
+          </a:xfrm>
+          <a:prstGeom prst="rect">
+            <a:avLst/>
+          </a:prstGeom>
+        </p:spPr>
+      </p:pic>
+      <p:sp>
+        <p:nvSpPr>
+          <p:cNvPr id="2" name="標題 1">
+            <a:extLst>
+              <a:ext uri="{FF2B5EF4-FFF2-40B4-BE49-F238E27FC236}">
+                <a16:creationId xmlns:a16="http://schemas.microsoft.com/office/drawing/2014/main" id="{8A63BF9D-63C8-4E15-9824-40480B76A68D}"/>
+              </a:ext>
+            </a:extLst>
+          </p:cNvPr>
+          <p:cNvSpPr>
+            <a:spLocks noGrp="1"/>
+          </p:cNvSpPr>
+          <p:nvPr>
+            <p:ph type="title"/>
+          </p:nvPr>
+        </p:nvSpPr>
+        <p:spPr/>
+        <p:txBody>
+          <a:bodyPr/>
+          <a:lstStyle/>
+          <a:p>
+            <a:br>
+              <a:rPr lang="zh-TW" altLang="en-US" dirty="0"/>
+            </a:br>
+            <a:r>
+              <a:rPr lang="en-US" altLang="zh-TW" dirty="0"/>
+              <a:t> </a:t>
+            </a:r>
+            <a:r>
+              <a:rPr lang="en-US" altLang="zh-TW" b="1" dirty="0"/>
+              <a:t>Support Vector Machines </a:t>
+            </a:r>
+            <a:r>
+              <a:rPr lang="zh-TW" altLang="en-US" dirty="0"/>
+              <a:t>簡介</a:t>
+            </a:r>
+          </a:p>
+        </p:txBody>
+      </p:sp>
+      <p:sp>
+        <p:nvSpPr>
+          <p:cNvPr id="3" name="內容版面配置區 2">
+            <a:extLst>
+              <a:ext uri="{FF2B5EF4-FFF2-40B4-BE49-F238E27FC236}">
+                <a16:creationId xmlns:a16="http://schemas.microsoft.com/office/drawing/2014/main" id="{606A052E-C757-4D98-BE77-B045A6F83DE9}"/>
+              </a:ext>
+            </a:extLst>
+          </p:cNvPr>
+          <p:cNvSpPr>
+            <a:spLocks noGrp="1"/>
+          </p:cNvSpPr>
+          <p:nvPr>
+            <p:ph idx="1"/>
+          </p:nvPr>
+        </p:nvSpPr>
+        <p:spPr>
+          <a:xfrm>
+            <a:off x="838200" y="1825624"/>
+            <a:ext cx="10515600" cy="884919"/>
+          </a:xfrm>
+        </p:spPr>
+        <p:txBody>
+          <a:bodyPr>
+            <a:normAutofit/>
+          </a:bodyPr>
+          <a:lstStyle/>
+          <a:p>
+            <a:r>
+              <a:rPr lang="en-US" altLang="zh-TW" dirty="0">
+                <a:hlinkClick r:id="rId3"/>
+              </a:rPr>
+              <a:t>http://www.cmlab.csie.ntu.edu.tw/~cyy/learning/tutorials/SVM2.pdf</a:t>
+            </a:r>
+            <a:endParaRPr lang="en-US" altLang="zh-TW" dirty="0"/>
+          </a:p>
+          <a:p>
+            <a:pPr lvl="2"/>
+            <a:r>
+              <a:rPr lang="en-US" altLang="zh-TW" dirty="0"/>
+              <a:t>by </a:t>
+            </a:r>
+            <a:r>
+              <a:rPr lang="zh-TW" altLang="en-US" dirty="0"/>
+              <a:t>林宗勳 </a:t>
+            </a:r>
+            <a:endParaRPr lang="en-US" altLang="zh-TW" dirty="0"/>
+          </a:p>
+          <a:p>
+            <a:endParaRPr lang="zh-TW" altLang="en-US" dirty="0"/>
+          </a:p>
+        </p:txBody>
+      </p:sp>
+      <p:sp>
+        <p:nvSpPr>
+          <p:cNvPr id="4" name="投影片編號版面配置區 3">
+            <a:extLst>
+              <a:ext uri="{FF2B5EF4-FFF2-40B4-BE49-F238E27FC236}">
+                <a16:creationId xmlns:a16="http://schemas.microsoft.com/office/drawing/2014/main" id="{65A9F33F-E649-48DD-9260-27DE6B31906E}"/>
+              </a:ext>
+            </a:extLst>
+          </p:cNvPr>
+          <p:cNvSpPr>
+            <a:spLocks noGrp="1"/>
+          </p:cNvSpPr>
+          <p:nvPr>
+            <p:ph type="sldNum" sz="quarter" idx="12"/>
+          </p:nvPr>
+        </p:nvSpPr>
+        <p:spPr/>
+        <p:txBody>
+          <a:bodyPr/>
+          <a:lstStyle/>
+          <a:p>
+            <a:fld id="{CCCC54F5-AF54-4DEE-8C8A-6B071CAEC70F}" type="slidenum">
+              <a:rPr lang="zh-TW" altLang="en-US" smtClean="0"/>
+              <a:t>43</a:t>
+            </a:fld>
+            <a:endParaRPr lang="zh-TW" altLang="en-US"/>
+          </a:p>
+        </p:txBody>
+      </p:sp>
+      <p:sp>
+        <p:nvSpPr>
+          <p:cNvPr id="6" name="矩形 5">
+            <a:extLst>
+              <a:ext uri="{FF2B5EF4-FFF2-40B4-BE49-F238E27FC236}">
+                <a16:creationId xmlns:a16="http://schemas.microsoft.com/office/drawing/2014/main" id="{2FD3A24F-6573-4220-875C-92708A908355}"/>
+              </a:ext>
+            </a:extLst>
+          </p:cNvPr>
+          <p:cNvSpPr/>
+          <p:nvPr/>
+        </p:nvSpPr>
+        <p:spPr>
+          <a:xfrm>
+            <a:off x="5271407" y="2782669"/>
+            <a:ext cx="6678385" cy="646331"/>
+          </a:xfrm>
+          <a:prstGeom prst="rect">
+            <a:avLst/>
+          </a:prstGeom>
+        </p:spPr>
+        <p:txBody>
+          <a:bodyPr wrap="square">
+            <a:spAutoFit/>
+          </a:bodyPr>
+          <a:lstStyle/>
+          <a:p>
+            <a:r>
+              <a:rPr lang="zh-TW" altLang="en-US" dirty="0"/>
+              <a:t>我們希望能找出一條線能夠將黑點和白點分開，</a:t>
+            </a:r>
+            <a:endParaRPr lang="en-US" altLang="zh-TW" dirty="0"/>
+          </a:p>
+          <a:p>
+            <a:r>
+              <a:rPr lang="zh-TW" altLang="en-US" dirty="0"/>
+              <a:t>而且我們還希望這條線距離這兩個集合的邊界</a:t>
+            </a:r>
+            <a:r>
+              <a:rPr lang="en-US" altLang="zh-TW" dirty="0"/>
+              <a:t>(margin)</a:t>
+            </a:r>
+            <a:r>
+              <a:rPr lang="zh-TW" altLang="en-US" dirty="0"/>
+              <a:t>越大越好。</a:t>
+            </a:r>
+          </a:p>
+        </p:txBody>
+      </p:sp>
+    </p:spTree>
+    <p:extLst>
+      <p:ext uri="{BB962C8B-B14F-4D97-AF65-F5344CB8AC3E}">
+        <p14:creationId xmlns:p14="http://schemas.microsoft.com/office/powerpoint/2010/main" val="222572440"/>
+      </p:ext>
+    </p:extLst>
+  </p:cSld>
+  <p:clrMapOvr>
+    <a:masterClrMapping/>
+  </p:clrMapOvr>
+</p:sld>
+</file>
+
 <file path=ppt/slides/slide5.xml><?xml version="1.0" encoding="utf-8"?>
 <p:sld xmlns:a="http://schemas.openxmlformats.org/drawingml/2006/main" xmlns:r="http://schemas.openxmlformats.org/officeDocument/2006/relationships" xmlns:p="http://schemas.openxmlformats.org/presentationml/2006/main">
   <p:cSld>
